--- a/poster.pptx
+++ b/poster.pptx
@@ -506,12 +506,12 @@
   <pc:docChgLst>
     <pc:chgData name="Julia Gong" userId="56d9f604-d530-4517-a0bf-7f0e2638ca76" providerId="ADAL" clId="{CBF6ACB1-B624-435E-9228-64D12A7AC7C0}"/>
     <pc:docChg chg="undo custSel modSld">
-      <pc:chgData name="Julia Gong" userId="56d9f604-d530-4517-a0bf-7f0e2638ca76" providerId="ADAL" clId="{CBF6ACB1-B624-435E-9228-64D12A7AC7C0}" dt="2019-12-11T20:59:42.517" v="3582" actId="20577"/>
+      <pc:chgData name="Julia Gong" userId="56d9f604-d530-4517-a0bf-7f0e2638ca76" providerId="ADAL" clId="{CBF6ACB1-B624-435E-9228-64D12A7AC7C0}" dt="2019-12-12T04:08:26.884" v="9568" actId="478"/>
       <pc:docMkLst>
         <pc:docMk/>
       </pc:docMkLst>
       <pc:sldChg chg="addSp delSp modSp">
-        <pc:chgData name="Julia Gong" userId="56d9f604-d530-4517-a0bf-7f0e2638ca76" providerId="ADAL" clId="{CBF6ACB1-B624-435E-9228-64D12A7AC7C0}" dt="2019-12-11T20:59:42.517" v="3582" actId="20577"/>
+        <pc:chgData name="Julia Gong" userId="56d9f604-d530-4517-a0bf-7f0e2638ca76" providerId="ADAL" clId="{CBF6ACB1-B624-435E-9228-64D12A7AC7C0}" dt="2019-12-12T04:08:26.884" v="9568" actId="478"/>
         <pc:sldMkLst>
           <pc:docMk/>
           <pc:sldMk cId="3666076598" sldId="256"/>
@@ -541,11 +541,35 @@
           </ac:spMkLst>
         </pc:spChg>
         <pc:spChg chg="mod">
-          <ac:chgData name="Julia Gong" userId="56d9f604-d530-4517-a0bf-7f0e2638ca76" providerId="ADAL" clId="{CBF6ACB1-B624-435E-9228-64D12A7AC7C0}" dt="2019-12-11T20:34:53.569" v="2336" actId="20577"/>
+          <ac:chgData name="Julia Gong" userId="56d9f604-d530-4517-a0bf-7f0e2638ca76" providerId="ADAL" clId="{CBF6ACB1-B624-435E-9228-64D12A7AC7C0}" dt="2019-12-12T03:31:38.908" v="7277" actId="14100"/>
           <ac:spMkLst>
             <pc:docMk/>
             <pc:sldMk cId="3666076598" sldId="256"/>
             <ac:spMk id="8" creationId="{1AC43A28-60F1-4839-A06E-C661D34178D2}"/>
+          </ac:spMkLst>
+        </pc:spChg>
+        <pc:spChg chg="mod">
+          <ac:chgData name="Julia Gong" userId="56d9f604-d530-4517-a0bf-7f0e2638ca76" providerId="ADAL" clId="{CBF6ACB1-B624-435E-9228-64D12A7AC7C0}" dt="2019-12-12T03:51:28.885" v="8244" actId="20577"/>
+          <ac:spMkLst>
+            <pc:docMk/>
+            <pc:sldMk cId="3666076598" sldId="256"/>
+            <ac:spMk id="10" creationId="{07FCC222-C7B1-4178-A2E0-FA2333E5F5D1}"/>
+          </ac:spMkLst>
+        </pc:spChg>
+        <pc:spChg chg="mod">
+          <ac:chgData name="Julia Gong" userId="56d9f604-d530-4517-a0bf-7f0e2638ca76" providerId="ADAL" clId="{CBF6ACB1-B624-435E-9228-64D12A7AC7C0}" dt="2019-12-12T04:07:18.827" v="9547" actId="1035"/>
+          <ac:spMkLst>
+            <pc:docMk/>
+            <pc:sldMk cId="3666076598" sldId="256"/>
+            <ac:spMk id="11" creationId="{0EB933C2-2A0B-462C-B881-96EC00910770}"/>
+          </ac:spMkLst>
+        </pc:spChg>
+        <pc:spChg chg="mod">
+          <ac:chgData name="Julia Gong" userId="56d9f604-d530-4517-a0bf-7f0e2638ca76" providerId="ADAL" clId="{CBF6ACB1-B624-435E-9228-64D12A7AC7C0}" dt="2019-12-12T04:08:03.540" v="9564" actId="1035"/>
+          <ac:spMkLst>
+            <pc:docMk/>
+            <pc:sldMk cId="3666076598" sldId="256"/>
+            <ac:spMk id="12" creationId="{06781B13-A61C-4854-9CAB-22E01FF6F2EB}"/>
           </ac:spMkLst>
         </pc:spChg>
         <pc:spChg chg="add mod">
@@ -557,7 +581,7 @@
           </ac:spMkLst>
         </pc:spChg>
         <pc:spChg chg="mod">
-          <ac:chgData name="Julia Gong" userId="56d9f604-d530-4517-a0bf-7f0e2638ca76" providerId="ADAL" clId="{CBF6ACB1-B624-435E-9228-64D12A7AC7C0}" dt="2019-12-11T20:27:22.318" v="1888" actId="20577"/>
+          <ac:chgData name="Julia Gong" userId="56d9f604-d530-4517-a0bf-7f0e2638ca76" providerId="ADAL" clId="{CBF6ACB1-B624-435E-9228-64D12A7AC7C0}" dt="2019-12-12T02:40:57.988" v="4864" actId="20577"/>
           <ac:spMkLst>
             <pc:docMk/>
             <pc:sldMk cId="3666076598" sldId="256"/>
@@ -573,7 +597,15 @@
           </ac:spMkLst>
         </pc:spChg>
         <pc:spChg chg="mod">
-          <ac:chgData name="Julia Gong" userId="56d9f604-d530-4517-a0bf-7f0e2638ca76" providerId="ADAL" clId="{CBF6ACB1-B624-435E-9228-64D12A7AC7C0}" dt="2019-12-11T19:43:39.697" v="760" actId="114"/>
+          <ac:chgData name="Julia Gong" userId="56d9f604-d530-4517-a0bf-7f0e2638ca76" providerId="ADAL" clId="{CBF6ACB1-B624-435E-9228-64D12A7AC7C0}" dt="2019-12-12T04:07:18.827" v="9547" actId="1035"/>
+          <ac:spMkLst>
+            <pc:docMk/>
+            <pc:sldMk cId="3666076598" sldId="256"/>
+            <ac:spMk id="25" creationId="{9B9B8026-FB28-4FF3-9636-0276856AFBD9}"/>
+          </ac:spMkLst>
+        </pc:spChg>
+        <pc:spChg chg="mod">
+          <ac:chgData name="Julia Gong" userId="56d9f604-d530-4517-a0bf-7f0e2638ca76" providerId="ADAL" clId="{CBF6ACB1-B624-435E-9228-64D12A7AC7C0}" dt="2019-12-12T04:08:13.417" v="9567" actId="255"/>
           <ac:spMkLst>
             <pc:docMk/>
             <pc:sldMk cId="3666076598" sldId="256"/>
@@ -581,11 +613,179 @@
           </ac:spMkLst>
         </pc:spChg>
         <pc:spChg chg="mod">
-          <ac:chgData name="Julia Gong" userId="56d9f604-d530-4517-a0bf-7f0e2638ca76" providerId="ADAL" clId="{CBF6ACB1-B624-435E-9228-64D12A7AC7C0}" dt="2019-12-11T20:59:42.517" v="3582" actId="20577"/>
+          <ac:chgData name="Julia Gong" userId="56d9f604-d530-4517-a0bf-7f0e2638ca76" providerId="ADAL" clId="{CBF6ACB1-B624-435E-9228-64D12A7AC7C0}" dt="2019-12-12T03:57:09.142" v="8864" actId="404"/>
+          <ac:spMkLst>
+            <pc:docMk/>
+            <pc:sldMk cId="3666076598" sldId="256"/>
+            <ac:spMk id="27" creationId="{5A0BA04D-C70B-4D2B-B62D-9DE8DF804844}"/>
+          </ac:spMkLst>
+        </pc:spChg>
+        <pc:spChg chg="add del">
+          <ac:chgData name="Julia Gong" userId="56d9f604-d530-4517-a0bf-7f0e2638ca76" providerId="ADAL" clId="{CBF6ACB1-B624-435E-9228-64D12A7AC7C0}" dt="2019-12-12T03:24:37.779" v="7092"/>
+          <ac:spMkLst>
+            <pc:docMk/>
+            <pc:sldMk cId="3666076598" sldId="256"/>
+            <ac:spMk id="36" creationId="{4D8E7053-D874-4A05-8BB2-046E974AC4A6}"/>
+          </ac:spMkLst>
+        </pc:spChg>
+        <pc:spChg chg="add mod">
+          <ac:chgData name="Julia Gong" userId="56d9f604-d530-4517-a0bf-7f0e2638ca76" providerId="ADAL" clId="{CBF6ACB1-B624-435E-9228-64D12A7AC7C0}" dt="2019-12-12T03:28:00.126" v="7241" actId="255"/>
+          <ac:spMkLst>
+            <pc:docMk/>
+            <pc:sldMk cId="3666076598" sldId="256"/>
+            <ac:spMk id="37" creationId="{DAB3F643-9799-42E4-8C6C-09F15FDE2C28}"/>
+          </ac:spMkLst>
+        </pc:spChg>
+        <pc:spChg chg="add del">
+          <ac:chgData name="Julia Gong" userId="56d9f604-d530-4517-a0bf-7f0e2638ca76" providerId="ADAL" clId="{CBF6ACB1-B624-435E-9228-64D12A7AC7C0}" dt="2019-12-12T03:58:48.999" v="8940"/>
+          <ac:spMkLst>
+            <pc:docMk/>
+            <pc:sldMk cId="3666076598" sldId="256"/>
+            <ac:spMk id="38" creationId="{9C28DCA2-575B-4C64-910B-FBA155E79161}"/>
+          </ac:spMkLst>
+        </pc:spChg>
+        <pc:spChg chg="add mod">
+          <ac:chgData name="Julia Gong" userId="56d9f604-d530-4517-a0bf-7f0e2638ca76" providerId="ADAL" clId="{CBF6ACB1-B624-435E-9228-64D12A7AC7C0}" dt="2019-12-12T04:07:03.916" v="9531" actId="1035"/>
+          <ac:spMkLst>
+            <pc:docMk/>
+            <pc:sldMk cId="3666076598" sldId="256"/>
+            <ac:spMk id="39" creationId="{CC25D0E6-1318-4D02-B819-70CAD8BBC784}"/>
+          </ac:spMkLst>
+        </pc:spChg>
+        <pc:spChg chg="mod">
+          <ac:chgData name="Julia Gong" userId="56d9f604-d530-4517-a0bf-7f0e2638ca76" providerId="ADAL" clId="{CBF6ACB1-B624-435E-9228-64D12A7AC7C0}" dt="2019-12-12T03:53:38.228" v="8457" actId="20577"/>
           <ac:spMkLst>
             <pc:docMk/>
             <pc:sldMk cId="3666076598" sldId="256"/>
             <ac:spMk id="43" creationId="{8415E113-F36F-4BB1-A6E3-BE891F93B0F4}"/>
+          </ac:spMkLst>
+        </pc:spChg>
+        <pc:spChg chg="add del">
+          <ac:chgData name="Julia Gong" userId="56d9f604-d530-4517-a0bf-7f0e2638ca76" providerId="ADAL" clId="{CBF6ACB1-B624-435E-9228-64D12A7AC7C0}" dt="2019-12-12T02:39:35.409" v="4738" actId="478"/>
+          <ac:spMkLst>
+            <pc:docMk/>
+            <pc:sldMk cId="3666076598" sldId="256"/>
+            <ac:spMk id="44" creationId="{00000000-0000-0000-0000-000000000000}"/>
+          </ac:spMkLst>
+        </pc:spChg>
+        <pc:spChg chg="add mod">
+          <ac:chgData name="Julia Gong" userId="56d9f604-d530-4517-a0bf-7f0e2638ca76" providerId="ADAL" clId="{CBF6ACB1-B624-435E-9228-64D12A7AC7C0}" dt="2019-12-12T03:22:20.601" v="7051" actId="1036"/>
+          <ac:spMkLst>
+            <pc:docMk/>
+            <pc:sldMk cId="3666076598" sldId="256"/>
+            <ac:spMk id="48" creationId="{CF1625B3-8386-4000-89E0-C27E4EBFAFEF}"/>
+          </ac:spMkLst>
+        </pc:spChg>
+        <pc:spChg chg="add mod">
+          <ac:chgData name="Julia Gong" userId="56d9f604-d530-4517-a0bf-7f0e2638ca76" providerId="ADAL" clId="{CBF6ACB1-B624-435E-9228-64D12A7AC7C0}" dt="2019-12-12T03:22:20.601" v="7051" actId="1036"/>
+          <ac:spMkLst>
+            <pc:docMk/>
+            <pc:sldMk cId="3666076598" sldId="256"/>
+            <ac:spMk id="50" creationId="{79181530-E3C4-4D42-AED2-0942ECAFE495}"/>
+          </ac:spMkLst>
+        </pc:spChg>
+        <pc:spChg chg="del">
+          <ac:chgData name="Julia Gong" userId="56d9f604-d530-4517-a0bf-7f0e2638ca76" providerId="ADAL" clId="{CBF6ACB1-B624-435E-9228-64D12A7AC7C0}" dt="2019-12-12T03:50:38.763" v="8190" actId="478"/>
+          <ac:spMkLst>
+            <pc:docMk/>
+            <pc:sldMk cId="3666076598" sldId="256"/>
+            <ac:spMk id="51" creationId="{3134B060-2954-2D49-9F4A-4E064FD0831B}"/>
+          </ac:spMkLst>
+        </pc:spChg>
+        <pc:spChg chg="add mod">
+          <ac:chgData name="Julia Gong" userId="56d9f604-d530-4517-a0bf-7f0e2638ca76" providerId="ADAL" clId="{CBF6ACB1-B624-435E-9228-64D12A7AC7C0}" dt="2019-12-12T03:27:09.320" v="7216"/>
+          <ac:spMkLst>
+            <pc:docMk/>
+            <pc:sldMk cId="3666076598" sldId="256"/>
+            <ac:spMk id="54" creationId="{0B2DCA4B-DD22-4233-8794-9802978DE237}"/>
+          </ac:spMkLst>
+        </pc:spChg>
+        <pc:spChg chg="add del mod">
+          <ac:chgData name="Julia Gong" userId="56d9f604-d530-4517-a0bf-7f0e2638ca76" providerId="ADAL" clId="{CBF6ACB1-B624-435E-9228-64D12A7AC7C0}" dt="2019-12-12T03:52:05.892" v="8256"/>
+          <ac:spMkLst>
+            <pc:docMk/>
+            <pc:sldMk cId="3666076598" sldId="256"/>
+            <ac:spMk id="56" creationId="{312F4313-ED39-407E-BDB9-54C8C9A5049F}"/>
+          </ac:spMkLst>
+        </pc:spChg>
+        <pc:spChg chg="add mod">
+          <ac:chgData name="Julia Gong" userId="56d9f604-d530-4517-a0bf-7f0e2638ca76" providerId="ADAL" clId="{CBF6ACB1-B624-435E-9228-64D12A7AC7C0}" dt="2019-12-12T03:57:14.897" v="8865" actId="1076"/>
+          <ac:spMkLst>
+            <pc:docMk/>
+            <pc:sldMk cId="3666076598" sldId="256"/>
+            <ac:spMk id="58" creationId="{5BA3F97D-2C32-408B-AA79-325E17EAC0EB}"/>
+          </ac:spMkLst>
+        </pc:spChg>
+        <pc:spChg chg="add mod">
+          <ac:chgData name="Julia Gong" userId="56d9f604-d530-4517-a0bf-7f0e2638ca76" providerId="ADAL" clId="{CBF6ACB1-B624-435E-9228-64D12A7AC7C0}" dt="2019-12-12T03:58:23.821" v="8938" actId="1038"/>
+          <ac:spMkLst>
+            <pc:docMk/>
+            <pc:sldMk cId="3666076598" sldId="256"/>
+            <ac:spMk id="62" creationId="{29B527E2-62D2-4C5E-839F-752CCF67ED54}"/>
+          </ac:spMkLst>
+        </pc:spChg>
+        <pc:spChg chg="add mod">
+          <ac:chgData name="Julia Gong" userId="56d9f604-d530-4517-a0bf-7f0e2638ca76" providerId="ADAL" clId="{CBF6ACB1-B624-435E-9228-64D12A7AC7C0}" dt="2019-12-12T03:58:15.028" v="8914" actId="404"/>
+          <ac:spMkLst>
+            <pc:docMk/>
+            <pc:sldMk cId="3666076598" sldId="256"/>
+            <ac:spMk id="63" creationId="{FE43D688-7E5E-4154-B334-775E6885932B}"/>
+          </ac:spMkLst>
+        </pc:spChg>
+        <pc:spChg chg="add mod">
+          <ac:chgData name="Julia Gong" userId="56d9f604-d530-4517-a0bf-7f0e2638ca76" providerId="ADAL" clId="{CBF6ACB1-B624-435E-9228-64D12A7AC7C0}" dt="2019-12-12T04:07:13.057" v="9544" actId="1035"/>
+          <ac:spMkLst>
+            <pc:docMk/>
+            <pc:sldMk cId="3666076598" sldId="256"/>
+            <ac:spMk id="68" creationId="{B66357D4-B1C1-4FB8-8427-D6270E5C78A3}"/>
+          </ac:spMkLst>
+        </pc:spChg>
+        <pc:spChg chg="add mod">
+          <ac:chgData name="Julia Gong" userId="56d9f604-d530-4517-a0bf-7f0e2638ca76" providerId="ADAL" clId="{CBF6ACB1-B624-435E-9228-64D12A7AC7C0}" dt="2019-12-12T04:07:13.057" v="9544" actId="1035"/>
+          <ac:spMkLst>
+            <pc:docMk/>
+            <pc:sldMk cId="3666076598" sldId="256"/>
+            <ac:spMk id="69" creationId="{5570BB57-AAD9-478B-9975-BF194FB75573}"/>
+          </ac:spMkLst>
+        </pc:spChg>
+        <pc:spChg chg="add mod">
+          <ac:chgData name="Julia Gong" userId="56d9f604-d530-4517-a0bf-7f0e2638ca76" providerId="ADAL" clId="{CBF6ACB1-B624-435E-9228-64D12A7AC7C0}" dt="2019-12-12T04:07:13.057" v="9544" actId="1035"/>
+          <ac:spMkLst>
+            <pc:docMk/>
+            <pc:sldMk cId="3666076598" sldId="256"/>
+            <ac:spMk id="70" creationId="{7118C628-3628-471C-82FA-F1789FCF05A9}"/>
+          </ac:spMkLst>
+        </pc:spChg>
+        <pc:spChg chg="del">
+          <ac:chgData name="Julia Gong" userId="56d9f604-d530-4517-a0bf-7f0e2638ca76" providerId="ADAL" clId="{CBF6ACB1-B624-435E-9228-64D12A7AC7C0}" dt="2019-12-12T03:50:38.763" v="8190" actId="478"/>
+          <ac:spMkLst>
+            <pc:docMk/>
+            <pc:sldMk cId="3666076598" sldId="256"/>
+            <ac:spMk id="74" creationId="{63B06EB7-FF4A-C54F-9A77-52A7F4AADB67}"/>
+          </ac:spMkLst>
+        </pc:spChg>
+        <pc:spChg chg="del">
+          <ac:chgData name="Julia Gong" userId="56d9f604-d530-4517-a0bf-7f0e2638ca76" providerId="ADAL" clId="{CBF6ACB1-B624-435E-9228-64D12A7AC7C0}" dt="2019-12-12T03:50:38.763" v="8190" actId="478"/>
+          <ac:spMkLst>
+            <pc:docMk/>
+            <pc:sldMk cId="3666076598" sldId="256"/>
+            <ac:spMk id="76" creationId="{837DB995-4B55-F24C-BABE-1EB9A31C87B5}"/>
+          </ac:spMkLst>
+        </pc:spChg>
+        <pc:spChg chg="del">
+          <ac:chgData name="Julia Gong" userId="56d9f604-d530-4517-a0bf-7f0e2638ca76" providerId="ADAL" clId="{CBF6ACB1-B624-435E-9228-64D12A7AC7C0}" dt="2019-12-12T03:50:38.763" v="8190" actId="478"/>
+          <ac:spMkLst>
+            <pc:docMk/>
+            <pc:sldMk cId="3666076598" sldId="256"/>
+            <ac:spMk id="77" creationId="{C1FE1C1B-E860-1A46-BC5A-2113A8ED8B1B}"/>
+          </ac:spMkLst>
+        </pc:spChg>
+        <pc:spChg chg="del">
+          <ac:chgData name="Julia Gong" userId="56d9f604-d530-4517-a0bf-7f0e2638ca76" providerId="ADAL" clId="{CBF6ACB1-B624-435E-9228-64D12A7AC7C0}" dt="2019-12-12T03:50:34.617" v="8189" actId="478"/>
+          <ac:spMkLst>
+            <pc:docMk/>
+            <pc:sldMk cId="3666076598" sldId="256"/>
+            <ac:spMk id="78" creationId="{A48F202D-3954-444D-8567-38BA9FDDC1E1}"/>
           </ac:spMkLst>
         </pc:spChg>
         <pc:spChg chg="del">
@@ -620,6 +820,62 @@
             <ac:spMk id="125" creationId="{478EEA52-0478-4EAE-BAA0-8E8A40850C4D}"/>
           </ac:spMkLst>
         </pc:spChg>
+        <pc:grpChg chg="mod">
+          <ac:chgData name="Julia Gong" userId="56d9f604-d530-4517-a0bf-7f0e2638ca76" providerId="ADAL" clId="{CBF6ACB1-B624-435E-9228-64D12A7AC7C0}" dt="2019-12-12T03:31:35.291" v="7275" actId="14100"/>
+          <ac:grpSpMkLst>
+            <pc:docMk/>
+            <pc:sldMk cId="3666076598" sldId="256"/>
+            <ac:grpSpMk id="3" creationId="{68D35D10-0E33-49D0-B5AA-CA63D57B64A4}"/>
+          </ac:grpSpMkLst>
+        </pc:grpChg>
+        <pc:grpChg chg="del">
+          <ac:chgData name="Julia Gong" userId="56d9f604-d530-4517-a0bf-7f0e2638ca76" providerId="ADAL" clId="{CBF6ACB1-B624-435E-9228-64D12A7AC7C0}" dt="2019-12-12T02:48:56.507" v="5595" actId="478"/>
+          <ac:grpSpMkLst>
+            <pc:docMk/>
+            <pc:sldMk cId="3666076598" sldId="256"/>
+            <ac:grpSpMk id="6" creationId="{DE42423A-64F0-4F0B-A03C-4587CF6CE692}"/>
+          </ac:grpSpMkLst>
+        </pc:grpChg>
+        <pc:grpChg chg="del">
+          <ac:chgData name="Julia Gong" userId="56d9f604-d530-4517-a0bf-7f0e2638ca76" providerId="ADAL" clId="{CBF6ACB1-B624-435E-9228-64D12A7AC7C0}" dt="2019-12-12T02:48:57.314" v="5596" actId="478"/>
+          <ac:grpSpMkLst>
+            <pc:docMk/>
+            <pc:sldMk cId="3666076598" sldId="256"/>
+            <ac:grpSpMk id="13" creationId="{F72E84F4-B735-483C-AD29-84D1A24EA5E1}"/>
+          </ac:grpSpMkLst>
+        </pc:grpChg>
+        <pc:grpChg chg="mod">
+          <ac:chgData name="Julia Gong" userId="56d9f604-d530-4517-a0bf-7f0e2638ca76" providerId="ADAL" clId="{CBF6ACB1-B624-435E-9228-64D12A7AC7C0}" dt="2019-12-12T03:57:52.379" v="8878" actId="552"/>
+          <ac:grpSpMkLst>
+            <pc:docMk/>
+            <pc:sldMk cId="3666076598" sldId="256"/>
+            <ac:grpSpMk id="30" creationId="{8E65729E-AB60-490F-860B-A4009D2DDE32}"/>
+          </ac:grpSpMkLst>
+        </pc:grpChg>
+        <pc:grpChg chg="mod">
+          <ac:chgData name="Julia Gong" userId="56d9f604-d530-4517-a0bf-7f0e2638ca76" providerId="ADAL" clId="{CBF6ACB1-B624-435E-9228-64D12A7AC7C0}" dt="2019-12-12T03:55:37.605" v="8685" actId="1035"/>
+          <ac:grpSpMkLst>
+            <pc:docMk/>
+            <pc:sldMk cId="3666076598" sldId="256"/>
+            <ac:grpSpMk id="31" creationId="{5B28B129-3D49-4A4F-99B1-2D357DA43FA2}"/>
+          </ac:grpSpMkLst>
+        </pc:grpChg>
+        <pc:grpChg chg="mod">
+          <ac:chgData name="Julia Gong" userId="56d9f604-d530-4517-a0bf-7f0e2638ca76" providerId="ADAL" clId="{CBF6ACB1-B624-435E-9228-64D12A7AC7C0}" dt="2019-12-12T04:07:00.093" v="9512" actId="1035"/>
+          <ac:grpSpMkLst>
+            <pc:docMk/>
+            <pc:sldMk cId="3666076598" sldId="256"/>
+            <ac:grpSpMk id="32" creationId="{8EF7FC25-684C-4E14-99EA-552B39506EF3}"/>
+          </ac:grpSpMkLst>
+        </pc:grpChg>
+        <pc:grpChg chg="add del mod">
+          <ac:chgData name="Julia Gong" userId="56d9f604-d530-4517-a0bf-7f0e2638ca76" providerId="ADAL" clId="{CBF6ACB1-B624-435E-9228-64D12A7AC7C0}" dt="2019-12-12T04:08:26.884" v="9568" actId="478"/>
+          <ac:grpSpMkLst>
+            <pc:docMk/>
+            <pc:sldMk cId="3666076598" sldId="256"/>
+            <ac:grpSpMk id="33" creationId="{AD9760DD-BFA0-44FC-88B1-554EED6FCB6B}"/>
+          </ac:grpSpMkLst>
+        </pc:grpChg>
         <pc:grpChg chg="mod">
           <ac:chgData name="Julia Gong" userId="56d9f604-d530-4517-a0bf-7f0e2638ca76" providerId="ADAL" clId="{CBF6ACB1-B624-435E-9228-64D12A7AC7C0}" dt="2019-12-11T20:24:56.160" v="1800" actId="1035"/>
           <ac:grpSpMkLst>
@@ -636,12 +892,100 @@
             <ac:grpSpMk id="121" creationId="{F797BF32-F15A-4CED-8989-76392D6E545A}"/>
           </ac:grpSpMkLst>
         </pc:grpChg>
+        <pc:graphicFrameChg chg="del">
+          <ac:chgData name="Julia Gong" userId="56d9f604-d530-4517-a0bf-7f0e2638ca76" providerId="ADAL" clId="{CBF6ACB1-B624-435E-9228-64D12A7AC7C0}" dt="2019-12-12T03:50:00.203" v="8186" actId="478"/>
+          <ac:graphicFrameMkLst>
+            <pc:docMk/>
+            <pc:sldMk cId="3666076598" sldId="256"/>
+            <ac:graphicFrameMk id="2" creationId="{B1D7894F-BF6D-8745-AD81-41AF42234477}"/>
+          </ac:graphicFrameMkLst>
+        </pc:graphicFrameChg>
+        <pc:picChg chg="add mod">
+          <ac:chgData name="Julia Gong" userId="56d9f604-d530-4517-a0bf-7f0e2638ca76" providerId="ADAL" clId="{CBF6ACB1-B624-435E-9228-64D12A7AC7C0}" dt="2019-12-12T03:58:50.893" v="8943" actId="1076"/>
+          <ac:picMkLst>
+            <pc:docMk/>
+            <pc:sldMk cId="3666076598" sldId="256"/>
+            <ac:picMk id="16" creationId="{1CFAAA27-DCC5-41C5-AE81-45010E348DBD}"/>
+          </ac:picMkLst>
+        </pc:picChg>
+        <pc:picChg chg="add mod">
+          <ac:chgData name="Julia Gong" userId="56d9f604-d530-4517-a0bf-7f0e2638ca76" providerId="ADAL" clId="{CBF6ACB1-B624-435E-9228-64D12A7AC7C0}" dt="2019-12-12T03:22:20.601" v="7051" actId="1036"/>
+          <ac:picMkLst>
+            <pc:docMk/>
+            <pc:sldMk cId="3666076598" sldId="256"/>
+            <ac:picMk id="17" creationId="{394C75B6-5C11-42AA-9761-28887E5D2E07}"/>
+          </ac:picMkLst>
+        </pc:picChg>
+        <pc:picChg chg="add mod">
+          <ac:chgData name="Julia Gong" userId="56d9f604-d530-4517-a0bf-7f0e2638ca76" providerId="ADAL" clId="{CBF6ACB1-B624-435E-9228-64D12A7AC7C0}" dt="2019-12-12T03:22:20.601" v="7051" actId="1036"/>
+          <ac:picMkLst>
+            <pc:docMk/>
+            <pc:sldMk cId="3666076598" sldId="256"/>
+            <ac:picMk id="18" creationId="{8B2FB826-8FDF-43D4-87E6-0E9C579724D1}"/>
+          </ac:picMkLst>
+        </pc:picChg>
+        <pc:picChg chg="del">
+          <ac:chgData name="Julia Gong" userId="56d9f604-d530-4517-a0bf-7f0e2638ca76" providerId="ADAL" clId="{CBF6ACB1-B624-435E-9228-64D12A7AC7C0}" dt="2019-12-12T02:48:53.296" v="5592" actId="478"/>
+          <ac:picMkLst>
+            <pc:docMk/>
+            <pc:sldMk cId="3666076598" sldId="256"/>
+            <ac:picMk id="19" creationId="{0B788A0C-37C1-8F44-9665-5E3514C24759}"/>
+          </ac:picMkLst>
+        </pc:picChg>
+        <pc:picChg chg="add mod">
+          <ac:chgData name="Julia Gong" userId="56d9f604-d530-4517-a0bf-7f0e2638ca76" providerId="ADAL" clId="{CBF6ACB1-B624-435E-9228-64D12A7AC7C0}" dt="2019-12-12T03:22:20.601" v="7051" actId="1036"/>
+          <ac:picMkLst>
+            <pc:docMk/>
+            <pc:sldMk cId="3666076598" sldId="256"/>
+            <ac:picMk id="29" creationId="{4FF626CB-A943-4DC7-94FD-1EFC212778C9}"/>
+          </ac:picMkLst>
+        </pc:picChg>
+        <pc:picChg chg="add mod">
+          <ac:chgData name="Julia Gong" userId="56d9f604-d530-4517-a0bf-7f0e2638ca76" providerId="ADAL" clId="{CBF6ACB1-B624-435E-9228-64D12A7AC7C0}" dt="2019-12-12T03:25:20.576" v="7120" actId="1036"/>
+          <ac:picMkLst>
+            <pc:docMk/>
+            <pc:sldMk cId="3666076598" sldId="256"/>
+            <ac:picMk id="35" creationId="{2926EC8E-3997-473D-AE18-B886138453D7}"/>
+          </ac:picMkLst>
+        </pc:picChg>
+        <pc:picChg chg="del">
+          <ac:chgData name="Julia Gong" userId="56d9f604-d530-4517-a0bf-7f0e2638ca76" providerId="ADAL" clId="{CBF6ACB1-B624-435E-9228-64D12A7AC7C0}" dt="2019-12-12T02:48:54.889" v="5593" actId="478"/>
+          <ac:picMkLst>
+            <pc:docMk/>
+            <pc:sldMk cId="3666076598" sldId="256"/>
+            <ac:picMk id="41" creationId="{E714DE9B-E5C5-C34F-B953-BF68AC52B443}"/>
+          </ac:picMkLst>
+        </pc:picChg>
         <pc:picChg chg="del">
           <ac:chgData name="Julia Gong" userId="56d9f604-d530-4517-a0bf-7f0e2638ca76" providerId="ADAL" clId="{CBF6ACB1-B624-435E-9228-64D12A7AC7C0}" dt="2019-12-11T20:51:30.915" v="3162" actId="478"/>
           <ac:picMkLst>
             <pc:docMk/>
             <pc:sldMk cId="3666076598" sldId="256"/>
             <ac:picMk id="55" creationId="{C10F3C0A-CDE0-EE42-8BA0-E6EDCE232CA5}"/>
+          </ac:picMkLst>
+        </pc:picChg>
+        <pc:picChg chg="add del mod">
+          <ac:chgData name="Julia Gong" userId="56d9f604-d530-4517-a0bf-7f0e2638ca76" providerId="ADAL" clId="{CBF6ACB1-B624-435E-9228-64D12A7AC7C0}" dt="2019-12-12T03:52:05.885" v="8254" actId="478"/>
+          <ac:picMkLst>
+            <pc:docMk/>
+            <pc:sldMk cId="3666076598" sldId="256"/>
+            <ac:picMk id="57" creationId="{D8FAA7B7-0DB4-45AF-9CEB-C0583C8E64F1}"/>
+          </ac:picMkLst>
+        </pc:picChg>
+        <pc:picChg chg="add del mod">
+          <ac:chgData name="Julia Gong" userId="56d9f604-d530-4517-a0bf-7f0e2638ca76" providerId="ADAL" clId="{CBF6ACB1-B624-435E-9228-64D12A7AC7C0}" dt="2019-12-12T03:52:10.492" v="8258" actId="478"/>
+          <ac:picMkLst>
+            <pc:docMk/>
+            <pc:sldMk cId="3666076598" sldId="256"/>
+            <ac:picMk id="60" creationId="{24FCBBEE-D3BA-450C-ACD9-DF0DDD9073FD}"/>
+          </ac:picMkLst>
+        </pc:picChg>
+        <pc:picChg chg="del">
+          <ac:chgData name="Julia Gong" userId="56d9f604-d530-4517-a0bf-7f0e2638ca76" providerId="ADAL" clId="{CBF6ACB1-B624-435E-9228-64D12A7AC7C0}" dt="2019-12-12T02:48:55.668" v="5594" actId="478"/>
+          <ac:picMkLst>
+            <pc:docMk/>
+            <pc:sldMk cId="3666076598" sldId="256"/>
+            <ac:picMk id="72" creationId="{49712E36-FDC0-C64D-B53D-E431D3D46E40}"/>
           </ac:picMkLst>
         </pc:picChg>
         <pc:picChg chg="del">
@@ -658,6 +1002,46 @@
             <pc:docMk/>
             <pc:sldMk cId="3666076598" sldId="256"/>
             <ac:picMk id="1026" creationId="{8C879328-60AB-47BE-9922-673FFF8E3D2B}"/>
+          </ac:picMkLst>
+        </pc:picChg>
+        <pc:picChg chg="add mod">
+          <ac:chgData name="Julia Gong" userId="56d9f604-d530-4517-a0bf-7f0e2638ca76" providerId="ADAL" clId="{CBF6ACB1-B624-435E-9228-64D12A7AC7C0}" dt="2019-12-12T03:57:14.897" v="8865" actId="1076"/>
+          <ac:picMkLst>
+            <pc:docMk/>
+            <pc:sldMk cId="3666076598" sldId="256"/>
+            <ac:picMk id="1028" creationId="{A64BF70C-B781-4B57-87F5-31376A0A67D4}"/>
+          </ac:picMkLst>
+        </pc:picChg>
+        <pc:picChg chg="add mod">
+          <ac:chgData name="Julia Gong" userId="56d9f604-d530-4517-a0bf-7f0e2638ca76" providerId="ADAL" clId="{CBF6ACB1-B624-435E-9228-64D12A7AC7C0}" dt="2019-12-12T03:58:23.821" v="8938" actId="1038"/>
+          <ac:picMkLst>
+            <pc:docMk/>
+            <pc:sldMk cId="3666076598" sldId="256"/>
+            <ac:picMk id="1030" creationId="{9786F794-8153-46CD-BEEB-BEAF3E27AE10}"/>
+          </ac:picMkLst>
+        </pc:picChg>
+        <pc:picChg chg="add mod">
+          <ac:chgData name="Julia Gong" userId="56d9f604-d530-4517-a0bf-7f0e2638ca76" providerId="ADAL" clId="{CBF6ACB1-B624-435E-9228-64D12A7AC7C0}" dt="2019-12-12T04:07:13.057" v="9544" actId="1035"/>
+          <ac:picMkLst>
+            <pc:docMk/>
+            <pc:sldMk cId="3666076598" sldId="256"/>
+            <ac:picMk id="1032" creationId="{216B6E60-1540-4E35-9F00-242D701ED663}"/>
+          </ac:picMkLst>
+        </pc:picChg>
+        <pc:picChg chg="add mod">
+          <ac:chgData name="Julia Gong" userId="56d9f604-d530-4517-a0bf-7f0e2638ca76" providerId="ADAL" clId="{CBF6ACB1-B624-435E-9228-64D12A7AC7C0}" dt="2019-12-12T04:07:13.057" v="9544" actId="1035"/>
+          <ac:picMkLst>
+            <pc:docMk/>
+            <pc:sldMk cId="3666076598" sldId="256"/>
+            <ac:picMk id="1034" creationId="{C96A0A22-39F3-48AF-8D8C-29401537091A}"/>
+          </ac:picMkLst>
+        </pc:picChg>
+        <pc:picChg chg="add mod">
+          <ac:chgData name="Julia Gong" userId="56d9f604-d530-4517-a0bf-7f0e2638ca76" providerId="ADAL" clId="{CBF6ACB1-B624-435E-9228-64D12A7AC7C0}" dt="2019-12-12T04:07:13.057" v="9544" actId="1035"/>
+          <ac:picMkLst>
+            <pc:docMk/>
+            <pc:sldMk cId="3666076598" sldId="256"/>
+            <ac:picMk id="1036" creationId="{C5DF3C46-E5A3-4F24-AD1E-B7CEA33A0010}"/>
           </ac:picMkLst>
         </pc:picChg>
         <pc:cxnChg chg="mod">
@@ -5738,7 +6122,7 @@
                   <a:latin typeface="Source Sans Pro" panose="020B0503030403020204" pitchFamily="34" charset="0"/>
                   <a:ea typeface="Source Sans Pro" panose="020B0503030403020204" pitchFamily="34" charset="0"/>
                 </a:rPr>
-                <a:t>We improve on [3] in inducing a semantic attribute dataset for 1861 typefaces from the dataset of 200 in [6] and introduce a novel downstream task: semantic attribute regression.</a:t>
+                <a:t>We improve on [3] in inducing a semantic attribute dataset for 1861 typefaces from the dataset of 200 in [6] and introduce a novel downstream task: semantic attribute prediction.</a:t>
               </a:r>
             </a:p>
           </p:txBody>
@@ -5984,143 +6368,6 @@
       </p:grpSp>
       <p:grpSp>
         <p:nvGrpSpPr>
-          <p:cNvPr id="33" name="Group 50">
-            <a:extLst>
-              <a:ext uri="{FF2B5EF4-FFF2-40B4-BE49-F238E27FC236}">
-                <a16:creationId xmlns:a16="http://schemas.microsoft.com/office/drawing/2014/main" id="{AD9760DD-BFA0-44FC-88B1-554EED6FCB6B}"/>
-              </a:ext>
-            </a:extLst>
-          </p:cNvPr>
-          <p:cNvGrpSpPr/>
-          <p:nvPr/>
-        </p:nvGrpSpPr>
-        <p:grpSpPr>
-          <a:xfrm>
-            <a:off x="9045869" y="15372600"/>
-            <a:ext cx="9001262" cy="5729573"/>
-            <a:chOff x="7511411" y="10800512"/>
-            <a:chExt cx="5600479" cy="7233801"/>
-          </a:xfrm>
-        </p:grpSpPr>
-        <p:sp>
-          <p:nvSpPr>
-            <p:cNvPr id="9" name="Rectangle 52">
-              <a:extLst>
-                <a:ext uri="{FF2B5EF4-FFF2-40B4-BE49-F238E27FC236}">
-                  <a16:creationId xmlns:a16="http://schemas.microsoft.com/office/drawing/2014/main" id="{83A2C0AD-5F9E-42CD-A33A-38402503C90A}"/>
-                </a:ext>
-              </a:extLst>
-            </p:cNvPr>
-            <p:cNvSpPr/>
-            <p:nvPr/>
-          </p:nvSpPr>
-          <p:spPr>
-            <a:xfrm>
-              <a:off x="7511411" y="10800512"/>
-              <a:ext cx="5600479" cy="1317785"/>
-            </a:xfrm>
-            <a:prstGeom prst="rect">
-              <a:avLst/>
-            </a:prstGeom>
-            <a:solidFill>
-              <a:srgbClr val="8B1336"/>
-            </a:solidFill>
-            <a:ln>
-              <a:noFill/>
-            </a:ln>
-          </p:spPr>
-          <p:style>
-            <a:lnRef idx="2">
-              <a:schemeClr val="accent1">
-                <a:shade val="50000"/>
-              </a:schemeClr>
-            </a:lnRef>
-            <a:fillRef idx="1">
-              <a:schemeClr val="accent1"/>
-            </a:fillRef>
-            <a:effectRef idx="0">
-              <a:schemeClr val="accent1"/>
-            </a:effectRef>
-            <a:fontRef idx="minor">
-              <a:schemeClr val="lt1"/>
-            </a:fontRef>
-          </p:style>
-          <p:txBody>
-            <a:bodyPr rtlCol="0" anchor="ctr"/>
-            <a:lstStyle/>
-            <a:p>
-              <a:pPr algn="ctr"/>
-              <a:r>
-                <a:rPr lang="en-US" sz="4320" dirty="0">
-                  <a:latin typeface="Source Sans Pro" panose="020B0503030403020204" pitchFamily="34" charset="0"/>
-                  <a:ea typeface="Source Sans Pro" panose="020B0503030403020204" pitchFamily="34" charset="0"/>
-                </a:rPr>
-                <a:t>Spectral Normalization, Self-Attention</a:t>
-              </a:r>
-            </a:p>
-          </p:txBody>
-        </p:sp>
-        <p:sp>
-          <p:nvSpPr>
-            <p:cNvPr id="24" name="Rectangle 53">
-              <a:extLst>
-                <a:ext uri="{FF2B5EF4-FFF2-40B4-BE49-F238E27FC236}">
-                  <a16:creationId xmlns:a16="http://schemas.microsoft.com/office/drawing/2014/main" id="{E707F84B-B40D-40EB-81AA-9DCF8CDAC492}"/>
-                </a:ext>
-              </a:extLst>
-            </p:cNvPr>
-            <p:cNvSpPr/>
-            <p:nvPr/>
-          </p:nvSpPr>
-          <p:spPr>
-            <a:xfrm>
-              <a:off x="7538225" y="12346627"/>
-              <a:ext cx="5573665" cy="5687686"/>
-            </a:xfrm>
-            <a:prstGeom prst="rect">
-              <a:avLst/>
-            </a:prstGeom>
-            <a:noFill/>
-            <a:ln>
-              <a:noFill/>
-            </a:ln>
-          </p:spPr>
-          <p:style>
-            <a:lnRef idx="2">
-              <a:schemeClr val="accent1">
-                <a:shade val="50000"/>
-              </a:schemeClr>
-            </a:lnRef>
-            <a:fillRef idx="1">
-              <a:schemeClr val="accent1"/>
-            </a:fillRef>
-            <a:effectRef idx="0">
-              <a:schemeClr val="accent1"/>
-            </a:effectRef>
-            <a:fontRef idx="minor">
-              <a:schemeClr val="lt1"/>
-            </a:fontRef>
-          </p:style>
-          <p:txBody>
-            <a:bodyPr rtlCol="0" anchor="t"/>
-            <a:lstStyle/>
-            <a:p>
-              <a:r>
-                <a:rPr lang="en-US" sz="2700" dirty="0">
-                  <a:solidFill>
-                    <a:schemeClr val="tx1"/>
-                  </a:solidFill>
-                  <a:latin typeface="Source Sans Pro" panose="020B0503030403020204" pitchFamily="34" charset="0"/>
-                  <a:ea typeface="Source Sans Pro" panose="020B0503030403020204" pitchFamily="34" charset="0"/>
-                </a:rPr>
-                <a:t>Our last model uses spectral normalization [3]: we divide each weight matrix by its largest singular value to make that largest singular value equal 1, bounding the gradients. Like SAGAN [8], it also has self-attention layers after the third layer of each generators and the discriminator.</a:t>
-              </a:r>
-            </a:p>
-          </p:txBody>
-        </p:sp>
-      </p:grpSp>
-      <p:grpSp>
-        <p:nvGrpSpPr>
           <p:cNvPr id="32" name="Group 69">
             <a:extLst>
               <a:ext uri="{FF2B5EF4-FFF2-40B4-BE49-F238E27FC236}">
@@ -6133,10 +6380,10 @@
         </p:nvGrpSpPr>
         <p:grpSpPr>
           <a:xfrm>
-            <a:off x="18897600" y="15369293"/>
-            <a:ext cx="6370486" cy="6291074"/>
-            <a:chOff x="14223110" y="13231484"/>
-            <a:chExt cx="5949448" cy="5242561"/>
+            <a:off x="18903862" y="9120022"/>
+            <a:ext cx="6509977" cy="16524453"/>
+            <a:chOff x="14092837" y="7984504"/>
+            <a:chExt cx="6079720" cy="13770341"/>
           </a:xfrm>
         </p:grpSpPr>
         <p:sp>
@@ -6153,7 +6400,7 @@
           </p:nvSpPr>
           <p:spPr>
             <a:xfrm>
-              <a:off x="14223110" y="13231484"/>
+              <a:off x="14092837" y="16554645"/>
               <a:ext cx="5949448" cy="869799"/>
             </a:xfrm>
             <a:prstGeom prst="rect">
@@ -6211,7 +6458,7 @@
           </p:nvSpPr>
           <p:spPr>
             <a:xfrm>
-              <a:off x="14228958" y="14251265"/>
+              <a:off x="14228958" y="17532065"/>
               <a:ext cx="5943599" cy="4222780"/>
             </a:xfrm>
             <a:prstGeom prst="rect">
@@ -6243,76 +6490,72 @@
             <a:lstStyle/>
             <a:p>
               <a:r>
-                <a:rPr lang="en-US" sz="2600" dirty="0">
+                <a:rPr lang="en-US" dirty="0">
                   <a:solidFill>
                     <a:schemeClr val="tx1"/>
                   </a:solidFill>
                   <a:latin typeface="Source Sans Pro" panose="020B0503030403020204" pitchFamily="34" charset="0"/>
                   <a:ea typeface="Source Sans Pro" panose="020B0503030403020204" pitchFamily="34" charset="0"/>
                 </a:rPr>
-                <a:t>Removing backgrounds could prevent learning correlations between facial features and background color.</a:t>
+                <a:t>We hope to further investigate clustering algorithms, such as spectral clustering, to induce lower-error datasets, as well as create higher-performing models for rasterized and SVG image input for our downstream task.</a:t>
               </a:r>
             </a:p>
+          </p:txBody>
+        </p:sp>
+        <p:sp>
+          <p:nvSpPr>
+            <p:cNvPr id="63" name="Rectangle 70">
+              <a:extLst>
+                <a:ext uri="{FF2B5EF4-FFF2-40B4-BE49-F238E27FC236}">
+                  <a16:creationId xmlns:a16="http://schemas.microsoft.com/office/drawing/2014/main" id="{FE43D688-7E5E-4154-B334-775E6885932B}"/>
+                </a:ext>
+              </a:extLst>
+            </p:cNvPr>
+            <p:cNvSpPr/>
+            <p:nvPr/>
+          </p:nvSpPr>
+          <p:spPr>
+            <a:xfrm>
+              <a:off x="14092837" y="7984504"/>
+              <a:ext cx="5949448" cy="869799"/>
+            </a:xfrm>
+            <a:prstGeom prst="rect">
+              <a:avLst/>
+            </a:prstGeom>
+            <a:solidFill>
+              <a:srgbClr val="8B1336"/>
+            </a:solidFill>
+            <a:ln>
+              <a:noFill/>
+            </a:ln>
+          </p:spPr>
+          <p:style>
+            <a:lnRef idx="2">
+              <a:schemeClr val="accent1">
+                <a:shade val="50000"/>
+              </a:schemeClr>
+            </a:lnRef>
+            <a:fillRef idx="1">
+              <a:schemeClr val="accent1"/>
+            </a:fillRef>
+            <a:effectRef idx="0">
+              <a:schemeClr val="accent1"/>
+            </a:effectRef>
+            <a:fontRef idx="minor">
+              <a:schemeClr val="lt1"/>
+            </a:fontRef>
+          </p:style>
+          <p:txBody>
+            <a:bodyPr rtlCol="0" anchor="ctr"/>
+            <a:lstStyle/>
             <a:p>
-              <a:endParaRPr lang="en-US" sz="1000" dirty="0">
-                <a:solidFill>
-                  <a:schemeClr val="tx1"/>
-                </a:solidFill>
-                <a:latin typeface="Source Sans Pro" panose="020B0503030403020204" pitchFamily="34" charset="0"/>
-                <a:ea typeface="Source Sans Pro" panose="020B0503030403020204" pitchFamily="34" charset="0"/>
-              </a:endParaRPr>
-            </a:p>
-            <a:p>
-              <a:r>
-                <a:rPr lang="en-US" sz="2600" dirty="0">
-                  <a:solidFill>
-                    <a:schemeClr val="tx1"/>
-                  </a:solidFill>
-                  <a:latin typeface="Source Sans Pro" panose="020B0503030403020204" pitchFamily="34" charset="0"/>
-                  <a:ea typeface="Source Sans Pro" panose="020B0503030403020204" pitchFamily="34" charset="0"/>
-                </a:rPr>
-                <a:t>A sharpening model could be employed to turn smooth output images into crisper, more realistic ones. A pretrained colorization network could also boost the grayscale network performance.</a:t>
-              </a:r>
-            </a:p>
-            <a:p>
-              <a:endParaRPr lang="en-US" sz="1000" dirty="0">
-                <a:solidFill>
-                  <a:schemeClr val="tx1"/>
-                </a:solidFill>
-                <a:latin typeface="Source Sans Pro" panose="020B0503030403020204" pitchFamily="34" charset="0"/>
-                <a:ea typeface="Source Sans Pro" panose="020B0503030403020204" pitchFamily="34" charset="0"/>
-              </a:endParaRPr>
-            </a:p>
-            <a:p>
-              <a:r>
-                <a:rPr lang="en-US" sz="2600" dirty="0">
-                  <a:solidFill>
-                    <a:schemeClr val="tx1"/>
-                  </a:solidFill>
-                  <a:latin typeface="Source Sans Pro" panose="020B0503030403020204" pitchFamily="34" charset="0"/>
-                  <a:ea typeface="Source Sans Pro" panose="020B0503030403020204" pitchFamily="34" charset="0"/>
-                </a:rPr>
-                <a:t>Channeled autoencoders [4] could allow manipulation of latent space of the </a:t>
-              </a:r>
-              <a:r>
-                <a:rPr lang="en-US" sz="2600" dirty="0" err="1">
-                  <a:solidFill>
-                    <a:schemeClr val="tx1"/>
-                  </a:solidFill>
-                  <a:latin typeface="Source Sans Pro" panose="020B0503030403020204" pitchFamily="34" charset="0"/>
-                  <a:ea typeface="Source Sans Pro" panose="020B0503030403020204" pitchFamily="34" charset="0"/>
-                </a:rPr>
-                <a:t>cGAN</a:t>
-              </a:r>
-              <a:r>
-                <a:rPr lang="en-US" sz="2600" dirty="0">
-                  <a:solidFill>
-                    <a:schemeClr val="tx1"/>
-                  </a:solidFill>
-                  <a:latin typeface="Source Sans Pro" panose="020B0503030403020204" pitchFamily="34" charset="0"/>
-                  <a:ea typeface="Source Sans Pro" panose="020B0503030403020204" pitchFamily="34" charset="0"/>
-                </a:rPr>
-                <a:t> to control skin tone, eye color, hair color, and other variables to correct model inferences.</a:t>
+              <a:pPr algn="ctr"/>
+              <a:r>
+                <a:rPr lang="en-US" sz="3600" dirty="0">
+                  <a:latin typeface="Source Sans Pro" panose="020B0503030403020204" pitchFamily="34" charset="0"/>
+                  <a:ea typeface="Source Sans Pro" panose="020B0503030403020204" pitchFamily="34" charset="0"/>
+                </a:rPr>
+                <a:t>Semantic Attribute Prediction</a:t>
               </a:r>
             </a:p>
           </p:txBody>
@@ -6332,10 +6575,10 @@
         </p:nvGrpSpPr>
         <p:grpSpPr>
           <a:xfrm>
-            <a:off x="25573340" y="15369277"/>
-            <a:ext cx="6364223" cy="6291087"/>
-            <a:chOff x="20585152" y="13231485"/>
-            <a:chExt cx="5943600" cy="4544811"/>
+            <a:off x="25573340" y="15716405"/>
+            <a:ext cx="7158394" cy="6731351"/>
+            <a:chOff x="20585152" y="12913428"/>
+            <a:chExt cx="5943600" cy="4862868"/>
           </a:xfrm>
         </p:grpSpPr>
         <p:sp>
@@ -6352,7 +6595,7 @@
           </p:nvSpPr>
           <p:spPr>
             <a:xfrm>
-              <a:off x="20585152" y="13231485"/>
+              <a:off x="20585152" y="12913428"/>
               <a:ext cx="5847350" cy="754033"/>
             </a:xfrm>
             <a:prstGeom prst="rect">
@@ -6410,8 +6653,8 @@
           </p:nvSpPr>
           <p:spPr>
             <a:xfrm>
-              <a:off x="20585152" y="14156623"/>
-              <a:ext cx="5943600" cy="3619673"/>
+              <a:off x="20585152" y="13813291"/>
+              <a:ext cx="5943600" cy="3963005"/>
             </a:xfrm>
             <a:prstGeom prst="rect">
               <a:avLst/>
@@ -6443,7 +6686,7 @@
             <a:p>
               <a:pPr marL="341313" indent="-341313"/>
               <a:r>
-                <a:rPr lang="en-US" sz="1400" dirty="0">
+                <a:rPr lang="en-US" sz="1450" dirty="0">
                   <a:solidFill>
                     <a:schemeClr val="tx1"/>
                   </a:solidFill>
@@ -6453,7 +6696,7 @@
                 <a:t>[1] </a:t>
               </a:r>
               <a:r>
-                <a:rPr lang="en-US" sz="1400" dirty="0" err="1">
+                <a:rPr lang="en-US" sz="1450" dirty="0" err="1">
                   <a:solidFill>
                     <a:schemeClr val="tx1"/>
                   </a:solidFill>
@@ -6463,7 +6706,7 @@
                 <a:t>Avil</a:t>
               </a:r>
               <a:r>
-                <a:rPr lang="es-ES" sz="1400" dirty="0">
+                <a:rPr lang="es-ES" sz="1450" dirty="0">
                   <a:solidFill>
                     <a:schemeClr val="tx1"/>
                   </a:solidFill>
@@ -6473,7 +6716,7 @@
                 <a:t>é</a:t>
               </a:r>
               <a:r>
-                <a:rPr lang="en-US" sz="1400" dirty="0">
+                <a:rPr lang="en-US" sz="1450" dirty="0">
                   <a:solidFill>
                     <a:schemeClr val="tx1"/>
                   </a:solidFill>
@@ -6483,7 +6726,7 @@
                 <a:t>s-Cruz, C., Villegas, J., </a:t>
               </a:r>
               <a:r>
-                <a:rPr lang="en-US" sz="1400" dirty="0" err="1">
+                <a:rPr lang="en-US" sz="1450" dirty="0" err="1">
                   <a:solidFill>
                     <a:schemeClr val="tx1"/>
                   </a:solidFill>
@@ -6493,7 +6736,7 @@
                 <a:t>Arechiga</a:t>
               </a:r>
               <a:r>
-                <a:rPr lang="en-US" sz="1400" dirty="0">
+                <a:rPr lang="en-US" sz="1450" dirty="0">
                   <a:solidFill>
                     <a:schemeClr val="tx1"/>
                   </a:solidFill>
@@ -6503,7 +6746,7 @@
                 <a:t>-Mart</a:t>
               </a:r>
               <a:r>
-                <a:rPr lang="es-ES" sz="1400" dirty="0">
+                <a:rPr lang="es-ES" sz="1450" dirty="0">
                   <a:solidFill>
                     <a:schemeClr val="tx1"/>
                   </a:solidFill>
@@ -6513,7 +6756,7 @@
                 <a:t>í</a:t>
               </a:r>
               <a:r>
-                <a:rPr lang="en-US" sz="1400" dirty="0" err="1">
+                <a:rPr lang="en-US" sz="1450" dirty="0" err="1">
                   <a:solidFill>
                     <a:schemeClr val="tx1"/>
                   </a:solidFill>
@@ -6523,7 +6766,7 @@
                 <a:t>nez</a:t>
               </a:r>
               <a:r>
-                <a:rPr lang="en-US" sz="1400" dirty="0">
+                <a:rPr lang="en-US" sz="1450" dirty="0">
                   <a:solidFill>
                     <a:schemeClr val="tx1"/>
                   </a:solidFill>
@@ -6533,7 +6776,7 @@
                 <a:t>, R., and </a:t>
               </a:r>
               <a:r>
-                <a:rPr lang="en-US" sz="1400" dirty="0" err="1">
+                <a:rPr lang="en-US" sz="1450" dirty="0" err="1">
                   <a:solidFill>
                     <a:schemeClr val="tx1"/>
                   </a:solidFill>
@@ -6543,7 +6786,7 @@
                 <a:t>Escarela</a:t>
               </a:r>
               <a:r>
-                <a:rPr lang="en-US" sz="1400" dirty="0">
+                <a:rPr lang="en-US" sz="1450" dirty="0">
                   <a:solidFill>
                     <a:schemeClr val="tx1"/>
                   </a:solidFill>
@@ -6553,7 +6796,7 @@
                 <a:t>-Perez, R.  Unsupervised font clustering using stochastic version of the </a:t>
               </a:r>
               <a:r>
-                <a:rPr lang="en-US" sz="1400" dirty="0" err="1">
+                <a:rPr lang="en-US" sz="1450" dirty="0" err="1">
                   <a:solidFill>
                     <a:schemeClr val="tx1"/>
                   </a:solidFill>
@@ -6563,7 +6806,7 @@
                 <a:t>em</a:t>
               </a:r>
               <a:r>
-                <a:rPr lang="en-US" sz="1400" dirty="0">
+                <a:rPr lang="en-US" sz="1450" dirty="0">
                   <a:solidFill>
                     <a:schemeClr val="tx1"/>
                   </a:solidFill>
@@ -6573,7 +6816,7 @@
                 <a:t> algorithm and global texture analysis.  In </a:t>
               </a:r>
               <a:r>
-                <a:rPr lang="en-US" sz="1400" dirty="0" err="1">
+                <a:rPr lang="en-US" sz="1450" dirty="0" err="1">
                   <a:solidFill>
                     <a:schemeClr val="tx1"/>
                   </a:solidFill>
@@ -6583,7 +6826,7 @@
                 <a:t>Sanfeliu</a:t>
               </a:r>
               <a:r>
-                <a:rPr lang="en-US" sz="1400" dirty="0">
+                <a:rPr lang="en-US" sz="1450" dirty="0">
                   <a:solidFill>
                     <a:schemeClr val="tx1"/>
                   </a:solidFill>
@@ -6593,7 +6836,7 @@
                 <a:t>, A., Mart</a:t>
               </a:r>
               <a:r>
-                <a:rPr lang="es-ES" sz="1400" dirty="0">
+                <a:rPr lang="es-ES" sz="1450" dirty="0">
                   <a:solidFill>
                     <a:schemeClr val="tx1"/>
                   </a:solidFill>
@@ -6603,7 +6846,7 @@
                 <a:t>í</a:t>
               </a:r>
               <a:r>
-                <a:rPr lang="en-US" sz="1400" dirty="0" err="1">
+                <a:rPr lang="en-US" sz="1450" dirty="0" err="1">
                   <a:solidFill>
                     <a:schemeClr val="tx1"/>
                   </a:solidFill>
@@ -6613,7 +6856,7 @@
                 <a:t>nez</a:t>
               </a:r>
               <a:r>
-                <a:rPr lang="en-US" sz="1400" dirty="0">
+                <a:rPr lang="en-US" sz="1450" dirty="0">
                   <a:solidFill>
                     <a:schemeClr val="tx1"/>
                   </a:solidFill>
@@ -6623,7 +6866,7 @@
                 <a:t> Trinidad, J. F., and Carrasco Ochoa, J. A. (eds.), </a:t>
               </a:r>
               <a:r>
-                <a:rPr lang="en-US" sz="1400" i="1" dirty="0">
+                <a:rPr lang="en-US" sz="1450" i="1" dirty="0">
                   <a:solidFill>
                     <a:schemeClr val="tx1"/>
                   </a:solidFill>
@@ -6633,7 +6876,7 @@
                 <a:t>Progress in Pattern Recognition, Image Analysis and Applications</a:t>
               </a:r>
               <a:r>
-                <a:rPr lang="en-US" sz="1400" dirty="0">
+                <a:rPr lang="en-US" sz="1450" dirty="0">
                   <a:solidFill>
                     <a:schemeClr val="tx1"/>
                   </a:solidFill>
@@ -6646,7 +6889,7 @@
             <a:p>
               <a:pPr marL="341313" indent="-341313"/>
               <a:r>
-                <a:rPr lang="en-US" sz="1400" dirty="0">
+                <a:rPr lang="en-US" sz="1450" dirty="0">
                   <a:solidFill>
                     <a:schemeClr val="tx1"/>
                   </a:solidFill>
@@ -6656,7 +6899,7 @@
                 <a:t>[2] Azadi, S., Fisher, M., Kim, V. G., Wang, Z., </a:t>
               </a:r>
               <a:r>
-                <a:rPr lang="en-US" sz="1400" dirty="0" err="1">
+                <a:rPr lang="en-US" sz="1450" dirty="0" err="1">
                   <a:solidFill>
                     <a:schemeClr val="tx1"/>
                   </a:solidFill>
@@ -6666,7 +6909,7 @@
                 <a:t>Shechtman</a:t>
               </a:r>
               <a:r>
-                <a:rPr lang="en-US" sz="1400" dirty="0">
+                <a:rPr lang="en-US" sz="1450" dirty="0">
                   <a:solidFill>
                     <a:schemeClr val="tx1"/>
                   </a:solidFill>
@@ -6676,7 +6919,7 @@
                 <a:t>, E., and Darrell, T. Multi-content GAN for few-shot </a:t>
               </a:r>
               <a:r>
-                <a:rPr lang="en-US" sz="1400" dirty="0" err="1">
+                <a:rPr lang="en-US" sz="1450" dirty="0" err="1">
                   <a:solidFill>
                     <a:schemeClr val="tx1"/>
                   </a:solidFill>
@@ -6686,7 +6929,7 @@
                 <a:t>fontstyle</a:t>
               </a:r>
               <a:r>
-                <a:rPr lang="en-US" sz="1400" dirty="0">
+                <a:rPr lang="en-US" sz="1450" dirty="0">
                   <a:solidFill>
                     <a:schemeClr val="tx1"/>
                   </a:solidFill>
@@ -6696,7 +6939,7 @@
                 <a:t> transfer. </a:t>
               </a:r>
               <a:r>
-                <a:rPr lang="en-US" sz="1400" i="1" dirty="0" err="1">
+                <a:rPr lang="en-US" sz="1450" i="1" dirty="0" err="1">
                   <a:solidFill>
                     <a:schemeClr val="tx1"/>
                   </a:solidFill>
@@ -6706,7 +6949,7 @@
                 <a:t>CoRR</a:t>
               </a:r>
               <a:r>
-                <a:rPr lang="en-US" sz="1400" dirty="0">
+                <a:rPr lang="en-US" sz="1450" dirty="0">
                   <a:solidFill>
                     <a:schemeClr val="tx1"/>
                   </a:solidFill>
@@ -6716,7 +6959,7 @@
                 <a:t>, abs/1712.00516, 2017. URL </a:t>
               </a:r>
               <a:r>
-                <a:rPr lang="en-US" sz="1400" dirty="0">
+                <a:rPr lang="en-US" sz="1450" dirty="0">
                   <a:solidFill>
                     <a:schemeClr val="tx1"/>
                   </a:solidFill>
@@ -6727,7 +6970,7 @@
                 <a:t>http://arxiv.org/abs/1712.00516</a:t>
               </a:r>
               <a:r>
-                <a:rPr lang="en-US" sz="1400" dirty="0">
+                <a:rPr lang="en-US" sz="1450" dirty="0">
                   <a:solidFill>
                     <a:schemeClr val="tx1"/>
                   </a:solidFill>
@@ -6740,7 +6983,7 @@
             <a:p>
               <a:pPr marL="341313" indent="-341313"/>
               <a:r>
-                <a:rPr lang="en-US" sz="1400" dirty="0">
+                <a:rPr lang="en-US" sz="1450" dirty="0">
                   <a:solidFill>
                     <a:schemeClr val="tx1"/>
                   </a:solidFill>
@@ -6750,7 +6993,7 @@
                 <a:t>[3] </a:t>
               </a:r>
               <a:r>
-                <a:rPr lang="en-US" sz="1400" dirty="0" err="1">
+                <a:rPr lang="en-US" sz="1450" dirty="0" err="1">
                   <a:solidFill>
                     <a:schemeClr val="tx1"/>
                   </a:solidFill>
@@ -6760,7 +7003,7 @@
                 <a:t>Kulahcioglu</a:t>
               </a:r>
               <a:r>
-                <a:rPr lang="en-US" sz="1400" dirty="0">
+                <a:rPr lang="en-US" sz="1450" dirty="0">
                   <a:solidFill>
                     <a:schemeClr val="tx1"/>
                   </a:solidFill>
@@ -6770,7 +7013,7 @@
                 <a:t>, T. and de Melo, G. Predicting semantic signa-</a:t>
               </a:r>
               <a:r>
-                <a:rPr lang="en-US" sz="1400" dirty="0" err="1">
+                <a:rPr lang="en-US" sz="1450" dirty="0" err="1">
                   <a:solidFill>
                     <a:schemeClr val="tx1"/>
                   </a:solidFill>
@@ -6780,7 +7023,7 @@
                 <a:t>tures</a:t>
               </a:r>
               <a:r>
-                <a:rPr lang="en-US" sz="1400" dirty="0">
+                <a:rPr lang="en-US" sz="1450" dirty="0">
                   <a:solidFill>
                     <a:schemeClr val="tx1"/>
                   </a:solidFill>
@@ -6790,7 +7033,7 @@
                 <a:t> of fonts. pp. 115–122, 01 2018. </a:t>
               </a:r>
               <a:r>
-                <a:rPr lang="en-US" sz="1400" dirty="0" err="1">
+                <a:rPr lang="en-US" sz="1450" dirty="0" err="1">
                   <a:solidFill>
                     <a:schemeClr val="tx1"/>
                   </a:solidFill>
@@ -6800,7 +7043,7 @@
                 <a:t>doi</a:t>
               </a:r>
               <a:r>
-                <a:rPr lang="en-US" sz="1400" dirty="0">
+                <a:rPr lang="en-US" sz="1450" dirty="0">
                   <a:solidFill>
                     <a:schemeClr val="tx1"/>
                   </a:solidFill>
@@ -6813,7 +7056,7 @@
             <a:p>
               <a:pPr marL="341313" indent="-341313"/>
               <a:r>
-                <a:rPr lang="en-US" sz="1400" dirty="0">
+                <a:rPr lang="en-US" sz="1450" dirty="0">
                   <a:solidFill>
                     <a:schemeClr val="tx1"/>
                   </a:solidFill>
@@ -6823,7 +7066,7 @@
                 <a:t>[4] Lin, X., Li, J., Zeng, H., and Ji, R. Font generation based on least squares conditional generative adversarial nets. Multimedia Tools Appl., 78(1):783–797, January 2019. ISSN 1380-7501. </a:t>
               </a:r>
               <a:r>
-                <a:rPr lang="en-US" sz="1400" dirty="0" err="1">
+                <a:rPr lang="en-US" sz="1450" dirty="0" err="1">
                   <a:solidFill>
                     <a:schemeClr val="tx1"/>
                   </a:solidFill>
@@ -6833,7 +7076,7 @@
                 <a:t>doi</a:t>
               </a:r>
               <a:r>
-                <a:rPr lang="en-US" sz="1400" dirty="0">
+                <a:rPr lang="en-US" sz="1450" dirty="0">
                   <a:solidFill>
                     <a:schemeClr val="tx1"/>
                   </a:solidFill>
@@ -6843,7 +7086,7 @@
                 <a:t>: 10.1007/s11042-017-5457-4. URL </a:t>
               </a:r>
               <a:r>
-                <a:rPr lang="en-US" sz="1400" dirty="0">
+                <a:rPr lang="en-US" sz="1450" dirty="0">
                   <a:solidFill>
                     <a:schemeClr val="tx1"/>
                   </a:solidFill>
@@ -6854,7 +7097,7 @@
                 <a:t>https://doi.org/10.1007/s11042-017-5457-4</a:t>
               </a:r>
               <a:r>
-                <a:rPr lang="en-US" sz="1400" dirty="0">
+                <a:rPr lang="en-US" sz="1450" dirty="0">
                   <a:solidFill>
                     <a:schemeClr val="tx1"/>
                   </a:solidFill>
@@ -6867,7 +7110,7 @@
             <a:p>
               <a:pPr marL="341313" indent="-341313"/>
               <a:r>
-                <a:rPr lang="en-US" sz="1400" dirty="0">
+                <a:rPr lang="en-US" sz="1450" dirty="0">
                   <a:solidFill>
                     <a:schemeClr val="tx1"/>
                   </a:solidFill>
@@ -6877,7 +7120,7 @@
                 <a:t>[5] Lopes, R. G., Ha, D., Eck, D., and Shlens, J. A learned representation for scalable  vector graphics. </a:t>
               </a:r>
               <a:r>
-                <a:rPr lang="en-US" sz="1400" i="1" dirty="0" err="1">
+                <a:rPr lang="en-US" sz="1450" i="1" dirty="0" err="1">
                   <a:solidFill>
                     <a:schemeClr val="tx1"/>
                   </a:solidFill>
@@ -6887,7 +7130,7 @@
                 <a:t>CoRR</a:t>
               </a:r>
               <a:r>
-                <a:rPr lang="en-US" sz="1400" dirty="0">
+                <a:rPr lang="en-US" sz="1450" dirty="0">
                   <a:solidFill>
                     <a:schemeClr val="tx1"/>
                   </a:solidFill>
@@ -6900,7 +7143,7 @@
             <a:p>
               <a:pPr marL="341313" indent="-341313"/>
               <a:r>
-                <a:rPr lang="en-US" sz="1400" dirty="0">
+                <a:rPr lang="en-US" sz="1450" dirty="0">
                   <a:solidFill>
                     <a:schemeClr val="tx1"/>
                   </a:solidFill>
@@ -6910,7 +7153,7 @@
                 <a:t>[6] O’Donovan, P., </a:t>
               </a:r>
               <a:r>
-                <a:rPr lang="en-US" sz="1400" dirty="0" err="1">
+                <a:rPr lang="en-US" sz="1450" dirty="0" err="1">
                   <a:solidFill>
                     <a:schemeClr val="tx1"/>
                   </a:solidFill>
@@ -6920,7 +7163,7 @@
                 <a:t>Libeks</a:t>
               </a:r>
               <a:r>
-                <a:rPr lang="en-US" sz="1400" dirty="0">
+                <a:rPr lang="en-US" sz="1450" dirty="0">
                   <a:solidFill>
                     <a:schemeClr val="tx1"/>
                   </a:solidFill>
@@ -6930,7 +7173,7 @@
                 <a:t>, J., </a:t>
               </a:r>
               <a:r>
-                <a:rPr lang="en-US" sz="1400" dirty="0" err="1">
+                <a:rPr lang="en-US" sz="1450" dirty="0" err="1">
                   <a:solidFill>
                     <a:schemeClr val="tx1"/>
                   </a:solidFill>
@@ -6940,7 +7183,7 @@
                 <a:t>Agarwala</a:t>
               </a:r>
               <a:r>
-                <a:rPr lang="en-US" sz="1400" dirty="0">
+                <a:rPr lang="en-US" sz="1450" dirty="0">
                   <a:solidFill>
                     <a:schemeClr val="tx1"/>
                   </a:solidFill>
@@ -6950,7 +7193,7 @@
                 <a:t>, A., and </a:t>
               </a:r>
               <a:r>
-                <a:rPr lang="en-US" sz="1400" dirty="0" err="1">
+                <a:rPr lang="en-US" sz="1450" dirty="0" err="1">
                   <a:solidFill>
                     <a:schemeClr val="tx1"/>
                   </a:solidFill>
@@ -6960,7 +7203,7 @@
                 <a:t>Hertzmann</a:t>
               </a:r>
               <a:r>
-                <a:rPr lang="en-US" sz="1400" dirty="0">
+                <a:rPr lang="en-US" sz="1450" dirty="0">
                   <a:solidFill>
                     <a:schemeClr val="tx1"/>
                   </a:solidFill>
@@ -6970,7 +7213,7 @@
                 <a:t>, A. Exploratory Font Selection Using Crowdsourced Attributes. </a:t>
               </a:r>
               <a:r>
-                <a:rPr lang="en-US" sz="1400" i="1" dirty="0">
+                <a:rPr lang="en-US" sz="1450" i="1" dirty="0">
                   <a:solidFill>
                     <a:schemeClr val="tx1"/>
                   </a:solidFill>
@@ -6980,7 +7223,7 @@
                 <a:t>ACM Transactions on Graphics (Proc. SIGGRAPH)</a:t>
               </a:r>
               <a:r>
-                <a:rPr lang="en-US" sz="1400" dirty="0">
+                <a:rPr lang="en-US" sz="1450" dirty="0">
                   <a:solidFill>
                     <a:schemeClr val="tx1"/>
                   </a:solidFill>
@@ -6993,7 +7236,7 @@
             <a:p>
               <a:pPr marL="341313" indent="-341313"/>
               <a:r>
-                <a:rPr lang="en-US" sz="1400" dirty="0">
+                <a:rPr lang="en-US" sz="1450" dirty="0">
                   <a:solidFill>
                     <a:schemeClr val="tx1"/>
                   </a:solidFill>
@@ -7003,7 +7246,7 @@
                 <a:t>[7] </a:t>
               </a:r>
               <a:r>
-                <a:rPr lang="en-US" sz="1400" dirty="0" err="1">
+                <a:rPr lang="en-US" sz="1450" dirty="0" err="1">
                   <a:solidFill>
                     <a:schemeClr val="tx1"/>
                   </a:solidFill>
@@ -7013,7 +7256,7 @@
                 <a:t>Oztürk</a:t>
               </a:r>
               <a:r>
-                <a:rPr lang="en-US" sz="1400" dirty="0">
+                <a:rPr lang="en-US" sz="1450" dirty="0">
                   <a:solidFill>
                     <a:schemeClr val="tx1"/>
                   </a:solidFill>
@@ -7023,7 +7266,7 @@
                 <a:t>, S., </a:t>
               </a:r>
               <a:r>
-                <a:rPr lang="en-US" sz="1400" dirty="0" err="1">
+                <a:rPr lang="en-US" sz="1450" dirty="0" err="1">
                   <a:solidFill>
                     <a:schemeClr val="tx1"/>
                   </a:solidFill>
@@ -7033,7 +7276,7 @@
                 <a:t>Sankur</a:t>
               </a:r>
               <a:r>
-                <a:rPr lang="en-US" sz="1400" dirty="0">
+                <a:rPr lang="en-US" sz="1450" dirty="0">
                   <a:solidFill>
                     <a:schemeClr val="tx1"/>
                   </a:solidFill>
@@ -7043,7 +7286,7 @@
                 <a:t>, B., and </a:t>
               </a:r>
               <a:r>
-                <a:rPr lang="en-US" sz="1400" dirty="0" err="1">
+                <a:rPr lang="en-US" sz="1450" dirty="0" err="1">
                   <a:solidFill>
                     <a:schemeClr val="tx1"/>
                   </a:solidFill>
@@ -7053,7 +7296,7 @@
                 <a:t>Abak</a:t>
               </a:r>
               <a:r>
-                <a:rPr lang="en-US" sz="1400" dirty="0">
+                <a:rPr lang="en-US" sz="1450" dirty="0">
                   <a:solidFill>
                     <a:schemeClr val="tx1"/>
                   </a:solidFill>
@@ -7063,7 +7306,7 @@
                 <a:t>, A. Font clustering and classification in document images. </a:t>
               </a:r>
               <a:r>
-                <a:rPr lang="en-US" sz="1400" i="1" dirty="0">
+                <a:rPr lang="en-US" sz="1450" i="1" dirty="0">
                   <a:solidFill>
                     <a:schemeClr val="tx1"/>
                   </a:solidFill>
@@ -7073,7 +7316,7 @@
                 <a:t>European Signal Processing Conference</a:t>
               </a:r>
               <a:r>
-                <a:rPr lang="en-US" sz="1400" dirty="0">
+                <a:rPr lang="en-US" sz="1450" dirty="0">
                   <a:solidFill>
                     <a:schemeClr val="tx1"/>
                   </a:solidFill>
@@ -7155,195 +7398,505 @@
             <a:p>
               <a:pPr algn="ctr"/>
               <a:r>
-                <a:rPr lang="en-US" sz="4320">
-                  <a:latin typeface="Source Sans Pro" panose="020B0503030403020204" pitchFamily="34" charset="0"/>
-                  <a:ea typeface="Source Sans Pro" panose="020B0503030403020204" pitchFamily="34" charset="0"/>
-                </a:rPr>
-                <a:t>Results and Discussion</a:t>
+                <a:rPr lang="en-US" sz="4320" dirty="0">
+                  <a:latin typeface="Source Sans Pro" panose="020B0503030403020204" pitchFamily="34" charset="0"/>
+                  <a:ea typeface="Source Sans Pro" panose="020B0503030403020204" pitchFamily="34" charset="0"/>
+                </a:rPr>
+                <a:t>Ensemble Inducted Dataset and Results</a:t>
               </a:r>
             </a:p>
           </p:txBody>
         </p:sp>
-        <p:sp>
-          <p:nvSpPr>
-            <p:cNvPr id="27" name="Rectangle 96">
-              <a:extLst>
-                <a:ext uri="{FF2B5EF4-FFF2-40B4-BE49-F238E27FC236}">
-                  <a16:creationId xmlns:a16="http://schemas.microsoft.com/office/drawing/2014/main" id="{5A0BA04D-C70B-4D2B-B62D-9DE8DF804844}"/>
-                </a:ext>
-              </a:extLst>
-            </p:cNvPr>
-            <p:cNvSpPr/>
-            <p:nvPr/>
-          </p:nvSpPr>
-          <p:spPr>
-            <a:xfrm>
-              <a:off x="14228958" y="4962843"/>
-              <a:ext cx="12299793" cy="4283047"/>
-            </a:xfrm>
-            <a:prstGeom prst="rect">
-              <a:avLst/>
-            </a:prstGeom>
-            <a:noFill/>
-            <a:ln>
-              <a:noFill/>
-            </a:ln>
-          </p:spPr>
-          <p:style>
-            <a:lnRef idx="2">
-              <a:schemeClr val="accent1">
-                <a:shade val="50000"/>
-              </a:schemeClr>
-            </a:lnRef>
-            <a:fillRef idx="1">
-              <a:schemeClr val="accent1"/>
-            </a:fillRef>
-            <a:effectRef idx="0">
-              <a:schemeClr val="accent1"/>
-            </a:effectRef>
-            <a:fontRef idx="minor">
-              <a:schemeClr val="lt1"/>
-            </a:fontRef>
-          </p:style>
-          <p:txBody>
-            <a:bodyPr rtlCol="0" anchor="t"/>
-            <a:lstStyle/>
-            <a:p>
-              <a:r>
-                <a:rPr lang="en-US" sz="2700" dirty="0">
-                  <a:solidFill>
-                    <a:schemeClr val="tx1"/>
-                  </a:solidFill>
-                  <a:latin typeface="Source Sans Pro" panose="020B0503030403020204" pitchFamily="34" charset="0"/>
-                  <a:ea typeface="Source Sans Pro" panose="020B0503030403020204" pitchFamily="34" charset="0"/>
-                </a:rPr>
-                <a:t>We finetuned each model for 200 epochs and evaluated them using 5 metrics: L1 and L2 distance from the true image, structural similarity (SSIM), and L1 and L2 distance between the </a:t>
-              </a:r>
-              <a:r>
-                <a:rPr lang="en-US" sz="2700" dirty="0" err="1">
-                  <a:solidFill>
-                    <a:schemeClr val="tx1"/>
-                  </a:solidFill>
-                  <a:latin typeface="Source Sans Pro" panose="020B0503030403020204" pitchFamily="34" charset="0"/>
-                  <a:ea typeface="Source Sans Pro" panose="020B0503030403020204" pitchFamily="34" charset="0"/>
-                </a:rPr>
-                <a:t>FaceNet</a:t>
-              </a:r>
-              <a:r>
-                <a:rPr lang="en-US" sz="2700" dirty="0">
-                  <a:solidFill>
-                    <a:schemeClr val="tx1"/>
-                  </a:solidFill>
-                  <a:latin typeface="Source Sans Pro" panose="020B0503030403020204" pitchFamily="34" charset="0"/>
-                  <a:ea typeface="Source Sans Pro" panose="020B0503030403020204" pitchFamily="34" charset="0"/>
-                </a:rPr>
-                <a:t> embeddings [5] of the generated pics and those of the true photos. </a:t>
-              </a:r>
-            </a:p>
-            <a:p>
-              <a:endParaRPr lang="en-US" sz="800" dirty="0">
-                <a:solidFill>
-                  <a:schemeClr val="tx1"/>
-                </a:solidFill>
-                <a:latin typeface="Source Sans Pro" panose="020B0503030403020204" pitchFamily="34" charset="0"/>
-                <a:ea typeface="Source Sans Pro" panose="020B0503030403020204" pitchFamily="34" charset="0"/>
-              </a:endParaRPr>
-            </a:p>
-            <a:p>
-              <a:r>
-                <a:rPr lang="en-US" sz="2700" dirty="0">
-                  <a:solidFill>
-                    <a:schemeClr val="tx1"/>
-                  </a:solidFill>
-                  <a:latin typeface="Source Sans Pro" panose="020B0503030403020204" pitchFamily="34" charset="0"/>
-                  <a:ea typeface="Source Sans Pro" panose="020B0503030403020204" pitchFamily="34" charset="0"/>
-                </a:rPr>
-                <a:t>All of the iterative refinement models outperform the baseline by a large margin on the L1 and L2 distance metrics as well as SSIM.  The </a:t>
-              </a:r>
-              <a:r>
-                <a:rPr lang="en-US" sz="2700" dirty="0" err="1">
-                  <a:solidFill>
-                    <a:schemeClr val="tx1"/>
-                  </a:solidFill>
-                  <a:latin typeface="Source Sans Pro" panose="020B0503030403020204" pitchFamily="34" charset="0"/>
-                  <a:ea typeface="Source Sans Pro" panose="020B0503030403020204" pitchFamily="34" charset="0"/>
-                </a:rPr>
-                <a:t>cGAN</a:t>
-              </a:r>
-              <a:r>
-                <a:rPr lang="en-US" sz="2700" dirty="0">
-                  <a:solidFill>
-                    <a:schemeClr val="tx1"/>
-                  </a:solidFill>
-                  <a:latin typeface="Source Sans Pro" panose="020B0503030403020204" pitchFamily="34" charset="0"/>
-                  <a:ea typeface="Source Sans Pro" panose="020B0503030403020204" pitchFamily="34" charset="0"/>
-                </a:rPr>
-                <a:t>-Initial Loss model’s 2</a:t>
-              </a:r>
-              <a:r>
-                <a:rPr lang="en-US" sz="2700" baseline="30000" dirty="0">
-                  <a:solidFill>
-                    <a:schemeClr val="tx1"/>
-                  </a:solidFill>
-                  <a:latin typeface="Source Sans Pro" panose="020B0503030403020204" pitchFamily="34" charset="0"/>
-                  <a:ea typeface="Source Sans Pro" panose="020B0503030403020204" pitchFamily="34" charset="0"/>
-                </a:rPr>
-                <a:t>nd</a:t>
-              </a:r>
-              <a:r>
-                <a:rPr lang="en-US" sz="2700" dirty="0">
-                  <a:solidFill>
-                    <a:schemeClr val="tx1"/>
-                  </a:solidFill>
-                  <a:latin typeface="Source Sans Pro" panose="020B0503030403020204" pitchFamily="34" charset="0"/>
-                  <a:ea typeface="Source Sans Pro" panose="020B0503030403020204" pitchFamily="34" charset="0"/>
-                </a:rPr>
-                <a:t> generator produced the most realistic images, qualitatively and in terms of L1 distance and SSIM. It appears the </a:t>
-              </a:r>
-              <a:r>
-                <a:rPr lang="en-US" sz="2700" dirty="0" err="1">
-                  <a:solidFill>
-                    <a:schemeClr val="tx1"/>
-                  </a:solidFill>
-                  <a:latin typeface="Source Sans Pro" panose="020B0503030403020204" pitchFamily="34" charset="0"/>
-                  <a:ea typeface="Source Sans Pro" panose="020B0503030403020204" pitchFamily="34" charset="0"/>
-                </a:rPr>
-                <a:t>cGAN</a:t>
-              </a:r>
-              <a:r>
-                <a:rPr lang="en-US" sz="2700" dirty="0">
-                  <a:solidFill>
-                    <a:schemeClr val="tx1"/>
-                  </a:solidFill>
-                  <a:latin typeface="Source Sans Pro" panose="020B0503030403020204" pitchFamily="34" charset="0"/>
-                  <a:ea typeface="Source Sans Pro" panose="020B0503030403020204" pitchFamily="34" charset="0"/>
-                </a:rPr>
-                <a:t> and L1 loss helped generator 1 create semi-natural images with crisp boundaries to fool the discriminator; generator 2 and its L1 loss smooth them out.</a:t>
-              </a:r>
-            </a:p>
-            <a:p>
-              <a:endParaRPr lang="en-US" sz="800" dirty="0">
-                <a:solidFill>
-                  <a:schemeClr val="tx1"/>
-                </a:solidFill>
-                <a:latin typeface="Source Sans Pro" panose="020B0503030403020204" pitchFamily="34" charset="0"/>
-                <a:ea typeface="Source Sans Pro" panose="020B0503030403020204" pitchFamily="34" charset="0"/>
-              </a:endParaRPr>
-            </a:p>
-            <a:p>
-              <a:r>
-                <a:rPr lang="en-US" sz="2700" dirty="0">
-                  <a:solidFill>
-                    <a:schemeClr val="tx1"/>
-                  </a:solidFill>
-                  <a:latin typeface="Source Sans Pro" panose="020B0503030403020204" pitchFamily="34" charset="0"/>
-                  <a:ea typeface="Source Sans Pro" panose="020B0503030403020204" pitchFamily="34" charset="0"/>
-                </a:rPr>
-                <a:t>Many of the realistic generated images were visually distinct from the real photos; more fidelity to the likeness of the subject remains to be desired for forensic applications.</a:t>
-              </a:r>
-            </a:p>
-          </p:txBody>
-        </p:sp>
+        <mc:AlternateContent xmlns:mc="http://schemas.openxmlformats.org/markup-compatibility/2006">
+          <mc:Choice xmlns:a14="http://schemas.microsoft.com/office/drawing/2010/main" Requires="a14">
+            <p:sp>
+              <p:nvSpPr>
+                <p:cNvPr id="27" name="Rectangle 96">
+                  <a:extLst>
+                    <a:ext uri="{FF2B5EF4-FFF2-40B4-BE49-F238E27FC236}">
+                      <a16:creationId xmlns:a16="http://schemas.microsoft.com/office/drawing/2014/main" id="{5A0BA04D-C70B-4D2B-B62D-9DE8DF804844}"/>
+                    </a:ext>
+                  </a:extLst>
+                </p:cNvPr>
+                <p:cNvSpPr/>
+                <p:nvPr/>
+              </p:nvSpPr>
+              <p:spPr>
+                <a:xfrm>
+                  <a:off x="14228958" y="4962843"/>
+                  <a:ext cx="12299793" cy="4283047"/>
+                </a:xfrm>
+                <a:prstGeom prst="rect">
+                  <a:avLst/>
+                </a:prstGeom>
+                <a:noFill/>
+                <a:ln>
+                  <a:noFill/>
+                </a:ln>
+              </p:spPr>
+              <p:style>
+                <a:lnRef idx="2">
+                  <a:schemeClr val="accent1">
+                    <a:shade val="50000"/>
+                  </a:schemeClr>
+                </a:lnRef>
+                <a:fillRef idx="1">
+                  <a:schemeClr val="accent1"/>
+                </a:fillRef>
+                <a:effectRef idx="0">
+                  <a:schemeClr val="accent1"/>
+                </a:effectRef>
+                <a:fontRef idx="minor">
+                  <a:schemeClr val="lt1"/>
+                </a:fontRef>
+              </p:style>
+              <p:txBody>
+                <a:bodyPr rtlCol="0" anchor="t"/>
+                <a:lstStyle/>
+                <a:p>
+                  <a:pPr defTabSz="1097280">
+                    <a:defRPr/>
+                  </a:pPr>
+                  <a:r>
+                    <a:rPr lang="en-US" sz="2400" dirty="0">
+                      <a:solidFill>
+                        <a:schemeClr val="tx1"/>
+                      </a:solidFill>
+                      <a:latin typeface="Source Sans Pro" panose="020B0503030403020204" pitchFamily="34" charset="0"/>
+                      <a:ea typeface="Source Sans Pro" panose="020B0503030403020204" pitchFamily="34" charset="0"/>
+                    </a:rPr>
+                    <a:t>Thus, for our final data induction model, to leverage the power of all three data induction models (4-nn, 7-nn, and SVR), we ensemble a </a:t>
+                  </a:r>
+                  <a:r>
+                    <a:rPr lang="en-US" sz="2400" b="1" dirty="0">
+                      <a:solidFill>
+                        <a:schemeClr val="tx1"/>
+                      </a:solidFill>
+                      <a:latin typeface="Source Sans Pro" panose="020B0503030403020204" pitchFamily="34" charset="0"/>
+                      <a:ea typeface="Source Sans Pro" panose="020B0503030403020204" pitchFamily="34" charset="0"/>
+                    </a:rPr>
+                    <a:t>meta-estimating voting regressor </a:t>
+                  </a:r>
+                  <a:r>
+                    <a:rPr lang="en-US" sz="2400" dirty="0">
+                      <a:solidFill>
+                        <a:schemeClr val="tx1"/>
+                      </a:solidFill>
+                      <a:latin typeface="Source Sans Pro" panose="020B0503030403020204" pitchFamily="34" charset="0"/>
+                      <a:ea typeface="Source Sans Pro" panose="020B0503030403020204" pitchFamily="34" charset="0"/>
+                    </a:rPr>
+                    <a:t>that averages the individual predictions of these models to form a final prediction. While we also tried stacking the inputs of these models into a linear regression model, which did not perform as well as the meta-estimator.</a:t>
+                  </a:r>
+                </a:p>
+                <a:p>
+                  <a:pPr defTabSz="1097280">
+                    <a:defRPr/>
+                  </a:pPr>
+                  <a:endParaRPr lang="en-US" sz="800" dirty="0">
+                    <a:solidFill>
+                      <a:schemeClr val="tx1"/>
+                    </a:solidFill>
+                    <a:latin typeface="Source Sans Pro" panose="020B0503030403020204" pitchFamily="34" charset="0"/>
+                    <a:ea typeface="Source Sans Pro" panose="020B0503030403020204" pitchFamily="34" charset="0"/>
+                  </a:endParaRPr>
+                </a:p>
+                <a:p>
+                  <a:pPr defTabSz="1097280">
+                    <a:defRPr/>
+                  </a:pPr>
+                  <a:r>
+                    <a:rPr lang="en-US" sz="2400" dirty="0">
+                      <a:solidFill>
+                        <a:schemeClr val="tx1"/>
+                      </a:solidFill>
+                      <a:latin typeface="Source Sans Pro" panose="020B0503030403020204" pitchFamily="34" charset="0"/>
+                      <a:ea typeface="Source Sans Pro" panose="020B0503030403020204" pitchFamily="34" charset="0"/>
+                    </a:rPr>
+                    <a:t>To measure the quality of our datasets, we use the leave-one-out cross-validation error procedure of [6] for each data induction model </a:t>
+                  </a:r>
+                  <a:r>
+                    <a:rPr lang="en-US" sz="2400" i="1" dirty="0">
+                      <a:solidFill>
+                        <a:schemeClr val="tx1"/>
+                      </a:solidFill>
+                      <a:latin typeface="Source Sans Pro" panose="020B0503030403020204" pitchFamily="34" charset="0"/>
+                      <a:ea typeface="Source Sans Pro" panose="020B0503030403020204" pitchFamily="34" charset="0"/>
+                    </a:rPr>
+                    <a:t>m</a:t>
+                  </a:r>
+                  <a:r>
+                    <a:rPr lang="en-US" sz="2400" dirty="0">
+                      <a:solidFill>
+                        <a:schemeClr val="tx1"/>
+                      </a:solidFill>
+                      <a:latin typeface="Source Sans Pro" panose="020B0503030403020204" pitchFamily="34" charset="0"/>
+                      <a:ea typeface="Source Sans Pro" panose="020B0503030403020204" pitchFamily="34" charset="0"/>
+                    </a:rPr>
+                    <a:t>, which is model invariant. Our experiment procedure is as follows:</a:t>
+                  </a:r>
+                </a:p>
+                <a:p>
+                  <a:pPr defTabSz="1097280">
+                    <a:defRPr/>
+                  </a:pPr>
+                  <a:r>
+                    <a:rPr lang="en-US" sz="2400" dirty="0">
+                      <a:solidFill>
+                        <a:schemeClr val="tx1"/>
+                      </a:solidFill>
+                      <a:latin typeface="Source Sans Pro" panose="020B0503030403020204" pitchFamily="34" charset="0"/>
+                      <a:ea typeface="Source Sans Pro" panose="020B0503030403020204" pitchFamily="34" charset="0"/>
+                    </a:rPr>
+                    <a:t>Train model </a:t>
+                  </a:r>
+                  <a:r>
+                    <a:rPr lang="en-US" sz="2400" i="1" dirty="0">
+                      <a:solidFill>
+                        <a:schemeClr val="tx1"/>
+                      </a:solidFill>
+                      <a:latin typeface="Source Sans Pro" panose="020B0503030403020204" pitchFamily="34" charset="0"/>
+                      <a:ea typeface="Source Sans Pro" panose="020B0503030403020204" pitchFamily="34" charset="0"/>
+                    </a:rPr>
+                    <a:t>m</a:t>
+                  </a:r>
+                  <a:r>
+                    <a:rPr lang="en-US" sz="2400" dirty="0">
+                      <a:solidFill>
+                        <a:schemeClr val="tx1"/>
+                      </a:solidFill>
+                      <a:latin typeface="Source Sans Pro" panose="020B0503030403020204" pitchFamily="34" charset="0"/>
+                      <a:ea typeface="Source Sans Pro" panose="020B0503030403020204" pitchFamily="34" charset="0"/>
+                    </a:rPr>
+                    <a:t> on F</a:t>
+                  </a:r>
+                  <a:r>
+                    <a:rPr lang="en-US" sz="2400" baseline="-25000" dirty="0">
+                      <a:solidFill>
+                        <a:schemeClr val="tx1"/>
+                      </a:solidFill>
+                      <a:latin typeface="Source Sans Pro" panose="020B0503030403020204" pitchFamily="34" charset="0"/>
+                      <a:ea typeface="Source Sans Pro" panose="020B0503030403020204" pitchFamily="34" charset="0"/>
+                    </a:rPr>
+                    <a:t>161</a:t>
+                  </a:r>
+                  <a:r>
+                    <a:rPr lang="en-US" sz="2400" dirty="0">
+                      <a:solidFill>
+                        <a:schemeClr val="tx1"/>
+                      </a:solidFill>
+                      <a:latin typeface="Source Sans Pro" panose="020B0503030403020204" pitchFamily="34" charset="0"/>
+                      <a:ea typeface="Source Sans Pro" panose="020B0503030403020204" pitchFamily="34" charset="0"/>
+                    </a:rPr>
+                    <a:t> \ f   </a:t>
+                  </a:r>
+                  <a:r>
+                    <a:rPr lang="en-US" sz="2400" dirty="0">
+                      <a:solidFill>
+                        <a:schemeClr val="tx1"/>
+                      </a:solidFill>
+                      <a:latin typeface="Source Sans Pro" panose="020B0503030403020204" pitchFamily="34" charset="0"/>
+                      <a:ea typeface="Source Sans Pro" panose="020B0503030403020204" pitchFamily="34" charset="0"/>
+                      <a:sym typeface="Wingdings" panose="05000000000000000000" pitchFamily="2" charset="2"/>
+                    </a:rPr>
+                    <a:t>   predict </a:t>
+                  </a:r>
+                  <a:r>
+                    <a:rPr lang="en-US" sz="2400" i="1" dirty="0">
+                      <a:solidFill>
+                        <a:schemeClr val="tx1"/>
+                      </a:solidFill>
+                      <a:latin typeface="Source Sans Pro" panose="020B0503030403020204" pitchFamily="34" charset="0"/>
+                      <a:ea typeface="Source Sans Pro" panose="020B0503030403020204" pitchFamily="34" charset="0"/>
+                      <a:sym typeface="Wingdings" panose="05000000000000000000" pitchFamily="2" charset="2"/>
+                    </a:rPr>
+                    <a:t>m</a:t>
+                  </a:r>
+                  <a:r>
+                    <a:rPr lang="en-US" sz="2400" dirty="0">
+                      <a:solidFill>
+                        <a:schemeClr val="tx1"/>
+                      </a:solidFill>
+                      <a:latin typeface="Source Sans Pro" panose="020B0503030403020204" pitchFamily="34" charset="0"/>
+                      <a:ea typeface="Source Sans Pro" panose="020B0503030403020204" pitchFamily="34" charset="0"/>
+                      <a:sym typeface="Wingdings" panose="05000000000000000000" pitchFamily="2" charset="2"/>
+                    </a:rPr>
+                    <a:t>(f)      error = a</a:t>
+                  </a:r>
+                  <a:r>
+                    <a:rPr lang="en-US" sz="2400" baseline="-25000" dirty="0">
+                      <a:solidFill>
+                        <a:schemeClr val="tx1"/>
+                      </a:solidFill>
+                      <a:latin typeface="Source Sans Pro" panose="020B0503030403020204" pitchFamily="34" charset="0"/>
+                      <a:ea typeface="Source Sans Pro" panose="020B0503030403020204" pitchFamily="34" charset="0"/>
+                      <a:sym typeface="Wingdings" panose="05000000000000000000" pitchFamily="2" charset="2"/>
+                    </a:rPr>
+                    <a:t>s</a:t>
+                  </a:r>
+                  <a:r>
+                    <a:rPr lang="en-US" sz="2400" dirty="0">
+                      <a:solidFill>
+                        <a:schemeClr val="tx1"/>
+                      </a:solidFill>
+                      <a:latin typeface="Source Sans Pro" panose="020B0503030403020204" pitchFamily="34" charset="0"/>
+                      <a:ea typeface="Source Sans Pro" panose="020B0503030403020204" pitchFamily="34" charset="0"/>
+                      <a:sym typeface="Wingdings" panose="05000000000000000000" pitchFamily="2" charset="2"/>
+                    </a:rPr>
+                    <a:t>’ – a</a:t>
+                  </a:r>
+                  <a:r>
+                    <a:rPr lang="en-US" sz="2400" baseline="-25000" dirty="0">
+                      <a:solidFill>
+                        <a:schemeClr val="tx1"/>
+                      </a:solidFill>
+                      <a:latin typeface="Source Sans Pro" panose="020B0503030403020204" pitchFamily="34" charset="0"/>
+                      <a:ea typeface="Source Sans Pro" panose="020B0503030403020204" pitchFamily="34" charset="0"/>
+                      <a:sym typeface="Wingdings" panose="05000000000000000000" pitchFamily="2" charset="2"/>
+                    </a:rPr>
+                    <a:t>s</a:t>
+                  </a:r>
+                </a:p>
+                <a:p>
+                  <a:pPr defTabSz="1097280">
+                    <a:defRPr/>
+                  </a:pPr>
+                  <a:r>
+                    <a:rPr lang="en-US" sz="2400" i="1" dirty="0">
+                      <a:solidFill>
+                        <a:schemeClr val="tx1"/>
+                      </a:solidFill>
+                      <a:latin typeface="Source Sans Pro" panose="020B0503030403020204" pitchFamily="34" charset="0"/>
+                      <a:ea typeface="Source Sans Pro" panose="020B0503030403020204" pitchFamily="34" charset="0"/>
+                      <a:sym typeface="Wingdings" panose="05000000000000000000" pitchFamily="2" charset="2"/>
+                    </a:rPr>
+                    <a:t>e</a:t>
+                  </a:r>
+                  <a:r>
+                    <a:rPr lang="en-US" sz="2400" dirty="0">
+                      <a:solidFill>
+                        <a:schemeClr val="tx1"/>
+                      </a:solidFill>
+                      <a:latin typeface="Source Sans Pro" panose="020B0503030403020204" pitchFamily="34" charset="0"/>
+                      <a:ea typeface="Source Sans Pro" panose="020B0503030403020204" pitchFamily="34" charset="0"/>
+                      <a:sym typeface="Wingdings" panose="05000000000000000000" pitchFamily="2" charset="2"/>
+                    </a:rPr>
+                    <a:t> = error vector with absolute value of each component</a:t>
+                  </a:r>
+                </a:p>
+                <a:p>
+                  <a:pPr defTabSz="1097280">
+                    <a:defRPr/>
+                  </a:pPr>
+                  <a:r>
+                    <a:rPr lang="en-US" sz="2400" dirty="0">
+                      <a:solidFill>
+                        <a:schemeClr val="tx1"/>
+                      </a:solidFill>
+                      <a:latin typeface="Source Sans Pro" panose="020B0503030403020204" pitchFamily="34" charset="0"/>
+                      <a:ea typeface="Source Sans Pro" panose="020B0503030403020204" pitchFamily="34" charset="0"/>
+                      <a:sym typeface="Wingdings" panose="05000000000000000000" pitchFamily="2" charset="2"/>
+                    </a:rPr>
+                    <a:t>Average error </a:t>
+                  </a:r>
+                  <a14:m>
+                    <m:oMath xmlns:m="http://schemas.openxmlformats.org/officeDocument/2006/math">
+                      <m:acc>
+                        <m:accPr>
+                          <m:chr m:val="̅"/>
+                          <m:ctrlPr>
+                            <a:rPr lang="en-US" sz="2400" i="1" dirty="0">
+                              <a:solidFill>
+                                <a:schemeClr val="tx1"/>
+                              </a:solidFill>
+                              <a:latin typeface="Cambria Math" panose="02040503050406030204" pitchFamily="18" charset="0"/>
+                              <a:ea typeface="Source Sans Pro" panose="020B0503030403020204" pitchFamily="34" charset="0"/>
+                              <a:sym typeface="Wingdings" panose="05000000000000000000" pitchFamily="2" charset="2"/>
+                            </a:rPr>
+                          </m:ctrlPr>
+                        </m:accPr>
+                        <m:e>
+                          <m:r>
+                            <a:rPr lang="en-US" sz="2400" i="1" dirty="0">
+                              <a:solidFill>
+                                <a:schemeClr val="tx1"/>
+                              </a:solidFill>
+                              <a:latin typeface="Cambria Math" panose="02040503050406030204" pitchFamily="18" charset="0"/>
+                              <a:ea typeface="Source Sans Pro" panose="020B0503030403020204" pitchFamily="34" charset="0"/>
+                              <a:sym typeface="Wingdings" panose="05000000000000000000" pitchFamily="2" charset="2"/>
+                            </a:rPr>
+                            <m:t>𝑒</m:t>
+                          </m:r>
+                        </m:e>
+                      </m:acc>
+                    </m:oMath>
+                  </a14:m>
+                  <a:r>
+                    <a:rPr lang="en-US" sz="2400" dirty="0">
+                      <a:solidFill>
+                        <a:schemeClr val="tx1"/>
+                      </a:solidFill>
+                      <a:latin typeface="Source Sans Pro" panose="020B0503030403020204" pitchFamily="34" charset="0"/>
+                      <a:ea typeface="Source Sans Pro" panose="020B0503030403020204" pitchFamily="34" charset="0"/>
+                    </a:rPr>
+                    <a:t> = average over all e vectors</a:t>
+                  </a:r>
+                </a:p>
+                <a:p>
+                  <a:pPr defTabSz="1097280">
+                    <a:defRPr/>
+                  </a:pPr>
+                  <a:r>
+                    <a:rPr lang="en-US" sz="2400" dirty="0">
+                      <a:solidFill>
+                        <a:schemeClr val="tx1"/>
+                      </a:solidFill>
+                      <a:latin typeface="Source Sans Pro" panose="020B0503030403020204" pitchFamily="34" charset="0"/>
+                      <a:ea typeface="Source Sans Pro" panose="020B0503030403020204" pitchFamily="34" charset="0"/>
+                    </a:rPr>
+                    <a:t>Average error over attributes = average of components of </a:t>
+                  </a:r>
+                  <a14:m>
+                    <m:oMath xmlns:m="http://schemas.openxmlformats.org/officeDocument/2006/math">
+                      <m:acc>
+                        <m:accPr>
+                          <m:chr m:val="̅"/>
+                          <m:ctrlPr>
+                            <a:rPr lang="en-US" sz="2400" i="1" dirty="0">
+                              <a:solidFill>
+                                <a:schemeClr val="tx1"/>
+                              </a:solidFill>
+                              <a:latin typeface="Cambria Math" panose="02040503050406030204" pitchFamily="18" charset="0"/>
+                              <a:ea typeface="Source Sans Pro" panose="020B0503030403020204" pitchFamily="34" charset="0"/>
+                              <a:sym typeface="Wingdings" panose="05000000000000000000" pitchFamily="2" charset="2"/>
+                            </a:rPr>
+                          </m:ctrlPr>
+                        </m:accPr>
+                        <m:e>
+                          <m:r>
+                            <a:rPr lang="en-US" sz="2400" i="1" dirty="0">
+                              <a:solidFill>
+                                <a:schemeClr val="tx1"/>
+                              </a:solidFill>
+                              <a:latin typeface="Cambria Math" panose="02040503050406030204" pitchFamily="18" charset="0"/>
+                              <a:ea typeface="Source Sans Pro" panose="020B0503030403020204" pitchFamily="34" charset="0"/>
+                              <a:sym typeface="Wingdings" panose="05000000000000000000" pitchFamily="2" charset="2"/>
+                            </a:rPr>
+                            <m:t>𝑒</m:t>
+                          </m:r>
+                        </m:e>
+                      </m:acc>
+                    </m:oMath>
+                  </a14:m>
+                  <a:endParaRPr lang="en-US" sz="2400" dirty="0">
+                    <a:solidFill>
+                      <a:schemeClr val="tx1"/>
+                    </a:solidFill>
+                    <a:latin typeface="Source Sans Pro" panose="020B0503030403020204" pitchFamily="34" charset="0"/>
+                    <a:ea typeface="Source Sans Pro" panose="020B0503030403020204" pitchFamily="34" charset="0"/>
+                  </a:endParaRPr>
+                </a:p>
+                <a:p>
+                  <a:pPr defTabSz="1097280">
+                    <a:defRPr/>
+                  </a:pPr>
+                  <a:endParaRPr lang="en-US" sz="800" dirty="0">
+                    <a:solidFill>
+                      <a:schemeClr val="tx1"/>
+                    </a:solidFill>
+                    <a:latin typeface="Source Sans Pro" panose="020B0503030403020204" pitchFamily="34" charset="0"/>
+                    <a:ea typeface="Source Sans Pro" panose="020B0503030403020204" pitchFamily="34" charset="0"/>
+                  </a:endParaRPr>
+                </a:p>
+                <a:p>
+                  <a:pPr defTabSz="1097280">
+                    <a:defRPr/>
+                  </a:pPr>
+                  <a:r>
+                    <a:rPr lang="en-US" sz="2400" dirty="0">
+                      <a:solidFill>
+                        <a:schemeClr val="tx1"/>
+                      </a:solidFill>
+                      <a:latin typeface="Source Sans Pro" panose="020B0503030403020204" pitchFamily="34" charset="0"/>
+                      <a:ea typeface="Source Sans Pro" panose="020B0503030403020204" pitchFamily="34" charset="0"/>
+                    </a:rPr>
+                    <a:t>We visualize and present these errors in Figure 4 and in Table 1.</a:t>
+                  </a:r>
+                </a:p>
+                <a:p>
+                  <a:pPr defTabSz="1097280">
+                    <a:defRPr/>
+                  </a:pPr>
+                  <a:endParaRPr lang="en-US" sz="2400" dirty="0">
+                    <a:solidFill>
+                      <a:schemeClr val="tx1"/>
+                    </a:solidFill>
+                    <a:latin typeface="Source Sans Pro" panose="020B0503030403020204" pitchFamily="34" charset="0"/>
+                    <a:ea typeface="Source Sans Pro" panose="020B0503030403020204" pitchFamily="34" charset="0"/>
+                  </a:endParaRPr>
+                </a:p>
+                <a:p>
+                  <a:pPr defTabSz="1097280">
+                    <a:defRPr/>
+                  </a:pPr>
+                  <a:endParaRPr lang="en-US" sz="2400" dirty="0">
+                    <a:solidFill>
+                      <a:schemeClr val="tx1"/>
+                    </a:solidFill>
+                    <a:latin typeface="Source Sans Pro" panose="020B0503030403020204" pitchFamily="34" charset="0"/>
+                    <a:ea typeface="Source Sans Pro" panose="020B0503030403020204" pitchFamily="34" charset="0"/>
+                  </a:endParaRPr>
+                </a:p>
+              </p:txBody>
+            </p:sp>
+          </mc:Choice>
+          <mc:Fallback>
+            <p:sp>
+              <p:nvSpPr>
+                <p:cNvPr id="27" name="Rectangle 96">
+                  <a:extLst>
+                    <a:ext uri="{FF2B5EF4-FFF2-40B4-BE49-F238E27FC236}">
+                      <a16:creationId xmlns:a16="http://schemas.microsoft.com/office/drawing/2014/main" id="{5A0BA04D-C70B-4D2B-B62D-9DE8DF804844}"/>
+                    </a:ext>
+                  </a:extLst>
+                </p:cNvPr>
+                <p:cNvSpPr>
+                  <a:spLocks noRot="1" noChangeAspect="1" noMove="1" noResize="1" noEditPoints="1" noAdjustHandles="1" noChangeArrowheads="1" noChangeShapeType="1" noTextEdit="1"/>
+                </p:cNvSpPr>
+                <p:nvPr/>
+              </p:nvSpPr>
+              <p:spPr>
+                <a:xfrm>
+                  <a:off x="14228958" y="4962843"/>
+                  <a:ext cx="12299793" cy="4283047"/>
+                </a:xfrm>
+                <a:prstGeom prst="rect">
+                  <a:avLst/>
+                </a:prstGeom>
+                <a:blipFill>
+                  <a:blip r:embed="rId5"/>
+                  <a:stretch>
+                    <a:fillRect l="-707" t="-949" r="-377"/>
+                  </a:stretch>
+                </a:blipFill>
+                <a:ln>
+                  <a:noFill/>
+                </a:ln>
+              </p:spPr>
+              <p:txBody>
+                <a:bodyPr/>
+                <a:lstStyle/>
+                <a:p>
+                  <a:r>
+                    <a:rPr lang="en-US">
+                      <a:noFill/>
+                    </a:rPr>
+                    <a:t> </a:t>
+                  </a:r>
+                </a:p>
+              </p:txBody>
+            </p:sp>
+          </mc:Fallback>
+        </mc:AlternateContent>
       </p:grpSp>
       <p:grpSp>
         <p:nvGrpSpPr>
@@ -7360,9 +7913,9 @@
         <p:grpSpPr>
           <a:xfrm>
             <a:off x="9045869" y="3071514"/>
-            <a:ext cx="9001263" cy="12122124"/>
+            <a:ext cx="9156071" cy="14945553"/>
             <a:chOff x="7538224" y="2746204"/>
-            <a:chExt cx="7501052" cy="10101768"/>
+            <a:chExt cx="7465399" cy="12454624"/>
           </a:xfrm>
         </p:grpSpPr>
         <p:sp>
@@ -7522,7 +8075,7 @@
           <p:spPr>
             <a:xfrm>
               <a:off x="7538225" y="3741488"/>
-              <a:ext cx="7465136" cy="6458870"/>
+              <a:ext cx="7465136" cy="11459340"/>
             </a:xfrm>
             <a:prstGeom prst="rect">
               <a:avLst/>
@@ -7556,131 +8109,216 @@
                 <a:defRPr/>
               </a:pPr>
               <a:r>
-                <a:rPr lang="en-US" sz="2700" dirty="0" err="1">
+                <a:rPr lang="en-US" sz="2700" b="1" dirty="0">
                   <a:solidFill>
                     <a:schemeClr val="tx1"/>
                   </a:solidFill>
                   <a:latin typeface="Source Sans Pro" panose="020B0503030403020204" pitchFamily="34" charset="0"/>
                   <a:ea typeface="Source Sans Pro" panose="020B0503030403020204" pitchFamily="34" charset="0"/>
                 </a:rPr>
-                <a:t>Kulahcioglu</a:t>
-              </a:r>
-              <a:r>
-                <a:rPr lang="en-US" sz="2700" dirty="0">
-                  <a:solidFill>
-                    <a:schemeClr val="tx1"/>
-                  </a:solidFill>
-                  <a:latin typeface="Source Sans Pro" panose="020B0503030403020204" pitchFamily="34" charset="0"/>
-                  <a:ea typeface="Source Sans Pro" panose="020B0503030403020204" pitchFamily="34" charset="0"/>
-                </a:rPr>
-                <a:t> and de Melo [3] use </a:t>
-              </a:r>
-              <a:r>
-                <a:rPr lang="en-US" sz="2700" i="1" dirty="0">
-                  <a:solidFill>
-                    <a:schemeClr val="tx1"/>
-                  </a:solidFill>
-                  <a:latin typeface="Source Sans Pro" panose="020B0503030403020204" pitchFamily="34" charset="0"/>
-                  <a:ea typeface="Source Sans Pro" panose="020B0503030403020204" pitchFamily="34" charset="0"/>
-                </a:rPr>
-                <a:t>k</a:t>
-              </a:r>
-              <a:r>
-                <a:rPr lang="en-US" sz="2700" dirty="0">
-                  <a:solidFill>
-                    <a:schemeClr val="tx1"/>
-                  </a:solidFill>
-                  <a:latin typeface="Source Sans Pro" panose="020B0503030403020204" pitchFamily="34" charset="0"/>
-                  <a:ea typeface="Source Sans Pro" panose="020B0503030403020204" pitchFamily="34" charset="0"/>
-                </a:rPr>
-                <a:t>-nearest neighbors (</a:t>
-              </a:r>
-              <a:r>
-                <a:rPr lang="en-US" sz="2700" i="1" dirty="0">
-                  <a:solidFill>
-                    <a:schemeClr val="tx1"/>
-                  </a:solidFill>
-                  <a:latin typeface="Source Sans Pro" panose="020B0503030403020204" pitchFamily="34" charset="0"/>
-                  <a:ea typeface="Source Sans Pro" panose="020B0503030403020204" pitchFamily="34" charset="0"/>
-                </a:rPr>
-                <a:t>k</a:t>
-              </a:r>
-              <a:r>
-                <a:rPr lang="en-US" sz="2700" dirty="0">
-                  <a:solidFill>
-                    <a:schemeClr val="tx1"/>
-                  </a:solidFill>
-                  <a:latin typeface="Source Sans Pro" panose="020B0503030403020204" pitchFamily="34" charset="0"/>
-                  <a:ea typeface="Source Sans Pro" panose="020B0503030403020204" pitchFamily="34" charset="0"/>
-                </a:rPr>
-                <a:t>-NN) regression for dataset induction. They calculate the cosine similarity distance between </a:t>
-              </a:r>
-              <a:r>
-                <a:rPr lang="en-US" sz="2700" dirty="0" err="1">
-                  <a:solidFill>
-                    <a:schemeClr val="tx1"/>
-                  </a:solidFill>
-                  <a:latin typeface="Source Sans Pro" panose="020B0503030403020204" pitchFamily="34" charset="0"/>
-                  <a:ea typeface="Source Sans Pro" panose="020B0503030403020204" pitchFamily="34" charset="0"/>
-                </a:rPr>
-                <a:t>FontJoy</a:t>
-              </a:r>
-              <a:r>
-                <a:rPr lang="en-US" sz="2700" dirty="0">
-                  <a:solidFill>
-                    <a:schemeClr val="tx1"/>
-                  </a:solidFill>
-                  <a:latin typeface="Source Sans Pro" panose="020B0503030403020204" pitchFamily="34" charset="0"/>
-                  <a:ea typeface="Source Sans Pro" panose="020B0503030403020204" pitchFamily="34" charset="0"/>
-                </a:rPr>
-                <a:t> embeddings for each typeface and obtain best results in regressing the 31-D attributes by taking an unweighted average over the four nearest neighbors (</a:t>
-              </a:r>
-              <a:r>
-                <a:rPr lang="en-US" sz="2700" i="1" dirty="0">
-                  <a:solidFill>
-                    <a:schemeClr val="tx1"/>
-                  </a:solidFill>
-                  <a:latin typeface="Source Sans Pro" panose="020B0503030403020204" pitchFamily="34" charset="0"/>
-                  <a:ea typeface="Source Sans Pro" panose="020B0503030403020204" pitchFamily="34" charset="0"/>
-                </a:rPr>
-                <a:t>k</a:t>
-              </a:r>
-              <a:r>
-                <a:rPr lang="en-US" sz="2700" dirty="0">
-                  <a:solidFill>
-                    <a:schemeClr val="tx1"/>
-                  </a:solidFill>
-                  <a:latin typeface="Source Sans Pro" panose="020B0503030403020204" pitchFamily="34" charset="0"/>
-                  <a:ea typeface="Source Sans Pro" panose="020B0503030403020204" pitchFamily="34" charset="0"/>
-                </a:rPr>
-                <a:t> = 4). They measure error as the average leave-one-out cross-validation error for the 161 typefaces present in both the O’Donovan [6] and </a:t>
-              </a:r>
-              <a:r>
-                <a:rPr lang="en-US" sz="2700" dirty="0" err="1">
-                  <a:solidFill>
-                    <a:schemeClr val="tx1"/>
-                  </a:solidFill>
-                  <a:latin typeface="Source Sans Pro" panose="020B0503030403020204" pitchFamily="34" charset="0"/>
-                  <a:ea typeface="Source Sans Pro" panose="020B0503030403020204" pitchFamily="34" charset="0"/>
-                </a:rPr>
-                <a:t>FontJoy</a:t>
-              </a:r>
-              <a:r>
-                <a:rPr lang="en-US" sz="2700" dirty="0">
-                  <a:solidFill>
-                    <a:schemeClr val="tx1"/>
-                  </a:solidFill>
-                  <a:latin typeface="Source Sans Pro" panose="020B0503030403020204" pitchFamily="34" charset="0"/>
-                  <a:ea typeface="Source Sans Pro" panose="020B0503030403020204" pitchFamily="34" charset="0"/>
-                </a:rPr>
-                <a:t> datasets.</a:t>
+                <a:t>NOTATION</a:t>
               </a:r>
             </a:p>
             <a:p>
               <a:pPr defTabSz="1097280">
                 <a:defRPr/>
               </a:pPr>
-              <a:endParaRPr lang="en-US" sz="1200" dirty="0">
+              <a:r>
+                <a:rPr lang="en-US" sz="2400" dirty="0">
+                  <a:solidFill>
+                    <a:schemeClr val="tx1"/>
+                  </a:solidFill>
+                  <a:latin typeface="Source Sans Pro" panose="020B0503030403020204" pitchFamily="34" charset="0"/>
+                  <a:ea typeface="Source Sans Pro" panose="020B0503030403020204" pitchFamily="34" charset="0"/>
+                </a:rPr>
+                <a:t>F = set of all 1883 </a:t>
+              </a:r>
+              <a:r>
+                <a:rPr lang="en-US" sz="2400" dirty="0" err="1">
+                  <a:solidFill>
+                    <a:schemeClr val="tx1"/>
+                  </a:solidFill>
+                  <a:latin typeface="Source Sans Pro" panose="020B0503030403020204" pitchFamily="34" charset="0"/>
+                  <a:ea typeface="Source Sans Pro" panose="020B0503030403020204" pitchFamily="34" charset="0"/>
+                </a:rPr>
+                <a:t>FontJoy</a:t>
+              </a:r>
+              <a:r>
+                <a:rPr lang="en-US" sz="2400" dirty="0">
+                  <a:solidFill>
+                    <a:schemeClr val="tx1"/>
+                  </a:solidFill>
+                  <a:latin typeface="Source Sans Pro" panose="020B0503030403020204" pitchFamily="34" charset="0"/>
+                  <a:ea typeface="Source Sans Pro" panose="020B0503030403020204" pitchFamily="34" charset="0"/>
+                </a:rPr>
+                <a:t> embedding vectors</a:t>
+              </a:r>
+            </a:p>
+            <a:p>
+              <a:pPr defTabSz="1097280">
+                <a:defRPr/>
+              </a:pPr>
+              <a:r>
+                <a:rPr lang="en-US" sz="2400" dirty="0">
+                  <a:solidFill>
+                    <a:schemeClr val="tx1"/>
+                  </a:solidFill>
+                  <a:latin typeface="Source Sans Pro" panose="020B0503030403020204" pitchFamily="34" charset="0"/>
+                  <a:ea typeface="Source Sans Pro" panose="020B0503030403020204" pitchFamily="34" charset="0"/>
+                </a:rPr>
+                <a:t>F</a:t>
+              </a:r>
+              <a:r>
+                <a:rPr lang="en-US" sz="2400" baseline="-25000" dirty="0">
+                  <a:solidFill>
+                    <a:schemeClr val="tx1"/>
+                  </a:solidFill>
+                  <a:latin typeface="Source Sans Pro" panose="020B0503030403020204" pitchFamily="34" charset="0"/>
+                  <a:ea typeface="Source Sans Pro" panose="020B0503030403020204" pitchFamily="34" charset="0"/>
+                </a:rPr>
+                <a:t>161</a:t>
+              </a:r>
+              <a:r>
+                <a:rPr lang="en-US" sz="2400" dirty="0">
+                  <a:solidFill>
+                    <a:schemeClr val="tx1"/>
+                  </a:solidFill>
+                  <a:latin typeface="Source Sans Pro" panose="020B0503030403020204" pitchFamily="34" charset="0"/>
+                  <a:ea typeface="Source Sans Pro" panose="020B0503030403020204" pitchFamily="34" charset="0"/>
+                </a:rPr>
+                <a:t> = embedding vectors from </a:t>
+              </a:r>
+              <a:r>
+                <a:rPr lang="en-US" sz="2400" dirty="0" err="1">
+                  <a:solidFill>
+                    <a:schemeClr val="tx1"/>
+                  </a:solidFill>
+                  <a:latin typeface="Source Sans Pro" panose="020B0503030403020204" pitchFamily="34" charset="0"/>
+                  <a:ea typeface="Source Sans Pro" panose="020B0503030403020204" pitchFamily="34" charset="0"/>
+                </a:rPr>
+                <a:t>FontJoy</a:t>
+              </a:r>
+              <a:r>
+                <a:rPr lang="en-US" sz="2400" dirty="0">
+                  <a:solidFill>
+                    <a:schemeClr val="tx1"/>
+                  </a:solidFill>
+                  <a:latin typeface="Source Sans Pro" panose="020B0503030403020204" pitchFamily="34" charset="0"/>
+                  <a:ea typeface="Source Sans Pro" panose="020B0503030403020204" pitchFamily="34" charset="0"/>
+                </a:rPr>
+                <a:t> with known semantic attribute labels from O’Donovan (intersection of [3, 6] dataset)</a:t>
+              </a:r>
+            </a:p>
+            <a:p>
+              <a:pPr defTabSz="1097280">
+                <a:defRPr/>
+              </a:pPr>
+              <a:r>
+                <a:rPr lang="en-US" sz="2400" dirty="0">
+                  <a:solidFill>
+                    <a:schemeClr val="tx1"/>
+                  </a:solidFill>
+                  <a:latin typeface="Source Sans Pro" panose="020B0503030403020204" pitchFamily="34" charset="0"/>
+                  <a:ea typeface="Source Sans Pro" panose="020B0503030403020204" pitchFamily="34" charset="0"/>
+                </a:rPr>
+                <a:t>f = font embedding vector from </a:t>
+              </a:r>
+              <a:r>
+                <a:rPr lang="en-US" sz="2400" dirty="0" err="1">
+                  <a:solidFill>
+                    <a:schemeClr val="tx1"/>
+                  </a:solidFill>
+                  <a:latin typeface="Source Sans Pro" panose="020B0503030403020204" pitchFamily="34" charset="0"/>
+                  <a:ea typeface="Source Sans Pro" panose="020B0503030403020204" pitchFamily="34" charset="0"/>
+                </a:rPr>
+                <a:t>FontJoy</a:t>
+              </a:r>
+              <a:r>
+                <a:rPr lang="en-US" sz="2400" dirty="0">
+                  <a:solidFill>
+                    <a:schemeClr val="tx1"/>
+                  </a:solidFill>
+                  <a:latin typeface="Source Sans Pro" panose="020B0503030403020204" pitchFamily="34" charset="0"/>
+                  <a:ea typeface="Source Sans Pro" panose="020B0503030403020204" pitchFamily="34" charset="0"/>
+                </a:rPr>
+                <a:t> CNN</a:t>
+              </a:r>
+            </a:p>
+            <a:p>
+              <a:pPr defTabSz="1097280">
+                <a:defRPr/>
+              </a:pPr>
+              <a:r>
+                <a:rPr lang="en-US" sz="2400" dirty="0">
+                  <a:solidFill>
+                    <a:schemeClr val="tx1"/>
+                  </a:solidFill>
+                  <a:latin typeface="Source Sans Pro" panose="020B0503030403020204" pitchFamily="34" charset="0"/>
+                  <a:ea typeface="Source Sans Pro" panose="020B0503030403020204" pitchFamily="34" charset="0"/>
+                </a:rPr>
+                <a:t>a</a:t>
+              </a:r>
+              <a:r>
+                <a:rPr lang="en-US" sz="2400" baseline="-25000" dirty="0">
+                  <a:solidFill>
+                    <a:schemeClr val="tx1"/>
+                  </a:solidFill>
+                  <a:latin typeface="Source Sans Pro" panose="020B0503030403020204" pitchFamily="34" charset="0"/>
+                  <a:ea typeface="Source Sans Pro" panose="020B0503030403020204" pitchFamily="34" charset="0"/>
+                </a:rPr>
+                <a:t>s</a:t>
+              </a:r>
+              <a:r>
+                <a:rPr lang="en-US" sz="2400" dirty="0">
+                  <a:solidFill>
+                    <a:schemeClr val="tx1"/>
+                  </a:solidFill>
+                  <a:latin typeface="Source Sans Pro" panose="020B0503030403020204" pitchFamily="34" charset="0"/>
+                  <a:ea typeface="Source Sans Pro" panose="020B0503030403020204" pitchFamily="34" charset="0"/>
+                </a:rPr>
+                <a:t> = predicted 31-dimensional semantic attribute vector</a:t>
+              </a:r>
+            </a:p>
+            <a:p>
+              <a:pPr defTabSz="1097280">
+                <a:defRPr/>
+              </a:pPr>
+              <a:r>
+                <a:rPr lang="en-US" sz="2400" dirty="0">
+                  <a:solidFill>
+                    <a:schemeClr val="tx1"/>
+                  </a:solidFill>
+                  <a:latin typeface="Source Sans Pro" panose="020B0503030403020204" pitchFamily="34" charset="0"/>
+                  <a:ea typeface="Source Sans Pro" panose="020B0503030403020204" pitchFamily="34" charset="0"/>
+                </a:rPr>
+                <a:t>a</a:t>
+              </a:r>
+              <a:r>
+                <a:rPr lang="en-US" sz="2400" baseline="-25000" dirty="0">
+                  <a:solidFill>
+                    <a:schemeClr val="tx1"/>
+                  </a:solidFill>
+                  <a:latin typeface="Source Sans Pro" panose="020B0503030403020204" pitchFamily="34" charset="0"/>
+                  <a:ea typeface="Source Sans Pro" panose="020B0503030403020204" pitchFamily="34" charset="0"/>
+                </a:rPr>
+                <a:t>s</a:t>
+              </a:r>
+              <a:r>
+                <a:rPr lang="en-US" sz="2400" dirty="0">
+                  <a:solidFill>
+                    <a:schemeClr val="tx1"/>
+                  </a:solidFill>
+                  <a:latin typeface="Source Sans Pro" panose="020B0503030403020204" pitchFamily="34" charset="0"/>
+                  <a:ea typeface="Source Sans Pro" panose="020B0503030403020204" pitchFamily="34" charset="0"/>
+                </a:rPr>
+                <a:t>’ = ground truth 31-dimensional semantic attribute vector</a:t>
+              </a:r>
+            </a:p>
+            <a:p>
+              <a:pPr defTabSz="1097280">
+                <a:defRPr/>
+              </a:pPr>
+              <a:endParaRPr lang="en-US" sz="2400" dirty="0">
                 <a:solidFill>
                   <a:schemeClr val="tx1"/>
                 </a:solidFill>
@@ -7693,56 +8331,61 @@
                 <a:defRPr/>
               </a:pPr>
               <a:r>
-                <a:rPr lang="en-US" sz="2700" dirty="0">
+                <a:rPr lang="en-US" sz="2400" dirty="0">
                   <a:solidFill>
                     <a:schemeClr val="tx1"/>
                   </a:solidFill>
                   <a:latin typeface="Source Sans Pro" panose="020B0503030403020204" pitchFamily="34" charset="0"/>
                   <a:ea typeface="Source Sans Pro" panose="020B0503030403020204" pitchFamily="34" charset="0"/>
                 </a:rPr>
-                <a:t>We experiment with ways to improve this dataset induction error using five different learning models: </a:t>
-              </a:r>
-              <a:r>
-                <a:rPr lang="en-US" sz="2700" i="1" dirty="0">
+                <a:t>We experiment with different data induction methods by using F</a:t>
+              </a:r>
+              <a:r>
+                <a:rPr lang="en-US" sz="2400" baseline="-25000" dirty="0">
                   <a:solidFill>
                     <a:schemeClr val="tx1"/>
                   </a:solidFill>
                   <a:latin typeface="Source Sans Pro" panose="020B0503030403020204" pitchFamily="34" charset="0"/>
                   <a:ea typeface="Source Sans Pro" panose="020B0503030403020204" pitchFamily="34" charset="0"/>
                 </a:rPr>
-                <a:t>k</a:t>
-              </a:r>
-              <a:r>
-                <a:rPr lang="en-US" sz="2700" dirty="0">
+                <a:t>161</a:t>
+              </a:r>
+              <a:r>
+                <a:rPr lang="en-US" sz="2400" dirty="0">
                   <a:solidFill>
                     <a:schemeClr val="tx1"/>
                   </a:solidFill>
                   <a:latin typeface="Source Sans Pro" panose="020B0503030403020204" pitchFamily="34" charset="0"/>
                   <a:ea typeface="Source Sans Pro" panose="020B0503030403020204" pitchFamily="34" charset="0"/>
                 </a:rPr>
-                <a:t>-NN with relative-distance-weighted average, </a:t>
-              </a:r>
-              <a:r>
-                <a:rPr lang="en-US" sz="2700" i="1" dirty="0">
+                <a:t> to predict a</a:t>
+              </a:r>
+              <a:r>
+                <a:rPr lang="en-US" sz="2400" baseline="-25000" dirty="0">
                   <a:solidFill>
                     <a:schemeClr val="tx1"/>
                   </a:solidFill>
                   <a:latin typeface="Source Sans Pro" panose="020B0503030403020204" pitchFamily="34" charset="0"/>
                   <a:ea typeface="Source Sans Pro" panose="020B0503030403020204" pitchFamily="34" charset="0"/>
                 </a:rPr>
-                <a:t>k</a:t>
-              </a:r>
-              <a:r>
-                <a:rPr lang="en-US" sz="2700" dirty="0">
+                <a:t>s</a:t>
+              </a:r>
+              <a:r>
+                <a:rPr lang="en-US" sz="2400" dirty="0">
                   <a:solidFill>
                     <a:schemeClr val="tx1"/>
                   </a:solidFill>
                   <a:latin typeface="Source Sans Pro" panose="020B0503030403020204" pitchFamily="34" charset="0"/>
                   <a:ea typeface="Source Sans Pro" panose="020B0503030403020204" pitchFamily="34" charset="0"/>
                 </a:rPr>
-                <a:t>-NN with inverse-distance-weight average, SVM with a radial basis function kernel, Gaussian Mixture Models, and Mean-Shift clustering.</a:t>
-              </a:r>
-              <a:endParaRPr lang="en-US" sz="800" dirty="0">
+                <a:t>’ for each typeface in F.</a:t>
+              </a:r>
+            </a:p>
+            <a:p>
+              <a:pPr defTabSz="1097280">
+                <a:defRPr/>
+              </a:pPr>
+              <a:endParaRPr lang="en-US" sz="2400" dirty="0">
                 <a:solidFill>
                   <a:schemeClr val="tx1"/>
                 </a:solidFill>
@@ -7754,7 +8397,157 @@
               <a:pPr defTabSz="1097280">
                 <a:defRPr/>
               </a:pPr>
-              <a:endParaRPr lang="en-US" sz="1200" dirty="0">
+              <a:r>
+                <a:rPr lang="en-US" sz="2400" b="1" dirty="0">
+                  <a:solidFill>
+                    <a:schemeClr val="tx1"/>
+                  </a:solidFill>
+                  <a:latin typeface="Source Sans Pro" panose="020B0503030403020204" pitchFamily="34" charset="0"/>
+                  <a:ea typeface="Source Sans Pro" panose="020B0503030403020204" pitchFamily="34" charset="0"/>
+                </a:rPr>
+                <a:t>4-NN:</a:t>
+              </a:r>
+              <a:r>
+                <a:rPr lang="en-US" sz="2400" dirty="0">
+                  <a:solidFill>
+                    <a:schemeClr val="tx1"/>
+                  </a:solidFill>
+                  <a:latin typeface="Source Sans Pro" panose="020B0503030403020204" pitchFamily="34" charset="0"/>
+                  <a:ea typeface="Source Sans Pro" panose="020B0503030403020204" pitchFamily="34" charset="0"/>
+                </a:rPr>
+                <a:t> As a baseline, we reproduce the optimal result in [3]. We cluster the F</a:t>
+              </a:r>
+              <a:r>
+                <a:rPr lang="en-US" sz="2400" baseline="-25000" dirty="0">
+                  <a:solidFill>
+                    <a:schemeClr val="tx1"/>
+                  </a:solidFill>
+                  <a:latin typeface="Source Sans Pro" panose="020B0503030403020204" pitchFamily="34" charset="0"/>
+                  <a:ea typeface="Source Sans Pro" panose="020B0503030403020204" pitchFamily="34" charset="0"/>
+                </a:rPr>
+                <a:t>161</a:t>
+              </a:r>
+              <a:r>
+                <a:rPr lang="en-US" sz="2400" dirty="0">
+                  <a:solidFill>
+                    <a:schemeClr val="tx1"/>
+                  </a:solidFill>
+                  <a:latin typeface="Source Sans Pro" panose="020B0503030403020204" pitchFamily="34" charset="0"/>
+                  <a:ea typeface="Source Sans Pro" panose="020B0503030403020204" pitchFamily="34" charset="0"/>
+                </a:rPr>
+                <a:t> font embedding vectors and predict a</a:t>
+              </a:r>
+              <a:r>
+                <a:rPr lang="en-US" sz="2400" baseline="-25000" dirty="0">
+                  <a:solidFill>
+                    <a:schemeClr val="tx1"/>
+                  </a:solidFill>
+                  <a:latin typeface="Source Sans Pro" panose="020B0503030403020204" pitchFamily="34" charset="0"/>
+                  <a:ea typeface="Source Sans Pro" panose="020B0503030403020204" pitchFamily="34" charset="0"/>
+                </a:rPr>
+                <a:t>s</a:t>
+              </a:r>
+              <a:r>
+                <a:rPr lang="en-US" sz="2400" dirty="0">
+                  <a:solidFill>
+                    <a:schemeClr val="tx1"/>
+                  </a:solidFill>
+                  <a:latin typeface="Source Sans Pro" panose="020B0503030403020204" pitchFamily="34" charset="0"/>
+                  <a:ea typeface="Source Sans Pro" panose="020B0503030403020204" pitchFamily="34" charset="0"/>
+                </a:rPr>
+                <a:t>’ using </a:t>
+              </a:r>
+              <a:r>
+                <a:rPr lang="en-US" sz="2400" i="1" dirty="0">
+                  <a:solidFill>
+                    <a:schemeClr val="tx1"/>
+                  </a:solidFill>
+                  <a:latin typeface="Source Sans Pro" panose="020B0503030403020204" pitchFamily="34" charset="0"/>
+                  <a:ea typeface="Source Sans Pro" panose="020B0503030403020204" pitchFamily="34" charset="0"/>
+                </a:rPr>
+                <a:t>k</a:t>
+              </a:r>
+              <a:r>
+                <a:rPr lang="en-US" sz="2400" dirty="0">
+                  <a:solidFill>
+                    <a:schemeClr val="tx1"/>
+                  </a:solidFill>
+                  <a:latin typeface="Source Sans Pro" panose="020B0503030403020204" pitchFamily="34" charset="0"/>
+                  <a:ea typeface="Source Sans Pro" panose="020B0503030403020204" pitchFamily="34" charset="0"/>
+                </a:rPr>
+                <a:t> = 4, a cosine distance metric, and relative distance weighting.</a:t>
+              </a:r>
+            </a:p>
+            <a:p>
+              <a:pPr defTabSz="1097280">
+                <a:defRPr/>
+              </a:pPr>
+              <a:r>
+                <a:rPr lang="en-US" sz="2400" b="1" dirty="0">
+                  <a:solidFill>
+                    <a:schemeClr val="tx1"/>
+                  </a:solidFill>
+                  <a:latin typeface="Source Sans Pro" panose="020B0503030403020204" pitchFamily="34" charset="0"/>
+                  <a:ea typeface="Source Sans Pro" panose="020B0503030403020204" pitchFamily="34" charset="0"/>
+                </a:rPr>
+                <a:t>7-NN:</a:t>
+              </a:r>
+              <a:r>
+                <a:rPr lang="en-US" sz="2400" dirty="0">
+                  <a:solidFill>
+                    <a:schemeClr val="tx1"/>
+                  </a:solidFill>
+                  <a:latin typeface="Source Sans Pro" panose="020B0503030403020204" pitchFamily="34" charset="0"/>
+                  <a:ea typeface="Source Sans Pro" panose="020B0503030403020204" pitchFamily="34" charset="0"/>
+                </a:rPr>
+                <a:t> We perform grid search over multiple values of </a:t>
+              </a:r>
+              <a:r>
+                <a:rPr lang="en-US" sz="2400" i="1" dirty="0">
+                  <a:solidFill>
+                    <a:schemeClr val="tx1"/>
+                  </a:solidFill>
+                  <a:latin typeface="Source Sans Pro" panose="020B0503030403020204" pitchFamily="34" charset="0"/>
+                  <a:ea typeface="Source Sans Pro" panose="020B0503030403020204" pitchFamily="34" charset="0"/>
+                </a:rPr>
+                <a:t>k, </a:t>
+              </a:r>
+              <a:r>
+                <a:rPr lang="en-US" sz="2400" dirty="0">
+                  <a:solidFill>
+                    <a:schemeClr val="tx1"/>
+                  </a:solidFill>
+                  <a:latin typeface="Source Sans Pro" panose="020B0503030403020204" pitchFamily="34" charset="0"/>
+                  <a:ea typeface="Source Sans Pro" panose="020B0503030403020204" pitchFamily="34" charset="0"/>
+                </a:rPr>
+                <a:t>three distance metrics (cosine, Manhattan, Euclidean), and weightings (unweighted, inverse distance, relative weighting). We out-perform the model in [6] with </a:t>
+              </a:r>
+              <a:r>
+                <a:rPr lang="en-US" sz="2400" i="1" dirty="0">
+                  <a:solidFill>
+                    <a:schemeClr val="tx1"/>
+                  </a:solidFill>
+                  <a:latin typeface="Source Sans Pro" panose="020B0503030403020204" pitchFamily="34" charset="0"/>
+                  <a:ea typeface="Source Sans Pro" panose="020B0503030403020204" pitchFamily="34" charset="0"/>
+                </a:rPr>
+                <a:t>k</a:t>
+              </a:r>
+              <a:r>
+                <a:rPr lang="en-US" sz="2400" dirty="0">
+                  <a:solidFill>
+                    <a:schemeClr val="tx1"/>
+                  </a:solidFill>
+                  <a:latin typeface="Source Sans Pro" panose="020B0503030403020204" pitchFamily="34" charset="0"/>
+                  <a:ea typeface="Source Sans Pro" panose="020B0503030403020204" pitchFamily="34" charset="0"/>
+                </a:rPr>
+                <a:t> =7, a cosine distance metric, and inverse distance weighting.</a:t>
+              </a:r>
+            </a:p>
+            <a:p>
+              <a:pPr defTabSz="1097280">
+                <a:defRPr/>
+              </a:pPr>
+              <a:endParaRPr lang="en-US" sz="2700" dirty="0">
                 <a:solidFill>
                   <a:schemeClr val="tx1"/>
                 </a:solidFill>
@@ -7766,27 +8559,151 @@
               <a:pPr defTabSz="1097280">
                 <a:defRPr/>
               </a:pPr>
-              <a:r>
-                <a:rPr lang="en-US" sz="2700" dirty="0">
-                  <a:solidFill>
-                    <a:schemeClr val="tx1"/>
-                  </a:solidFill>
-                  <a:latin typeface="Source Sans Pro" panose="020B0503030403020204" pitchFamily="34" charset="0"/>
-                  <a:ea typeface="Source Sans Pro" panose="020B0503030403020204" pitchFamily="34" charset="0"/>
-                </a:rPr>
-                <a:t>We </a:t>
-              </a:r>
-              <a:r>
-                <a:rPr lang="en-US" sz="2700">
-                  <a:solidFill>
-                    <a:schemeClr val="tx1"/>
-                  </a:solidFill>
-                  <a:latin typeface="Source Sans Pro" panose="020B0503030403020204" pitchFamily="34" charset="0"/>
-                  <a:ea typeface="Source Sans Pro" panose="020B0503030403020204" pitchFamily="34" charset="0"/>
-                </a:rPr>
-                <a:t>need equations.</a:t>
-              </a:r>
               <a:endParaRPr lang="en-US" sz="2700" dirty="0">
+                <a:solidFill>
+                  <a:schemeClr val="tx1"/>
+                </a:solidFill>
+                <a:latin typeface="Source Sans Pro" panose="020B0503030403020204" pitchFamily="34" charset="0"/>
+                <a:ea typeface="Source Sans Pro" panose="020B0503030403020204" pitchFamily="34" charset="0"/>
+              </a:endParaRPr>
+            </a:p>
+            <a:p>
+              <a:pPr defTabSz="1097280">
+                <a:defRPr/>
+              </a:pPr>
+              <a:endParaRPr lang="en-US" sz="2700" dirty="0">
+                <a:solidFill>
+                  <a:schemeClr val="tx1"/>
+                </a:solidFill>
+                <a:latin typeface="Source Sans Pro" panose="020B0503030403020204" pitchFamily="34" charset="0"/>
+                <a:ea typeface="Source Sans Pro" panose="020B0503030403020204" pitchFamily="34" charset="0"/>
+              </a:endParaRPr>
+            </a:p>
+            <a:p>
+              <a:pPr defTabSz="1097280">
+                <a:defRPr/>
+              </a:pPr>
+              <a:endParaRPr lang="en-US" sz="2700" b="1" dirty="0">
+                <a:solidFill>
+                  <a:schemeClr val="tx1"/>
+                </a:solidFill>
+                <a:latin typeface="Source Sans Pro" panose="020B0503030403020204" pitchFamily="34" charset="0"/>
+                <a:ea typeface="Source Sans Pro" panose="020B0503030403020204" pitchFamily="34" charset="0"/>
+              </a:endParaRPr>
+            </a:p>
+            <a:p>
+              <a:pPr defTabSz="1097280">
+                <a:defRPr/>
+              </a:pPr>
+              <a:endParaRPr lang="en-US" sz="2700" b="1" dirty="0">
+                <a:solidFill>
+                  <a:schemeClr val="tx1"/>
+                </a:solidFill>
+                <a:latin typeface="Source Sans Pro" panose="020B0503030403020204" pitchFamily="34" charset="0"/>
+                <a:ea typeface="Source Sans Pro" panose="020B0503030403020204" pitchFamily="34" charset="0"/>
+              </a:endParaRPr>
+            </a:p>
+            <a:p>
+              <a:pPr defTabSz="1097280">
+                <a:defRPr/>
+              </a:pPr>
+              <a:endParaRPr lang="en-US" sz="2700" b="1" dirty="0">
+                <a:solidFill>
+                  <a:schemeClr val="tx1"/>
+                </a:solidFill>
+                <a:latin typeface="Source Sans Pro" panose="020B0503030403020204" pitchFamily="34" charset="0"/>
+                <a:ea typeface="Source Sans Pro" panose="020B0503030403020204" pitchFamily="34" charset="0"/>
+              </a:endParaRPr>
+            </a:p>
+            <a:p>
+              <a:pPr defTabSz="1097280">
+                <a:defRPr/>
+              </a:pPr>
+              <a:endParaRPr lang="en-US" sz="2700" b="1" dirty="0">
+                <a:solidFill>
+                  <a:schemeClr val="tx1"/>
+                </a:solidFill>
+                <a:latin typeface="Source Sans Pro" panose="020B0503030403020204" pitchFamily="34" charset="0"/>
+                <a:ea typeface="Source Sans Pro" panose="020B0503030403020204" pitchFamily="34" charset="0"/>
+              </a:endParaRPr>
+            </a:p>
+            <a:p>
+              <a:pPr defTabSz="1097280">
+                <a:defRPr/>
+              </a:pPr>
+              <a:endParaRPr lang="en-US" sz="2700" b="1" dirty="0">
+                <a:solidFill>
+                  <a:schemeClr val="tx1"/>
+                </a:solidFill>
+                <a:latin typeface="Source Sans Pro" panose="020B0503030403020204" pitchFamily="34" charset="0"/>
+                <a:ea typeface="Source Sans Pro" panose="020B0503030403020204" pitchFamily="34" charset="0"/>
+              </a:endParaRPr>
+            </a:p>
+            <a:p>
+              <a:pPr defTabSz="1097280">
+                <a:defRPr/>
+              </a:pPr>
+              <a:endParaRPr lang="en-US" sz="2700" b="1" dirty="0">
+                <a:solidFill>
+                  <a:schemeClr val="tx1"/>
+                </a:solidFill>
+                <a:latin typeface="Source Sans Pro" panose="020B0503030403020204" pitchFamily="34" charset="0"/>
+                <a:ea typeface="Source Sans Pro" panose="020B0503030403020204" pitchFamily="34" charset="0"/>
+              </a:endParaRPr>
+            </a:p>
+            <a:p>
+              <a:pPr defTabSz="1097280">
+                <a:defRPr/>
+              </a:pPr>
+              <a:endParaRPr lang="en-US" sz="2700" b="1" dirty="0">
+                <a:solidFill>
+                  <a:schemeClr val="tx1"/>
+                </a:solidFill>
+                <a:latin typeface="Source Sans Pro" panose="020B0503030403020204" pitchFamily="34" charset="0"/>
+                <a:ea typeface="Source Sans Pro" panose="020B0503030403020204" pitchFamily="34" charset="0"/>
+              </a:endParaRPr>
+            </a:p>
+            <a:p>
+              <a:pPr defTabSz="1097280">
+                <a:defRPr/>
+              </a:pPr>
+              <a:endParaRPr lang="en-US" sz="2700" b="1" dirty="0">
+                <a:solidFill>
+                  <a:schemeClr val="tx1"/>
+                </a:solidFill>
+                <a:latin typeface="Source Sans Pro" panose="020B0503030403020204" pitchFamily="34" charset="0"/>
+                <a:ea typeface="Source Sans Pro" panose="020B0503030403020204" pitchFamily="34" charset="0"/>
+              </a:endParaRPr>
+            </a:p>
+            <a:p>
+              <a:pPr defTabSz="1097280">
+                <a:defRPr/>
+              </a:pPr>
+              <a:endParaRPr lang="en-US" sz="2700" b="1" dirty="0">
+                <a:solidFill>
+                  <a:schemeClr val="tx1"/>
+                </a:solidFill>
+                <a:latin typeface="Source Sans Pro" panose="020B0503030403020204" pitchFamily="34" charset="0"/>
+                <a:ea typeface="Source Sans Pro" panose="020B0503030403020204" pitchFamily="34" charset="0"/>
+              </a:endParaRPr>
+            </a:p>
+            <a:p>
+              <a:pPr defTabSz="1097280">
+                <a:defRPr/>
+              </a:pPr>
+              <a:endParaRPr lang="en-US" sz="2700" b="1" dirty="0">
+                <a:solidFill>
+                  <a:schemeClr val="tx1"/>
+                </a:solidFill>
+                <a:latin typeface="Source Sans Pro" panose="020B0503030403020204" pitchFamily="34" charset="0"/>
+                <a:ea typeface="Source Sans Pro" panose="020B0503030403020204" pitchFamily="34" charset="0"/>
+              </a:endParaRPr>
+            </a:p>
+            <a:p>
+              <a:pPr defTabSz="1097280">
+                <a:defRPr/>
+              </a:pPr>
+              <a:endParaRPr lang="en-US" sz="900" b="1" dirty="0">
                 <a:solidFill>
                   <a:schemeClr val="tx1"/>
                 </a:solidFill>
@@ -7796,3717 +8713,6 @@
             </a:p>
           </p:txBody>
         </p:sp>
-        <mc:AlternateContent xmlns:mc="http://schemas.openxmlformats.org/markup-compatibility/2006" xmlns:a14="http://schemas.microsoft.com/office/drawing/2010/main">
-          <mc:Choice Requires="a14">
-            <p:sp>
-              <p:nvSpPr>
-                <p:cNvPr id="44" name="TextBox 114"/>
-                <p:cNvSpPr txBox="1"/>
-                <p:nvPr/>
-              </p:nvSpPr>
-              <p:spPr>
-                <a:xfrm>
-                  <a:off x="7538224" y="12369956"/>
-                  <a:ext cx="7501052" cy="478016"/>
-                </a:xfrm>
-                <a:prstGeom prst="rect">
-                  <a:avLst/>
-                </a:prstGeom>
-                <a:noFill/>
-              </p:spPr>
-              <p:txBody>
-                <a:bodyPr wrap="square" rtlCol="0">
-                  <a:spAutoFit/>
-                </a:bodyPr>
-                <a:lstStyle/>
-                <a:p>
-                  <a:pPr algn="ctr" defTabSz="1097280"/>
-                  <a14:m>
-                    <m:oMath xmlns:m="http://schemas.openxmlformats.org/officeDocument/2006/math">
-                      <m:r>
-                        <a:rPr lang="en-US" sz="2880" i="1" smtClean="0">
-                          <a:latin typeface="Cambria Math" charset="0"/>
-                          <a:ea typeface="Cambria Math" charset="0"/>
-                          <a:cs typeface="Cambria Math" charset="0"/>
-                        </a:rPr>
-                        <m:t>ℒ</m:t>
-                      </m:r>
-                      <m:r>
-                        <a:rPr lang="en-US" sz="2880" b="0" i="1" baseline="-25000" smtClean="0">
-                          <a:latin typeface="Cambria Math" panose="02040503050406030204" pitchFamily="18" charset="0"/>
-                          <a:ea typeface="Cambria Math" charset="0"/>
-                          <a:cs typeface="Cambria Math" charset="0"/>
-                        </a:rPr>
-                        <m:t>𝑐𝐺𝐴𝑁𝐹𝑖𝑛𝑎𝑙</m:t>
-                      </m:r>
-                      <m:r>
-                        <a:rPr lang="en-US" sz="2880" i="1">
-                          <a:latin typeface="Cambria Math" charset="0"/>
-                          <a:ea typeface="Cambria Math" charset="0"/>
-                          <a:cs typeface="Cambria Math" charset="0"/>
-                        </a:rPr>
-                        <m:t>=</m:t>
-                      </m:r>
-                      <m:r>
-                        <a:rPr lang="en-US" sz="2880" i="1">
-                          <a:latin typeface="Cambria Math" panose="02040503050406030204" pitchFamily="18" charset="0"/>
-                          <a:ea typeface="Cambria Math" panose="02040503050406030204" pitchFamily="18" charset="0"/>
-                          <a:cs typeface="Cambria Math" charset="0"/>
-                        </a:rPr>
-                        <m:t>𝜆</m:t>
-                      </m:r>
-                      <m:sSub>
-                        <m:sSubPr>
-                          <m:ctrlPr>
-                            <a:rPr lang="en-US" sz="2880" i="1">
-                              <a:latin typeface="Cambria Math" panose="02040503050406030204" pitchFamily="18" charset="0"/>
-                              <a:ea typeface="Cambria Math" panose="02040503050406030204" pitchFamily="18" charset="0"/>
-                            </a:rPr>
-                          </m:ctrlPr>
-                        </m:sSubPr>
-                        <m:e>
-                          <m:r>
-                            <a:rPr lang="en-US" sz="2880" i="1">
-                              <a:latin typeface="Cambria Math" charset="0"/>
-                              <a:ea typeface="Cambria Math" charset="0"/>
-                              <a:cs typeface="Cambria Math" charset="0"/>
-                            </a:rPr>
-                            <m:t>ℒ</m:t>
-                          </m:r>
-                        </m:e>
-                        <m:sub>
-                          <m:sSub>
-                            <m:sSubPr>
-                              <m:ctrlPr>
-                                <a:rPr lang="en-US" sz="2880" i="1">
-                                  <a:latin typeface="Cambria Math" panose="02040503050406030204" pitchFamily="18" charset="0"/>
-                                  <a:ea typeface="Cambria Math" panose="02040503050406030204" pitchFamily="18" charset="0"/>
-                                </a:rPr>
-                              </m:ctrlPr>
-                            </m:sSubPr>
-                            <m:e>
-                              <m:r>
-                                <a:rPr lang="en-US" sz="2880" i="1">
-                                  <a:latin typeface="Cambria Math" panose="02040503050406030204" pitchFamily="18" charset="0"/>
-                                  <a:ea typeface="Cambria Math" panose="02040503050406030204" pitchFamily="18" charset="0"/>
-                                </a:rPr>
-                                <m:t>𝐿</m:t>
-                              </m:r>
-                            </m:e>
-                            <m:sub>
-                              <m:r>
-                                <a:rPr lang="en-US" sz="2880" i="1">
-                                  <a:latin typeface="Cambria Math" panose="02040503050406030204" pitchFamily="18" charset="0"/>
-                                  <a:ea typeface="Cambria Math" panose="02040503050406030204" pitchFamily="18" charset="0"/>
-                                </a:rPr>
-                                <m:t>1</m:t>
-                              </m:r>
-                            </m:sub>
-                          </m:sSub>
-                        </m:sub>
-                      </m:sSub>
-                      <m:d>
-                        <m:dPr>
-                          <m:ctrlPr>
-                            <a:rPr lang="en-US" sz="2880" i="1">
-                              <a:latin typeface="Cambria Math" panose="02040503050406030204" pitchFamily="18" charset="0"/>
-                              <a:ea typeface="Cambria Math" charset="0"/>
-                              <a:cs typeface="Cambria Math" charset="0"/>
-                            </a:rPr>
-                          </m:ctrlPr>
-                        </m:dPr>
-                        <m:e>
-                          <m:sSub>
-                            <m:sSubPr>
-                              <m:ctrlPr>
-                                <a:rPr lang="en-US" sz="2880" i="1" smtClean="0">
-                                  <a:latin typeface="Cambria Math" panose="02040503050406030204" pitchFamily="18" charset="0"/>
-                                  <a:ea typeface="Cambria Math" charset="0"/>
-                                </a:rPr>
-                              </m:ctrlPr>
-                            </m:sSubPr>
-                            <m:e>
-                              <m:r>
-                                <a:rPr lang="en-US" sz="2880" b="0" i="1" smtClean="0">
-                                  <a:latin typeface="Cambria Math" panose="02040503050406030204" pitchFamily="18" charset="0"/>
-                                  <a:ea typeface="Cambria Math" charset="0"/>
-                                </a:rPr>
-                                <m:t>𝐺</m:t>
-                              </m:r>
-                            </m:e>
-                            <m:sub>
-                              <m:r>
-                                <a:rPr lang="en-US" sz="2880" b="0" i="1" smtClean="0">
-                                  <a:latin typeface="Cambria Math" panose="02040503050406030204" pitchFamily="18" charset="0"/>
-                                  <a:ea typeface="Cambria Math" charset="0"/>
-                                </a:rPr>
-                                <m:t>1</m:t>
-                              </m:r>
-                            </m:sub>
-                          </m:sSub>
-                        </m:e>
-                      </m:d>
-                      <m:r>
-                        <a:rPr lang="en-US" sz="2880" b="0" i="1" smtClean="0">
-                          <a:latin typeface="Cambria Math" panose="02040503050406030204" pitchFamily="18" charset="0"/>
-                          <a:ea typeface="Cambria Math" charset="0"/>
-                          <a:cs typeface="Cambria Math" charset="0"/>
-                        </a:rPr>
-                        <m:t>+</m:t>
-                      </m:r>
-                      <m:r>
-                        <a:rPr lang="en-US" sz="2880" i="1">
-                          <a:latin typeface="Cambria Math" panose="02040503050406030204" pitchFamily="18" charset="0"/>
-                          <a:ea typeface="Cambria Math" panose="02040503050406030204" pitchFamily="18" charset="0"/>
-                          <a:cs typeface="Cambria Math" charset="0"/>
-                        </a:rPr>
-                        <m:t>𝜆</m:t>
-                      </m:r>
-                      <m:sSub>
-                        <m:sSubPr>
-                          <m:ctrlPr>
-                            <a:rPr lang="en-US" sz="2880" i="1" smtClean="0">
-                              <a:latin typeface="Cambria Math" panose="02040503050406030204" pitchFamily="18" charset="0"/>
-                              <a:ea typeface="Cambria Math" panose="02040503050406030204" pitchFamily="18" charset="0"/>
-                            </a:rPr>
-                          </m:ctrlPr>
-                        </m:sSubPr>
-                        <m:e>
-                          <m:r>
-                            <a:rPr lang="en-US" sz="2880" i="1">
-                              <a:latin typeface="Cambria Math" charset="0"/>
-                              <a:ea typeface="Cambria Math" charset="0"/>
-                              <a:cs typeface="Cambria Math" charset="0"/>
-                            </a:rPr>
-                            <m:t>ℒ</m:t>
-                          </m:r>
-                        </m:e>
-                        <m:sub>
-                          <m:sSub>
-                            <m:sSubPr>
-                              <m:ctrlPr>
-                                <a:rPr lang="en-US" sz="2880" i="1" smtClean="0">
-                                  <a:latin typeface="Cambria Math" panose="02040503050406030204" pitchFamily="18" charset="0"/>
-                                  <a:ea typeface="Cambria Math" panose="02040503050406030204" pitchFamily="18" charset="0"/>
-                                </a:rPr>
-                              </m:ctrlPr>
-                            </m:sSubPr>
-                            <m:e>
-                              <m:r>
-                                <a:rPr lang="en-US" sz="2880" b="0" i="1" smtClean="0">
-                                  <a:latin typeface="Cambria Math" panose="02040503050406030204" pitchFamily="18" charset="0"/>
-                                  <a:ea typeface="Cambria Math" panose="02040503050406030204" pitchFamily="18" charset="0"/>
-                                </a:rPr>
-                                <m:t>𝐿</m:t>
-                              </m:r>
-                            </m:e>
-                            <m:sub>
-                              <m:r>
-                                <a:rPr lang="en-US" sz="2880" b="0" i="1" smtClean="0">
-                                  <a:latin typeface="Cambria Math" panose="02040503050406030204" pitchFamily="18" charset="0"/>
-                                  <a:ea typeface="Cambria Math" panose="02040503050406030204" pitchFamily="18" charset="0"/>
-                                </a:rPr>
-                                <m:t>1</m:t>
-                              </m:r>
-                            </m:sub>
-                          </m:sSub>
-                        </m:sub>
-                      </m:sSub>
-                      <m:d>
-                        <m:dPr>
-                          <m:ctrlPr>
-                            <a:rPr lang="en-US" sz="2880" i="1">
-                              <a:latin typeface="Cambria Math" panose="02040503050406030204" pitchFamily="18" charset="0"/>
-                              <a:ea typeface="Cambria Math" charset="0"/>
-                              <a:cs typeface="Cambria Math" charset="0"/>
-                            </a:rPr>
-                          </m:ctrlPr>
-                        </m:dPr>
-                        <m:e>
-                          <m:sSub>
-                            <m:sSubPr>
-                              <m:ctrlPr>
-                                <a:rPr lang="en-US" sz="2880" i="1">
-                                  <a:latin typeface="Cambria Math" panose="02040503050406030204" pitchFamily="18" charset="0"/>
-                                  <a:ea typeface="Cambria Math" charset="0"/>
-                                </a:rPr>
-                              </m:ctrlPr>
-                            </m:sSubPr>
-                            <m:e>
-                              <m:r>
-                                <a:rPr lang="en-US" sz="2880" i="1">
-                                  <a:latin typeface="Cambria Math" panose="02040503050406030204" pitchFamily="18" charset="0"/>
-                                  <a:ea typeface="Cambria Math" charset="0"/>
-                                </a:rPr>
-                                <m:t>𝐺</m:t>
-                              </m:r>
-                            </m:e>
-                            <m:sub>
-                              <m:r>
-                                <a:rPr lang="en-US" sz="2880" b="0" i="1" smtClean="0">
-                                  <a:latin typeface="Cambria Math" panose="02040503050406030204" pitchFamily="18" charset="0"/>
-                                  <a:ea typeface="Cambria Math" charset="0"/>
-                                </a:rPr>
-                                <m:t>2</m:t>
-                              </m:r>
-                            </m:sub>
-                          </m:sSub>
-                        </m:e>
-                      </m:d>
-                    </m:oMath>
-                  </a14:m>
-                  <a:r>
-                    <a:rPr lang="en-US" sz="2880" i="1" dirty="0">
-                      <a:latin typeface="Source Sans Pro" panose="020B0503030403020204" pitchFamily="34" charset="0"/>
-                      <a:ea typeface="Source Sans Pro" panose="020B0503030403020204" pitchFamily="34" charset="0"/>
-                    </a:rPr>
-                    <a:t>+ </a:t>
-                  </a:r>
-                  <a14:m>
-                    <m:oMath xmlns:m="http://schemas.openxmlformats.org/officeDocument/2006/math">
-                      <m:sSub>
-                        <m:sSubPr>
-                          <m:ctrlPr>
-                            <a:rPr lang="en-US" sz="2880" i="1">
-                              <a:latin typeface="Cambria Math" panose="02040503050406030204" pitchFamily="18" charset="0"/>
-                              <a:ea typeface="Cambria Math" panose="02040503050406030204" pitchFamily="18" charset="0"/>
-                            </a:rPr>
-                          </m:ctrlPr>
-                        </m:sSubPr>
-                        <m:e>
-                          <m:r>
-                            <a:rPr lang="en-US" sz="2880" i="1">
-                              <a:latin typeface="Cambria Math" charset="0"/>
-                              <a:ea typeface="Cambria Math" charset="0"/>
-                              <a:cs typeface="Cambria Math" charset="0"/>
-                            </a:rPr>
-                            <m:t>ℒ</m:t>
-                          </m:r>
-                        </m:e>
-                        <m:sub>
-                          <m:r>
-                            <a:rPr lang="en-US" sz="2880" b="0" i="1" smtClean="0">
-                              <a:latin typeface="Cambria Math" panose="02040503050406030204" pitchFamily="18" charset="0"/>
-                              <a:ea typeface="Cambria Math" charset="0"/>
-                              <a:cs typeface="Cambria Math" charset="0"/>
-                            </a:rPr>
-                            <m:t>𝑐𝐺𝐴𝑁</m:t>
-                          </m:r>
-                        </m:sub>
-                      </m:sSub>
-                      <m:d>
-                        <m:dPr>
-                          <m:ctrlPr>
-                            <a:rPr lang="en-US" sz="2880" i="1">
-                              <a:latin typeface="Cambria Math" panose="02040503050406030204" pitchFamily="18" charset="0"/>
-                              <a:ea typeface="Cambria Math" charset="0"/>
-                              <a:cs typeface="Cambria Math" charset="0"/>
-                            </a:rPr>
-                          </m:ctrlPr>
-                        </m:dPr>
-                        <m:e>
-                          <m:sSub>
-                            <m:sSubPr>
-                              <m:ctrlPr>
-                                <a:rPr lang="en-US" sz="2880" i="1">
-                                  <a:latin typeface="Cambria Math" panose="02040503050406030204" pitchFamily="18" charset="0"/>
-                                  <a:ea typeface="Cambria Math" charset="0"/>
-                                </a:rPr>
-                              </m:ctrlPr>
-                            </m:sSubPr>
-                            <m:e>
-                              <m:r>
-                                <a:rPr lang="en-US" sz="2880" i="1">
-                                  <a:latin typeface="Cambria Math" panose="02040503050406030204" pitchFamily="18" charset="0"/>
-                                  <a:ea typeface="Cambria Math" charset="0"/>
-                                </a:rPr>
-                                <m:t>𝐺</m:t>
-                              </m:r>
-                            </m:e>
-                            <m:sub>
-                              <m:r>
-                                <a:rPr lang="en-US" sz="2880" i="1">
-                                  <a:latin typeface="Cambria Math" panose="02040503050406030204" pitchFamily="18" charset="0"/>
-                                  <a:ea typeface="Cambria Math" charset="0"/>
-                                </a:rPr>
-                                <m:t>2</m:t>
-                              </m:r>
-                            </m:sub>
-                          </m:sSub>
-                          <m:r>
-                            <a:rPr lang="en-US" sz="2880" b="0" i="1" smtClean="0">
-                              <a:latin typeface="Cambria Math" panose="02040503050406030204" pitchFamily="18" charset="0"/>
-                              <a:ea typeface="Cambria Math" charset="0"/>
-                            </a:rPr>
-                            <m:t>, </m:t>
-                          </m:r>
-                          <m:r>
-                            <a:rPr lang="en-US" sz="2880" b="0" i="1" smtClean="0">
-                              <a:latin typeface="Cambria Math" panose="02040503050406030204" pitchFamily="18" charset="0"/>
-                              <a:ea typeface="Cambria Math" charset="0"/>
-                            </a:rPr>
-                            <m:t>𝐷</m:t>
-                          </m:r>
-                        </m:e>
-                      </m:d>
-                    </m:oMath>
-                  </a14:m>
-                  <a:endParaRPr lang="en-US" sz="2880" i="1" dirty="0">
-                    <a:latin typeface="Source Sans Pro" panose="020B0503030403020204" pitchFamily="34" charset="0"/>
-                    <a:ea typeface="Source Sans Pro" panose="020B0503030403020204" pitchFamily="34" charset="0"/>
-                  </a:endParaRPr>
-                </a:p>
-              </p:txBody>
-            </p:sp>
-          </mc:Choice>
-          <mc:Fallback xmlns="">
-            <p:sp>
-              <p:nvSpPr>
-                <p:cNvPr id="44" name="TextBox 114"/>
-                <p:cNvSpPr txBox="1">
-                  <a:spLocks noRot="1" noChangeAspect="1" noMove="1" noResize="1" noEditPoints="1" noAdjustHandles="1" noChangeArrowheads="1" noChangeShapeType="1" noTextEdit="1"/>
-                </p:cNvSpPr>
-                <p:nvPr/>
-              </p:nvSpPr>
-              <p:spPr>
-                <a:xfrm>
-                  <a:off x="7538224" y="12369956"/>
-                  <a:ext cx="7501052" cy="478016"/>
-                </a:xfrm>
-                <a:prstGeom prst="rect">
-                  <a:avLst/>
-                </a:prstGeom>
-                <a:blipFill>
-                  <a:blip r:embed="rId5"/>
-                  <a:stretch>
-                    <a:fillRect t="-10870" b="-23913"/>
-                  </a:stretch>
-                </a:blipFill>
-              </p:spPr>
-              <p:txBody>
-                <a:bodyPr/>
-                <a:lstStyle/>
-                <a:p>
-                  <a:r>
-                    <a:rPr lang="en-US">
-                      <a:noFill/>
-                    </a:rPr>
-                    <a:t> </a:t>
-                  </a:r>
-                </a:p>
-              </p:txBody>
-            </p:sp>
-          </mc:Fallback>
-        </mc:AlternateContent>
-      </p:grpSp>
-      <p:graphicFrame>
-        <p:nvGraphicFramePr>
-          <p:cNvPr id="2" name="Table 1">
-            <a:extLst>
-              <a:ext uri="{FF2B5EF4-FFF2-40B4-BE49-F238E27FC236}">
-                <a16:creationId xmlns:a16="http://schemas.microsoft.com/office/drawing/2014/main" id="{B1D7894F-BF6D-8745-AD81-41AF42234477}"/>
-              </a:ext>
-            </a:extLst>
-          </p:cNvPr>
-          <p:cNvGraphicFramePr>
-            <a:graphicFrameLocks noGrp="1"/>
-          </p:cNvGraphicFramePr>
-          <p:nvPr>
-            <p:extLst>
-              <p:ext uri="{D42A27DB-BD31-4B8C-83A1-F6EECF244321}">
-                <p14:modId xmlns:p14="http://schemas.microsoft.com/office/powerpoint/2010/main" val="939855777"/>
-              </p:ext>
-            </p:extLst>
-          </p:nvPr>
-        </p:nvGraphicFramePr>
-        <p:xfrm>
-          <a:off x="18900905" y="11533281"/>
-          <a:ext cx="13036661" cy="3469640"/>
-        </p:xfrm>
-        <a:graphic>
-          <a:graphicData uri="http://schemas.openxmlformats.org/drawingml/2006/table">
-            <a:tbl>
-              <a:tblPr>
-                <a:tableStyleId>{5C22544A-7EE6-4342-B048-85BDC9FD1C3A}</a:tableStyleId>
-              </a:tblPr>
-              <a:tblGrid>
-                <a:gridCol w="6607045">
-                  <a:extLst>
-                    <a:ext uri="{9D8B030D-6E8A-4147-A177-3AD203B41FA5}">
-                      <a16:colId xmlns:a16="http://schemas.microsoft.com/office/drawing/2014/main" val="3943414943"/>
-                    </a:ext>
-                  </a:extLst>
-                </a:gridCol>
-                <a:gridCol w="1209675">
-                  <a:extLst>
-                    <a:ext uri="{9D8B030D-6E8A-4147-A177-3AD203B41FA5}">
-                      <a16:colId xmlns:a16="http://schemas.microsoft.com/office/drawing/2014/main" val="224081372"/>
-                    </a:ext>
-                  </a:extLst>
-                </a:gridCol>
-                <a:gridCol w="1209675">
-                  <a:extLst>
-                    <a:ext uri="{9D8B030D-6E8A-4147-A177-3AD203B41FA5}">
-                      <a16:colId xmlns:a16="http://schemas.microsoft.com/office/drawing/2014/main" val="3189067819"/>
-                    </a:ext>
-                  </a:extLst>
-                </a:gridCol>
-                <a:gridCol w="990600">
-                  <a:extLst>
-                    <a:ext uri="{9D8B030D-6E8A-4147-A177-3AD203B41FA5}">
-                      <a16:colId xmlns:a16="http://schemas.microsoft.com/office/drawing/2014/main" val="1716228031"/>
-                    </a:ext>
-                  </a:extLst>
-                </a:gridCol>
-                <a:gridCol w="1509833">
-                  <a:extLst>
-                    <a:ext uri="{9D8B030D-6E8A-4147-A177-3AD203B41FA5}">
-                      <a16:colId xmlns:a16="http://schemas.microsoft.com/office/drawing/2014/main" val="1344979881"/>
-                    </a:ext>
-                  </a:extLst>
-                </a:gridCol>
-                <a:gridCol w="1509833">
-                  <a:extLst>
-                    <a:ext uri="{9D8B030D-6E8A-4147-A177-3AD203B41FA5}">
-                      <a16:colId xmlns:a16="http://schemas.microsoft.com/office/drawing/2014/main" val="2344300998"/>
-                    </a:ext>
-                  </a:extLst>
-                </a:gridCol>
-              </a:tblGrid>
-              <a:tr h="398429">
-                <a:tc>
-                  <a:txBody>
-                    <a:bodyPr/>
-                    <a:lstStyle/>
-                    <a:p>
-                      <a:pPr algn="ctr"/>
-                      <a:r>
-                        <a:rPr lang="en-US" sz="2200" dirty="0">
-                          <a:latin typeface="Source Sans Pro" panose="020B0503030403020204" pitchFamily="34" charset="0"/>
-                          <a:ea typeface="Source Sans Pro" panose="020B0503030403020204" pitchFamily="34" charset="0"/>
-                        </a:rPr>
-                        <a:t>Model</a:t>
-                      </a:r>
-                    </a:p>
-                  </a:txBody>
-                  <a:tcPr>
-                    <a:lnL w="12700" cmpd="sng">
-                      <a:noFill/>
-                    </a:lnL>
-                    <a:lnR w="12700" cap="flat" cmpd="sng" algn="ctr">
-                      <a:solidFill>
-                        <a:schemeClr val="tx1"/>
-                      </a:solidFill>
-                      <a:prstDash val="solid"/>
-                      <a:round/>
-                      <a:headEnd type="none" w="med" len="med"/>
-                      <a:tailEnd type="none" w="med" len="med"/>
-                    </a:lnR>
-                    <a:lnT w="12700" cmpd="sng">
-                      <a:noFill/>
-                    </a:lnT>
-                    <a:lnB w="12700" cap="flat" cmpd="sng" algn="ctr">
-                      <a:solidFill>
-                        <a:schemeClr val="tx1"/>
-                      </a:solidFill>
-                      <a:prstDash val="solid"/>
-                      <a:round/>
-                      <a:headEnd type="none" w="med" len="med"/>
-                      <a:tailEnd type="none" w="med" len="med"/>
-                    </a:lnB>
-                    <a:lnTlToBr w="12700" cmpd="sng">
-                      <a:noFill/>
-                      <a:prstDash val="solid"/>
-                    </a:lnTlToBr>
-                    <a:lnBlToTr w="12700" cmpd="sng">
-                      <a:noFill/>
-                      <a:prstDash val="solid"/>
-                    </a:lnBlToTr>
-                    <a:noFill/>
-                  </a:tcPr>
-                </a:tc>
-                <a:tc>
-                  <a:txBody>
-                    <a:bodyPr/>
-                    <a:lstStyle/>
-                    <a:p>
-                      <a:pPr algn="ctr"/>
-                      <a:r>
-                        <a:rPr lang="en-US" sz="2200" dirty="0">
-                          <a:latin typeface="Source Sans Pro" panose="020B0503030403020204" pitchFamily="34" charset="0"/>
-                          <a:ea typeface="Source Sans Pro" panose="020B0503030403020204" pitchFamily="34" charset="0"/>
-                        </a:rPr>
-                        <a:t>L1 </a:t>
-                      </a:r>
-                      <a:r>
-                        <a:rPr lang="en-US" sz="2200" dirty="0" err="1">
-                          <a:latin typeface="Source Sans Pro" panose="020B0503030403020204" pitchFamily="34" charset="0"/>
-                          <a:ea typeface="Source Sans Pro" panose="020B0503030403020204" pitchFamily="34" charset="0"/>
-                        </a:rPr>
-                        <a:t>dist</a:t>
-                      </a:r>
-                      <a:endParaRPr lang="en-US" sz="2200" dirty="0">
-                        <a:latin typeface="Source Sans Pro" panose="020B0503030403020204" pitchFamily="34" charset="0"/>
-                        <a:ea typeface="Source Sans Pro" panose="020B0503030403020204" pitchFamily="34" charset="0"/>
-                      </a:endParaRPr>
-                    </a:p>
-                  </a:txBody>
-                  <a:tcPr>
-                    <a:lnL w="12700" cap="flat" cmpd="sng" algn="ctr">
-                      <a:solidFill>
-                        <a:schemeClr val="tx1"/>
-                      </a:solidFill>
-                      <a:prstDash val="solid"/>
-                      <a:round/>
-                      <a:headEnd type="none" w="med" len="med"/>
-                      <a:tailEnd type="none" w="med" len="med"/>
-                    </a:lnL>
-                    <a:lnR w="12700" cmpd="sng">
-                      <a:noFill/>
-                    </a:lnR>
-                    <a:lnT w="12700" cmpd="sng">
-                      <a:noFill/>
-                    </a:lnT>
-                    <a:lnB w="12700" cap="flat" cmpd="sng" algn="ctr">
-                      <a:solidFill>
-                        <a:schemeClr val="tx1"/>
-                      </a:solidFill>
-                      <a:prstDash val="solid"/>
-                      <a:round/>
-                      <a:headEnd type="none" w="med" len="med"/>
-                      <a:tailEnd type="none" w="med" len="med"/>
-                    </a:lnB>
-                    <a:lnTlToBr w="12700" cmpd="sng">
-                      <a:noFill/>
-                      <a:prstDash val="solid"/>
-                    </a:lnTlToBr>
-                    <a:lnBlToTr w="12700" cmpd="sng">
-                      <a:noFill/>
-                      <a:prstDash val="solid"/>
-                    </a:lnBlToTr>
-                    <a:noFill/>
-                  </a:tcPr>
-                </a:tc>
-                <a:tc>
-                  <a:txBody>
-                    <a:bodyPr/>
-                    <a:lstStyle/>
-                    <a:p>
-                      <a:pPr algn="ctr"/>
-                      <a:r>
-                        <a:rPr lang="en-US" sz="2200">
-                          <a:latin typeface="Source Sans Pro" panose="020B0503030403020204" pitchFamily="34" charset="0"/>
-                          <a:ea typeface="Source Sans Pro" panose="020B0503030403020204" pitchFamily="34" charset="0"/>
-                        </a:rPr>
-                        <a:t>L2 dist</a:t>
-                      </a:r>
-                      <a:endParaRPr lang="en-US" sz="2200" dirty="0">
-                        <a:latin typeface="Source Sans Pro" panose="020B0503030403020204" pitchFamily="34" charset="0"/>
-                        <a:ea typeface="Source Sans Pro" panose="020B0503030403020204" pitchFamily="34" charset="0"/>
-                      </a:endParaRPr>
-                    </a:p>
-                  </a:txBody>
-                  <a:tcPr>
-                    <a:lnL w="12700" cmpd="sng">
-                      <a:noFill/>
-                    </a:lnL>
-                    <a:lnR w="12700" cmpd="sng">
-                      <a:noFill/>
-                    </a:lnR>
-                    <a:lnT w="12700" cmpd="sng">
-                      <a:noFill/>
-                    </a:lnT>
-                    <a:lnB w="12700" cap="flat" cmpd="sng" algn="ctr">
-                      <a:solidFill>
-                        <a:schemeClr val="tx1"/>
-                      </a:solidFill>
-                      <a:prstDash val="solid"/>
-                      <a:round/>
-                      <a:headEnd type="none" w="med" len="med"/>
-                      <a:tailEnd type="none" w="med" len="med"/>
-                    </a:lnB>
-                    <a:lnTlToBr w="12700" cmpd="sng">
-                      <a:noFill/>
-                      <a:prstDash val="solid"/>
-                    </a:lnTlToBr>
-                    <a:lnBlToTr w="12700" cmpd="sng">
-                      <a:noFill/>
-                      <a:prstDash val="solid"/>
-                    </a:lnBlToTr>
-                    <a:noFill/>
-                  </a:tcPr>
-                </a:tc>
-                <a:tc>
-                  <a:txBody>
-                    <a:bodyPr/>
-                    <a:lstStyle/>
-                    <a:p>
-                      <a:pPr algn="ctr"/>
-                      <a:r>
-                        <a:rPr lang="en-US" sz="2200" dirty="0">
-                          <a:latin typeface="Source Sans Pro" panose="020B0503030403020204" pitchFamily="34" charset="0"/>
-                          <a:ea typeface="Source Sans Pro" panose="020B0503030403020204" pitchFamily="34" charset="0"/>
-                        </a:rPr>
-                        <a:t>SSIM</a:t>
-                      </a:r>
-                    </a:p>
-                  </a:txBody>
-                  <a:tcPr>
-                    <a:lnL w="12700" cmpd="sng">
-                      <a:noFill/>
-                    </a:lnL>
-                    <a:lnR w="12700" cmpd="sng">
-                      <a:noFill/>
-                    </a:lnR>
-                    <a:lnT w="12700" cmpd="sng">
-                      <a:noFill/>
-                    </a:lnT>
-                    <a:lnB w="12700" cap="flat" cmpd="sng" algn="ctr">
-                      <a:solidFill>
-                        <a:schemeClr val="tx1"/>
-                      </a:solidFill>
-                      <a:prstDash val="solid"/>
-                      <a:round/>
-                      <a:headEnd type="none" w="med" len="med"/>
-                      <a:tailEnd type="none" w="med" len="med"/>
-                    </a:lnB>
-                    <a:lnTlToBr w="12700" cmpd="sng">
-                      <a:noFill/>
-                      <a:prstDash val="solid"/>
-                    </a:lnTlToBr>
-                    <a:lnBlToTr w="12700" cmpd="sng">
-                      <a:noFill/>
-                      <a:prstDash val="solid"/>
-                    </a:lnBlToTr>
-                    <a:noFill/>
-                  </a:tcPr>
-                </a:tc>
-                <a:tc>
-                  <a:txBody>
-                    <a:bodyPr/>
-                    <a:lstStyle/>
-                    <a:p>
-                      <a:pPr algn="ctr"/>
-                      <a:r>
-                        <a:rPr lang="en-US" sz="2200" dirty="0" err="1">
-                          <a:latin typeface="Source Sans Pro" panose="020B0503030403020204" pitchFamily="34" charset="0"/>
-                          <a:ea typeface="Source Sans Pro" panose="020B0503030403020204" pitchFamily="34" charset="0"/>
-                        </a:rPr>
-                        <a:t>FaceNet</a:t>
-                      </a:r>
-                      <a:r>
-                        <a:rPr lang="en-US" sz="2200" dirty="0">
-                          <a:latin typeface="Source Sans Pro" panose="020B0503030403020204" pitchFamily="34" charset="0"/>
-                          <a:ea typeface="Source Sans Pro" panose="020B0503030403020204" pitchFamily="34" charset="0"/>
-                        </a:rPr>
-                        <a:t> L1</a:t>
-                      </a:r>
-                    </a:p>
-                  </a:txBody>
-                  <a:tcPr>
-                    <a:lnL w="12700" cmpd="sng">
-                      <a:noFill/>
-                    </a:lnL>
-                    <a:lnR w="12700" cmpd="sng">
-                      <a:noFill/>
-                    </a:lnR>
-                    <a:lnT w="12700" cmpd="sng">
-                      <a:noFill/>
-                    </a:lnT>
-                    <a:lnB w="12700" cap="flat" cmpd="sng" algn="ctr">
-                      <a:solidFill>
-                        <a:schemeClr val="tx1"/>
-                      </a:solidFill>
-                      <a:prstDash val="solid"/>
-                      <a:round/>
-                      <a:headEnd type="none" w="med" len="med"/>
-                      <a:tailEnd type="none" w="med" len="med"/>
-                    </a:lnB>
-                    <a:lnTlToBr w="12700" cmpd="sng">
-                      <a:noFill/>
-                      <a:prstDash val="solid"/>
-                    </a:lnTlToBr>
-                    <a:lnBlToTr w="12700" cmpd="sng">
-                      <a:noFill/>
-                      <a:prstDash val="solid"/>
-                    </a:lnBlToTr>
-                    <a:noFill/>
-                  </a:tcPr>
-                </a:tc>
-                <a:tc>
-                  <a:txBody>
-                    <a:bodyPr/>
-                    <a:lstStyle/>
-                    <a:p>
-                      <a:pPr algn="ctr"/>
-                      <a:r>
-                        <a:rPr lang="en-US" sz="2200" dirty="0" err="1">
-                          <a:latin typeface="Source Sans Pro" panose="020B0503030403020204" pitchFamily="34" charset="0"/>
-                          <a:ea typeface="Source Sans Pro" panose="020B0503030403020204" pitchFamily="34" charset="0"/>
-                        </a:rPr>
-                        <a:t>FaceNet</a:t>
-                      </a:r>
-                      <a:r>
-                        <a:rPr lang="en-US" sz="2200" dirty="0">
-                          <a:latin typeface="Source Sans Pro" panose="020B0503030403020204" pitchFamily="34" charset="0"/>
-                          <a:ea typeface="Source Sans Pro" panose="020B0503030403020204" pitchFamily="34" charset="0"/>
-                        </a:rPr>
-                        <a:t> L2</a:t>
-                      </a:r>
-                    </a:p>
-                  </a:txBody>
-                  <a:tcPr>
-                    <a:lnL w="12700" cmpd="sng">
-                      <a:noFill/>
-                    </a:lnL>
-                    <a:lnR w="12700" cmpd="sng">
-                      <a:noFill/>
-                    </a:lnR>
-                    <a:lnT w="12700" cmpd="sng">
-                      <a:noFill/>
-                    </a:lnT>
-                    <a:lnB w="12700" cap="flat" cmpd="sng" algn="ctr">
-                      <a:solidFill>
-                        <a:schemeClr val="tx1"/>
-                      </a:solidFill>
-                      <a:prstDash val="solid"/>
-                      <a:round/>
-                      <a:headEnd type="none" w="med" len="med"/>
-                      <a:tailEnd type="none" w="med" len="med"/>
-                    </a:lnB>
-                    <a:lnTlToBr w="12700" cmpd="sng">
-                      <a:noFill/>
-                      <a:prstDash val="solid"/>
-                    </a:lnTlToBr>
-                    <a:lnBlToTr w="12700" cmpd="sng">
-                      <a:noFill/>
-                      <a:prstDash val="solid"/>
-                    </a:lnBlToTr>
-                    <a:noFill/>
-                  </a:tcPr>
-                </a:tc>
-                <a:extLst>
-                  <a:ext uri="{0D108BD9-81ED-4DB2-BD59-A6C34878D82A}">
-                    <a16:rowId xmlns:a16="http://schemas.microsoft.com/office/drawing/2014/main" val="2670905450"/>
-                  </a:ext>
-                </a:extLst>
-              </a:tr>
-              <a:tr h="409489">
-                <a:tc>
-                  <a:txBody>
-                    <a:bodyPr/>
-                    <a:lstStyle/>
-                    <a:p>
-                      <a:r>
-                        <a:rPr lang="en-US" sz="2200" dirty="0">
-                          <a:latin typeface="Source Sans Pro" panose="020B0503030403020204" pitchFamily="34" charset="0"/>
-                          <a:ea typeface="Source Sans Pro" panose="020B0503030403020204" pitchFamily="34" charset="0"/>
-                        </a:rPr>
-                        <a:t>Baseline (pix2pix)</a:t>
-                      </a:r>
-                    </a:p>
-                  </a:txBody>
-                  <a:tcPr>
-                    <a:lnL w="12700" cmpd="sng">
-                      <a:noFill/>
-                    </a:lnL>
-                    <a:lnR w="12700" cap="flat" cmpd="sng" algn="ctr">
-                      <a:solidFill>
-                        <a:schemeClr val="tx1"/>
-                      </a:solidFill>
-                      <a:prstDash val="solid"/>
-                      <a:round/>
-                      <a:headEnd type="none" w="med" len="med"/>
-                      <a:tailEnd type="none" w="med" len="med"/>
-                    </a:lnR>
-                    <a:lnT w="12700" cap="flat" cmpd="sng" algn="ctr">
-                      <a:solidFill>
-                        <a:schemeClr val="tx1"/>
-                      </a:solidFill>
-                      <a:prstDash val="solid"/>
-                      <a:round/>
-                      <a:headEnd type="none" w="med" len="med"/>
-                      <a:tailEnd type="none" w="med" len="med"/>
-                    </a:lnT>
-                    <a:lnB w="12700" cap="flat" cmpd="sng" algn="ctr">
-                      <a:solidFill>
-                        <a:schemeClr val="bg2"/>
-                      </a:solidFill>
-                      <a:prstDash val="solid"/>
-                      <a:round/>
-                      <a:headEnd type="none" w="med" len="med"/>
-                      <a:tailEnd type="none" w="med" len="med"/>
-                    </a:lnB>
-                    <a:lnTlToBr w="12700" cmpd="sng">
-                      <a:noFill/>
-                      <a:prstDash val="solid"/>
-                    </a:lnTlToBr>
-                    <a:lnBlToTr w="12700" cmpd="sng">
-                      <a:noFill/>
-                      <a:prstDash val="solid"/>
-                    </a:lnBlToTr>
-                    <a:noFill/>
-                  </a:tcPr>
-                </a:tc>
-                <a:tc>
-                  <a:txBody>
-                    <a:bodyPr/>
-                    <a:lstStyle/>
-                    <a:p>
-                      <a:pPr algn="ctr"/>
-                      <a:r>
-                        <a:rPr lang="en-US" sz="2200" dirty="0">
-                          <a:latin typeface="Source Sans Pro" panose="020B0503030403020204" pitchFamily="34" charset="0"/>
-                          <a:ea typeface="Source Sans Pro" panose="020B0503030403020204" pitchFamily="34" charset="0"/>
-                        </a:rPr>
-                        <a:t>35.245</a:t>
-                      </a:r>
-                    </a:p>
-                  </a:txBody>
-                  <a:tcPr>
-                    <a:lnL w="12700" cap="flat" cmpd="sng" algn="ctr">
-                      <a:solidFill>
-                        <a:schemeClr val="tx1"/>
-                      </a:solidFill>
-                      <a:prstDash val="solid"/>
-                      <a:round/>
-                      <a:headEnd type="none" w="med" len="med"/>
-                      <a:tailEnd type="none" w="med" len="med"/>
-                    </a:lnL>
-                    <a:lnR w="12700" cmpd="sng">
-                      <a:noFill/>
-                    </a:lnR>
-                    <a:lnT w="12700" cap="flat" cmpd="sng" algn="ctr">
-                      <a:solidFill>
-                        <a:schemeClr val="tx1"/>
-                      </a:solidFill>
-                      <a:prstDash val="solid"/>
-                      <a:round/>
-                      <a:headEnd type="none" w="med" len="med"/>
-                      <a:tailEnd type="none" w="med" len="med"/>
-                    </a:lnT>
-                    <a:lnB w="12700" cap="flat" cmpd="sng" algn="ctr">
-                      <a:solidFill>
-                        <a:schemeClr val="bg2"/>
-                      </a:solidFill>
-                      <a:prstDash val="solid"/>
-                      <a:round/>
-                      <a:headEnd type="none" w="med" len="med"/>
-                      <a:tailEnd type="none" w="med" len="med"/>
-                    </a:lnB>
-                    <a:lnTlToBr w="12700" cmpd="sng">
-                      <a:noFill/>
-                      <a:prstDash val="solid"/>
-                    </a:lnTlToBr>
-                    <a:lnBlToTr w="12700" cmpd="sng">
-                      <a:noFill/>
-                      <a:prstDash val="solid"/>
-                    </a:lnBlToTr>
-                    <a:noFill/>
-                  </a:tcPr>
-                </a:tc>
-                <a:tc>
-                  <a:txBody>
-                    <a:bodyPr/>
-                    <a:lstStyle/>
-                    <a:p>
-                      <a:pPr algn="ctr"/>
-                      <a:r>
-                        <a:rPr lang="en-US" sz="2200" dirty="0">
-                          <a:latin typeface="Source Sans Pro" panose="020B0503030403020204" pitchFamily="34" charset="0"/>
-                          <a:ea typeface="Source Sans Pro" panose="020B0503030403020204" pitchFamily="34" charset="0"/>
-                        </a:rPr>
-                        <a:t>56.928</a:t>
-                      </a:r>
-                    </a:p>
-                  </a:txBody>
-                  <a:tcPr>
-                    <a:lnL w="12700" cmpd="sng">
-                      <a:noFill/>
-                    </a:lnL>
-                    <a:lnR w="12700" cmpd="sng">
-                      <a:noFill/>
-                    </a:lnR>
-                    <a:lnT w="12700" cap="flat" cmpd="sng" algn="ctr">
-                      <a:solidFill>
-                        <a:schemeClr val="tx1"/>
-                      </a:solidFill>
-                      <a:prstDash val="solid"/>
-                      <a:round/>
-                      <a:headEnd type="none" w="med" len="med"/>
-                      <a:tailEnd type="none" w="med" len="med"/>
-                    </a:lnT>
-                    <a:lnB w="12700" cap="flat" cmpd="sng" algn="ctr">
-                      <a:solidFill>
-                        <a:schemeClr val="bg2"/>
-                      </a:solidFill>
-                      <a:prstDash val="solid"/>
-                      <a:round/>
-                      <a:headEnd type="none" w="med" len="med"/>
-                      <a:tailEnd type="none" w="med" len="med"/>
-                    </a:lnB>
-                    <a:lnTlToBr w="12700" cmpd="sng">
-                      <a:noFill/>
-                      <a:prstDash val="solid"/>
-                    </a:lnTlToBr>
-                    <a:lnBlToTr w="12700" cmpd="sng">
-                      <a:noFill/>
-                      <a:prstDash val="solid"/>
-                    </a:lnBlToTr>
-                    <a:noFill/>
-                  </a:tcPr>
-                </a:tc>
-                <a:tc>
-                  <a:txBody>
-                    <a:bodyPr/>
-                    <a:lstStyle/>
-                    <a:p>
-                      <a:pPr algn="ctr"/>
-                      <a:r>
-                        <a:rPr lang="en-US" sz="2200" dirty="0">
-                          <a:latin typeface="Source Sans Pro" panose="020B0503030403020204" pitchFamily="34" charset="0"/>
-                          <a:ea typeface="Source Sans Pro" panose="020B0503030403020204" pitchFamily="34" charset="0"/>
-                        </a:rPr>
-                        <a:t>0.487</a:t>
-                      </a:r>
-                    </a:p>
-                  </a:txBody>
-                  <a:tcPr>
-                    <a:lnL w="12700" cmpd="sng">
-                      <a:noFill/>
-                    </a:lnL>
-                    <a:lnR w="12700" cmpd="sng">
-                      <a:noFill/>
-                    </a:lnR>
-                    <a:lnT w="12700" cap="flat" cmpd="sng" algn="ctr">
-                      <a:solidFill>
-                        <a:schemeClr val="tx1"/>
-                      </a:solidFill>
-                      <a:prstDash val="solid"/>
-                      <a:round/>
-                      <a:headEnd type="none" w="med" len="med"/>
-                      <a:tailEnd type="none" w="med" len="med"/>
-                    </a:lnT>
-                    <a:lnB w="12700" cap="flat" cmpd="sng" algn="ctr">
-                      <a:solidFill>
-                        <a:schemeClr val="bg2"/>
-                      </a:solidFill>
-                      <a:prstDash val="solid"/>
-                      <a:round/>
-                      <a:headEnd type="none" w="med" len="med"/>
-                      <a:tailEnd type="none" w="med" len="med"/>
-                    </a:lnB>
-                    <a:lnTlToBr w="12700" cmpd="sng">
-                      <a:noFill/>
-                      <a:prstDash val="solid"/>
-                    </a:lnTlToBr>
-                    <a:lnBlToTr w="12700" cmpd="sng">
-                      <a:noFill/>
-                      <a:prstDash val="solid"/>
-                    </a:lnBlToTr>
-                    <a:noFill/>
-                  </a:tcPr>
-                </a:tc>
-                <a:tc>
-                  <a:txBody>
-                    <a:bodyPr/>
-                    <a:lstStyle/>
-                    <a:p>
-                      <a:pPr algn="ctr"/>
-                      <a:r>
-                        <a:rPr lang="en-US" sz="2200">
-                          <a:latin typeface="Source Sans Pro" panose="020B0503030403020204" pitchFamily="34" charset="0"/>
-                          <a:ea typeface="Source Sans Pro" panose="020B0503030403020204" pitchFamily="34" charset="0"/>
-                        </a:rPr>
-                        <a:t>43.147</a:t>
-                      </a:r>
-                    </a:p>
-                  </a:txBody>
-                  <a:tcPr>
-                    <a:lnL w="12700" cmpd="sng">
-                      <a:noFill/>
-                    </a:lnL>
-                    <a:lnR w="12700" cmpd="sng">
-                      <a:noFill/>
-                    </a:lnR>
-                    <a:lnT w="12700" cap="flat" cmpd="sng" algn="ctr">
-                      <a:solidFill>
-                        <a:schemeClr val="tx1"/>
-                      </a:solidFill>
-                      <a:prstDash val="solid"/>
-                      <a:round/>
-                      <a:headEnd type="none" w="med" len="med"/>
-                      <a:tailEnd type="none" w="med" len="med"/>
-                    </a:lnT>
-                    <a:lnB w="12700" cap="flat" cmpd="sng" algn="ctr">
-                      <a:solidFill>
-                        <a:schemeClr val="bg2"/>
-                      </a:solidFill>
-                      <a:prstDash val="solid"/>
-                      <a:round/>
-                      <a:headEnd type="none" w="med" len="med"/>
-                      <a:tailEnd type="none" w="med" len="med"/>
-                    </a:lnB>
-                    <a:lnTlToBr w="12700" cmpd="sng">
-                      <a:noFill/>
-                      <a:prstDash val="solid"/>
-                    </a:lnTlToBr>
-                    <a:lnBlToTr w="12700" cmpd="sng">
-                      <a:noFill/>
-                      <a:prstDash val="solid"/>
-                    </a:lnBlToTr>
-                    <a:noFill/>
-                  </a:tcPr>
-                </a:tc>
-                <a:tc>
-                  <a:txBody>
-                    <a:bodyPr/>
-                    <a:lstStyle/>
-                    <a:p>
-                      <a:pPr algn="ctr"/>
-                      <a:r>
-                        <a:rPr lang="en-US" sz="2200">
-                          <a:latin typeface="Source Sans Pro" panose="020B0503030403020204" pitchFamily="34" charset="0"/>
-                          <a:ea typeface="Source Sans Pro" panose="020B0503030403020204" pitchFamily="34" charset="0"/>
-                        </a:rPr>
-                        <a:t>1.999082</a:t>
-                      </a:r>
-                    </a:p>
-                  </a:txBody>
-                  <a:tcPr>
-                    <a:lnL w="12700" cmpd="sng">
-                      <a:noFill/>
-                    </a:lnL>
-                    <a:lnR w="12700" cmpd="sng">
-                      <a:noFill/>
-                    </a:lnR>
-                    <a:lnT w="12700" cap="flat" cmpd="sng" algn="ctr">
-                      <a:solidFill>
-                        <a:schemeClr val="tx1"/>
-                      </a:solidFill>
-                      <a:prstDash val="solid"/>
-                      <a:round/>
-                      <a:headEnd type="none" w="med" len="med"/>
-                      <a:tailEnd type="none" w="med" len="med"/>
-                    </a:lnT>
-                    <a:lnB w="12700" cap="flat" cmpd="sng" algn="ctr">
-                      <a:solidFill>
-                        <a:schemeClr val="bg2"/>
-                      </a:solidFill>
-                      <a:prstDash val="solid"/>
-                      <a:round/>
-                      <a:headEnd type="none" w="med" len="med"/>
-                      <a:tailEnd type="none" w="med" len="med"/>
-                    </a:lnB>
-                    <a:lnTlToBr w="12700" cmpd="sng">
-                      <a:noFill/>
-                      <a:prstDash val="solid"/>
-                    </a:lnTlToBr>
-                    <a:lnBlToTr w="12700" cmpd="sng">
-                      <a:noFill/>
-                      <a:prstDash val="solid"/>
-                    </a:lnBlToTr>
-                    <a:noFill/>
-                  </a:tcPr>
-                </a:tc>
-                <a:extLst>
-                  <a:ext uri="{0D108BD9-81ED-4DB2-BD59-A6C34878D82A}">
-                    <a16:rowId xmlns:a16="http://schemas.microsoft.com/office/drawing/2014/main" val="976771302"/>
-                  </a:ext>
-                </a:extLst>
-              </a:tr>
-              <a:tr h="398429">
-                <a:tc>
-                  <a:txBody>
-                    <a:bodyPr/>
-                    <a:lstStyle/>
-                    <a:p>
-                      <a:pPr marL="0" marR="0" lvl="0" indent="0" algn="l" defTabSz="2926080" rtl="0" eaLnBrk="1" fontAlgn="auto" latinLnBrk="0" hangingPunct="1">
-                        <a:lnSpc>
-                          <a:spcPct val="100000"/>
-                        </a:lnSpc>
-                        <a:spcBef>
-                          <a:spcPts val="0"/>
-                        </a:spcBef>
-                        <a:spcAft>
-                          <a:spcPts val="0"/>
-                        </a:spcAft>
-                        <a:buClrTx/>
-                        <a:buSzTx/>
-                        <a:buFontTx/>
-                        <a:buNone/>
-                        <a:tabLst/>
-                        <a:defRPr/>
-                      </a:pPr>
-                      <a:r>
-                        <a:rPr lang="en-US" sz="2200" dirty="0">
-                          <a:latin typeface="Source Sans Pro" panose="020B0503030403020204" pitchFamily="34" charset="0"/>
-                          <a:ea typeface="Source Sans Pro" panose="020B0503030403020204" pitchFamily="34" charset="0"/>
-                        </a:rPr>
-                        <a:t>IR with </a:t>
-                      </a:r>
-                      <a:r>
-                        <a:rPr lang="en-US" sz="2200" dirty="0" err="1">
-                          <a:latin typeface="Source Sans Pro" panose="020B0503030403020204" pitchFamily="34" charset="0"/>
-                          <a:ea typeface="Source Sans Pro" panose="020B0503030403020204" pitchFamily="34" charset="0"/>
-                        </a:rPr>
-                        <a:t>cGAN</a:t>
-                      </a:r>
-                      <a:r>
-                        <a:rPr lang="en-US" sz="2200" dirty="0">
-                          <a:latin typeface="Source Sans Pro" panose="020B0503030403020204" pitchFamily="34" charset="0"/>
-                          <a:ea typeface="Source Sans Pro" panose="020B0503030403020204" pitchFamily="34" charset="0"/>
-                        </a:rPr>
-                        <a:t>-Final Loss, generator 1</a:t>
-                      </a:r>
-                    </a:p>
-                  </a:txBody>
-                  <a:tcPr>
-                    <a:lnL w="12700" cmpd="sng">
-                      <a:noFill/>
-                    </a:lnL>
-                    <a:lnR w="12700" cap="flat" cmpd="sng" algn="ctr">
-                      <a:solidFill>
-                        <a:schemeClr val="tx1"/>
-                      </a:solidFill>
-                      <a:prstDash val="solid"/>
-                      <a:round/>
-                      <a:headEnd type="none" w="med" len="med"/>
-                      <a:tailEnd type="none" w="med" len="med"/>
-                    </a:lnR>
-                    <a:lnT w="12700" cap="flat" cmpd="sng" algn="ctr">
-                      <a:solidFill>
-                        <a:schemeClr val="bg2"/>
-                      </a:solidFill>
-                      <a:prstDash val="solid"/>
-                      <a:round/>
-                      <a:headEnd type="none" w="med" len="med"/>
-                      <a:tailEnd type="none" w="med" len="med"/>
-                    </a:lnT>
-                    <a:lnB w="12700" cap="flat" cmpd="sng" algn="ctr">
-                      <a:solidFill>
-                        <a:schemeClr val="bg2"/>
-                      </a:solidFill>
-                      <a:prstDash val="solid"/>
-                      <a:round/>
-                      <a:headEnd type="none" w="med" len="med"/>
-                      <a:tailEnd type="none" w="med" len="med"/>
-                    </a:lnB>
-                    <a:lnTlToBr w="12700" cmpd="sng">
-                      <a:noFill/>
-                      <a:prstDash val="solid"/>
-                    </a:lnTlToBr>
-                    <a:lnBlToTr w="12700" cmpd="sng">
-                      <a:noFill/>
-                      <a:prstDash val="solid"/>
-                    </a:lnBlToTr>
-                    <a:noFill/>
-                  </a:tcPr>
-                </a:tc>
-                <a:tc>
-                  <a:txBody>
-                    <a:bodyPr/>
-                    <a:lstStyle/>
-                    <a:p>
-                      <a:pPr algn="ctr"/>
-                      <a:r>
-                        <a:rPr lang="en-US" sz="2200" b="0" dirty="0">
-                          <a:latin typeface="Source Sans Pro" panose="020B0503030403020204" pitchFamily="34" charset="0"/>
-                          <a:ea typeface="Source Sans Pro" panose="020B0503030403020204" pitchFamily="34" charset="0"/>
-                        </a:rPr>
-                        <a:t>32.579</a:t>
-                      </a:r>
-                    </a:p>
-                  </a:txBody>
-                  <a:tcPr>
-                    <a:lnL w="12700" cap="flat" cmpd="sng" algn="ctr">
-                      <a:solidFill>
-                        <a:schemeClr val="tx1"/>
-                      </a:solidFill>
-                      <a:prstDash val="solid"/>
-                      <a:round/>
-                      <a:headEnd type="none" w="med" len="med"/>
-                      <a:tailEnd type="none" w="med" len="med"/>
-                    </a:lnL>
-                    <a:lnR w="12700" cmpd="sng">
-                      <a:noFill/>
-                    </a:lnR>
-                    <a:lnT w="12700" cap="flat" cmpd="sng" algn="ctr">
-                      <a:solidFill>
-                        <a:schemeClr val="bg2"/>
-                      </a:solidFill>
-                      <a:prstDash val="solid"/>
-                      <a:round/>
-                      <a:headEnd type="none" w="med" len="med"/>
-                      <a:tailEnd type="none" w="med" len="med"/>
-                    </a:lnT>
-                    <a:lnB w="12700" cap="flat" cmpd="sng" algn="ctr">
-                      <a:solidFill>
-                        <a:schemeClr val="bg2"/>
-                      </a:solidFill>
-                      <a:prstDash val="solid"/>
-                      <a:round/>
-                      <a:headEnd type="none" w="med" len="med"/>
-                      <a:tailEnd type="none" w="med" len="med"/>
-                    </a:lnB>
-                    <a:lnTlToBr w="12700" cmpd="sng">
-                      <a:noFill/>
-                      <a:prstDash val="solid"/>
-                    </a:lnTlToBr>
-                    <a:lnBlToTr w="12700" cmpd="sng">
-                      <a:noFill/>
-                      <a:prstDash val="solid"/>
-                    </a:lnBlToTr>
-                    <a:noFill/>
-                  </a:tcPr>
-                </a:tc>
-                <a:tc>
-                  <a:txBody>
-                    <a:bodyPr/>
-                    <a:lstStyle/>
-                    <a:p>
-                      <a:pPr algn="ctr"/>
-                      <a:r>
-                        <a:rPr lang="en-US" sz="2200" b="1" dirty="0">
-                          <a:latin typeface="Source Sans Pro" panose="020B0503030403020204" pitchFamily="34" charset="0"/>
-                          <a:ea typeface="Source Sans Pro" panose="020B0503030403020204" pitchFamily="34" charset="0"/>
-                        </a:rPr>
-                        <a:t>53.332</a:t>
-                      </a:r>
-                    </a:p>
-                  </a:txBody>
-                  <a:tcPr>
-                    <a:lnL w="12700" cmpd="sng">
-                      <a:noFill/>
-                    </a:lnL>
-                    <a:lnR w="12700" cmpd="sng">
-                      <a:noFill/>
-                    </a:lnR>
-                    <a:lnT w="12700" cap="flat" cmpd="sng" algn="ctr">
-                      <a:solidFill>
-                        <a:schemeClr val="bg2"/>
-                      </a:solidFill>
-                      <a:prstDash val="solid"/>
-                      <a:round/>
-                      <a:headEnd type="none" w="med" len="med"/>
-                      <a:tailEnd type="none" w="med" len="med"/>
-                    </a:lnT>
-                    <a:lnB w="12700" cap="flat" cmpd="sng" algn="ctr">
-                      <a:solidFill>
-                        <a:schemeClr val="bg2"/>
-                      </a:solidFill>
-                      <a:prstDash val="solid"/>
-                      <a:round/>
-                      <a:headEnd type="none" w="med" len="med"/>
-                      <a:tailEnd type="none" w="med" len="med"/>
-                    </a:lnB>
-                    <a:lnTlToBr w="12700" cmpd="sng">
-                      <a:noFill/>
-                      <a:prstDash val="solid"/>
-                    </a:lnTlToBr>
-                    <a:lnBlToTr w="12700" cmpd="sng">
-                      <a:noFill/>
-                      <a:prstDash val="solid"/>
-                    </a:lnBlToTr>
-                    <a:noFill/>
-                  </a:tcPr>
-                </a:tc>
-                <a:tc>
-                  <a:txBody>
-                    <a:bodyPr/>
-                    <a:lstStyle/>
-                    <a:p>
-                      <a:pPr algn="ctr"/>
-                      <a:r>
-                        <a:rPr lang="en-US" sz="2200" b="0" dirty="0">
-                          <a:latin typeface="Source Sans Pro" panose="020B0503030403020204" pitchFamily="34" charset="0"/>
-                          <a:ea typeface="Source Sans Pro" panose="020B0503030403020204" pitchFamily="34" charset="0"/>
-                        </a:rPr>
-                        <a:t>0.579</a:t>
-                      </a:r>
-                    </a:p>
-                  </a:txBody>
-                  <a:tcPr>
-                    <a:lnL w="12700" cmpd="sng">
-                      <a:noFill/>
-                    </a:lnL>
-                    <a:lnR w="12700" cmpd="sng">
-                      <a:noFill/>
-                    </a:lnR>
-                    <a:lnT w="12700" cap="flat" cmpd="sng" algn="ctr">
-                      <a:solidFill>
-                        <a:schemeClr val="bg2"/>
-                      </a:solidFill>
-                      <a:prstDash val="solid"/>
-                      <a:round/>
-                      <a:headEnd type="none" w="med" len="med"/>
-                      <a:tailEnd type="none" w="med" len="med"/>
-                    </a:lnT>
-                    <a:lnB w="12700" cap="flat" cmpd="sng" algn="ctr">
-                      <a:solidFill>
-                        <a:schemeClr val="bg2"/>
-                      </a:solidFill>
-                      <a:prstDash val="solid"/>
-                      <a:round/>
-                      <a:headEnd type="none" w="med" len="med"/>
-                      <a:tailEnd type="none" w="med" len="med"/>
-                    </a:lnB>
-                    <a:lnTlToBr w="12700" cmpd="sng">
-                      <a:noFill/>
-                      <a:prstDash val="solid"/>
-                    </a:lnTlToBr>
-                    <a:lnBlToTr w="12700" cmpd="sng">
-                      <a:noFill/>
-                      <a:prstDash val="solid"/>
-                    </a:lnBlToTr>
-                    <a:noFill/>
-                  </a:tcPr>
-                </a:tc>
-                <a:tc>
-                  <a:txBody>
-                    <a:bodyPr/>
-                    <a:lstStyle/>
-                    <a:p>
-                      <a:pPr algn="ctr"/>
-                      <a:r>
-                        <a:rPr lang="en-US" sz="2200" dirty="0">
-                          <a:latin typeface="Source Sans Pro" panose="020B0503030403020204" pitchFamily="34" charset="0"/>
-                          <a:ea typeface="Source Sans Pro" panose="020B0503030403020204" pitchFamily="34" charset="0"/>
-                        </a:rPr>
-                        <a:t>43.157</a:t>
-                      </a:r>
-                    </a:p>
-                  </a:txBody>
-                  <a:tcPr>
-                    <a:lnL w="12700" cmpd="sng">
-                      <a:noFill/>
-                    </a:lnL>
-                    <a:lnR w="12700" cmpd="sng">
-                      <a:noFill/>
-                    </a:lnR>
-                    <a:lnT w="12700" cap="flat" cmpd="sng" algn="ctr">
-                      <a:solidFill>
-                        <a:schemeClr val="bg2"/>
-                      </a:solidFill>
-                      <a:prstDash val="solid"/>
-                      <a:round/>
-                      <a:headEnd type="none" w="med" len="med"/>
-                      <a:tailEnd type="none" w="med" len="med"/>
-                    </a:lnT>
-                    <a:lnB w="12700" cap="flat" cmpd="sng" algn="ctr">
-                      <a:solidFill>
-                        <a:schemeClr val="bg2"/>
-                      </a:solidFill>
-                      <a:prstDash val="solid"/>
-                      <a:round/>
-                      <a:headEnd type="none" w="med" len="med"/>
-                      <a:tailEnd type="none" w="med" len="med"/>
-                    </a:lnB>
-                    <a:lnTlToBr w="12700" cmpd="sng">
-                      <a:noFill/>
-                      <a:prstDash val="solid"/>
-                    </a:lnTlToBr>
-                    <a:lnBlToTr w="12700" cmpd="sng">
-                      <a:noFill/>
-                      <a:prstDash val="solid"/>
-                    </a:lnBlToTr>
-                    <a:noFill/>
-                  </a:tcPr>
-                </a:tc>
-                <a:tc>
-                  <a:txBody>
-                    <a:bodyPr/>
-                    <a:lstStyle/>
-                    <a:p>
-                      <a:pPr algn="ctr"/>
-                      <a:r>
-                        <a:rPr lang="en-US" sz="2200" dirty="0">
-                          <a:latin typeface="Source Sans Pro" panose="020B0503030403020204" pitchFamily="34" charset="0"/>
-                          <a:ea typeface="Source Sans Pro" panose="020B0503030403020204" pitchFamily="34" charset="0"/>
-                        </a:rPr>
-                        <a:t>1.999086</a:t>
-                      </a:r>
-                    </a:p>
-                  </a:txBody>
-                  <a:tcPr>
-                    <a:lnL w="12700" cmpd="sng">
-                      <a:noFill/>
-                    </a:lnL>
-                    <a:lnR w="12700" cmpd="sng">
-                      <a:noFill/>
-                    </a:lnR>
-                    <a:lnT w="12700" cap="flat" cmpd="sng" algn="ctr">
-                      <a:solidFill>
-                        <a:schemeClr val="bg2"/>
-                      </a:solidFill>
-                      <a:prstDash val="solid"/>
-                      <a:round/>
-                      <a:headEnd type="none" w="med" len="med"/>
-                      <a:tailEnd type="none" w="med" len="med"/>
-                    </a:lnT>
-                    <a:lnB w="12700" cap="flat" cmpd="sng" algn="ctr">
-                      <a:solidFill>
-                        <a:schemeClr val="bg2"/>
-                      </a:solidFill>
-                      <a:prstDash val="solid"/>
-                      <a:round/>
-                      <a:headEnd type="none" w="med" len="med"/>
-                      <a:tailEnd type="none" w="med" len="med"/>
-                    </a:lnB>
-                    <a:lnTlToBr w="12700" cmpd="sng">
-                      <a:noFill/>
-                      <a:prstDash val="solid"/>
-                    </a:lnTlToBr>
-                    <a:lnBlToTr w="12700" cmpd="sng">
-                      <a:noFill/>
-                      <a:prstDash val="solid"/>
-                    </a:lnBlToTr>
-                    <a:noFill/>
-                  </a:tcPr>
-                </a:tc>
-                <a:extLst>
-                  <a:ext uri="{0D108BD9-81ED-4DB2-BD59-A6C34878D82A}">
-                    <a16:rowId xmlns:a16="http://schemas.microsoft.com/office/drawing/2014/main" val="556456067"/>
-                  </a:ext>
-                </a:extLst>
-              </a:tr>
-              <a:tr h="398429">
-                <a:tc>
-                  <a:txBody>
-                    <a:bodyPr/>
-                    <a:lstStyle/>
-                    <a:p>
-                      <a:pPr marL="0" marR="0" lvl="0" indent="0" algn="l" defTabSz="2926080" rtl="0" eaLnBrk="1" fontAlgn="auto" latinLnBrk="0" hangingPunct="1">
-                        <a:lnSpc>
-                          <a:spcPct val="100000"/>
-                        </a:lnSpc>
-                        <a:spcBef>
-                          <a:spcPts val="0"/>
-                        </a:spcBef>
-                        <a:spcAft>
-                          <a:spcPts val="0"/>
-                        </a:spcAft>
-                        <a:buClrTx/>
-                        <a:buSzTx/>
-                        <a:buFontTx/>
-                        <a:buNone/>
-                        <a:tabLst/>
-                        <a:defRPr/>
-                      </a:pPr>
-                      <a:r>
-                        <a:rPr lang="en-US" sz="2200" dirty="0">
-                          <a:latin typeface="Source Sans Pro" panose="020B0503030403020204" pitchFamily="34" charset="0"/>
-                          <a:ea typeface="Source Sans Pro" panose="020B0503030403020204" pitchFamily="34" charset="0"/>
-                        </a:rPr>
-                        <a:t>IR with </a:t>
-                      </a:r>
-                      <a:r>
-                        <a:rPr lang="en-US" sz="2200" dirty="0" err="1">
-                          <a:latin typeface="Source Sans Pro" panose="020B0503030403020204" pitchFamily="34" charset="0"/>
-                          <a:ea typeface="Source Sans Pro" panose="020B0503030403020204" pitchFamily="34" charset="0"/>
-                        </a:rPr>
-                        <a:t>cGAN</a:t>
-                      </a:r>
-                      <a:r>
-                        <a:rPr lang="en-US" sz="2200" dirty="0">
-                          <a:latin typeface="Source Sans Pro" panose="020B0503030403020204" pitchFamily="34" charset="0"/>
-                          <a:ea typeface="Source Sans Pro" panose="020B0503030403020204" pitchFamily="34" charset="0"/>
-                        </a:rPr>
-                        <a:t>-Final Loss, generator 2</a:t>
-                      </a:r>
-                    </a:p>
-                  </a:txBody>
-                  <a:tcPr>
-                    <a:lnL w="12700" cmpd="sng">
-                      <a:noFill/>
-                    </a:lnL>
-                    <a:lnR w="12700" cap="flat" cmpd="sng" algn="ctr">
-                      <a:solidFill>
-                        <a:schemeClr val="tx1"/>
-                      </a:solidFill>
-                      <a:prstDash val="solid"/>
-                      <a:round/>
-                      <a:headEnd type="none" w="med" len="med"/>
-                      <a:tailEnd type="none" w="med" len="med"/>
-                    </a:lnR>
-                    <a:lnT w="12700" cap="flat" cmpd="sng" algn="ctr">
-                      <a:solidFill>
-                        <a:schemeClr val="bg2"/>
-                      </a:solidFill>
-                      <a:prstDash val="solid"/>
-                      <a:round/>
-                      <a:headEnd type="none" w="med" len="med"/>
-                      <a:tailEnd type="none" w="med" len="med"/>
-                    </a:lnT>
-                    <a:lnB w="12700" cap="flat" cmpd="sng" algn="ctr">
-                      <a:solidFill>
-                        <a:schemeClr val="bg2"/>
-                      </a:solidFill>
-                      <a:prstDash val="solid"/>
-                      <a:round/>
-                      <a:headEnd type="none" w="med" len="med"/>
-                      <a:tailEnd type="none" w="med" len="med"/>
-                    </a:lnB>
-                    <a:lnTlToBr w="12700" cmpd="sng">
-                      <a:noFill/>
-                      <a:prstDash val="solid"/>
-                    </a:lnTlToBr>
-                    <a:lnBlToTr w="12700" cmpd="sng">
-                      <a:noFill/>
-                      <a:prstDash val="solid"/>
-                    </a:lnBlToTr>
-                    <a:noFill/>
-                  </a:tcPr>
-                </a:tc>
-                <a:tc>
-                  <a:txBody>
-                    <a:bodyPr/>
-                    <a:lstStyle/>
-                    <a:p>
-                      <a:pPr algn="ctr"/>
-                      <a:r>
-                        <a:rPr lang="en-US" sz="2200" b="0" dirty="0">
-                          <a:latin typeface="Source Sans Pro" panose="020B0503030403020204" pitchFamily="34" charset="0"/>
-                          <a:ea typeface="Source Sans Pro" panose="020B0503030403020204" pitchFamily="34" charset="0"/>
-                        </a:rPr>
-                        <a:t>33.647</a:t>
-                      </a:r>
-                    </a:p>
-                  </a:txBody>
-                  <a:tcPr>
-                    <a:lnL w="12700" cap="flat" cmpd="sng" algn="ctr">
-                      <a:solidFill>
-                        <a:schemeClr val="tx1"/>
-                      </a:solidFill>
-                      <a:prstDash val="solid"/>
-                      <a:round/>
-                      <a:headEnd type="none" w="med" len="med"/>
-                      <a:tailEnd type="none" w="med" len="med"/>
-                    </a:lnL>
-                    <a:lnR w="12700" cmpd="sng">
-                      <a:noFill/>
-                    </a:lnR>
-                    <a:lnT w="12700" cap="flat" cmpd="sng" algn="ctr">
-                      <a:solidFill>
-                        <a:schemeClr val="bg2"/>
-                      </a:solidFill>
-                      <a:prstDash val="solid"/>
-                      <a:round/>
-                      <a:headEnd type="none" w="med" len="med"/>
-                      <a:tailEnd type="none" w="med" len="med"/>
-                    </a:lnT>
-                    <a:lnB w="12700" cap="flat" cmpd="sng" algn="ctr">
-                      <a:solidFill>
-                        <a:schemeClr val="bg2"/>
-                      </a:solidFill>
-                      <a:prstDash val="solid"/>
-                      <a:round/>
-                      <a:headEnd type="none" w="med" len="med"/>
-                      <a:tailEnd type="none" w="med" len="med"/>
-                    </a:lnB>
-                    <a:lnTlToBr w="12700" cmpd="sng">
-                      <a:noFill/>
-                      <a:prstDash val="solid"/>
-                    </a:lnTlToBr>
-                    <a:lnBlToTr w="12700" cmpd="sng">
-                      <a:noFill/>
-                      <a:prstDash val="solid"/>
-                    </a:lnBlToTr>
-                    <a:noFill/>
-                  </a:tcPr>
-                </a:tc>
-                <a:tc>
-                  <a:txBody>
-                    <a:bodyPr/>
-                    <a:lstStyle/>
-                    <a:p>
-                      <a:pPr algn="ctr"/>
-                      <a:r>
-                        <a:rPr lang="en-US" sz="2200" dirty="0">
-                          <a:latin typeface="Source Sans Pro" panose="020B0503030403020204" pitchFamily="34" charset="0"/>
-                          <a:ea typeface="Source Sans Pro" panose="020B0503030403020204" pitchFamily="34" charset="0"/>
-                        </a:rPr>
-                        <a:t>55.367</a:t>
-                      </a:r>
-                    </a:p>
-                  </a:txBody>
-                  <a:tcPr>
-                    <a:lnL w="12700" cmpd="sng">
-                      <a:noFill/>
-                    </a:lnL>
-                    <a:lnR w="12700" cmpd="sng">
-                      <a:noFill/>
-                    </a:lnR>
-                    <a:lnT w="12700" cap="flat" cmpd="sng" algn="ctr">
-                      <a:solidFill>
-                        <a:schemeClr val="bg2"/>
-                      </a:solidFill>
-                      <a:prstDash val="solid"/>
-                      <a:round/>
-                      <a:headEnd type="none" w="med" len="med"/>
-                      <a:tailEnd type="none" w="med" len="med"/>
-                    </a:lnT>
-                    <a:lnB w="12700" cap="flat" cmpd="sng" algn="ctr">
-                      <a:solidFill>
-                        <a:schemeClr val="bg2"/>
-                      </a:solidFill>
-                      <a:prstDash val="solid"/>
-                      <a:round/>
-                      <a:headEnd type="none" w="med" len="med"/>
-                      <a:tailEnd type="none" w="med" len="med"/>
-                    </a:lnB>
-                    <a:lnTlToBr w="12700" cmpd="sng">
-                      <a:noFill/>
-                      <a:prstDash val="solid"/>
-                    </a:lnTlToBr>
-                    <a:lnBlToTr w="12700" cmpd="sng">
-                      <a:noFill/>
-                      <a:prstDash val="solid"/>
-                    </a:lnBlToTr>
-                    <a:noFill/>
-                  </a:tcPr>
-                </a:tc>
-                <a:tc>
-                  <a:txBody>
-                    <a:bodyPr/>
-                    <a:lstStyle/>
-                    <a:p>
-                      <a:pPr algn="ctr"/>
-                      <a:r>
-                        <a:rPr lang="en-US" sz="2200" b="0" dirty="0">
-                          <a:latin typeface="Source Sans Pro" panose="020B0503030403020204" pitchFamily="34" charset="0"/>
-                          <a:ea typeface="Source Sans Pro" panose="020B0503030403020204" pitchFamily="34" charset="0"/>
-                        </a:rPr>
-                        <a:t>0.524</a:t>
-                      </a:r>
-                    </a:p>
-                  </a:txBody>
-                  <a:tcPr>
-                    <a:lnL w="12700" cmpd="sng">
-                      <a:noFill/>
-                    </a:lnL>
-                    <a:lnR w="12700" cmpd="sng">
-                      <a:noFill/>
-                    </a:lnR>
-                    <a:lnT w="12700" cap="flat" cmpd="sng" algn="ctr">
-                      <a:solidFill>
-                        <a:schemeClr val="bg2"/>
-                      </a:solidFill>
-                      <a:prstDash val="solid"/>
-                      <a:round/>
-                      <a:headEnd type="none" w="med" len="med"/>
-                      <a:tailEnd type="none" w="med" len="med"/>
-                    </a:lnT>
-                    <a:lnB w="12700" cap="flat" cmpd="sng" algn="ctr">
-                      <a:solidFill>
-                        <a:schemeClr val="bg2"/>
-                      </a:solidFill>
-                      <a:prstDash val="solid"/>
-                      <a:round/>
-                      <a:headEnd type="none" w="med" len="med"/>
-                      <a:tailEnd type="none" w="med" len="med"/>
-                    </a:lnB>
-                    <a:lnTlToBr w="12700" cmpd="sng">
-                      <a:noFill/>
-                      <a:prstDash val="solid"/>
-                    </a:lnTlToBr>
-                    <a:lnBlToTr w="12700" cmpd="sng">
-                      <a:noFill/>
-                      <a:prstDash val="solid"/>
-                    </a:lnBlToTr>
-                    <a:noFill/>
-                  </a:tcPr>
-                </a:tc>
-                <a:tc>
-                  <a:txBody>
-                    <a:bodyPr/>
-                    <a:lstStyle/>
-                    <a:p>
-                      <a:pPr algn="ctr"/>
-                      <a:r>
-                        <a:rPr lang="en-US" sz="2200" dirty="0">
-                          <a:latin typeface="Source Sans Pro" panose="020B0503030403020204" pitchFamily="34" charset="0"/>
-                          <a:ea typeface="Source Sans Pro" panose="020B0503030403020204" pitchFamily="34" charset="0"/>
-                        </a:rPr>
-                        <a:t>43.098</a:t>
-                      </a:r>
-                    </a:p>
-                  </a:txBody>
-                  <a:tcPr>
-                    <a:lnL w="12700" cmpd="sng">
-                      <a:noFill/>
-                    </a:lnL>
-                    <a:lnR w="12700" cmpd="sng">
-                      <a:noFill/>
-                    </a:lnR>
-                    <a:lnT w="12700" cap="flat" cmpd="sng" algn="ctr">
-                      <a:solidFill>
-                        <a:schemeClr val="bg2"/>
-                      </a:solidFill>
-                      <a:prstDash val="solid"/>
-                      <a:round/>
-                      <a:headEnd type="none" w="med" len="med"/>
-                      <a:tailEnd type="none" w="med" len="med"/>
-                    </a:lnT>
-                    <a:lnB w="12700" cap="flat" cmpd="sng" algn="ctr">
-                      <a:solidFill>
-                        <a:schemeClr val="bg2"/>
-                      </a:solidFill>
-                      <a:prstDash val="solid"/>
-                      <a:round/>
-                      <a:headEnd type="none" w="med" len="med"/>
-                      <a:tailEnd type="none" w="med" len="med"/>
-                    </a:lnB>
-                    <a:lnTlToBr w="12700" cmpd="sng">
-                      <a:noFill/>
-                      <a:prstDash val="solid"/>
-                    </a:lnTlToBr>
-                    <a:lnBlToTr w="12700" cmpd="sng">
-                      <a:noFill/>
-                      <a:prstDash val="solid"/>
-                    </a:lnBlToTr>
-                    <a:noFill/>
-                  </a:tcPr>
-                </a:tc>
-                <a:tc>
-                  <a:txBody>
-                    <a:bodyPr/>
-                    <a:lstStyle/>
-                    <a:p>
-                      <a:pPr algn="ctr"/>
-                      <a:r>
-                        <a:rPr lang="en-US" sz="2200" dirty="0">
-                          <a:latin typeface="Source Sans Pro" panose="020B0503030403020204" pitchFamily="34" charset="0"/>
-                          <a:ea typeface="Source Sans Pro" panose="020B0503030403020204" pitchFamily="34" charset="0"/>
-                        </a:rPr>
-                        <a:t>1.999075</a:t>
-                      </a:r>
-                    </a:p>
-                  </a:txBody>
-                  <a:tcPr>
-                    <a:lnL w="12700" cmpd="sng">
-                      <a:noFill/>
-                    </a:lnL>
-                    <a:lnR w="12700" cmpd="sng">
-                      <a:noFill/>
-                    </a:lnR>
-                    <a:lnT w="12700" cap="flat" cmpd="sng" algn="ctr">
-                      <a:solidFill>
-                        <a:schemeClr val="bg2"/>
-                      </a:solidFill>
-                      <a:prstDash val="solid"/>
-                      <a:round/>
-                      <a:headEnd type="none" w="med" len="med"/>
-                      <a:tailEnd type="none" w="med" len="med"/>
-                    </a:lnT>
-                    <a:lnB w="12700" cap="flat" cmpd="sng" algn="ctr">
-                      <a:solidFill>
-                        <a:schemeClr val="bg2"/>
-                      </a:solidFill>
-                      <a:prstDash val="solid"/>
-                      <a:round/>
-                      <a:headEnd type="none" w="med" len="med"/>
-                      <a:tailEnd type="none" w="med" len="med"/>
-                    </a:lnB>
-                    <a:lnTlToBr w="12700" cmpd="sng">
-                      <a:noFill/>
-                      <a:prstDash val="solid"/>
-                    </a:lnTlToBr>
-                    <a:lnBlToTr w="12700" cmpd="sng">
-                      <a:noFill/>
-                      <a:prstDash val="solid"/>
-                    </a:lnBlToTr>
-                    <a:noFill/>
-                  </a:tcPr>
-                </a:tc>
-                <a:extLst>
-                  <a:ext uri="{0D108BD9-81ED-4DB2-BD59-A6C34878D82A}">
-                    <a16:rowId xmlns:a16="http://schemas.microsoft.com/office/drawing/2014/main" val="2346398241"/>
-                  </a:ext>
-                </a:extLst>
-              </a:tr>
-              <a:tr h="398429">
-                <a:tc>
-                  <a:txBody>
-                    <a:bodyPr/>
-                    <a:lstStyle/>
-                    <a:p>
-                      <a:r>
-                        <a:rPr lang="en-US" sz="2200" dirty="0">
-                          <a:latin typeface="Source Sans Pro" panose="020B0503030403020204" pitchFamily="34" charset="0"/>
-                          <a:ea typeface="Source Sans Pro" panose="020B0503030403020204" pitchFamily="34" charset="0"/>
-                        </a:rPr>
-                        <a:t>Grayscale IR w/</a:t>
-                      </a:r>
-                      <a:r>
-                        <a:rPr lang="en-US" sz="2200" dirty="0" err="1">
-                          <a:latin typeface="Source Sans Pro" panose="020B0503030403020204" pitchFamily="34" charset="0"/>
-                          <a:ea typeface="Source Sans Pro" panose="020B0503030403020204" pitchFamily="34" charset="0"/>
-                        </a:rPr>
-                        <a:t>cGAN</a:t>
-                      </a:r>
-                      <a:r>
-                        <a:rPr lang="en-US" sz="2200" dirty="0">
-                          <a:latin typeface="Source Sans Pro" panose="020B0503030403020204" pitchFamily="34" charset="0"/>
-                          <a:ea typeface="Source Sans Pro" panose="020B0503030403020204" pitchFamily="34" charset="0"/>
-                        </a:rPr>
-                        <a:t>-Final Loss, generator 2</a:t>
-                      </a:r>
-                    </a:p>
-                  </a:txBody>
-                  <a:tcPr>
-                    <a:lnL w="12700" cmpd="sng">
-                      <a:noFill/>
-                    </a:lnL>
-                    <a:lnR w="12700" cap="flat" cmpd="sng" algn="ctr">
-                      <a:solidFill>
-                        <a:schemeClr val="tx1"/>
-                      </a:solidFill>
-                      <a:prstDash val="solid"/>
-                      <a:round/>
-                      <a:headEnd type="none" w="med" len="med"/>
-                      <a:tailEnd type="none" w="med" len="med"/>
-                    </a:lnR>
-                    <a:lnT w="12700" cap="flat" cmpd="sng" algn="ctr">
-                      <a:solidFill>
-                        <a:schemeClr val="bg2"/>
-                      </a:solidFill>
-                      <a:prstDash val="solid"/>
-                      <a:round/>
-                      <a:headEnd type="none" w="med" len="med"/>
-                      <a:tailEnd type="none" w="med" len="med"/>
-                    </a:lnT>
-                    <a:lnB w="12700" cap="flat" cmpd="sng" algn="ctr">
-                      <a:solidFill>
-                        <a:schemeClr val="bg2"/>
-                      </a:solidFill>
-                      <a:prstDash val="solid"/>
-                      <a:round/>
-                      <a:headEnd type="none" w="med" len="med"/>
-                      <a:tailEnd type="none" w="med" len="med"/>
-                    </a:lnB>
-                    <a:lnTlToBr w="12700" cmpd="sng">
-                      <a:noFill/>
-                      <a:prstDash val="solid"/>
-                    </a:lnTlToBr>
-                    <a:lnBlToTr w="12700" cmpd="sng">
-                      <a:noFill/>
-                      <a:prstDash val="solid"/>
-                    </a:lnBlToTr>
-                    <a:noFill/>
-                  </a:tcPr>
-                </a:tc>
-                <a:tc>
-                  <a:txBody>
-                    <a:bodyPr/>
-                    <a:lstStyle/>
-                    <a:p>
-                      <a:pPr algn="ctr"/>
-                      <a:r>
-                        <a:rPr lang="en-US" sz="2200" dirty="0">
-                          <a:latin typeface="Source Sans Pro" panose="020B0503030403020204" pitchFamily="34" charset="0"/>
-                          <a:ea typeface="Source Sans Pro" panose="020B0503030403020204" pitchFamily="34" charset="0"/>
-                        </a:rPr>
-                        <a:t>33.409</a:t>
-                      </a:r>
-                    </a:p>
-                  </a:txBody>
-                  <a:tcPr>
-                    <a:lnL w="12700" cap="flat" cmpd="sng" algn="ctr">
-                      <a:solidFill>
-                        <a:schemeClr val="tx1"/>
-                      </a:solidFill>
-                      <a:prstDash val="solid"/>
-                      <a:round/>
-                      <a:headEnd type="none" w="med" len="med"/>
-                      <a:tailEnd type="none" w="med" len="med"/>
-                    </a:lnL>
-                    <a:lnR w="12700" cmpd="sng">
-                      <a:noFill/>
-                    </a:lnR>
-                    <a:lnT w="12700" cap="flat" cmpd="sng" algn="ctr">
-                      <a:solidFill>
-                        <a:schemeClr val="bg2"/>
-                      </a:solidFill>
-                      <a:prstDash val="solid"/>
-                      <a:round/>
-                      <a:headEnd type="none" w="med" len="med"/>
-                      <a:tailEnd type="none" w="med" len="med"/>
-                    </a:lnT>
-                    <a:lnB w="12700" cap="flat" cmpd="sng" algn="ctr">
-                      <a:solidFill>
-                        <a:schemeClr val="bg2"/>
-                      </a:solidFill>
-                      <a:prstDash val="solid"/>
-                      <a:round/>
-                      <a:headEnd type="none" w="med" len="med"/>
-                      <a:tailEnd type="none" w="med" len="med"/>
-                    </a:lnB>
-                    <a:lnTlToBr w="12700" cmpd="sng">
-                      <a:noFill/>
-                      <a:prstDash val="solid"/>
-                    </a:lnTlToBr>
-                    <a:lnBlToTr w="12700" cmpd="sng">
-                      <a:noFill/>
-                      <a:prstDash val="solid"/>
-                    </a:lnBlToTr>
-                    <a:noFill/>
-                  </a:tcPr>
-                </a:tc>
-                <a:tc>
-                  <a:txBody>
-                    <a:bodyPr/>
-                    <a:lstStyle/>
-                    <a:p>
-                      <a:pPr algn="ctr"/>
-                      <a:r>
-                        <a:rPr lang="en-US" sz="2200" dirty="0">
-                          <a:latin typeface="Source Sans Pro" panose="020B0503030403020204" pitchFamily="34" charset="0"/>
-                          <a:ea typeface="Source Sans Pro" panose="020B0503030403020204" pitchFamily="34" charset="0"/>
-                        </a:rPr>
-                        <a:t>55.135</a:t>
-                      </a:r>
-                    </a:p>
-                  </a:txBody>
-                  <a:tcPr>
-                    <a:lnL w="12700" cmpd="sng">
-                      <a:noFill/>
-                    </a:lnL>
-                    <a:lnR w="12700" cmpd="sng">
-                      <a:noFill/>
-                    </a:lnR>
-                    <a:lnT w="12700" cap="flat" cmpd="sng" algn="ctr">
-                      <a:solidFill>
-                        <a:schemeClr val="bg2"/>
-                      </a:solidFill>
-                      <a:prstDash val="solid"/>
-                      <a:round/>
-                      <a:headEnd type="none" w="med" len="med"/>
-                      <a:tailEnd type="none" w="med" len="med"/>
-                    </a:lnT>
-                    <a:lnB w="12700" cap="flat" cmpd="sng" algn="ctr">
-                      <a:solidFill>
-                        <a:schemeClr val="bg2"/>
-                      </a:solidFill>
-                      <a:prstDash val="solid"/>
-                      <a:round/>
-                      <a:headEnd type="none" w="med" len="med"/>
-                      <a:tailEnd type="none" w="med" len="med"/>
-                    </a:lnB>
-                    <a:lnTlToBr w="12700" cmpd="sng">
-                      <a:noFill/>
-                      <a:prstDash val="solid"/>
-                    </a:lnTlToBr>
-                    <a:lnBlToTr w="12700" cmpd="sng">
-                      <a:noFill/>
-                      <a:prstDash val="solid"/>
-                    </a:lnBlToTr>
-                    <a:noFill/>
-                  </a:tcPr>
-                </a:tc>
-                <a:tc>
-                  <a:txBody>
-                    <a:bodyPr/>
-                    <a:lstStyle/>
-                    <a:p>
-                      <a:pPr algn="ctr"/>
-                      <a:r>
-                        <a:rPr lang="en-US" sz="2200" dirty="0">
-                          <a:latin typeface="Source Sans Pro" panose="020B0503030403020204" pitchFamily="34" charset="0"/>
-                          <a:ea typeface="Source Sans Pro" panose="020B0503030403020204" pitchFamily="34" charset="0"/>
-                        </a:rPr>
-                        <a:t>0.526</a:t>
-                      </a:r>
-                    </a:p>
-                  </a:txBody>
-                  <a:tcPr>
-                    <a:lnL w="12700" cmpd="sng">
-                      <a:noFill/>
-                    </a:lnL>
-                    <a:lnR w="12700" cmpd="sng">
-                      <a:noFill/>
-                    </a:lnR>
-                    <a:lnT w="12700" cap="flat" cmpd="sng" algn="ctr">
-                      <a:solidFill>
-                        <a:schemeClr val="bg2"/>
-                      </a:solidFill>
-                      <a:prstDash val="solid"/>
-                      <a:round/>
-                      <a:headEnd type="none" w="med" len="med"/>
-                      <a:tailEnd type="none" w="med" len="med"/>
-                    </a:lnT>
-                    <a:lnB w="12700" cap="flat" cmpd="sng" algn="ctr">
-                      <a:solidFill>
-                        <a:schemeClr val="bg2"/>
-                      </a:solidFill>
-                      <a:prstDash val="solid"/>
-                      <a:round/>
-                      <a:headEnd type="none" w="med" len="med"/>
-                      <a:tailEnd type="none" w="med" len="med"/>
-                    </a:lnB>
-                    <a:lnTlToBr w="12700" cmpd="sng">
-                      <a:noFill/>
-                      <a:prstDash val="solid"/>
-                    </a:lnTlToBr>
-                    <a:lnBlToTr w="12700" cmpd="sng">
-                      <a:noFill/>
-                      <a:prstDash val="solid"/>
-                    </a:lnBlToTr>
-                    <a:noFill/>
-                  </a:tcPr>
-                </a:tc>
-                <a:tc>
-                  <a:txBody>
-                    <a:bodyPr/>
-                    <a:lstStyle/>
-                    <a:p>
-                      <a:pPr algn="ctr"/>
-                      <a:r>
-                        <a:rPr lang="en-US" sz="2200" b="1" dirty="0">
-                          <a:latin typeface="Source Sans Pro" panose="020B0503030403020204" pitchFamily="34" charset="0"/>
-                          <a:ea typeface="Source Sans Pro" panose="020B0503030403020204" pitchFamily="34" charset="0"/>
-                        </a:rPr>
-                        <a:t>43.088</a:t>
-                      </a:r>
-                    </a:p>
-                  </a:txBody>
-                  <a:tcPr>
-                    <a:lnL w="12700" cmpd="sng">
-                      <a:noFill/>
-                    </a:lnL>
-                    <a:lnR w="12700" cmpd="sng">
-                      <a:noFill/>
-                    </a:lnR>
-                    <a:lnT w="12700" cap="flat" cmpd="sng" algn="ctr">
-                      <a:solidFill>
-                        <a:schemeClr val="bg2"/>
-                      </a:solidFill>
-                      <a:prstDash val="solid"/>
-                      <a:round/>
-                      <a:headEnd type="none" w="med" len="med"/>
-                      <a:tailEnd type="none" w="med" len="med"/>
-                    </a:lnT>
-                    <a:lnB w="12700" cap="flat" cmpd="sng" algn="ctr">
-                      <a:solidFill>
-                        <a:schemeClr val="bg2"/>
-                      </a:solidFill>
-                      <a:prstDash val="solid"/>
-                      <a:round/>
-                      <a:headEnd type="none" w="med" len="med"/>
-                      <a:tailEnd type="none" w="med" len="med"/>
-                    </a:lnB>
-                    <a:lnTlToBr w="12700" cmpd="sng">
-                      <a:noFill/>
-                      <a:prstDash val="solid"/>
-                    </a:lnTlToBr>
-                    <a:lnBlToTr w="12700" cmpd="sng">
-                      <a:noFill/>
-                      <a:prstDash val="solid"/>
-                    </a:lnBlToTr>
-                    <a:noFill/>
-                  </a:tcPr>
-                </a:tc>
-                <a:tc>
-                  <a:txBody>
-                    <a:bodyPr/>
-                    <a:lstStyle/>
-                    <a:p>
-                      <a:pPr algn="ctr"/>
-                      <a:r>
-                        <a:rPr lang="en-US" sz="2200" b="1" dirty="0">
-                          <a:latin typeface="Source Sans Pro" panose="020B0503030403020204" pitchFamily="34" charset="0"/>
-                          <a:ea typeface="Source Sans Pro" panose="020B0503030403020204" pitchFamily="34" charset="0"/>
-                        </a:rPr>
-                        <a:t>1.999072</a:t>
-                      </a:r>
-                    </a:p>
-                  </a:txBody>
-                  <a:tcPr>
-                    <a:lnL w="12700" cmpd="sng">
-                      <a:noFill/>
-                    </a:lnL>
-                    <a:lnR w="12700" cmpd="sng">
-                      <a:noFill/>
-                    </a:lnR>
-                    <a:lnT w="12700" cap="flat" cmpd="sng" algn="ctr">
-                      <a:solidFill>
-                        <a:schemeClr val="bg2"/>
-                      </a:solidFill>
-                      <a:prstDash val="solid"/>
-                      <a:round/>
-                      <a:headEnd type="none" w="med" len="med"/>
-                      <a:tailEnd type="none" w="med" len="med"/>
-                    </a:lnT>
-                    <a:lnB w="12700" cap="flat" cmpd="sng" algn="ctr">
-                      <a:solidFill>
-                        <a:schemeClr val="bg2"/>
-                      </a:solidFill>
-                      <a:prstDash val="solid"/>
-                      <a:round/>
-                      <a:headEnd type="none" w="med" len="med"/>
-                      <a:tailEnd type="none" w="med" len="med"/>
-                    </a:lnB>
-                    <a:lnTlToBr w="12700" cmpd="sng">
-                      <a:noFill/>
-                      <a:prstDash val="solid"/>
-                    </a:lnTlToBr>
-                    <a:lnBlToTr w="12700" cmpd="sng">
-                      <a:noFill/>
-                      <a:prstDash val="solid"/>
-                    </a:lnBlToTr>
-                    <a:noFill/>
-                  </a:tcPr>
-                </a:tc>
-                <a:extLst>
-                  <a:ext uri="{0D108BD9-81ED-4DB2-BD59-A6C34878D82A}">
-                    <a16:rowId xmlns:a16="http://schemas.microsoft.com/office/drawing/2014/main" val="2475784894"/>
-                  </a:ext>
-                </a:extLst>
-              </a:tr>
-              <a:tr h="398429">
-                <a:tc>
-                  <a:txBody>
-                    <a:bodyPr/>
-                    <a:lstStyle/>
-                    <a:p>
-                      <a:pPr marL="0" marR="0" lvl="0" indent="0" algn="l" defTabSz="2926080" rtl="0" eaLnBrk="1" fontAlgn="auto" latinLnBrk="0" hangingPunct="1">
-                        <a:lnSpc>
-                          <a:spcPct val="100000"/>
-                        </a:lnSpc>
-                        <a:spcBef>
-                          <a:spcPts val="0"/>
-                        </a:spcBef>
-                        <a:spcAft>
-                          <a:spcPts val="0"/>
-                        </a:spcAft>
-                        <a:buClrTx/>
-                        <a:buSzTx/>
-                        <a:buFontTx/>
-                        <a:buNone/>
-                        <a:tabLst/>
-                        <a:defRPr/>
-                      </a:pPr>
-                      <a:r>
-                        <a:rPr lang="en-US" sz="2200" dirty="0">
-                          <a:latin typeface="Source Sans Pro" panose="020B0503030403020204" pitchFamily="34" charset="0"/>
-                          <a:ea typeface="Source Sans Pro" panose="020B0503030403020204" pitchFamily="34" charset="0"/>
-                        </a:rPr>
-                        <a:t>IR with </a:t>
-                      </a:r>
-                      <a:r>
-                        <a:rPr lang="en-US" sz="2200" dirty="0" err="1">
-                          <a:latin typeface="Source Sans Pro" panose="020B0503030403020204" pitchFamily="34" charset="0"/>
-                          <a:ea typeface="Source Sans Pro" panose="020B0503030403020204" pitchFamily="34" charset="0"/>
-                        </a:rPr>
-                        <a:t>cGAN</a:t>
-                      </a:r>
-                      <a:r>
-                        <a:rPr lang="en-US" sz="2200" dirty="0">
-                          <a:latin typeface="Source Sans Pro" panose="020B0503030403020204" pitchFamily="34" charset="0"/>
-                          <a:ea typeface="Source Sans Pro" panose="020B0503030403020204" pitchFamily="34" charset="0"/>
-                        </a:rPr>
-                        <a:t>-Initial Loss, generator 2</a:t>
-                      </a:r>
-                    </a:p>
-                  </a:txBody>
-                  <a:tcPr>
-                    <a:lnL w="12700" cmpd="sng">
-                      <a:noFill/>
-                    </a:lnL>
-                    <a:lnR w="12700" cap="flat" cmpd="sng" algn="ctr">
-                      <a:solidFill>
-                        <a:schemeClr val="tx1"/>
-                      </a:solidFill>
-                      <a:prstDash val="solid"/>
-                      <a:round/>
-                      <a:headEnd type="none" w="med" len="med"/>
-                      <a:tailEnd type="none" w="med" len="med"/>
-                    </a:lnR>
-                    <a:lnT w="12700" cap="flat" cmpd="sng" algn="ctr">
-                      <a:solidFill>
-                        <a:schemeClr val="bg2"/>
-                      </a:solidFill>
-                      <a:prstDash val="solid"/>
-                      <a:round/>
-                      <a:headEnd type="none" w="med" len="med"/>
-                      <a:tailEnd type="none" w="med" len="med"/>
-                    </a:lnT>
-                    <a:lnB w="12700" cap="flat" cmpd="sng" algn="ctr">
-                      <a:solidFill>
-                        <a:schemeClr val="bg2"/>
-                      </a:solidFill>
-                      <a:prstDash val="solid"/>
-                      <a:round/>
-                      <a:headEnd type="none" w="med" len="med"/>
-                      <a:tailEnd type="none" w="med" len="med"/>
-                    </a:lnB>
-                    <a:lnTlToBr w="12700" cmpd="sng">
-                      <a:noFill/>
-                      <a:prstDash val="solid"/>
-                    </a:lnTlToBr>
-                    <a:lnBlToTr w="12700" cmpd="sng">
-                      <a:noFill/>
-                      <a:prstDash val="solid"/>
-                    </a:lnBlToTr>
-                    <a:noFill/>
-                  </a:tcPr>
-                </a:tc>
-                <a:tc>
-                  <a:txBody>
-                    <a:bodyPr/>
-                    <a:lstStyle/>
-                    <a:p>
-                      <a:pPr algn="ctr"/>
-                      <a:r>
-                        <a:rPr lang="en-US" sz="2200" b="1" dirty="0">
-                          <a:latin typeface="Source Sans Pro" panose="020B0503030403020204" pitchFamily="34" charset="0"/>
-                          <a:ea typeface="Source Sans Pro" panose="020B0503030403020204" pitchFamily="34" charset="0"/>
-                        </a:rPr>
-                        <a:t>32.273</a:t>
-                      </a:r>
-                    </a:p>
-                  </a:txBody>
-                  <a:tcPr>
-                    <a:lnL w="12700" cap="flat" cmpd="sng" algn="ctr">
-                      <a:solidFill>
-                        <a:schemeClr val="tx1"/>
-                      </a:solidFill>
-                      <a:prstDash val="solid"/>
-                      <a:round/>
-                      <a:headEnd type="none" w="med" len="med"/>
-                      <a:tailEnd type="none" w="med" len="med"/>
-                    </a:lnL>
-                    <a:lnR w="12700" cmpd="sng">
-                      <a:noFill/>
-                    </a:lnR>
-                    <a:lnT w="12700" cap="flat" cmpd="sng" algn="ctr">
-                      <a:solidFill>
-                        <a:schemeClr val="bg2"/>
-                      </a:solidFill>
-                      <a:prstDash val="solid"/>
-                      <a:round/>
-                      <a:headEnd type="none" w="med" len="med"/>
-                      <a:tailEnd type="none" w="med" len="med"/>
-                    </a:lnT>
-                    <a:lnB w="12700" cap="flat" cmpd="sng" algn="ctr">
-                      <a:solidFill>
-                        <a:schemeClr val="bg2"/>
-                      </a:solidFill>
-                      <a:prstDash val="solid"/>
-                      <a:round/>
-                      <a:headEnd type="none" w="med" len="med"/>
-                      <a:tailEnd type="none" w="med" len="med"/>
-                    </a:lnB>
-                    <a:lnTlToBr w="12700" cmpd="sng">
-                      <a:noFill/>
-                      <a:prstDash val="solid"/>
-                    </a:lnTlToBr>
-                    <a:lnBlToTr w="12700" cmpd="sng">
-                      <a:noFill/>
-                      <a:prstDash val="solid"/>
-                    </a:lnBlToTr>
-                    <a:noFill/>
-                  </a:tcPr>
-                </a:tc>
-                <a:tc>
-                  <a:txBody>
-                    <a:bodyPr/>
-                    <a:lstStyle/>
-                    <a:p>
-                      <a:pPr algn="ctr"/>
-                      <a:r>
-                        <a:rPr lang="en-US" sz="2200" dirty="0">
-                          <a:latin typeface="Source Sans Pro" panose="020B0503030403020204" pitchFamily="34" charset="0"/>
-                          <a:ea typeface="Source Sans Pro" panose="020B0503030403020204" pitchFamily="34" charset="0"/>
-                        </a:rPr>
-                        <a:t>53.794</a:t>
-                      </a:r>
-                    </a:p>
-                  </a:txBody>
-                  <a:tcPr>
-                    <a:lnL w="12700" cmpd="sng">
-                      <a:noFill/>
-                    </a:lnL>
-                    <a:lnR w="12700" cmpd="sng">
-                      <a:noFill/>
-                    </a:lnR>
-                    <a:lnT w="12700" cap="flat" cmpd="sng" algn="ctr">
-                      <a:solidFill>
-                        <a:schemeClr val="bg2"/>
-                      </a:solidFill>
-                      <a:prstDash val="solid"/>
-                      <a:round/>
-                      <a:headEnd type="none" w="med" len="med"/>
-                      <a:tailEnd type="none" w="med" len="med"/>
-                    </a:lnT>
-                    <a:lnB w="12700" cap="flat" cmpd="sng" algn="ctr">
-                      <a:solidFill>
-                        <a:schemeClr val="bg2"/>
-                      </a:solidFill>
-                      <a:prstDash val="solid"/>
-                      <a:round/>
-                      <a:headEnd type="none" w="med" len="med"/>
-                      <a:tailEnd type="none" w="med" len="med"/>
-                    </a:lnB>
-                    <a:lnTlToBr w="12700" cmpd="sng">
-                      <a:noFill/>
-                      <a:prstDash val="solid"/>
-                    </a:lnTlToBr>
-                    <a:lnBlToTr w="12700" cmpd="sng">
-                      <a:noFill/>
-                      <a:prstDash val="solid"/>
-                    </a:lnBlToTr>
-                    <a:noFill/>
-                  </a:tcPr>
-                </a:tc>
-                <a:tc>
-                  <a:txBody>
-                    <a:bodyPr/>
-                    <a:lstStyle/>
-                    <a:p>
-                      <a:pPr algn="ctr"/>
-                      <a:r>
-                        <a:rPr lang="en-US" sz="2200" b="1" dirty="0">
-                          <a:latin typeface="Source Sans Pro" panose="020B0503030403020204" pitchFamily="34" charset="0"/>
-                          <a:ea typeface="Source Sans Pro" panose="020B0503030403020204" pitchFamily="34" charset="0"/>
-                        </a:rPr>
-                        <a:t>0.608</a:t>
-                      </a:r>
-                    </a:p>
-                  </a:txBody>
-                  <a:tcPr>
-                    <a:lnL w="12700" cmpd="sng">
-                      <a:noFill/>
-                    </a:lnL>
-                    <a:lnR w="12700" cmpd="sng">
-                      <a:noFill/>
-                    </a:lnR>
-                    <a:lnT w="12700" cap="flat" cmpd="sng" algn="ctr">
-                      <a:solidFill>
-                        <a:schemeClr val="bg2"/>
-                      </a:solidFill>
-                      <a:prstDash val="solid"/>
-                      <a:round/>
-                      <a:headEnd type="none" w="med" len="med"/>
-                      <a:tailEnd type="none" w="med" len="med"/>
-                    </a:lnT>
-                    <a:lnB w="12700" cap="flat" cmpd="sng" algn="ctr">
-                      <a:solidFill>
-                        <a:schemeClr val="bg2"/>
-                      </a:solidFill>
-                      <a:prstDash val="solid"/>
-                      <a:round/>
-                      <a:headEnd type="none" w="med" len="med"/>
-                      <a:tailEnd type="none" w="med" len="med"/>
-                    </a:lnB>
-                    <a:lnTlToBr w="12700" cmpd="sng">
-                      <a:noFill/>
-                      <a:prstDash val="solid"/>
-                    </a:lnTlToBr>
-                    <a:lnBlToTr w="12700" cmpd="sng">
-                      <a:noFill/>
-                      <a:prstDash val="solid"/>
-                    </a:lnBlToTr>
-                    <a:noFill/>
-                  </a:tcPr>
-                </a:tc>
-                <a:tc>
-                  <a:txBody>
-                    <a:bodyPr/>
-                    <a:lstStyle/>
-                    <a:p>
-                      <a:pPr algn="ctr"/>
-                      <a:r>
-                        <a:rPr lang="en-US" sz="2200" dirty="0">
-                          <a:latin typeface="Source Sans Pro" panose="020B0503030403020204" pitchFamily="34" charset="0"/>
-                          <a:ea typeface="Source Sans Pro" panose="020B0503030403020204" pitchFamily="34" charset="0"/>
-                        </a:rPr>
-                        <a:t>43.220</a:t>
-                      </a:r>
-                    </a:p>
-                  </a:txBody>
-                  <a:tcPr>
-                    <a:lnL w="12700" cmpd="sng">
-                      <a:noFill/>
-                    </a:lnL>
-                    <a:lnR w="12700" cmpd="sng">
-                      <a:noFill/>
-                    </a:lnR>
-                    <a:lnT w="12700" cap="flat" cmpd="sng" algn="ctr">
-                      <a:solidFill>
-                        <a:schemeClr val="bg2"/>
-                      </a:solidFill>
-                      <a:prstDash val="solid"/>
-                      <a:round/>
-                      <a:headEnd type="none" w="med" len="med"/>
-                      <a:tailEnd type="none" w="med" len="med"/>
-                    </a:lnT>
-                    <a:lnB w="12700" cap="flat" cmpd="sng" algn="ctr">
-                      <a:solidFill>
-                        <a:schemeClr val="bg2"/>
-                      </a:solidFill>
-                      <a:prstDash val="solid"/>
-                      <a:round/>
-                      <a:headEnd type="none" w="med" len="med"/>
-                      <a:tailEnd type="none" w="med" len="med"/>
-                    </a:lnB>
-                    <a:lnTlToBr w="12700" cmpd="sng">
-                      <a:noFill/>
-                      <a:prstDash val="solid"/>
-                    </a:lnTlToBr>
-                    <a:lnBlToTr w="12700" cmpd="sng">
-                      <a:noFill/>
-                      <a:prstDash val="solid"/>
-                    </a:lnBlToTr>
-                    <a:noFill/>
-                  </a:tcPr>
-                </a:tc>
-                <a:tc>
-                  <a:txBody>
-                    <a:bodyPr/>
-                    <a:lstStyle/>
-                    <a:p>
-                      <a:pPr algn="ctr"/>
-                      <a:r>
-                        <a:rPr lang="en-US" sz="2200" dirty="0">
-                          <a:latin typeface="Source Sans Pro" panose="020B0503030403020204" pitchFamily="34" charset="0"/>
-                          <a:ea typeface="Source Sans Pro" panose="020B0503030403020204" pitchFamily="34" charset="0"/>
-                        </a:rPr>
-                        <a:t>1.999104</a:t>
-                      </a:r>
-                    </a:p>
-                  </a:txBody>
-                  <a:tcPr>
-                    <a:lnL w="12700" cmpd="sng">
-                      <a:noFill/>
-                    </a:lnL>
-                    <a:lnR w="12700" cmpd="sng">
-                      <a:noFill/>
-                    </a:lnR>
-                    <a:lnT w="12700" cap="flat" cmpd="sng" algn="ctr">
-                      <a:solidFill>
-                        <a:schemeClr val="bg2"/>
-                      </a:solidFill>
-                      <a:prstDash val="solid"/>
-                      <a:round/>
-                      <a:headEnd type="none" w="med" len="med"/>
-                      <a:tailEnd type="none" w="med" len="med"/>
-                    </a:lnT>
-                    <a:lnB w="12700" cap="flat" cmpd="sng" algn="ctr">
-                      <a:solidFill>
-                        <a:schemeClr val="bg2"/>
-                      </a:solidFill>
-                      <a:prstDash val="solid"/>
-                      <a:round/>
-                      <a:headEnd type="none" w="med" len="med"/>
-                      <a:tailEnd type="none" w="med" len="med"/>
-                    </a:lnB>
-                    <a:lnTlToBr w="12700" cmpd="sng">
-                      <a:noFill/>
-                      <a:prstDash val="solid"/>
-                    </a:lnTlToBr>
-                    <a:lnBlToTr w="12700" cmpd="sng">
-                      <a:noFill/>
-                      <a:prstDash val="solid"/>
-                    </a:lnBlToTr>
-                    <a:noFill/>
-                  </a:tcPr>
-                </a:tc>
-                <a:extLst>
-                  <a:ext uri="{0D108BD9-81ED-4DB2-BD59-A6C34878D82A}">
-                    <a16:rowId xmlns:a16="http://schemas.microsoft.com/office/drawing/2014/main" val="1167482174"/>
-                  </a:ext>
-                </a:extLst>
-              </a:tr>
-              <a:tr h="398429">
-                <a:tc>
-                  <a:txBody>
-                    <a:bodyPr/>
-                    <a:lstStyle/>
-                    <a:p>
-                      <a:pPr marL="0" marR="0" lvl="0" indent="0" algn="l" defTabSz="2926080" rtl="0" eaLnBrk="1" fontAlgn="auto" latinLnBrk="0" hangingPunct="1">
-                        <a:lnSpc>
-                          <a:spcPct val="100000"/>
-                        </a:lnSpc>
-                        <a:spcBef>
-                          <a:spcPts val="0"/>
-                        </a:spcBef>
-                        <a:spcAft>
-                          <a:spcPts val="0"/>
-                        </a:spcAft>
-                        <a:buClrTx/>
-                        <a:buSzTx/>
-                        <a:buFontTx/>
-                        <a:buNone/>
-                        <a:tabLst/>
-                        <a:defRPr/>
-                      </a:pPr>
-                      <a:r>
-                        <a:rPr lang="en-US" sz="2200" dirty="0">
-                          <a:latin typeface="Source Sans Pro" panose="020B0503030403020204" pitchFamily="34" charset="0"/>
-                          <a:ea typeface="Source Sans Pro" panose="020B0503030403020204" pitchFamily="34" charset="0"/>
-                        </a:rPr>
-                        <a:t>IR with </a:t>
-                      </a:r>
-                      <a:r>
-                        <a:rPr lang="en-US" sz="2200" dirty="0" err="1">
-                          <a:latin typeface="Source Sans Pro" panose="020B0503030403020204" pitchFamily="34" charset="0"/>
-                          <a:ea typeface="Source Sans Pro" panose="020B0503030403020204" pitchFamily="34" charset="0"/>
-                        </a:rPr>
-                        <a:t>cGAN</a:t>
-                      </a:r>
-                      <a:r>
-                        <a:rPr lang="en-US" sz="2200" dirty="0">
-                          <a:latin typeface="Source Sans Pro" panose="020B0503030403020204" pitchFamily="34" charset="0"/>
-                          <a:ea typeface="Source Sans Pro" panose="020B0503030403020204" pitchFamily="34" charset="0"/>
-                        </a:rPr>
-                        <a:t>-Both Loss, generator 1</a:t>
-                      </a:r>
-                    </a:p>
-                  </a:txBody>
-                  <a:tcPr>
-                    <a:lnL w="12700" cmpd="sng">
-                      <a:noFill/>
-                    </a:lnL>
-                    <a:lnR w="12700" cap="flat" cmpd="sng" algn="ctr">
-                      <a:solidFill>
-                        <a:schemeClr val="tx1"/>
-                      </a:solidFill>
-                      <a:prstDash val="solid"/>
-                      <a:round/>
-                      <a:headEnd type="none" w="med" len="med"/>
-                      <a:tailEnd type="none" w="med" len="med"/>
-                    </a:lnR>
-                    <a:lnT w="12700" cap="flat" cmpd="sng" algn="ctr">
-                      <a:solidFill>
-                        <a:schemeClr val="bg2"/>
-                      </a:solidFill>
-                      <a:prstDash val="solid"/>
-                      <a:round/>
-                      <a:headEnd type="none" w="med" len="med"/>
-                      <a:tailEnd type="none" w="med" len="med"/>
-                    </a:lnT>
-                    <a:lnB w="12700" cap="flat" cmpd="sng" algn="ctr">
-                      <a:solidFill>
-                        <a:schemeClr val="bg2"/>
-                      </a:solidFill>
-                      <a:prstDash val="solid"/>
-                      <a:round/>
-                      <a:headEnd type="none" w="med" len="med"/>
-                      <a:tailEnd type="none" w="med" len="med"/>
-                    </a:lnB>
-                    <a:lnTlToBr w="12700" cmpd="sng">
-                      <a:noFill/>
-                      <a:prstDash val="solid"/>
-                    </a:lnTlToBr>
-                    <a:lnBlToTr w="12700" cmpd="sng">
-                      <a:noFill/>
-                      <a:prstDash val="solid"/>
-                    </a:lnBlToTr>
-                    <a:noFill/>
-                  </a:tcPr>
-                </a:tc>
-                <a:tc>
-                  <a:txBody>
-                    <a:bodyPr/>
-                    <a:lstStyle/>
-                    <a:p>
-                      <a:pPr algn="ctr"/>
-                      <a:r>
-                        <a:rPr lang="en-US" sz="2200" dirty="0">
-                          <a:latin typeface="Source Sans Pro" panose="020B0503030403020204" pitchFamily="34" charset="0"/>
-                          <a:ea typeface="Source Sans Pro" panose="020B0503030403020204" pitchFamily="34" charset="0"/>
-                        </a:rPr>
-                        <a:t>32.705</a:t>
-                      </a:r>
-                    </a:p>
-                  </a:txBody>
-                  <a:tcPr>
-                    <a:lnL w="12700" cap="flat" cmpd="sng" algn="ctr">
-                      <a:solidFill>
-                        <a:schemeClr val="tx1"/>
-                      </a:solidFill>
-                      <a:prstDash val="solid"/>
-                      <a:round/>
-                      <a:headEnd type="none" w="med" len="med"/>
-                      <a:tailEnd type="none" w="med" len="med"/>
-                    </a:lnL>
-                    <a:lnR w="12700" cmpd="sng">
-                      <a:noFill/>
-                    </a:lnR>
-                    <a:lnT w="12700" cap="flat" cmpd="sng" algn="ctr">
-                      <a:solidFill>
-                        <a:schemeClr val="bg2"/>
-                      </a:solidFill>
-                      <a:prstDash val="solid"/>
-                      <a:round/>
-                      <a:headEnd type="none" w="med" len="med"/>
-                      <a:tailEnd type="none" w="med" len="med"/>
-                    </a:lnT>
-                    <a:lnB w="12700" cap="flat" cmpd="sng" algn="ctr">
-                      <a:solidFill>
-                        <a:schemeClr val="bg2"/>
-                      </a:solidFill>
-                      <a:prstDash val="solid"/>
-                      <a:round/>
-                      <a:headEnd type="none" w="med" len="med"/>
-                      <a:tailEnd type="none" w="med" len="med"/>
-                    </a:lnB>
-                    <a:lnTlToBr w="12700" cmpd="sng">
-                      <a:noFill/>
-                      <a:prstDash val="solid"/>
-                    </a:lnTlToBr>
-                    <a:lnBlToTr w="12700" cmpd="sng">
-                      <a:noFill/>
-                      <a:prstDash val="solid"/>
-                    </a:lnBlToTr>
-                    <a:noFill/>
-                  </a:tcPr>
-                </a:tc>
-                <a:tc>
-                  <a:txBody>
-                    <a:bodyPr/>
-                    <a:lstStyle/>
-                    <a:p>
-                      <a:pPr algn="ctr"/>
-                      <a:r>
-                        <a:rPr lang="en-US" sz="2200" b="0" dirty="0">
-                          <a:latin typeface="Source Sans Pro" panose="020B0503030403020204" pitchFamily="34" charset="0"/>
-                          <a:ea typeface="Source Sans Pro" panose="020B0503030403020204" pitchFamily="34" charset="0"/>
-                        </a:rPr>
-                        <a:t>53.490</a:t>
-                      </a:r>
-                    </a:p>
-                  </a:txBody>
-                  <a:tcPr>
-                    <a:lnL w="12700" cmpd="sng">
-                      <a:noFill/>
-                    </a:lnL>
-                    <a:lnR w="12700" cmpd="sng">
-                      <a:noFill/>
-                    </a:lnR>
-                    <a:lnT w="12700" cap="flat" cmpd="sng" algn="ctr">
-                      <a:solidFill>
-                        <a:schemeClr val="bg2"/>
-                      </a:solidFill>
-                      <a:prstDash val="solid"/>
-                      <a:round/>
-                      <a:headEnd type="none" w="med" len="med"/>
-                      <a:tailEnd type="none" w="med" len="med"/>
-                    </a:lnT>
-                    <a:lnB w="12700" cap="flat" cmpd="sng" algn="ctr">
-                      <a:solidFill>
-                        <a:schemeClr val="bg2"/>
-                      </a:solidFill>
-                      <a:prstDash val="solid"/>
-                      <a:round/>
-                      <a:headEnd type="none" w="med" len="med"/>
-                      <a:tailEnd type="none" w="med" len="med"/>
-                    </a:lnB>
-                    <a:lnTlToBr w="12700" cmpd="sng">
-                      <a:noFill/>
-                      <a:prstDash val="solid"/>
-                    </a:lnTlToBr>
-                    <a:lnBlToTr w="12700" cmpd="sng">
-                      <a:noFill/>
-                      <a:prstDash val="solid"/>
-                    </a:lnBlToTr>
-                    <a:noFill/>
-                  </a:tcPr>
-                </a:tc>
-                <a:tc>
-                  <a:txBody>
-                    <a:bodyPr/>
-                    <a:lstStyle/>
-                    <a:p>
-                      <a:pPr algn="ctr"/>
-                      <a:r>
-                        <a:rPr lang="en-US" sz="2200" dirty="0">
-                          <a:latin typeface="Source Sans Pro" panose="020B0503030403020204" pitchFamily="34" charset="0"/>
-                          <a:ea typeface="Source Sans Pro" panose="020B0503030403020204" pitchFamily="34" charset="0"/>
-                        </a:rPr>
-                        <a:t>0.564</a:t>
-                      </a:r>
-                    </a:p>
-                  </a:txBody>
-                  <a:tcPr>
-                    <a:lnL w="12700" cmpd="sng">
-                      <a:noFill/>
-                    </a:lnL>
-                    <a:lnR w="12700" cmpd="sng">
-                      <a:noFill/>
-                    </a:lnR>
-                    <a:lnT w="12700" cap="flat" cmpd="sng" algn="ctr">
-                      <a:solidFill>
-                        <a:schemeClr val="bg2"/>
-                      </a:solidFill>
-                      <a:prstDash val="solid"/>
-                      <a:round/>
-                      <a:headEnd type="none" w="med" len="med"/>
-                      <a:tailEnd type="none" w="med" len="med"/>
-                    </a:lnT>
-                    <a:lnB w="12700" cap="flat" cmpd="sng" algn="ctr">
-                      <a:solidFill>
-                        <a:schemeClr val="bg2"/>
-                      </a:solidFill>
-                      <a:prstDash val="solid"/>
-                      <a:round/>
-                      <a:headEnd type="none" w="med" len="med"/>
-                      <a:tailEnd type="none" w="med" len="med"/>
-                    </a:lnB>
-                    <a:lnTlToBr w="12700" cmpd="sng">
-                      <a:noFill/>
-                      <a:prstDash val="solid"/>
-                    </a:lnTlToBr>
-                    <a:lnBlToTr w="12700" cmpd="sng">
-                      <a:noFill/>
-                      <a:prstDash val="solid"/>
-                    </a:lnBlToTr>
-                    <a:noFill/>
-                  </a:tcPr>
-                </a:tc>
-                <a:tc>
-                  <a:txBody>
-                    <a:bodyPr/>
-                    <a:lstStyle/>
-                    <a:p>
-                      <a:pPr algn="ctr"/>
-                      <a:r>
-                        <a:rPr lang="en-US" sz="2200" dirty="0">
-                          <a:latin typeface="Source Sans Pro" panose="020B0503030403020204" pitchFamily="34" charset="0"/>
-                          <a:ea typeface="Source Sans Pro" panose="020B0503030403020204" pitchFamily="34" charset="0"/>
-                        </a:rPr>
-                        <a:t>43.137</a:t>
-                      </a:r>
-                    </a:p>
-                  </a:txBody>
-                  <a:tcPr>
-                    <a:lnL w="12700" cmpd="sng">
-                      <a:noFill/>
-                    </a:lnL>
-                    <a:lnR w="12700" cmpd="sng">
-                      <a:noFill/>
-                    </a:lnR>
-                    <a:lnT w="12700" cap="flat" cmpd="sng" algn="ctr">
-                      <a:solidFill>
-                        <a:schemeClr val="bg2"/>
-                      </a:solidFill>
-                      <a:prstDash val="solid"/>
-                      <a:round/>
-                      <a:headEnd type="none" w="med" len="med"/>
-                      <a:tailEnd type="none" w="med" len="med"/>
-                    </a:lnT>
-                    <a:lnB w="12700" cap="flat" cmpd="sng" algn="ctr">
-                      <a:solidFill>
-                        <a:schemeClr val="bg2"/>
-                      </a:solidFill>
-                      <a:prstDash val="solid"/>
-                      <a:round/>
-                      <a:headEnd type="none" w="med" len="med"/>
-                      <a:tailEnd type="none" w="med" len="med"/>
-                    </a:lnB>
-                    <a:lnTlToBr w="12700" cmpd="sng">
-                      <a:noFill/>
-                      <a:prstDash val="solid"/>
-                    </a:lnTlToBr>
-                    <a:lnBlToTr w="12700" cmpd="sng">
-                      <a:noFill/>
-                      <a:prstDash val="solid"/>
-                    </a:lnBlToTr>
-                    <a:noFill/>
-                  </a:tcPr>
-                </a:tc>
-                <a:tc>
-                  <a:txBody>
-                    <a:bodyPr/>
-                    <a:lstStyle/>
-                    <a:p>
-                      <a:pPr algn="ctr"/>
-                      <a:r>
-                        <a:rPr lang="en-US" sz="2200" dirty="0">
-                          <a:latin typeface="Source Sans Pro" panose="020B0503030403020204" pitchFamily="34" charset="0"/>
-                          <a:ea typeface="Source Sans Pro" panose="020B0503030403020204" pitchFamily="34" charset="0"/>
-                        </a:rPr>
-                        <a:t>1.999084</a:t>
-                      </a:r>
-                    </a:p>
-                  </a:txBody>
-                  <a:tcPr>
-                    <a:lnL w="12700" cmpd="sng">
-                      <a:noFill/>
-                    </a:lnL>
-                    <a:lnR w="12700" cmpd="sng">
-                      <a:noFill/>
-                    </a:lnR>
-                    <a:lnT w="12700" cap="flat" cmpd="sng" algn="ctr">
-                      <a:solidFill>
-                        <a:schemeClr val="bg2"/>
-                      </a:solidFill>
-                      <a:prstDash val="solid"/>
-                      <a:round/>
-                      <a:headEnd type="none" w="med" len="med"/>
-                      <a:tailEnd type="none" w="med" len="med"/>
-                    </a:lnT>
-                    <a:lnB w="12700" cap="flat" cmpd="sng" algn="ctr">
-                      <a:solidFill>
-                        <a:schemeClr val="bg2"/>
-                      </a:solidFill>
-                      <a:prstDash val="solid"/>
-                      <a:round/>
-                      <a:headEnd type="none" w="med" len="med"/>
-                      <a:tailEnd type="none" w="med" len="med"/>
-                    </a:lnB>
-                    <a:lnTlToBr w="12700" cmpd="sng">
-                      <a:noFill/>
-                      <a:prstDash val="solid"/>
-                    </a:lnTlToBr>
-                    <a:lnBlToTr w="12700" cmpd="sng">
-                      <a:noFill/>
-                      <a:prstDash val="solid"/>
-                    </a:lnBlToTr>
-                    <a:noFill/>
-                  </a:tcPr>
-                </a:tc>
-                <a:extLst>
-                  <a:ext uri="{0D108BD9-81ED-4DB2-BD59-A6C34878D82A}">
-                    <a16:rowId xmlns:a16="http://schemas.microsoft.com/office/drawing/2014/main" val="1680063657"/>
-                  </a:ext>
-                </a:extLst>
-              </a:tr>
-              <a:tr h="482600">
-                <a:tc>
-                  <a:txBody>
-                    <a:bodyPr/>
-                    <a:lstStyle/>
-                    <a:p>
-                      <a:pPr marL="0" marR="0" lvl="0" indent="0" algn="l" defTabSz="2926080" rtl="0" eaLnBrk="1" fontAlgn="auto" latinLnBrk="0" hangingPunct="1">
-                        <a:lnSpc>
-                          <a:spcPct val="100000"/>
-                        </a:lnSpc>
-                        <a:spcBef>
-                          <a:spcPts val="0"/>
-                        </a:spcBef>
-                        <a:spcAft>
-                          <a:spcPts val="0"/>
-                        </a:spcAft>
-                        <a:buClrTx/>
-                        <a:buSzTx/>
-                        <a:buFontTx/>
-                        <a:buNone/>
-                        <a:tabLst/>
-                        <a:defRPr/>
-                      </a:pPr>
-                      <a:r>
-                        <a:rPr lang="en-US" sz="2200" dirty="0">
-                          <a:latin typeface="Source Sans Pro" panose="020B0503030403020204" pitchFamily="34" charset="0"/>
-                          <a:ea typeface="Source Sans Pro" panose="020B0503030403020204" pitchFamily="34" charset="0"/>
-                        </a:rPr>
-                        <a:t>IR with </a:t>
-                      </a:r>
-                      <a:r>
-                        <a:rPr lang="en-US" sz="2200" dirty="0" err="1">
-                          <a:latin typeface="Source Sans Pro" panose="020B0503030403020204" pitchFamily="34" charset="0"/>
-                          <a:ea typeface="Source Sans Pro" panose="020B0503030403020204" pitchFamily="34" charset="0"/>
-                        </a:rPr>
-                        <a:t>cGAN</a:t>
-                      </a:r>
-                      <a:r>
-                        <a:rPr lang="en-US" sz="2200" dirty="0">
-                          <a:latin typeface="Source Sans Pro" panose="020B0503030403020204" pitchFamily="34" charset="0"/>
-                          <a:ea typeface="Source Sans Pro" panose="020B0503030403020204" pitchFamily="34" charset="0"/>
-                        </a:rPr>
-                        <a:t>-Final Loss, spectral norm, self-attn, gen. 2</a:t>
-                      </a:r>
-                    </a:p>
-                  </a:txBody>
-                  <a:tcPr>
-                    <a:lnL w="12700" cmpd="sng">
-                      <a:noFill/>
-                    </a:lnL>
-                    <a:lnR w="12700" cap="flat" cmpd="sng" algn="ctr">
-                      <a:solidFill>
-                        <a:schemeClr val="tx1"/>
-                      </a:solidFill>
-                      <a:prstDash val="solid"/>
-                      <a:round/>
-                      <a:headEnd type="none" w="med" len="med"/>
-                      <a:tailEnd type="none" w="med" len="med"/>
-                    </a:lnR>
-                    <a:lnT w="12700" cap="flat" cmpd="sng" algn="ctr">
-                      <a:solidFill>
-                        <a:schemeClr val="bg2"/>
-                      </a:solidFill>
-                      <a:prstDash val="solid"/>
-                      <a:round/>
-                      <a:headEnd type="none" w="med" len="med"/>
-                      <a:tailEnd type="none" w="med" len="med"/>
-                    </a:lnT>
-                    <a:lnB w="12700" cmpd="sng">
-                      <a:noFill/>
-                    </a:lnB>
-                    <a:lnTlToBr w="12700" cmpd="sng">
-                      <a:noFill/>
-                      <a:prstDash val="solid"/>
-                    </a:lnTlToBr>
-                    <a:lnBlToTr w="12700" cmpd="sng">
-                      <a:noFill/>
-                      <a:prstDash val="solid"/>
-                    </a:lnBlToTr>
-                    <a:noFill/>
-                  </a:tcPr>
-                </a:tc>
-                <a:tc>
-                  <a:txBody>
-                    <a:bodyPr/>
-                    <a:lstStyle/>
-                    <a:p>
-                      <a:pPr algn="ctr"/>
-                      <a:r>
-                        <a:rPr lang="en-US" sz="2200" dirty="0">
-                          <a:latin typeface="Source Sans Pro" panose="020B0503030403020204" pitchFamily="34" charset="0"/>
-                          <a:ea typeface="Source Sans Pro" panose="020B0503030403020204" pitchFamily="34" charset="0"/>
-                        </a:rPr>
-                        <a:t>34.811</a:t>
-                      </a:r>
-                    </a:p>
-                  </a:txBody>
-                  <a:tcPr>
-                    <a:lnL w="12700" cap="flat" cmpd="sng" algn="ctr">
-                      <a:solidFill>
-                        <a:schemeClr val="tx1"/>
-                      </a:solidFill>
-                      <a:prstDash val="solid"/>
-                      <a:round/>
-                      <a:headEnd type="none" w="med" len="med"/>
-                      <a:tailEnd type="none" w="med" len="med"/>
-                    </a:lnL>
-                    <a:lnR w="12700" cmpd="sng">
-                      <a:noFill/>
-                    </a:lnR>
-                    <a:lnT w="12700" cap="flat" cmpd="sng" algn="ctr">
-                      <a:solidFill>
-                        <a:schemeClr val="bg2"/>
-                      </a:solidFill>
-                      <a:prstDash val="solid"/>
-                      <a:round/>
-                      <a:headEnd type="none" w="med" len="med"/>
-                      <a:tailEnd type="none" w="med" len="med"/>
-                    </a:lnT>
-                    <a:lnB w="12700" cmpd="sng">
-                      <a:noFill/>
-                    </a:lnB>
-                    <a:lnTlToBr w="12700" cmpd="sng">
-                      <a:noFill/>
-                      <a:prstDash val="solid"/>
-                    </a:lnTlToBr>
-                    <a:lnBlToTr w="12700" cmpd="sng">
-                      <a:noFill/>
-                      <a:prstDash val="solid"/>
-                    </a:lnBlToTr>
-                    <a:noFill/>
-                  </a:tcPr>
-                </a:tc>
-                <a:tc>
-                  <a:txBody>
-                    <a:bodyPr/>
-                    <a:lstStyle/>
-                    <a:p>
-                      <a:pPr algn="ctr"/>
-                      <a:r>
-                        <a:rPr lang="en-US" sz="2200" dirty="0">
-                          <a:latin typeface="Source Sans Pro" panose="020B0503030403020204" pitchFamily="34" charset="0"/>
-                          <a:ea typeface="Source Sans Pro" panose="020B0503030403020204" pitchFamily="34" charset="0"/>
-                        </a:rPr>
-                        <a:t>57.038</a:t>
-                      </a:r>
-                    </a:p>
-                  </a:txBody>
-                  <a:tcPr>
-                    <a:lnL w="12700" cmpd="sng">
-                      <a:noFill/>
-                    </a:lnL>
-                    <a:lnR w="12700" cmpd="sng">
-                      <a:noFill/>
-                    </a:lnR>
-                    <a:lnT w="12700" cap="flat" cmpd="sng" algn="ctr">
-                      <a:solidFill>
-                        <a:schemeClr val="bg2"/>
-                      </a:solidFill>
-                      <a:prstDash val="solid"/>
-                      <a:round/>
-                      <a:headEnd type="none" w="med" len="med"/>
-                      <a:tailEnd type="none" w="med" len="med"/>
-                    </a:lnT>
-                    <a:lnB w="12700" cmpd="sng">
-                      <a:noFill/>
-                    </a:lnB>
-                    <a:lnTlToBr w="12700" cmpd="sng">
-                      <a:noFill/>
-                      <a:prstDash val="solid"/>
-                    </a:lnTlToBr>
-                    <a:lnBlToTr w="12700" cmpd="sng">
-                      <a:noFill/>
-                      <a:prstDash val="solid"/>
-                    </a:lnBlToTr>
-                    <a:noFill/>
-                  </a:tcPr>
-                </a:tc>
-                <a:tc>
-                  <a:txBody>
-                    <a:bodyPr/>
-                    <a:lstStyle/>
-                    <a:p>
-                      <a:pPr algn="ctr"/>
-                      <a:r>
-                        <a:rPr lang="en-US" sz="2200" dirty="0">
-                          <a:latin typeface="Source Sans Pro" panose="020B0503030403020204" pitchFamily="34" charset="0"/>
-                          <a:ea typeface="Source Sans Pro" panose="020B0503030403020204" pitchFamily="34" charset="0"/>
-                        </a:rPr>
-                        <a:t>0.530</a:t>
-                      </a:r>
-                    </a:p>
-                  </a:txBody>
-                  <a:tcPr>
-                    <a:lnL w="12700" cmpd="sng">
-                      <a:noFill/>
-                    </a:lnL>
-                    <a:lnR w="12700" cmpd="sng">
-                      <a:noFill/>
-                    </a:lnR>
-                    <a:lnT w="12700" cap="flat" cmpd="sng" algn="ctr">
-                      <a:solidFill>
-                        <a:schemeClr val="bg2"/>
-                      </a:solidFill>
-                      <a:prstDash val="solid"/>
-                      <a:round/>
-                      <a:headEnd type="none" w="med" len="med"/>
-                      <a:tailEnd type="none" w="med" len="med"/>
-                    </a:lnT>
-                    <a:lnB w="12700" cmpd="sng">
-                      <a:noFill/>
-                    </a:lnB>
-                    <a:lnTlToBr w="12700" cmpd="sng">
-                      <a:noFill/>
-                      <a:prstDash val="solid"/>
-                    </a:lnTlToBr>
-                    <a:lnBlToTr w="12700" cmpd="sng">
-                      <a:noFill/>
-                      <a:prstDash val="solid"/>
-                    </a:lnBlToTr>
-                    <a:noFill/>
-                  </a:tcPr>
-                </a:tc>
-                <a:tc>
-                  <a:txBody>
-                    <a:bodyPr/>
-                    <a:lstStyle/>
-                    <a:p>
-                      <a:pPr algn="ctr"/>
-                      <a:r>
-                        <a:rPr lang="en-US" sz="2200" dirty="0">
-                          <a:latin typeface="Source Sans Pro" panose="020B0503030403020204" pitchFamily="34" charset="0"/>
-                          <a:ea typeface="Source Sans Pro" panose="020B0503030403020204" pitchFamily="34" charset="0"/>
-                        </a:rPr>
-                        <a:t>43.090</a:t>
-                      </a:r>
-                    </a:p>
-                  </a:txBody>
-                  <a:tcPr>
-                    <a:lnL w="12700" cmpd="sng">
-                      <a:noFill/>
-                    </a:lnL>
-                    <a:lnR w="12700" cmpd="sng">
-                      <a:noFill/>
-                    </a:lnR>
-                    <a:lnT w="12700" cap="flat" cmpd="sng" algn="ctr">
-                      <a:solidFill>
-                        <a:schemeClr val="bg2"/>
-                      </a:solidFill>
-                      <a:prstDash val="solid"/>
-                      <a:round/>
-                      <a:headEnd type="none" w="med" len="med"/>
-                      <a:tailEnd type="none" w="med" len="med"/>
-                    </a:lnT>
-                    <a:lnB w="12700" cmpd="sng">
-                      <a:noFill/>
-                    </a:lnB>
-                    <a:lnTlToBr w="12700" cmpd="sng">
-                      <a:noFill/>
-                      <a:prstDash val="solid"/>
-                    </a:lnTlToBr>
-                    <a:lnBlToTr w="12700" cmpd="sng">
-                      <a:noFill/>
-                      <a:prstDash val="solid"/>
-                    </a:lnBlToTr>
-                    <a:noFill/>
-                  </a:tcPr>
-                </a:tc>
-                <a:tc>
-                  <a:txBody>
-                    <a:bodyPr/>
-                    <a:lstStyle/>
-                    <a:p>
-                      <a:pPr algn="ctr"/>
-                      <a:r>
-                        <a:rPr lang="en-US" sz="2200" b="1" dirty="0">
-                          <a:latin typeface="Source Sans Pro" panose="020B0503030403020204" pitchFamily="34" charset="0"/>
-                          <a:ea typeface="Source Sans Pro" panose="020B0503030403020204" pitchFamily="34" charset="0"/>
-                        </a:rPr>
-                        <a:t>1.999072</a:t>
-                      </a:r>
-                    </a:p>
-                  </a:txBody>
-                  <a:tcPr>
-                    <a:lnL w="12700" cmpd="sng">
-                      <a:noFill/>
-                    </a:lnL>
-                    <a:lnR w="12700" cmpd="sng">
-                      <a:noFill/>
-                    </a:lnR>
-                    <a:lnT w="12700" cap="flat" cmpd="sng" algn="ctr">
-                      <a:solidFill>
-                        <a:schemeClr val="bg2"/>
-                      </a:solidFill>
-                      <a:prstDash val="solid"/>
-                      <a:round/>
-                      <a:headEnd type="none" w="med" len="med"/>
-                      <a:tailEnd type="none" w="med" len="med"/>
-                    </a:lnT>
-                    <a:lnB w="12700" cmpd="sng">
-                      <a:noFill/>
-                    </a:lnB>
-                    <a:lnTlToBr w="12700" cmpd="sng">
-                      <a:noFill/>
-                      <a:prstDash val="solid"/>
-                    </a:lnTlToBr>
-                    <a:lnBlToTr w="12700" cmpd="sng">
-                      <a:noFill/>
-                      <a:prstDash val="solid"/>
-                    </a:lnBlToTr>
-                    <a:noFill/>
-                  </a:tcPr>
-                </a:tc>
-                <a:extLst>
-                  <a:ext uri="{0D108BD9-81ED-4DB2-BD59-A6C34878D82A}">
-                    <a16:rowId xmlns:a16="http://schemas.microsoft.com/office/drawing/2014/main" val="2495556633"/>
-                  </a:ext>
-                </a:extLst>
-              </a:tr>
-            </a:tbl>
-          </a:graphicData>
-        </a:graphic>
-      </p:graphicFrame>
-      <p:pic>
-        <p:nvPicPr>
-          <p:cNvPr id="19" name="Picture 18">
-            <a:extLst>
-              <a:ext uri="{FF2B5EF4-FFF2-40B4-BE49-F238E27FC236}">
-                <a16:creationId xmlns:a16="http://schemas.microsoft.com/office/drawing/2014/main" id="{0B788A0C-37C1-8F44-9665-5E3514C24759}"/>
-              </a:ext>
-            </a:extLst>
-          </p:cNvPr>
-          <p:cNvPicPr>
-            <a:picLocks noChangeAspect="1"/>
-          </p:cNvPicPr>
-          <p:nvPr/>
-        </p:nvPicPr>
-        <p:blipFill>
-          <a:blip r:embed="rId6">
-            <a:extLst>
-              <a:ext uri="{28A0092B-C50C-407E-A947-70E740481C1C}">
-                <a14:useLocalDpi xmlns:a14="http://schemas.microsoft.com/office/drawing/2010/main" val="0"/>
-              </a:ext>
-            </a:extLst>
-          </a:blip>
-          <a:stretch>
-            <a:fillRect/>
-          </a:stretch>
-        </p:blipFill>
-        <p:spPr>
-          <a:xfrm>
-            <a:off x="22911701" y="9060981"/>
-            <a:ext cx="1690188" cy="1690188"/>
-          </a:xfrm>
-          <a:prstGeom prst="rect">
-            <a:avLst/>
-          </a:prstGeom>
-        </p:spPr>
-      </p:pic>
-      <p:pic>
-        <p:nvPicPr>
-          <p:cNvPr id="41" name="Picture 40">
-            <a:extLst>
-              <a:ext uri="{FF2B5EF4-FFF2-40B4-BE49-F238E27FC236}">
-                <a16:creationId xmlns:a16="http://schemas.microsoft.com/office/drawing/2014/main" id="{E714DE9B-E5C5-C34F-B953-BF68AC52B443}"/>
-              </a:ext>
-            </a:extLst>
-          </p:cNvPr>
-          <p:cNvPicPr>
-            <a:picLocks noChangeAspect="1"/>
-          </p:cNvPicPr>
-          <p:nvPr/>
-        </p:nvPicPr>
-        <p:blipFill>
-          <a:blip r:embed="rId7">
-            <a:extLst>
-              <a:ext uri="{28A0092B-C50C-407E-A947-70E740481C1C}">
-                <a14:useLocalDpi xmlns:a14="http://schemas.microsoft.com/office/drawing/2010/main" val="0"/>
-              </a:ext>
-            </a:extLst>
-          </a:blip>
-          <a:stretch>
-            <a:fillRect/>
-          </a:stretch>
-        </p:blipFill>
-        <p:spPr>
-          <a:xfrm>
-            <a:off x="21072821" y="9060981"/>
-            <a:ext cx="1690188" cy="1690188"/>
-          </a:xfrm>
-          <a:prstGeom prst="rect">
-            <a:avLst/>
-          </a:prstGeom>
-        </p:spPr>
-      </p:pic>
-      <p:grpSp>
-        <p:nvGrpSpPr>
-          <p:cNvPr id="13" name="Group 12">
-            <a:extLst>
-              <a:ext uri="{FF2B5EF4-FFF2-40B4-BE49-F238E27FC236}">
-                <a16:creationId xmlns:a16="http://schemas.microsoft.com/office/drawing/2014/main" id="{F72E84F4-B735-483C-AD29-84D1A24EA5E1}"/>
-              </a:ext>
-            </a:extLst>
-          </p:cNvPr>
-          <p:cNvGrpSpPr/>
-          <p:nvPr/>
-        </p:nvGrpSpPr>
-        <p:grpSpPr>
-          <a:xfrm>
-            <a:off x="28423949" y="9060981"/>
-            <a:ext cx="3420894" cy="1694935"/>
-            <a:chOff x="28423949" y="8972490"/>
-            <a:chExt cx="3420894" cy="1694935"/>
-          </a:xfrm>
-        </p:grpSpPr>
-        <p:pic>
-          <p:nvPicPr>
-            <p:cNvPr id="45" name="Picture 44">
-              <a:extLst>
-                <a:ext uri="{FF2B5EF4-FFF2-40B4-BE49-F238E27FC236}">
-                  <a16:creationId xmlns:a16="http://schemas.microsoft.com/office/drawing/2014/main" id="{D9A833BF-0F12-144C-83C4-54687777FF96}"/>
-                </a:ext>
-              </a:extLst>
-            </p:cNvPr>
-            <p:cNvPicPr>
-              <a:picLocks noChangeAspect="1"/>
-            </p:cNvPicPr>
-            <p:nvPr/>
-          </p:nvPicPr>
-          <p:blipFill>
-            <a:blip r:embed="rId8">
-              <a:extLst>
-                <a:ext uri="{28A0092B-C50C-407E-A947-70E740481C1C}">
-                  <a14:useLocalDpi xmlns:a14="http://schemas.microsoft.com/office/drawing/2010/main" val="0"/>
-                </a:ext>
-              </a:extLst>
-            </a:blip>
-            <a:stretch>
-              <a:fillRect/>
-            </a:stretch>
-          </p:blipFill>
-          <p:spPr>
-            <a:xfrm>
-              <a:off x="28423949" y="8972490"/>
-              <a:ext cx="1694935" cy="1694935"/>
-            </a:xfrm>
-            <a:prstGeom prst="rect">
-              <a:avLst/>
-            </a:prstGeom>
-          </p:spPr>
-        </p:pic>
-        <p:pic>
-          <p:nvPicPr>
-            <p:cNvPr id="47" name="Picture 46">
-              <a:extLst>
-                <a:ext uri="{FF2B5EF4-FFF2-40B4-BE49-F238E27FC236}">
-                  <a16:creationId xmlns:a16="http://schemas.microsoft.com/office/drawing/2014/main" id="{AFFCC4FD-02D5-0347-8B77-14251F272F93}"/>
-                </a:ext>
-              </a:extLst>
-            </p:cNvPr>
-            <p:cNvPicPr>
-              <a:picLocks noChangeAspect="1"/>
-            </p:cNvPicPr>
-            <p:nvPr/>
-          </p:nvPicPr>
-          <p:blipFill>
-            <a:blip r:embed="rId9">
-              <a:extLst>
-                <a:ext uri="{28A0092B-C50C-407E-A947-70E740481C1C}">
-                  <a14:useLocalDpi xmlns:a14="http://schemas.microsoft.com/office/drawing/2010/main" val="0"/>
-                </a:ext>
-              </a:extLst>
-            </a:blip>
-            <a:stretch>
-              <a:fillRect/>
-            </a:stretch>
-          </p:blipFill>
-          <p:spPr>
-            <a:xfrm>
-              <a:off x="30149908" y="8972490"/>
-              <a:ext cx="1694935" cy="1694935"/>
-            </a:xfrm>
-            <a:prstGeom prst="rect">
-              <a:avLst/>
-            </a:prstGeom>
-          </p:spPr>
-        </p:pic>
-      </p:grpSp>
-      <p:pic>
-        <p:nvPicPr>
-          <p:cNvPr id="72" name="Picture 71">
-            <a:extLst>
-              <a:ext uri="{FF2B5EF4-FFF2-40B4-BE49-F238E27FC236}">
-                <a16:creationId xmlns:a16="http://schemas.microsoft.com/office/drawing/2014/main" id="{49712E36-FDC0-C64D-B53D-E431D3D46E40}"/>
-              </a:ext>
-            </a:extLst>
-          </p:cNvPr>
-          <p:cNvPicPr>
-            <a:picLocks noChangeAspect="1"/>
-          </p:cNvPicPr>
-          <p:nvPr/>
-        </p:nvPicPr>
-        <p:blipFill>
-          <a:blip r:embed="rId10">
-            <a:extLst>
-              <a:ext uri="{28A0092B-C50C-407E-A947-70E740481C1C}">
-                <a14:useLocalDpi xmlns:a14="http://schemas.microsoft.com/office/drawing/2010/main" val="0"/>
-              </a:ext>
-            </a:extLst>
-          </a:blip>
-          <a:stretch>
-            <a:fillRect/>
-          </a:stretch>
-        </p:blipFill>
-        <p:spPr>
-          <a:xfrm>
-            <a:off x="19307689" y="9060981"/>
-            <a:ext cx="1690188" cy="1690188"/>
-          </a:xfrm>
-          <a:prstGeom prst="rect">
-            <a:avLst/>
-          </a:prstGeom>
-        </p:spPr>
-      </p:pic>
-      <p:sp>
-        <p:nvSpPr>
-          <p:cNvPr id="51" name="TextBox 50">
-            <a:extLst>
-              <a:ext uri="{FF2B5EF4-FFF2-40B4-BE49-F238E27FC236}">
-                <a16:creationId xmlns:a16="http://schemas.microsoft.com/office/drawing/2014/main" id="{3134B060-2954-2D49-9F4A-4E064FD0831B}"/>
-              </a:ext>
-            </a:extLst>
-          </p:cNvPr>
-          <p:cNvSpPr txBox="1"/>
-          <p:nvPr/>
-        </p:nvSpPr>
-        <p:spPr>
-          <a:xfrm>
-            <a:off x="19735072" y="10801766"/>
-            <a:ext cx="835422" cy="369332"/>
-          </a:xfrm>
-          <a:prstGeom prst="rect">
-            <a:avLst/>
-          </a:prstGeom>
-          <a:noFill/>
-        </p:spPr>
-        <p:txBody>
-          <a:bodyPr wrap="none" rtlCol="0">
-            <a:spAutoFit/>
-          </a:bodyPr>
-          <a:lstStyle/>
-          <a:p>
-            <a:r>
-              <a:rPr lang="en-US" dirty="0">
-                <a:latin typeface="Source Sans Pro" panose="020B0503030403020204" pitchFamily="34" charset="0"/>
-                <a:ea typeface="Source Sans Pro" panose="020B0503030403020204" pitchFamily="34" charset="0"/>
-              </a:rPr>
-              <a:t>Sketch</a:t>
-            </a:r>
-          </a:p>
-        </p:txBody>
-      </p:sp>
-      <p:sp>
-        <p:nvSpPr>
-          <p:cNvPr id="74" name="TextBox 73">
-            <a:extLst>
-              <a:ext uri="{FF2B5EF4-FFF2-40B4-BE49-F238E27FC236}">
-                <a16:creationId xmlns:a16="http://schemas.microsoft.com/office/drawing/2014/main" id="{63B06EB7-FF4A-C54F-9A77-52A7F4AADB67}"/>
-              </a:ext>
-            </a:extLst>
-          </p:cNvPr>
-          <p:cNvSpPr txBox="1"/>
-          <p:nvPr/>
-        </p:nvSpPr>
-        <p:spPr>
-          <a:xfrm>
-            <a:off x="21367572" y="10801766"/>
-            <a:ext cx="1100686" cy="369332"/>
-          </a:xfrm>
-          <a:prstGeom prst="rect">
-            <a:avLst/>
-          </a:prstGeom>
-          <a:noFill/>
-        </p:spPr>
-        <p:txBody>
-          <a:bodyPr wrap="none" rtlCol="0">
-            <a:spAutoFit/>
-          </a:bodyPr>
-          <a:lstStyle/>
-          <a:p>
-            <a:r>
-              <a:rPr lang="en-US" dirty="0">
-                <a:latin typeface="Source Sans Pro" panose="020B0503030403020204" pitchFamily="34" charset="0"/>
-                <a:ea typeface="Source Sans Pro" panose="020B0503030403020204" pitchFamily="34" charset="0"/>
-              </a:rPr>
-              <a:t>True Face</a:t>
-            </a:r>
-          </a:p>
-        </p:txBody>
-      </p:sp>
-      <p:sp>
-        <p:nvSpPr>
-          <p:cNvPr id="76" name="TextBox 75">
-            <a:extLst>
-              <a:ext uri="{FF2B5EF4-FFF2-40B4-BE49-F238E27FC236}">
-                <a16:creationId xmlns:a16="http://schemas.microsoft.com/office/drawing/2014/main" id="{837DB995-4B55-F24C-BABE-1EB9A31C87B5}"/>
-              </a:ext>
-            </a:extLst>
-          </p:cNvPr>
-          <p:cNvSpPr txBox="1"/>
-          <p:nvPr/>
-        </p:nvSpPr>
-        <p:spPr>
-          <a:xfrm>
-            <a:off x="22816473" y="10801766"/>
-            <a:ext cx="1880644" cy="369332"/>
-          </a:xfrm>
-          <a:prstGeom prst="rect">
-            <a:avLst/>
-          </a:prstGeom>
-          <a:noFill/>
-        </p:spPr>
-        <p:txBody>
-          <a:bodyPr wrap="none" rtlCol="0">
-            <a:spAutoFit/>
-          </a:bodyPr>
-          <a:lstStyle/>
-          <a:p>
-            <a:pPr algn="ctr"/>
-            <a:r>
-              <a:rPr lang="en-US" dirty="0">
-                <a:latin typeface="Source Sans Pro" panose="020B0503030403020204" pitchFamily="34" charset="0"/>
-                <a:ea typeface="Source Sans Pro" panose="020B0503030403020204" pitchFamily="34" charset="0"/>
-              </a:rPr>
-              <a:t>Baseline (pix2pix)</a:t>
-            </a:r>
-          </a:p>
-        </p:txBody>
-      </p:sp>
-      <p:sp>
-        <p:nvSpPr>
-          <p:cNvPr id="77" name="TextBox 76">
-            <a:extLst>
-              <a:ext uri="{FF2B5EF4-FFF2-40B4-BE49-F238E27FC236}">
-                <a16:creationId xmlns:a16="http://schemas.microsoft.com/office/drawing/2014/main" id="{C1FE1C1B-E860-1A46-BC5A-2113A8ED8B1B}"/>
-              </a:ext>
-            </a:extLst>
-          </p:cNvPr>
-          <p:cNvSpPr txBox="1"/>
-          <p:nvPr/>
-        </p:nvSpPr>
-        <p:spPr>
-          <a:xfrm>
-            <a:off x="25136385" y="10801766"/>
-            <a:ext cx="2728184" cy="369332"/>
-          </a:xfrm>
-          <a:prstGeom prst="rect">
-            <a:avLst/>
-          </a:prstGeom>
-          <a:noFill/>
-        </p:spPr>
-        <p:txBody>
-          <a:bodyPr wrap="none" rtlCol="0">
-            <a:spAutoFit/>
-          </a:bodyPr>
-          <a:lstStyle/>
-          <a:p>
-            <a:pPr algn="ctr"/>
-            <a:r>
-              <a:rPr lang="en-US" dirty="0">
-                <a:latin typeface="Source Sans Pro" panose="020B0503030403020204" pitchFamily="34" charset="0"/>
-                <a:ea typeface="Source Sans Pro" panose="020B0503030403020204" pitchFamily="34" charset="0"/>
-              </a:rPr>
-              <a:t>IR w with </a:t>
-            </a:r>
-            <a:r>
-              <a:rPr lang="en-US" dirty="0" err="1">
-                <a:latin typeface="Source Sans Pro" panose="020B0503030403020204" pitchFamily="34" charset="0"/>
-                <a:ea typeface="Source Sans Pro" panose="020B0503030403020204" pitchFamily="34" charset="0"/>
-              </a:rPr>
-              <a:t>cGAN</a:t>
-            </a:r>
-            <a:r>
-              <a:rPr lang="en-US" dirty="0">
-                <a:latin typeface="Source Sans Pro" panose="020B0503030403020204" pitchFamily="34" charset="0"/>
-                <a:ea typeface="Source Sans Pro" panose="020B0503030403020204" pitchFamily="34" charset="0"/>
-              </a:rPr>
-              <a:t>-Initial Loss</a:t>
-            </a:r>
-          </a:p>
-        </p:txBody>
-      </p:sp>
-      <p:sp>
-        <p:nvSpPr>
-          <p:cNvPr id="78" name="TextBox 77">
-            <a:extLst>
-              <a:ext uri="{FF2B5EF4-FFF2-40B4-BE49-F238E27FC236}">
-                <a16:creationId xmlns:a16="http://schemas.microsoft.com/office/drawing/2014/main" id="{A48F202D-3954-444D-8567-38BA9FDDC1E1}"/>
-              </a:ext>
-            </a:extLst>
-          </p:cNvPr>
-          <p:cNvSpPr txBox="1"/>
-          <p:nvPr/>
-        </p:nvSpPr>
-        <p:spPr>
-          <a:xfrm>
-            <a:off x="29172787" y="10801766"/>
-            <a:ext cx="1923219" cy="369332"/>
-          </a:xfrm>
-          <a:prstGeom prst="rect">
-            <a:avLst/>
-          </a:prstGeom>
-          <a:noFill/>
-        </p:spPr>
-        <p:txBody>
-          <a:bodyPr wrap="none" rtlCol="0">
-            <a:spAutoFit/>
-          </a:bodyPr>
-          <a:lstStyle/>
-          <a:p>
-            <a:pPr algn="ctr"/>
-            <a:r>
-              <a:rPr lang="en-US" dirty="0">
-                <a:latin typeface="Source Sans Pro" panose="020B0503030403020204" pitchFamily="34" charset="0"/>
-                <a:ea typeface="Source Sans Pro" panose="020B0503030403020204" pitchFamily="34" charset="0"/>
-              </a:rPr>
-              <a:t>Grayscale IR </a:t>
-            </a:r>
-            <a:r>
-              <a:rPr lang="en-US" dirty="0" err="1">
-                <a:latin typeface="Source Sans Pro" panose="020B0503030403020204" pitchFamily="34" charset="0"/>
-                <a:ea typeface="Source Sans Pro" panose="020B0503030403020204" pitchFamily="34" charset="0"/>
-              </a:rPr>
-              <a:t>cGAN</a:t>
-            </a:r>
-            <a:endParaRPr lang="en-US" dirty="0">
-              <a:latin typeface="Source Sans Pro" panose="020B0503030403020204" pitchFamily="34" charset="0"/>
-              <a:ea typeface="Source Sans Pro" panose="020B0503030403020204" pitchFamily="34" charset="0"/>
-            </a:endParaRPr>
-          </a:p>
-        </p:txBody>
-      </p:sp>
-      <p:grpSp>
-        <p:nvGrpSpPr>
-          <p:cNvPr id="6" name="Group 5">
-            <a:extLst>
-              <a:ext uri="{FF2B5EF4-FFF2-40B4-BE49-F238E27FC236}">
-                <a16:creationId xmlns:a16="http://schemas.microsoft.com/office/drawing/2014/main" id="{DE42423A-64F0-4F0B-A03C-4587CF6CE692}"/>
-              </a:ext>
-            </a:extLst>
-          </p:cNvPr>
-          <p:cNvGrpSpPr/>
-          <p:nvPr/>
-        </p:nvGrpSpPr>
-        <p:grpSpPr>
-          <a:xfrm>
-            <a:off x="24789865" y="9060981"/>
-            <a:ext cx="3421225" cy="1690189"/>
-            <a:chOff x="24789865" y="8972490"/>
-            <a:chExt cx="3421225" cy="1690189"/>
-          </a:xfrm>
-        </p:grpSpPr>
-        <p:pic>
-          <p:nvPicPr>
-            <p:cNvPr id="59" name="Picture 58">
-              <a:extLst>
-                <a:ext uri="{FF2B5EF4-FFF2-40B4-BE49-F238E27FC236}">
-                  <a16:creationId xmlns:a16="http://schemas.microsoft.com/office/drawing/2014/main" id="{49673213-8AFF-9745-845C-70B88A20CCB5}"/>
-                </a:ext>
-              </a:extLst>
-            </p:cNvPr>
-            <p:cNvPicPr>
-              <a:picLocks noChangeAspect="1"/>
-            </p:cNvPicPr>
-            <p:nvPr/>
-          </p:nvPicPr>
-          <p:blipFill>
-            <a:blip r:embed="rId11">
-              <a:extLst>
-                <a:ext uri="{28A0092B-C50C-407E-A947-70E740481C1C}">
-                  <a14:useLocalDpi xmlns:a14="http://schemas.microsoft.com/office/drawing/2010/main" val="0"/>
-                </a:ext>
-              </a:extLst>
-            </a:blip>
-            <a:stretch>
-              <a:fillRect/>
-            </a:stretch>
-          </p:blipFill>
-          <p:spPr>
-            <a:xfrm>
-              <a:off x="24789865" y="8972490"/>
-              <a:ext cx="1690188" cy="1690188"/>
-            </a:xfrm>
-            <a:prstGeom prst="rect">
-              <a:avLst/>
-            </a:prstGeom>
-          </p:spPr>
-        </p:pic>
-        <p:pic>
-          <p:nvPicPr>
-            <p:cNvPr id="61" name="Picture 60">
-              <a:extLst>
-                <a:ext uri="{FF2B5EF4-FFF2-40B4-BE49-F238E27FC236}">
-                  <a16:creationId xmlns:a16="http://schemas.microsoft.com/office/drawing/2014/main" id="{44B1479A-D341-D445-B27E-17DC4EA67C1E}"/>
-                </a:ext>
-              </a:extLst>
-            </p:cNvPr>
-            <p:cNvPicPr>
-              <a:picLocks noChangeAspect="1"/>
-            </p:cNvPicPr>
-            <p:nvPr/>
-          </p:nvPicPr>
-          <p:blipFill>
-            <a:blip r:embed="rId12">
-              <a:extLst>
-                <a:ext uri="{28A0092B-C50C-407E-A947-70E740481C1C}">
-                  <a14:useLocalDpi xmlns:a14="http://schemas.microsoft.com/office/drawing/2010/main" val="0"/>
-                </a:ext>
-              </a:extLst>
-            </a:blip>
-            <a:stretch>
-              <a:fillRect/>
-            </a:stretch>
-          </p:blipFill>
-          <p:spPr>
-            <a:xfrm>
-              <a:off x="26520901" y="8972490"/>
-              <a:ext cx="1690189" cy="1690189"/>
-            </a:xfrm>
-            <a:prstGeom prst="rect">
-              <a:avLst/>
-            </a:prstGeom>
-          </p:spPr>
-        </p:pic>
       </p:grpSp>
       <p:pic>
         <p:nvPicPr>
@@ -11523,7 +8729,7 @@
           <p:nvPr/>
         </p:nvPicPr>
         <p:blipFill>
-          <a:blip r:embed="rId13">
+          <a:blip r:embed="rId6">
             <a:clrChange>
               <a:clrFrom>
                 <a:srgbClr val="FFFFFF"/>
@@ -11649,9 +8855,1561 @@
               <a:rPr lang="en-US" dirty="0">
                 <a:latin typeface="Source Sans Pro" panose="020B0503030403020204" pitchFamily="34" charset="0"/>
                 <a:ea typeface="Source Sans Pro" panose="020B0503030403020204" pitchFamily="34" charset="0"/>
-                <a:hlinkClick r:id="rId14"/>
+                <a:hlinkClick r:id="rId7"/>
               </a:rPr>
               <a:t>https://github.com/Jack000/fontjoy</a:t>
+            </a:r>
+            <a:endParaRPr lang="en-US" baseline="30000" dirty="0"/>
+          </a:p>
+        </p:txBody>
+      </p:sp>
+      <p:pic>
+        <p:nvPicPr>
+          <p:cNvPr id="16" name="Picture 15">
+            <a:extLst>
+              <a:ext uri="{FF2B5EF4-FFF2-40B4-BE49-F238E27FC236}">
+                <a16:creationId xmlns:a16="http://schemas.microsoft.com/office/drawing/2014/main" id="{1CFAAA27-DCC5-41C5-AE81-45010E348DBD}"/>
+              </a:ext>
+            </a:extLst>
+          </p:cNvPr>
+          <p:cNvPicPr>
+            <a:picLocks noChangeAspect="1"/>
+          </p:cNvPicPr>
+          <p:nvPr/>
+        </p:nvPicPr>
+        <p:blipFill>
+          <a:blip r:embed="rId8">
+            <a:clrChange>
+              <a:clrFrom>
+                <a:srgbClr val="FFFFFF"/>
+              </a:clrFrom>
+              <a:clrTo>
+                <a:srgbClr val="FFFFFF">
+                  <a:alpha val="0"/>
+                </a:srgbClr>
+              </a:clrTo>
+            </a:clrChange>
+          </a:blip>
+          <a:stretch>
+            <a:fillRect/>
+          </a:stretch>
+        </p:blipFill>
+        <p:spPr>
+          <a:xfrm>
+            <a:off x="15353643" y="10952373"/>
+            <a:ext cx="2847975" cy="1200150"/>
+          </a:xfrm>
+          <a:prstGeom prst="rect">
+            <a:avLst/>
+          </a:prstGeom>
+        </p:spPr>
+      </p:pic>
+      <p:pic>
+        <p:nvPicPr>
+          <p:cNvPr id="17" name="Picture 16">
+            <a:extLst>
+              <a:ext uri="{FF2B5EF4-FFF2-40B4-BE49-F238E27FC236}">
+                <a16:creationId xmlns:a16="http://schemas.microsoft.com/office/drawing/2014/main" id="{394C75B6-5C11-42AA-9761-28887E5D2E07}"/>
+              </a:ext>
+            </a:extLst>
+          </p:cNvPr>
+          <p:cNvPicPr>
+            <a:picLocks noChangeAspect="1"/>
+          </p:cNvPicPr>
+          <p:nvPr/>
+        </p:nvPicPr>
+        <p:blipFill>
+          <a:blip r:embed="rId9">
+            <a:clrChange>
+              <a:clrFrom>
+                <a:srgbClr val="FFFFFF"/>
+              </a:clrFrom>
+              <a:clrTo>
+                <a:srgbClr val="FFFFFF">
+                  <a:alpha val="0"/>
+                </a:srgbClr>
+              </a:clrTo>
+            </a:clrChange>
+          </a:blip>
+          <a:stretch>
+            <a:fillRect/>
+          </a:stretch>
+        </p:blipFill>
+        <p:spPr>
+          <a:xfrm>
+            <a:off x="9097094" y="10953516"/>
+            <a:ext cx="3593592" cy="1197864"/>
+          </a:xfrm>
+          <a:prstGeom prst="rect">
+            <a:avLst/>
+          </a:prstGeom>
+        </p:spPr>
+      </p:pic>
+      <p:pic>
+        <p:nvPicPr>
+          <p:cNvPr id="18" name="Picture 17">
+            <a:extLst>
+              <a:ext uri="{FF2B5EF4-FFF2-40B4-BE49-F238E27FC236}">
+                <a16:creationId xmlns:a16="http://schemas.microsoft.com/office/drawing/2014/main" id="{8B2FB826-8FDF-43D4-87E6-0E9C579724D1}"/>
+              </a:ext>
+            </a:extLst>
+          </p:cNvPr>
+          <p:cNvPicPr>
+            <a:picLocks noChangeAspect="1"/>
+          </p:cNvPicPr>
+          <p:nvPr/>
+        </p:nvPicPr>
+        <p:blipFill>
+          <a:blip r:embed="rId10">
+            <a:clrChange>
+              <a:clrFrom>
+                <a:srgbClr val="FFFFFF"/>
+              </a:clrFrom>
+              <a:clrTo>
+                <a:srgbClr val="FFFFFF">
+                  <a:alpha val="0"/>
+                </a:srgbClr>
+              </a:clrTo>
+            </a:clrChange>
+          </a:blip>
+          <a:stretch>
+            <a:fillRect/>
+          </a:stretch>
+        </p:blipFill>
+        <p:spPr>
+          <a:xfrm>
+            <a:off x="12942338" y="10953516"/>
+            <a:ext cx="2159653" cy="1197864"/>
+          </a:xfrm>
+          <a:prstGeom prst="rect">
+            <a:avLst/>
+          </a:prstGeom>
+        </p:spPr>
+      </p:pic>
+      <p:sp>
+        <p:nvSpPr>
+          <p:cNvPr id="48" name="Rectangle 47">
+            <a:extLst>
+              <a:ext uri="{FF2B5EF4-FFF2-40B4-BE49-F238E27FC236}">
+                <a16:creationId xmlns:a16="http://schemas.microsoft.com/office/drawing/2014/main" id="{CF1625B3-8386-4000-89E0-C27E4EBFAFEF}"/>
+              </a:ext>
+            </a:extLst>
+          </p:cNvPr>
+          <p:cNvSpPr/>
+          <p:nvPr/>
+        </p:nvSpPr>
+        <p:spPr>
+          <a:xfrm>
+            <a:off x="8955724" y="12187281"/>
+            <a:ext cx="9181552" cy="369332"/>
+          </a:xfrm>
+          <a:prstGeom prst="rect">
+            <a:avLst/>
+          </a:prstGeom>
+        </p:spPr>
+        <p:txBody>
+          <a:bodyPr wrap="none">
+            <a:spAutoFit/>
+          </a:bodyPr>
+          <a:lstStyle/>
+          <a:p>
+            <a:pPr algn="ctr"/>
+            <a:r>
+              <a:rPr lang="en-US" dirty="0">
+                <a:latin typeface="Source Sans Pro" panose="020B0503030403020204" pitchFamily="34" charset="0"/>
+                <a:ea typeface="Source Sans Pro" panose="020B0503030403020204" pitchFamily="34" charset="0"/>
+              </a:rPr>
+              <a:t>Cosine distance metric, </a:t>
+            </a:r>
+            <a:r>
+              <a:rPr lang="en-US" i="1" dirty="0">
+                <a:latin typeface="Source Sans Pro" panose="020B0503030403020204" pitchFamily="34" charset="0"/>
+                <a:ea typeface="Source Sans Pro" panose="020B0503030403020204" pitchFamily="34" charset="0"/>
+              </a:rPr>
+              <a:t>k</a:t>
+            </a:r>
+            <a:r>
+              <a:rPr lang="en-US" dirty="0">
+                <a:latin typeface="Source Sans Pro" panose="020B0503030403020204" pitchFamily="34" charset="0"/>
+                <a:ea typeface="Source Sans Pro" panose="020B0503030403020204" pitchFamily="34" charset="0"/>
+              </a:rPr>
+              <a:t>-NN weighting of nearest neighbors f</a:t>
+            </a:r>
+            <a:r>
+              <a:rPr lang="en-US" baseline="-25000" dirty="0">
+                <a:latin typeface="Source Sans Pro" panose="020B0503030403020204" pitchFamily="34" charset="0"/>
+                <a:ea typeface="Source Sans Pro" panose="020B0503030403020204" pitchFamily="34" charset="0"/>
+              </a:rPr>
+              <a:t>i</a:t>
+            </a:r>
+            <a:r>
+              <a:rPr lang="en-US" dirty="0">
+                <a:latin typeface="Source Sans Pro" panose="020B0503030403020204" pitchFamily="34" charset="0"/>
+                <a:ea typeface="Source Sans Pro" panose="020B0503030403020204" pitchFamily="34" charset="0"/>
+              </a:rPr>
+              <a:t>, and inverse distance weighting</a:t>
+            </a:r>
+            <a:endParaRPr lang="en-US" baseline="30000" dirty="0"/>
+          </a:p>
+        </p:txBody>
+      </p:sp>
+      <p:pic>
+        <p:nvPicPr>
+          <p:cNvPr id="29" name="Picture 28">
+            <a:extLst>
+              <a:ext uri="{FF2B5EF4-FFF2-40B4-BE49-F238E27FC236}">
+                <a16:creationId xmlns:a16="http://schemas.microsoft.com/office/drawing/2014/main" id="{4FF626CB-A943-4DC7-94FD-1EFC212778C9}"/>
+              </a:ext>
+            </a:extLst>
+          </p:cNvPr>
+          <p:cNvPicPr>
+            <a:picLocks noChangeAspect="1"/>
+          </p:cNvPicPr>
+          <p:nvPr/>
+        </p:nvPicPr>
+        <p:blipFill>
+          <a:blip r:embed="rId11">
+            <a:clrChange>
+              <a:clrFrom>
+                <a:srgbClr val="FFFFFF"/>
+              </a:clrFrom>
+              <a:clrTo>
+                <a:srgbClr val="FFFFFF">
+                  <a:alpha val="0"/>
+                </a:srgbClr>
+              </a:clrTo>
+            </a:clrChange>
+            <a:extLst>
+              <a:ext uri="{28A0092B-C50C-407E-A947-70E740481C1C}">
+                <a14:useLocalDpi xmlns:a14="http://schemas.microsoft.com/office/drawing/2010/main" val="0"/>
+              </a:ext>
+            </a:extLst>
+          </a:blip>
+          <a:stretch>
+            <a:fillRect/>
+          </a:stretch>
+        </p:blipFill>
+        <p:spPr>
+          <a:xfrm>
+            <a:off x="8840155" y="12408476"/>
+            <a:ext cx="6078109" cy="4052072"/>
+          </a:xfrm>
+          <a:prstGeom prst="rect">
+            <a:avLst/>
+          </a:prstGeom>
+        </p:spPr>
+      </p:pic>
+      <p:sp>
+        <p:nvSpPr>
+          <p:cNvPr id="50" name="Rectangle 49">
+            <a:extLst>
+              <a:ext uri="{FF2B5EF4-FFF2-40B4-BE49-F238E27FC236}">
+                <a16:creationId xmlns:a16="http://schemas.microsoft.com/office/drawing/2014/main" id="{79181530-E3C4-4D42-AED2-0942ECAFE495}"/>
+              </a:ext>
+            </a:extLst>
+          </p:cNvPr>
+          <p:cNvSpPr/>
+          <p:nvPr/>
+        </p:nvSpPr>
+        <p:spPr>
+          <a:xfrm>
+            <a:off x="14414716" y="13213336"/>
+            <a:ext cx="3923371" cy="2585323"/>
+          </a:xfrm>
+          <a:prstGeom prst="rect">
+            <a:avLst/>
+          </a:prstGeom>
+        </p:spPr>
+        <p:txBody>
+          <a:bodyPr wrap="square">
+            <a:spAutoFit/>
+          </a:bodyPr>
+          <a:lstStyle/>
+          <a:p>
+            <a:pPr algn="ctr"/>
+            <a:r>
+              <a:rPr lang="en-US" dirty="0">
+                <a:latin typeface="Source Sans Pro" panose="020B0503030403020204" pitchFamily="34" charset="0"/>
+                <a:ea typeface="Source Sans Pro" panose="020B0503030403020204" pitchFamily="34" charset="0"/>
+              </a:rPr>
+              <a:t>Figure 2. Dataset induction error for all </a:t>
+            </a:r>
+            <a:r>
+              <a:rPr lang="en-US" i="1" dirty="0">
+                <a:latin typeface="Source Sans Pro" panose="020B0503030403020204" pitchFamily="34" charset="0"/>
+                <a:ea typeface="Source Sans Pro" panose="020B0503030403020204" pitchFamily="34" charset="0"/>
+              </a:rPr>
+              <a:t>k</a:t>
+            </a:r>
+            <a:r>
+              <a:rPr lang="en-US" dirty="0">
+                <a:latin typeface="Source Sans Pro" panose="020B0503030403020204" pitchFamily="34" charset="0"/>
+                <a:ea typeface="Source Sans Pro" panose="020B0503030403020204" pitchFamily="34" charset="0"/>
+              </a:rPr>
+              <a:t>-NN experiments using the cosine distance for each of the three nearest neighbor weighting schemes across values of </a:t>
+            </a:r>
+            <a:r>
+              <a:rPr lang="en-US" i="1" dirty="0">
+                <a:latin typeface="Source Sans Pro" panose="020B0503030403020204" pitchFamily="34" charset="0"/>
+                <a:ea typeface="Source Sans Pro" panose="020B0503030403020204" pitchFamily="34" charset="0"/>
+              </a:rPr>
+              <a:t>k</a:t>
+            </a:r>
+            <a:r>
+              <a:rPr lang="en-US" dirty="0">
+                <a:latin typeface="Source Sans Pro" panose="020B0503030403020204" pitchFamily="34" charset="0"/>
+                <a:ea typeface="Source Sans Pro" panose="020B0503030403020204" pitchFamily="34" charset="0"/>
+              </a:rPr>
+              <a:t>.</a:t>
+            </a:r>
+          </a:p>
+          <a:p>
+            <a:pPr algn="ctr"/>
+            <a:endParaRPr lang="en-US" dirty="0">
+              <a:latin typeface="Source Sans Pro" panose="020B0503030403020204" pitchFamily="34" charset="0"/>
+              <a:ea typeface="Source Sans Pro" panose="020B0503030403020204" pitchFamily="34" charset="0"/>
+            </a:endParaRPr>
+          </a:p>
+          <a:p>
+            <a:pPr algn="ctr"/>
+            <a:r>
+              <a:rPr lang="en-US" dirty="0">
+                <a:latin typeface="Source Sans Pro" panose="020B0503030403020204" pitchFamily="34" charset="0"/>
+                <a:ea typeface="Source Sans Pro" panose="020B0503030403020204" pitchFamily="34" charset="0"/>
+              </a:rPr>
+              <a:t>The inverse distance metric performs the best across the board and performs best at </a:t>
+            </a:r>
+            <a:r>
+              <a:rPr lang="en-US" i="1" dirty="0">
+                <a:latin typeface="Source Sans Pro" panose="020B0503030403020204" pitchFamily="34" charset="0"/>
+                <a:ea typeface="Source Sans Pro" panose="020B0503030403020204" pitchFamily="34" charset="0"/>
+              </a:rPr>
+              <a:t>k</a:t>
+            </a:r>
+            <a:r>
+              <a:rPr lang="en-US" dirty="0">
+                <a:latin typeface="Source Sans Pro" panose="020B0503030403020204" pitchFamily="34" charset="0"/>
+                <a:ea typeface="Source Sans Pro" panose="020B0503030403020204" pitchFamily="34" charset="0"/>
+              </a:rPr>
+              <a:t> = 7.</a:t>
+            </a:r>
+            <a:endParaRPr lang="en-US" baseline="30000" dirty="0"/>
+          </a:p>
+        </p:txBody>
+      </p:sp>
+      <p:pic>
+        <p:nvPicPr>
+          <p:cNvPr id="35" name="Picture 2">
+            <a:extLst>
+              <a:ext uri="{FF2B5EF4-FFF2-40B4-BE49-F238E27FC236}">
+                <a16:creationId xmlns:a16="http://schemas.microsoft.com/office/drawing/2014/main" id="{2926EC8E-3997-473D-AE18-B886138453D7}"/>
+              </a:ext>
+            </a:extLst>
+          </p:cNvPr>
+          <p:cNvPicPr>
+            <a:picLocks noChangeAspect="1" noChangeArrowheads="1"/>
+          </p:cNvPicPr>
+          <p:nvPr/>
+        </p:nvPicPr>
+        <p:blipFill>
+          <a:blip r:embed="rId12">
+            <a:extLst>
+              <a:ext uri="{28A0092B-C50C-407E-A947-70E740481C1C}">
+                <a14:useLocalDpi xmlns:a14="http://schemas.microsoft.com/office/drawing/2010/main" val="0"/>
+              </a:ext>
+            </a:extLst>
+          </a:blip>
+          <a:srcRect/>
+          <a:stretch>
+            <a:fillRect/>
+          </a:stretch>
+        </p:blipFill>
+        <p:spPr bwMode="auto">
+          <a:xfrm>
+            <a:off x="13481756" y="15987976"/>
+            <a:ext cx="5117350" cy="4818838"/>
+          </a:xfrm>
+          <a:prstGeom prst="rect">
+            <a:avLst/>
+          </a:prstGeom>
+          <a:noFill/>
+          <a:extLst>
+            <a:ext uri="{909E8E84-426E-40DD-AFC4-6F175D3DCCD1}">
+              <a14:hiddenFill xmlns:a14="http://schemas.microsoft.com/office/drawing/2010/main">
+                <a:solidFill>
+                  <a:srgbClr val="FFFFFF"/>
+                </a:solidFill>
+              </a14:hiddenFill>
+            </a:ext>
+          </a:extLst>
+        </p:spPr>
+      </p:pic>
+      <mc:AlternateContent xmlns:mc="http://schemas.openxmlformats.org/markup-compatibility/2006">
+        <mc:Choice xmlns:a14="http://schemas.microsoft.com/office/drawing/2010/main" Requires="a14">
+          <p:sp>
+            <p:nvSpPr>
+              <p:cNvPr id="37" name="Rectangle 36">
+                <a:extLst>
+                  <a:ext uri="{FF2B5EF4-FFF2-40B4-BE49-F238E27FC236}">
+                    <a16:creationId xmlns:a16="http://schemas.microsoft.com/office/drawing/2014/main" id="{DAB3F643-9799-42E4-8C6C-09F15FDE2C28}"/>
+                  </a:ext>
+                </a:extLst>
+              </p:cNvPr>
+              <p:cNvSpPr/>
+              <p:nvPr/>
+            </p:nvSpPr>
+            <p:spPr>
+              <a:xfrm>
+                <a:off x="8955724" y="16532078"/>
+                <a:ext cx="4616744" cy="5297540"/>
+              </a:xfrm>
+              <a:prstGeom prst="rect">
+                <a:avLst/>
+              </a:prstGeom>
+            </p:spPr>
+            <p:txBody>
+              <a:bodyPr wrap="square">
+                <a:spAutoFit/>
+              </a:bodyPr>
+              <a:lstStyle/>
+              <a:p>
+                <a:pPr lvl="0" defTabSz="1097280">
+                  <a:defRPr/>
+                </a:pPr>
+                <a:r>
+                  <a:rPr lang="en-US" sz="2400" b="1" dirty="0">
+                    <a:solidFill>
+                      <a:prstClr val="black"/>
+                    </a:solidFill>
+                    <a:latin typeface="Source Sans Pro" panose="020B0503030403020204" pitchFamily="34" charset="0"/>
+                    <a:ea typeface="Source Sans Pro" panose="020B0503030403020204" pitchFamily="34" charset="0"/>
+                  </a:rPr>
+                  <a:t>SVR</a:t>
+                </a:r>
+                <a:r>
+                  <a:rPr lang="en-US" sz="2400" dirty="0">
+                    <a:solidFill>
+                      <a:prstClr val="black"/>
+                    </a:solidFill>
+                    <a:latin typeface="Source Sans Pro" panose="020B0503030403020204" pitchFamily="34" charset="0"/>
+                    <a:ea typeface="Source Sans Pro" panose="020B0503030403020204" pitchFamily="34" charset="0"/>
+                  </a:rPr>
+                  <a:t> (Support Vector Regressor): We use non-linear SVR models, where the kernel transforms the data into a higher-dimensional feature space to enable linear separation. We chose a </a:t>
+                </a:r>
+                <a:r>
+                  <a:rPr lang="en-US" sz="2400" i="1" dirty="0">
+                    <a:solidFill>
+                      <a:prstClr val="black"/>
+                    </a:solidFill>
+                    <a:latin typeface="Source Sans Pro" panose="020B0503030403020204" pitchFamily="34" charset="0"/>
+                    <a:ea typeface="Source Sans Pro" panose="020B0503030403020204" pitchFamily="34" charset="0"/>
+                  </a:rPr>
+                  <a:t>radial basis function kernel</a:t>
+                </a:r>
+                <a:r>
+                  <a:rPr lang="en-US" sz="2400" dirty="0">
+                    <a:solidFill>
+                      <a:prstClr val="black"/>
+                    </a:solidFill>
+                    <a:latin typeface="Source Sans Pro" panose="020B0503030403020204" pitchFamily="34" charset="0"/>
+                    <a:ea typeface="Source Sans Pro" panose="020B0503030403020204" pitchFamily="34" charset="0"/>
+                  </a:rPr>
+                  <a:t>:</a:t>
+                </a:r>
+              </a:p>
+              <a:p>
+                <a:pPr lvl="0" defTabSz="1097280">
+                  <a:defRPr/>
+                </a:pPr>
+                <a:endParaRPr lang="en-US" sz="500" dirty="0">
+                  <a:solidFill>
+                    <a:prstClr val="black"/>
+                  </a:solidFill>
+                  <a:latin typeface="Source Sans Pro" panose="020B0503030403020204" pitchFamily="34" charset="0"/>
+                  <a:ea typeface="Source Sans Pro" panose="020B0503030403020204" pitchFamily="34" charset="0"/>
+                </a:endParaRPr>
+              </a:p>
+              <a:p>
+                <a:pPr lvl="0" defTabSz="1097280">
+                  <a:defRPr/>
+                </a:pPr>
+                <a14:m>
+                  <m:oMathPara xmlns:m="http://schemas.openxmlformats.org/officeDocument/2006/math">
+                    <m:oMathParaPr>
+                      <m:jc m:val="centerGroup"/>
+                    </m:oMathParaPr>
+                    <m:oMath xmlns:m="http://schemas.openxmlformats.org/officeDocument/2006/math">
+                      <m:r>
+                        <a:rPr lang="en-US" sz="2400" i="1">
+                          <a:solidFill>
+                            <a:prstClr val="black"/>
+                          </a:solidFill>
+                          <a:latin typeface="Cambria Math" panose="02040503050406030204" pitchFamily="18" charset="0"/>
+                          <a:ea typeface="Source Sans Pro" panose="020B0503030403020204" pitchFamily="34" charset="0"/>
+                        </a:rPr>
+                        <m:t>𝐾</m:t>
+                      </m:r>
+                      <m:d>
+                        <m:dPr>
+                          <m:ctrlPr>
+                            <a:rPr lang="en-US" sz="2400" i="1">
+                              <a:solidFill>
+                                <a:prstClr val="black"/>
+                              </a:solidFill>
+                              <a:latin typeface="Cambria Math" panose="02040503050406030204" pitchFamily="18" charset="0"/>
+                              <a:ea typeface="Source Sans Pro" panose="020B0503030403020204" pitchFamily="34" charset="0"/>
+                            </a:rPr>
+                          </m:ctrlPr>
+                        </m:dPr>
+                        <m:e>
+                          <m:r>
+                            <a:rPr lang="en-US" sz="2400" i="1">
+                              <a:solidFill>
+                                <a:prstClr val="black"/>
+                              </a:solidFill>
+                              <a:latin typeface="Cambria Math" panose="02040503050406030204" pitchFamily="18" charset="0"/>
+                              <a:ea typeface="Source Sans Pro" panose="020B0503030403020204" pitchFamily="34" charset="0"/>
+                            </a:rPr>
+                            <m:t>𝑥</m:t>
+                          </m:r>
+                          <m:r>
+                            <a:rPr lang="en-US" sz="2400" i="1">
+                              <a:solidFill>
+                                <a:prstClr val="black"/>
+                              </a:solidFill>
+                              <a:latin typeface="Cambria Math" panose="02040503050406030204" pitchFamily="18" charset="0"/>
+                              <a:ea typeface="Source Sans Pro" panose="020B0503030403020204" pitchFamily="34" charset="0"/>
+                            </a:rPr>
+                            <m:t>,</m:t>
+                          </m:r>
+                          <m:sSup>
+                            <m:sSupPr>
+                              <m:ctrlPr>
+                                <a:rPr lang="en-US" sz="2400" i="1">
+                                  <a:solidFill>
+                                    <a:prstClr val="black"/>
+                                  </a:solidFill>
+                                  <a:latin typeface="Cambria Math" panose="02040503050406030204" pitchFamily="18" charset="0"/>
+                                  <a:ea typeface="Source Sans Pro" panose="020B0503030403020204" pitchFamily="34" charset="0"/>
+                                </a:rPr>
+                              </m:ctrlPr>
+                            </m:sSupPr>
+                            <m:e>
+                              <m:r>
+                                <a:rPr lang="en-US" sz="2400" i="1">
+                                  <a:solidFill>
+                                    <a:prstClr val="black"/>
+                                  </a:solidFill>
+                                  <a:latin typeface="Cambria Math" panose="02040503050406030204" pitchFamily="18" charset="0"/>
+                                  <a:ea typeface="Source Sans Pro" panose="020B0503030403020204" pitchFamily="34" charset="0"/>
+                                </a:rPr>
+                                <m:t>𝑥</m:t>
+                              </m:r>
+                            </m:e>
+                            <m:sup>
+                              <m:r>
+                                <a:rPr lang="en-US" sz="2400" i="1">
+                                  <a:solidFill>
+                                    <a:prstClr val="black"/>
+                                  </a:solidFill>
+                                  <a:latin typeface="Cambria Math" panose="02040503050406030204" pitchFamily="18" charset="0"/>
+                                  <a:ea typeface="Source Sans Pro" panose="020B0503030403020204" pitchFamily="34" charset="0"/>
+                                </a:rPr>
+                                <m:t>′</m:t>
+                              </m:r>
+                            </m:sup>
+                          </m:sSup>
+                        </m:e>
+                      </m:d>
+                      <m:r>
+                        <a:rPr lang="en-US" sz="2400" i="1">
+                          <a:solidFill>
+                            <a:prstClr val="black"/>
+                          </a:solidFill>
+                          <a:latin typeface="Cambria Math" panose="02040503050406030204" pitchFamily="18" charset="0"/>
+                          <a:ea typeface="Source Sans Pro" panose="020B0503030403020204" pitchFamily="34" charset="0"/>
+                        </a:rPr>
+                        <m:t>=</m:t>
+                      </m:r>
+                      <m:func>
+                        <m:funcPr>
+                          <m:ctrlPr>
+                            <a:rPr lang="en-US" sz="2400" i="1">
+                              <a:solidFill>
+                                <a:prstClr val="black"/>
+                              </a:solidFill>
+                              <a:latin typeface="Cambria Math" panose="02040503050406030204" pitchFamily="18" charset="0"/>
+                              <a:ea typeface="Source Sans Pro" panose="020B0503030403020204" pitchFamily="34" charset="0"/>
+                            </a:rPr>
+                          </m:ctrlPr>
+                        </m:funcPr>
+                        <m:fName>
+                          <m:r>
+                            <m:rPr>
+                              <m:sty m:val="p"/>
+                            </m:rPr>
+                            <a:rPr lang="en-US" sz="2400">
+                              <a:solidFill>
+                                <a:prstClr val="black"/>
+                              </a:solidFill>
+                              <a:latin typeface="Cambria Math" panose="02040503050406030204" pitchFamily="18" charset="0"/>
+                              <a:ea typeface="Source Sans Pro" panose="020B0503030403020204" pitchFamily="34" charset="0"/>
+                            </a:rPr>
+                            <m:t>exp</m:t>
+                          </m:r>
+                        </m:fName>
+                        <m:e>
+                          <m:d>
+                            <m:dPr>
+                              <m:ctrlPr>
+                                <a:rPr lang="en-US" sz="2400" i="1">
+                                  <a:solidFill>
+                                    <a:prstClr val="black"/>
+                                  </a:solidFill>
+                                  <a:latin typeface="Cambria Math" panose="02040503050406030204" pitchFamily="18" charset="0"/>
+                                  <a:ea typeface="Source Sans Pro" panose="020B0503030403020204" pitchFamily="34" charset="0"/>
+                                </a:rPr>
+                              </m:ctrlPr>
+                            </m:dPr>
+                            <m:e>
+                              <m:r>
+                                <a:rPr lang="en-US" sz="2400" i="1">
+                                  <a:solidFill>
+                                    <a:prstClr val="black"/>
+                                  </a:solidFill>
+                                  <a:latin typeface="Cambria Math" panose="02040503050406030204" pitchFamily="18" charset="0"/>
+                                  <a:ea typeface="Source Sans Pro" panose="020B0503030403020204" pitchFamily="34" charset="0"/>
+                                </a:rPr>
+                                <m:t>−</m:t>
+                              </m:r>
+                              <m:r>
+                                <a:rPr lang="en-US" sz="2400" i="1">
+                                  <a:solidFill>
+                                    <a:prstClr val="black"/>
+                                  </a:solidFill>
+                                  <a:latin typeface="Cambria Math" panose="02040503050406030204" pitchFamily="18" charset="0"/>
+                                  <a:ea typeface="Source Sans Pro" panose="020B0503030403020204" pitchFamily="34" charset="0"/>
+                                </a:rPr>
+                                <m:t>𝛾</m:t>
+                              </m:r>
+                              <m:sSup>
+                                <m:sSupPr>
+                                  <m:ctrlPr>
+                                    <a:rPr lang="en-US" sz="2400" i="1">
+                                      <a:solidFill>
+                                        <a:prstClr val="black"/>
+                                      </a:solidFill>
+                                      <a:latin typeface="Cambria Math" panose="02040503050406030204" pitchFamily="18" charset="0"/>
+                                      <a:ea typeface="Source Sans Pro" panose="020B0503030403020204" pitchFamily="34" charset="0"/>
+                                    </a:rPr>
+                                  </m:ctrlPr>
+                                </m:sSupPr>
+                                <m:e>
+                                  <m:d>
+                                    <m:dPr>
+                                      <m:begChr m:val="|"/>
+                                      <m:endChr m:val="|"/>
+                                      <m:ctrlPr>
+                                        <a:rPr lang="en-US" sz="2400" i="1">
+                                          <a:solidFill>
+                                            <a:prstClr val="black"/>
+                                          </a:solidFill>
+                                          <a:latin typeface="Cambria Math" panose="02040503050406030204" pitchFamily="18" charset="0"/>
+                                          <a:ea typeface="Source Sans Pro" panose="020B0503030403020204" pitchFamily="34" charset="0"/>
+                                        </a:rPr>
+                                      </m:ctrlPr>
+                                    </m:dPr>
+                                    <m:e>
+                                      <m:d>
+                                        <m:dPr>
+                                          <m:begChr m:val="|"/>
+                                          <m:endChr m:val="|"/>
+                                          <m:ctrlPr>
+                                            <a:rPr lang="en-US" sz="2400" i="1">
+                                              <a:solidFill>
+                                                <a:prstClr val="black"/>
+                                              </a:solidFill>
+                                              <a:latin typeface="Cambria Math" panose="02040503050406030204" pitchFamily="18" charset="0"/>
+                                              <a:ea typeface="Source Sans Pro" panose="020B0503030403020204" pitchFamily="34" charset="0"/>
+                                            </a:rPr>
+                                          </m:ctrlPr>
+                                        </m:dPr>
+                                        <m:e>
+                                          <m:r>
+                                            <a:rPr lang="en-US" sz="2400" i="1">
+                                              <a:solidFill>
+                                                <a:prstClr val="black"/>
+                                              </a:solidFill>
+                                              <a:latin typeface="Cambria Math" panose="02040503050406030204" pitchFamily="18" charset="0"/>
+                                              <a:ea typeface="Source Sans Pro" panose="020B0503030403020204" pitchFamily="34" charset="0"/>
+                                            </a:rPr>
+                                            <m:t>𝑥</m:t>
+                                          </m:r>
+                                          <m:r>
+                                            <a:rPr lang="en-US" sz="2400" i="1">
+                                              <a:solidFill>
+                                                <a:prstClr val="black"/>
+                                              </a:solidFill>
+                                              <a:latin typeface="Cambria Math" panose="02040503050406030204" pitchFamily="18" charset="0"/>
+                                              <a:ea typeface="Source Sans Pro" panose="020B0503030403020204" pitchFamily="34" charset="0"/>
+                                            </a:rPr>
+                                            <m:t>−</m:t>
+                                          </m:r>
+                                          <m:sSup>
+                                            <m:sSupPr>
+                                              <m:ctrlPr>
+                                                <a:rPr lang="en-US" sz="2400" i="1">
+                                                  <a:solidFill>
+                                                    <a:prstClr val="black"/>
+                                                  </a:solidFill>
+                                                  <a:latin typeface="Cambria Math" panose="02040503050406030204" pitchFamily="18" charset="0"/>
+                                                  <a:ea typeface="Source Sans Pro" panose="020B0503030403020204" pitchFamily="34" charset="0"/>
+                                                </a:rPr>
+                                              </m:ctrlPr>
+                                            </m:sSupPr>
+                                            <m:e>
+                                              <m:r>
+                                                <a:rPr lang="en-US" sz="2400" i="1">
+                                                  <a:solidFill>
+                                                    <a:prstClr val="black"/>
+                                                  </a:solidFill>
+                                                  <a:latin typeface="Cambria Math" panose="02040503050406030204" pitchFamily="18" charset="0"/>
+                                                  <a:ea typeface="Source Sans Pro" panose="020B0503030403020204" pitchFamily="34" charset="0"/>
+                                                </a:rPr>
+                                                <m:t>𝑥</m:t>
+                                              </m:r>
+                                            </m:e>
+                                            <m:sup>
+                                              <m:r>
+                                                <a:rPr lang="en-US" sz="2400" i="1">
+                                                  <a:solidFill>
+                                                    <a:prstClr val="black"/>
+                                                  </a:solidFill>
+                                                  <a:latin typeface="Cambria Math" panose="02040503050406030204" pitchFamily="18" charset="0"/>
+                                                  <a:ea typeface="Source Sans Pro" panose="020B0503030403020204" pitchFamily="34" charset="0"/>
+                                                </a:rPr>
+                                                <m:t>′</m:t>
+                                              </m:r>
+                                            </m:sup>
+                                          </m:sSup>
+                                        </m:e>
+                                      </m:d>
+                                    </m:e>
+                                  </m:d>
+                                </m:e>
+                                <m:sup>
+                                  <m:r>
+                                    <a:rPr lang="en-US" sz="2400" i="1">
+                                      <a:solidFill>
+                                        <a:prstClr val="black"/>
+                                      </a:solidFill>
+                                      <a:latin typeface="Cambria Math" panose="02040503050406030204" pitchFamily="18" charset="0"/>
+                                      <a:ea typeface="Source Sans Pro" panose="020B0503030403020204" pitchFamily="34" charset="0"/>
+                                    </a:rPr>
+                                    <m:t>2</m:t>
+                                  </m:r>
+                                </m:sup>
+                              </m:sSup>
+                            </m:e>
+                          </m:d>
+                        </m:e>
+                      </m:func>
+                    </m:oMath>
+                  </m:oMathPara>
+                </a14:m>
+                <a:endParaRPr lang="en-US" sz="2400" dirty="0">
+                  <a:solidFill>
+                    <a:prstClr val="black"/>
+                  </a:solidFill>
+                  <a:latin typeface="Source Sans Pro" panose="020B0503030403020204" pitchFamily="34" charset="0"/>
+                  <a:ea typeface="Source Sans Pro" panose="020B0503030403020204" pitchFamily="34" charset="0"/>
+                </a:endParaRPr>
+              </a:p>
+              <a:p>
+                <a:pPr lvl="0" defTabSz="1097280">
+                  <a:defRPr/>
+                </a:pPr>
+                <a:endParaRPr lang="en-US" sz="500" dirty="0">
+                  <a:solidFill>
+                    <a:prstClr val="black"/>
+                  </a:solidFill>
+                  <a:latin typeface="Source Sans Pro" panose="020B0503030403020204" pitchFamily="34" charset="0"/>
+                  <a:ea typeface="Source Sans Pro" panose="020B0503030403020204" pitchFamily="34" charset="0"/>
+                </a:endParaRPr>
+              </a:p>
+              <a:p>
+                <a:pPr lvl="0" defTabSz="1097280">
+                  <a:defRPr/>
+                </a:pPr>
+                <a:r>
+                  <a:rPr lang="en-US" sz="2400" dirty="0">
+                    <a:solidFill>
+                      <a:prstClr val="black"/>
+                    </a:solidFill>
+                    <a:latin typeface="Source Sans Pro" panose="020B0503030403020204" pitchFamily="34" charset="0"/>
+                    <a:ea typeface="Source Sans Pro" panose="020B0503030403020204" pitchFamily="34" charset="0"/>
+                  </a:rPr>
+                  <a:t>We conduct exhaustive cross-validation grid search over hyperparameters </a:t>
+                </a:r>
+                <a14:m>
+                  <m:oMath xmlns:m="http://schemas.openxmlformats.org/officeDocument/2006/math">
+                    <m:r>
+                      <a:rPr lang="en-US" sz="2400" i="1" dirty="0">
+                        <a:solidFill>
+                          <a:prstClr val="black"/>
+                        </a:solidFill>
+                        <a:latin typeface="Cambria Math" panose="02040503050406030204" pitchFamily="18" charset="0"/>
+                        <a:ea typeface="Source Sans Pro" panose="020B0503030403020204" pitchFamily="34" charset="0"/>
+                      </a:rPr>
+                      <m:t>𝛾</m:t>
+                    </m:r>
+                  </m:oMath>
+                </a14:m>
+                <a:r>
+                  <a:rPr lang="en-US" sz="2400" dirty="0">
+                    <a:solidFill>
+                      <a:prstClr val="black"/>
+                    </a:solidFill>
+                    <a:latin typeface="Source Sans Pro" panose="020B0503030403020204" pitchFamily="34" charset="0"/>
+                    <a:ea typeface="Source Sans Pro" panose="020B0503030403020204" pitchFamily="34" charset="0"/>
+                  </a:rPr>
+                  <a:t> and C for each of the 31 semantic attributes. C is a regularization parameter.</a:t>
+                </a:r>
+              </a:p>
+            </p:txBody>
+          </p:sp>
+        </mc:Choice>
+        <mc:Fallback>
+          <p:sp>
+            <p:nvSpPr>
+              <p:cNvPr id="37" name="Rectangle 36">
+                <a:extLst>
+                  <a:ext uri="{FF2B5EF4-FFF2-40B4-BE49-F238E27FC236}">
+                    <a16:creationId xmlns:a16="http://schemas.microsoft.com/office/drawing/2014/main" id="{DAB3F643-9799-42E4-8C6C-09F15FDE2C28}"/>
+                  </a:ext>
+                </a:extLst>
+              </p:cNvPr>
+              <p:cNvSpPr>
+                <a:spLocks noRot="1" noChangeAspect="1" noMove="1" noResize="1" noEditPoints="1" noAdjustHandles="1" noChangeArrowheads="1" noChangeShapeType="1" noTextEdit="1"/>
+              </p:cNvSpPr>
+              <p:nvPr/>
+            </p:nvSpPr>
+            <p:spPr>
+              <a:xfrm>
+                <a:off x="8955724" y="16532078"/>
+                <a:ext cx="4616744" cy="5297540"/>
+              </a:xfrm>
+              <a:prstGeom prst="rect">
+                <a:avLst/>
+              </a:prstGeom>
+              <a:blipFill>
+                <a:blip r:embed="rId13"/>
+                <a:stretch>
+                  <a:fillRect l="-1982" t="-921" r="-3038" b="-575"/>
+                </a:stretch>
+              </a:blipFill>
+            </p:spPr>
+            <p:txBody>
+              <a:bodyPr/>
+              <a:lstStyle/>
+              <a:p>
+                <a:r>
+                  <a:rPr lang="en-US">
+                    <a:noFill/>
+                  </a:rPr>
+                  <a:t> </a:t>
+                </a:r>
+              </a:p>
+            </p:txBody>
+          </p:sp>
+        </mc:Fallback>
+      </mc:AlternateContent>
+      <mc:AlternateContent xmlns:mc="http://schemas.openxmlformats.org/markup-compatibility/2006">
+        <mc:Choice xmlns:a14="http://schemas.microsoft.com/office/drawing/2010/main" Requires="a14">
+          <p:sp>
+            <p:nvSpPr>
+              <p:cNvPr id="54" name="Rectangle 53">
+                <a:extLst>
+                  <a:ext uri="{FF2B5EF4-FFF2-40B4-BE49-F238E27FC236}">
+                    <a16:creationId xmlns:a16="http://schemas.microsoft.com/office/drawing/2014/main" id="{0B2DCA4B-DD22-4233-8794-9802978DE237}"/>
+                  </a:ext>
+                </a:extLst>
+              </p:cNvPr>
+              <p:cNvSpPr/>
+              <p:nvPr/>
+            </p:nvSpPr>
+            <p:spPr>
+              <a:xfrm>
+                <a:off x="13969956" y="20987116"/>
+                <a:ext cx="3923371" cy="646331"/>
+              </a:xfrm>
+              <a:prstGeom prst="rect">
+                <a:avLst/>
+              </a:prstGeom>
+            </p:spPr>
+            <p:txBody>
+              <a:bodyPr wrap="square">
+                <a:spAutoFit/>
+              </a:bodyPr>
+              <a:lstStyle/>
+              <a:p>
+                <a:pPr algn="ctr"/>
+                <a:r>
+                  <a:rPr lang="en-US" dirty="0">
+                    <a:latin typeface="Source Sans Pro" panose="020B0503030403020204" pitchFamily="34" charset="0"/>
+                    <a:ea typeface="Source Sans Pro" panose="020B0503030403020204" pitchFamily="34" charset="0"/>
+                  </a:rPr>
+                  <a:t>Figure 3. Support Vector Regressor grid search over gamma (</a:t>
+                </a:r>
+                <a14:m>
+                  <m:oMath xmlns:m="http://schemas.openxmlformats.org/officeDocument/2006/math">
+                    <m:r>
+                      <a:rPr lang="en-US" i="1" dirty="0">
+                        <a:solidFill>
+                          <a:prstClr val="black"/>
+                        </a:solidFill>
+                        <a:latin typeface="Cambria Math" panose="02040503050406030204" pitchFamily="18" charset="0"/>
+                        <a:ea typeface="Source Sans Pro" panose="020B0503030403020204" pitchFamily="34" charset="0"/>
+                      </a:rPr>
+                      <m:t>𝛾</m:t>
+                    </m:r>
+                  </m:oMath>
+                </a14:m>
+                <a:r>
+                  <a:rPr lang="en-US" dirty="0">
+                    <a:latin typeface="Source Sans Pro" panose="020B0503030403020204" pitchFamily="34" charset="0"/>
+                    <a:ea typeface="Source Sans Pro" panose="020B0503030403020204" pitchFamily="34" charset="0"/>
+                  </a:rPr>
+                  <a:t>) and C. </a:t>
+                </a:r>
+                <a:endParaRPr lang="en-US" baseline="30000" dirty="0"/>
+              </a:p>
+            </p:txBody>
+          </p:sp>
+        </mc:Choice>
+        <mc:Fallback>
+          <p:sp>
+            <p:nvSpPr>
+              <p:cNvPr id="54" name="Rectangle 53">
+                <a:extLst>
+                  <a:ext uri="{FF2B5EF4-FFF2-40B4-BE49-F238E27FC236}">
+                    <a16:creationId xmlns:a16="http://schemas.microsoft.com/office/drawing/2014/main" id="{0B2DCA4B-DD22-4233-8794-9802978DE237}"/>
+                  </a:ext>
+                </a:extLst>
+              </p:cNvPr>
+              <p:cNvSpPr>
+                <a:spLocks noRot="1" noChangeAspect="1" noMove="1" noResize="1" noEditPoints="1" noAdjustHandles="1" noChangeArrowheads="1" noChangeShapeType="1" noTextEdit="1"/>
+              </p:cNvSpPr>
+              <p:nvPr/>
+            </p:nvSpPr>
+            <p:spPr>
+              <a:xfrm>
+                <a:off x="13969956" y="20987116"/>
+                <a:ext cx="3923371" cy="646331"/>
+              </a:xfrm>
+              <a:prstGeom prst="rect">
+                <a:avLst/>
+              </a:prstGeom>
+              <a:blipFill>
+                <a:blip r:embed="rId14"/>
+                <a:stretch>
+                  <a:fillRect l="-933" t="-5660" r="-2022" b="-14151"/>
+                </a:stretch>
+              </a:blipFill>
+            </p:spPr>
+            <p:txBody>
+              <a:bodyPr/>
+              <a:lstStyle/>
+              <a:p>
+                <a:r>
+                  <a:rPr lang="en-US">
+                    <a:noFill/>
+                  </a:rPr>
+                  <a:t> </a:t>
+                </a:r>
+              </a:p>
+            </p:txBody>
+          </p:sp>
+        </mc:Fallback>
+      </mc:AlternateContent>
+      <p:pic>
+        <p:nvPicPr>
+          <p:cNvPr id="1028" name="Picture 4">
+            <a:extLst>
+              <a:ext uri="{FF2B5EF4-FFF2-40B4-BE49-F238E27FC236}">
+                <a16:creationId xmlns:a16="http://schemas.microsoft.com/office/drawing/2014/main" id="{A64BF70C-B781-4B57-87F5-31376A0A67D4}"/>
+              </a:ext>
+            </a:extLst>
+          </p:cNvPr>
+          <p:cNvPicPr>
+            <a:picLocks noChangeAspect="1" noChangeArrowheads="1"/>
+          </p:cNvPicPr>
+          <p:nvPr/>
+        </p:nvPicPr>
+        <p:blipFill>
+          <a:blip r:embed="rId15">
+            <a:clrChange>
+              <a:clrFrom>
+                <a:srgbClr val="FFFFFF"/>
+              </a:clrFrom>
+              <a:clrTo>
+                <a:srgbClr val="FFFFFF">
+                  <a:alpha val="0"/>
+                </a:srgbClr>
+              </a:clrTo>
+            </a:clrChange>
+            <a:extLst>
+              <a:ext uri="{28A0092B-C50C-407E-A947-70E740481C1C}">
+                <a14:useLocalDpi xmlns:a14="http://schemas.microsoft.com/office/drawing/2010/main" val="0"/>
+              </a:ext>
+            </a:extLst>
+          </a:blip>
+          <a:srcRect/>
+          <a:stretch>
+            <a:fillRect/>
+          </a:stretch>
+        </p:blipFill>
+        <p:spPr bwMode="auto">
+          <a:xfrm>
+            <a:off x="27337397" y="6786014"/>
+            <a:ext cx="4623616" cy="2013003"/>
+          </a:xfrm>
+          <a:prstGeom prst="rect">
+            <a:avLst/>
+          </a:prstGeom>
+          <a:noFill/>
+          <a:extLst>
+            <a:ext uri="{909E8E84-426E-40DD-AFC4-6F175D3DCCD1}">
+              <a14:hiddenFill xmlns:a14="http://schemas.microsoft.com/office/drawing/2010/main">
+                <a:solidFill>
+                  <a:srgbClr val="FFFFFF"/>
+                </a:solidFill>
+              </a14:hiddenFill>
+            </a:ext>
+          </a:extLst>
+        </p:spPr>
+      </p:pic>
+      <p:sp>
+        <p:nvSpPr>
+          <p:cNvPr id="58" name="Rectangle 57">
+            <a:extLst>
+              <a:ext uri="{FF2B5EF4-FFF2-40B4-BE49-F238E27FC236}">
+                <a16:creationId xmlns:a16="http://schemas.microsoft.com/office/drawing/2014/main" id="{5BA3F97D-2C32-408B-AA79-325E17EAC0EB}"/>
+              </a:ext>
+            </a:extLst>
+          </p:cNvPr>
+          <p:cNvSpPr/>
+          <p:nvPr/>
+        </p:nvSpPr>
+        <p:spPr>
+          <a:xfrm>
+            <a:off x="27423534" y="8712701"/>
+            <a:ext cx="4732467" cy="923330"/>
+          </a:xfrm>
+          <a:prstGeom prst="rect">
+            <a:avLst/>
+          </a:prstGeom>
+        </p:spPr>
+        <p:txBody>
+          <a:bodyPr wrap="square">
+            <a:spAutoFit/>
+          </a:bodyPr>
+          <a:lstStyle/>
+          <a:p>
+            <a:pPr algn="ctr"/>
+            <a:r>
+              <a:rPr lang="en-US" dirty="0">
+                <a:latin typeface="Source Sans Pro" panose="020B0503030403020204" pitchFamily="34" charset="0"/>
+                <a:ea typeface="Source Sans Pro" panose="020B0503030403020204" pitchFamily="34" charset="0"/>
+              </a:rPr>
+              <a:t>Table 1. Data Induction Error for highest-performing models of each category. </a:t>
+            </a:r>
+            <a:r>
+              <a:rPr lang="en-US" dirty="0" err="1">
+                <a:latin typeface="Source Sans Pro" panose="020B0503030403020204" pitchFamily="34" charset="0"/>
+                <a:ea typeface="Source Sans Pro" panose="020B0503030403020204" pitchFamily="34" charset="0"/>
+              </a:rPr>
+              <a:t>Kulahcioglu</a:t>
+            </a:r>
+            <a:r>
+              <a:rPr lang="en-US" dirty="0">
+                <a:latin typeface="Source Sans Pro" panose="020B0503030403020204" pitchFamily="34" charset="0"/>
+                <a:ea typeface="Source Sans Pro" panose="020B0503030403020204" pitchFamily="34" charset="0"/>
+              </a:rPr>
+              <a:t> is [3].</a:t>
+            </a:r>
+            <a:endParaRPr lang="en-US" baseline="30000" dirty="0"/>
+          </a:p>
+        </p:txBody>
+      </p:sp>
+      <p:pic>
+        <p:nvPicPr>
+          <p:cNvPr id="1030" name="Picture 6">
+            <a:extLst>
+              <a:ext uri="{FF2B5EF4-FFF2-40B4-BE49-F238E27FC236}">
+                <a16:creationId xmlns:a16="http://schemas.microsoft.com/office/drawing/2014/main" id="{9786F794-8153-46CD-BEEB-BEAF3E27AE10}"/>
+              </a:ext>
+            </a:extLst>
+          </p:cNvPr>
+          <p:cNvPicPr>
+            <a:picLocks noChangeAspect="1" noChangeArrowheads="1"/>
+          </p:cNvPicPr>
+          <p:nvPr/>
+        </p:nvPicPr>
+        <p:blipFill>
+          <a:blip r:embed="rId16">
+            <a:clrChange>
+              <a:clrFrom>
+                <a:srgbClr val="FFFFFF"/>
+              </a:clrFrom>
+              <a:clrTo>
+                <a:srgbClr val="FFFFFF">
+                  <a:alpha val="0"/>
+                </a:srgbClr>
+              </a:clrTo>
+            </a:clrChange>
+            <a:extLst>
+              <a:ext uri="{28A0092B-C50C-407E-A947-70E740481C1C}">
+                <a14:useLocalDpi xmlns:a14="http://schemas.microsoft.com/office/drawing/2010/main" val="0"/>
+              </a:ext>
+            </a:extLst>
+          </a:blip>
+          <a:srcRect/>
+          <a:stretch>
+            <a:fillRect/>
+          </a:stretch>
+        </p:blipFill>
+        <p:spPr bwMode="auto">
+          <a:xfrm>
+            <a:off x="25300971" y="9774770"/>
+            <a:ext cx="7490032" cy="5101384"/>
+          </a:xfrm>
+          <a:prstGeom prst="rect">
+            <a:avLst/>
+          </a:prstGeom>
+          <a:noFill/>
+          <a:extLst>
+            <a:ext uri="{909E8E84-426E-40DD-AFC4-6F175D3DCCD1}">
+              <a14:hiddenFill xmlns:a14="http://schemas.microsoft.com/office/drawing/2010/main">
+                <a:solidFill>
+                  <a:srgbClr val="FFFFFF"/>
+                </a:solidFill>
+              </a14:hiddenFill>
+            </a:ext>
+          </a:extLst>
+        </p:spPr>
+      </p:pic>
+      <p:sp>
+        <p:nvSpPr>
+          <p:cNvPr id="62" name="Rectangle 61">
+            <a:extLst>
+              <a:ext uri="{FF2B5EF4-FFF2-40B4-BE49-F238E27FC236}">
+                <a16:creationId xmlns:a16="http://schemas.microsoft.com/office/drawing/2014/main" id="{29B527E2-62D2-4C5E-839F-752CCF67ED54}"/>
+              </a:ext>
+            </a:extLst>
+          </p:cNvPr>
+          <p:cNvSpPr/>
+          <p:nvPr/>
+        </p:nvSpPr>
+        <p:spPr>
+          <a:xfrm>
+            <a:off x="25561991" y="14868211"/>
+            <a:ext cx="6877070" cy="646331"/>
+          </a:xfrm>
+          <a:prstGeom prst="rect">
+            <a:avLst/>
+          </a:prstGeom>
+        </p:spPr>
+        <p:txBody>
+          <a:bodyPr wrap="square">
+            <a:spAutoFit/>
+          </a:bodyPr>
+          <a:lstStyle/>
+          <a:p>
+            <a:pPr algn="ctr"/>
+            <a:r>
+              <a:rPr lang="en-US" dirty="0">
+                <a:latin typeface="Source Sans Pro" panose="020B0503030403020204" pitchFamily="34" charset="0"/>
+                <a:ea typeface="Source Sans Pro" panose="020B0503030403020204" pitchFamily="34" charset="0"/>
+              </a:rPr>
+              <a:t>Figure 4. Dataset Induction Error of each model for each of the 31 semantic attributes. The ensemble performs best overall.</a:t>
+            </a:r>
+            <a:endParaRPr lang="en-US" baseline="30000" dirty="0"/>
+          </a:p>
+        </p:txBody>
+      </p:sp>
+      <p:sp>
+        <p:nvSpPr>
+          <p:cNvPr id="39" name="Rectangle 38">
+            <a:extLst>
+              <a:ext uri="{FF2B5EF4-FFF2-40B4-BE49-F238E27FC236}">
+                <a16:creationId xmlns:a16="http://schemas.microsoft.com/office/drawing/2014/main" id="{CC25D0E6-1318-4D02-B819-70CAD8BBC784}"/>
+              </a:ext>
+            </a:extLst>
+          </p:cNvPr>
+          <p:cNvSpPr/>
+          <p:nvPr/>
+        </p:nvSpPr>
+        <p:spPr>
+          <a:xfrm>
+            <a:off x="18903862" y="10223267"/>
+            <a:ext cx="6370486" cy="3785652"/>
+          </a:xfrm>
+          <a:prstGeom prst="rect">
+            <a:avLst/>
+          </a:prstGeom>
+        </p:spPr>
+        <p:txBody>
+          <a:bodyPr wrap="square">
+            <a:spAutoFit/>
+          </a:bodyPr>
+          <a:lstStyle/>
+          <a:p>
+            <a:r>
+              <a:rPr lang="en-US" sz="2000" dirty="0">
+                <a:solidFill>
+                  <a:prstClr val="black"/>
+                </a:solidFill>
+                <a:latin typeface="Source Sans Pro" panose="020B0503030403020204" pitchFamily="34" charset="0"/>
+                <a:ea typeface="Source Sans Pro" panose="020B0503030403020204" pitchFamily="34" charset="0"/>
+              </a:rPr>
+              <a:t>Using the induced dataset, we investigated how well models could predict semantic attributes given a typeface. We tested two baseline models:</a:t>
+            </a:r>
+            <a:endParaRPr lang="en-US" sz="2000" dirty="0">
+              <a:latin typeface="Source Sans Pro" panose="020B0503030403020204" pitchFamily="34" charset="0"/>
+              <a:ea typeface="Source Sans Pro" panose="020B0503030403020204" pitchFamily="34" charset="0"/>
+            </a:endParaRPr>
+          </a:p>
+          <a:p>
+            <a:pPr marL="228600" lvl="2" indent="-228600" fontAlgn="base">
+              <a:buFont typeface="Arial" panose="020B0604020202020204" pitchFamily="34" charset="0"/>
+              <a:buChar char="•"/>
+            </a:pPr>
+            <a:r>
+              <a:rPr lang="en-US" sz="2000" dirty="0">
+                <a:solidFill>
+                  <a:srgbClr val="000000"/>
+                </a:solidFill>
+                <a:latin typeface="Source Sans Pro" panose="020B0503030403020204" pitchFamily="34" charset="0"/>
+                <a:ea typeface="Source Sans Pro" panose="020B0503030403020204" pitchFamily="34" charset="0"/>
+              </a:rPr>
+              <a:t>1-step LR (*):  Linear regression model with rasterized image input of a collection of visually distinct glyphs</a:t>
+            </a:r>
+          </a:p>
+          <a:p>
+            <a:pPr marL="228600" lvl="2" indent="-228600" fontAlgn="base">
+              <a:buFont typeface="Arial" panose="020B0604020202020204" pitchFamily="34" charset="0"/>
+              <a:buChar char="•"/>
+            </a:pPr>
+            <a:r>
+              <a:rPr lang="en-US" sz="2000" dirty="0">
+                <a:solidFill>
+                  <a:srgbClr val="000000"/>
+                </a:solidFill>
+                <a:latin typeface="Source Sans Pro" panose="020B0503030403020204" pitchFamily="34" charset="0"/>
+                <a:ea typeface="Source Sans Pro" panose="020B0503030403020204" pitchFamily="34" charset="0"/>
+              </a:rPr>
+              <a:t>2-step LR (**):  Sequentially predict typographic attribute vector from rasterized image input with linear regression, and then predict semantic attributes using linear regression</a:t>
+            </a:r>
+          </a:p>
+          <a:p>
+            <a:pPr marL="0" lvl="2" fontAlgn="base"/>
+            <a:r>
+              <a:rPr lang="en-US" sz="2000" dirty="0">
+                <a:solidFill>
+                  <a:prstClr val="black"/>
+                </a:solidFill>
+                <a:latin typeface="Source Sans Pro" panose="020B0503030403020204" pitchFamily="34" charset="0"/>
+                <a:ea typeface="Source Sans Pro" panose="020B0503030403020204" pitchFamily="34" charset="0"/>
+              </a:rPr>
+              <a:t>We also created and tested a Convolutional Neural Network model (***) with two convolutional layers, which outperformed these baselines.</a:t>
+            </a:r>
+          </a:p>
+        </p:txBody>
+      </p:sp>
+      <p:pic>
+        <p:nvPicPr>
+          <p:cNvPr id="1032" name="Picture 8">
+            <a:extLst>
+              <a:ext uri="{FF2B5EF4-FFF2-40B4-BE49-F238E27FC236}">
+                <a16:creationId xmlns:a16="http://schemas.microsoft.com/office/drawing/2014/main" id="{216B6E60-1540-4E35-9F00-242D701ED663}"/>
+              </a:ext>
+            </a:extLst>
+          </p:cNvPr>
+          <p:cNvPicPr>
+            <a:picLocks noChangeAspect="1" noChangeArrowheads="1"/>
+          </p:cNvPicPr>
+          <p:nvPr/>
+        </p:nvPicPr>
+        <p:blipFill>
+          <a:blip r:embed="rId17">
+            <a:clrChange>
+              <a:clrFrom>
+                <a:srgbClr val="FFFFFF"/>
+              </a:clrFrom>
+              <a:clrTo>
+                <a:srgbClr val="FFFFFF">
+                  <a:alpha val="0"/>
+                </a:srgbClr>
+              </a:clrTo>
+            </a:clrChange>
+            <a:extLst>
+              <a:ext uri="{28A0092B-C50C-407E-A947-70E740481C1C}">
+                <a14:useLocalDpi xmlns:a14="http://schemas.microsoft.com/office/drawing/2010/main" val="0"/>
+              </a:ext>
+            </a:extLst>
+          </a:blip>
+          <a:srcRect/>
+          <a:stretch>
+            <a:fillRect/>
+          </a:stretch>
+        </p:blipFill>
+        <p:spPr bwMode="auto">
+          <a:xfrm>
+            <a:off x="18993091" y="13976115"/>
+            <a:ext cx="1514338" cy="2375432"/>
+          </a:xfrm>
+          <a:prstGeom prst="rect">
+            <a:avLst/>
+          </a:prstGeom>
+          <a:noFill/>
+          <a:extLst>
+            <a:ext uri="{909E8E84-426E-40DD-AFC4-6F175D3DCCD1}">
+              <a14:hiddenFill xmlns:a14="http://schemas.microsoft.com/office/drawing/2010/main">
+                <a:solidFill>
+                  <a:srgbClr val="FFFFFF"/>
+                </a:solidFill>
+              </a14:hiddenFill>
+            </a:ext>
+          </a:extLst>
+        </p:spPr>
+      </p:pic>
+      <p:pic>
+        <p:nvPicPr>
+          <p:cNvPr id="1034" name="Picture 10">
+            <a:extLst>
+              <a:ext uri="{FF2B5EF4-FFF2-40B4-BE49-F238E27FC236}">
+                <a16:creationId xmlns:a16="http://schemas.microsoft.com/office/drawing/2014/main" id="{C96A0A22-39F3-48AF-8D8C-29401537091A}"/>
+              </a:ext>
+            </a:extLst>
+          </p:cNvPr>
+          <p:cNvPicPr>
+            <a:picLocks noChangeAspect="1" noChangeArrowheads="1"/>
+          </p:cNvPicPr>
+          <p:nvPr/>
+        </p:nvPicPr>
+        <p:blipFill>
+          <a:blip r:embed="rId18">
+            <a:clrChange>
+              <a:clrFrom>
+                <a:srgbClr val="FFFFFF"/>
+              </a:clrFrom>
+              <a:clrTo>
+                <a:srgbClr val="FFFFFF">
+                  <a:alpha val="0"/>
+                </a:srgbClr>
+              </a:clrTo>
+            </a:clrChange>
+            <a:extLst>
+              <a:ext uri="{28A0092B-C50C-407E-A947-70E740481C1C}">
+                <a14:useLocalDpi xmlns:a14="http://schemas.microsoft.com/office/drawing/2010/main" val="0"/>
+              </a:ext>
+            </a:extLst>
+          </a:blip>
+          <a:srcRect/>
+          <a:stretch>
+            <a:fillRect/>
+          </a:stretch>
+        </p:blipFill>
+        <p:spPr bwMode="auto">
+          <a:xfrm>
+            <a:off x="21818583" y="14028630"/>
+            <a:ext cx="1751881" cy="2397702"/>
+          </a:xfrm>
+          <a:prstGeom prst="rect">
+            <a:avLst/>
+          </a:prstGeom>
+          <a:noFill/>
+          <a:extLst>
+            <a:ext uri="{909E8E84-426E-40DD-AFC4-6F175D3DCCD1}">
+              <a14:hiddenFill xmlns:a14="http://schemas.microsoft.com/office/drawing/2010/main">
+                <a:solidFill>
+                  <a:srgbClr val="FFFFFF"/>
+                </a:solidFill>
+              </a14:hiddenFill>
+            </a:ext>
+          </a:extLst>
+        </p:spPr>
+      </p:pic>
+      <p:pic>
+        <p:nvPicPr>
+          <p:cNvPr id="1036" name="Picture 12">
+            <a:extLst>
+              <a:ext uri="{FF2B5EF4-FFF2-40B4-BE49-F238E27FC236}">
+                <a16:creationId xmlns:a16="http://schemas.microsoft.com/office/drawing/2014/main" id="{C5DF3C46-E5A3-4F24-AD1E-B7CEA33A0010}"/>
+              </a:ext>
+            </a:extLst>
+          </p:cNvPr>
+          <p:cNvPicPr>
+            <a:picLocks noChangeAspect="1" noChangeArrowheads="1"/>
+          </p:cNvPicPr>
+          <p:nvPr/>
+        </p:nvPicPr>
+        <p:blipFill>
+          <a:blip r:embed="rId19">
+            <a:clrChange>
+              <a:clrFrom>
+                <a:srgbClr val="FFFFFF"/>
+              </a:clrFrom>
+              <a:clrTo>
+                <a:srgbClr val="FFFFFF">
+                  <a:alpha val="0"/>
+                </a:srgbClr>
+              </a:clrTo>
+            </a:clrChange>
+            <a:extLst>
+              <a:ext uri="{28A0092B-C50C-407E-A947-70E740481C1C}">
+                <a14:useLocalDpi xmlns:a14="http://schemas.microsoft.com/office/drawing/2010/main" val="0"/>
+              </a:ext>
+            </a:extLst>
+          </a:blip>
+          <a:srcRect/>
+          <a:stretch>
+            <a:fillRect/>
+          </a:stretch>
+        </p:blipFill>
+        <p:spPr bwMode="auto">
+          <a:xfrm>
+            <a:off x="18898098" y="16371244"/>
+            <a:ext cx="5943600" cy="2886075"/>
+          </a:xfrm>
+          <a:prstGeom prst="rect">
+            <a:avLst/>
+          </a:prstGeom>
+          <a:noFill/>
+          <a:extLst>
+            <a:ext uri="{909E8E84-426E-40DD-AFC4-6F175D3DCCD1}">
+              <a14:hiddenFill xmlns:a14="http://schemas.microsoft.com/office/drawing/2010/main">
+                <a:solidFill>
+                  <a:srgbClr val="FFFFFF"/>
+                </a:solidFill>
+              </a14:hiddenFill>
+            </a:ext>
+          </a:extLst>
+        </p:spPr>
+      </p:pic>
+      <p:sp>
+        <p:nvSpPr>
+          <p:cNvPr id="68" name="Rectangle 67">
+            <a:extLst>
+              <a:ext uri="{FF2B5EF4-FFF2-40B4-BE49-F238E27FC236}">
+                <a16:creationId xmlns:a16="http://schemas.microsoft.com/office/drawing/2014/main" id="{B66357D4-B1C1-4FB8-8427-D6270E5C78A3}"/>
+              </a:ext>
+            </a:extLst>
+          </p:cNvPr>
+          <p:cNvSpPr/>
+          <p:nvPr/>
+        </p:nvSpPr>
+        <p:spPr>
+          <a:xfrm>
+            <a:off x="18291764" y="14065080"/>
+            <a:ext cx="3923371" cy="276999"/>
+          </a:xfrm>
+          <a:prstGeom prst="rect">
+            <a:avLst/>
+          </a:prstGeom>
+        </p:spPr>
+        <p:txBody>
+          <a:bodyPr wrap="square">
+            <a:spAutoFit/>
+          </a:bodyPr>
+          <a:lstStyle/>
+          <a:p>
+            <a:pPr algn="ctr"/>
+            <a:r>
+              <a:rPr lang="en-US" baseline="30000" dirty="0">
+                <a:latin typeface="Source Sans Pro" panose="020B0503030403020204" pitchFamily="34" charset="0"/>
+                <a:ea typeface="Source Sans Pro" panose="020B0503030403020204" pitchFamily="34" charset="0"/>
+              </a:rPr>
+              <a:t>(*)</a:t>
+            </a:r>
+            <a:endParaRPr lang="en-US" baseline="30000" dirty="0"/>
+          </a:p>
+        </p:txBody>
+      </p:sp>
+      <p:sp>
+        <p:nvSpPr>
+          <p:cNvPr id="69" name="Rectangle 68">
+            <a:extLst>
+              <a:ext uri="{FF2B5EF4-FFF2-40B4-BE49-F238E27FC236}">
+                <a16:creationId xmlns:a16="http://schemas.microsoft.com/office/drawing/2014/main" id="{5570BB57-AAD9-478B-9975-BF194FB75573}"/>
+              </a:ext>
+            </a:extLst>
+          </p:cNvPr>
+          <p:cNvSpPr/>
+          <p:nvPr/>
+        </p:nvSpPr>
+        <p:spPr>
+          <a:xfrm>
+            <a:off x="21608778" y="14075878"/>
+            <a:ext cx="3923371" cy="276999"/>
+          </a:xfrm>
+          <a:prstGeom prst="rect">
+            <a:avLst/>
+          </a:prstGeom>
+        </p:spPr>
+        <p:txBody>
+          <a:bodyPr wrap="square">
+            <a:spAutoFit/>
+          </a:bodyPr>
+          <a:lstStyle/>
+          <a:p>
+            <a:pPr algn="ctr"/>
+            <a:r>
+              <a:rPr lang="en-US" baseline="30000" dirty="0">
+                <a:latin typeface="Source Sans Pro" panose="020B0503030403020204" pitchFamily="34" charset="0"/>
+                <a:ea typeface="Source Sans Pro" panose="020B0503030403020204" pitchFamily="34" charset="0"/>
+              </a:rPr>
+              <a:t>(**)</a:t>
+            </a:r>
+            <a:endParaRPr lang="en-US" baseline="30000" dirty="0"/>
+          </a:p>
+        </p:txBody>
+      </p:sp>
+      <p:sp>
+        <p:nvSpPr>
+          <p:cNvPr id="70" name="Rectangle 69">
+            <a:extLst>
+              <a:ext uri="{FF2B5EF4-FFF2-40B4-BE49-F238E27FC236}">
+                <a16:creationId xmlns:a16="http://schemas.microsoft.com/office/drawing/2014/main" id="{7118C628-3628-471C-82FA-F1789FCF05A9}"/>
+              </a:ext>
+            </a:extLst>
+          </p:cNvPr>
+          <p:cNvSpPr/>
+          <p:nvPr/>
+        </p:nvSpPr>
+        <p:spPr>
+          <a:xfrm>
+            <a:off x="20017045" y="16634593"/>
+            <a:ext cx="3923371" cy="276999"/>
+          </a:xfrm>
+          <a:prstGeom prst="rect">
+            <a:avLst/>
+          </a:prstGeom>
+        </p:spPr>
+        <p:txBody>
+          <a:bodyPr wrap="square">
+            <a:spAutoFit/>
+          </a:bodyPr>
+          <a:lstStyle/>
+          <a:p>
+            <a:pPr algn="ctr"/>
+            <a:r>
+              <a:rPr lang="en-US" baseline="30000" dirty="0">
+                <a:latin typeface="Source Sans Pro" panose="020B0503030403020204" pitchFamily="34" charset="0"/>
+                <a:ea typeface="Source Sans Pro" panose="020B0503030403020204" pitchFamily="34" charset="0"/>
+              </a:rPr>
+              <a:t>(***)</a:t>
             </a:r>
             <a:endParaRPr lang="en-US" baseline="30000" dirty="0"/>
           </a:p>

--- a/poster.pptx
+++ b/poster.pptx
@@ -2221,7 +2221,7 @@
           <a:p>
             <a:fld id="{95C0DF1D-8F71-7245-983B-474B2683A1DD}" type="datetimeFigureOut">
               <a:rPr lang="en-US" smtClean="0"/>
-              <a:t>12/11/2019</a:t>
+              <a:t>12/11/19</a:t>
             </a:fld>
             <a:endParaRPr lang="en-US"/>
           </a:p>
@@ -2386,7 +2386,7 @@
           <a:p>
             <a:fld id="{B0E1774D-7209-5145-B9A0-C7A98A00955B}" type="datetimeFigureOut">
               <a:rPr lang="en-US" smtClean="0"/>
-              <a:t>12/11/2019</a:t>
+              <a:t>12/11/19</a:t>
             </a:fld>
             <a:endParaRPr lang="en-US"/>
           </a:p>
@@ -2868,7 +2868,7 @@
           <a:p>
             <a:fld id="{EED1BB8F-3237-49E9-9BDC-A1E92EE84EA3}" type="datetimeFigureOut">
               <a:rPr lang="en-US" smtClean="0"/>
-              <a:t>12/11/2019</a:t>
+              <a:t>12/11/19</a:t>
             </a:fld>
             <a:endParaRPr lang="en-US"/>
           </a:p>
@@ -3038,7 +3038,7 @@
           <a:p>
             <a:fld id="{EED1BB8F-3237-49E9-9BDC-A1E92EE84EA3}" type="datetimeFigureOut">
               <a:rPr lang="en-US" smtClean="0"/>
-              <a:t>12/11/2019</a:t>
+              <a:t>12/11/19</a:t>
             </a:fld>
             <a:endParaRPr lang="en-US"/>
           </a:p>
@@ -3218,7 +3218,7 @@
           <a:p>
             <a:fld id="{EED1BB8F-3237-49E9-9BDC-A1E92EE84EA3}" type="datetimeFigureOut">
               <a:rPr lang="en-US" smtClean="0"/>
-              <a:t>12/11/2019</a:t>
+              <a:t>12/11/19</a:t>
             </a:fld>
             <a:endParaRPr lang="en-US"/>
           </a:p>
@@ -3388,7 +3388,7 @@
           <a:p>
             <a:fld id="{EED1BB8F-3237-49E9-9BDC-A1E92EE84EA3}" type="datetimeFigureOut">
               <a:rPr lang="en-US" smtClean="0"/>
-              <a:t>12/11/2019</a:t>
+              <a:t>12/11/19</a:t>
             </a:fld>
             <a:endParaRPr lang="en-US"/>
           </a:p>
@@ -3632,7 +3632,7 @@
           <a:p>
             <a:fld id="{EED1BB8F-3237-49E9-9BDC-A1E92EE84EA3}" type="datetimeFigureOut">
               <a:rPr lang="en-US" smtClean="0"/>
-              <a:t>12/11/2019</a:t>
+              <a:t>12/11/19</a:t>
             </a:fld>
             <a:endParaRPr lang="en-US"/>
           </a:p>
@@ -3864,7 +3864,7 @@
           <a:p>
             <a:fld id="{EED1BB8F-3237-49E9-9BDC-A1E92EE84EA3}" type="datetimeFigureOut">
               <a:rPr lang="en-US" smtClean="0"/>
-              <a:t>12/11/2019</a:t>
+              <a:t>12/11/19</a:t>
             </a:fld>
             <a:endParaRPr lang="en-US"/>
           </a:p>
@@ -4231,7 +4231,7 @@
           <a:p>
             <a:fld id="{EED1BB8F-3237-49E9-9BDC-A1E92EE84EA3}" type="datetimeFigureOut">
               <a:rPr lang="en-US" smtClean="0"/>
-              <a:t>12/11/2019</a:t>
+              <a:t>12/11/19</a:t>
             </a:fld>
             <a:endParaRPr lang="en-US"/>
           </a:p>
@@ -4349,7 +4349,7 @@
           <a:p>
             <a:fld id="{EED1BB8F-3237-49E9-9BDC-A1E92EE84EA3}" type="datetimeFigureOut">
               <a:rPr lang="en-US" smtClean="0"/>
-              <a:t>12/11/2019</a:t>
+              <a:t>12/11/19</a:t>
             </a:fld>
             <a:endParaRPr lang="en-US"/>
           </a:p>
@@ -4444,7 +4444,7 @@
           <a:p>
             <a:fld id="{EED1BB8F-3237-49E9-9BDC-A1E92EE84EA3}" type="datetimeFigureOut">
               <a:rPr lang="en-US" smtClean="0"/>
-              <a:t>12/11/2019</a:t>
+              <a:t>12/11/19</a:t>
             </a:fld>
             <a:endParaRPr lang="en-US"/>
           </a:p>
@@ -4721,7 +4721,7 @@
           <a:p>
             <a:fld id="{EED1BB8F-3237-49E9-9BDC-A1E92EE84EA3}" type="datetimeFigureOut">
               <a:rPr lang="en-US" smtClean="0"/>
-              <a:t>12/11/2019</a:t>
+              <a:t>12/11/19</a:t>
             </a:fld>
             <a:endParaRPr lang="en-US"/>
           </a:p>
@@ -4978,7 +4978,7 @@
           <a:p>
             <a:fld id="{EED1BB8F-3237-49E9-9BDC-A1E92EE84EA3}" type="datetimeFigureOut">
               <a:rPr lang="en-US" smtClean="0"/>
-              <a:t>12/11/2019</a:t>
+              <a:t>12/11/19</a:t>
             </a:fld>
             <a:endParaRPr lang="en-US"/>
           </a:p>
@@ -5191,7 +5191,7 @@
           <a:p>
             <a:fld id="{EED1BB8F-3237-49E9-9BDC-A1E92EE84EA3}" type="datetimeFigureOut">
               <a:rPr lang="en-US" smtClean="0"/>
-              <a:t>12/11/2019</a:t>
+              <a:t>12/11/19</a:t>
             </a:fld>
             <a:endParaRPr lang="en-US"/>
           </a:p>
@@ -5611,7 +5611,7 @@
           <p:cNvPr id="4" name="Title 3">
             <a:extLst>
               <a:ext uri="{FF2B5EF4-FFF2-40B4-BE49-F238E27FC236}">
-                <a16:creationId xmlns:a16="http://schemas.microsoft.com/office/drawing/2014/main" id="{108BF3A6-3243-4ECE-81F6-AD5057FAB640}"/>
+                <a16:creationId xmlns:a16="http://schemas.microsoft.com/office/drawing/2014/main" xmlns="" id="{108BF3A6-3243-4ECE-81F6-AD5057FAB640}"/>
               </a:ext>
             </a:extLst>
           </p:cNvPr>
@@ -5624,7 +5624,7 @@
         </p:nvSpPr>
         <p:spPr>
           <a:xfrm>
-            <a:off x="1016988" y="285238"/>
+            <a:off x="1016988" y="177662"/>
             <a:ext cx="30817513" cy="2685448"/>
           </a:xfrm>
         </p:spPr>
@@ -5647,7 +5647,37 @@
                 <a:latin typeface="Source Sans Pro" panose="020B0503030403020204" pitchFamily="34" charset="0"/>
                 <a:ea typeface="Source Sans Pro" panose="020B0503030403020204" pitchFamily="34" charset="0"/>
               </a:rPr>
-              <a:t>Typeface Semantic Attribute Prediction from Rasterized and Vectorized Font Representations</a:t>
+              <a:t>Typeface Semantic Attribute Prediction </a:t>
+            </a:r>
+            <a:r>
+              <a:rPr lang="en-US" sz="5400" b="1" dirty="0" smtClean="0">
+                <a:solidFill>
+                  <a:srgbClr val="8B1336"/>
+                </a:solidFill>
+                <a:latin typeface="Source Sans Pro" panose="020B0503030403020204" pitchFamily="34" charset="0"/>
+                <a:ea typeface="Source Sans Pro" panose="020B0503030403020204" pitchFamily="34" charset="0"/>
+              </a:rPr>
+              <a:t>from Rasterized Font </a:t>
+            </a:r>
+            <a:r>
+              <a:rPr lang="en-US" sz="5400" b="1" dirty="0">
+                <a:solidFill>
+                  <a:srgbClr val="8B1336"/>
+                </a:solidFill>
+                <a:latin typeface="Source Sans Pro" panose="020B0503030403020204" pitchFamily="34" charset="0"/>
+                <a:ea typeface="Source Sans Pro" panose="020B0503030403020204" pitchFamily="34" charset="0"/>
+              </a:rPr>
+              <a:t>Representations</a:t>
+            </a:r>
+            <a:r>
+              <a:rPr lang="en-US" sz="1680" b="1" dirty="0">
+                <a:solidFill>
+                  <a:srgbClr val="8B1336"/>
+                </a:solidFill>
+                <a:latin typeface="Source Sans Pro" panose="020B0503030403020204" pitchFamily="34" charset="0"/>
+                <a:ea typeface="Source Sans Pro" panose="020B0503030403020204" pitchFamily="34" charset="0"/>
+              </a:rPr>
+              <a:t/>
             </a:r>
             <a:br>
               <a:rPr lang="en-US" sz="1680" b="1" dirty="0">
@@ -5658,6 +5688,16 @@
                 <a:ea typeface="Source Sans Pro" panose="020B0503030403020204" pitchFamily="34" charset="0"/>
               </a:rPr>
             </a:br>
+            <a:r>
+              <a:rPr lang="en-US" sz="1680" b="1" dirty="0">
+                <a:solidFill>
+                  <a:srgbClr val="8B1336"/>
+                </a:solidFill>
+                <a:latin typeface="Source Sans Pro" panose="020B0503030403020204" pitchFamily="34" charset="0"/>
+                <a:ea typeface="Source Sans Pro" panose="020B0503030403020204" pitchFamily="34" charset="0"/>
+              </a:rPr>
+              <a:t/>
+            </a:r>
             <a:br>
               <a:rPr lang="en-US" sz="1680" b="1" dirty="0">
                 <a:solidFill>
@@ -5672,9 +5712,9 @@
                 <a:solidFill>
                   <a:srgbClr val="8B1336"/>
                 </a:solidFill>
-                <a:latin typeface="Segoe UI Light" panose="020B0502040204020203" pitchFamily="34" charset="0"/>
-                <a:ea typeface="Source Sans Pro" panose="020B0503030403020204" pitchFamily="34" charset="0"/>
-                <a:cs typeface="Segoe UI Light" panose="020B0502040204020203" pitchFamily="34" charset="0"/>
+                <a:latin typeface="Source Sans Pro" charset="0"/>
+                <a:ea typeface="Source Sans Pro" charset="0"/>
+                <a:cs typeface="Source Sans Pro" charset="0"/>
               </a:rPr>
               <a:t>Suvir Mirchandani       Lucia Zheng       Julia Gong</a:t>
             </a:r>
@@ -5683,9 +5723,9 @@
                 <a:solidFill>
                   <a:srgbClr val="8B1336"/>
                 </a:solidFill>
-                <a:latin typeface="Segoe UI Light" panose="020B0502040204020203" pitchFamily="34" charset="0"/>
-                <a:ea typeface="Source Sans Pro" panose="020B0503030403020204" pitchFamily="34" charset="0"/>
-                <a:cs typeface="Segoe UI Light" panose="020B0502040204020203" pitchFamily="34" charset="0"/>
+                <a:latin typeface="Source Sans Pro" charset="0"/>
+                <a:ea typeface="Source Sans Pro" charset="0"/>
+                <a:cs typeface="Source Sans Pro" charset="0"/>
               </a:rPr>
             </a:br>
             <a:r>
@@ -5693,9 +5733,9 @@
                 <a:solidFill>
                   <a:srgbClr val="8B1336"/>
                 </a:solidFill>
-                <a:latin typeface="Courier New" panose="02070309020205020404" pitchFamily="49" charset="0"/>
-                <a:ea typeface="Source Sans Pro" panose="020B0503030403020204" pitchFamily="34" charset="0"/>
-                <a:cs typeface="Courier New" panose="02070309020205020404" pitchFamily="49" charset="0"/>
+                <a:latin typeface="Source Sans Pro" charset="0"/>
+                <a:ea typeface="Source Sans Pro" charset="0"/>
+                <a:cs typeface="Source Sans Pro" charset="0"/>
               </a:rPr>
               <a:t>{</a:t>
             </a:r>
@@ -5704,9 +5744,9 @@
                 <a:solidFill>
                   <a:srgbClr val="8B1336"/>
                 </a:solidFill>
-                <a:latin typeface="Courier New" panose="02070309020205020404" pitchFamily="49" charset="0"/>
-                <a:ea typeface="Source Sans Pro" panose="020B0503030403020204" pitchFamily="34" charset="0"/>
-                <a:cs typeface="Courier New" panose="02070309020205020404" pitchFamily="49" charset="0"/>
+                <a:latin typeface="Source Sans Pro" charset="0"/>
+                <a:ea typeface="Source Sans Pro" charset="0"/>
+                <a:cs typeface="Source Sans Pro" charset="0"/>
               </a:rPr>
               <a:t>smirchan</a:t>
             </a:r>
@@ -5715,9 +5755,9 @@
                 <a:solidFill>
                   <a:srgbClr val="8B1336"/>
                 </a:solidFill>
-                <a:latin typeface="Courier New" panose="02070309020205020404" pitchFamily="49" charset="0"/>
-                <a:ea typeface="Source Sans Pro" panose="020B0503030403020204" pitchFamily="34" charset="0"/>
-                <a:cs typeface="Courier New" panose="02070309020205020404" pitchFamily="49" charset="0"/>
+                <a:latin typeface="Source Sans Pro" charset="0"/>
+                <a:ea typeface="Source Sans Pro" charset="0"/>
+                <a:cs typeface="Source Sans Pro" charset="0"/>
               </a:rPr>
               <a:t>, </a:t>
             </a:r>
@@ -5726,9 +5766,9 @@
                 <a:solidFill>
                   <a:srgbClr val="8B1336"/>
                 </a:solidFill>
-                <a:latin typeface="Courier New" panose="02070309020205020404" pitchFamily="49" charset="0"/>
-                <a:ea typeface="Source Sans Pro" panose="020B0503030403020204" pitchFamily="34" charset="0"/>
-                <a:cs typeface="Courier New" panose="02070309020205020404" pitchFamily="49" charset="0"/>
+                <a:latin typeface="Source Sans Pro" charset="0"/>
+                <a:ea typeface="Source Sans Pro" charset="0"/>
+                <a:cs typeface="Source Sans Pro" charset="0"/>
               </a:rPr>
               <a:t>zlucia</a:t>
             </a:r>
@@ -5737,9 +5777,9 @@
                 <a:solidFill>
                   <a:srgbClr val="8B1336"/>
                 </a:solidFill>
-                <a:latin typeface="Courier New" panose="02070309020205020404" pitchFamily="49" charset="0"/>
-                <a:ea typeface="Source Sans Pro" panose="020B0503030403020204" pitchFamily="34" charset="0"/>
-                <a:cs typeface="Courier New" panose="02070309020205020404" pitchFamily="49" charset="0"/>
+                <a:latin typeface="Source Sans Pro" charset="0"/>
+                <a:ea typeface="Source Sans Pro" charset="0"/>
+                <a:cs typeface="Source Sans Pro" charset="0"/>
               </a:rPr>
               <a:t>, </a:t>
             </a:r>
@@ -5748,9 +5788,9 @@
                 <a:solidFill>
                   <a:srgbClr val="8B1336"/>
                 </a:solidFill>
-                <a:latin typeface="Courier New" panose="02070309020205020404" pitchFamily="49" charset="0"/>
-                <a:ea typeface="Source Sans Pro" panose="020B0503030403020204" pitchFamily="34" charset="0"/>
-                <a:cs typeface="Courier New" panose="02070309020205020404" pitchFamily="49" charset="0"/>
+                <a:latin typeface="Source Sans Pro" charset="0"/>
+                <a:ea typeface="Source Sans Pro" charset="0"/>
+                <a:cs typeface="Source Sans Pro" charset="0"/>
               </a:rPr>
               <a:t>jxgong</a:t>
             </a:r>
@@ -5759,9 +5799,9 @@
                 <a:solidFill>
                   <a:srgbClr val="8B1336"/>
                 </a:solidFill>
-                <a:latin typeface="Courier New" panose="02070309020205020404" pitchFamily="49" charset="0"/>
-                <a:ea typeface="Source Sans Pro" panose="020B0503030403020204" pitchFamily="34" charset="0"/>
-                <a:cs typeface="Courier New" panose="02070309020205020404" pitchFamily="49" charset="0"/>
+                <a:latin typeface="Source Sans Pro" charset="0"/>
+                <a:ea typeface="Source Sans Pro" charset="0"/>
+                <a:cs typeface="Source Sans Pro" charset="0"/>
               </a:rPr>
               <a:t>}@stanford.edu</a:t>
             </a:r>
@@ -5769,9 +5809,9 @@
               <a:solidFill>
                 <a:srgbClr val="8B1336"/>
               </a:solidFill>
-              <a:latin typeface="Courier New" panose="02070309020205020404" pitchFamily="49" charset="0"/>
-              <a:ea typeface="Source Sans Pro" panose="020B0503030403020204" pitchFamily="34" charset="0"/>
-              <a:cs typeface="Courier New" panose="02070309020205020404" pitchFamily="49" charset="0"/>
+              <a:latin typeface="Source Sans Pro" charset="0"/>
+              <a:ea typeface="Source Sans Pro" charset="0"/>
+              <a:cs typeface="Source Sans Pro" charset="0"/>
             </a:endParaRPr>
           </a:p>
         </p:txBody>
@@ -5781,7 +5821,7 @@
           <p:cNvPr id="28" name="Group 1">
             <a:extLst>
               <a:ext uri="{FF2B5EF4-FFF2-40B4-BE49-F238E27FC236}">
-                <a16:creationId xmlns:a16="http://schemas.microsoft.com/office/drawing/2014/main" id="{A6FCF87A-F1BF-4EE8-BE8E-A73DECFDE96C}"/>
+                <a16:creationId xmlns:a16="http://schemas.microsoft.com/office/drawing/2014/main" xmlns="" id="{A6FCF87A-F1BF-4EE8-BE8E-A73DECFDE96C}"/>
               </a:ext>
             </a:extLst>
           </p:cNvPr>
@@ -5790,7 +5830,7 @@
         </p:nvGrpSpPr>
         <p:grpSpPr>
           <a:xfrm>
-            <a:off x="1016987" y="3071513"/>
+            <a:off x="1016987" y="2963937"/>
             <a:ext cx="7472393" cy="8944987"/>
             <a:chOff x="847489" y="3972835"/>
             <a:chExt cx="6226995" cy="7414636"/>
@@ -5801,7 +5841,7 @@
             <p:cNvPr id="5" name="Rectangle 2">
               <a:extLst>
                 <a:ext uri="{FF2B5EF4-FFF2-40B4-BE49-F238E27FC236}">
-                  <a16:creationId xmlns:a16="http://schemas.microsoft.com/office/drawing/2014/main" id="{9043F60B-4A14-4495-B2E8-DF90FE788682}"/>
+                  <a16:creationId xmlns:a16="http://schemas.microsoft.com/office/drawing/2014/main" xmlns="" id="{9043F60B-4A14-4495-B2E8-DF90FE788682}"/>
                 </a:ext>
               </a:extLst>
             </p:cNvPr>
@@ -5859,7 +5899,7 @@
             <p:cNvPr id="21" name="Rectangle 13">
               <a:extLst>
                 <a:ext uri="{FF2B5EF4-FFF2-40B4-BE49-F238E27FC236}">
-                  <a16:creationId xmlns:a16="http://schemas.microsoft.com/office/drawing/2014/main" id="{8415E113-F36F-4BB1-A6E3-BE891F93B0F4}"/>
+                  <a16:creationId xmlns:a16="http://schemas.microsoft.com/office/drawing/2014/main" xmlns="" id="{8415E113-F36F-4BB1-A6E3-BE891F93B0F4}"/>
                 </a:ext>
               </a:extLst>
             </p:cNvPr>
@@ -6122,7 +6162,27 @@
                   <a:latin typeface="Source Sans Pro" panose="020B0503030403020204" pitchFamily="34" charset="0"/>
                   <a:ea typeface="Source Sans Pro" panose="020B0503030403020204" pitchFamily="34" charset="0"/>
                 </a:rPr>
-                <a:t>We improve on [3] in inducing a semantic attribute dataset for 1861 typefaces from the dataset of 200 in [6] and introduce a novel downstream task: semantic attribute prediction.</a:t>
+                <a:t>We improve on [3] in inducing a semantic attribute dataset for </a:t>
+              </a:r>
+              <a:r>
+                <a:rPr lang="en-US" sz="2700" dirty="0" smtClean="0">
+                  <a:solidFill>
+                    <a:srgbClr val="000000"/>
+                  </a:solidFill>
+                  <a:latin typeface="Source Sans Pro" panose="020B0503030403020204" pitchFamily="34" charset="0"/>
+                  <a:ea typeface="Source Sans Pro" panose="020B0503030403020204" pitchFamily="34" charset="0"/>
+                </a:rPr>
+                <a:t>18 </a:t>
+              </a:r>
+              <a:r>
+                <a:rPr lang="en-US" sz="2700" dirty="0">
+                  <a:solidFill>
+                    <a:srgbClr val="000000"/>
+                  </a:solidFill>
+                  <a:latin typeface="Source Sans Pro" panose="020B0503030403020204" pitchFamily="34" charset="0"/>
+                  <a:ea typeface="Source Sans Pro" panose="020B0503030403020204" pitchFamily="34" charset="0"/>
+                </a:rPr>
+                <a:t>typefaces from the dataset of 200 in [6] and introduce a novel downstream task: semantic attribute prediction.</a:t>
               </a:r>
             </a:p>
           </p:txBody>
@@ -6133,7 +6193,7 @@
           <p:cNvPr id="34" name="Group 35">
             <a:extLst>
               <a:ext uri="{FF2B5EF4-FFF2-40B4-BE49-F238E27FC236}">
-                <a16:creationId xmlns:a16="http://schemas.microsoft.com/office/drawing/2014/main" id="{25FE1606-2EC7-47C9-A2C4-492C4AB65D75}"/>
+                <a16:creationId xmlns:a16="http://schemas.microsoft.com/office/drawing/2014/main" xmlns="" id="{25FE1606-2EC7-47C9-A2C4-492C4AB65D75}"/>
               </a:ext>
             </a:extLst>
           </p:cNvPr>
@@ -6142,7 +6202,7 @@
         </p:nvGrpSpPr>
         <p:grpSpPr>
           <a:xfrm>
-            <a:off x="1016989" y="11564202"/>
+            <a:off x="1016989" y="11456626"/>
             <a:ext cx="7132320" cy="8655958"/>
             <a:chOff x="847491" y="10800512"/>
             <a:chExt cx="5943600" cy="7213297"/>
@@ -6153,7 +6213,7 @@
             <p:cNvPr id="7" name="Rectangle 37">
               <a:extLst>
                 <a:ext uri="{FF2B5EF4-FFF2-40B4-BE49-F238E27FC236}">
-                  <a16:creationId xmlns:a16="http://schemas.microsoft.com/office/drawing/2014/main" id="{F5AE7C4F-7BDA-4684-9042-895469648646}"/>
+                  <a16:creationId xmlns:a16="http://schemas.microsoft.com/office/drawing/2014/main" xmlns="" id="{F5AE7C4F-7BDA-4684-9042-895469648646}"/>
                 </a:ext>
               </a:extLst>
             </p:cNvPr>
@@ -6211,7 +6271,7 @@
             <p:cNvPr id="22" name="Rectangle 39">
               <a:extLst>
                 <a:ext uri="{FF2B5EF4-FFF2-40B4-BE49-F238E27FC236}">
-                  <a16:creationId xmlns:a16="http://schemas.microsoft.com/office/drawing/2014/main" id="{267E0B45-A133-4225-8014-15EAF103E834}"/>
+                  <a16:creationId xmlns:a16="http://schemas.microsoft.com/office/drawing/2014/main" xmlns="" id="{267E0B45-A133-4225-8014-15EAF103E834}"/>
                 </a:ext>
               </a:extLst>
             </p:cNvPr>
@@ -6340,7 +6400,17 @@
                   <a:latin typeface="Source Sans Pro" panose="020B0503030403020204" pitchFamily="34" charset="0"/>
                   <a:ea typeface="Source Sans Pro" panose="020B0503030403020204" pitchFamily="34" charset="0"/>
                 </a:rPr>
-                <a:t> induce corresponding 31-D semantic attribute vectors for all 1861 </a:t>
+                <a:t> induce corresponding 31-D semantic attribute vectors for all </a:t>
+              </a:r>
+              <a:r>
+                <a:rPr lang="en-US" sz="2700" dirty="0" smtClean="0">
+                  <a:solidFill>
+                    <a:schemeClr val="tx1"/>
+                  </a:solidFill>
+                  <a:latin typeface="Source Sans Pro" panose="020B0503030403020204" pitchFamily="34" charset="0"/>
+                  <a:ea typeface="Source Sans Pro" panose="020B0503030403020204" pitchFamily="34" charset="0"/>
+                </a:rPr>
+                <a:t>1883 </a:t>
               </a:r>
               <a:r>
                 <a:rPr lang="en-US" sz="2700" dirty="0" err="1">
@@ -6371,7 +6441,7 @@
           <p:cNvPr id="32" name="Group 69">
             <a:extLst>
               <a:ext uri="{FF2B5EF4-FFF2-40B4-BE49-F238E27FC236}">
-                <a16:creationId xmlns:a16="http://schemas.microsoft.com/office/drawing/2014/main" id="{8EF7FC25-684C-4E14-99EA-552B39506EF3}"/>
+                <a16:creationId xmlns:a16="http://schemas.microsoft.com/office/drawing/2014/main" xmlns="" id="{8EF7FC25-684C-4E14-99EA-552B39506EF3}"/>
               </a:ext>
             </a:extLst>
           </p:cNvPr>
@@ -6380,10 +6450,10 @@
         </p:nvGrpSpPr>
         <p:grpSpPr>
           <a:xfrm>
-            <a:off x="18903862" y="9120022"/>
-            <a:ext cx="6509977" cy="16524453"/>
+            <a:off x="18903862" y="9012446"/>
+            <a:ext cx="7577035" cy="16776354"/>
             <a:chOff x="14092837" y="7984504"/>
-            <a:chExt cx="6079720" cy="13770341"/>
+            <a:chExt cx="7076254" cy="13980258"/>
           </a:xfrm>
         </p:grpSpPr>
         <p:sp>
@@ -6391,7 +6461,7 @@
             <p:cNvPr id="11" name="Rectangle 70">
               <a:extLst>
                 <a:ext uri="{FF2B5EF4-FFF2-40B4-BE49-F238E27FC236}">
-                  <a16:creationId xmlns:a16="http://schemas.microsoft.com/office/drawing/2014/main" id="{0EB933C2-2A0B-462C-B881-96EC00910770}"/>
+                  <a16:creationId xmlns:a16="http://schemas.microsoft.com/office/drawing/2014/main" xmlns="" id="{0EB933C2-2A0B-462C-B881-96EC00910770}"/>
                 </a:ext>
               </a:extLst>
             </p:cNvPr>
@@ -6400,8 +6470,8 @@
           </p:nvSpPr>
           <p:spPr>
             <a:xfrm>
-              <a:off x="14092837" y="16554645"/>
-              <a:ext cx="5949448" cy="869799"/>
+              <a:off x="14092837" y="16774497"/>
+              <a:ext cx="7025134" cy="869799"/>
             </a:xfrm>
             <a:prstGeom prst="rect">
               <a:avLst/>
@@ -6449,7 +6519,7 @@
             <p:cNvPr id="25" name="Rectangle 73">
               <a:extLst>
                 <a:ext uri="{FF2B5EF4-FFF2-40B4-BE49-F238E27FC236}">
-                  <a16:creationId xmlns:a16="http://schemas.microsoft.com/office/drawing/2014/main" id="{9B9B8026-FB28-4FF3-9636-0276856AFBD9}"/>
+                  <a16:creationId xmlns:a16="http://schemas.microsoft.com/office/drawing/2014/main" xmlns="" id="{9B9B8026-FB28-4FF3-9636-0276856AFBD9}"/>
                 </a:ext>
               </a:extLst>
             </p:cNvPr>
@@ -6458,8 +6528,8 @@
           </p:nvSpPr>
           <p:spPr>
             <a:xfrm>
-              <a:off x="14228958" y="17532065"/>
-              <a:ext cx="5943599" cy="4222780"/>
+              <a:off x="14092837" y="17762656"/>
+              <a:ext cx="7076254" cy="4202106"/>
             </a:xfrm>
             <a:prstGeom prst="rect">
               <a:avLst/>
@@ -6497,7 +6567,37 @@
                   <a:latin typeface="Source Sans Pro" panose="020B0503030403020204" pitchFamily="34" charset="0"/>
                   <a:ea typeface="Source Sans Pro" panose="020B0503030403020204" pitchFamily="34" charset="0"/>
                 </a:rPr>
-                <a:t>We hope to further investigate clustering algorithms, such as spectral clustering, to induce lower-error datasets, as well as create higher-performing models for rasterized and SVG image input for our downstream task.</a:t>
+                <a:t>We hope to further investigate clustering algorithms, such as spectral clustering, to induce lower-error datasets</a:t>
+              </a:r>
+              <a:r>
+                <a:rPr lang="en-US">
+                  <a:solidFill>
+                    <a:schemeClr val="tx1"/>
+                  </a:solidFill>
+                  <a:latin typeface="Source Sans Pro" panose="020B0503030403020204" pitchFamily="34" charset="0"/>
+                  <a:ea typeface="Source Sans Pro" panose="020B0503030403020204" pitchFamily="34" charset="0"/>
+                </a:rPr>
+                <a:t>, </a:t>
+              </a:r>
+              <a:r>
+                <a:rPr lang="en-US" smtClean="0">
+                  <a:solidFill>
+                    <a:schemeClr val="tx1"/>
+                  </a:solidFill>
+                  <a:latin typeface="Source Sans Pro" panose="020B0503030403020204" pitchFamily="34" charset="0"/>
+                  <a:ea typeface="Source Sans Pro" panose="020B0503030403020204" pitchFamily="34" charset="0"/>
+                </a:rPr>
+                <a:t>and create </a:t>
+              </a:r>
+              <a:r>
+                <a:rPr lang="en-US" dirty="0">
+                  <a:solidFill>
+                    <a:schemeClr val="tx1"/>
+                  </a:solidFill>
+                  <a:latin typeface="Source Sans Pro" panose="020B0503030403020204" pitchFamily="34" charset="0"/>
+                  <a:ea typeface="Source Sans Pro" panose="020B0503030403020204" pitchFamily="34" charset="0"/>
+                </a:rPr>
+                <a:t>higher-performing models for rasterized and SVG image input for our downstream task.</a:t>
               </a:r>
             </a:p>
           </p:txBody>
@@ -6507,7 +6607,7 @@
             <p:cNvPr id="63" name="Rectangle 70">
               <a:extLst>
                 <a:ext uri="{FF2B5EF4-FFF2-40B4-BE49-F238E27FC236}">
-                  <a16:creationId xmlns:a16="http://schemas.microsoft.com/office/drawing/2014/main" id="{FE43D688-7E5E-4154-B334-775E6885932B}"/>
+                  <a16:creationId xmlns:a16="http://schemas.microsoft.com/office/drawing/2014/main" xmlns="" id="{FE43D688-7E5E-4154-B334-775E6885932B}"/>
                 </a:ext>
               </a:extLst>
             </p:cNvPr>
@@ -6517,7 +6617,7 @@
           <p:spPr>
             <a:xfrm>
               <a:off x="14092837" y="7984504"/>
-              <a:ext cx="5949448" cy="869799"/>
+              <a:ext cx="7025135" cy="869799"/>
             </a:xfrm>
             <a:prstGeom prst="rect">
               <a:avLst/>
@@ -6566,7 +6666,7 @@
           <p:cNvPr id="31" name="Group 85">
             <a:extLst>
               <a:ext uri="{FF2B5EF4-FFF2-40B4-BE49-F238E27FC236}">
-                <a16:creationId xmlns:a16="http://schemas.microsoft.com/office/drawing/2014/main" id="{5B28B129-3D49-4A4F-99B1-2D357DA43FA2}"/>
+                <a16:creationId xmlns:a16="http://schemas.microsoft.com/office/drawing/2014/main" xmlns="" id="{5B28B129-3D49-4A4F-99B1-2D357DA43FA2}"/>
               </a:ext>
             </a:extLst>
           </p:cNvPr>
@@ -6575,8 +6675,8 @@
         </p:nvGrpSpPr>
         <p:grpSpPr>
           <a:xfrm>
-            <a:off x="25573340" y="15716405"/>
-            <a:ext cx="7158394" cy="6731351"/>
+            <a:off x="26570126" y="15170245"/>
+            <a:ext cx="6161608" cy="7169935"/>
             <a:chOff x="20585152" y="12913428"/>
             <a:chExt cx="5943600" cy="4862868"/>
           </a:xfrm>
@@ -6586,7 +6686,7 @@
             <p:cNvPr id="12" name="Rectangle 89">
               <a:extLst>
                 <a:ext uri="{FF2B5EF4-FFF2-40B4-BE49-F238E27FC236}">
-                  <a16:creationId xmlns:a16="http://schemas.microsoft.com/office/drawing/2014/main" id="{06781B13-A61C-4854-9CAB-22E01FF6F2EB}"/>
+                  <a16:creationId xmlns:a16="http://schemas.microsoft.com/office/drawing/2014/main" xmlns="" id="{06781B13-A61C-4854-9CAB-22E01FF6F2EB}"/>
                 </a:ext>
               </a:extLst>
             </p:cNvPr>
@@ -6644,7 +6744,7 @@
             <p:cNvPr id="26" name="Rectangle 90">
               <a:extLst>
                 <a:ext uri="{FF2B5EF4-FFF2-40B4-BE49-F238E27FC236}">
-                  <a16:creationId xmlns:a16="http://schemas.microsoft.com/office/drawing/2014/main" id="{8FEADF52-C444-4729-82C9-8A13C2DCDF2E}"/>
+                  <a16:creationId xmlns:a16="http://schemas.microsoft.com/office/drawing/2014/main" xmlns="" id="{8FEADF52-C444-4729-82C9-8A13C2DCDF2E}"/>
                 </a:ext>
               </a:extLst>
             </p:cNvPr>
@@ -7334,7 +7434,7 @@
           <p:cNvPr id="30" name="Group 94">
             <a:extLst>
               <a:ext uri="{FF2B5EF4-FFF2-40B4-BE49-F238E27FC236}">
-                <a16:creationId xmlns:a16="http://schemas.microsoft.com/office/drawing/2014/main" id="{8E65729E-AB60-490F-860B-A4009D2DDE32}"/>
+                <a16:creationId xmlns:a16="http://schemas.microsoft.com/office/drawing/2014/main" xmlns="" id="{8E65729E-AB60-490F-860B-A4009D2DDE32}"/>
               </a:ext>
             </a:extLst>
           </p:cNvPr>
@@ -7343,7 +7443,7 @@
         </p:nvGrpSpPr>
         <p:grpSpPr>
           <a:xfrm>
-            <a:off x="18903862" y="3071514"/>
+            <a:off x="18903862" y="2963938"/>
             <a:ext cx="12930641" cy="6327667"/>
             <a:chOff x="14228958" y="3972835"/>
             <a:chExt cx="12299794" cy="5273055"/>
@@ -7354,7 +7454,7 @@
             <p:cNvPr id="10" name="Rectangle 95">
               <a:extLst>
                 <a:ext uri="{FF2B5EF4-FFF2-40B4-BE49-F238E27FC236}">
-                  <a16:creationId xmlns:a16="http://schemas.microsoft.com/office/drawing/2014/main" id="{07FCC222-C7B1-4178-A2E0-FA2333E5F5D1}"/>
+                  <a16:creationId xmlns:a16="http://schemas.microsoft.com/office/drawing/2014/main" xmlns="" id="{07FCC222-C7B1-4178-A2E0-FA2333E5F5D1}"/>
                 </a:ext>
               </a:extLst>
             </p:cNvPr>
@@ -7398,12 +7498,16 @@
             <a:p>
               <a:pPr algn="ctr"/>
               <a:r>
-                <a:rPr lang="en-US" sz="4320" dirty="0">
-                  <a:latin typeface="Source Sans Pro" panose="020B0503030403020204" pitchFamily="34" charset="0"/>
-                  <a:ea typeface="Source Sans Pro" panose="020B0503030403020204" pitchFamily="34" charset="0"/>
-                </a:rPr>
-                <a:t>Ensemble Inducted Dataset and Results</a:t>
-              </a:r>
+                <a:rPr lang="en-US" sz="4320" dirty="0" smtClean="0">
+                  <a:latin typeface="Source Sans Pro" panose="020B0503030403020204" pitchFamily="34" charset="0"/>
+                  <a:ea typeface="Source Sans Pro" panose="020B0503030403020204" pitchFamily="34" charset="0"/>
+                </a:rPr>
+                <a:t>Results &amp; Discussion</a:t>
+              </a:r>
+              <a:endParaRPr lang="en-US" sz="4320" dirty="0">
+                <a:latin typeface="Source Sans Pro" panose="020B0503030403020204" pitchFamily="34" charset="0"/>
+                <a:ea typeface="Source Sans Pro" panose="020B0503030403020204" pitchFamily="34" charset="0"/>
+              </a:endParaRPr>
             </a:p>
           </p:txBody>
         </p:sp>
@@ -7414,7 +7518,7 @@
                 <p:cNvPr id="27" name="Rectangle 96">
                   <a:extLst>
                     <a:ext uri="{FF2B5EF4-FFF2-40B4-BE49-F238E27FC236}">
-                      <a16:creationId xmlns:a16="http://schemas.microsoft.com/office/drawing/2014/main" id="{5A0BA04D-C70B-4D2B-B62D-9DE8DF804844}"/>
+                      <a16:creationId xmlns:a16="http://schemas.microsoft.com/office/drawing/2014/main" xmlns="" id="{5A0BA04D-C70B-4D2B-B62D-9DE8DF804844}"/>
                     </a:ext>
                   </a:extLst>
                 </p:cNvPr>
@@ -7458,6 +7562,16 @@
                     <a:defRPr/>
                   </a:pPr>
                   <a:r>
+                    <a:rPr lang="en-US" sz="2400" dirty="0" smtClean="0">
+                      <a:solidFill>
+                        <a:schemeClr val="tx1"/>
+                      </a:solidFill>
+                      <a:latin typeface="Source Sans Pro" panose="020B0503030403020204" pitchFamily="34" charset="0"/>
+                      <a:ea typeface="Source Sans Pro" panose="020B0503030403020204" pitchFamily="34" charset="0"/>
+                    </a:rPr>
+                    <a:t>For </a:t>
+                  </a:r>
+                  <a:r>
                     <a:rPr lang="en-US" sz="2400" dirty="0">
                       <a:solidFill>
                         <a:schemeClr val="tx1"/>
@@ -7465,7 +7579,7 @@
                       <a:latin typeface="Source Sans Pro" panose="020B0503030403020204" pitchFamily="34" charset="0"/>
                       <a:ea typeface="Source Sans Pro" panose="020B0503030403020204" pitchFamily="34" charset="0"/>
                     </a:rPr>
-                    <a:t>Thus, for our final data induction model, to leverage the power of all three data induction models (4-nn, 7-nn, and SVR), we ensemble a </a:t>
+                    <a:t>our final data induction model, to leverage the power of all three data induction models (4-nn, 7-nn, and SVR), we ensemble a </a:t>
                   </a:r>
                   <a:r>
                     <a:rPr lang="en-US" sz="2400" b="1" dirty="0">
@@ -7475,7 +7589,37 @@
                       <a:latin typeface="Source Sans Pro" panose="020B0503030403020204" pitchFamily="34" charset="0"/>
                       <a:ea typeface="Source Sans Pro" panose="020B0503030403020204" pitchFamily="34" charset="0"/>
                     </a:rPr>
-                    <a:t>meta-estimating voting regressor </a:t>
+                    <a:t>meta-estimating voting </a:t>
+                  </a:r>
+                  <a:r>
+                    <a:rPr lang="en-US" sz="2400" b="1" dirty="0" err="1">
+                      <a:solidFill>
+                        <a:schemeClr val="tx1"/>
+                      </a:solidFill>
+                      <a:latin typeface="Source Sans Pro" panose="020B0503030403020204" pitchFamily="34" charset="0"/>
+                      <a:ea typeface="Source Sans Pro" panose="020B0503030403020204" pitchFamily="34" charset="0"/>
+                    </a:rPr>
+                    <a:t>regressor</a:t>
+                  </a:r>
+                  <a:r>
+                    <a:rPr lang="en-US" sz="2400" b="1" dirty="0">
+                      <a:solidFill>
+                        <a:schemeClr val="tx1"/>
+                      </a:solidFill>
+                      <a:latin typeface="Source Sans Pro" panose="020B0503030403020204" pitchFamily="34" charset="0"/>
+                      <a:ea typeface="Source Sans Pro" panose="020B0503030403020204" pitchFamily="34" charset="0"/>
+                    </a:rPr>
+                    <a:t> </a:t>
+                  </a:r>
+                  <a:r>
+                    <a:rPr lang="en-US" sz="2400" dirty="0" smtClean="0">
+                      <a:solidFill>
+                        <a:schemeClr val="tx1"/>
+                      </a:solidFill>
+                      <a:latin typeface="Source Sans Pro" panose="020B0503030403020204" pitchFamily="34" charset="0"/>
+                      <a:ea typeface="Source Sans Pro" panose="020B0503030403020204" pitchFamily="34" charset="0"/>
+                    </a:rPr>
+                    <a:t>performs weighted averaging over the </a:t>
                   </a:r>
                   <a:r>
                     <a:rPr lang="en-US" sz="2400" dirty="0">
@@ -7485,7 +7629,17 @@
                       <a:latin typeface="Source Sans Pro" panose="020B0503030403020204" pitchFamily="34" charset="0"/>
                       <a:ea typeface="Source Sans Pro" panose="020B0503030403020204" pitchFamily="34" charset="0"/>
                     </a:rPr>
-                    <a:t>that averages the individual predictions of these models to form a final prediction. While we also tried stacking the inputs of these models into a linear regression model, which did not perform as well as the meta-estimator.</a:t>
+                    <a:t>individual predictions of these models to form a final prediction</a:t>
+                  </a:r>
+                  <a:r>
+                    <a:rPr lang="en-US" sz="2400" dirty="0" smtClean="0">
+                      <a:solidFill>
+                        <a:schemeClr val="tx1"/>
+                      </a:solidFill>
+                      <a:latin typeface="Source Sans Pro" panose="020B0503030403020204" pitchFamily="34" charset="0"/>
+                      <a:ea typeface="Source Sans Pro" panose="020B0503030403020204" pitchFamily="34" charset="0"/>
+                    </a:rPr>
+                    <a:t>.</a:t>
                   </a:r>
                 </a:p>
                 <a:p>
@@ -7708,7 +7862,7 @@
                               <a:solidFill>
                                 <a:schemeClr val="tx1"/>
                               </a:solidFill>
-                              <a:latin typeface="Cambria Math" panose="02040503050406030204" pitchFamily="18" charset="0"/>
+                              <a:latin typeface="Cambria Math" charset="0"/>
                               <a:ea typeface="Source Sans Pro" panose="020B0503030403020204" pitchFamily="34" charset="0"/>
                               <a:sym typeface="Wingdings" panose="05000000000000000000" pitchFamily="2" charset="2"/>
                             </a:rPr>
@@ -7765,7 +7919,7 @@
                               <a:solidFill>
                                 <a:schemeClr val="tx1"/>
                               </a:solidFill>
-                              <a:latin typeface="Cambria Math" panose="02040503050406030204" pitchFamily="18" charset="0"/>
+                              <a:latin typeface="Cambria Math" charset="0"/>
                               <a:ea typeface="Source Sans Pro" panose="020B0503030403020204" pitchFamily="34" charset="0"/>
                               <a:sym typeface="Wingdings" panose="05000000000000000000" pitchFamily="2" charset="2"/>
                             </a:rPr>
@@ -7855,7 +8009,7 @@
                 <p:cNvPr id="27" name="Rectangle 96">
                   <a:extLst>
                     <a:ext uri="{FF2B5EF4-FFF2-40B4-BE49-F238E27FC236}">
-                      <a16:creationId xmlns:a16="http://schemas.microsoft.com/office/drawing/2014/main" id="{5A0BA04D-C70B-4D2B-B62D-9DE8DF804844}"/>
+                      <a16:creationId xmlns:a16="http://schemas.microsoft.com/office/drawing/2014/main" xmlns:a14="http://schemas.microsoft.com/office/drawing/2010/main" xmlns="" id="{5A0BA04D-C70B-4D2B-B62D-9DE8DF804844}"/>
                     </a:ext>
                   </a:extLst>
                 </p:cNvPr>
@@ -7872,10 +8026,10 @@
                 <a:prstGeom prst="rect">
                   <a:avLst/>
                 </a:prstGeom>
-                <a:blipFill>
+                <a:blipFill rotWithShape="0">
                   <a:blip r:embed="rId5"/>
                   <a:stretch>
-                    <a:fillRect l="-707" t="-949" r="-377"/>
+                    <a:fillRect l="-707" t="-949" r="-1226"/>
                   </a:stretch>
                 </a:blipFill>
                 <a:ln>
@@ -7903,7 +8057,7 @@
           <p:cNvPr id="3" name="Group 107">
             <a:extLst>
               <a:ext uri="{FF2B5EF4-FFF2-40B4-BE49-F238E27FC236}">
-                <a16:creationId xmlns:a16="http://schemas.microsoft.com/office/drawing/2014/main" id="{68D35D10-0E33-49D0-B5AA-CA63D57B64A4}"/>
+                <a16:creationId xmlns:a16="http://schemas.microsoft.com/office/drawing/2014/main" xmlns="" id="{68D35D10-0E33-49D0-B5AA-CA63D57B64A4}"/>
               </a:ext>
             </a:extLst>
           </p:cNvPr>
@@ -7912,7 +8066,7 @@
         </p:nvGrpSpPr>
         <p:grpSpPr>
           <a:xfrm>
-            <a:off x="9045869" y="3071514"/>
+            <a:off x="9045869" y="2963938"/>
             <a:ext cx="9156071" cy="14945553"/>
             <a:chOff x="7538224" y="2746204"/>
             <a:chExt cx="7465399" cy="12454624"/>
@@ -7923,7 +8077,7 @@
             <p:cNvPr id="8" name="Rectangle 108">
               <a:extLst>
                 <a:ext uri="{FF2B5EF4-FFF2-40B4-BE49-F238E27FC236}">
-                  <a16:creationId xmlns:a16="http://schemas.microsoft.com/office/drawing/2014/main" id="{1AC43A28-60F1-4839-A06E-C661D34178D2}"/>
+                  <a16:creationId xmlns:a16="http://schemas.microsoft.com/office/drawing/2014/main" xmlns="" id="{1AC43A28-60F1-4839-A06E-C661D34178D2}"/>
                 </a:ext>
               </a:extLst>
             </p:cNvPr>
@@ -7981,7 +8135,7 @@
             <p:cNvPr id="23" name="Rectangle 109">
               <a:extLst>
                 <a:ext uri="{FF2B5EF4-FFF2-40B4-BE49-F238E27FC236}">
-                  <a16:creationId xmlns:a16="http://schemas.microsoft.com/office/drawing/2014/main" id="{72C62105-B2FD-4795-8C1F-5FA99EB7F9C6}"/>
+                  <a16:creationId xmlns:a16="http://schemas.microsoft.com/office/drawing/2014/main" xmlns="" id="{72C62105-B2FD-4795-8C1F-5FA99EB7F9C6}"/>
                 </a:ext>
               </a:extLst>
             </p:cNvPr>
@@ -8065,7 +8219,7 @@
             <p:cNvPr id="43" name="Rectangle 113">
               <a:extLst>
                 <a:ext uri="{FF2B5EF4-FFF2-40B4-BE49-F238E27FC236}">
-                  <a16:creationId xmlns:a16="http://schemas.microsoft.com/office/drawing/2014/main" id="{8415E113-F36F-4BB1-A6E3-BE891F93B0F4}"/>
+                  <a16:creationId xmlns:a16="http://schemas.microsoft.com/office/drawing/2014/main" xmlns="" id="{8415E113-F36F-4BB1-A6E3-BE891F93B0F4}"/>
                 </a:ext>
               </a:extLst>
             </p:cNvPr>
@@ -8719,7 +8873,7 @@
           <p:cNvPr id="1026" name="Picture 2">
             <a:extLst>
               <a:ext uri="{FF2B5EF4-FFF2-40B4-BE49-F238E27FC236}">
-                <a16:creationId xmlns:a16="http://schemas.microsoft.com/office/drawing/2014/main" id="{8C879328-60AB-47BE-9922-673FFF8E3D2B}"/>
+                <a16:creationId xmlns:a16="http://schemas.microsoft.com/office/drawing/2014/main" xmlns="" id="{8C879328-60AB-47BE-9922-673FFF8E3D2B}"/>
               </a:ext>
             </a:extLst>
           </p:cNvPr>
@@ -8753,8 +8907,8 @@
         </p:blipFill>
         <p:spPr bwMode="auto">
           <a:xfrm>
-            <a:off x="1016987" y="16296869"/>
-            <a:ext cx="6903854" cy="4735335"/>
+            <a:off x="2089200" y="16924722"/>
+            <a:ext cx="4759428" cy="3264478"/>
           </a:xfrm>
           <a:prstGeom prst="rect">
             <a:avLst/>
@@ -8776,7 +8930,7 @@
           <p:cNvPr id="14" name="Rectangle 13">
             <a:extLst>
               <a:ext uri="{FF2B5EF4-FFF2-40B4-BE49-F238E27FC236}">
-                <a16:creationId xmlns:a16="http://schemas.microsoft.com/office/drawing/2014/main" id="{0D8336AD-AE6E-478F-BB42-D6718EF1340A}"/>
+                <a16:creationId xmlns:a16="http://schemas.microsoft.com/office/drawing/2014/main" xmlns="" id="{0D8336AD-AE6E-478F-BB42-D6718EF1340A}"/>
               </a:ext>
             </a:extLst>
           </p:cNvPr>
@@ -8785,7 +8939,7 @@
         </p:nvSpPr>
         <p:spPr>
           <a:xfrm>
-            <a:off x="1170126" y="21083123"/>
+            <a:off x="1170126" y="20744016"/>
             <a:ext cx="6597575" cy="646331"/>
           </a:xfrm>
           <a:prstGeom prst="rect">
@@ -8868,7 +9022,7 @@
           <p:cNvPr id="16" name="Picture 15">
             <a:extLst>
               <a:ext uri="{FF2B5EF4-FFF2-40B4-BE49-F238E27FC236}">
-                <a16:creationId xmlns:a16="http://schemas.microsoft.com/office/drawing/2014/main" id="{1CFAAA27-DCC5-41C5-AE81-45010E348DBD}"/>
+                <a16:creationId xmlns:a16="http://schemas.microsoft.com/office/drawing/2014/main" xmlns="" id="{1CFAAA27-DCC5-41C5-AE81-45010E348DBD}"/>
               </a:ext>
             </a:extLst>
           </p:cNvPr>
@@ -8896,7 +9050,7 @@
         </p:blipFill>
         <p:spPr>
           <a:xfrm>
-            <a:off x="15353643" y="10952373"/>
+            <a:off x="15353643" y="10844797"/>
             <a:ext cx="2847975" cy="1200150"/>
           </a:xfrm>
           <a:prstGeom prst="rect">
@@ -8909,7 +9063,7 @@
           <p:cNvPr id="17" name="Picture 16">
             <a:extLst>
               <a:ext uri="{FF2B5EF4-FFF2-40B4-BE49-F238E27FC236}">
-                <a16:creationId xmlns:a16="http://schemas.microsoft.com/office/drawing/2014/main" id="{394C75B6-5C11-42AA-9761-28887E5D2E07}"/>
+                <a16:creationId xmlns:a16="http://schemas.microsoft.com/office/drawing/2014/main" xmlns="" id="{394C75B6-5C11-42AA-9761-28887E5D2E07}"/>
               </a:ext>
             </a:extLst>
           </p:cNvPr>
@@ -8937,7 +9091,7 @@
         </p:blipFill>
         <p:spPr>
           <a:xfrm>
-            <a:off x="9097094" y="10953516"/>
+            <a:off x="9097094" y="10845940"/>
             <a:ext cx="3593592" cy="1197864"/>
           </a:xfrm>
           <a:prstGeom prst="rect">
@@ -8950,7 +9104,7 @@
           <p:cNvPr id="18" name="Picture 17">
             <a:extLst>
               <a:ext uri="{FF2B5EF4-FFF2-40B4-BE49-F238E27FC236}">
-                <a16:creationId xmlns:a16="http://schemas.microsoft.com/office/drawing/2014/main" id="{8B2FB826-8FDF-43D4-87E6-0E9C579724D1}"/>
+                <a16:creationId xmlns:a16="http://schemas.microsoft.com/office/drawing/2014/main" xmlns="" id="{8B2FB826-8FDF-43D4-87E6-0E9C579724D1}"/>
               </a:ext>
             </a:extLst>
           </p:cNvPr>
@@ -8978,7 +9132,7 @@
         </p:blipFill>
         <p:spPr>
           <a:xfrm>
-            <a:off x="12942338" y="10953516"/>
+            <a:off x="12942338" y="10845940"/>
             <a:ext cx="2159653" cy="1197864"/>
           </a:xfrm>
           <a:prstGeom prst="rect">
@@ -8991,7 +9145,7 @@
           <p:cNvPr id="48" name="Rectangle 47">
             <a:extLst>
               <a:ext uri="{FF2B5EF4-FFF2-40B4-BE49-F238E27FC236}">
-                <a16:creationId xmlns:a16="http://schemas.microsoft.com/office/drawing/2014/main" id="{CF1625B3-8386-4000-89E0-C27E4EBFAFEF}"/>
+                <a16:creationId xmlns:a16="http://schemas.microsoft.com/office/drawing/2014/main" xmlns="" id="{CF1625B3-8386-4000-89E0-C27E4EBFAFEF}"/>
               </a:ext>
             </a:extLst>
           </p:cNvPr>
@@ -9000,7 +9154,7 @@
         </p:nvSpPr>
         <p:spPr>
           <a:xfrm>
-            <a:off x="8955724" y="12187281"/>
+            <a:off x="8955724" y="12079705"/>
             <a:ext cx="9181552" cy="369332"/>
           </a:xfrm>
           <a:prstGeom prst="rect">
@@ -9058,7 +9212,7 @@
           <p:cNvPr id="29" name="Picture 28">
             <a:extLst>
               <a:ext uri="{FF2B5EF4-FFF2-40B4-BE49-F238E27FC236}">
-                <a16:creationId xmlns:a16="http://schemas.microsoft.com/office/drawing/2014/main" id="{4FF626CB-A943-4DC7-94FD-1EFC212778C9}"/>
+                <a16:creationId xmlns:a16="http://schemas.microsoft.com/office/drawing/2014/main" xmlns="" id="{4FF626CB-A943-4DC7-94FD-1EFC212778C9}"/>
               </a:ext>
             </a:extLst>
           </p:cNvPr>
@@ -9091,7 +9245,7 @@
         </p:blipFill>
         <p:spPr>
           <a:xfrm>
-            <a:off x="8840155" y="12408476"/>
+            <a:off x="8840155" y="12300900"/>
             <a:ext cx="6078109" cy="4052072"/>
           </a:xfrm>
           <a:prstGeom prst="rect">
@@ -9104,7 +9258,7 @@
           <p:cNvPr id="50" name="Rectangle 49">
             <a:extLst>
               <a:ext uri="{FF2B5EF4-FFF2-40B4-BE49-F238E27FC236}">
-                <a16:creationId xmlns:a16="http://schemas.microsoft.com/office/drawing/2014/main" id="{79181530-E3C4-4D42-AED2-0942ECAFE495}"/>
+                <a16:creationId xmlns:a16="http://schemas.microsoft.com/office/drawing/2014/main" xmlns="" id="{79181530-E3C4-4D42-AED2-0942ECAFE495}"/>
               </a:ext>
             </a:extLst>
           </p:cNvPr>
@@ -9113,7 +9267,7 @@
         </p:nvSpPr>
         <p:spPr>
           <a:xfrm>
-            <a:off x="14414716" y="13213336"/>
+            <a:off x="14414716" y="13105760"/>
             <a:ext cx="3923371" cy="2585323"/>
           </a:xfrm>
           <a:prstGeom prst="rect">
@@ -9202,7 +9356,7 @@
           <p:cNvPr id="35" name="Picture 2">
             <a:extLst>
               <a:ext uri="{FF2B5EF4-FFF2-40B4-BE49-F238E27FC236}">
-                <a16:creationId xmlns:a16="http://schemas.microsoft.com/office/drawing/2014/main" id="{2926EC8E-3997-473D-AE18-B886138453D7}"/>
+                <a16:creationId xmlns:a16="http://schemas.microsoft.com/office/drawing/2014/main" xmlns="" id="{2926EC8E-3997-473D-AE18-B886138453D7}"/>
               </a:ext>
             </a:extLst>
           </p:cNvPr>
@@ -9226,7 +9380,7 @@
         </p:blipFill>
         <p:spPr bwMode="auto">
           <a:xfrm>
-            <a:off x="13481756" y="15987976"/>
+            <a:off x="13481756" y="15880400"/>
             <a:ext cx="5117350" cy="4818838"/>
           </a:xfrm>
           <a:prstGeom prst="rect">
@@ -9251,7 +9405,7 @@
               <p:cNvPr id="37" name="Rectangle 36">
                 <a:extLst>
                   <a:ext uri="{FF2B5EF4-FFF2-40B4-BE49-F238E27FC236}">
-                    <a16:creationId xmlns:a16="http://schemas.microsoft.com/office/drawing/2014/main" id="{DAB3F643-9799-42E4-8C6C-09F15FDE2C28}"/>
+                    <a16:creationId xmlns:a16="http://schemas.microsoft.com/office/drawing/2014/main" xmlns="" id="{DAB3F643-9799-42E4-8C6C-09F15FDE2C28}"/>
                   </a:ext>
                 </a:extLst>
               </p:cNvPr>
@@ -9260,7 +9414,7 @@
             </p:nvSpPr>
             <p:spPr>
               <a:xfrm>
-                <a:off x="8955724" y="16532078"/>
+                <a:off x="8955724" y="16424502"/>
                 <a:ext cx="4616744" cy="5297540"/>
               </a:xfrm>
               <a:prstGeom prst="rect">
@@ -9356,7 +9510,7 @@
                               <a:solidFill>
                                 <a:prstClr val="black"/>
                               </a:solidFill>
-                              <a:latin typeface="Cambria Math" panose="02040503050406030204" pitchFamily="18" charset="0"/>
+                              <a:latin typeface="Cambria Math" charset="0"/>
                               <a:ea typeface="Source Sans Pro" panose="020B0503030403020204" pitchFamily="34" charset="0"/>
                             </a:rPr>
                           </m:ctrlPr>
@@ -9389,7 +9543,7 @@
                                   <a:solidFill>
                                     <a:prstClr val="black"/>
                                   </a:solidFill>
-                                  <a:latin typeface="Cambria Math" panose="02040503050406030204" pitchFamily="18" charset="0"/>
+                                  <a:latin typeface="Cambria Math" charset="0"/>
                                   <a:ea typeface="Source Sans Pro" panose="020B0503030403020204" pitchFamily="34" charset="0"/>
                                 </a:rPr>
                               </m:ctrlPr>
@@ -9438,7 +9592,7 @@
                               <a:solidFill>
                                 <a:prstClr val="black"/>
                               </a:solidFill>
-                              <a:latin typeface="Cambria Math" panose="02040503050406030204" pitchFamily="18" charset="0"/>
+                              <a:latin typeface="Cambria Math" charset="0"/>
                               <a:ea typeface="Source Sans Pro" panose="020B0503030403020204" pitchFamily="34" charset="0"/>
                             </a:rPr>
                           </m:ctrlPr>
@@ -9466,7 +9620,7 @@
                                   <a:solidFill>
                                     <a:prstClr val="black"/>
                                   </a:solidFill>
-                                  <a:latin typeface="Cambria Math" panose="02040503050406030204" pitchFamily="18" charset="0"/>
+                                  <a:latin typeface="Cambria Math" charset="0"/>
                                   <a:ea typeface="Source Sans Pro" panose="020B0503030403020204" pitchFamily="34" charset="0"/>
                                 </a:rPr>
                               </m:ctrlPr>
@@ -9499,7 +9653,7 @@
                                       <a:solidFill>
                                         <a:prstClr val="black"/>
                                       </a:solidFill>
-                                      <a:latin typeface="Cambria Math" panose="02040503050406030204" pitchFamily="18" charset="0"/>
+                                      <a:latin typeface="Cambria Math" charset="0"/>
                                       <a:ea typeface="Source Sans Pro" panose="020B0503030403020204" pitchFamily="34" charset="0"/>
                                     </a:rPr>
                                   </m:ctrlPr>
@@ -9514,7 +9668,7 @@
                                           <a:solidFill>
                                             <a:prstClr val="black"/>
                                           </a:solidFill>
-                                          <a:latin typeface="Cambria Math" panose="02040503050406030204" pitchFamily="18" charset="0"/>
+                                          <a:latin typeface="Cambria Math" charset="0"/>
                                           <a:ea typeface="Source Sans Pro" panose="020B0503030403020204" pitchFamily="34" charset="0"/>
                                         </a:rPr>
                                       </m:ctrlPr>
@@ -9529,7 +9683,7 @@
                                               <a:solidFill>
                                                 <a:prstClr val="black"/>
                                               </a:solidFill>
-                                              <a:latin typeface="Cambria Math" panose="02040503050406030204" pitchFamily="18" charset="0"/>
+                                              <a:latin typeface="Cambria Math" charset="0"/>
                                               <a:ea typeface="Source Sans Pro" panose="020B0503030403020204" pitchFamily="34" charset="0"/>
                                             </a:rPr>
                                           </m:ctrlPr>
@@ -9562,7 +9716,7 @@
                                                   <a:solidFill>
                                                     <a:prstClr val="black"/>
                                                   </a:solidFill>
-                                                  <a:latin typeface="Cambria Math" panose="02040503050406030204" pitchFamily="18" charset="0"/>
+                                                  <a:latin typeface="Cambria Math" charset="0"/>
                                                   <a:ea typeface="Source Sans Pro" panose="020B0503030403020204" pitchFamily="34" charset="0"/>
                                                 </a:rPr>
                                               </m:ctrlPr>
@@ -9685,7 +9839,7 @@
               <p:cNvPr id="37" name="Rectangle 36">
                 <a:extLst>
                   <a:ext uri="{FF2B5EF4-FFF2-40B4-BE49-F238E27FC236}">
-                    <a16:creationId xmlns:a16="http://schemas.microsoft.com/office/drawing/2014/main" id="{DAB3F643-9799-42E4-8C6C-09F15FDE2C28}"/>
+                    <a16:creationId xmlns:a16="http://schemas.microsoft.com/office/drawing/2014/main" xmlns:a14="http://schemas.microsoft.com/office/drawing/2010/main" xmlns="" id="{DAB3F643-9799-42E4-8C6C-09F15FDE2C28}"/>
                   </a:ext>
                 </a:extLst>
               </p:cNvPr>
@@ -9696,16 +9850,16 @@
             </p:nvSpPr>
             <p:spPr>
               <a:xfrm>
-                <a:off x="8955724" y="16532078"/>
+                <a:off x="8955724" y="16424502"/>
                 <a:ext cx="4616744" cy="5297540"/>
               </a:xfrm>
               <a:prstGeom prst="rect">
                 <a:avLst/>
               </a:prstGeom>
-              <a:blipFill>
+              <a:blipFill rotWithShape="0">
                 <a:blip r:embed="rId13"/>
                 <a:stretch>
-                  <a:fillRect l="-1982" t="-921" r="-3038" b="-575"/>
+                  <a:fillRect l="-1982" t="-921" r="-1321" b="-575"/>
                 </a:stretch>
               </a:blipFill>
             </p:spPr>
@@ -9731,7 +9885,7 @@
               <p:cNvPr id="54" name="Rectangle 53">
                 <a:extLst>
                   <a:ext uri="{FF2B5EF4-FFF2-40B4-BE49-F238E27FC236}">
-                    <a16:creationId xmlns:a16="http://schemas.microsoft.com/office/drawing/2014/main" id="{0B2DCA4B-DD22-4233-8794-9802978DE237}"/>
+                    <a16:creationId xmlns:a16="http://schemas.microsoft.com/office/drawing/2014/main" xmlns="" id="{0B2DCA4B-DD22-4233-8794-9802978DE237}"/>
                   </a:ext>
                 </a:extLst>
               </p:cNvPr>
@@ -9740,7 +9894,7 @@
             </p:nvSpPr>
             <p:spPr>
               <a:xfrm>
-                <a:off x="13969956" y="20987116"/>
+                <a:off x="13969956" y="20879540"/>
                 <a:ext cx="3923371" cy="646331"/>
               </a:xfrm>
               <a:prstGeom prst="rect">
@@ -9793,7 +9947,7 @@
               <p:cNvPr id="54" name="Rectangle 53">
                 <a:extLst>
                   <a:ext uri="{FF2B5EF4-FFF2-40B4-BE49-F238E27FC236}">
-                    <a16:creationId xmlns:a16="http://schemas.microsoft.com/office/drawing/2014/main" id="{0B2DCA4B-DD22-4233-8794-9802978DE237}"/>
+                    <a16:creationId xmlns:a16="http://schemas.microsoft.com/office/drawing/2014/main" xmlns:a14="http://schemas.microsoft.com/office/drawing/2010/main" xmlns="" id="{0B2DCA4B-DD22-4233-8794-9802978DE237}"/>
                   </a:ext>
                 </a:extLst>
               </p:cNvPr>
@@ -9804,16 +9958,16 @@
             </p:nvSpPr>
             <p:spPr>
               <a:xfrm>
-                <a:off x="13969956" y="20987116"/>
+                <a:off x="13969956" y="20879540"/>
                 <a:ext cx="3923371" cy="646331"/>
               </a:xfrm>
               <a:prstGeom prst="rect">
                 <a:avLst/>
               </a:prstGeom>
-              <a:blipFill>
+              <a:blipFill rotWithShape="0">
                 <a:blip r:embed="rId14"/>
                 <a:stretch>
-                  <a:fillRect l="-933" t="-5660" r="-2022" b="-14151"/>
+                  <a:fillRect l="-1244" t="-4717" r="-2177" b="-14151"/>
                 </a:stretch>
               </a:blipFill>
             </p:spPr>
@@ -9837,7 +9991,7 @@
           <p:cNvPr id="1028" name="Picture 4">
             <a:extLst>
               <a:ext uri="{FF2B5EF4-FFF2-40B4-BE49-F238E27FC236}">
-                <a16:creationId xmlns:a16="http://schemas.microsoft.com/office/drawing/2014/main" id="{A64BF70C-B781-4B57-87F5-31376A0A67D4}"/>
+                <a16:creationId xmlns:a16="http://schemas.microsoft.com/office/drawing/2014/main" xmlns="" id="{A64BF70C-B781-4B57-87F5-31376A0A67D4}"/>
               </a:ext>
             </a:extLst>
           </p:cNvPr>
@@ -9871,7 +10025,7 @@
         </p:blipFill>
         <p:spPr bwMode="auto">
           <a:xfrm>
-            <a:off x="27337397" y="6786014"/>
+            <a:off x="27337397" y="6678438"/>
             <a:ext cx="4623616" cy="2013003"/>
           </a:xfrm>
           <a:prstGeom prst="rect">
@@ -9894,7 +10048,7 @@
           <p:cNvPr id="58" name="Rectangle 57">
             <a:extLst>
               <a:ext uri="{FF2B5EF4-FFF2-40B4-BE49-F238E27FC236}">
-                <a16:creationId xmlns:a16="http://schemas.microsoft.com/office/drawing/2014/main" id="{5BA3F97D-2C32-408B-AA79-325E17EAC0EB}"/>
+                <a16:creationId xmlns:a16="http://schemas.microsoft.com/office/drawing/2014/main" xmlns="" id="{5BA3F97D-2C32-408B-AA79-325E17EAC0EB}"/>
               </a:ext>
             </a:extLst>
           </p:cNvPr>
@@ -9903,7 +10057,7 @@
         </p:nvSpPr>
         <p:spPr>
           <a:xfrm>
-            <a:off x="27423534" y="8712701"/>
+            <a:off x="27423534" y="8605125"/>
             <a:ext cx="4732467" cy="923330"/>
           </a:xfrm>
           <a:prstGeom prst="rect">
@@ -9936,7 +10090,21 @@
                 <a:latin typeface="Source Sans Pro" panose="020B0503030403020204" pitchFamily="34" charset="0"/>
                 <a:ea typeface="Source Sans Pro" panose="020B0503030403020204" pitchFamily="34" charset="0"/>
               </a:rPr>
-              <a:t> is [3].</a:t>
+              <a:t> </a:t>
+            </a:r>
+            <a:r>
+              <a:rPr lang="en-US" dirty="0" smtClean="0">
+                <a:latin typeface="Source Sans Pro" panose="020B0503030403020204" pitchFamily="34" charset="0"/>
+                <a:ea typeface="Source Sans Pro" panose="020B0503030403020204" pitchFamily="34" charset="0"/>
+              </a:rPr>
+              <a:t>KNN is from </a:t>
+            </a:r>
+            <a:r>
+              <a:rPr lang="en-US" dirty="0">
+                <a:latin typeface="Source Sans Pro" panose="020B0503030403020204" pitchFamily="34" charset="0"/>
+                <a:ea typeface="Source Sans Pro" panose="020B0503030403020204" pitchFamily="34" charset="0"/>
+              </a:rPr>
+              <a:t>[3].</a:t>
             </a:r>
             <a:endParaRPr lang="en-US" baseline="30000" dirty="0"/>
           </a:p>
@@ -9947,7 +10115,7 @@
           <p:cNvPr id="1030" name="Picture 6">
             <a:extLst>
               <a:ext uri="{FF2B5EF4-FFF2-40B4-BE49-F238E27FC236}">
-                <a16:creationId xmlns:a16="http://schemas.microsoft.com/office/drawing/2014/main" id="{9786F794-8153-46CD-BEEB-BEAF3E27AE10}"/>
+                <a16:creationId xmlns:a16="http://schemas.microsoft.com/office/drawing/2014/main" xmlns="" id="{9786F794-8153-46CD-BEEB-BEAF3E27AE10}"/>
               </a:ext>
             </a:extLst>
           </p:cNvPr>
@@ -9981,8 +10149,8 @@
         </p:blipFill>
         <p:spPr bwMode="auto">
           <a:xfrm>
-            <a:off x="25300971" y="9774770"/>
-            <a:ext cx="7490032" cy="5101384"/>
+            <a:off x="26667188" y="10096464"/>
+            <a:ext cx="6093837" cy="4150450"/>
           </a:xfrm>
           <a:prstGeom prst="rect">
             <a:avLst/>
@@ -10004,7 +10172,7 @@
           <p:cNvPr id="62" name="Rectangle 61">
             <a:extLst>
               <a:ext uri="{FF2B5EF4-FFF2-40B4-BE49-F238E27FC236}">
-                <a16:creationId xmlns:a16="http://schemas.microsoft.com/office/drawing/2014/main" id="{29B527E2-62D2-4C5E-839F-752CCF67ED54}"/>
+                <a16:creationId xmlns:a16="http://schemas.microsoft.com/office/drawing/2014/main" xmlns="" id="{29B527E2-62D2-4C5E-839F-752CCF67ED54}"/>
               </a:ext>
             </a:extLst>
           </p:cNvPr>
@@ -10013,8 +10181,8 @@
         </p:nvSpPr>
         <p:spPr>
           <a:xfrm>
-            <a:off x="25561991" y="14868211"/>
-            <a:ext cx="6877070" cy="646331"/>
+            <a:off x="26803657" y="14246915"/>
+            <a:ext cx="5635404" cy="923330"/>
           </a:xfrm>
           <a:prstGeom prst="rect">
             <a:avLst/>
@@ -10043,7 +10211,7 @@
           <p:cNvPr id="39" name="Rectangle 38">
             <a:extLst>
               <a:ext uri="{FF2B5EF4-FFF2-40B4-BE49-F238E27FC236}">
-                <a16:creationId xmlns:a16="http://schemas.microsoft.com/office/drawing/2014/main" id="{CC25D0E6-1318-4D02-B819-70CAD8BBC784}"/>
+                <a16:creationId xmlns:a16="http://schemas.microsoft.com/office/drawing/2014/main" xmlns="" id="{CC25D0E6-1318-4D02-B819-70CAD8BBC784}"/>
               </a:ext>
             </a:extLst>
           </p:cNvPr>
@@ -10052,8 +10220,8 @@
         </p:nvSpPr>
         <p:spPr>
           <a:xfrm>
-            <a:off x="18903862" y="10223267"/>
-            <a:ext cx="6370486" cy="3785652"/>
+            <a:off x="18903861" y="10115691"/>
+            <a:ext cx="7522297" cy="3170099"/>
           </a:xfrm>
           <a:prstGeom prst="rect">
             <a:avLst/>
@@ -10093,14 +10261,18 @@
                 <a:latin typeface="Source Sans Pro" panose="020B0503030403020204" pitchFamily="34" charset="0"/>
                 <a:ea typeface="Source Sans Pro" panose="020B0503030403020204" pitchFamily="34" charset="0"/>
               </a:rPr>
-              <a:t>1-step LR (*):  Linear regression model with rasterized image input of a collection of visually distinct glyphs</a:t>
-            </a:r>
-          </a:p>
-          <a:p>
-            <a:pPr marL="228600" lvl="2" indent="-228600" fontAlgn="base">
-              <a:buFont typeface="Arial" panose="020B0604020202020204" pitchFamily="34" charset="0"/>
-              <a:buChar char="•"/>
-            </a:pPr>
+              <a:t>1-step </a:t>
+            </a:r>
+            <a:r>
+              <a:rPr lang="en-US" sz="2000" dirty="0" smtClean="0">
+                <a:solidFill>
+                  <a:srgbClr val="000000"/>
+                </a:solidFill>
+                <a:latin typeface="Source Sans Pro" panose="020B0503030403020204" pitchFamily="34" charset="0"/>
+                <a:ea typeface="Source Sans Pro" panose="020B0503030403020204" pitchFamily="34" charset="0"/>
+              </a:rPr>
+              <a:t>LR:</a:t>
+            </a:r>
             <a:r>
               <a:rPr lang="en-US" sz="2000" dirty="0">
                 <a:solidFill>
@@ -10109,8 +10281,118 @@
                 <a:latin typeface="Source Sans Pro" panose="020B0503030403020204" pitchFamily="34" charset="0"/>
                 <a:ea typeface="Source Sans Pro" panose="020B0503030403020204" pitchFamily="34" charset="0"/>
               </a:rPr>
-              <a:t>2-step LR (**):  Sequentially predict typographic attribute vector from rasterized image input with linear regression, and then predict semantic attributes using linear regression</a:t>
-            </a:r>
+              <a:t>  Linear regression model with rasterized image input of a collection of visually distinct </a:t>
+            </a:r>
+            <a:r>
+              <a:rPr lang="en-US" sz="2000" dirty="0" smtClean="0">
+                <a:solidFill>
+                  <a:srgbClr val="000000"/>
+                </a:solidFill>
+                <a:latin typeface="Source Sans Pro" panose="020B0503030403020204" pitchFamily="34" charset="0"/>
+                <a:ea typeface="Source Sans Pro" panose="020B0503030403020204" pitchFamily="34" charset="0"/>
+              </a:rPr>
+              <a:t>glyphs (Figure 5a)</a:t>
+            </a:r>
+            <a:endParaRPr lang="en-US" sz="2000" dirty="0">
+              <a:solidFill>
+                <a:srgbClr val="000000"/>
+              </a:solidFill>
+              <a:latin typeface="Source Sans Pro" panose="020B0503030403020204" pitchFamily="34" charset="0"/>
+              <a:ea typeface="Source Sans Pro" panose="020B0503030403020204" pitchFamily="34" charset="0"/>
+            </a:endParaRPr>
+          </a:p>
+          <a:p>
+            <a:pPr marL="228600" lvl="2" indent="-228600" fontAlgn="base">
+              <a:buFont typeface="Arial" panose="020B0604020202020204" pitchFamily="34" charset="0"/>
+              <a:buChar char="•"/>
+            </a:pPr>
+            <a:r>
+              <a:rPr lang="en-US" sz="2000" dirty="0">
+                <a:solidFill>
+                  <a:srgbClr val="000000"/>
+                </a:solidFill>
+                <a:latin typeface="Source Sans Pro" panose="020B0503030403020204" pitchFamily="34" charset="0"/>
+                <a:ea typeface="Source Sans Pro" panose="020B0503030403020204" pitchFamily="34" charset="0"/>
+              </a:rPr>
+              <a:t>2-step LR </a:t>
+            </a:r>
+            <a:r>
+              <a:rPr lang="en-US" sz="2000" dirty="0" smtClean="0">
+                <a:solidFill>
+                  <a:srgbClr val="000000"/>
+                </a:solidFill>
+                <a:latin typeface="Source Sans Pro" panose="020B0503030403020204" pitchFamily="34" charset="0"/>
+                <a:ea typeface="Source Sans Pro" panose="020B0503030403020204" pitchFamily="34" charset="0"/>
+              </a:rPr>
+              <a:t>(**):</a:t>
+            </a:r>
+            <a:r>
+              <a:rPr lang="en-US" sz="2000" dirty="0">
+                <a:solidFill>
+                  <a:srgbClr val="000000"/>
+                </a:solidFill>
+                <a:latin typeface="Source Sans Pro" panose="020B0503030403020204" pitchFamily="34" charset="0"/>
+                <a:ea typeface="Source Sans Pro" panose="020B0503030403020204" pitchFamily="34" charset="0"/>
+              </a:rPr>
+              <a:t>  Sequentially predict typographic attribute vector from rasterized image </a:t>
+            </a:r>
+            <a:r>
+              <a:rPr lang="en-US" sz="2000" dirty="0" smtClean="0">
+                <a:solidFill>
+                  <a:srgbClr val="000000"/>
+                </a:solidFill>
+                <a:latin typeface="Source Sans Pro" panose="020B0503030403020204" pitchFamily="34" charset="0"/>
+                <a:ea typeface="Source Sans Pro" panose="020B0503030403020204" pitchFamily="34" charset="0"/>
+              </a:rPr>
+              <a:t>input with </a:t>
+            </a:r>
+            <a:r>
+              <a:rPr lang="en-US" sz="2000" dirty="0">
+                <a:solidFill>
+                  <a:srgbClr val="000000"/>
+                </a:solidFill>
+                <a:latin typeface="Source Sans Pro" panose="020B0503030403020204" pitchFamily="34" charset="0"/>
+                <a:ea typeface="Source Sans Pro" panose="020B0503030403020204" pitchFamily="34" charset="0"/>
+              </a:rPr>
+              <a:t>linear regression, and </a:t>
+            </a:r>
+            <a:r>
+              <a:rPr lang="en-US" sz="2000" dirty="0" smtClean="0">
+                <a:solidFill>
+                  <a:srgbClr val="000000"/>
+                </a:solidFill>
+                <a:latin typeface="Source Sans Pro" panose="020B0503030403020204" pitchFamily="34" charset="0"/>
+                <a:ea typeface="Source Sans Pro" panose="020B0503030403020204" pitchFamily="34" charset="0"/>
+              </a:rPr>
+              <a:t>then predict </a:t>
+            </a:r>
+            <a:r>
+              <a:rPr lang="en-US" sz="2000" dirty="0">
+                <a:solidFill>
+                  <a:srgbClr val="000000"/>
+                </a:solidFill>
+                <a:latin typeface="Source Sans Pro" panose="020B0503030403020204" pitchFamily="34" charset="0"/>
+                <a:ea typeface="Source Sans Pro" panose="020B0503030403020204" pitchFamily="34" charset="0"/>
+              </a:rPr>
+              <a:t>semantic attributes using linear </a:t>
+            </a:r>
+            <a:r>
+              <a:rPr lang="en-US" sz="2000" dirty="0" smtClean="0">
+                <a:solidFill>
+                  <a:srgbClr val="000000"/>
+                </a:solidFill>
+                <a:latin typeface="Source Sans Pro" panose="020B0503030403020204" pitchFamily="34" charset="0"/>
+                <a:ea typeface="Source Sans Pro" panose="020B0503030403020204" pitchFamily="34" charset="0"/>
+              </a:rPr>
+              <a:t>regression (Figure 5b)</a:t>
+            </a:r>
+            <a:endParaRPr lang="en-US" sz="2000" dirty="0">
+              <a:solidFill>
+                <a:srgbClr val="000000"/>
+              </a:solidFill>
+              <a:latin typeface="Source Sans Pro" panose="020B0503030403020204" pitchFamily="34" charset="0"/>
+              <a:ea typeface="Source Sans Pro" panose="020B0503030403020204" pitchFamily="34" charset="0"/>
+            </a:endParaRPr>
           </a:p>
           <a:p>
             <a:pPr marL="0" lvl="2" fontAlgn="base"/>
@@ -10122,8 +10404,45 @@
                 <a:latin typeface="Source Sans Pro" panose="020B0503030403020204" pitchFamily="34" charset="0"/>
                 <a:ea typeface="Source Sans Pro" panose="020B0503030403020204" pitchFamily="34" charset="0"/>
               </a:rPr>
-              <a:t>We also created and tested a Convolutional Neural Network model (***) with two convolutional layers, which outperformed these baselines.</a:t>
-            </a:r>
+              <a:t>We also created and tested a </a:t>
+            </a:r>
+            <a:r>
+              <a:rPr lang="en-US" sz="2000" dirty="0" smtClean="0">
+                <a:solidFill>
+                  <a:prstClr val="black"/>
+                </a:solidFill>
+                <a:latin typeface="Source Sans Pro" panose="020B0503030403020204" pitchFamily="34" charset="0"/>
+                <a:ea typeface="Source Sans Pro" panose="020B0503030403020204" pitchFamily="34" charset="0"/>
+              </a:rPr>
+              <a:t>CNN with </a:t>
+            </a:r>
+            <a:r>
+              <a:rPr lang="en-US" sz="2000" dirty="0">
+                <a:solidFill>
+                  <a:prstClr val="black"/>
+                </a:solidFill>
+                <a:latin typeface="Source Sans Pro" panose="020B0503030403020204" pitchFamily="34" charset="0"/>
+                <a:ea typeface="Source Sans Pro" panose="020B0503030403020204" pitchFamily="34" charset="0"/>
+              </a:rPr>
+              <a:t>two convolutional layers, which outperformed these </a:t>
+            </a:r>
+            <a:r>
+              <a:rPr lang="en-US" sz="2000" dirty="0" smtClean="0">
+                <a:solidFill>
+                  <a:prstClr val="black"/>
+                </a:solidFill>
+                <a:latin typeface="Source Sans Pro" panose="020B0503030403020204" pitchFamily="34" charset="0"/>
+                <a:ea typeface="Source Sans Pro" panose="020B0503030403020204" pitchFamily="34" charset="0"/>
+              </a:rPr>
+              <a:t>baselines (Figure 5c)</a:t>
+            </a:r>
+            <a:endParaRPr lang="en-US" sz="2000" dirty="0">
+              <a:solidFill>
+                <a:prstClr val="black"/>
+              </a:solidFill>
+              <a:latin typeface="Source Sans Pro" panose="020B0503030403020204" pitchFamily="34" charset="0"/>
+              <a:ea typeface="Source Sans Pro" panose="020B0503030403020204" pitchFamily="34" charset="0"/>
+            </a:endParaRPr>
           </a:p>
         </p:txBody>
       </p:sp>
@@ -10132,7 +10451,7 @@
           <p:cNvPr id="1032" name="Picture 8">
             <a:extLst>
               <a:ext uri="{FF2B5EF4-FFF2-40B4-BE49-F238E27FC236}">
-                <a16:creationId xmlns:a16="http://schemas.microsoft.com/office/drawing/2014/main" id="{216B6E60-1540-4E35-9F00-242D701ED663}"/>
+                <a16:creationId xmlns:a16="http://schemas.microsoft.com/office/drawing/2014/main" xmlns="" id="{216B6E60-1540-4E35-9F00-242D701ED663}"/>
               </a:ext>
             </a:extLst>
           </p:cNvPr>
@@ -10166,7 +10485,7 @@
         </p:blipFill>
         <p:spPr bwMode="auto">
           <a:xfrm>
-            <a:off x="18993091" y="13976115"/>
+            <a:off x="18993091" y="13868539"/>
             <a:ext cx="1514338" cy="2375432"/>
           </a:xfrm>
           <a:prstGeom prst="rect">
@@ -10189,7 +10508,7 @@
           <p:cNvPr id="1034" name="Picture 10">
             <a:extLst>
               <a:ext uri="{FF2B5EF4-FFF2-40B4-BE49-F238E27FC236}">
-                <a16:creationId xmlns:a16="http://schemas.microsoft.com/office/drawing/2014/main" id="{C96A0A22-39F3-48AF-8D8C-29401537091A}"/>
+                <a16:creationId xmlns:a16="http://schemas.microsoft.com/office/drawing/2014/main" xmlns="" id="{C96A0A22-39F3-48AF-8D8C-29401537091A}"/>
               </a:ext>
             </a:extLst>
           </p:cNvPr>
@@ -10223,8 +10542,8 @@
         </p:blipFill>
         <p:spPr bwMode="auto">
           <a:xfrm>
-            <a:off x="21818583" y="14028630"/>
-            <a:ext cx="1751881" cy="2397702"/>
+            <a:off x="18993091" y="16887023"/>
+            <a:ext cx="1648101" cy="2255664"/>
           </a:xfrm>
           <a:prstGeom prst="rect">
             <a:avLst/>
@@ -10246,7 +10565,7 @@
           <p:cNvPr id="1036" name="Picture 12">
             <a:extLst>
               <a:ext uri="{FF2B5EF4-FFF2-40B4-BE49-F238E27FC236}">
-                <a16:creationId xmlns:a16="http://schemas.microsoft.com/office/drawing/2014/main" id="{C5DF3C46-E5A3-4F24-AD1E-B7CEA33A0010}"/>
+                <a16:creationId xmlns:a16="http://schemas.microsoft.com/office/drawing/2014/main" xmlns="" id="{C5DF3C46-E5A3-4F24-AD1E-B7CEA33A0010}"/>
               </a:ext>
             </a:extLst>
           </p:cNvPr>
@@ -10280,8 +10599,8 @@
         </p:blipFill>
         <p:spPr bwMode="auto">
           <a:xfrm>
-            <a:off x="18898098" y="16371244"/>
-            <a:ext cx="5943600" cy="2886075"/>
+            <a:off x="21141570" y="17086126"/>
+            <a:ext cx="4132777" cy="2006781"/>
           </a:xfrm>
           <a:prstGeom prst="rect">
             <a:avLst/>
@@ -10303,7 +10622,7 @@
           <p:cNvPr id="68" name="Rectangle 67">
             <a:extLst>
               <a:ext uri="{FF2B5EF4-FFF2-40B4-BE49-F238E27FC236}">
-                <a16:creationId xmlns:a16="http://schemas.microsoft.com/office/drawing/2014/main" id="{B66357D4-B1C1-4FB8-8427-D6270E5C78A3}"/>
+                <a16:creationId xmlns:a16="http://schemas.microsoft.com/office/drawing/2014/main" xmlns="" id="{B66357D4-B1C1-4FB8-8427-D6270E5C78A3}"/>
               </a:ext>
             </a:extLst>
           </p:cNvPr>
@@ -10312,7 +10631,7 @@
         </p:nvSpPr>
         <p:spPr>
           <a:xfrm>
-            <a:off x="18291764" y="14065080"/>
+            <a:off x="18479677" y="13948591"/>
             <a:ext cx="3923371" cy="276999"/>
           </a:xfrm>
           <a:prstGeom prst="rect">
@@ -10327,11 +10646,11 @@
           <a:p>
             <a:pPr algn="ctr"/>
             <a:r>
-              <a:rPr lang="en-US" baseline="30000" dirty="0">
+              <a:rPr lang="en-US" baseline="30000" dirty="0" smtClean="0">
                 <a:latin typeface="Source Sans Pro" panose="020B0503030403020204" pitchFamily="34" charset="0"/>
                 <a:ea typeface="Source Sans Pro" panose="020B0503030403020204" pitchFamily="34" charset="0"/>
               </a:rPr>
-              <a:t>(*)</a:t>
+              <a:t>Figure 5a</a:t>
             </a:r>
             <a:endParaRPr lang="en-US" baseline="30000" dirty="0"/>
           </a:p>
@@ -10339,10 +10658,10 @@
       </p:sp>
       <p:sp>
         <p:nvSpPr>
-          <p:cNvPr id="69" name="Rectangle 68">
+          <p:cNvPr id="47" name="Rectangle 46">
             <a:extLst>
               <a:ext uri="{FF2B5EF4-FFF2-40B4-BE49-F238E27FC236}">
-                <a16:creationId xmlns:a16="http://schemas.microsoft.com/office/drawing/2014/main" id="{5570BB57-AAD9-478B-9975-BF194FB75573}"/>
+                <a16:creationId xmlns:a16="http://schemas.microsoft.com/office/drawing/2014/main" xmlns="" id="{B66357D4-B1C1-4FB8-8427-D6270E5C78A3}"/>
               </a:ext>
             </a:extLst>
           </p:cNvPr>
@@ -10351,7 +10670,7 @@
         </p:nvSpPr>
         <p:spPr>
           <a:xfrm>
-            <a:off x="21608778" y="14075878"/>
+            <a:off x="18436614" y="16924722"/>
             <a:ext cx="3923371" cy="276999"/>
           </a:xfrm>
           <a:prstGeom prst="rect">
@@ -10366,11 +10685,11 @@
           <a:p>
             <a:pPr algn="ctr"/>
             <a:r>
-              <a:rPr lang="en-US" baseline="30000" dirty="0">
+              <a:rPr lang="en-US" baseline="30000" smtClean="0">
                 <a:latin typeface="Source Sans Pro" panose="020B0503030403020204" pitchFamily="34" charset="0"/>
                 <a:ea typeface="Source Sans Pro" panose="020B0503030403020204" pitchFamily="34" charset="0"/>
               </a:rPr>
-              <a:t>(**)</a:t>
+              <a:t>Figure 5b</a:t>
             </a:r>
             <a:endParaRPr lang="en-US" baseline="30000" dirty="0"/>
           </a:p>
@@ -10378,10 +10697,10 @@
       </p:sp>
       <p:sp>
         <p:nvSpPr>
-          <p:cNvPr id="70" name="Rectangle 69">
+          <p:cNvPr id="49" name="Rectangle 48">
             <a:extLst>
               <a:ext uri="{FF2B5EF4-FFF2-40B4-BE49-F238E27FC236}">
-                <a16:creationId xmlns:a16="http://schemas.microsoft.com/office/drawing/2014/main" id="{7118C628-3628-471C-82FA-F1789FCF05A9}"/>
+                <a16:creationId xmlns:a16="http://schemas.microsoft.com/office/drawing/2014/main" xmlns="" id="{B66357D4-B1C1-4FB8-8427-D6270E5C78A3}"/>
               </a:ext>
             </a:extLst>
           </p:cNvPr>
@@ -10390,7 +10709,7 @@
         </p:nvSpPr>
         <p:spPr>
           <a:xfrm>
-            <a:off x="20017045" y="16634593"/>
+            <a:off x="21172080" y="16924722"/>
             <a:ext cx="3923371" cy="276999"/>
           </a:xfrm>
           <a:prstGeom prst="rect">
@@ -10405,11 +10724,11 @@
           <a:p>
             <a:pPr algn="ctr"/>
             <a:r>
-              <a:rPr lang="en-US" baseline="30000" dirty="0">
+              <a:rPr lang="en-US" baseline="30000" dirty="0" smtClean="0">
                 <a:latin typeface="Source Sans Pro" panose="020B0503030403020204" pitchFamily="34" charset="0"/>
                 <a:ea typeface="Source Sans Pro" panose="020B0503030403020204" pitchFamily="34" charset="0"/>
               </a:rPr>
-              <a:t>(***)</a:t>
+              <a:t>Figure 5c</a:t>
             </a:r>
             <a:endParaRPr lang="en-US" baseline="30000" dirty="0"/>
           </a:p>

--- a/poster.pptx
+++ b/poster.pptx
@@ -506,18 +506,26 @@
   <pc:docChgLst>
     <pc:chgData name="Julia Gong" userId="56d9f604-d530-4517-a0bf-7f0e2638ca76" providerId="ADAL" clId="{CBF6ACB1-B624-435E-9228-64D12A7AC7C0}"/>
     <pc:docChg chg="undo custSel modSld">
-      <pc:chgData name="Julia Gong" userId="56d9f604-d530-4517-a0bf-7f0e2638ca76" providerId="ADAL" clId="{CBF6ACB1-B624-435E-9228-64D12A7AC7C0}" dt="2019-12-12T04:08:26.884" v="9568" actId="478"/>
+      <pc:chgData name="Julia Gong" userId="56d9f604-d530-4517-a0bf-7f0e2638ca76" providerId="ADAL" clId="{CBF6ACB1-B624-435E-9228-64D12A7AC7C0}" dt="2019-12-12T05:50:34.666" v="12955" actId="2711"/>
       <pc:docMkLst>
         <pc:docMk/>
       </pc:docMkLst>
       <pc:sldChg chg="addSp delSp modSp">
-        <pc:chgData name="Julia Gong" userId="56d9f604-d530-4517-a0bf-7f0e2638ca76" providerId="ADAL" clId="{CBF6ACB1-B624-435E-9228-64D12A7AC7C0}" dt="2019-12-12T04:08:26.884" v="9568" actId="478"/>
+        <pc:chgData name="Julia Gong" userId="56d9f604-d530-4517-a0bf-7f0e2638ca76" providerId="ADAL" clId="{CBF6ACB1-B624-435E-9228-64D12A7AC7C0}" dt="2019-12-12T05:50:34.666" v="12955" actId="2711"/>
         <pc:sldMkLst>
           <pc:docMk/>
           <pc:sldMk cId="3666076598" sldId="256"/>
         </pc:sldMkLst>
+        <pc:spChg chg="add del">
+          <ac:chgData name="Julia Gong" userId="56d9f604-d530-4517-a0bf-7f0e2638ca76" providerId="ADAL" clId="{CBF6ACB1-B624-435E-9228-64D12A7AC7C0}" dt="2019-12-12T05:26:40.455" v="11524"/>
+          <ac:spMkLst>
+            <pc:docMk/>
+            <pc:sldMk cId="3666076598" sldId="256"/>
+            <ac:spMk id="2" creationId="{43DAFCFB-7A77-48EC-9617-D3871F00EDE4}"/>
+          </ac:spMkLst>
+        </pc:spChg>
         <pc:spChg chg="mod">
-          <ac:chgData name="Julia Gong" userId="56d9f604-d530-4517-a0bf-7f0e2638ca76" providerId="ADAL" clId="{CBF6ACB1-B624-435E-9228-64D12A7AC7C0}" dt="2019-12-11T20:04:44.423" v="1113" actId="20577"/>
+          <ac:chgData name="Julia Gong" userId="56d9f604-d530-4517-a0bf-7f0e2638ca76" providerId="ADAL" clId="{CBF6ACB1-B624-435E-9228-64D12A7AC7C0}" dt="2019-12-12T05:50:34.666" v="12955" actId="2711"/>
           <ac:spMkLst>
             <pc:docMk/>
             <pc:sldMk cId="3666076598" sldId="256"/>
@@ -532,6 +540,14 @@
             <ac:spMk id="5" creationId="{9043F60B-4A14-4495-B2E8-DF90FE788682}"/>
           </ac:spMkLst>
         </pc:spChg>
+        <pc:spChg chg="add mod">
+          <ac:chgData name="Julia Gong" userId="56d9f604-d530-4517-a0bf-7f0e2638ca76" providerId="ADAL" clId="{CBF6ACB1-B624-435E-9228-64D12A7AC7C0}" dt="2019-12-12T05:47:59.795" v="12935" actId="14100"/>
+          <ac:spMkLst>
+            <pc:docMk/>
+            <pc:sldMk cId="3666076598" sldId="256"/>
+            <ac:spMk id="6" creationId="{DFFE7955-06E0-46FD-9634-CF7B3EDAB5D3}"/>
+          </ac:spMkLst>
+        </pc:spChg>
         <pc:spChg chg="mod">
           <ac:chgData name="Julia Gong" userId="56d9f604-d530-4517-a0bf-7f0e2638ca76" providerId="ADAL" clId="{CBF6ACB1-B624-435E-9228-64D12A7AC7C0}" dt="2019-12-11T20:24:42.322" v="1779" actId="20577"/>
           <ac:spMkLst>
@@ -549,7 +565,7 @@
           </ac:spMkLst>
         </pc:spChg>
         <pc:spChg chg="mod">
-          <ac:chgData name="Julia Gong" userId="56d9f604-d530-4517-a0bf-7f0e2638ca76" providerId="ADAL" clId="{CBF6ACB1-B624-435E-9228-64D12A7AC7C0}" dt="2019-12-12T03:51:28.885" v="8244" actId="20577"/>
+          <ac:chgData name="Julia Gong" userId="56d9f604-d530-4517-a0bf-7f0e2638ca76" providerId="ADAL" clId="{CBF6ACB1-B624-435E-9228-64D12A7AC7C0}" dt="2019-12-12T05:47:52.624" v="12933" actId="14100"/>
           <ac:spMkLst>
             <pc:docMk/>
             <pc:sldMk cId="3666076598" sldId="256"/>
@@ -557,7 +573,7 @@
           </ac:spMkLst>
         </pc:spChg>
         <pc:spChg chg="mod">
-          <ac:chgData name="Julia Gong" userId="56d9f604-d530-4517-a0bf-7f0e2638ca76" providerId="ADAL" clId="{CBF6ACB1-B624-435E-9228-64D12A7AC7C0}" dt="2019-12-12T04:07:18.827" v="9547" actId="1035"/>
+          <ac:chgData name="Julia Gong" userId="56d9f604-d530-4517-a0bf-7f0e2638ca76" providerId="ADAL" clId="{CBF6ACB1-B624-435E-9228-64D12A7AC7C0}" dt="2019-12-12T05:45:18.536" v="12870" actId="1036"/>
           <ac:spMkLst>
             <pc:docMk/>
             <pc:sldMk cId="3666076598" sldId="256"/>
@@ -565,7 +581,7 @@
           </ac:spMkLst>
         </pc:spChg>
         <pc:spChg chg="mod">
-          <ac:chgData name="Julia Gong" userId="56d9f604-d530-4517-a0bf-7f0e2638ca76" providerId="ADAL" clId="{CBF6ACB1-B624-435E-9228-64D12A7AC7C0}" dt="2019-12-12T04:08:03.540" v="9564" actId="1035"/>
+          <ac:chgData name="Julia Gong" userId="56d9f604-d530-4517-a0bf-7f0e2638ca76" providerId="ADAL" clId="{CBF6ACB1-B624-435E-9228-64D12A7AC7C0}" dt="2019-12-12T05:25:34.713" v="11507" actId="14100"/>
           <ac:spMkLst>
             <pc:docMk/>
             <pc:sldMk cId="3666076598" sldId="256"/>
@@ -573,7 +589,7 @@
           </ac:spMkLst>
         </pc:spChg>
         <pc:spChg chg="add mod">
-          <ac:chgData name="Julia Gong" userId="56d9f604-d530-4517-a0bf-7f0e2638ca76" providerId="ADAL" clId="{CBF6ACB1-B624-435E-9228-64D12A7AC7C0}" dt="2019-12-11T20:32:41.524" v="2280" actId="20577"/>
+          <ac:chgData name="Julia Gong" userId="56d9f604-d530-4517-a0bf-7f0e2638ca76" providerId="ADAL" clId="{CBF6ACB1-B624-435E-9228-64D12A7AC7C0}" dt="2019-12-12T05:38:30.913" v="12725" actId="1037"/>
           <ac:spMkLst>
             <pc:docMk/>
             <pc:sldMk cId="3666076598" sldId="256"/>
@@ -581,7 +597,7 @@
           </ac:spMkLst>
         </pc:spChg>
         <pc:spChg chg="mod">
-          <ac:chgData name="Julia Gong" userId="56d9f604-d530-4517-a0bf-7f0e2638ca76" providerId="ADAL" clId="{CBF6ACB1-B624-435E-9228-64D12A7AC7C0}" dt="2019-12-12T02:40:57.988" v="4864" actId="20577"/>
+          <ac:chgData name="Julia Gong" userId="56d9f604-d530-4517-a0bf-7f0e2638ca76" providerId="ADAL" clId="{CBF6ACB1-B624-435E-9228-64D12A7AC7C0}" dt="2019-12-12T04:57:36.560" v="9753" actId="20577"/>
           <ac:spMkLst>
             <pc:docMk/>
             <pc:sldMk cId="3666076598" sldId="256"/>
@@ -589,7 +605,7 @@
           </ac:spMkLst>
         </pc:spChg>
         <pc:spChg chg="mod">
-          <ac:chgData name="Julia Gong" userId="56d9f604-d530-4517-a0bf-7f0e2638ca76" providerId="ADAL" clId="{CBF6ACB1-B624-435E-9228-64D12A7AC7C0}" dt="2019-12-11T20:32:38.465" v="2279" actId="20577"/>
+          <ac:chgData name="Julia Gong" userId="56d9f604-d530-4517-a0bf-7f0e2638ca76" providerId="ADAL" clId="{CBF6ACB1-B624-435E-9228-64D12A7AC7C0}" dt="2019-12-12T05:37:04.019" v="12631" actId="404"/>
           <ac:spMkLst>
             <pc:docMk/>
             <pc:sldMk cId="3666076598" sldId="256"/>
@@ -597,7 +613,7 @@
           </ac:spMkLst>
         </pc:spChg>
         <pc:spChg chg="mod">
-          <ac:chgData name="Julia Gong" userId="56d9f604-d530-4517-a0bf-7f0e2638ca76" providerId="ADAL" clId="{CBF6ACB1-B624-435E-9228-64D12A7AC7C0}" dt="2019-12-12T04:07:18.827" v="9547" actId="1035"/>
+          <ac:chgData name="Julia Gong" userId="56d9f604-d530-4517-a0bf-7f0e2638ca76" providerId="ADAL" clId="{CBF6ACB1-B624-435E-9228-64D12A7AC7C0}" dt="2019-12-12T05:43:36.755" v="12843" actId="14100"/>
           <ac:spMkLst>
             <pc:docMk/>
             <pc:sldMk cId="3666076598" sldId="256"/>
@@ -613,7 +629,7 @@
           </ac:spMkLst>
         </pc:spChg>
         <pc:spChg chg="mod">
-          <ac:chgData name="Julia Gong" userId="56d9f604-d530-4517-a0bf-7f0e2638ca76" providerId="ADAL" clId="{CBF6ACB1-B624-435E-9228-64D12A7AC7C0}" dt="2019-12-12T03:57:09.142" v="8864" actId="404"/>
+          <ac:chgData name="Julia Gong" userId="56d9f604-d530-4517-a0bf-7f0e2638ca76" providerId="ADAL" clId="{CBF6ACB1-B624-435E-9228-64D12A7AC7C0}" dt="2019-12-12T05:47:56.149" v="12934" actId="14100"/>
           <ac:spMkLst>
             <pc:docMk/>
             <pc:sldMk cId="3666076598" sldId="256"/>
@@ -629,7 +645,7 @@
           </ac:spMkLst>
         </pc:spChg>
         <pc:spChg chg="add mod">
-          <ac:chgData name="Julia Gong" userId="56d9f604-d530-4517-a0bf-7f0e2638ca76" providerId="ADAL" clId="{CBF6ACB1-B624-435E-9228-64D12A7AC7C0}" dt="2019-12-12T03:28:00.126" v="7241" actId="255"/>
+          <ac:chgData name="Julia Gong" userId="56d9f604-d530-4517-a0bf-7f0e2638ca76" providerId="ADAL" clId="{CBF6ACB1-B624-435E-9228-64D12A7AC7C0}" dt="2019-12-12T05:47:24.618" v="12922" actId="1037"/>
           <ac:spMkLst>
             <pc:docMk/>
             <pc:sldMk cId="3666076598" sldId="256"/>
@@ -645,7 +661,7 @@
           </ac:spMkLst>
         </pc:spChg>
         <pc:spChg chg="add mod">
-          <ac:chgData name="Julia Gong" userId="56d9f604-d530-4517-a0bf-7f0e2638ca76" providerId="ADAL" clId="{CBF6ACB1-B624-435E-9228-64D12A7AC7C0}" dt="2019-12-12T04:07:03.916" v="9531" actId="1035"/>
+          <ac:chgData name="Julia Gong" userId="56d9f604-d530-4517-a0bf-7f0e2638ca76" providerId="ADAL" clId="{CBF6ACB1-B624-435E-9228-64D12A7AC7C0}" dt="2019-12-12T05:47:39.942" v="12927" actId="1037"/>
           <ac:spMkLst>
             <pc:docMk/>
             <pc:sldMk cId="3666076598" sldId="256"/>
@@ -653,7 +669,7 @@
           </ac:spMkLst>
         </pc:spChg>
         <pc:spChg chg="mod">
-          <ac:chgData name="Julia Gong" userId="56d9f604-d530-4517-a0bf-7f0e2638ca76" providerId="ADAL" clId="{CBF6ACB1-B624-435E-9228-64D12A7AC7C0}" dt="2019-12-12T03:53:38.228" v="8457" actId="20577"/>
+          <ac:chgData name="Julia Gong" userId="56d9f604-d530-4517-a0bf-7f0e2638ca76" providerId="ADAL" clId="{CBF6ACB1-B624-435E-9228-64D12A7AC7C0}" dt="2019-12-12T05:03:21.899" v="9951" actId="207"/>
           <ac:spMkLst>
             <pc:docMk/>
             <pc:sldMk cId="3666076598" sldId="256"/>
@@ -669,15 +685,39 @@
           </ac:spMkLst>
         </pc:spChg>
         <pc:spChg chg="add mod">
-          <ac:chgData name="Julia Gong" userId="56d9f604-d530-4517-a0bf-7f0e2638ca76" providerId="ADAL" clId="{CBF6ACB1-B624-435E-9228-64D12A7AC7C0}" dt="2019-12-12T03:22:20.601" v="7051" actId="1036"/>
+          <ac:chgData name="Julia Gong" userId="56d9f604-d530-4517-a0bf-7f0e2638ca76" providerId="ADAL" clId="{CBF6ACB1-B624-435E-9228-64D12A7AC7C0}" dt="2019-12-12T05:05:52.849" v="10000" actId="571"/>
+          <ac:spMkLst>
+            <pc:docMk/>
+            <pc:sldMk cId="3666076598" sldId="256"/>
+            <ac:spMk id="46" creationId="{744EB309-BC83-4580-80D6-F8C90D509F47}"/>
+          </ac:spMkLst>
+        </pc:spChg>
+        <pc:spChg chg="mod">
+          <ac:chgData name="Julia Gong" userId="56d9f604-d530-4517-a0bf-7f0e2638ca76" providerId="ADAL" clId="{CBF6ACB1-B624-435E-9228-64D12A7AC7C0}" dt="2019-12-12T05:45:35.179" v="12884" actId="1036"/>
+          <ac:spMkLst>
+            <pc:docMk/>
+            <pc:sldMk cId="3666076598" sldId="256"/>
+            <ac:spMk id="47" creationId="{B66357D4-B1C1-4FB8-8427-D6270E5C78A3}"/>
+          </ac:spMkLst>
+        </pc:spChg>
+        <pc:spChg chg="add mod">
+          <ac:chgData name="Julia Gong" userId="56d9f604-d530-4517-a0bf-7f0e2638ca76" providerId="ADAL" clId="{CBF6ACB1-B624-435E-9228-64D12A7AC7C0}" dt="2019-12-12T05:47:24.618" v="12922" actId="1037"/>
           <ac:spMkLst>
             <pc:docMk/>
             <pc:sldMk cId="3666076598" sldId="256"/>
             <ac:spMk id="48" creationId="{CF1625B3-8386-4000-89E0-C27E4EBFAFEF}"/>
           </ac:spMkLst>
         </pc:spChg>
+        <pc:spChg chg="mod">
+          <ac:chgData name="Julia Gong" userId="56d9f604-d530-4517-a0bf-7f0e2638ca76" providerId="ADAL" clId="{CBF6ACB1-B624-435E-9228-64D12A7AC7C0}" dt="2019-12-12T05:45:35.179" v="12884" actId="1036"/>
+          <ac:spMkLst>
+            <pc:docMk/>
+            <pc:sldMk cId="3666076598" sldId="256"/>
+            <ac:spMk id="49" creationId="{B66357D4-B1C1-4FB8-8427-D6270E5C78A3}"/>
+          </ac:spMkLst>
+        </pc:spChg>
         <pc:spChg chg="add mod">
-          <ac:chgData name="Julia Gong" userId="56d9f604-d530-4517-a0bf-7f0e2638ca76" providerId="ADAL" clId="{CBF6ACB1-B624-435E-9228-64D12A7AC7C0}" dt="2019-12-12T03:22:20.601" v="7051" actId="1036"/>
+          <ac:chgData name="Julia Gong" userId="56d9f604-d530-4517-a0bf-7f0e2638ca76" providerId="ADAL" clId="{CBF6ACB1-B624-435E-9228-64D12A7AC7C0}" dt="2019-12-12T05:47:24.618" v="12922" actId="1037"/>
           <ac:spMkLst>
             <pc:docMk/>
             <pc:sldMk cId="3666076598" sldId="256"/>
@@ -693,7 +733,23 @@
           </ac:spMkLst>
         </pc:spChg>
         <pc:spChg chg="add mod">
-          <ac:chgData name="Julia Gong" userId="56d9f604-d530-4517-a0bf-7f0e2638ca76" providerId="ADAL" clId="{CBF6ACB1-B624-435E-9228-64D12A7AC7C0}" dt="2019-12-12T03:27:09.320" v="7216"/>
+          <ac:chgData name="Julia Gong" userId="56d9f604-d530-4517-a0bf-7f0e2638ca76" providerId="ADAL" clId="{CBF6ACB1-B624-435E-9228-64D12A7AC7C0}" dt="2019-12-12T05:05:52.849" v="10000" actId="571"/>
+          <ac:spMkLst>
+            <pc:docMk/>
+            <pc:sldMk cId="3666076598" sldId="256"/>
+            <ac:spMk id="51" creationId="{B5C79CD7-F4D5-45A6-880D-C888252362AF}"/>
+          </ac:spMkLst>
+        </pc:spChg>
+        <pc:spChg chg="mod">
+          <ac:chgData name="Julia Gong" userId="56d9f604-d530-4517-a0bf-7f0e2638ca76" providerId="ADAL" clId="{CBF6ACB1-B624-435E-9228-64D12A7AC7C0}" dt="2019-12-12T05:07:26.366" v="10074" actId="404"/>
+          <ac:spMkLst>
+            <pc:docMk/>
+            <pc:sldMk cId="3666076598" sldId="256"/>
+            <ac:spMk id="53" creationId="{B25CEECC-978C-46E6-B5EB-301908C87EFB}"/>
+          </ac:spMkLst>
+        </pc:spChg>
+        <pc:spChg chg="add mod">
+          <ac:chgData name="Julia Gong" userId="56d9f604-d530-4517-a0bf-7f0e2638ca76" providerId="ADAL" clId="{CBF6ACB1-B624-435E-9228-64D12A7AC7C0}" dt="2019-12-12T05:47:24.618" v="12922" actId="1037"/>
           <ac:spMkLst>
             <pc:docMk/>
             <pc:sldMk cId="3666076598" sldId="256"/>
@@ -708,8 +764,16 @@
             <ac:spMk id="56" creationId="{312F4313-ED39-407E-BDB9-54C8C9A5049F}"/>
           </ac:spMkLst>
         </pc:spChg>
+        <pc:spChg chg="mod">
+          <ac:chgData name="Julia Gong" userId="56d9f604-d530-4517-a0bf-7f0e2638ca76" providerId="ADAL" clId="{CBF6ACB1-B624-435E-9228-64D12A7AC7C0}" dt="2019-12-12T05:38:37.439" v="12729" actId="20577"/>
+          <ac:spMkLst>
+            <pc:docMk/>
+            <pc:sldMk cId="3666076598" sldId="256"/>
+            <ac:spMk id="57" creationId="{12E10C52-C961-4475-8280-CAAF9D312B93}"/>
+          </ac:spMkLst>
+        </pc:spChg>
         <pc:spChg chg="add mod">
-          <ac:chgData name="Julia Gong" userId="56d9f604-d530-4517-a0bf-7f0e2638ca76" providerId="ADAL" clId="{CBF6ACB1-B624-435E-9228-64D12A7AC7C0}" dt="2019-12-12T03:57:14.897" v="8865" actId="1076"/>
+          <ac:chgData name="Julia Gong" userId="56d9f604-d530-4517-a0bf-7f0e2638ca76" providerId="ADAL" clId="{CBF6ACB1-B624-435E-9228-64D12A7AC7C0}" dt="2019-12-12T05:48:07.315" v="12944" actId="1035"/>
           <ac:spMkLst>
             <pc:docMk/>
             <pc:sldMk cId="3666076598" sldId="256"/>
@@ -717,7 +781,7 @@
           </ac:spMkLst>
         </pc:spChg>
         <pc:spChg chg="add mod">
-          <ac:chgData name="Julia Gong" userId="56d9f604-d530-4517-a0bf-7f0e2638ca76" providerId="ADAL" clId="{CBF6ACB1-B624-435E-9228-64D12A7AC7C0}" dt="2019-12-12T03:58:23.821" v="8938" actId="1038"/>
+          <ac:chgData name="Julia Gong" userId="56d9f604-d530-4517-a0bf-7f0e2638ca76" providerId="ADAL" clId="{CBF6ACB1-B624-435E-9228-64D12A7AC7C0}" dt="2019-12-12T05:34:48.176" v="12596" actId="1036"/>
           <ac:spMkLst>
             <pc:docMk/>
             <pc:sldMk cId="3666076598" sldId="256"/>
@@ -725,11 +789,19 @@
           </ac:spMkLst>
         </pc:spChg>
         <pc:spChg chg="add mod">
-          <ac:chgData name="Julia Gong" userId="56d9f604-d530-4517-a0bf-7f0e2638ca76" providerId="ADAL" clId="{CBF6ACB1-B624-435E-9228-64D12A7AC7C0}" dt="2019-12-12T03:58:15.028" v="8914" actId="404"/>
+          <ac:chgData name="Julia Gong" userId="56d9f604-d530-4517-a0bf-7f0e2638ca76" providerId="ADAL" clId="{CBF6ACB1-B624-435E-9228-64D12A7AC7C0}" dt="2019-12-12T05:42:59.576" v="12837" actId="14100"/>
           <ac:spMkLst>
             <pc:docMk/>
             <pc:sldMk cId="3666076598" sldId="256"/>
             <ac:spMk id="63" creationId="{FE43D688-7E5E-4154-B334-775E6885932B}"/>
+          </ac:spMkLst>
+        </pc:spChg>
+        <pc:spChg chg="add mod">
+          <ac:chgData name="Julia Gong" userId="56d9f604-d530-4517-a0bf-7f0e2638ca76" providerId="ADAL" clId="{CBF6ACB1-B624-435E-9228-64D12A7AC7C0}" dt="2019-12-12T05:45:26.082" v="12881" actId="1036"/>
+          <ac:spMkLst>
+            <pc:docMk/>
+            <pc:sldMk cId="3666076598" sldId="256"/>
+            <ac:spMk id="68" creationId="{B66357D4-B1C1-4FB8-8427-D6270E5C78A3}"/>
           </ac:spMkLst>
         </pc:spChg>
         <pc:spChg chg="add mod">
@@ -737,7 +809,7 @@
           <ac:spMkLst>
             <pc:docMk/>
             <pc:sldMk cId="3666076598" sldId="256"/>
-            <ac:spMk id="68" creationId="{B66357D4-B1C1-4FB8-8427-D6270E5C78A3}"/>
+            <ac:spMk id="69" creationId="{5570BB57-AAD9-478B-9975-BF194FB75573}"/>
           </ac:spMkLst>
         </pc:spChg>
         <pc:spChg chg="add mod">
@@ -745,14 +817,6 @@
           <ac:spMkLst>
             <pc:docMk/>
             <pc:sldMk cId="3666076598" sldId="256"/>
-            <ac:spMk id="69" creationId="{5570BB57-AAD9-478B-9975-BF194FB75573}"/>
-          </ac:spMkLst>
-        </pc:spChg>
-        <pc:spChg chg="add mod">
-          <ac:chgData name="Julia Gong" userId="56d9f604-d530-4517-a0bf-7f0e2638ca76" providerId="ADAL" clId="{CBF6ACB1-B624-435E-9228-64D12A7AC7C0}" dt="2019-12-12T04:07:13.057" v="9544" actId="1035"/>
-          <ac:spMkLst>
-            <pc:docMk/>
-            <pc:sldMk cId="3666076598" sldId="256"/>
             <ac:spMk id="70" creationId="{7118C628-3628-471C-82FA-F1789FCF05A9}"/>
           </ac:spMkLst>
         </pc:spChg>
@@ -821,7 +885,7 @@
           </ac:spMkLst>
         </pc:spChg>
         <pc:grpChg chg="mod">
-          <ac:chgData name="Julia Gong" userId="56d9f604-d530-4517-a0bf-7f0e2638ca76" providerId="ADAL" clId="{CBF6ACB1-B624-435E-9228-64D12A7AC7C0}" dt="2019-12-12T03:31:35.291" v="7275" actId="14100"/>
+          <ac:chgData name="Julia Gong" userId="56d9f604-d530-4517-a0bf-7f0e2638ca76" providerId="ADAL" clId="{CBF6ACB1-B624-435E-9228-64D12A7AC7C0}" dt="2019-12-12T05:47:24.618" v="12922" actId="1037"/>
           <ac:grpSpMkLst>
             <pc:docMk/>
             <pc:sldMk cId="3666076598" sldId="256"/>
@@ -836,6 +900,14 @@
             <ac:grpSpMk id="6" creationId="{DE42423A-64F0-4F0B-A03C-4587CF6CE692}"/>
           </ac:grpSpMkLst>
         </pc:grpChg>
+        <pc:grpChg chg="add mod">
+          <ac:chgData name="Julia Gong" userId="56d9f604-d530-4517-a0bf-7f0e2638ca76" providerId="ADAL" clId="{CBF6ACB1-B624-435E-9228-64D12A7AC7C0}" dt="2019-12-12T05:49:50.305" v="12954" actId="1037"/>
+          <ac:grpSpMkLst>
+            <pc:docMk/>
+            <pc:sldMk cId="3666076598" sldId="256"/>
+            <ac:grpSpMk id="9" creationId="{9B6A2F1B-0EFF-4AF4-AF54-EA839B726737}"/>
+          </ac:grpSpMkLst>
+        </pc:grpChg>
         <pc:grpChg chg="del">
           <ac:chgData name="Julia Gong" userId="56d9f604-d530-4517-a0bf-7f0e2638ca76" providerId="ADAL" clId="{CBF6ACB1-B624-435E-9228-64D12A7AC7C0}" dt="2019-12-12T02:48:57.314" v="5596" actId="478"/>
           <ac:grpSpMkLst>
@@ -845,7 +917,15 @@
           </ac:grpSpMkLst>
         </pc:grpChg>
         <pc:grpChg chg="mod">
-          <ac:chgData name="Julia Gong" userId="56d9f604-d530-4517-a0bf-7f0e2638ca76" providerId="ADAL" clId="{CBF6ACB1-B624-435E-9228-64D12A7AC7C0}" dt="2019-12-12T03:57:52.379" v="8878" actId="552"/>
+          <ac:chgData name="Julia Gong" userId="56d9f604-d530-4517-a0bf-7f0e2638ca76" providerId="ADAL" clId="{CBF6ACB1-B624-435E-9228-64D12A7AC7C0}" dt="2019-12-12T05:38:30.913" v="12725" actId="1037"/>
+          <ac:grpSpMkLst>
+            <pc:docMk/>
+            <pc:sldMk cId="3666076598" sldId="256"/>
+            <ac:grpSpMk id="28" creationId="{A6FCF87A-F1BF-4EE8-BE8E-A73DECFDE96C}"/>
+          </ac:grpSpMkLst>
+        </pc:grpChg>
+        <pc:grpChg chg="mod">
+          <ac:chgData name="Julia Gong" userId="56d9f604-d530-4517-a0bf-7f0e2638ca76" providerId="ADAL" clId="{CBF6ACB1-B624-435E-9228-64D12A7AC7C0}" dt="2019-12-12T05:18:21.398" v="10698" actId="1035"/>
           <ac:grpSpMkLst>
             <pc:docMk/>
             <pc:sldMk cId="3666076598" sldId="256"/>
@@ -853,7 +933,7 @@
           </ac:grpSpMkLst>
         </pc:grpChg>
         <pc:grpChg chg="mod">
-          <ac:chgData name="Julia Gong" userId="56d9f604-d530-4517-a0bf-7f0e2638ca76" providerId="ADAL" clId="{CBF6ACB1-B624-435E-9228-64D12A7AC7C0}" dt="2019-12-12T03:55:37.605" v="8685" actId="1035"/>
+          <ac:chgData name="Julia Gong" userId="56d9f604-d530-4517-a0bf-7f0e2638ca76" providerId="ADAL" clId="{CBF6ACB1-B624-435E-9228-64D12A7AC7C0}" dt="2019-12-12T05:34:42.154" v="12580" actId="1035"/>
           <ac:grpSpMkLst>
             <pc:docMk/>
             <pc:sldMk cId="3666076598" sldId="256"/>
@@ -861,7 +941,7 @@
           </ac:grpSpMkLst>
         </pc:grpChg>
         <pc:grpChg chg="mod">
-          <ac:chgData name="Julia Gong" userId="56d9f604-d530-4517-a0bf-7f0e2638ca76" providerId="ADAL" clId="{CBF6ACB1-B624-435E-9228-64D12A7AC7C0}" dt="2019-12-12T04:07:00.093" v="9512" actId="1035"/>
+          <ac:chgData name="Julia Gong" userId="56d9f604-d530-4517-a0bf-7f0e2638ca76" providerId="ADAL" clId="{CBF6ACB1-B624-435E-9228-64D12A7AC7C0}" dt="2019-12-12T05:47:44.988" v="12932" actId="1037"/>
           <ac:grpSpMkLst>
             <pc:docMk/>
             <pc:sldMk cId="3666076598" sldId="256"/>
@@ -877,11 +957,19 @@
           </ac:grpSpMkLst>
         </pc:grpChg>
         <pc:grpChg chg="mod">
-          <ac:chgData name="Julia Gong" userId="56d9f604-d530-4517-a0bf-7f0e2638ca76" providerId="ADAL" clId="{CBF6ACB1-B624-435E-9228-64D12A7AC7C0}" dt="2019-12-11T20:24:56.160" v="1800" actId="1035"/>
+          <ac:chgData name="Julia Gong" userId="56d9f604-d530-4517-a0bf-7f0e2638ca76" providerId="ADAL" clId="{CBF6ACB1-B624-435E-9228-64D12A7AC7C0}" dt="2019-12-12T05:38:30.913" v="12725" actId="1037"/>
           <ac:grpSpMkLst>
             <pc:docMk/>
             <pc:sldMk cId="3666076598" sldId="256"/>
             <ac:grpSpMk id="34" creationId="{25FE1606-2EC7-47C9-A2C4-492C4AB65D75}"/>
+          </ac:grpSpMkLst>
+        </pc:grpChg>
+        <pc:grpChg chg="add mod">
+          <ac:chgData name="Julia Gong" userId="56d9f604-d530-4517-a0bf-7f0e2638ca76" providerId="ADAL" clId="{CBF6ACB1-B624-435E-9228-64D12A7AC7C0}" dt="2019-12-12T05:47:24.618" v="12922" actId="1037"/>
+          <ac:grpSpMkLst>
+            <pc:docMk/>
+            <pc:sldMk cId="3666076598" sldId="256"/>
+            <ac:grpSpMk id="52" creationId="{EF1508C7-5D6F-4FC4-8218-EDBACCDB1A7A}"/>
           </ac:grpSpMkLst>
         </pc:grpChg>
         <pc:grpChg chg="del">
@@ -901,7 +989,7 @@
           </ac:graphicFrameMkLst>
         </pc:graphicFrameChg>
         <pc:picChg chg="add mod">
-          <ac:chgData name="Julia Gong" userId="56d9f604-d530-4517-a0bf-7f0e2638ca76" providerId="ADAL" clId="{CBF6ACB1-B624-435E-9228-64D12A7AC7C0}" dt="2019-12-12T03:58:50.893" v="8943" actId="1076"/>
+          <ac:chgData name="Julia Gong" userId="56d9f604-d530-4517-a0bf-7f0e2638ca76" providerId="ADAL" clId="{CBF6ACB1-B624-435E-9228-64D12A7AC7C0}" dt="2019-12-12T05:47:24.618" v="12922" actId="1037"/>
           <ac:picMkLst>
             <pc:docMk/>
             <pc:sldMk cId="3666076598" sldId="256"/>
@@ -909,7 +997,7 @@
           </ac:picMkLst>
         </pc:picChg>
         <pc:picChg chg="add mod">
-          <ac:chgData name="Julia Gong" userId="56d9f604-d530-4517-a0bf-7f0e2638ca76" providerId="ADAL" clId="{CBF6ACB1-B624-435E-9228-64D12A7AC7C0}" dt="2019-12-12T03:22:20.601" v="7051" actId="1036"/>
+          <ac:chgData name="Julia Gong" userId="56d9f604-d530-4517-a0bf-7f0e2638ca76" providerId="ADAL" clId="{CBF6ACB1-B624-435E-9228-64D12A7AC7C0}" dt="2019-12-12T05:47:24.618" v="12922" actId="1037"/>
           <ac:picMkLst>
             <pc:docMk/>
             <pc:sldMk cId="3666076598" sldId="256"/>
@@ -917,7 +1005,7 @@
           </ac:picMkLst>
         </pc:picChg>
         <pc:picChg chg="add mod">
-          <ac:chgData name="Julia Gong" userId="56d9f604-d530-4517-a0bf-7f0e2638ca76" providerId="ADAL" clId="{CBF6ACB1-B624-435E-9228-64D12A7AC7C0}" dt="2019-12-12T03:22:20.601" v="7051" actId="1036"/>
+          <ac:chgData name="Julia Gong" userId="56d9f604-d530-4517-a0bf-7f0e2638ca76" providerId="ADAL" clId="{CBF6ACB1-B624-435E-9228-64D12A7AC7C0}" dt="2019-12-12T05:47:24.618" v="12922" actId="1037"/>
           <ac:picMkLst>
             <pc:docMk/>
             <pc:sldMk cId="3666076598" sldId="256"/>
@@ -933,7 +1021,7 @@
           </ac:picMkLst>
         </pc:picChg>
         <pc:picChg chg="add mod">
-          <ac:chgData name="Julia Gong" userId="56d9f604-d530-4517-a0bf-7f0e2638ca76" providerId="ADAL" clId="{CBF6ACB1-B624-435E-9228-64D12A7AC7C0}" dt="2019-12-12T03:22:20.601" v="7051" actId="1036"/>
+          <ac:chgData name="Julia Gong" userId="56d9f604-d530-4517-a0bf-7f0e2638ca76" providerId="ADAL" clId="{CBF6ACB1-B624-435E-9228-64D12A7AC7C0}" dt="2019-12-12T05:47:24.618" v="12922" actId="1037"/>
           <ac:picMkLst>
             <pc:docMk/>
             <pc:sldMk cId="3666076598" sldId="256"/>
@@ -941,7 +1029,7 @@
           </ac:picMkLst>
         </pc:picChg>
         <pc:picChg chg="add mod">
-          <ac:chgData name="Julia Gong" userId="56d9f604-d530-4517-a0bf-7f0e2638ca76" providerId="ADAL" clId="{CBF6ACB1-B624-435E-9228-64D12A7AC7C0}" dt="2019-12-12T03:25:20.576" v="7120" actId="1036"/>
+          <ac:chgData name="Julia Gong" userId="56d9f604-d530-4517-a0bf-7f0e2638ca76" providerId="ADAL" clId="{CBF6ACB1-B624-435E-9228-64D12A7AC7C0}" dt="2019-12-12T05:47:24.618" v="12922" actId="1037"/>
           <ac:picMkLst>
             <pc:docMk/>
             <pc:sldMk cId="3666076598" sldId="256"/>
@@ -997,7 +1085,7 @@
           </ac:picMkLst>
         </pc:picChg>
         <pc:picChg chg="add mod">
-          <ac:chgData name="Julia Gong" userId="56d9f604-d530-4517-a0bf-7f0e2638ca76" providerId="ADAL" clId="{CBF6ACB1-B624-435E-9228-64D12A7AC7C0}" dt="2019-12-11T20:32:25.659" v="2275" actId="1035"/>
+          <ac:chgData name="Julia Gong" userId="56d9f604-d530-4517-a0bf-7f0e2638ca76" providerId="ADAL" clId="{CBF6ACB1-B624-435E-9228-64D12A7AC7C0}" dt="2019-12-12T05:38:30.913" v="12725" actId="1037"/>
           <ac:picMkLst>
             <pc:docMk/>
             <pc:sldMk cId="3666076598" sldId="256"/>
@@ -1005,7 +1093,7 @@
           </ac:picMkLst>
         </pc:picChg>
         <pc:picChg chg="add mod">
-          <ac:chgData name="Julia Gong" userId="56d9f604-d530-4517-a0bf-7f0e2638ca76" providerId="ADAL" clId="{CBF6ACB1-B624-435E-9228-64D12A7AC7C0}" dt="2019-12-12T03:57:14.897" v="8865" actId="1076"/>
+          <ac:chgData name="Julia Gong" userId="56d9f604-d530-4517-a0bf-7f0e2638ca76" providerId="ADAL" clId="{CBF6ACB1-B624-435E-9228-64D12A7AC7C0}" dt="2019-12-12T05:48:07.315" v="12944" actId="1035"/>
           <ac:picMkLst>
             <pc:docMk/>
             <pc:sldMk cId="3666076598" sldId="256"/>
@@ -1013,7 +1101,7 @@
           </ac:picMkLst>
         </pc:picChg>
         <pc:picChg chg="add mod">
-          <ac:chgData name="Julia Gong" userId="56d9f604-d530-4517-a0bf-7f0e2638ca76" providerId="ADAL" clId="{CBF6ACB1-B624-435E-9228-64D12A7AC7C0}" dt="2019-12-12T03:58:23.821" v="8938" actId="1038"/>
+          <ac:chgData name="Julia Gong" userId="56d9f604-d530-4517-a0bf-7f0e2638ca76" providerId="ADAL" clId="{CBF6ACB1-B624-435E-9228-64D12A7AC7C0}" dt="2019-12-12T05:34:48.176" v="12596" actId="1036"/>
           <ac:picMkLst>
             <pc:docMk/>
             <pc:sldMk cId="3666076598" sldId="256"/>
@@ -1021,7 +1109,7 @@
           </ac:picMkLst>
         </pc:picChg>
         <pc:picChg chg="add mod">
-          <ac:chgData name="Julia Gong" userId="56d9f604-d530-4517-a0bf-7f0e2638ca76" providerId="ADAL" clId="{CBF6ACB1-B624-435E-9228-64D12A7AC7C0}" dt="2019-12-12T04:07:13.057" v="9544" actId="1035"/>
+          <ac:chgData name="Julia Gong" userId="56d9f604-d530-4517-a0bf-7f0e2638ca76" providerId="ADAL" clId="{CBF6ACB1-B624-435E-9228-64D12A7AC7C0}" dt="2019-12-12T05:45:23.246" v="12874" actId="1036"/>
           <ac:picMkLst>
             <pc:docMk/>
             <pc:sldMk cId="3666076598" sldId="256"/>
@@ -1029,7 +1117,7 @@
           </ac:picMkLst>
         </pc:picChg>
         <pc:picChg chg="add mod">
-          <ac:chgData name="Julia Gong" userId="56d9f604-d530-4517-a0bf-7f0e2638ca76" providerId="ADAL" clId="{CBF6ACB1-B624-435E-9228-64D12A7AC7C0}" dt="2019-12-12T04:07:13.057" v="9544" actId="1035"/>
+          <ac:chgData name="Julia Gong" userId="56d9f604-d530-4517-a0bf-7f0e2638ca76" providerId="ADAL" clId="{CBF6ACB1-B624-435E-9228-64D12A7AC7C0}" dt="2019-12-12T05:45:35.179" v="12884" actId="1036"/>
           <ac:picMkLst>
             <pc:docMk/>
             <pc:sldMk cId="3666076598" sldId="256"/>
@@ -1037,7 +1125,7 @@
           </ac:picMkLst>
         </pc:picChg>
         <pc:picChg chg="add mod">
-          <ac:chgData name="Julia Gong" userId="56d9f604-d530-4517-a0bf-7f0e2638ca76" providerId="ADAL" clId="{CBF6ACB1-B624-435E-9228-64D12A7AC7C0}" dt="2019-12-12T04:07:13.057" v="9544" actId="1035"/>
+          <ac:chgData name="Julia Gong" userId="56d9f604-d530-4517-a0bf-7f0e2638ca76" providerId="ADAL" clId="{CBF6ACB1-B624-435E-9228-64D12A7AC7C0}" dt="2019-12-12T05:45:35.179" v="12884" actId="1036"/>
           <ac:picMkLst>
             <pc:docMk/>
             <pc:sldMk cId="3666076598" sldId="256"/>
@@ -2221,7 +2309,7 @@
           <a:p>
             <a:fld id="{95C0DF1D-8F71-7245-983B-474B2683A1DD}" type="datetimeFigureOut">
               <a:rPr lang="en-US" smtClean="0"/>
-              <a:t>12/11/19</a:t>
+              <a:t>12/11/2019</a:t>
             </a:fld>
             <a:endParaRPr lang="en-US"/>
           </a:p>
@@ -2386,7 +2474,7 @@
           <a:p>
             <a:fld id="{B0E1774D-7209-5145-B9A0-C7A98A00955B}" type="datetimeFigureOut">
               <a:rPr lang="en-US" smtClean="0"/>
-              <a:t>12/11/19</a:t>
+              <a:t>12/11/2019</a:t>
             </a:fld>
             <a:endParaRPr lang="en-US"/>
           </a:p>
@@ -2868,7 +2956,7 @@
           <a:p>
             <a:fld id="{EED1BB8F-3237-49E9-9BDC-A1E92EE84EA3}" type="datetimeFigureOut">
               <a:rPr lang="en-US" smtClean="0"/>
-              <a:t>12/11/19</a:t>
+              <a:t>12/11/2019</a:t>
             </a:fld>
             <a:endParaRPr lang="en-US"/>
           </a:p>
@@ -3038,7 +3126,7 @@
           <a:p>
             <a:fld id="{EED1BB8F-3237-49E9-9BDC-A1E92EE84EA3}" type="datetimeFigureOut">
               <a:rPr lang="en-US" smtClean="0"/>
-              <a:t>12/11/19</a:t>
+              <a:t>12/11/2019</a:t>
             </a:fld>
             <a:endParaRPr lang="en-US"/>
           </a:p>
@@ -3218,7 +3306,7 @@
           <a:p>
             <a:fld id="{EED1BB8F-3237-49E9-9BDC-A1E92EE84EA3}" type="datetimeFigureOut">
               <a:rPr lang="en-US" smtClean="0"/>
-              <a:t>12/11/19</a:t>
+              <a:t>12/11/2019</a:t>
             </a:fld>
             <a:endParaRPr lang="en-US"/>
           </a:p>
@@ -3388,7 +3476,7 @@
           <a:p>
             <a:fld id="{EED1BB8F-3237-49E9-9BDC-A1E92EE84EA3}" type="datetimeFigureOut">
               <a:rPr lang="en-US" smtClean="0"/>
-              <a:t>12/11/19</a:t>
+              <a:t>12/11/2019</a:t>
             </a:fld>
             <a:endParaRPr lang="en-US"/>
           </a:p>
@@ -3632,7 +3720,7 @@
           <a:p>
             <a:fld id="{EED1BB8F-3237-49E9-9BDC-A1E92EE84EA3}" type="datetimeFigureOut">
               <a:rPr lang="en-US" smtClean="0"/>
-              <a:t>12/11/19</a:t>
+              <a:t>12/11/2019</a:t>
             </a:fld>
             <a:endParaRPr lang="en-US"/>
           </a:p>
@@ -3864,7 +3952,7 @@
           <a:p>
             <a:fld id="{EED1BB8F-3237-49E9-9BDC-A1E92EE84EA3}" type="datetimeFigureOut">
               <a:rPr lang="en-US" smtClean="0"/>
-              <a:t>12/11/19</a:t>
+              <a:t>12/11/2019</a:t>
             </a:fld>
             <a:endParaRPr lang="en-US"/>
           </a:p>
@@ -4231,7 +4319,7 @@
           <a:p>
             <a:fld id="{EED1BB8F-3237-49E9-9BDC-A1E92EE84EA3}" type="datetimeFigureOut">
               <a:rPr lang="en-US" smtClean="0"/>
-              <a:t>12/11/19</a:t>
+              <a:t>12/11/2019</a:t>
             </a:fld>
             <a:endParaRPr lang="en-US"/>
           </a:p>
@@ -4349,7 +4437,7 @@
           <a:p>
             <a:fld id="{EED1BB8F-3237-49E9-9BDC-A1E92EE84EA3}" type="datetimeFigureOut">
               <a:rPr lang="en-US" smtClean="0"/>
-              <a:t>12/11/19</a:t>
+              <a:t>12/11/2019</a:t>
             </a:fld>
             <a:endParaRPr lang="en-US"/>
           </a:p>
@@ -4444,7 +4532,7 @@
           <a:p>
             <a:fld id="{EED1BB8F-3237-49E9-9BDC-A1E92EE84EA3}" type="datetimeFigureOut">
               <a:rPr lang="en-US" smtClean="0"/>
-              <a:t>12/11/19</a:t>
+              <a:t>12/11/2019</a:t>
             </a:fld>
             <a:endParaRPr lang="en-US"/>
           </a:p>
@@ -4721,7 +4809,7 @@
           <a:p>
             <a:fld id="{EED1BB8F-3237-49E9-9BDC-A1E92EE84EA3}" type="datetimeFigureOut">
               <a:rPr lang="en-US" smtClean="0"/>
-              <a:t>12/11/19</a:t>
+              <a:t>12/11/2019</a:t>
             </a:fld>
             <a:endParaRPr lang="en-US"/>
           </a:p>
@@ -4978,7 +5066,7 @@
           <a:p>
             <a:fld id="{EED1BB8F-3237-49E9-9BDC-A1E92EE84EA3}" type="datetimeFigureOut">
               <a:rPr lang="en-US" smtClean="0"/>
-              <a:t>12/11/19</a:t>
+              <a:t>12/11/2019</a:t>
             </a:fld>
             <a:endParaRPr lang="en-US"/>
           </a:p>
@@ -5191,7 +5279,7 @@
           <a:p>
             <a:fld id="{EED1BB8F-3237-49E9-9BDC-A1E92EE84EA3}" type="datetimeFigureOut">
               <a:rPr lang="en-US" smtClean="0"/>
-              <a:t>12/11/19</a:t>
+              <a:t>12/11/2019</a:t>
             </a:fld>
             <a:endParaRPr lang="en-US"/>
           </a:p>
@@ -5611,7 +5699,7 @@
           <p:cNvPr id="4" name="Title 3">
             <a:extLst>
               <a:ext uri="{FF2B5EF4-FFF2-40B4-BE49-F238E27FC236}">
-                <a16:creationId xmlns:a16="http://schemas.microsoft.com/office/drawing/2014/main" xmlns="" id="{108BF3A6-3243-4ECE-81F6-AD5057FAB640}"/>
+                <a16:creationId xmlns:a16="http://schemas.microsoft.com/office/drawing/2014/main" id="{108BF3A6-3243-4ECE-81F6-AD5057FAB640}"/>
               </a:ext>
             </a:extLst>
           </p:cNvPr>
@@ -5647,37 +5735,7 @@
                 <a:latin typeface="Source Sans Pro" panose="020B0503030403020204" pitchFamily="34" charset="0"/>
                 <a:ea typeface="Source Sans Pro" panose="020B0503030403020204" pitchFamily="34" charset="0"/>
               </a:rPr>
-              <a:t>Typeface Semantic Attribute Prediction </a:t>
-            </a:r>
-            <a:r>
-              <a:rPr lang="en-US" sz="5400" b="1" dirty="0" smtClean="0">
-                <a:solidFill>
-                  <a:srgbClr val="8B1336"/>
-                </a:solidFill>
-                <a:latin typeface="Source Sans Pro" panose="020B0503030403020204" pitchFamily="34" charset="0"/>
-                <a:ea typeface="Source Sans Pro" panose="020B0503030403020204" pitchFamily="34" charset="0"/>
-              </a:rPr>
-              <a:t>from Rasterized Font </a:t>
-            </a:r>
-            <a:r>
-              <a:rPr lang="en-US" sz="5400" b="1" dirty="0">
-                <a:solidFill>
-                  <a:srgbClr val="8B1336"/>
-                </a:solidFill>
-                <a:latin typeface="Source Sans Pro" panose="020B0503030403020204" pitchFamily="34" charset="0"/>
-                <a:ea typeface="Source Sans Pro" panose="020B0503030403020204" pitchFamily="34" charset="0"/>
-              </a:rPr>
-              <a:t>Representations</a:t>
-            </a:r>
-            <a:r>
-              <a:rPr lang="en-US" sz="1680" b="1" dirty="0">
-                <a:solidFill>
-                  <a:srgbClr val="8B1336"/>
-                </a:solidFill>
-                <a:latin typeface="Source Sans Pro" panose="020B0503030403020204" pitchFamily="34" charset="0"/>
-                <a:ea typeface="Source Sans Pro" panose="020B0503030403020204" pitchFamily="34" charset="0"/>
-              </a:rPr>
-              <a:t/>
+              <a:t>Typeface Semantic Attribute Prediction from Rasterized Font Representations</a:t>
             </a:r>
             <a:br>
               <a:rPr lang="en-US" sz="1680" b="1" dirty="0">
@@ -5688,16 +5746,6 @@
                 <a:ea typeface="Source Sans Pro" panose="020B0503030403020204" pitchFamily="34" charset="0"/>
               </a:rPr>
             </a:br>
-            <a:r>
-              <a:rPr lang="en-US" sz="1680" b="1" dirty="0">
-                <a:solidFill>
-                  <a:srgbClr val="8B1336"/>
-                </a:solidFill>
-                <a:latin typeface="Source Sans Pro" panose="020B0503030403020204" pitchFamily="34" charset="0"/>
-                <a:ea typeface="Source Sans Pro" panose="020B0503030403020204" pitchFamily="34" charset="0"/>
-              </a:rPr>
-              <a:t/>
-            </a:r>
             <a:br>
               <a:rPr lang="en-US" sz="1680" b="1" dirty="0">
                 <a:solidFill>
@@ -5733,9 +5781,9 @@
                 <a:solidFill>
                   <a:srgbClr val="8B1336"/>
                 </a:solidFill>
-                <a:latin typeface="Source Sans Pro" charset="0"/>
+                <a:latin typeface="Courier New" panose="02070309020205020404" pitchFamily="49" charset="0"/>
                 <a:ea typeface="Source Sans Pro" charset="0"/>
-                <a:cs typeface="Source Sans Pro" charset="0"/>
+                <a:cs typeface="Courier New" panose="02070309020205020404" pitchFamily="49" charset="0"/>
               </a:rPr>
               <a:t>{</a:t>
             </a:r>
@@ -5744,9 +5792,9 @@
                 <a:solidFill>
                   <a:srgbClr val="8B1336"/>
                 </a:solidFill>
-                <a:latin typeface="Source Sans Pro" charset="0"/>
+                <a:latin typeface="Courier New" panose="02070309020205020404" pitchFamily="49" charset="0"/>
                 <a:ea typeface="Source Sans Pro" charset="0"/>
-                <a:cs typeface="Source Sans Pro" charset="0"/>
+                <a:cs typeface="Courier New" panose="02070309020205020404" pitchFamily="49" charset="0"/>
               </a:rPr>
               <a:t>smirchan</a:t>
             </a:r>
@@ -5755,9 +5803,9 @@
                 <a:solidFill>
                   <a:srgbClr val="8B1336"/>
                 </a:solidFill>
-                <a:latin typeface="Source Sans Pro" charset="0"/>
+                <a:latin typeface="Courier New" panose="02070309020205020404" pitchFamily="49" charset="0"/>
                 <a:ea typeface="Source Sans Pro" charset="0"/>
-                <a:cs typeface="Source Sans Pro" charset="0"/>
+                <a:cs typeface="Courier New" panose="02070309020205020404" pitchFamily="49" charset="0"/>
               </a:rPr>
               <a:t>, </a:t>
             </a:r>
@@ -5766,9 +5814,9 @@
                 <a:solidFill>
                   <a:srgbClr val="8B1336"/>
                 </a:solidFill>
-                <a:latin typeface="Source Sans Pro" charset="0"/>
+                <a:latin typeface="Courier New" panose="02070309020205020404" pitchFamily="49" charset="0"/>
                 <a:ea typeface="Source Sans Pro" charset="0"/>
-                <a:cs typeface="Source Sans Pro" charset="0"/>
+                <a:cs typeface="Courier New" panose="02070309020205020404" pitchFamily="49" charset="0"/>
               </a:rPr>
               <a:t>zlucia</a:t>
             </a:r>
@@ -5777,9 +5825,9 @@
                 <a:solidFill>
                   <a:srgbClr val="8B1336"/>
                 </a:solidFill>
-                <a:latin typeface="Source Sans Pro" charset="0"/>
+                <a:latin typeface="Courier New" panose="02070309020205020404" pitchFamily="49" charset="0"/>
                 <a:ea typeface="Source Sans Pro" charset="0"/>
-                <a:cs typeface="Source Sans Pro" charset="0"/>
+                <a:cs typeface="Courier New" panose="02070309020205020404" pitchFamily="49" charset="0"/>
               </a:rPr>
               <a:t>, </a:t>
             </a:r>
@@ -5788,9 +5836,9 @@
                 <a:solidFill>
                   <a:srgbClr val="8B1336"/>
                 </a:solidFill>
-                <a:latin typeface="Source Sans Pro" charset="0"/>
+                <a:latin typeface="Courier New" panose="02070309020205020404" pitchFamily="49" charset="0"/>
                 <a:ea typeface="Source Sans Pro" charset="0"/>
-                <a:cs typeface="Source Sans Pro" charset="0"/>
+                <a:cs typeface="Courier New" panose="02070309020205020404" pitchFamily="49" charset="0"/>
               </a:rPr>
               <a:t>jxgong</a:t>
             </a:r>
@@ -5799,9 +5847,9 @@
                 <a:solidFill>
                   <a:srgbClr val="8B1336"/>
                 </a:solidFill>
-                <a:latin typeface="Source Sans Pro" charset="0"/>
+                <a:latin typeface="Courier New" panose="02070309020205020404" pitchFamily="49" charset="0"/>
                 <a:ea typeface="Source Sans Pro" charset="0"/>
-                <a:cs typeface="Source Sans Pro" charset="0"/>
+                <a:cs typeface="Courier New" panose="02070309020205020404" pitchFamily="49" charset="0"/>
               </a:rPr>
               <a:t>}@stanford.edu</a:t>
             </a:r>
@@ -5809,9 +5857,9 @@
               <a:solidFill>
                 <a:srgbClr val="8B1336"/>
               </a:solidFill>
-              <a:latin typeface="Source Sans Pro" charset="0"/>
+              <a:latin typeface="Courier New" panose="02070309020205020404" pitchFamily="49" charset="0"/>
               <a:ea typeface="Source Sans Pro" charset="0"/>
-              <a:cs typeface="Source Sans Pro" charset="0"/>
+              <a:cs typeface="Courier New" panose="02070309020205020404" pitchFamily="49" charset="0"/>
             </a:endParaRPr>
           </a:p>
         </p:txBody>
@@ -5821,7 +5869,7 @@
           <p:cNvPr id="28" name="Group 1">
             <a:extLst>
               <a:ext uri="{FF2B5EF4-FFF2-40B4-BE49-F238E27FC236}">
-                <a16:creationId xmlns:a16="http://schemas.microsoft.com/office/drawing/2014/main" xmlns="" id="{A6FCF87A-F1BF-4EE8-BE8E-A73DECFDE96C}"/>
+                <a16:creationId xmlns:a16="http://schemas.microsoft.com/office/drawing/2014/main" id="{A6FCF87A-F1BF-4EE8-BE8E-A73DECFDE96C}"/>
               </a:ext>
             </a:extLst>
           </p:cNvPr>
@@ -5830,7 +5878,7 @@
         </p:nvGrpSpPr>
         <p:grpSpPr>
           <a:xfrm>
-            <a:off x="1016987" y="2963937"/>
+            <a:off x="545934" y="2853101"/>
             <a:ext cx="7472393" cy="8944987"/>
             <a:chOff x="847489" y="3972835"/>
             <a:chExt cx="6226995" cy="7414636"/>
@@ -5841,7 +5889,7 @@
             <p:cNvPr id="5" name="Rectangle 2">
               <a:extLst>
                 <a:ext uri="{FF2B5EF4-FFF2-40B4-BE49-F238E27FC236}">
-                  <a16:creationId xmlns:a16="http://schemas.microsoft.com/office/drawing/2014/main" xmlns="" id="{9043F60B-4A14-4495-B2E8-DF90FE788682}"/>
+                  <a16:creationId xmlns:a16="http://schemas.microsoft.com/office/drawing/2014/main" id="{9043F60B-4A14-4495-B2E8-DF90FE788682}"/>
                 </a:ext>
               </a:extLst>
             </p:cNvPr>
@@ -5899,7 +5947,7 @@
             <p:cNvPr id="21" name="Rectangle 13">
               <a:extLst>
                 <a:ext uri="{FF2B5EF4-FFF2-40B4-BE49-F238E27FC236}">
-                  <a16:creationId xmlns:a16="http://schemas.microsoft.com/office/drawing/2014/main" xmlns="" id="{8415E113-F36F-4BB1-A6E3-BE891F93B0F4}"/>
+                  <a16:creationId xmlns:a16="http://schemas.microsoft.com/office/drawing/2014/main" id="{8415E113-F36F-4BB1-A6E3-BE891F93B0F4}"/>
                 </a:ext>
               </a:extLst>
             </p:cNvPr>
@@ -5944,7 +5992,7 @@
                 <a:buChar char="•"/>
               </a:pPr>
               <a:r>
-                <a:rPr lang="en-US" sz="2700" b="1" dirty="0">
+                <a:rPr lang="en-US" sz="2400" b="1" dirty="0">
                   <a:solidFill>
                     <a:srgbClr val="000000"/>
                   </a:solidFill>
@@ -5954,7 +6002,7 @@
                 <a:t>Characterizing attributes of typefaces </a:t>
               </a:r>
               <a:r>
-                <a:rPr lang="en-US" sz="2700" dirty="0">
+                <a:rPr lang="en-US" sz="2400" dirty="0">
                   <a:solidFill>
                     <a:srgbClr val="000000"/>
                   </a:solidFill>
@@ -5970,17 +6018,17 @@
                 <a:buChar char="•"/>
               </a:pPr>
               <a:r>
-                <a:rPr lang="en-US" sz="2700" dirty="0">
+                <a:rPr lang="en-US" sz="2400" dirty="0">
                   <a:solidFill>
                     <a:srgbClr val="000000"/>
                   </a:solidFill>
                   <a:latin typeface="Source Sans Pro" panose="020B0503030403020204" pitchFamily="34" charset="0"/>
                   <a:ea typeface="Source Sans Pro" panose="020B0503030403020204" pitchFamily="34" charset="0"/>
                 </a:rPr>
-                <a:t>Related work has used deep networks for typeface generation or grouped typefaces using </a:t>
-              </a:r>
-              <a:r>
-                <a:rPr lang="en-US" sz="2700" b="1" dirty="0">
+                <a:t>Related work has used grouped typefaces using </a:t>
+              </a:r>
+              <a:r>
+                <a:rPr lang="en-US" sz="2400" b="1" dirty="0">
                   <a:solidFill>
                     <a:srgbClr val="000000"/>
                   </a:solidFill>
@@ -5990,7 +6038,7 @@
                 <a:t>font styles</a:t>
               </a:r>
               <a:r>
-                <a:rPr lang="en-US" sz="2700" dirty="0">
+                <a:rPr lang="en-US" sz="2400" dirty="0">
                   <a:solidFill>
                     <a:srgbClr val="000000"/>
                   </a:solidFill>
@@ -6000,7 +6048,7 @@
                 <a:t> (e.g. ‘bold’, ‘italic’) or </a:t>
               </a:r>
               <a:r>
-                <a:rPr lang="en-US" sz="2700" b="1" dirty="0">
+                <a:rPr lang="en-US" sz="2400" b="1" dirty="0">
                   <a:solidFill>
                     <a:srgbClr val="000000"/>
                   </a:solidFill>
@@ -6010,17 +6058,17 @@
                 <a:t>typographic attributes</a:t>
               </a:r>
               <a:r>
-                <a:rPr lang="en-US" sz="2700" dirty="0">
+                <a:rPr lang="en-US" sz="2400" dirty="0">
                   <a:solidFill>
                     <a:srgbClr val="000000"/>
                   </a:solidFill>
                   <a:latin typeface="Source Sans Pro" panose="020B0503030403020204" pitchFamily="34" charset="0"/>
                   <a:ea typeface="Source Sans Pro" panose="020B0503030403020204" pitchFamily="34" charset="0"/>
                 </a:rPr>
-                <a:t> (e.g. ‘serif’, ‘all-capitals’) [1, 2, 4, 5, 7], which is less </a:t>
-              </a:r>
-              <a:r>
-                <a:rPr lang="en-US" sz="2700" i="1" dirty="0">
+                <a:t> (e.g. ‘serif’, ‘all-capitals’) for font clustering/generation [1, 2, 4, 5, 7], which is less </a:t>
+              </a:r>
+              <a:r>
+                <a:rPr lang="en-US" sz="2400" i="1" dirty="0">
                   <a:solidFill>
                     <a:srgbClr val="000000"/>
                   </a:solidFill>
@@ -6030,7 +6078,7 @@
                 <a:t>interpretable</a:t>
               </a:r>
               <a:r>
-                <a:rPr lang="en-US" sz="2700" dirty="0">
+                <a:rPr lang="en-US" sz="2400" dirty="0">
                   <a:solidFill>
                     <a:srgbClr val="000000"/>
                   </a:solidFill>
@@ -6040,7 +6088,7 @@
                 <a:t> and </a:t>
               </a:r>
               <a:r>
-                <a:rPr lang="en-US" sz="2700" i="1" dirty="0">
+                <a:rPr lang="en-US" sz="2400" i="1" dirty="0">
                   <a:solidFill>
                     <a:srgbClr val="000000"/>
                   </a:solidFill>
@@ -6050,14 +6098,14 @@
                 <a:t>meaningful</a:t>
               </a:r>
               <a:r>
-                <a:rPr lang="en-US" sz="2700" dirty="0">
+                <a:rPr lang="en-US" sz="2400" dirty="0">
                   <a:solidFill>
                     <a:srgbClr val="000000"/>
                   </a:solidFill>
                   <a:latin typeface="Source Sans Pro" panose="020B0503030403020204" pitchFamily="34" charset="0"/>
                   <a:ea typeface="Source Sans Pro" panose="020B0503030403020204" pitchFamily="34" charset="0"/>
                 </a:rPr>
-                <a:t>. </a:t>
+                <a:t>.</a:t>
               </a:r>
             </a:p>
             <a:p>
@@ -6066,7 +6114,7 @@
                 <a:buChar char="•"/>
               </a:pPr>
               <a:r>
-                <a:rPr lang="en-US" sz="2700" dirty="0">
+                <a:rPr lang="en-US" sz="2400" dirty="0">
                   <a:solidFill>
                     <a:srgbClr val="000000"/>
                   </a:solidFill>
@@ -6076,7 +6124,7 @@
                 <a:t>Recent work [6] has introduced human-labeled </a:t>
               </a:r>
               <a:r>
-                <a:rPr lang="en-US" sz="2700" b="1" dirty="0">
+                <a:rPr lang="en-US" sz="2400" b="1" dirty="0">
                   <a:solidFill>
                     <a:srgbClr val="000000"/>
                   </a:solidFill>
@@ -6086,7 +6134,7 @@
                 <a:t>semantic attributes </a:t>
               </a:r>
               <a:r>
-                <a:rPr lang="en-US" sz="2700" dirty="0">
+                <a:rPr lang="en-US" sz="2400" dirty="0">
                   <a:solidFill>
                     <a:srgbClr val="000000"/>
                   </a:solidFill>
@@ -6102,7 +6150,7 @@
                 <a:buChar char="•"/>
               </a:pPr>
               <a:r>
-                <a:rPr lang="en-US" sz="2700" dirty="0">
+                <a:rPr lang="en-US" sz="2400" dirty="0">
                   <a:solidFill>
                     <a:srgbClr val="000000"/>
                   </a:solidFill>
@@ -6112,7 +6160,7 @@
                 <a:t>Machine learning can be applied to </a:t>
               </a:r>
               <a:r>
-                <a:rPr lang="en-US" sz="2700" b="1" dirty="0">
+                <a:rPr lang="en-US" sz="2400" b="1" dirty="0">
                   <a:solidFill>
                     <a:srgbClr val="000000"/>
                   </a:solidFill>
@@ -6122,7 +6170,7 @@
                 <a:t>semantic attribute regression</a:t>
               </a:r>
               <a:r>
-                <a:rPr lang="en-US" sz="2700" dirty="0">
+                <a:rPr lang="en-US" sz="2400" dirty="0">
                   <a:solidFill>
                     <a:srgbClr val="000000"/>
                   </a:solidFill>
@@ -6132,7 +6180,7 @@
                 <a:t> to generalize these human annotations to </a:t>
               </a:r>
               <a:r>
-                <a:rPr lang="en-US" sz="2700" b="1" dirty="0">
+                <a:rPr lang="en-US" sz="2400" b="1" dirty="0">
                   <a:solidFill>
                     <a:srgbClr val="000000"/>
                   </a:solidFill>
@@ -6141,7 +6189,7 @@
                 </a:rPr>
                 <a:t>unseen typefaces.</a:t>
               </a:r>
-              <a:endParaRPr lang="en-US" sz="2700" dirty="0">
+              <a:endParaRPr lang="en-US" sz="2400" dirty="0">
                 <a:solidFill>
                   <a:srgbClr val="000000"/>
                 </a:solidFill>
@@ -6155,34 +6203,14 @@
                 <a:buChar char="•"/>
               </a:pPr>
               <a:r>
-                <a:rPr lang="en-US" sz="2700" dirty="0">
+                <a:rPr lang="en-US" sz="2400" dirty="0">
                   <a:solidFill>
                     <a:srgbClr val="000000"/>
                   </a:solidFill>
                   <a:latin typeface="Source Sans Pro" panose="020B0503030403020204" pitchFamily="34" charset="0"/>
                   <a:ea typeface="Source Sans Pro" panose="020B0503030403020204" pitchFamily="34" charset="0"/>
                 </a:rPr>
-                <a:t>We improve on [3] in inducing a semantic attribute dataset for </a:t>
-              </a:r>
-              <a:r>
-                <a:rPr lang="en-US" sz="2700" dirty="0" smtClean="0">
-                  <a:solidFill>
-                    <a:srgbClr val="000000"/>
-                  </a:solidFill>
-                  <a:latin typeface="Source Sans Pro" panose="020B0503030403020204" pitchFamily="34" charset="0"/>
-                  <a:ea typeface="Source Sans Pro" panose="020B0503030403020204" pitchFamily="34" charset="0"/>
-                </a:rPr>
-                <a:t>18 </a:t>
-              </a:r>
-              <a:r>
-                <a:rPr lang="en-US" sz="2700" dirty="0">
-                  <a:solidFill>
-                    <a:srgbClr val="000000"/>
-                  </a:solidFill>
-                  <a:latin typeface="Source Sans Pro" panose="020B0503030403020204" pitchFamily="34" charset="0"/>
-                  <a:ea typeface="Source Sans Pro" panose="020B0503030403020204" pitchFamily="34" charset="0"/>
-                </a:rPr>
-                <a:t>typefaces from the dataset of 200 in [6] and introduce a novel downstream task: semantic attribute prediction.</a:t>
+                <a:t>We improve on [3] in inducing a semantic attribute dataset for 18 typefaces from the dataset of 200 in [6] and introduce a novel downstream task: semantic attribute prediction.</a:t>
               </a:r>
             </a:p>
           </p:txBody>
@@ -6193,7 +6221,7 @@
           <p:cNvPr id="34" name="Group 35">
             <a:extLst>
               <a:ext uri="{FF2B5EF4-FFF2-40B4-BE49-F238E27FC236}">
-                <a16:creationId xmlns:a16="http://schemas.microsoft.com/office/drawing/2014/main" xmlns="" id="{25FE1606-2EC7-47C9-A2C4-492C4AB65D75}"/>
+                <a16:creationId xmlns:a16="http://schemas.microsoft.com/office/drawing/2014/main" id="{25FE1606-2EC7-47C9-A2C4-492C4AB65D75}"/>
               </a:ext>
             </a:extLst>
           </p:cNvPr>
@@ -6202,10 +6230,10 @@
         </p:nvGrpSpPr>
         <p:grpSpPr>
           <a:xfrm>
-            <a:off x="1016989" y="11456626"/>
-            <a:ext cx="7132320" cy="8655958"/>
-            <a:chOff x="847491" y="10800512"/>
-            <a:chExt cx="5943600" cy="7213297"/>
+            <a:off x="545935" y="10145640"/>
+            <a:ext cx="7322789" cy="12717824"/>
+            <a:chOff x="847490" y="10800512"/>
+            <a:chExt cx="6102324" cy="10598185"/>
           </a:xfrm>
         </p:grpSpPr>
         <p:sp>
@@ -6213,7 +6241,7 @@
             <p:cNvPr id="7" name="Rectangle 37">
               <a:extLst>
                 <a:ext uri="{FF2B5EF4-FFF2-40B4-BE49-F238E27FC236}">
-                  <a16:creationId xmlns:a16="http://schemas.microsoft.com/office/drawing/2014/main" xmlns="" id="{F5AE7C4F-7BDA-4684-9042-895469648646}"/>
+                  <a16:creationId xmlns:a16="http://schemas.microsoft.com/office/drawing/2014/main" id="{F5AE7C4F-7BDA-4684-9042-895469648646}"/>
                 </a:ext>
               </a:extLst>
             </p:cNvPr>
@@ -6271,7 +6299,7 @@
             <p:cNvPr id="22" name="Rectangle 39">
               <a:extLst>
                 <a:ext uri="{FF2B5EF4-FFF2-40B4-BE49-F238E27FC236}">
-                  <a16:creationId xmlns:a16="http://schemas.microsoft.com/office/drawing/2014/main" xmlns="" id="{267E0B45-A133-4225-8014-15EAF103E834}"/>
+                  <a16:creationId xmlns:a16="http://schemas.microsoft.com/office/drawing/2014/main" id="{267E0B45-A133-4225-8014-15EAF103E834}"/>
                 </a:ext>
               </a:extLst>
             </p:cNvPr>
@@ -6280,8 +6308,8 @@
           </p:nvSpPr>
           <p:spPr>
             <a:xfrm>
-              <a:off x="847491" y="11820293"/>
-              <a:ext cx="5943599" cy="6193516"/>
+              <a:off x="847490" y="11820293"/>
+              <a:ext cx="6102324" cy="9578404"/>
             </a:xfrm>
             <a:prstGeom prst="rect">
               <a:avLst/>
@@ -6312,7 +6340,7 @@
             <a:lstStyle/>
             <a:p>
               <a:r>
-                <a:rPr lang="en-US" sz="2700" b="1" dirty="0">
+                <a:rPr lang="en-US" sz="2400" b="1" dirty="0">
                   <a:solidFill>
                     <a:schemeClr val="tx1"/>
                   </a:solidFill>
@@ -6322,7 +6350,7 @@
                 <a:t>Input:</a:t>
               </a:r>
               <a:r>
-                <a:rPr lang="en-US" sz="2700" dirty="0">
+                <a:rPr lang="en-US" sz="2400" dirty="0">
                   <a:solidFill>
                     <a:schemeClr val="tx1"/>
                   </a:solidFill>
@@ -6332,7 +6360,7 @@
                 <a:t> human-labeled 31-dimensional real-valued semantic attribute vectors with entries in [0, 1] for 200 typefaces (e.g. ‘Source Sans Pro </a:t>
               </a:r>
               <a:r>
-                <a:rPr lang="en-US" sz="2700" dirty="0" err="1">
+                <a:rPr lang="en-US" sz="2400" dirty="0" err="1">
                   <a:solidFill>
                     <a:schemeClr val="tx1"/>
                   </a:solidFill>
@@ -6342,17 +6370,17 @@
                 <a:t>Semibold</a:t>
               </a:r>
               <a:r>
-                <a:rPr lang="en-US" sz="2700" dirty="0">
+                <a:rPr lang="en-US" sz="2400" dirty="0">
                   <a:solidFill>
                     <a:schemeClr val="tx1"/>
                   </a:solidFill>
                   <a:latin typeface="Source Sans Pro" panose="020B0503030403020204" pitchFamily="34" charset="0"/>
                   <a:ea typeface="Source Sans Pro" panose="020B0503030403020204" pitchFamily="34" charset="0"/>
                 </a:rPr>
-                <a:t>’) as part of the semantic attribute dataset in [6]; FontJoy</a:t>
-              </a:r>
-              <a:r>
-                <a:rPr lang="en-US" sz="2700" baseline="30000" dirty="0">
+                <a:t>’) in the semantic attribute dataset in [6]; FontJoy</a:t>
+              </a:r>
+              <a:r>
+                <a:rPr lang="en-US" sz="2400" baseline="30000" dirty="0">
                   <a:solidFill>
                     <a:schemeClr val="tx1"/>
                   </a:solidFill>
@@ -6362,18 +6390,18 @@
                 <a:t>1</a:t>
               </a:r>
               <a:r>
-                <a:rPr lang="en-US" sz="2700" dirty="0">
+                <a:rPr lang="en-US" sz="2400" dirty="0">
                   <a:solidFill>
                     <a:schemeClr val="tx1"/>
                   </a:solidFill>
                   <a:latin typeface="Source Sans Pro" panose="020B0503030403020204" pitchFamily="34" charset="0"/>
                   <a:ea typeface="Source Sans Pro" panose="020B0503030403020204" pitchFamily="34" charset="0"/>
                 </a:rPr>
-                <a:t> embeddings for 1861 typefaces to be utilized for dataset induction.</a:t>
+                <a:t> embeddings for 1883 typefaces to be utilized for dataset induction.</a:t>
               </a:r>
             </a:p>
             <a:p>
-              <a:endParaRPr lang="en-US" sz="900" dirty="0">
+              <a:endParaRPr lang="en-US" sz="800" dirty="0">
                 <a:solidFill>
                   <a:schemeClr val="tx1"/>
                 </a:solidFill>
@@ -6383,7 +6411,7 @@
             </a:p>
             <a:p>
               <a:r>
-                <a:rPr lang="en-US" sz="2700" b="1" dirty="0">
+                <a:rPr lang="en-US" sz="2400" b="1" dirty="0">
                   <a:solidFill>
                     <a:schemeClr val="tx1"/>
                   </a:solidFill>
@@ -6393,44 +6421,417 @@
                 <a:t>Task:</a:t>
               </a:r>
               <a:r>
-                <a:rPr lang="en-US" sz="2700" dirty="0">
+                <a:rPr lang="en-US" sz="2400" dirty="0">
                   <a:solidFill>
                     <a:schemeClr val="tx1"/>
                   </a:solidFill>
                   <a:latin typeface="Source Sans Pro" panose="020B0503030403020204" pitchFamily="34" charset="0"/>
                   <a:ea typeface="Source Sans Pro" panose="020B0503030403020204" pitchFamily="34" charset="0"/>
                 </a:rPr>
-                <a:t> induce corresponding 31-D semantic attribute vectors for all </a:t>
-              </a:r>
-              <a:r>
-                <a:rPr lang="en-US" sz="2700" dirty="0" smtClean="0">
+                <a:t> induce corresponding 31-D semantic attribute vectors for all 1883 </a:t>
+              </a:r>
+              <a:r>
+                <a:rPr lang="en-US" sz="2400" dirty="0" err="1">
                   <a:solidFill>
                     <a:schemeClr val="tx1"/>
                   </a:solidFill>
                   <a:latin typeface="Source Sans Pro" panose="020B0503030403020204" pitchFamily="34" charset="0"/>
                   <a:ea typeface="Source Sans Pro" panose="020B0503030403020204" pitchFamily="34" charset="0"/>
                 </a:rPr>
-                <a:t>1883 </a:t>
-              </a:r>
-              <a:r>
-                <a:rPr lang="en-US" sz="2700" dirty="0" err="1">
+                <a:t>FontJoy</a:t>
+              </a:r>
+              <a:r>
+                <a:rPr lang="en-US" sz="2400" dirty="0">
                   <a:solidFill>
                     <a:schemeClr val="tx1"/>
                   </a:solidFill>
                   <a:latin typeface="Source Sans Pro" panose="020B0503030403020204" pitchFamily="34" charset="0"/>
                   <a:ea typeface="Source Sans Pro" panose="020B0503030403020204" pitchFamily="34" charset="0"/>
                 </a:rPr>
+                <a:t> typefaces.</a:t>
+              </a:r>
+            </a:p>
+            <a:p>
+              <a:endParaRPr lang="en-US" sz="2400" dirty="0">
+                <a:solidFill>
+                  <a:schemeClr val="tx1"/>
+                </a:solidFill>
+                <a:latin typeface="Source Sans Pro" panose="020B0503030403020204" pitchFamily="34" charset="0"/>
+                <a:ea typeface="Source Sans Pro" panose="020B0503030403020204" pitchFamily="34" charset="0"/>
+              </a:endParaRPr>
+            </a:p>
+            <a:p>
+              <a:endParaRPr lang="en-US" sz="2400" dirty="0">
+                <a:solidFill>
+                  <a:schemeClr val="tx1"/>
+                </a:solidFill>
+                <a:latin typeface="Source Sans Pro" panose="020B0503030403020204" pitchFamily="34" charset="0"/>
+                <a:ea typeface="Source Sans Pro" panose="020B0503030403020204" pitchFamily="34" charset="0"/>
+              </a:endParaRPr>
+            </a:p>
+            <a:p>
+              <a:endParaRPr lang="en-US" sz="2400" dirty="0">
+                <a:solidFill>
+                  <a:schemeClr val="tx1"/>
+                </a:solidFill>
+                <a:latin typeface="Source Sans Pro" panose="020B0503030403020204" pitchFamily="34" charset="0"/>
+                <a:ea typeface="Source Sans Pro" panose="020B0503030403020204" pitchFamily="34" charset="0"/>
+              </a:endParaRPr>
+            </a:p>
+            <a:p>
+              <a:endParaRPr lang="en-US" sz="2400" dirty="0">
+                <a:solidFill>
+                  <a:schemeClr val="tx1"/>
+                </a:solidFill>
+                <a:latin typeface="Source Sans Pro" panose="020B0503030403020204" pitchFamily="34" charset="0"/>
+                <a:ea typeface="Source Sans Pro" panose="020B0503030403020204" pitchFamily="34" charset="0"/>
+              </a:endParaRPr>
+            </a:p>
+            <a:p>
+              <a:endParaRPr lang="en-US" sz="2400" dirty="0">
+                <a:solidFill>
+                  <a:schemeClr val="tx1"/>
+                </a:solidFill>
+                <a:latin typeface="Source Sans Pro" panose="020B0503030403020204" pitchFamily="34" charset="0"/>
+                <a:ea typeface="Source Sans Pro" panose="020B0503030403020204" pitchFamily="34" charset="0"/>
+              </a:endParaRPr>
+            </a:p>
+            <a:p>
+              <a:endParaRPr lang="en-US" sz="2400" dirty="0">
+                <a:solidFill>
+                  <a:schemeClr val="tx1"/>
+                </a:solidFill>
+                <a:latin typeface="Source Sans Pro" panose="020B0503030403020204" pitchFamily="34" charset="0"/>
+                <a:ea typeface="Source Sans Pro" panose="020B0503030403020204" pitchFamily="34" charset="0"/>
+              </a:endParaRPr>
+            </a:p>
+            <a:p>
+              <a:endParaRPr lang="en-US" sz="2400" dirty="0">
+                <a:solidFill>
+                  <a:schemeClr val="tx1"/>
+                </a:solidFill>
+                <a:latin typeface="Source Sans Pro" panose="020B0503030403020204" pitchFamily="34" charset="0"/>
+                <a:ea typeface="Source Sans Pro" panose="020B0503030403020204" pitchFamily="34" charset="0"/>
+              </a:endParaRPr>
+            </a:p>
+            <a:p>
+              <a:endParaRPr lang="en-US" sz="2400" dirty="0">
+                <a:solidFill>
+                  <a:schemeClr val="tx1"/>
+                </a:solidFill>
+                <a:latin typeface="Source Sans Pro" panose="020B0503030403020204" pitchFamily="34" charset="0"/>
+                <a:ea typeface="Source Sans Pro" panose="020B0503030403020204" pitchFamily="34" charset="0"/>
+              </a:endParaRPr>
+            </a:p>
+            <a:p>
+              <a:endParaRPr lang="en-US" sz="2400" dirty="0">
+                <a:solidFill>
+                  <a:schemeClr val="tx1"/>
+                </a:solidFill>
+                <a:latin typeface="Source Sans Pro" panose="020B0503030403020204" pitchFamily="34" charset="0"/>
+                <a:ea typeface="Source Sans Pro" panose="020B0503030403020204" pitchFamily="34" charset="0"/>
+              </a:endParaRPr>
+            </a:p>
+            <a:p>
+              <a:endParaRPr lang="en-US" sz="2400" dirty="0">
+                <a:solidFill>
+                  <a:schemeClr val="tx1"/>
+                </a:solidFill>
+                <a:latin typeface="Source Sans Pro" panose="020B0503030403020204" pitchFamily="34" charset="0"/>
+                <a:ea typeface="Source Sans Pro" panose="020B0503030403020204" pitchFamily="34" charset="0"/>
+              </a:endParaRPr>
+            </a:p>
+            <a:p>
+              <a:endParaRPr lang="en-US" sz="1200" dirty="0">
+                <a:solidFill>
+                  <a:schemeClr val="tx1"/>
+                </a:solidFill>
+                <a:latin typeface="Source Sans Pro" panose="020B0503030403020204" pitchFamily="34" charset="0"/>
+                <a:ea typeface="Source Sans Pro" panose="020B0503030403020204" pitchFamily="34" charset="0"/>
+              </a:endParaRPr>
+            </a:p>
+            <a:p>
+              <a:pPr defTabSz="1097280">
+                <a:defRPr/>
+              </a:pPr>
+              <a:r>
+                <a:rPr lang="en-US" sz="2400" b="1" dirty="0">
+                  <a:solidFill>
+                    <a:schemeClr val="tx1"/>
+                  </a:solidFill>
+                  <a:latin typeface="Source Sans Pro" panose="020B0503030403020204" pitchFamily="34" charset="0"/>
+                  <a:ea typeface="Source Sans Pro" panose="020B0503030403020204" pitchFamily="34" charset="0"/>
+                </a:rPr>
+                <a:t>NOTATION</a:t>
+              </a:r>
+              <a:endParaRPr lang="en-US" sz="2800" b="1" dirty="0">
+                <a:solidFill>
+                  <a:schemeClr val="tx1"/>
+                </a:solidFill>
+                <a:latin typeface="Source Sans Pro" panose="020B0503030403020204" pitchFamily="34" charset="0"/>
+                <a:ea typeface="Source Sans Pro" panose="020B0503030403020204" pitchFamily="34" charset="0"/>
+              </a:endParaRPr>
+            </a:p>
+            <a:p>
+              <a:pPr defTabSz="1097280">
+                <a:defRPr/>
+              </a:pPr>
+              <a:r>
+                <a:rPr lang="en-US" sz="2300" dirty="0">
+                  <a:solidFill>
+                    <a:schemeClr val="tx1"/>
+                  </a:solidFill>
+                  <a:latin typeface="Source Sans Pro" panose="020B0503030403020204" pitchFamily="34" charset="0"/>
+                  <a:ea typeface="Source Sans Pro" panose="020B0503030403020204" pitchFamily="34" charset="0"/>
+                </a:rPr>
+                <a:t>F = set of all 1883 </a:t>
+              </a:r>
+              <a:r>
+                <a:rPr lang="en-US" sz="2300" dirty="0" err="1">
+                  <a:solidFill>
+                    <a:schemeClr val="tx1"/>
+                  </a:solidFill>
+                  <a:latin typeface="Source Sans Pro" panose="020B0503030403020204" pitchFamily="34" charset="0"/>
+                  <a:ea typeface="Source Sans Pro" panose="020B0503030403020204" pitchFamily="34" charset="0"/>
+                </a:rPr>
                 <a:t>FontJoy</a:t>
               </a:r>
               <a:r>
-                <a:rPr lang="en-US" sz="2700" dirty="0">
+                <a:rPr lang="en-US" sz="2300" dirty="0">
                   <a:solidFill>
                     <a:schemeClr val="tx1"/>
                   </a:solidFill>
                   <a:latin typeface="Source Sans Pro" panose="020B0503030403020204" pitchFamily="34" charset="0"/>
                   <a:ea typeface="Source Sans Pro" panose="020B0503030403020204" pitchFamily="34" charset="0"/>
                 </a:rPr>
-                <a:t> typefaces.</a:t>
+                <a:t> embedding vectors</a:t>
+              </a:r>
+            </a:p>
+            <a:p>
+              <a:pPr defTabSz="1097280">
+                <a:defRPr/>
+              </a:pPr>
+              <a:r>
+                <a:rPr lang="en-US" sz="2300" dirty="0">
+                  <a:solidFill>
+                    <a:schemeClr val="tx1"/>
+                  </a:solidFill>
+                  <a:latin typeface="Source Sans Pro" panose="020B0503030403020204" pitchFamily="34" charset="0"/>
+                  <a:ea typeface="Source Sans Pro" panose="020B0503030403020204" pitchFamily="34" charset="0"/>
+                </a:rPr>
+                <a:t>F</a:t>
+              </a:r>
+              <a:r>
+                <a:rPr lang="en-US" sz="2300" baseline="-25000" dirty="0">
+                  <a:solidFill>
+                    <a:schemeClr val="tx1"/>
+                  </a:solidFill>
+                  <a:latin typeface="Source Sans Pro" panose="020B0503030403020204" pitchFamily="34" charset="0"/>
+                  <a:ea typeface="Source Sans Pro" panose="020B0503030403020204" pitchFamily="34" charset="0"/>
+                </a:rPr>
+                <a:t>161</a:t>
+              </a:r>
+              <a:r>
+                <a:rPr lang="en-US" sz="2300" dirty="0">
+                  <a:solidFill>
+                    <a:schemeClr val="tx1"/>
+                  </a:solidFill>
+                  <a:latin typeface="Source Sans Pro" panose="020B0503030403020204" pitchFamily="34" charset="0"/>
+                  <a:ea typeface="Source Sans Pro" panose="020B0503030403020204" pitchFamily="34" charset="0"/>
+                </a:rPr>
+                <a:t> = embedding vectors from </a:t>
+              </a:r>
+              <a:r>
+                <a:rPr lang="en-US" sz="2300" dirty="0" err="1">
+                  <a:solidFill>
+                    <a:schemeClr val="tx1"/>
+                  </a:solidFill>
+                  <a:latin typeface="Source Sans Pro" panose="020B0503030403020204" pitchFamily="34" charset="0"/>
+                  <a:ea typeface="Source Sans Pro" panose="020B0503030403020204" pitchFamily="34" charset="0"/>
+                </a:rPr>
+                <a:t>FontJoy</a:t>
+              </a:r>
+              <a:r>
+                <a:rPr lang="en-US" sz="2300" dirty="0">
+                  <a:solidFill>
+                    <a:schemeClr val="tx1"/>
+                  </a:solidFill>
+                  <a:latin typeface="Source Sans Pro" panose="020B0503030403020204" pitchFamily="34" charset="0"/>
+                  <a:ea typeface="Source Sans Pro" panose="020B0503030403020204" pitchFamily="34" charset="0"/>
+                </a:rPr>
+                <a:t> with known semantic attribute labels from O’Donovan (intersection of datasets [3] and [6])</a:t>
+              </a:r>
+            </a:p>
+            <a:p>
+              <a:pPr defTabSz="1097280">
+                <a:defRPr/>
+              </a:pPr>
+              <a:r>
+                <a:rPr lang="en-US" sz="2300" dirty="0">
+                  <a:solidFill>
+                    <a:schemeClr val="tx1"/>
+                  </a:solidFill>
+                  <a:latin typeface="Source Sans Pro" panose="020B0503030403020204" pitchFamily="34" charset="0"/>
+                  <a:ea typeface="Source Sans Pro" panose="020B0503030403020204" pitchFamily="34" charset="0"/>
+                </a:rPr>
+                <a:t>f = font embedding vector from </a:t>
+              </a:r>
+              <a:r>
+                <a:rPr lang="en-US" sz="2300" dirty="0" err="1">
+                  <a:solidFill>
+                    <a:schemeClr val="tx1"/>
+                  </a:solidFill>
+                  <a:latin typeface="Source Sans Pro" panose="020B0503030403020204" pitchFamily="34" charset="0"/>
+                  <a:ea typeface="Source Sans Pro" panose="020B0503030403020204" pitchFamily="34" charset="0"/>
+                </a:rPr>
+                <a:t>FontJoy</a:t>
+              </a:r>
+              <a:r>
+                <a:rPr lang="en-US" sz="2300" dirty="0">
+                  <a:solidFill>
+                    <a:schemeClr val="tx1"/>
+                  </a:solidFill>
+                  <a:latin typeface="Source Sans Pro" panose="020B0503030403020204" pitchFamily="34" charset="0"/>
+                  <a:ea typeface="Source Sans Pro" panose="020B0503030403020204" pitchFamily="34" charset="0"/>
+                </a:rPr>
+                <a:t> CNN</a:t>
+              </a:r>
+            </a:p>
+            <a:p>
+              <a:pPr defTabSz="1097280">
+                <a:defRPr/>
+              </a:pPr>
+              <a:r>
+                <a:rPr lang="en-US" sz="2300" dirty="0">
+                  <a:solidFill>
+                    <a:schemeClr val="tx1"/>
+                  </a:solidFill>
+                  <a:latin typeface="Source Sans Pro" panose="020B0503030403020204" pitchFamily="34" charset="0"/>
+                  <a:ea typeface="Source Sans Pro" panose="020B0503030403020204" pitchFamily="34" charset="0"/>
+                </a:rPr>
+                <a:t>a</a:t>
+              </a:r>
+              <a:r>
+                <a:rPr lang="en-US" sz="2300" baseline="-25000" dirty="0">
+                  <a:solidFill>
+                    <a:schemeClr val="tx1"/>
+                  </a:solidFill>
+                  <a:latin typeface="Source Sans Pro" panose="020B0503030403020204" pitchFamily="34" charset="0"/>
+                  <a:ea typeface="Source Sans Pro" panose="020B0503030403020204" pitchFamily="34" charset="0"/>
+                </a:rPr>
+                <a:t>s</a:t>
+              </a:r>
+              <a:r>
+                <a:rPr lang="en-US" sz="2300" dirty="0">
+                  <a:solidFill>
+                    <a:schemeClr val="tx1"/>
+                  </a:solidFill>
+                  <a:latin typeface="Source Sans Pro" panose="020B0503030403020204" pitchFamily="34" charset="0"/>
+                  <a:ea typeface="Source Sans Pro" panose="020B0503030403020204" pitchFamily="34" charset="0"/>
+                </a:rPr>
+                <a:t> = predicted 31-D semantic attribute vector</a:t>
+              </a:r>
+            </a:p>
+            <a:p>
+              <a:pPr defTabSz="1097280">
+                <a:defRPr/>
+              </a:pPr>
+              <a:r>
+                <a:rPr lang="en-US" sz="2300" dirty="0">
+                  <a:solidFill>
+                    <a:schemeClr val="tx1"/>
+                  </a:solidFill>
+                  <a:latin typeface="Source Sans Pro" panose="020B0503030403020204" pitchFamily="34" charset="0"/>
+                  <a:ea typeface="Source Sans Pro" panose="020B0503030403020204" pitchFamily="34" charset="0"/>
+                </a:rPr>
+                <a:t>a</a:t>
+              </a:r>
+              <a:r>
+                <a:rPr lang="en-US" sz="2300" baseline="-25000" dirty="0">
+                  <a:solidFill>
+                    <a:schemeClr val="tx1"/>
+                  </a:solidFill>
+                  <a:latin typeface="Source Sans Pro" panose="020B0503030403020204" pitchFamily="34" charset="0"/>
+                  <a:ea typeface="Source Sans Pro" panose="020B0503030403020204" pitchFamily="34" charset="0"/>
+                </a:rPr>
+                <a:t>s</a:t>
+              </a:r>
+              <a:r>
+                <a:rPr lang="en-US" sz="2300" dirty="0">
+                  <a:solidFill>
+                    <a:schemeClr val="tx1"/>
+                  </a:solidFill>
+                  <a:latin typeface="Source Sans Pro" panose="020B0503030403020204" pitchFamily="34" charset="0"/>
+                  <a:ea typeface="Source Sans Pro" panose="020B0503030403020204" pitchFamily="34" charset="0"/>
+                </a:rPr>
+                <a:t>’ = ground truth 31-D semantic attribute vector</a:t>
+              </a:r>
+            </a:p>
+            <a:p>
+              <a:pPr defTabSz="1097280">
+                <a:defRPr/>
+              </a:pPr>
+              <a:endParaRPr lang="en-US" sz="1050" dirty="0">
+                <a:solidFill>
+                  <a:schemeClr val="tx1"/>
+                </a:solidFill>
+                <a:latin typeface="Source Sans Pro" panose="020B0503030403020204" pitchFamily="34" charset="0"/>
+                <a:ea typeface="Source Sans Pro" panose="020B0503030403020204" pitchFamily="34" charset="0"/>
+              </a:endParaRPr>
+            </a:p>
+            <a:p>
+              <a:pPr defTabSz="1097280">
+                <a:defRPr/>
+              </a:pPr>
+              <a:r>
+                <a:rPr lang="en-US" sz="2300" dirty="0">
+                  <a:solidFill>
+                    <a:schemeClr val="tx1"/>
+                  </a:solidFill>
+                  <a:latin typeface="Source Sans Pro" panose="020B0503030403020204" pitchFamily="34" charset="0"/>
+                  <a:ea typeface="Source Sans Pro" panose="020B0503030403020204" pitchFamily="34" charset="0"/>
+                </a:rPr>
+                <a:t>We experiment with different data induction methods by using F</a:t>
+              </a:r>
+              <a:r>
+                <a:rPr lang="en-US" sz="2300" baseline="-25000" dirty="0">
+                  <a:solidFill>
+                    <a:schemeClr val="tx1"/>
+                  </a:solidFill>
+                  <a:latin typeface="Source Sans Pro" panose="020B0503030403020204" pitchFamily="34" charset="0"/>
+                  <a:ea typeface="Source Sans Pro" panose="020B0503030403020204" pitchFamily="34" charset="0"/>
+                </a:rPr>
+                <a:t>161</a:t>
+              </a:r>
+              <a:r>
+                <a:rPr lang="en-US" sz="2300" dirty="0">
+                  <a:solidFill>
+                    <a:schemeClr val="tx1"/>
+                  </a:solidFill>
+                  <a:latin typeface="Source Sans Pro" panose="020B0503030403020204" pitchFamily="34" charset="0"/>
+                  <a:ea typeface="Source Sans Pro" panose="020B0503030403020204" pitchFamily="34" charset="0"/>
+                </a:rPr>
+                <a:t> to predict a</a:t>
+              </a:r>
+              <a:r>
+                <a:rPr lang="en-US" sz="2300" baseline="-25000" dirty="0">
+                  <a:solidFill>
+                    <a:schemeClr val="tx1"/>
+                  </a:solidFill>
+                  <a:latin typeface="Source Sans Pro" panose="020B0503030403020204" pitchFamily="34" charset="0"/>
+                  <a:ea typeface="Source Sans Pro" panose="020B0503030403020204" pitchFamily="34" charset="0"/>
+                </a:rPr>
+                <a:t>s</a:t>
+              </a:r>
+              <a:r>
+                <a:rPr lang="en-US" sz="2300" dirty="0">
+                  <a:solidFill>
+                    <a:schemeClr val="tx1"/>
+                  </a:solidFill>
+                  <a:latin typeface="Source Sans Pro" panose="020B0503030403020204" pitchFamily="34" charset="0"/>
+                  <a:ea typeface="Source Sans Pro" panose="020B0503030403020204" pitchFamily="34" charset="0"/>
+                </a:rPr>
+                <a:t>’ for each typeface in F.</a:t>
               </a:r>
             </a:p>
           </p:txBody>
@@ -6441,7 +6842,7 @@
           <p:cNvPr id="32" name="Group 69">
             <a:extLst>
               <a:ext uri="{FF2B5EF4-FFF2-40B4-BE49-F238E27FC236}">
-                <a16:creationId xmlns:a16="http://schemas.microsoft.com/office/drawing/2014/main" xmlns="" id="{8EF7FC25-684C-4E14-99EA-552B39506EF3}"/>
+                <a16:creationId xmlns:a16="http://schemas.microsoft.com/office/drawing/2014/main" id="{8EF7FC25-684C-4E14-99EA-552B39506EF3}"/>
               </a:ext>
             </a:extLst>
           </p:cNvPr>
@@ -6450,10 +6851,10 @@
         </p:nvGrpSpPr>
         <p:grpSpPr>
           <a:xfrm>
-            <a:off x="18903862" y="9012446"/>
-            <a:ext cx="7577035" cy="16776354"/>
-            <a:chOff x="14092837" y="7984504"/>
-            <a:chExt cx="7076254" cy="13980258"/>
+            <a:off x="18015106" y="10216060"/>
+            <a:ext cx="7994739" cy="15138054"/>
+            <a:chOff x="13702740" y="8937004"/>
+            <a:chExt cx="7466351" cy="12615008"/>
           </a:xfrm>
         </p:grpSpPr>
         <p:sp>
@@ -6461,7 +6862,7 @@
             <p:cNvPr id="11" name="Rectangle 70">
               <a:extLst>
                 <a:ext uri="{FF2B5EF4-FFF2-40B4-BE49-F238E27FC236}">
-                  <a16:creationId xmlns:a16="http://schemas.microsoft.com/office/drawing/2014/main" xmlns="" id="{0EB933C2-2A0B-462C-B881-96EC00910770}"/>
+                  <a16:creationId xmlns:a16="http://schemas.microsoft.com/office/drawing/2014/main" id="{0EB933C2-2A0B-462C-B881-96EC00910770}"/>
                 </a:ext>
               </a:extLst>
             </p:cNvPr>
@@ -6470,8 +6871,8 @@
           </p:nvSpPr>
           <p:spPr>
             <a:xfrm>
-              <a:off x="14092837" y="16774497"/>
-              <a:ext cx="7025134" cy="869799"/>
+              <a:off x="13702740" y="16441122"/>
+              <a:ext cx="7415232" cy="869799"/>
             </a:xfrm>
             <a:prstGeom prst="rect">
               <a:avLst/>
@@ -6519,7 +6920,7 @@
             <p:cNvPr id="25" name="Rectangle 73">
               <a:extLst>
                 <a:ext uri="{FF2B5EF4-FFF2-40B4-BE49-F238E27FC236}">
-                  <a16:creationId xmlns:a16="http://schemas.microsoft.com/office/drawing/2014/main" xmlns="" id="{9B9B8026-FB28-4FF3-9636-0276856AFBD9}"/>
+                  <a16:creationId xmlns:a16="http://schemas.microsoft.com/office/drawing/2014/main" id="{9B9B8026-FB28-4FF3-9636-0276856AFBD9}"/>
                 </a:ext>
               </a:extLst>
             </p:cNvPr>
@@ -6528,8 +6929,8 @@
           </p:nvSpPr>
           <p:spPr>
             <a:xfrm>
-              <a:off x="14092837" y="17762656"/>
-              <a:ext cx="7076254" cy="4202106"/>
+              <a:off x="13753860" y="17349906"/>
+              <a:ext cx="7415231" cy="4202106"/>
             </a:xfrm>
             <a:prstGeom prst="rect">
               <a:avLst/>
@@ -6560,44 +6961,14 @@
             <a:lstStyle/>
             <a:p>
               <a:r>
-                <a:rPr lang="en-US" dirty="0">
+                <a:rPr lang="en-US" sz="2300" dirty="0">
                   <a:solidFill>
                     <a:schemeClr val="tx1"/>
                   </a:solidFill>
                   <a:latin typeface="Source Sans Pro" panose="020B0503030403020204" pitchFamily="34" charset="0"/>
                   <a:ea typeface="Source Sans Pro" panose="020B0503030403020204" pitchFamily="34" charset="0"/>
                 </a:rPr>
-                <a:t>We hope to further investigate clustering algorithms, such as spectral clustering, to induce lower-error datasets</a:t>
-              </a:r>
-              <a:r>
-                <a:rPr lang="en-US">
-                  <a:solidFill>
-                    <a:schemeClr val="tx1"/>
-                  </a:solidFill>
-                  <a:latin typeface="Source Sans Pro" panose="020B0503030403020204" pitchFamily="34" charset="0"/>
-                  <a:ea typeface="Source Sans Pro" panose="020B0503030403020204" pitchFamily="34" charset="0"/>
-                </a:rPr>
-                <a:t>, </a:t>
-              </a:r>
-              <a:r>
-                <a:rPr lang="en-US" smtClean="0">
-                  <a:solidFill>
-                    <a:schemeClr val="tx1"/>
-                  </a:solidFill>
-                  <a:latin typeface="Source Sans Pro" panose="020B0503030403020204" pitchFamily="34" charset="0"/>
-                  <a:ea typeface="Source Sans Pro" panose="020B0503030403020204" pitchFamily="34" charset="0"/>
-                </a:rPr>
-                <a:t>and create </a:t>
-              </a:r>
-              <a:r>
-                <a:rPr lang="en-US" dirty="0">
-                  <a:solidFill>
-                    <a:schemeClr val="tx1"/>
-                  </a:solidFill>
-                  <a:latin typeface="Source Sans Pro" panose="020B0503030403020204" pitchFamily="34" charset="0"/>
-                  <a:ea typeface="Source Sans Pro" panose="020B0503030403020204" pitchFamily="34" charset="0"/>
-                </a:rPr>
-                <a:t>higher-performing models for rasterized and SVG image input for our downstream task.</a:t>
+                <a:t>We hope to further investigate clustering algorithms, such as spectral clustering, to induce lower-error datasets. In addition, we wish to create higher-performing models for rasterized and SVG image inputs for our downstream task.</a:t>
               </a:r>
             </a:p>
           </p:txBody>
@@ -6607,7 +6978,7 @@
             <p:cNvPr id="63" name="Rectangle 70">
               <a:extLst>
                 <a:ext uri="{FF2B5EF4-FFF2-40B4-BE49-F238E27FC236}">
-                  <a16:creationId xmlns:a16="http://schemas.microsoft.com/office/drawing/2014/main" xmlns="" id="{FE43D688-7E5E-4154-B334-775E6885932B}"/>
+                  <a16:creationId xmlns:a16="http://schemas.microsoft.com/office/drawing/2014/main" id="{FE43D688-7E5E-4154-B334-775E6885932B}"/>
                 </a:ext>
               </a:extLst>
             </p:cNvPr>
@@ -6616,8 +6987,8 @@
           </p:nvSpPr>
           <p:spPr>
             <a:xfrm>
-              <a:off x="14092837" y="7984504"/>
-              <a:ext cx="7025135" cy="869799"/>
+              <a:off x="13702741" y="8937004"/>
+              <a:ext cx="7415231" cy="869799"/>
             </a:xfrm>
             <a:prstGeom prst="rect">
               <a:avLst/>
@@ -6651,7 +7022,7 @@
             <a:p>
               <a:pPr algn="ctr"/>
               <a:r>
-                <a:rPr lang="en-US" sz="3600" dirty="0">
+                <a:rPr lang="en-US" sz="4320" dirty="0">
                   <a:latin typeface="Source Sans Pro" panose="020B0503030403020204" pitchFamily="34" charset="0"/>
                   <a:ea typeface="Source Sans Pro" panose="020B0503030403020204" pitchFamily="34" charset="0"/>
                 </a:rPr>
@@ -6666,7 +7037,7 @@
           <p:cNvPr id="31" name="Group 85">
             <a:extLst>
               <a:ext uri="{FF2B5EF4-FFF2-40B4-BE49-F238E27FC236}">
-                <a16:creationId xmlns:a16="http://schemas.microsoft.com/office/drawing/2014/main" xmlns="" id="{5B28B129-3D49-4A4F-99B1-2D357DA43FA2}"/>
+                <a16:creationId xmlns:a16="http://schemas.microsoft.com/office/drawing/2014/main" id="{5B28B129-3D49-4A4F-99B1-2D357DA43FA2}"/>
               </a:ext>
             </a:extLst>
           </p:cNvPr>
@@ -6675,10 +7046,10 @@
         </p:nvGrpSpPr>
         <p:grpSpPr>
           <a:xfrm>
-            <a:off x="26570126" y="15170245"/>
-            <a:ext cx="6161608" cy="7169935"/>
+            <a:off x="26237619" y="15288009"/>
+            <a:ext cx="6231012" cy="7169935"/>
             <a:chOff x="20585152" y="12913428"/>
-            <a:chExt cx="5943600" cy="4862868"/>
+            <a:chExt cx="6010548" cy="4862868"/>
           </a:xfrm>
         </p:grpSpPr>
         <p:sp>
@@ -6686,7 +7057,7 @@
             <p:cNvPr id="12" name="Rectangle 89">
               <a:extLst>
                 <a:ext uri="{FF2B5EF4-FFF2-40B4-BE49-F238E27FC236}">
-                  <a16:creationId xmlns:a16="http://schemas.microsoft.com/office/drawing/2014/main" xmlns="" id="{06781B13-A61C-4854-9CAB-22E01FF6F2EB}"/>
+                  <a16:creationId xmlns:a16="http://schemas.microsoft.com/office/drawing/2014/main" id="{06781B13-A61C-4854-9CAB-22E01FF6F2EB}"/>
                 </a:ext>
               </a:extLst>
             </p:cNvPr>
@@ -6696,7 +7067,7 @@
           <p:spPr>
             <a:xfrm>
               <a:off x="20585152" y="12913428"/>
-              <a:ext cx="5847350" cy="754033"/>
+              <a:ext cx="6010548" cy="754033"/>
             </a:xfrm>
             <a:prstGeom prst="rect">
               <a:avLst/>
@@ -6744,7 +7115,7 @@
             <p:cNvPr id="26" name="Rectangle 90">
               <a:extLst>
                 <a:ext uri="{FF2B5EF4-FFF2-40B4-BE49-F238E27FC236}">
-                  <a16:creationId xmlns:a16="http://schemas.microsoft.com/office/drawing/2014/main" xmlns="" id="{8FEADF52-C444-4729-82C9-8A13C2DCDF2E}"/>
+                  <a16:creationId xmlns:a16="http://schemas.microsoft.com/office/drawing/2014/main" id="{8FEADF52-C444-4729-82C9-8A13C2DCDF2E}"/>
                 </a:ext>
               </a:extLst>
             </p:cNvPr>
@@ -7434,7 +7805,7 @@
           <p:cNvPr id="30" name="Group 94">
             <a:extLst>
               <a:ext uri="{FF2B5EF4-FFF2-40B4-BE49-F238E27FC236}">
-                <a16:creationId xmlns:a16="http://schemas.microsoft.com/office/drawing/2014/main" xmlns="" id="{8E65729E-AB60-490F-860B-A4009D2DDE32}"/>
+                <a16:creationId xmlns:a16="http://schemas.microsoft.com/office/drawing/2014/main" id="{8E65729E-AB60-490F-860B-A4009D2DDE32}"/>
               </a:ext>
             </a:extLst>
           </p:cNvPr>
@@ -7443,10 +7814,10 @@
         </p:nvGrpSpPr>
         <p:grpSpPr>
           <a:xfrm>
-            <a:off x="18903862" y="2963938"/>
-            <a:ext cx="12930641" cy="6327667"/>
-            <a:chOff x="14228958" y="3972835"/>
-            <a:chExt cx="12299794" cy="5273055"/>
+            <a:off x="18015106" y="2853102"/>
+            <a:ext cx="14453523" cy="4585971"/>
+            <a:chOff x="13699848" y="3972835"/>
+            <a:chExt cx="13748380" cy="3821642"/>
           </a:xfrm>
         </p:grpSpPr>
         <p:sp>
@@ -7454,7 +7825,7 @@
             <p:cNvPr id="10" name="Rectangle 95">
               <a:extLst>
                 <a:ext uri="{FF2B5EF4-FFF2-40B4-BE49-F238E27FC236}">
-                  <a16:creationId xmlns:a16="http://schemas.microsoft.com/office/drawing/2014/main" xmlns="" id="{07FCC222-C7B1-4178-A2E0-FA2333E5F5D1}"/>
+                  <a16:creationId xmlns:a16="http://schemas.microsoft.com/office/drawing/2014/main" id="{07FCC222-C7B1-4178-A2E0-FA2333E5F5D1}"/>
                 </a:ext>
               </a:extLst>
             </p:cNvPr>
@@ -7463,8 +7834,8 @@
           </p:nvSpPr>
           <p:spPr>
             <a:xfrm>
-              <a:off x="14228958" y="3972835"/>
-              <a:ext cx="12299794" cy="869799"/>
+              <a:off x="13699848" y="3972835"/>
+              <a:ext cx="13748380" cy="869799"/>
             </a:xfrm>
             <a:prstGeom prst="rect">
               <a:avLst/>
@@ -7498,16 +7869,12 @@
             <a:p>
               <a:pPr algn="ctr"/>
               <a:r>
-                <a:rPr lang="en-US" sz="4320" dirty="0" smtClean="0">
-                  <a:latin typeface="Source Sans Pro" panose="020B0503030403020204" pitchFamily="34" charset="0"/>
-                  <a:ea typeface="Source Sans Pro" panose="020B0503030403020204" pitchFamily="34" charset="0"/>
-                </a:rPr>
-                <a:t>Results &amp; Discussion</a:t>
-              </a:r>
-              <a:endParaRPr lang="en-US" sz="4320" dirty="0">
-                <a:latin typeface="Source Sans Pro" panose="020B0503030403020204" pitchFamily="34" charset="0"/>
-                <a:ea typeface="Source Sans Pro" panose="020B0503030403020204" pitchFamily="34" charset="0"/>
-              </a:endParaRPr>
+                <a:rPr lang="en-US" sz="4320" dirty="0">
+                  <a:latin typeface="Source Sans Pro" panose="020B0503030403020204" pitchFamily="34" charset="0"/>
+                  <a:ea typeface="Source Sans Pro" panose="020B0503030403020204" pitchFamily="34" charset="0"/>
+                </a:rPr>
+                <a:t>Results and Discussion</a:t>
+              </a:r>
             </a:p>
           </p:txBody>
         </p:sp>
@@ -7518,7 +7885,7 @@
                 <p:cNvPr id="27" name="Rectangle 96">
                   <a:extLst>
                     <a:ext uri="{FF2B5EF4-FFF2-40B4-BE49-F238E27FC236}">
-                      <a16:creationId xmlns:a16="http://schemas.microsoft.com/office/drawing/2014/main" xmlns="" id="{5A0BA04D-C70B-4D2B-B62D-9DE8DF804844}"/>
+                      <a16:creationId xmlns:a16="http://schemas.microsoft.com/office/drawing/2014/main" id="{5A0BA04D-C70B-4D2B-B62D-9DE8DF804844}"/>
                     </a:ext>
                   </a:extLst>
                 </p:cNvPr>
@@ -7527,8 +7894,8 @@
               </p:nvSpPr>
               <p:spPr>
                 <a:xfrm>
-                  <a:off x="14228958" y="4962843"/>
-                  <a:ext cx="12299793" cy="4283047"/>
+                  <a:off x="13751916" y="4962843"/>
+                  <a:ext cx="8925691" cy="2831634"/>
                 </a:xfrm>
                 <a:prstGeom prst="rect">
                   <a:avLst/>
@@ -7562,114 +7929,34 @@
                     <a:defRPr/>
                   </a:pPr>
                   <a:r>
-                    <a:rPr lang="en-US" sz="2400" dirty="0" smtClean="0">
+                    <a:rPr lang="en-US" sz="2300" dirty="0">
                       <a:solidFill>
                         <a:schemeClr val="tx1"/>
                       </a:solidFill>
                       <a:latin typeface="Source Sans Pro" panose="020B0503030403020204" pitchFamily="34" charset="0"/>
                       <a:ea typeface="Source Sans Pro" panose="020B0503030403020204" pitchFamily="34" charset="0"/>
                     </a:rPr>
-                    <a:t>For </a:t>
+                    <a:t>Our error metric for each of our experiments, per [3], is as follows:</a:t>
                   </a:r>
+                </a:p>
+                <a:p>
+                  <a:pPr marL="228600" indent="-228600" defTabSz="1097280">
+                    <a:buFont typeface="Arial" panose="020B0604020202020204" pitchFamily="34" charset="0"/>
+                    <a:buChar char="•"/>
+                    <a:defRPr/>
+                  </a:pPr>
                   <a:r>
-                    <a:rPr lang="en-US" sz="2400" dirty="0">
+                    <a:rPr lang="en-US" sz="2300" dirty="0">
                       <a:solidFill>
                         <a:schemeClr val="tx1"/>
                       </a:solidFill>
                       <a:latin typeface="Source Sans Pro" panose="020B0503030403020204" pitchFamily="34" charset="0"/>
                       <a:ea typeface="Source Sans Pro" panose="020B0503030403020204" pitchFamily="34" charset="0"/>
                     </a:rPr>
-                    <a:t>our final data induction model, to leverage the power of all three data induction models (4-nn, 7-nn, and SVR), we ensemble a </a:t>
+                    <a:t>Train model </a:t>
                   </a:r>
                   <a:r>
-                    <a:rPr lang="en-US" sz="2400" b="1" dirty="0">
-                      <a:solidFill>
-                        <a:schemeClr val="tx1"/>
-                      </a:solidFill>
-                      <a:latin typeface="Source Sans Pro" panose="020B0503030403020204" pitchFamily="34" charset="0"/>
-                      <a:ea typeface="Source Sans Pro" panose="020B0503030403020204" pitchFamily="34" charset="0"/>
-                    </a:rPr>
-                    <a:t>meta-estimating voting </a:t>
-                  </a:r>
-                  <a:r>
-                    <a:rPr lang="en-US" sz="2400" b="1" dirty="0" err="1">
-                      <a:solidFill>
-                        <a:schemeClr val="tx1"/>
-                      </a:solidFill>
-                      <a:latin typeface="Source Sans Pro" panose="020B0503030403020204" pitchFamily="34" charset="0"/>
-                      <a:ea typeface="Source Sans Pro" panose="020B0503030403020204" pitchFamily="34" charset="0"/>
-                    </a:rPr>
-                    <a:t>regressor</a:t>
-                  </a:r>
-                  <a:r>
-                    <a:rPr lang="en-US" sz="2400" b="1" dirty="0">
-                      <a:solidFill>
-                        <a:schemeClr val="tx1"/>
-                      </a:solidFill>
-                      <a:latin typeface="Source Sans Pro" panose="020B0503030403020204" pitchFamily="34" charset="0"/>
-                      <a:ea typeface="Source Sans Pro" panose="020B0503030403020204" pitchFamily="34" charset="0"/>
-                    </a:rPr>
-                    <a:t> </a:t>
-                  </a:r>
-                  <a:r>
-                    <a:rPr lang="en-US" sz="2400" dirty="0" smtClean="0">
-                      <a:solidFill>
-                        <a:schemeClr val="tx1"/>
-                      </a:solidFill>
-                      <a:latin typeface="Source Sans Pro" panose="020B0503030403020204" pitchFamily="34" charset="0"/>
-                      <a:ea typeface="Source Sans Pro" panose="020B0503030403020204" pitchFamily="34" charset="0"/>
-                    </a:rPr>
-                    <a:t>performs weighted averaging over the </a:t>
-                  </a:r>
-                  <a:r>
-                    <a:rPr lang="en-US" sz="2400" dirty="0">
-                      <a:solidFill>
-                        <a:schemeClr val="tx1"/>
-                      </a:solidFill>
-                      <a:latin typeface="Source Sans Pro" panose="020B0503030403020204" pitchFamily="34" charset="0"/>
-                      <a:ea typeface="Source Sans Pro" panose="020B0503030403020204" pitchFamily="34" charset="0"/>
-                    </a:rPr>
-                    <a:t>individual predictions of these models to form a final prediction</a:t>
-                  </a:r>
-                  <a:r>
-                    <a:rPr lang="en-US" sz="2400" dirty="0" smtClean="0">
-                      <a:solidFill>
-                        <a:schemeClr val="tx1"/>
-                      </a:solidFill>
-                      <a:latin typeface="Source Sans Pro" panose="020B0503030403020204" pitchFamily="34" charset="0"/>
-                      <a:ea typeface="Source Sans Pro" panose="020B0503030403020204" pitchFamily="34" charset="0"/>
-                    </a:rPr>
-                    <a:t>.</a:t>
-                  </a:r>
-                </a:p>
-                <a:p>
-                  <a:pPr defTabSz="1097280">
-                    <a:defRPr/>
-                  </a:pPr>
-                  <a:endParaRPr lang="en-US" sz="800" dirty="0">
-                    <a:solidFill>
-                      <a:schemeClr val="tx1"/>
-                    </a:solidFill>
-                    <a:latin typeface="Source Sans Pro" panose="020B0503030403020204" pitchFamily="34" charset="0"/>
-                    <a:ea typeface="Source Sans Pro" panose="020B0503030403020204" pitchFamily="34" charset="0"/>
-                  </a:endParaRPr>
-                </a:p>
-                <a:p>
-                  <a:pPr defTabSz="1097280">
-                    <a:defRPr/>
-                  </a:pPr>
-                  <a:r>
-                    <a:rPr lang="en-US" sz="2400" dirty="0">
-                      <a:solidFill>
-                        <a:schemeClr val="tx1"/>
-                      </a:solidFill>
-                      <a:latin typeface="Source Sans Pro" panose="020B0503030403020204" pitchFamily="34" charset="0"/>
-                      <a:ea typeface="Source Sans Pro" panose="020B0503030403020204" pitchFamily="34" charset="0"/>
-                    </a:rPr>
-                    <a:t>To measure the quality of our datasets, we use the leave-one-out cross-validation error procedure of [6] for each data induction model </a:t>
-                  </a:r>
-                  <a:r>
-                    <a:rPr lang="en-US" sz="2400" i="1" dirty="0">
+                    <a:rPr lang="en-US" sz="2300" i="1" dirty="0">
                       <a:solidFill>
                         <a:schemeClr val="tx1"/>
                       </a:solidFill>
@@ -7679,42 +7966,7 @@
                     <a:t>m</a:t>
                   </a:r>
                   <a:r>
-                    <a:rPr lang="en-US" sz="2400" dirty="0">
-                      <a:solidFill>
-                        <a:schemeClr val="tx1"/>
-                      </a:solidFill>
-                      <a:latin typeface="Source Sans Pro" panose="020B0503030403020204" pitchFamily="34" charset="0"/>
-                      <a:ea typeface="Source Sans Pro" panose="020B0503030403020204" pitchFamily="34" charset="0"/>
-                    </a:rPr>
-                    <a:t>, which is model invariant. Our experiment procedure is as follows:</a:t>
-                  </a:r>
-                </a:p>
-                <a:p>
-                  <a:pPr defTabSz="1097280">
-                    <a:defRPr/>
-                  </a:pPr>
-                  <a:r>
-                    <a:rPr lang="en-US" sz="2400" dirty="0">
-                      <a:solidFill>
-                        <a:schemeClr val="tx1"/>
-                      </a:solidFill>
-                      <a:latin typeface="Source Sans Pro" panose="020B0503030403020204" pitchFamily="34" charset="0"/>
-                      <a:ea typeface="Source Sans Pro" panose="020B0503030403020204" pitchFamily="34" charset="0"/>
-                    </a:rPr>
-                    <a:t>Train model </a:t>
-                  </a:r>
-                  <a:r>
-                    <a:rPr lang="en-US" sz="2400" i="1" dirty="0">
-                      <a:solidFill>
-                        <a:schemeClr val="tx1"/>
-                      </a:solidFill>
-                      <a:latin typeface="Source Sans Pro" panose="020B0503030403020204" pitchFamily="34" charset="0"/>
-                      <a:ea typeface="Source Sans Pro" panose="020B0503030403020204" pitchFamily="34" charset="0"/>
-                    </a:rPr>
-                    <a:t>m</a:t>
-                  </a:r>
-                  <a:r>
-                    <a:rPr lang="en-US" sz="2400" dirty="0">
+                    <a:rPr lang="en-US" sz="2300" dirty="0">
                       <a:solidFill>
                         <a:schemeClr val="tx1"/>
                       </a:solidFill>
@@ -7724,7 +7976,7 @@
                     <a:t> on F</a:t>
                   </a:r>
                   <a:r>
-                    <a:rPr lang="en-US" sz="2400" baseline="-25000" dirty="0">
+                    <a:rPr lang="en-US" sz="2300" baseline="-25000" dirty="0">
                       <a:solidFill>
                         <a:schemeClr val="tx1"/>
                       </a:solidFill>
@@ -7734,7 +7986,7 @@
                     <a:t>161</a:t>
                   </a:r>
                   <a:r>
-                    <a:rPr lang="en-US" sz="2400" dirty="0">
+                    <a:rPr lang="en-US" sz="2300" dirty="0">
                       <a:solidFill>
                         <a:schemeClr val="tx1"/>
                       </a:solidFill>
@@ -7744,7 +7996,7 @@
                     <a:t> \ f   </a:t>
                   </a:r>
                   <a:r>
-                    <a:rPr lang="en-US" sz="2400" dirty="0">
+                    <a:rPr lang="en-US" sz="2300" dirty="0">
                       <a:solidFill>
                         <a:schemeClr val="tx1"/>
                       </a:solidFill>
@@ -7755,7 +8007,7 @@
                     <a:t>   predict </a:t>
                   </a:r>
                   <a:r>
-                    <a:rPr lang="en-US" sz="2400" i="1" dirty="0">
+                    <a:rPr lang="en-US" sz="2300" i="1" dirty="0">
                       <a:solidFill>
                         <a:schemeClr val="tx1"/>
                       </a:solidFill>
@@ -7766,7 +8018,7 @@
                     <a:t>m</a:t>
                   </a:r>
                   <a:r>
-                    <a:rPr lang="en-US" sz="2400" dirty="0">
+                    <a:rPr lang="en-US" sz="2300" dirty="0">
                       <a:solidFill>
                         <a:schemeClr val="tx1"/>
                       </a:solidFill>
@@ -7774,10 +8026,65 @@
                       <a:ea typeface="Source Sans Pro" panose="020B0503030403020204" pitchFamily="34" charset="0"/>
                       <a:sym typeface="Wingdings" panose="05000000000000000000" pitchFamily="2" charset="2"/>
                     </a:rPr>
-                    <a:t>(f)      error = a</a:t>
+                    <a:t>(f) for each f in F</a:t>
                   </a:r>
                   <a:r>
-                    <a:rPr lang="en-US" sz="2400" baseline="-25000" dirty="0">
+                    <a:rPr lang="en-US" sz="2300" baseline="-25000" dirty="0">
+                      <a:solidFill>
+                        <a:schemeClr val="tx1"/>
+                      </a:solidFill>
+                      <a:latin typeface="Source Sans Pro" panose="020B0503030403020204" pitchFamily="34" charset="0"/>
+                      <a:ea typeface="Source Sans Pro" panose="020B0503030403020204" pitchFamily="34" charset="0"/>
+                      <a:sym typeface="Wingdings" panose="05000000000000000000" pitchFamily="2" charset="2"/>
+                    </a:rPr>
+                    <a:t>161</a:t>
+                  </a:r>
+                  <a:r>
+                    <a:rPr lang="en-US" sz="2300" dirty="0">
+                      <a:solidFill>
+                        <a:schemeClr val="tx1"/>
+                      </a:solidFill>
+                      <a:latin typeface="Source Sans Pro" panose="020B0503030403020204" pitchFamily="34" charset="0"/>
+                      <a:ea typeface="Source Sans Pro" panose="020B0503030403020204" pitchFamily="34" charset="0"/>
+                      <a:sym typeface="Wingdings" panose="05000000000000000000" pitchFamily="2" charset="2"/>
+                    </a:rPr>
+                    <a:t> in turn      </a:t>
+                  </a:r>
+                  <a:r>
+                    <a:rPr lang="en-US" sz="2300" dirty="0" err="1">
+                      <a:solidFill>
+                        <a:schemeClr val="tx1"/>
+                      </a:solidFill>
+                      <a:latin typeface="Source Sans Pro" panose="020B0503030403020204" pitchFamily="34" charset="0"/>
+                      <a:ea typeface="Source Sans Pro" panose="020B0503030403020204" pitchFamily="34" charset="0"/>
+                      <a:sym typeface="Wingdings" panose="05000000000000000000" pitchFamily="2" charset="2"/>
+                    </a:rPr>
+                    <a:t>error</a:t>
+                  </a:r>
+                  <a:r>
+                    <a:rPr lang="en-US" sz="2300" baseline="-25000" dirty="0" err="1">
+                      <a:solidFill>
+                        <a:schemeClr val="tx1"/>
+                      </a:solidFill>
+                      <a:latin typeface="Source Sans Pro" panose="020B0503030403020204" pitchFamily="34" charset="0"/>
+                      <a:ea typeface="Source Sans Pro" panose="020B0503030403020204" pitchFamily="34" charset="0"/>
+                      <a:sym typeface="Wingdings" panose="05000000000000000000" pitchFamily="2" charset="2"/>
+                    </a:rPr>
+                    <a:t>f</a:t>
+                  </a:r>
+                  <a:r>
+                    <a:rPr lang="en-US" sz="2300" dirty="0">
+                      <a:solidFill>
+                        <a:schemeClr val="tx1"/>
+                      </a:solidFill>
+                      <a:latin typeface="Source Sans Pro" panose="020B0503030403020204" pitchFamily="34" charset="0"/>
+                      <a:ea typeface="Source Sans Pro" panose="020B0503030403020204" pitchFamily="34" charset="0"/>
+                      <a:sym typeface="Wingdings" panose="05000000000000000000" pitchFamily="2" charset="2"/>
+                    </a:rPr>
+                    <a:t> = a</a:t>
+                  </a:r>
+                  <a:r>
+                    <a:rPr lang="en-US" sz="2300" baseline="-25000" dirty="0">
                       <a:solidFill>
                         <a:schemeClr val="tx1"/>
                       </a:solidFill>
@@ -7788,7 +8095,7 @@
                     <a:t>s</a:t>
                   </a:r>
                   <a:r>
-                    <a:rPr lang="en-US" sz="2400" dirty="0">
+                    <a:rPr lang="en-US" sz="2300" dirty="0">
                       <a:solidFill>
                         <a:schemeClr val="tx1"/>
                       </a:solidFill>
@@ -7799,7 +8106,7 @@
                     <a:t>’ – a</a:t>
                   </a:r>
                   <a:r>
-                    <a:rPr lang="en-US" sz="2400" baseline="-25000" dirty="0">
+                    <a:rPr lang="en-US" sz="2300" baseline="-25000" dirty="0">
                       <a:solidFill>
                         <a:schemeClr val="tx1"/>
                       </a:solidFill>
@@ -7811,11 +8118,13 @@
                   </a:r>
                 </a:p>
                 <a:p>
-                  <a:pPr defTabSz="1097280">
+                  <a:pPr marL="228600" indent="-228600" defTabSz="1097280">
+                    <a:buFont typeface="Arial" panose="020B0604020202020204" pitchFamily="34" charset="0"/>
+                    <a:buChar char="•"/>
                     <a:defRPr/>
                   </a:pPr>
                   <a:r>
-                    <a:rPr lang="en-US" sz="2400" i="1" dirty="0">
+                    <a:rPr lang="en-US" sz="2300" i="1" dirty="0">
                       <a:solidFill>
                         <a:schemeClr val="tx1"/>
                       </a:solidFill>
@@ -7826,7 +8135,7 @@
                     <a:t>e</a:t>
                   </a:r>
                   <a:r>
-                    <a:rPr lang="en-US" sz="2400" dirty="0">
+                    <a:rPr lang="en-US" sz="2300" dirty="0">
                       <a:solidFill>
                         <a:schemeClr val="tx1"/>
                       </a:solidFill>
@@ -7834,15 +8143,10 @@
                       <a:ea typeface="Source Sans Pro" panose="020B0503030403020204" pitchFamily="34" charset="0"/>
                       <a:sym typeface="Wingdings" panose="05000000000000000000" pitchFamily="2" charset="2"/>
                     </a:rPr>
-                    <a:t> = error vector with absolute value of each component</a:t>
+                    <a:t> = error vector with element-wise absolute value applied to </a:t>
                   </a:r>
-                </a:p>
-                <a:p>
-                  <a:pPr defTabSz="1097280">
-                    <a:defRPr/>
-                  </a:pPr>
                   <a:r>
-                    <a:rPr lang="en-US" sz="2400" dirty="0">
+                    <a:rPr lang="en-US" sz="2300" dirty="0" err="1">
                       <a:solidFill>
                         <a:schemeClr val="tx1"/>
                       </a:solidFill>
@@ -7850,7 +8154,44 @@
                       <a:ea typeface="Source Sans Pro" panose="020B0503030403020204" pitchFamily="34" charset="0"/>
                       <a:sym typeface="Wingdings" panose="05000000000000000000" pitchFamily="2" charset="2"/>
                     </a:rPr>
-                    <a:t>Average error </a:t>
+                    <a:t>error</a:t>
+                  </a:r>
+                  <a:r>
+                    <a:rPr lang="en-US" sz="2300" baseline="-25000" dirty="0" err="1">
+                      <a:solidFill>
+                        <a:schemeClr val="tx1"/>
+                      </a:solidFill>
+                      <a:latin typeface="Source Sans Pro" panose="020B0503030403020204" pitchFamily="34" charset="0"/>
+                      <a:ea typeface="Source Sans Pro" panose="020B0503030403020204" pitchFamily="34" charset="0"/>
+                      <a:sym typeface="Wingdings" panose="05000000000000000000" pitchFamily="2" charset="2"/>
+                    </a:rPr>
+                    <a:t>f</a:t>
+                  </a:r>
+                  <a:endParaRPr lang="en-US" sz="2300" dirty="0">
+                    <a:solidFill>
+                      <a:schemeClr val="tx1"/>
+                    </a:solidFill>
+                    <a:latin typeface="Source Sans Pro" panose="020B0503030403020204" pitchFamily="34" charset="0"/>
+                    <a:ea typeface="Source Sans Pro" panose="020B0503030403020204" pitchFamily="34" charset="0"/>
+                    <a:sym typeface="Wingdings" panose="05000000000000000000" pitchFamily="2" charset="2"/>
+                  </a:endParaRPr>
+                </a:p>
+                <a:p>
+                  <a:pPr marL="228600" indent="-228600" defTabSz="1097280">
+                    <a:buFont typeface="Arial" panose="020B0604020202020204" pitchFamily="34" charset="0"/>
+                    <a:buChar char="•"/>
+                    <a:defRPr/>
+                  </a:pPr>
+                  <a:r>
+                    <a:rPr lang="en-US" sz="2300" dirty="0">
+                      <a:solidFill>
+                        <a:schemeClr val="tx1"/>
+                      </a:solidFill>
+                      <a:latin typeface="Source Sans Pro" panose="020B0503030403020204" pitchFamily="34" charset="0"/>
+                      <a:ea typeface="Source Sans Pro" panose="020B0503030403020204" pitchFamily="34" charset="0"/>
+                      <a:sym typeface="Wingdings" panose="05000000000000000000" pitchFamily="2" charset="2"/>
+                    </a:rPr>
+                    <a:t>Average error vector </a:t>
                   </a:r>
                   <a14:m>
                     <m:oMath xmlns:m="http://schemas.openxmlformats.org/officeDocument/2006/math">
@@ -7858,11 +8199,11 @@
                         <m:accPr>
                           <m:chr m:val="̅"/>
                           <m:ctrlPr>
-                            <a:rPr lang="en-US" sz="2400" i="1" dirty="0">
+                            <a:rPr lang="en-US" sz="2300" i="1" dirty="0">
                               <a:solidFill>
                                 <a:schemeClr val="tx1"/>
                               </a:solidFill>
-                              <a:latin typeface="Cambria Math" charset="0"/>
+                              <a:latin typeface="Cambria Math" panose="02040503050406030204" pitchFamily="18" charset="0"/>
                               <a:ea typeface="Source Sans Pro" panose="020B0503030403020204" pitchFamily="34" charset="0"/>
                               <a:sym typeface="Wingdings" panose="05000000000000000000" pitchFamily="2" charset="2"/>
                             </a:rPr>
@@ -7870,7 +8211,7 @@
                         </m:accPr>
                         <m:e>
                           <m:r>
-                            <a:rPr lang="en-US" sz="2400" i="1" dirty="0">
+                            <a:rPr lang="en-US" sz="2300" i="1" dirty="0">
                               <a:solidFill>
                                 <a:schemeClr val="tx1"/>
                               </a:solidFill>
@@ -7885,29 +8226,71 @@
                     </m:oMath>
                   </a14:m>
                   <a:r>
-                    <a:rPr lang="en-US" sz="2400" dirty="0">
+                    <a:rPr lang="en-US" sz="2300" dirty="0">
                       <a:solidFill>
                         <a:schemeClr val="tx1"/>
                       </a:solidFill>
                       <a:latin typeface="Source Sans Pro" panose="020B0503030403020204" pitchFamily="34" charset="0"/>
                       <a:ea typeface="Source Sans Pro" panose="020B0503030403020204" pitchFamily="34" charset="0"/>
                     </a:rPr>
-                    <a:t> = average over all e vectors</a:t>
+                    <a:t> = element-wise average of all 161 </a:t>
                   </a:r>
-                </a:p>
-                <a:p>
-                  <a:pPr defTabSz="1097280">
-                    <a:defRPr/>
-                  </a:pPr>
                   <a:r>
-                    <a:rPr lang="en-US" sz="2400" dirty="0">
+                    <a:rPr lang="en-US" sz="2300" i="1" dirty="0">
                       <a:solidFill>
                         <a:schemeClr val="tx1"/>
                       </a:solidFill>
                       <a:latin typeface="Source Sans Pro" panose="020B0503030403020204" pitchFamily="34" charset="0"/>
                       <a:ea typeface="Source Sans Pro" panose="020B0503030403020204" pitchFamily="34" charset="0"/>
                     </a:rPr>
-                    <a:t>Average error over attributes = average of components of </a:t>
+                    <a:t>e</a:t>
+                  </a:r>
+                  <a:r>
+                    <a:rPr lang="en-US" sz="2300" dirty="0">
+                      <a:solidFill>
+                        <a:schemeClr val="tx1"/>
+                      </a:solidFill>
+                      <a:latin typeface="Source Sans Pro" panose="020B0503030403020204" pitchFamily="34" charset="0"/>
+                      <a:ea typeface="Source Sans Pro" panose="020B0503030403020204" pitchFamily="34" charset="0"/>
+                    </a:rPr>
+                    <a:t> vectors</a:t>
+                  </a:r>
+                </a:p>
+                <a:p>
+                  <a:pPr marL="228600" indent="-228600" defTabSz="1097280">
+                    <a:buFont typeface="Arial" panose="020B0604020202020204" pitchFamily="34" charset="0"/>
+                    <a:buChar char="•"/>
+                    <a:defRPr/>
+                  </a:pPr>
+                  <a:r>
+                    <a:rPr lang="en-US" sz="2300" dirty="0">
+                      <a:solidFill>
+                        <a:schemeClr val="tx1"/>
+                      </a:solidFill>
+                      <a:latin typeface="Source Sans Pro" panose="020B0503030403020204" pitchFamily="34" charset="0"/>
+                      <a:ea typeface="Source Sans Pro" panose="020B0503030403020204" pitchFamily="34" charset="0"/>
+                    </a:rPr>
+                    <a:t>Error for </a:t>
+                  </a:r>
+                  <a:r>
+                    <a:rPr lang="en-US" sz="2300" i="1" dirty="0">
+                      <a:solidFill>
+                        <a:schemeClr val="tx1"/>
+                      </a:solidFill>
+                      <a:latin typeface="Source Sans Pro" panose="020B0503030403020204" pitchFamily="34" charset="0"/>
+                      <a:ea typeface="Source Sans Pro" panose="020B0503030403020204" pitchFamily="34" charset="0"/>
+                    </a:rPr>
+                    <a:t>m</a:t>
+                  </a:r>
+                  <a:r>
+                    <a:rPr lang="en-US" sz="2300" dirty="0">
+                      <a:solidFill>
+                        <a:schemeClr val="tx1"/>
+                      </a:solidFill>
+                      <a:latin typeface="Source Sans Pro" panose="020B0503030403020204" pitchFamily="34" charset="0"/>
+                      <a:ea typeface="Source Sans Pro" panose="020B0503030403020204" pitchFamily="34" charset="0"/>
+                    </a:rPr>
+                    <a:t> = avg error over semantic attributes = avg of elements of </a:t>
                   </a:r>
                   <a14:m>
                     <m:oMath xmlns:m="http://schemas.openxmlformats.org/officeDocument/2006/math">
@@ -7915,11 +8298,11 @@
                         <m:accPr>
                           <m:chr m:val="̅"/>
                           <m:ctrlPr>
-                            <a:rPr lang="en-US" sz="2400" i="1" dirty="0">
+                            <a:rPr lang="en-US" sz="2300" i="1" dirty="0">
                               <a:solidFill>
                                 <a:schemeClr val="tx1"/>
                               </a:solidFill>
-                              <a:latin typeface="Cambria Math" charset="0"/>
+                              <a:latin typeface="Cambria Math" panose="02040503050406030204" pitchFamily="18" charset="0"/>
                               <a:ea typeface="Source Sans Pro" panose="020B0503030403020204" pitchFamily="34" charset="0"/>
                               <a:sym typeface="Wingdings" panose="05000000000000000000" pitchFamily="2" charset="2"/>
                             </a:rPr>
@@ -7927,7 +8310,7 @@
                         </m:accPr>
                         <m:e>
                           <m:r>
-                            <a:rPr lang="en-US" sz="2400" i="1" dirty="0">
+                            <a:rPr lang="en-US" sz="2300" i="1" dirty="0">
                               <a:solidFill>
                                 <a:schemeClr val="tx1"/>
                               </a:solidFill>
@@ -7941,7 +8324,7 @@
                       </m:acc>
                     </m:oMath>
                   </a14:m>
-                  <a:endParaRPr lang="en-US" sz="2400" dirty="0">
+                  <a:endParaRPr lang="en-US" sz="2300" dirty="0">
                     <a:solidFill>
                       <a:schemeClr val="tx1"/>
                     </a:solidFill>
@@ -7966,39 +8349,15 @@
                     <a:defRPr/>
                   </a:pPr>
                   <a:r>
-                    <a:rPr lang="en-US" sz="2400" dirty="0">
+                    <a:rPr lang="en-US" sz="2300" dirty="0">
                       <a:solidFill>
                         <a:schemeClr val="tx1"/>
                       </a:solidFill>
                       <a:latin typeface="Source Sans Pro" panose="020B0503030403020204" pitchFamily="34" charset="0"/>
                       <a:ea typeface="Source Sans Pro" panose="020B0503030403020204" pitchFamily="34" charset="0"/>
                     </a:rPr>
-                    <a:t>We visualize and present these errors in Figure 4 and in Table 1.</a:t>
+                    <a:t>We visualize and present these errors in Figure 4 and in Table 1, along with our semantic attribute prediction experiment results.</a:t>
                   </a:r>
-                </a:p>
-                <a:p>
-                  <a:pPr defTabSz="1097280">
-                    <a:defRPr/>
-                  </a:pPr>
-                  <a:endParaRPr lang="en-US" sz="2400" dirty="0">
-                    <a:solidFill>
-                      <a:schemeClr val="tx1"/>
-                    </a:solidFill>
-                    <a:latin typeface="Source Sans Pro" panose="020B0503030403020204" pitchFamily="34" charset="0"/>
-                    <a:ea typeface="Source Sans Pro" panose="020B0503030403020204" pitchFamily="34" charset="0"/>
-                  </a:endParaRPr>
-                </a:p>
-                <a:p>
-                  <a:pPr defTabSz="1097280">
-                    <a:defRPr/>
-                  </a:pPr>
-                  <a:endParaRPr lang="en-US" sz="2400" dirty="0">
-                    <a:solidFill>
-                      <a:schemeClr val="tx1"/>
-                    </a:solidFill>
-                    <a:latin typeface="Source Sans Pro" panose="020B0503030403020204" pitchFamily="34" charset="0"/>
-                    <a:ea typeface="Source Sans Pro" panose="020B0503030403020204" pitchFamily="34" charset="0"/>
-                  </a:endParaRPr>
                 </a:p>
               </p:txBody>
             </p:sp>
@@ -8009,7 +8368,7 @@
                 <p:cNvPr id="27" name="Rectangle 96">
                   <a:extLst>
                     <a:ext uri="{FF2B5EF4-FFF2-40B4-BE49-F238E27FC236}">
-                      <a16:creationId xmlns:a16="http://schemas.microsoft.com/office/drawing/2014/main" xmlns:a14="http://schemas.microsoft.com/office/drawing/2010/main" xmlns="" id="{5A0BA04D-C70B-4D2B-B62D-9DE8DF804844}"/>
+                      <a16:creationId xmlns:a16="http://schemas.microsoft.com/office/drawing/2014/main" id="{5A0BA04D-C70B-4D2B-B62D-9DE8DF804844}"/>
                     </a:ext>
                   </a:extLst>
                 </p:cNvPr>
@@ -8020,16 +8379,16 @@
               </p:nvSpPr>
               <p:spPr>
                 <a:xfrm>
-                  <a:off x="14228958" y="4962843"/>
-                  <a:ext cx="12299793" cy="4283047"/>
+                  <a:off x="13751916" y="4962843"/>
+                  <a:ext cx="8925691" cy="2831634"/>
                 </a:xfrm>
                 <a:prstGeom prst="rect">
                   <a:avLst/>
                 </a:prstGeom>
-                <a:blipFill rotWithShape="0">
+                <a:blipFill>
                   <a:blip r:embed="rId5"/>
                   <a:stretch>
-                    <a:fillRect l="-707" t="-949" r="-1226"/>
+                    <a:fillRect l="-910" t="-1436"/>
                   </a:stretch>
                 </a:blipFill>
                 <a:ln>
@@ -8057,7 +8416,7 @@
           <p:cNvPr id="3" name="Group 107">
             <a:extLst>
               <a:ext uri="{FF2B5EF4-FFF2-40B4-BE49-F238E27FC236}">
-                <a16:creationId xmlns:a16="http://schemas.microsoft.com/office/drawing/2014/main" xmlns="" id="{68D35D10-0E33-49D0-B5AA-CA63D57B64A4}"/>
+                <a16:creationId xmlns:a16="http://schemas.microsoft.com/office/drawing/2014/main" id="{68D35D10-0E33-49D0-B5AA-CA63D57B64A4}"/>
               </a:ext>
             </a:extLst>
           </p:cNvPr>
@@ -8066,10 +8425,10 @@
         </p:nvGrpSpPr>
         <p:grpSpPr>
           <a:xfrm>
-            <a:off x="9045869" y="2963938"/>
-            <a:ext cx="9156071" cy="14945553"/>
+            <a:off x="8353144" y="2853102"/>
+            <a:ext cx="9156071" cy="8013236"/>
             <a:chOff x="7538224" y="2746204"/>
-            <a:chExt cx="7465399" cy="12454624"/>
+            <a:chExt cx="7465399" cy="6677695"/>
           </a:xfrm>
         </p:grpSpPr>
         <p:sp>
@@ -8077,7 +8436,7 @@
             <p:cNvPr id="8" name="Rectangle 108">
               <a:extLst>
                 <a:ext uri="{FF2B5EF4-FFF2-40B4-BE49-F238E27FC236}">
-                  <a16:creationId xmlns:a16="http://schemas.microsoft.com/office/drawing/2014/main" xmlns="" id="{1AC43A28-60F1-4839-A06E-C661D34178D2}"/>
+                  <a16:creationId xmlns:a16="http://schemas.microsoft.com/office/drawing/2014/main" id="{1AC43A28-60F1-4839-A06E-C661D34178D2}"/>
                 </a:ext>
               </a:extLst>
             </p:cNvPr>
@@ -8135,7 +8494,7 @@
             <p:cNvPr id="23" name="Rectangle 109">
               <a:extLst>
                 <a:ext uri="{FF2B5EF4-FFF2-40B4-BE49-F238E27FC236}">
-                  <a16:creationId xmlns:a16="http://schemas.microsoft.com/office/drawing/2014/main" xmlns="" id="{72C62105-B2FD-4795-8C1F-5FA99EB7F9C6}"/>
+                  <a16:creationId xmlns:a16="http://schemas.microsoft.com/office/drawing/2014/main" id="{72C62105-B2FD-4795-8C1F-5FA99EB7F9C6}"/>
                 </a:ext>
               </a:extLst>
             </p:cNvPr>
@@ -8219,7 +8578,7 @@
             <p:cNvPr id="43" name="Rectangle 113">
               <a:extLst>
                 <a:ext uri="{FF2B5EF4-FFF2-40B4-BE49-F238E27FC236}">
-                  <a16:creationId xmlns:a16="http://schemas.microsoft.com/office/drawing/2014/main" xmlns="" id="{8415E113-F36F-4BB1-A6E3-BE891F93B0F4}"/>
+                  <a16:creationId xmlns:a16="http://schemas.microsoft.com/office/drawing/2014/main" id="{8415E113-F36F-4BB1-A6E3-BE891F93B0F4}"/>
                 </a:ext>
               </a:extLst>
             </p:cNvPr>
@@ -8229,7 +8588,7 @@
           <p:spPr>
             <a:xfrm>
               <a:off x="7538225" y="3741488"/>
-              <a:ext cx="7465136" cy="11459340"/>
+              <a:ext cx="7465136" cy="4277770"/>
             </a:xfrm>
             <a:prstGeom prst="rect">
               <a:avLst/>
@@ -8263,216 +8622,91 @@
                 <a:defRPr/>
               </a:pPr>
               <a:r>
-                <a:rPr lang="en-US" sz="2700" b="1" dirty="0">
+                <a:rPr lang="en-US" sz="2400" b="1" dirty="0">
+                  <a:solidFill>
+                    <a:srgbClr val="8B1336"/>
+                  </a:solidFill>
+                  <a:latin typeface="Source Sans Pro" panose="020B0503030403020204" pitchFamily="34" charset="0"/>
+                  <a:ea typeface="Source Sans Pro" panose="020B0503030403020204" pitchFamily="34" charset="0"/>
+                </a:rPr>
+                <a:t>4-NN:</a:t>
+              </a:r>
+              <a:r>
+                <a:rPr lang="en-US" sz="2400" dirty="0">
                   <a:solidFill>
                     <a:schemeClr val="tx1"/>
                   </a:solidFill>
                   <a:latin typeface="Source Sans Pro" panose="020B0503030403020204" pitchFamily="34" charset="0"/>
                   <a:ea typeface="Source Sans Pro" panose="020B0503030403020204" pitchFamily="34" charset="0"/>
                 </a:rPr>
-                <a:t>NOTATION</a:t>
+                <a:t> As our baseline, we reproduce the optimal result in [3]. We cluster the F</a:t>
+              </a:r>
+              <a:r>
+                <a:rPr lang="en-US" sz="2400" baseline="-25000" dirty="0">
+                  <a:solidFill>
+                    <a:schemeClr val="tx1"/>
+                  </a:solidFill>
+                  <a:latin typeface="Source Sans Pro" panose="020B0503030403020204" pitchFamily="34" charset="0"/>
+                  <a:ea typeface="Source Sans Pro" panose="020B0503030403020204" pitchFamily="34" charset="0"/>
+                </a:rPr>
+                <a:t>161</a:t>
+              </a:r>
+              <a:r>
+                <a:rPr lang="en-US" sz="2400" dirty="0">
+                  <a:solidFill>
+                    <a:schemeClr val="tx1"/>
+                  </a:solidFill>
+                  <a:latin typeface="Source Sans Pro" panose="020B0503030403020204" pitchFamily="34" charset="0"/>
+                  <a:ea typeface="Source Sans Pro" panose="020B0503030403020204" pitchFamily="34" charset="0"/>
+                </a:rPr>
+                <a:t> font embedding vectors and predict each a</a:t>
+              </a:r>
+              <a:r>
+                <a:rPr lang="en-US" sz="2400" baseline="-25000" dirty="0">
+                  <a:solidFill>
+                    <a:schemeClr val="tx1"/>
+                  </a:solidFill>
+                  <a:latin typeface="Source Sans Pro" panose="020B0503030403020204" pitchFamily="34" charset="0"/>
+                  <a:ea typeface="Source Sans Pro" panose="020B0503030403020204" pitchFamily="34" charset="0"/>
+                </a:rPr>
+                <a:t>s</a:t>
+              </a:r>
+              <a:r>
+                <a:rPr lang="en-US" sz="2400" dirty="0">
+                  <a:solidFill>
+                    <a:schemeClr val="tx1"/>
+                  </a:solidFill>
+                  <a:latin typeface="Source Sans Pro" panose="020B0503030403020204" pitchFamily="34" charset="0"/>
+                  <a:ea typeface="Source Sans Pro" panose="020B0503030403020204" pitchFamily="34" charset="0"/>
+                </a:rPr>
+                <a:t>’ using </a:t>
+              </a:r>
+              <a:r>
+                <a:rPr lang="en-US" sz="2400" i="1" dirty="0">
+                  <a:solidFill>
+                    <a:schemeClr val="tx1"/>
+                  </a:solidFill>
+                  <a:latin typeface="Source Sans Pro" panose="020B0503030403020204" pitchFamily="34" charset="0"/>
+                  <a:ea typeface="Source Sans Pro" panose="020B0503030403020204" pitchFamily="34" charset="0"/>
+                </a:rPr>
+                <a:t>k</a:t>
+              </a:r>
+              <a:r>
+                <a:rPr lang="en-US" sz="2400" dirty="0">
+                  <a:solidFill>
+                    <a:schemeClr val="tx1"/>
+                  </a:solidFill>
+                  <a:latin typeface="Source Sans Pro" panose="020B0503030403020204" pitchFamily="34" charset="0"/>
+                  <a:ea typeface="Source Sans Pro" panose="020B0503030403020204" pitchFamily="34" charset="0"/>
+                </a:rPr>
+                <a:t> = 4, a cosine distance metric, and relative distance weighting.</a:t>
               </a:r>
             </a:p>
             <a:p>
               <a:pPr defTabSz="1097280">
                 <a:defRPr/>
               </a:pPr>
-              <a:r>
-                <a:rPr lang="en-US" sz="2400" dirty="0">
-                  <a:solidFill>
-                    <a:schemeClr val="tx1"/>
-                  </a:solidFill>
-                  <a:latin typeface="Source Sans Pro" panose="020B0503030403020204" pitchFamily="34" charset="0"/>
-                  <a:ea typeface="Source Sans Pro" panose="020B0503030403020204" pitchFamily="34" charset="0"/>
-                </a:rPr>
-                <a:t>F = set of all 1883 </a:t>
-              </a:r>
-              <a:r>
-                <a:rPr lang="en-US" sz="2400" dirty="0" err="1">
-                  <a:solidFill>
-                    <a:schemeClr val="tx1"/>
-                  </a:solidFill>
-                  <a:latin typeface="Source Sans Pro" panose="020B0503030403020204" pitchFamily="34" charset="0"/>
-                  <a:ea typeface="Source Sans Pro" panose="020B0503030403020204" pitchFamily="34" charset="0"/>
-                </a:rPr>
-                <a:t>FontJoy</a:t>
-              </a:r>
-              <a:r>
-                <a:rPr lang="en-US" sz="2400" dirty="0">
-                  <a:solidFill>
-                    <a:schemeClr val="tx1"/>
-                  </a:solidFill>
-                  <a:latin typeface="Source Sans Pro" panose="020B0503030403020204" pitchFamily="34" charset="0"/>
-                  <a:ea typeface="Source Sans Pro" panose="020B0503030403020204" pitchFamily="34" charset="0"/>
-                </a:rPr>
-                <a:t> embedding vectors</a:t>
-              </a:r>
-            </a:p>
-            <a:p>
-              <a:pPr defTabSz="1097280">
-                <a:defRPr/>
-              </a:pPr>
-              <a:r>
-                <a:rPr lang="en-US" sz="2400" dirty="0">
-                  <a:solidFill>
-                    <a:schemeClr val="tx1"/>
-                  </a:solidFill>
-                  <a:latin typeface="Source Sans Pro" panose="020B0503030403020204" pitchFamily="34" charset="0"/>
-                  <a:ea typeface="Source Sans Pro" panose="020B0503030403020204" pitchFamily="34" charset="0"/>
-                </a:rPr>
-                <a:t>F</a:t>
-              </a:r>
-              <a:r>
-                <a:rPr lang="en-US" sz="2400" baseline="-25000" dirty="0">
-                  <a:solidFill>
-                    <a:schemeClr val="tx1"/>
-                  </a:solidFill>
-                  <a:latin typeface="Source Sans Pro" panose="020B0503030403020204" pitchFamily="34" charset="0"/>
-                  <a:ea typeface="Source Sans Pro" panose="020B0503030403020204" pitchFamily="34" charset="0"/>
-                </a:rPr>
-                <a:t>161</a:t>
-              </a:r>
-              <a:r>
-                <a:rPr lang="en-US" sz="2400" dirty="0">
-                  <a:solidFill>
-                    <a:schemeClr val="tx1"/>
-                  </a:solidFill>
-                  <a:latin typeface="Source Sans Pro" panose="020B0503030403020204" pitchFamily="34" charset="0"/>
-                  <a:ea typeface="Source Sans Pro" panose="020B0503030403020204" pitchFamily="34" charset="0"/>
-                </a:rPr>
-                <a:t> = embedding vectors from </a:t>
-              </a:r>
-              <a:r>
-                <a:rPr lang="en-US" sz="2400" dirty="0" err="1">
-                  <a:solidFill>
-                    <a:schemeClr val="tx1"/>
-                  </a:solidFill>
-                  <a:latin typeface="Source Sans Pro" panose="020B0503030403020204" pitchFamily="34" charset="0"/>
-                  <a:ea typeface="Source Sans Pro" panose="020B0503030403020204" pitchFamily="34" charset="0"/>
-                </a:rPr>
-                <a:t>FontJoy</a:t>
-              </a:r>
-              <a:r>
-                <a:rPr lang="en-US" sz="2400" dirty="0">
-                  <a:solidFill>
-                    <a:schemeClr val="tx1"/>
-                  </a:solidFill>
-                  <a:latin typeface="Source Sans Pro" panose="020B0503030403020204" pitchFamily="34" charset="0"/>
-                  <a:ea typeface="Source Sans Pro" panose="020B0503030403020204" pitchFamily="34" charset="0"/>
-                </a:rPr>
-                <a:t> with known semantic attribute labels from O’Donovan (intersection of [3, 6] dataset)</a:t>
-              </a:r>
-            </a:p>
-            <a:p>
-              <a:pPr defTabSz="1097280">
-                <a:defRPr/>
-              </a:pPr>
-              <a:r>
-                <a:rPr lang="en-US" sz="2400" dirty="0">
-                  <a:solidFill>
-                    <a:schemeClr val="tx1"/>
-                  </a:solidFill>
-                  <a:latin typeface="Source Sans Pro" panose="020B0503030403020204" pitchFamily="34" charset="0"/>
-                  <a:ea typeface="Source Sans Pro" panose="020B0503030403020204" pitchFamily="34" charset="0"/>
-                </a:rPr>
-                <a:t>f = font embedding vector from </a:t>
-              </a:r>
-              <a:r>
-                <a:rPr lang="en-US" sz="2400" dirty="0" err="1">
-                  <a:solidFill>
-                    <a:schemeClr val="tx1"/>
-                  </a:solidFill>
-                  <a:latin typeface="Source Sans Pro" panose="020B0503030403020204" pitchFamily="34" charset="0"/>
-                  <a:ea typeface="Source Sans Pro" panose="020B0503030403020204" pitchFamily="34" charset="0"/>
-                </a:rPr>
-                <a:t>FontJoy</a:t>
-              </a:r>
-              <a:r>
-                <a:rPr lang="en-US" sz="2400" dirty="0">
-                  <a:solidFill>
-                    <a:schemeClr val="tx1"/>
-                  </a:solidFill>
-                  <a:latin typeface="Source Sans Pro" panose="020B0503030403020204" pitchFamily="34" charset="0"/>
-                  <a:ea typeface="Source Sans Pro" panose="020B0503030403020204" pitchFamily="34" charset="0"/>
-                </a:rPr>
-                <a:t> CNN</a:t>
-              </a:r>
-            </a:p>
-            <a:p>
-              <a:pPr defTabSz="1097280">
-                <a:defRPr/>
-              </a:pPr>
-              <a:r>
-                <a:rPr lang="en-US" sz="2400" dirty="0">
-                  <a:solidFill>
-                    <a:schemeClr val="tx1"/>
-                  </a:solidFill>
-                  <a:latin typeface="Source Sans Pro" panose="020B0503030403020204" pitchFamily="34" charset="0"/>
-                  <a:ea typeface="Source Sans Pro" panose="020B0503030403020204" pitchFamily="34" charset="0"/>
-                </a:rPr>
-                <a:t>a</a:t>
-              </a:r>
-              <a:r>
-                <a:rPr lang="en-US" sz="2400" baseline="-25000" dirty="0">
-                  <a:solidFill>
-                    <a:schemeClr val="tx1"/>
-                  </a:solidFill>
-                  <a:latin typeface="Source Sans Pro" panose="020B0503030403020204" pitchFamily="34" charset="0"/>
-                  <a:ea typeface="Source Sans Pro" panose="020B0503030403020204" pitchFamily="34" charset="0"/>
-                </a:rPr>
-                <a:t>s</a:t>
-              </a:r>
-              <a:r>
-                <a:rPr lang="en-US" sz="2400" dirty="0">
-                  <a:solidFill>
-                    <a:schemeClr val="tx1"/>
-                  </a:solidFill>
-                  <a:latin typeface="Source Sans Pro" panose="020B0503030403020204" pitchFamily="34" charset="0"/>
-                  <a:ea typeface="Source Sans Pro" panose="020B0503030403020204" pitchFamily="34" charset="0"/>
-                </a:rPr>
-                <a:t> = predicted 31-dimensional semantic attribute vector</a:t>
-              </a:r>
-            </a:p>
-            <a:p>
-              <a:pPr defTabSz="1097280">
-                <a:defRPr/>
-              </a:pPr>
-              <a:r>
-                <a:rPr lang="en-US" sz="2400" dirty="0">
-                  <a:solidFill>
-                    <a:schemeClr val="tx1"/>
-                  </a:solidFill>
-                  <a:latin typeface="Source Sans Pro" panose="020B0503030403020204" pitchFamily="34" charset="0"/>
-                  <a:ea typeface="Source Sans Pro" panose="020B0503030403020204" pitchFamily="34" charset="0"/>
-                </a:rPr>
-                <a:t>a</a:t>
-              </a:r>
-              <a:r>
-                <a:rPr lang="en-US" sz="2400" baseline="-25000" dirty="0">
-                  <a:solidFill>
-                    <a:schemeClr val="tx1"/>
-                  </a:solidFill>
-                  <a:latin typeface="Source Sans Pro" panose="020B0503030403020204" pitchFamily="34" charset="0"/>
-                  <a:ea typeface="Source Sans Pro" panose="020B0503030403020204" pitchFamily="34" charset="0"/>
-                </a:rPr>
-                <a:t>s</a:t>
-              </a:r>
-              <a:r>
-                <a:rPr lang="en-US" sz="2400" dirty="0">
-                  <a:solidFill>
-                    <a:schemeClr val="tx1"/>
-                  </a:solidFill>
-                  <a:latin typeface="Source Sans Pro" panose="020B0503030403020204" pitchFamily="34" charset="0"/>
-                  <a:ea typeface="Source Sans Pro" panose="020B0503030403020204" pitchFamily="34" charset="0"/>
-                </a:rPr>
-                <a:t>’ = ground truth 31-dimensional semantic attribute vector</a:t>
-              </a:r>
-            </a:p>
-            <a:p>
-              <a:pPr defTabSz="1097280">
-                <a:defRPr/>
-              </a:pPr>
-              <a:endParaRPr lang="en-US" sz="2400" dirty="0">
+              <a:endParaRPr lang="en-US" sz="1000" dirty="0">
                 <a:solidFill>
                   <a:schemeClr val="tx1"/>
                 </a:solidFill>
@@ -8485,176 +8719,34 @@
                 <a:defRPr/>
               </a:pPr>
               <a:r>
+                <a:rPr lang="en-US" sz="2400" b="1" dirty="0">
+                  <a:solidFill>
+                    <a:srgbClr val="8B1336"/>
+                  </a:solidFill>
+                  <a:latin typeface="Source Sans Pro" panose="020B0503030403020204" pitchFamily="34" charset="0"/>
+                  <a:ea typeface="Source Sans Pro" panose="020B0503030403020204" pitchFamily="34" charset="0"/>
+                </a:rPr>
+                <a:t>7-NN:</a:t>
+              </a:r>
+              <a:r>
                 <a:rPr lang="en-US" sz="2400" dirty="0">
                   <a:solidFill>
+                    <a:srgbClr val="8B1336"/>
+                  </a:solidFill>
+                  <a:latin typeface="Source Sans Pro" panose="020B0503030403020204" pitchFamily="34" charset="0"/>
+                  <a:ea typeface="Source Sans Pro" panose="020B0503030403020204" pitchFamily="34" charset="0"/>
+                </a:rPr>
+                <a:t> </a:t>
+              </a:r>
+              <a:r>
+                <a:rPr lang="en-US" sz="2400" dirty="0">
+                  <a:solidFill>
                     <a:schemeClr val="tx1"/>
                   </a:solidFill>
                   <a:latin typeface="Source Sans Pro" panose="020B0503030403020204" pitchFamily="34" charset="0"/>
                   <a:ea typeface="Source Sans Pro" panose="020B0503030403020204" pitchFamily="34" charset="0"/>
                 </a:rPr>
-                <a:t>We experiment with different data induction methods by using F</a:t>
-              </a:r>
-              <a:r>
-                <a:rPr lang="en-US" sz="2400" baseline="-25000" dirty="0">
-                  <a:solidFill>
-                    <a:schemeClr val="tx1"/>
-                  </a:solidFill>
-                  <a:latin typeface="Source Sans Pro" panose="020B0503030403020204" pitchFamily="34" charset="0"/>
-                  <a:ea typeface="Source Sans Pro" panose="020B0503030403020204" pitchFamily="34" charset="0"/>
-                </a:rPr>
-                <a:t>161</a:t>
-              </a:r>
-              <a:r>
-                <a:rPr lang="en-US" sz="2400" dirty="0">
-                  <a:solidFill>
-                    <a:schemeClr val="tx1"/>
-                  </a:solidFill>
-                  <a:latin typeface="Source Sans Pro" panose="020B0503030403020204" pitchFamily="34" charset="0"/>
-                  <a:ea typeface="Source Sans Pro" panose="020B0503030403020204" pitchFamily="34" charset="0"/>
-                </a:rPr>
-                <a:t> to predict a</a:t>
-              </a:r>
-              <a:r>
-                <a:rPr lang="en-US" sz="2400" baseline="-25000" dirty="0">
-                  <a:solidFill>
-                    <a:schemeClr val="tx1"/>
-                  </a:solidFill>
-                  <a:latin typeface="Source Sans Pro" panose="020B0503030403020204" pitchFamily="34" charset="0"/>
-                  <a:ea typeface="Source Sans Pro" panose="020B0503030403020204" pitchFamily="34" charset="0"/>
-                </a:rPr>
-                <a:t>s</a:t>
-              </a:r>
-              <a:r>
-                <a:rPr lang="en-US" sz="2400" dirty="0">
-                  <a:solidFill>
-                    <a:schemeClr val="tx1"/>
-                  </a:solidFill>
-                  <a:latin typeface="Source Sans Pro" panose="020B0503030403020204" pitchFamily="34" charset="0"/>
-                  <a:ea typeface="Source Sans Pro" panose="020B0503030403020204" pitchFamily="34" charset="0"/>
-                </a:rPr>
-                <a:t>’ for each typeface in F.</a:t>
-              </a:r>
-            </a:p>
-            <a:p>
-              <a:pPr defTabSz="1097280">
-                <a:defRPr/>
-              </a:pPr>
-              <a:endParaRPr lang="en-US" sz="2400" dirty="0">
-                <a:solidFill>
-                  <a:schemeClr val="tx1"/>
-                </a:solidFill>
-                <a:latin typeface="Source Sans Pro" panose="020B0503030403020204" pitchFamily="34" charset="0"/>
-                <a:ea typeface="Source Sans Pro" panose="020B0503030403020204" pitchFamily="34" charset="0"/>
-              </a:endParaRPr>
-            </a:p>
-            <a:p>
-              <a:pPr defTabSz="1097280">
-                <a:defRPr/>
-              </a:pPr>
-              <a:r>
-                <a:rPr lang="en-US" sz="2400" b="1" dirty="0">
-                  <a:solidFill>
-                    <a:schemeClr val="tx1"/>
-                  </a:solidFill>
-                  <a:latin typeface="Source Sans Pro" panose="020B0503030403020204" pitchFamily="34" charset="0"/>
-                  <a:ea typeface="Source Sans Pro" panose="020B0503030403020204" pitchFamily="34" charset="0"/>
-                </a:rPr>
-                <a:t>4-NN:</a:t>
-              </a:r>
-              <a:r>
-                <a:rPr lang="en-US" sz="2400" dirty="0">
-                  <a:solidFill>
-                    <a:schemeClr val="tx1"/>
-                  </a:solidFill>
-                  <a:latin typeface="Source Sans Pro" panose="020B0503030403020204" pitchFamily="34" charset="0"/>
-                  <a:ea typeface="Source Sans Pro" panose="020B0503030403020204" pitchFamily="34" charset="0"/>
-                </a:rPr>
-                <a:t> As a baseline, we reproduce the optimal result in [3]. We cluster the F</a:t>
-              </a:r>
-              <a:r>
-                <a:rPr lang="en-US" sz="2400" baseline="-25000" dirty="0">
-                  <a:solidFill>
-                    <a:schemeClr val="tx1"/>
-                  </a:solidFill>
-                  <a:latin typeface="Source Sans Pro" panose="020B0503030403020204" pitchFamily="34" charset="0"/>
-                  <a:ea typeface="Source Sans Pro" panose="020B0503030403020204" pitchFamily="34" charset="0"/>
-                </a:rPr>
-                <a:t>161</a:t>
-              </a:r>
-              <a:r>
-                <a:rPr lang="en-US" sz="2400" dirty="0">
-                  <a:solidFill>
-                    <a:schemeClr val="tx1"/>
-                  </a:solidFill>
-                  <a:latin typeface="Source Sans Pro" panose="020B0503030403020204" pitchFamily="34" charset="0"/>
-                  <a:ea typeface="Source Sans Pro" panose="020B0503030403020204" pitchFamily="34" charset="0"/>
-                </a:rPr>
-                <a:t> font embedding vectors and predict a</a:t>
-              </a:r>
-              <a:r>
-                <a:rPr lang="en-US" sz="2400" baseline="-25000" dirty="0">
-                  <a:solidFill>
-                    <a:schemeClr val="tx1"/>
-                  </a:solidFill>
-                  <a:latin typeface="Source Sans Pro" panose="020B0503030403020204" pitchFamily="34" charset="0"/>
-                  <a:ea typeface="Source Sans Pro" panose="020B0503030403020204" pitchFamily="34" charset="0"/>
-                </a:rPr>
-                <a:t>s</a:t>
-              </a:r>
-              <a:r>
-                <a:rPr lang="en-US" sz="2400" dirty="0">
-                  <a:solidFill>
-                    <a:schemeClr val="tx1"/>
-                  </a:solidFill>
-                  <a:latin typeface="Source Sans Pro" panose="020B0503030403020204" pitchFamily="34" charset="0"/>
-                  <a:ea typeface="Source Sans Pro" panose="020B0503030403020204" pitchFamily="34" charset="0"/>
-                </a:rPr>
-                <a:t>’ using </a:t>
-              </a:r>
-              <a:r>
-                <a:rPr lang="en-US" sz="2400" i="1" dirty="0">
-                  <a:solidFill>
-                    <a:schemeClr val="tx1"/>
-                  </a:solidFill>
-                  <a:latin typeface="Source Sans Pro" panose="020B0503030403020204" pitchFamily="34" charset="0"/>
-                  <a:ea typeface="Source Sans Pro" panose="020B0503030403020204" pitchFamily="34" charset="0"/>
-                </a:rPr>
-                <a:t>k</a:t>
-              </a:r>
-              <a:r>
-                <a:rPr lang="en-US" sz="2400" dirty="0">
-                  <a:solidFill>
-                    <a:schemeClr val="tx1"/>
-                  </a:solidFill>
-                  <a:latin typeface="Source Sans Pro" panose="020B0503030403020204" pitchFamily="34" charset="0"/>
-                  <a:ea typeface="Source Sans Pro" panose="020B0503030403020204" pitchFamily="34" charset="0"/>
-                </a:rPr>
-                <a:t> = 4, a cosine distance metric, and relative distance weighting.</a:t>
-              </a:r>
-            </a:p>
-            <a:p>
-              <a:pPr defTabSz="1097280">
-                <a:defRPr/>
-              </a:pPr>
-              <a:r>
-                <a:rPr lang="en-US" sz="2400" b="1" dirty="0">
-                  <a:solidFill>
-                    <a:schemeClr val="tx1"/>
-                  </a:solidFill>
-                  <a:latin typeface="Source Sans Pro" panose="020B0503030403020204" pitchFamily="34" charset="0"/>
-                  <a:ea typeface="Source Sans Pro" panose="020B0503030403020204" pitchFamily="34" charset="0"/>
-                </a:rPr>
-                <a:t>7-NN:</a:t>
-              </a:r>
-              <a:r>
-                <a:rPr lang="en-US" sz="2400" dirty="0">
-                  <a:solidFill>
-                    <a:schemeClr val="tx1"/>
-                  </a:solidFill>
-                  <a:latin typeface="Source Sans Pro" panose="020B0503030403020204" pitchFamily="34" charset="0"/>
-                  <a:ea typeface="Source Sans Pro" panose="020B0503030403020204" pitchFamily="34" charset="0"/>
-                </a:rPr>
-                <a:t> We perform grid search over multiple values of </a:t>
+                <a:t>We perform grid search over multiple values of </a:t>
               </a:r>
               <a:r>
                 <a:rPr lang="en-US" sz="2400" i="1" dirty="0">
@@ -8873,7 +8965,7 @@
           <p:cNvPr id="1026" name="Picture 2">
             <a:extLst>
               <a:ext uri="{FF2B5EF4-FFF2-40B4-BE49-F238E27FC236}">
-                <a16:creationId xmlns:a16="http://schemas.microsoft.com/office/drawing/2014/main" xmlns="" id="{8C879328-60AB-47BE-9922-673FFF8E3D2B}"/>
+                <a16:creationId xmlns:a16="http://schemas.microsoft.com/office/drawing/2014/main" id="{8C879328-60AB-47BE-9922-673FFF8E3D2B}"/>
               </a:ext>
             </a:extLst>
           </p:cNvPr>
@@ -8907,8 +8999,8 @@
         </p:blipFill>
         <p:spPr bwMode="auto">
           <a:xfrm>
-            <a:off x="2089200" y="16924722"/>
-            <a:ext cx="4759428" cy="3264478"/>
+            <a:off x="1838904" y="14192923"/>
+            <a:ext cx="4324298" cy="2966024"/>
           </a:xfrm>
           <a:prstGeom prst="rect">
             <a:avLst/>
@@ -8930,7 +9022,7 @@
           <p:cNvPr id="14" name="Rectangle 13">
             <a:extLst>
               <a:ext uri="{FF2B5EF4-FFF2-40B4-BE49-F238E27FC236}">
-                <a16:creationId xmlns:a16="http://schemas.microsoft.com/office/drawing/2014/main" xmlns="" id="{0D8336AD-AE6E-478F-BB42-D6718EF1340A}"/>
+                <a16:creationId xmlns:a16="http://schemas.microsoft.com/office/drawing/2014/main" id="{0D8336AD-AE6E-478F-BB42-D6718EF1340A}"/>
               </a:ext>
             </a:extLst>
           </p:cNvPr>
@@ -8939,7 +9031,7 @@
         </p:nvSpPr>
         <p:spPr>
           <a:xfrm>
-            <a:off x="1170126" y="20744016"/>
+            <a:off x="699073" y="17166080"/>
             <a:ext cx="6597575" cy="646331"/>
           </a:xfrm>
           <a:prstGeom prst="rect">
@@ -9022,7 +9114,7 @@
           <p:cNvPr id="16" name="Picture 15">
             <a:extLst>
               <a:ext uri="{FF2B5EF4-FFF2-40B4-BE49-F238E27FC236}">
-                <a16:creationId xmlns:a16="http://schemas.microsoft.com/office/drawing/2014/main" xmlns="" id="{1CFAAA27-DCC5-41C5-AE81-45010E348DBD}"/>
+                <a16:creationId xmlns:a16="http://schemas.microsoft.com/office/drawing/2014/main" id="{1CFAAA27-DCC5-41C5-AE81-45010E348DBD}"/>
               </a:ext>
             </a:extLst>
           </p:cNvPr>
@@ -9050,7 +9142,7 @@
         </p:blipFill>
         <p:spPr>
           <a:xfrm>
-            <a:off x="15353643" y="10844797"/>
+            <a:off x="14660918" y="6828711"/>
             <a:ext cx="2847975" cy="1200150"/>
           </a:xfrm>
           <a:prstGeom prst="rect">
@@ -9063,7 +9155,7 @@
           <p:cNvPr id="17" name="Picture 16">
             <a:extLst>
               <a:ext uri="{FF2B5EF4-FFF2-40B4-BE49-F238E27FC236}">
-                <a16:creationId xmlns:a16="http://schemas.microsoft.com/office/drawing/2014/main" xmlns="" id="{394C75B6-5C11-42AA-9761-28887E5D2E07}"/>
+                <a16:creationId xmlns:a16="http://schemas.microsoft.com/office/drawing/2014/main" id="{394C75B6-5C11-42AA-9761-28887E5D2E07}"/>
               </a:ext>
             </a:extLst>
           </p:cNvPr>
@@ -9091,7 +9183,7 @@
         </p:blipFill>
         <p:spPr>
           <a:xfrm>
-            <a:off x="9097094" y="10845940"/>
+            <a:off x="8404369" y="6829854"/>
             <a:ext cx="3593592" cy="1197864"/>
           </a:xfrm>
           <a:prstGeom prst="rect">
@@ -9104,7 +9196,7 @@
           <p:cNvPr id="18" name="Picture 17">
             <a:extLst>
               <a:ext uri="{FF2B5EF4-FFF2-40B4-BE49-F238E27FC236}">
-                <a16:creationId xmlns:a16="http://schemas.microsoft.com/office/drawing/2014/main" xmlns="" id="{8B2FB826-8FDF-43D4-87E6-0E9C579724D1}"/>
+                <a16:creationId xmlns:a16="http://schemas.microsoft.com/office/drawing/2014/main" id="{8B2FB826-8FDF-43D4-87E6-0E9C579724D1}"/>
               </a:ext>
             </a:extLst>
           </p:cNvPr>
@@ -9132,7 +9224,7 @@
         </p:blipFill>
         <p:spPr>
           <a:xfrm>
-            <a:off x="12942338" y="10845940"/>
+            <a:off x="12249613" y="6829854"/>
             <a:ext cx="2159653" cy="1197864"/>
           </a:xfrm>
           <a:prstGeom prst="rect">
@@ -9145,7 +9237,7 @@
           <p:cNvPr id="48" name="Rectangle 47">
             <a:extLst>
               <a:ext uri="{FF2B5EF4-FFF2-40B4-BE49-F238E27FC236}">
-                <a16:creationId xmlns:a16="http://schemas.microsoft.com/office/drawing/2014/main" xmlns="" id="{CF1625B3-8386-4000-89E0-C27E4EBFAFEF}"/>
+                <a16:creationId xmlns:a16="http://schemas.microsoft.com/office/drawing/2014/main" id="{CF1625B3-8386-4000-89E0-C27E4EBFAFEF}"/>
               </a:ext>
             </a:extLst>
           </p:cNvPr>
@@ -9154,7 +9246,7 @@
         </p:nvSpPr>
         <p:spPr>
           <a:xfrm>
-            <a:off x="8955724" y="12079705"/>
+            <a:off x="8262999" y="8063619"/>
             <a:ext cx="9181552" cy="369332"/>
           </a:xfrm>
           <a:prstGeom prst="rect">
@@ -9212,7 +9304,7 @@
           <p:cNvPr id="29" name="Picture 28">
             <a:extLst>
               <a:ext uri="{FF2B5EF4-FFF2-40B4-BE49-F238E27FC236}">
-                <a16:creationId xmlns:a16="http://schemas.microsoft.com/office/drawing/2014/main" xmlns="" id="{4FF626CB-A943-4DC7-94FD-1EFC212778C9}"/>
+                <a16:creationId xmlns:a16="http://schemas.microsoft.com/office/drawing/2014/main" id="{4FF626CB-A943-4DC7-94FD-1EFC212778C9}"/>
               </a:ext>
             </a:extLst>
           </p:cNvPr>
@@ -9245,7 +9337,7 @@
         </p:blipFill>
         <p:spPr>
           <a:xfrm>
-            <a:off x="8840155" y="12300900"/>
+            <a:off x="7898049" y="8303864"/>
             <a:ext cx="6078109" cy="4052072"/>
           </a:xfrm>
           <a:prstGeom prst="rect">
@@ -9258,7 +9350,7 @@
           <p:cNvPr id="50" name="Rectangle 49">
             <a:extLst>
               <a:ext uri="{FF2B5EF4-FFF2-40B4-BE49-F238E27FC236}">
-                <a16:creationId xmlns:a16="http://schemas.microsoft.com/office/drawing/2014/main" xmlns="" id="{79181530-E3C4-4D42-AED2-0942ECAFE495}"/>
+                <a16:creationId xmlns:a16="http://schemas.microsoft.com/office/drawing/2014/main" id="{79181530-E3C4-4D42-AED2-0942ECAFE495}"/>
               </a:ext>
             </a:extLst>
           </p:cNvPr>
@@ -9267,8 +9359,8 @@
         </p:nvSpPr>
         <p:spPr>
           <a:xfrm>
-            <a:off x="14414716" y="13105760"/>
-            <a:ext cx="3923371" cy="2585323"/>
+            <a:off x="7806159" y="12220781"/>
+            <a:ext cx="5732221" cy="1754326"/>
           </a:xfrm>
           <a:prstGeom prst="rect">
             <a:avLst/>
@@ -9356,7 +9448,7 @@
           <p:cNvPr id="35" name="Picture 2">
             <a:extLst>
               <a:ext uri="{FF2B5EF4-FFF2-40B4-BE49-F238E27FC236}">
-                <a16:creationId xmlns:a16="http://schemas.microsoft.com/office/drawing/2014/main" xmlns="" id="{2926EC8E-3997-473D-AE18-B886138453D7}"/>
+                <a16:creationId xmlns:a16="http://schemas.microsoft.com/office/drawing/2014/main" id="{2926EC8E-3997-473D-AE18-B886138453D7}"/>
               </a:ext>
             </a:extLst>
           </p:cNvPr>
@@ -9380,8 +9472,8 @@
         </p:blipFill>
         <p:spPr bwMode="auto">
           <a:xfrm>
-            <a:off x="13481756" y="15880400"/>
-            <a:ext cx="5117350" cy="4818838"/>
+            <a:off x="13489589" y="8345037"/>
+            <a:ext cx="4303845" cy="4052787"/>
           </a:xfrm>
           <a:prstGeom prst="rect">
             <a:avLst/>
@@ -9405,7 +9497,7 @@
               <p:cNvPr id="37" name="Rectangle 36">
                 <a:extLst>
                   <a:ext uri="{FF2B5EF4-FFF2-40B4-BE49-F238E27FC236}">
-                    <a16:creationId xmlns:a16="http://schemas.microsoft.com/office/drawing/2014/main" xmlns="" id="{DAB3F643-9799-42E4-8C6C-09F15FDE2C28}"/>
+                    <a16:creationId xmlns:a16="http://schemas.microsoft.com/office/drawing/2014/main" id="{DAB3F643-9799-42E4-8C6C-09F15FDE2C28}"/>
                   </a:ext>
                 </a:extLst>
               </p:cNvPr>
@@ -9414,8 +9506,8 @@
             </p:nvSpPr>
             <p:spPr>
               <a:xfrm>
-                <a:off x="8955724" y="16424502"/>
-                <a:ext cx="4616744" cy="5297540"/>
+                <a:off x="8262998" y="14172593"/>
+                <a:ext cx="9506479" cy="3019994"/>
               </a:xfrm>
               <a:prstGeom prst="rect">
                 <a:avLst/>
@@ -9433,12 +9525,12 @@
                 <a:r>
                   <a:rPr lang="en-US" sz="2400" b="1" dirty="0">
                     <a:solidFill>
-                      <a:prstClr val="black"/>
+                      <a:srgbClr val="8B1336"/>
                     </a:solidFill>
                     <a:latin typeface="Source Sans Pro" panose="020B0503030403020204" pitchFamily="34" charset="0"/>
                     <a:ea typeface="Source Sans Pro" panose="020B0503030403020204" pitchFamily="34" charset="0"/>
                   </a:rPr>
-                  <a:t>SVR</a:t>
+                  <a:t>SVR (Support Vector Regressor):</a:t>
                 </a:r>
                 <a:r>
                   <a:rPr lang="en-US" sz="2400" dirty="0">
@@ -9448,7 +9540,7 @@
                     <a:latin typeface="Source Sans Pro" panose="020B0503030403020204" pitchFamily="34" charset="0"/>
                     <a:ea typeface="Source Sans Pro" panose="020B0503030403020204" pitchFamily="34" charset="0"/>
                   </a:rPr>
-                  <a:t> (Support Vector Regressor): We use non-linear SVR models, where the kernel transforms the data into a higher-dimensional feature space to enable linear separation. We chose a </a:t>
+                  <a:t> We use non-linear SVR models, where the kernel transforms the data into a higher-dimensional feature space to enable linear separation. We chose a </a:t>
                 </a:r>
                 <a:r>
                   <a:rPr lang="en-US" sz="2400" i="1" dirty="0">
@@ -9484,300 +9576,298 @@
                 </a:endParaRPr>
               </a:p>
               <a:p>
-                <a:pPr lvl="0" defTabSz="1097280">
+                <a:pPr lvl="0" algn="ctr" defTabSz="1097280">
                   <a:defRPr/>
                 </a:pPr>
                 <a14:m>
-                  <m:oMathPara xmlns:m="http://schemas.openxmlformats.org/officeDocument/2006/math">
-                    <m:oMathParaPr>
-                      <m:jc m:val="centerGroup"/>
-                    </m:oMathParaPr>
-                    <m:oMath xmlns:m="http://schemas.openxmlformats.org/officeDocument/2006/math">
-                      <m:r>
-                        <a:rPr lang="en-US" sz="2400" i="1">
-                          <a:solidFill>
-                            <a:prstClr val="black"/>
-                          </a:solidFill>
-                          <a:latin typeface="Cambria Math" panose="02040503050406030204" pitchFamily="18" charset="0"/>
-                          <a:ea typeface="Source Sans Pro" panose="020B0503030403020204" pitchFamily="34" charset="0"/>
-                        </a:rPr>
-                        <m:t>𝐾</m:t>
-                      </m:r>
-                      <m:d>
-                        <m:dPr>
-                          <m:ctrlPr>
-                            <a:rPr lang="en-US" sz="2400" i="1">
-                              <a:solidFill>
-                                <a:prstClr val="black"/>
-                              </a:solidFill>
-                              <a:latin typeface="Cambria Math" charset="0"/>
-                              <a:ea typeface="Source Sans Pro" panose="020B0503030403020204" pitchFamily="34" charset="0"/>
-                            </a:rPr>
-                          </m:ctrlPr>
-                        </m:dPr>
-                        <m:e>
-                          <m:r>
-                            <a:rPr lang="en-US" sz="2400" i="1">
-                              <a:solidFill>
-                                <a:prstClr val="black"/>
-                              </a:solidFill>
-                              <a:latin typeface="Cambria Math" panose="02040503050406030204" pitchFamily="18" charset="0"/>
-                              <a:ea typeface="Source Sans Pro" panose="020B0503030403020204" pitchFamily="34" charset="0"/>
-                            </a:rPr>
-                            <m:t>𝑥</m:t>
-                          </m:r>
-                          <m:r>
-                            <a:rPr lang="en-US" sz="2400" i="1">
-                              <a:solidFill>
-                                <a:prstClr val="black"/>
-                              </a:solidFill>
-                              <a:latin typeface="Cambria Math" panose="02040503050406030204" pitchFamily="18" charset="0"/>
-                              <a:ea typeface="Source Sans Pro" panose="020B0503030403020204" pitchFamily="34" charset="0"/>
-                            </a:rPr>
-                            <m:t>,</m:t>
-                          </m:r>
-                          <m:sSup>
-                            <m:sSupPr>
-                              <m:ctrlPr>
-                                <a:rPr lang="en-US" sz="2400" i="1">
-                                  <a:solidFill>
-                                    <a:prstClr val="black"/>
-                                  </a:solidFill>
-                                  <a:latin typeface="Cambria Math" charset="0"/>
-                                  <a:ea typeface="Source Sans Pro" panose="020B0503030403020204" pitchFamily="34" charset="0"/>
-                                </a:rPr>
-                              </m:ctrlPr>
-                            </m:sSupPr>
-                            <m:e>
-                              <m:r>
-                                <a:rPr lang="en-US" sz="2400" i="1">
-                                  <a:solidFill>
-                                    <a:prstClr val="black"/>
-                                  </a:solidFill>
-                                  <a:latin typeface="Cambria Math" panose="02040503050406030204" pitchFamily="18" charset="0"/>
-                                  <a:ea typeface="Source Sans Pro" panose="020B0503030403020204" pitchFamily="34" charset="0"/>
-                                </a:rPr>
-                                <m:t>𝑥</m:t>
-                              </m:r>
-                            </m:e>
-                            <m:sup>
-                              <m:r>
-                                <a:rPr lang="en-US" sz="2400" i="1">
-                                  <a:solidFill>
-                                    <a:prstClr val="black"/>
-                                  </a:solidFill>
-                                  <a:latin typeface="Cambria Math" panose="02040503050406030204" pitchFamily="18" charset="0"/>
-                                  <a:ea typeface="Source Sans Pro" panose="020B0503030403020204" pitchFamily="34" charset="0"/>
-                                </a:rPr>
-                                <m:t>′</m:t>
-                              </m:r>
-                            </m:sup>
-                          </m:sSup>
-                        </m:e>
-                      </m:d>
-                      <m:r>
-                        <a:rPr lang="en-US" sz="2400" i="1">
-                          <a:solidFill>
-                            <a:prstClr val="black"/>
-                          </a:solidFill>
-                          <a:latin typeface="Cambria Math" panose="02040503050406030204" pitchFamily="18" charset="0"/>
-                          <a:ea typeface="Source Sans Pro" panose="020B0503030403020204" pitchFamily="34" charset="0"/>
-                        </a:rPr>
-                        <m:t>=</m:t>
-                      </m:r>
-                      <m:func>
-                        <m:funcPr>
-                          <m:ctrlPr>
-                            <a:rPr lang="en-US" sz="2400" i="1">
-                              <a:solidFill>
-                                <a:prstClr val="black"/>
-                              </a:solidFill>
-                              <a:latin typeface="Cambria Math" charset="0"/>
-                              <a:ea typeface="Source Sans Pro" panose="020B0503030403020204" pitchFamily="34" charset="0"/>
-                            </a:rPr>
-                          </m:ctrlPr>
-                        </m:funcPr>
-                        <m:fName>
-                          <m:r>
-                            <m:rPr>
-                              <m:sty m:val="p"/>
-                            </m:rPr>
-                            <a:rPr lang="en-US" sz="2400">
-                              <a:solidFill>
-                                <a:prstClr val="black"/>
-                              </a:solidFill>
-                              <a:latin typeface="Cambria Math" panose="02040503050406030204" pitchFamily="18" charset="0"/>
-                              <a:ea typeface="Source Sans Pro" panose="020B0503030403020204" pitchFamily="34" charset="0"/>
-                            </a:rPr>
-                            <m:t>exp</m:t>
-                          </m:r>
-                        </m:fName>
-                        <m:e>
-                          <m:d>
-                            <m:dPr>
-                              <m:ctrlPr>
-                                <a:rPr lang="en-US" sz="2400" i="1">
-                                  <a:solidFill>
-                                    <a:prstClr val="black"/>
-                                  </a:solidFill>
-                                  <a:latin typeface="Cambria Math" charset="0"/>
-                                  <a:ea typeface="Source Sans Pro" panose="020B0503030403020204" pitchFamily="34" charset="0"/>
-                                </a:rPr>
-                              </m:ctrlPr>
-                            </m:dPr>
-                            <m:e>
-                              <m:r>
-                                <a:rPr lang="en-US" sz="2400" i="1">
-                                  <a:solidFill>
-                                    <a:prstClr val="black"/>
-                                  </a:solidFill>
-                                  <a:latin typeface="Cambria Math" panose="02040503050406030204" pitchFamily="18" charset="0"/>
-                                  <a:ea typeface="Source Sans Pro" panose="020B0503030403020204" pitchFamily="34" charset="0"/>
-                                </a:rPr>
-                                <m:t>−</m:t>
-                              </m:r>
-                              <m:r>
-                                <a:rPr lang="en-US" sz="2400" i="1">
-                                  <a:solidFill>
-                                    <a:prstClr val="black"/>
-                                  </a:solidFill>
-                                  <a:latin typeface="Cambria Math" panose="02040503050406030204" pitchFamily="18" charset="0"/>
-                                  <a:ea typeface="Source Sans Pro" panose="020B0503030403020204" pitchFamily="34" charset="0"/>
-                                </a:rPr>
-                                <m:t>𝛾</m:t>
-                              </m:r>
-                              <m:sSup>
-                                <m:sSupPr>
-                                  <m:ctrlPr>
-                                    <a:rPr lang="en-US" sz="2400" i="1">
-                                      <a:solidFill>
-                                        <a:prstClr val="black"/>
-                                      </a:solidFill>
-                                      <a:latin typeface="Cambria Math" charset="0"/>
-                                      <a:ea typeface="Source Sans Pro" panose="020B0503030403020204" pitchFamily="34" charset="0"/>
-                                    </a:rPr>
-                                  </m:ctrlPr>
-                                </m:sSupPr>
-                                <m:e>
-                                  <m:d>
-                                    <m:dPr>
-                                      <m:begChr m:val="|"/>
-                                      <m:endChr m:val="|"/>
-                                      <m:ctrlPr>
-                                        <a:rPr lang="en-US" sz="2400" i="1">
-                                          <a:solidFill>
-                                            <a:prstClr val="black"/>
-                                          </a:solidFill>
-                                          <a:latin typeface="Cambria Math" charset="0"/>
-                                          <a:ea typeface="Source Sans Pro" panose="020B0503030403020204" pitchFamily="34" charset="0"/>
-                                        </a:rPr>
-                                      </m:ctrlPr>
-                                    </m:dPr>
-                                    <m:e>
-                                      <m:d>
-                                        <m:dPr>
-                                          <m:begChr m:val="|"/>
-                                          <m:endChr m:val="|"/>
-                                          <m:ctrlPr>
-                                            <a:rPr lang="en-US" sz="2400" i="1">
-                                              <a:solidFill>
-                                                <a:prstClr val="black"/>
-                                              </a:solidFill>
-                                              <a:latin typeface="Cambria Math" charset="0"/>
-                                              <a:ea typeface="Source Sans Pro" panose="020B0503030403020204" pitchFamily="34" charset="0"/>
-                                            </a:rPr>
-                                          </m:ctrlPr>
-                                        </m:dPr>
-                                        <m:e>
-                                          <m:r>
-                                            <a:rPr lang="en-US" sz="2400" i="1">
-                                              <a:solidFill>
-                                                <a:prstClr val="black"/>
-                                              </a:solidFill>
-                                              <a:latin typeface="Cambria Math" panose="02040503050406030204" pitchFamily="18" charset="0"/>
-                                              <a:ea typeface="Source Sans Pro" panose="020B0503030403020204" pitchFamily="34" charset="0"/>
-                                            </a:rPr>
-                                            <m:t>𝑥</m:t>
-                                          </m:r>
-                                          <m:r>
-                                            <a:rPr lang="en-US" sz="2400" i="1">
-                                              <a:solidFill>
-                                                <a:prstClr val="black"/>
-                                              </a:solidFill>
-                                              <a:latin typeface="Cambria Math" panose="02040503050406030204" pitchFamily="18" charset="0"/>
-                                              <a:ea typeface="Source Sans Pro" panose="020B0503030403020204" pitchFamily="34" charset="0"/>
-                                            </a:rPr>
-                                            <m:t>−</m:t>
-                                          </m:r>
-                                          <m:sSup>
-                                            <m:sSupPr>
-                                              <m:ctrlPr>
-                                                <a:rPr lang="en-US" sz="2400" i="1">
-                                                  <a:solidFill>
-                                                    <a:prstClr val="black"/>
-                                                  </a:solidFill>
-                                                  <a:latin typeface="Cambria Math" charset="0"/>
-                                                  <a:ea typeface="Source Sans Pro" panose="020B0503030403020204" pitchFamily="34" charset="0"/>
-                                                </a:rPr>
-                                              </m:ctrlPr>
-                                            </m:sSupPr>
-                                            <m:e>
-                                              <m:r>
-                                                <a:rPr lang="en-US" sz="2400" i="1">
-                                                  <a:solidFill>
-                                                    <a:prstClr val="black"/>
-                                                  </a:solidFill>
-                                                  <a:latin typeface="Cambria Math" panose="02040503050406030204" pitchFamily="18" charset="0"/>
-                                                  <a:ea typeface="Source Sans Pro" panose="020B0503030403020204" pitchFamily="34" charset="0"/>
-                                                </a:rPr>
-                                                <m:t>𝑥</m:t>
-                                              </m:r>
-                                            </m:e>
-                                            <m:sup>
-                                              <m:r>
-                                                <a:rPr lang="en-US" sz="2400" i="1">
-                                                  <a:solidFill>
-                                                    <a:prstClr val="black"/>
-                                                  </a:solidFill>
-                                                  <a:latin typeface="Cambria Math" panose="02040503050406030204" pitchFamily="18" charset="0"/>
-                                                  <a:ea typeface="Source Sans Pro" panose="020B0503030403020204" pitchFamily="34" charset="0"/>
-                                                </a:rPr>
-                                                <m:t>′</m:t>
-                                              </m:r>
-                                            </m:sup>
-                                          </m:sSup>
-                                        </m:e>
-                                      </m:d>
-                                    </m:e>
-                                  </m:d>
-                                </m:e>
-                                <m:sup>
-                                  <m:r>
-                                    <a:rPr lang="en-US" sz="2400" i="1">
-                                      <a:solidFill>
-                                        <a:prstClr val="black"/>
-                                      </a:solidFill>
-                                      <a:latin typeface="Cambria Math" panose="02040503050406030204" pitchFamily="18" charset="0"/>
-                                      <a:ea typeface="Source Sans Pro" panose="020B0503030403020204" pitchFamily="34" charset="0"/>
-                                    </a:rPr>
-                                    <m:t>2</m:t>
-                                  </m:r>
-                                </m:sup>
-                              </m:sSup>
-                            </m:e>
-                          </m:d>
-                        </m:e>
-                      </m:func>
-                    </m:oMath>
-                  </m:oMathPara>
+                  <m:oMath xmlns:m="http://schemas.openxmlformats.org/officeDocument/2006/math">
+                    <m:r>
+                      <a:rPr lang="en-US" sz="2400" i="1">
+                        <a:solidFill>
+                          <a:prstClr val="black"/>
+                        </a:solidFill>
+                        <a:latin typeface="Cambria Math" panose="02040503050406030204" pitchFamily="18" charset="0"/>
+                        <a:ea typeface="Source Sans Pro" panose="020B0503030403020204" pitchFamily="34" charset="0"/>
+                      </a:rPr>
+                      <m:t>𝐾</m:t>
+                    </m:r>
+                    <m:d>
+                      <m:dPr>
+                        <m:ctrlPr>
+                          <a:rPr lang="en-US" sz="2400" i="1">
+                            <a:solidFill>
+                              <a:prstClr val="black"/>
+                            </a:solidFill>
+                            <a:latin typeface="Cambria Math" panose="02040503050406030204" pitchFamily="18" charset="0"/>
+                            <a:ea typeface="Source Sans Pro" panose="020B0503030403020204" pitchFamily="34" charset="0"/>
+                          </a:rPr>
+                        </m:ctrlPr>
+                      </m:dPr>
+                      <m:e>
+                        <m:r>
+                          <a:rPr lang="en-US" sz="2400" i="1">
+                            <a:solidFill>
+                              <a:prstClr val="black"/>
+                            </a:solidFill>
+                            <a:latin typeface="Cambria Math" panose="02040503050406030204" pitchFamily="18" charset="0"/>
+                            <a:ea typeface="Source Sans Pro" panose="020B0503030403020204" pitchFamily="34" charset="0"/>
+                          </a:rPr>
+                          <m:t>𝑥</m:t>
+                        </m:r>
+                        <m:r>
+                          <a:rPr lang="en-US" sz="2400" i="1">
+                            <a:solidFill>
+                              <a:prstClr val="black"/>
+                            </a:solidFill>
+                            <a:latin typeface="Cambria Math" panose="02040503050406030204" pitchFamily="18" charset="0"/>
+                            <a:ea typeface="Source Sans Pro" panose="020B0503030403020204" pitchFamily="34" charset="0"/>
+                          </a:rPr>
+                          <m:t>,</m:t>
+                        </m:r>
+                        <m:sSup>
+                          <m:sSupPr>
+                            <m:ctrlPr>
+                              <a:rPr lang="en-US" sz="2400" i="1">
+                                <a:solidFill>
+                                  <a:prstClr val="black"/>
+                                </a:solidFill>
+                                <a:latin typeface="Cambria Math" panose="02040503050406030204" pitchFamily="18" charset="0"/>
+                                <a:ea typeface="Source Sans Pro" panose="020B0503030403020204" pitchFamily="34" charset="0"/>
+                              </a:rPr>
+                            </m:ctrlPr>
+                          </m:sSupPr>
+                          <m:e>
+                            <m:r>
+                              <a:rPr lang="en-US" sz="2400" i="1">
+                                <a:solidFill>
+                                  <a:prstClr val="black"/>
+                                </a:solidFill>
+                                <a:latin typeface="Cambria Math" panose="02040503050406030204" pitchFamily="18" charset="0"/>
+                                <a:ea typeface="Source Sans Pro" panose="020B0503030403020204" pitchFamily="34" charset="0"/>
+                              </a:rPr>
+                              <m:t>𝑥</m:t>
+                            </m:r>
+                          </m:e>
+                          <m:sup>
+                            <m:r>
+                              <a:rPr lang="en-US" sz="2400" i="1">
+                                <a:solidFill>
+                                  <a:prstClr val="black"/>
+                                </a:solidFill>
+                                <a:latin typeface="Cambria Math" panose="02040503050406030204" pitchFamily="18" charset="0"/>
+                                <a:ea typeface="Source Sans Pro" panose="020B0503030403020204" pitchFamily="34" charset="0"/>
+                              </a:rPr>
+                              <m:t>′</m:t>
+                            </m:r>
+                          </m:sup>
+                        </m:sSup>
+                      </m:e>
+                    </m:d>
+                    <m:r>
+                      <a:rPr lang="en-US" sz="2400" i="1">
+                        <a:solidFill>
+                          <a:prstClr val="black"/>
+                        </a:solidFill>
+                        <a:latin typeface="Cambria Math" panose="02040503050406030204" pitchFamily="18" charset="0"/>
+                        <a:ea typeface="Source Sans Pro" panose="020B0503030403020204" pitchFamily="34" charset="0"/>
+                      </a:rPr>
+                      <m:t>=</m:t>
+                    </m:r>
+                    <m:func>
+                      <m:funcPr>
+                        <m:ctrlPr>
+                          <a:rPr lang="en-US" sz="2400" i="1">
+                            <a:solidFill>
+                              <a:prstClr val="black"/>
+                            </a:solidFill>
+                            <a:latin typeface="Cambria Math" panose="02040503050406030204" pitchFamily="18" charset="0"/>
+                            <a:ea typeface="Source Sans Pro" panose="020B0503030403020204" pitchFamily="34" charset="0"/>
+                          </a:rPr>
+                        </m:ctrlPr>
+                      </m:funcPr>
+                      <m:fName>
+                        <m:r>
+                          <m:rPr>
+                            <m:sty m:val="p"/>
+                          </m:rPr>
+                          <a:rPr lang="en-US" sz="2400">
+                            <a:solidFill>
+                              <a:prstClr val="black"/>
+                            </a:solidFill>
+                            <a:latin typeface="Cambria Math" panose="02040503050406030204" pitchFamily="18" charset="0"/>
+                            <a:ea typeface="Source Sans Pro" panose="020B0503030403020204" pitchFamily="34" charset="0"/>
+                          </a:rPr>
+                          <m:t>exp</m:t>
+                        </m:r>
+                      </m:fName>
+                      <m:e>
+                        <m:d>
+                          <m:dPr>
+                            <m:ctrlPr>
+                              <a:rPr lang="en-US" sz="2400" i="1">
+                                <a:solidFill>
+                                  <a:prstClr val="black"/>
+                                </a:solidFill>
+                                <a:latin typeface="Cambria Math" panose="02040503050406030204" pitchFamily="18" charset="0"/>
+                                <a:ea typeface="Source Sans Pro" panose="020B0503030403020204" pitchFamily="34" charset="0"/>
+                              </a:rPr>
+                            </m:ctrlPr>
+                          </m:dPr>
+                          <m:e>
+                            <m:r>
+                              <a:rPr lang="en-US" sz="2400" i="1">
+                                <a:solidFill>
+                                  <a:prstClr val="black"/>
+                                </a:solidFill>
+                                <a:latin typeface="Cambria Math" panose="02040503050406030204" pitchFamily="18" charset="0"/>
+                                <a:ea typeface="Source Sans Pro" panose="020B0503030403020204" pitchFamily="34" charset="0"/>
+                              </a:rPr>
+                              <m:t>−</m:t>
+                            </m:r>
+                            <m:r>
+                              <a:rPr lang="en-US" sz="2400" i="1">
+                                <a:solidFill>
+                                  <a:prstClr val="black"/>
+                                </a:solidFill>
+                                <a:latin typeface="Cambria Math" panose="02040503050406030204" pitchFamily="18" charset="0"/>
+                                <a:ea typeface="Source Sans Pro" panose="020B0503030403020204" pitchFamily="34" charset="0"/>
+                              </a:rPr>
+                              <m:t>𝛾</m:t>
+                            </m:r>
+                            <m:sSup>
+                              <m:sSupPr>
+                                <m:ctrlPr>
+                                  <a:rPr lang="en-US" sz="2400" i="1">
+                                    <a:solidFill>
+                                      <a:prstClr val="black"/>
+                                    </a:solidFill>
+                                    <a:latin typeface="Cambria Math" panose="02040503050406030204" pitchFamily="18" charset="0"/>
+                                    <a:ea typeface="Source Sans Pro" panose="020B0503030403020204" pitchFamily="34" charset="0"/>
+                                  </a:rPr>
+                                </m:ctrlPr>
+                              </m:sSupPr>
+                              <m:e>
+                                <m:d>
+                                  <m:dPr>
+                                    <m:begChr m:val="|"/>
+                                    <m:endChr m:val="|"/>
+                                    <m:ctrlPr>
+                                      <a:rPr lang="en-US" sz="2400" i="1">
+                                        <a:solidFill>
+                                          <a:prstClr val="black"/>
+                                        </a:solidFill>
+                                        <a:latin typeface="Cambria Math" panose="02040503050406030204" pitchFamily="18" charset="0"/>
+                                        <a:ea typeface="Source Sans Pro" panose="020B0503030403020204" pitchFamily="34" charset="0"/>
+                                      </a:rPr>
+                                    </m:ctrlPr>
+                                  </m:dPr>
+                                  <m:e>
+                                    <m:d>
+                                      <m:dPr>
+                                        <m:begChr m:val="|"/>
+                                        <m:endChr m:val="|"/>
+                                        <m:ctrlPr>
+                                          <a:rPr lang="en-US" sz="2400" i="1">
+                                            <a:solidFill>
+                                              <a:prstClr val="black"/>
+                                            </a:solidFill>
+                                            <a:latin typeface="Cambria Math" panose="02040503050406030204" pitchFamily="18" charset="0"/>
+                                            <a:ea typeface="Source Sans Pro" panose="020B0503030403020204" pitchFamily="34" charset="0"/>
+                                          </a:rPr>
+                                        </m:ctrlPr>
+                                      </m:dPr>
+                                      <m:e>
+                                        <m:r>
+                                          <a:rPr lang="en-US" sz="2400" i="1">
+                                            <a:solidFill>
+                                              <a:prstClr val="black"/>
+                                            </a:solidFill>
+                                            <a:latin typeface="Cambria Math" panose="02040503050406030204" pitchFamily="18" charset="0"/>
+                                            <a:ea typeface="Source Sans Pro" panose="020B0503030403020204" pitchFamily="34" charset="0"/>
+                                          </a:rPr>
+                                          <m:t>𝑥</m:t>
+                                        </m:r>
+                                        <m:r>
+                                          <a:rPr lang="en-US" sz="2400" i="1">
+                                            <a:solidFill>
+                                              <a:prstClr val="black"/>
+                                            </a:solidFill>
+                                            <a:latin typeface="Cambria Math" panose="02040503050406030204" pitchFamily="18" charset="0"/>
+                                            <a:ea typeface="Source Sans Pro" panose="020B0503030403020204" pitchFamily="34" charset="0"/>
+                                          </a:rPr>
+                                          <m:t>−</m:t>
+                                        </m:r>
+                                        <m:sSup>
+                                          <m:sSupPr>
+                                            <m:ctrlPr>
+                                              <a:rPr lang="en-US" sz="2400" i="1">
+                                                <a:solidFill>
+                                                  <a:prstClr val="black"/>
+                                                </a:solidFill>
+                                                <a:latin typeface="Cambria Math" panose="02040503050406030204" pitchFamily="18" charset="0"/>
+                                                <a:ea typeface="Source Sans Pro" panose="020B0503030403020204" pitchFamily="34" charset="0"/>
+                                              </a:rPr>
+                                            </m:ctrlPr>
+                                          </m:sSupPr>
+                                          <m:e>
+                                            <m:r>
+                                              <a:rPr lang="en-US" sz="2400" i="1">
+                                                <a:solidFill>
+                                                  <a:prstClr val="black"/>
+                                                </a:solidFill>
+                                                <a:latin typeface="Cambria Math" panose="02040503050406030204" pitchFamily="18" charset="0"/>
+                                                <a:ea typeface="Source Sans Pro" panose="020B0503030403020204" pitchFamily="34" charset="0"/>
+                                              </a:rPr>
+                                              <m:t>𝑥</m:t>
+                                            </m:r>
+                                          </m:e>
+                                          <m:sup>
+                                            <m:r>
+                                              <a:rPr lang="en-US" sz="2400" i="1">
+                                                <a:solidFill>
+                                                  <a:prstClr val="black"/>
+                                                </a:solidFill>
+                                                <a:latin typeface="Cambria Math" panose="02040503050406030204" pitchFamily="18" charset="0"/>
+                                                <a:ea typeface="Source Sans Pro" panose="020B0503030403020204" pitchFamily="34" charset="0"/>
+                                              </a:rPr>
+                                              <m:t>′</m:t>
+                                            </m:r>
+                                          </m:sup>
+                                        </m:sSup>
+                                      </m:e>
+                                    </m:d>
+                                  </m:e>
+                                </m:d>
+                              </m:e>
+                              <m:sup>
+                                <m:r>
+                                  <a:rPr lang="en-US" sz="2400" i="1">
+                                    <a:solidFill>
+                                      <a:prstClr val="black"/>
+                                    </a:solidFill>
+                                    <a:latin typeface="Cambria Math" panose="02040503050406030204" pitchFamily="18" charset="0"/>
+                                    <a:ea typeface="Source Sans Pro" panose="020B0503030403020204" pitchFamily="34" charset="0"/>
+                                  </a:rPr>
+                                  <m:t>2</m:t>
+                                </m:r>
+                              </m:sup>
+                            </m:sSup>
+                          </m:e>
+                        </m:d>
+                      </m:e>
+                    </m:func>
+                  </m:oMath>
                 </a14:m>
-                <a:endParaRPr lang="en-US" sz="2400" dirty="0">
-                  <a:solidFill>
-                    <a:prstClr val="black"/>
-                  </a:solidFill>
-                  <a:latin typeface="Source Sans Pro" panose="020B0503030403020204" pitchFamily="34" charset="0"/>
-                  <a:ea typeface="Source Sans Pro" panose="020B0503030403020204" pitchFamily="34" charset="0"/>
-                </a:endParaRPr>
+                <a:r>
+                  <a:rPr lang="en-US" sz="2400" dirty="0">
+                    <a:solidFill>
+                      <a:prstClr val="black"/>
+                    </a:solidFill>
+                    <a:latin typeface="Source Sans Pro" panose="020B0503030403020204" pitchFamily="34" charset="0"/>
+                    <a:ea typeface="Source Sans Pro" panose="020B0503030403020204" pitchFamily="34" charset="0"/>
+                  </a:rPr>
+                  <a:t>                (1)</a:t>
+                </a:r>
               </a:p>
               <a:p>
                 <a:pPr lvl="0" defTabSz="1097280">
@@ -9839,7 +9929,7 @@
               <p:cNvPr id="37" name="Rectangle 36">
                 <a:extLst>
                   <a:ext uri="{FF2B5EF4-FFF2-40B4-BE49-F238E27FC236}">
-                    <a16:creationId xmlns:a16="http://schemas.microsoft.com/office/drawing/2014/main" xmlns:a14="http://schemas.microsoft.com/office/drawing/2010/main" xmlns="" id="{DAB3F643-9799-42E4-8C6C-09F15FDE2C28}"/>
+                    <a16:creationId xmlns:a16="http://schemas.microsoft.com/office/drawing/2014/main" id="{DAB3F643-9799-42E4-8C6C-09F15FDE2C28}"/>
                   </a:ext>
                 </a:extLst>
               </p:cNvPr>
@@ -9850,16 +9940,16 @@
             </p:nvSpPr>
             <p:spPr>
               <a:xfrm>
-                <a:off x="8955724" y="16424502"/>
-                <a:ext cx="4616744" cy="5297540"/>
+                <a:off x="8262998" y="14172593"/>
+                <a:ext cx="9506479" cy="3019994"/>
               </a:xfrm>
               <a:prstGeom prst="rect">
                 <a:avLst/>
               </a:prstGeom>
-              <a:blipFill rotWithShape="0">
+              <a:blipFill>
                 <a:blip r:embed="rId13"/>
                 <a:stretch>
-                  <a:fillRect l="-1982" t="-921" r="-1321" b="-575"/>
+                  <a:fillRect l="-962" t="-1616" r="-705" b="-3838"/>
                 </a:stretch>
               </a:blipFill>
             </p:spPr>
@@ -9885,7 +9975,7 @@
               <p:cNvPr id="54" name="Rectangle 53">
                 <a:extLst>
                   <a:ext uri="{FF2B5EF4-FFF2-40B4-BE49-F238E27FC236}">
-                    <a16:creationId xmlns:a16="http://schemas.microsoft.com/office/drawing/2014/main" xmlns="" id="{0B2DCA4B-DD22-4233-8794-9802978DE237}"/>
+                    <a16:creationId xmlns:a16="http://schemas.microsoft.com/office/drawing/2014/main" id="{0B2DCA4B-DD22-4233-8794-9802978DE237}"/>
                   </a:ext>
                 </a:extLst>
               </p:cNvPr>
@@ -9894,8 +9984,8 @@
             </p:nvSpPr>
             <p:spPr>
               <a:xfrm>
-                <a:off x="13969956" y="20879540"/>
-                <a:ext cx="3923371" cy="646331"/>
+                <a:off x="13745292" y="12392231"/>
+                <a:ext cx="3923371" cy="923330"/>
               </a:xfrm>
               <a:prstGeom prst="rect">
                 <a:avLst/>
@@ -9913,7 +10003,7 @@
                     <a:latin typeface="Source Sans Pro" panose="020B0503030403020204" pitchFamily="34" charset="0"/>
                     <a:ea typeface="Source Sans Pro" panose="020B0503030403020204" pitchFamily="34" charset="0"/>
                   </a:rPr>
-                  <a:t>Figure 3. Support Vector Regressor grid search over gamma (</a:t>
+                  <a:t>Figure 3. Support Vector Regressor hyperparameter grid search over gamma (</a:t>
                 </a:r>
                 <a14:m>
                   <m:oMath xmlns:m="http://schemas.openxmlformats.org/officeDocument/2006/math">
@@ -9947,7 +10037,7 @@
               <p:cNvPr id="54" name="Rectangle 53">
                 <a:extLst>
                   <a:ext uri="{FF2B5EF4-FFF2-40B4-BE49-F238E27FC236}">
-                    <a16:creationId xmlns:a16="http://schemas.microsoft.com/office/drawing/2014/main" xmlns:a14="http://schemas.microsoft.com/office/drawing/2010/main" xmlns="" id="{0B2DCA4B-DD22-4233-8794-9802978DE237}"/>
+                    <a16:creationId xmlns:a16="http://schemas.microsoft.com/office/drawing/2014/main" id="{0B2DCA4B-DD22-4233-8794-9802978DE237}"/>
                   </a:ext>
                 </a:extLst>
               </p:cNvPr>
@@ -9958,16 +10048,16 @@
             </p:nvSpPr>
             <p:spPr>
               <a:xfrm>
-                <a:off x="13969956" y="20879540"/>
-                <a:ext cx="3923371" cy="646331"/>
+                <a:off x="13745292" y="12392231"/>
+                <a:ext cx="3923371" cy="923330"/>
               </a:xfrm>
               <a:prstGeom prst="rect">
                 <a:avLst/>
               </a:prstGeom>
-              <a:blipFill rotWithShape="0">
+              <a:blipFill>
                 <a:blip r:embed="rId14"/>
                 <a:stretch>
-                  <a:fillRect l="-1244" t="-4717" r="-2177" b="-14151"/>
+                  <a:fillRect t="-3974" b="-9934"/>
                 </a:stretch>
               </a:blipFill>
             </p:spPr>
@@ -9991,7 +10081,7 @@
           <p:cNvPr id="1028" name="Picture 4">
             <a:extLst>
               <a:ext uri="{FF2B5EF4-FFF2-40B4-BE49-F238E27FC236}">
-                <a16:creationId xmlns:a16="http://schemas.microsoft.com/office/drawing/2014/main" xmlns="" id="{A64BF70C-B781-4B57-87F5-31376A0A67D4}"/>
+                <a16:creationId xmlns:a16="http://schemas.microsoft.com/office/drawing/2014/main" id="{A64BF70C-B781-4B57-87F5-31376A0A67D4}"/>
               </a:ext>
             </a:extLst>
           </p:cNvPr>
@@ -10025,8 +10115,8 @@
         </p:blipFill>
         <p:spPr bwMode="auto">
           <a:xfrm>
-            <a:off x="27337397" y="6678438"/>
-            <a:ext cx="4623616" cy="2013003"/>
+            <a:off x="27503005" y="4004607"/>
+            <a:ext cx="4997947" cy="2175977"/>
           </a:xfrm>
           <a:prstGeom prst="rect">
             <a:avLst/>
@@ -10048,7 +10138,7 @@
           <p:cNvPr id="58" name="Rectangle 57">
             <a:extLst>
               <a:ext uri="{FF2B5EF4-FFF2-40B4-BE49-F238E27FC236}">
-                <a16:creationId xmlns:a16="http://schemas.microsoft.com/office/drawing/2014/main" xmlns="" id="{5BA3F97D-2C32-408B-AA79-325E17EAC0EB}"/>
+                <a16:creationId xmlns:a16="http://schemas.microsoft.com/office/drawing/2014/main" id="{5BA3F97D-2C32-408B-AA79-325E17EAC0EB}"/>
               </a:ext>
             </a:extLst>
           </p:cNvPr>
@@ -10057,8 +10147,8 @@
         </p:nvSpPr>
         <p:spPr>
           <a:xfrm>
-            <a:off x="27423534" y="8605125"/>
-            <a:ext cx="4732467" cy="923330"/>
+            <a:off x="27314783" y="6034334"/>
+            <a:ext cx="5374389" cy="646331"/>
           </a:xfrm>
           <a:prstGeom prst="rect">
             <a:avLst/>
@@ -10090,21 +10180,7 @@
                 <a:latin typeface="Source Sans Pro" panose="020B0503030403020204" pitchFamily="34" charset="0"/>
                 <a:ea typeface="Source Sans Pro" panose="020B0503030403020204" pitchFamily="34" charset="0"/>
               </a:rPr>
-              <a:t> </a:t>
-            </a:r>
-            <a:r>
-              <a:rPr lang="en-US" dirty="0" smtClean="0">
-                <a:latin typeface="Source Sans Pro" panose="020B0503030403020204" pitchFamily="34" charset="0"/>
-                <a:ea typeface="Source Sans Pro" panose="020B0503030403020204" pitchFamily="34" charset="0"/>
-              </a:rPr>
-              <a:t>KNN is from </a:t>
-            </a:r>
-            <a:r>
-              <a:rPr lang="en-US" dirty="0">
-                <a:latin typeface="Source Sans Pro" panose="020B0503030403020204" pitchFamily="34" charset="0"/>
-                <a:ea typeface="Source Sans Pro" panose="020B0503030403020204" pitchFamily="34" charset="0"/>
-              </a:rPr>
-              <a:t>[3].</a:t>
+              <a:t> KNN is from [3].</a:t>
             </a:r>
             <a:endParaRPr lang="en-US" baseline="30000" dirty="0"/>
           </a:p>
@@ -10115,7 +10191,7 @@
           <p:cNvPr id="1030" name="Picture 6">
             <a:extLst>
               <a:ext uri="{FF2B5EF4-FFF2-40B4-BE49-F238E27FC236}">
-                <a16:creationId xmlns:a16="http://schemas.microsoft.com/office/drawing/2014/main" xmlns="" id="{9786F794-8153-46CD-BEEB-BEAF3E27AE10}"/>
+                <a16:creationId xmlns:a16="http://schemas.microsoft.com/office/drawing/2014/main" id="{9786F794-8153-46CD-BEEB-BEAF3E27AE10}"/>
               </a:ext>
             </a:extLst>
           </p:cNvPr>
@@ -10149,8 +10225,8 @@
         </p:blipFill>
         <p:spPr bwMode="auto">
           <a:xfrm>
-            <a:off x="26667188" y="10096464"/>
-            <a:ext cx="6093837" cy="4150450"/>
+            <a:off x="25977356" y="9799052"/>
+            <a:ext cx="6941044" cy="4798318"/>
           </a:xfrm>
           <a:prstGeom prst="rect">
             <a:avLst/>
@@ -10172,7 +10248,7 @@
           <p:cNvPr id="62" name="Rectangle 61">
             <a:extLst>
               <a:ext uri="{FF2B5EF4-FFF2-40B4-BE49-F238E27FC236}">
-                <a16:creationId xmlns:a16="http://schemas.microsoft.com/office/drawing/2014/main" xmlns="" id="{29B527E2-62D2-4C5E-839F-752CCF67ED54}"/>
+                <a16:creationId xmlns:a16="http://schemas.microsoft.com/office/drawing/2014/main" id="{29B527E2-62D2-4C5E-839F-752CCF67ED54}"/>
               </a:ext>
             </a:extLst>
           </p:cNvPr>
@@ -10181,8 +10257,8 @@
         </p:nvSpPr>
         <p:spPr>
           <a:xfrm>
-            <a:off x="26803657" y="14246915"/>
-            <a:ext cx="5635404" cy="923330"/>
+            <a:off x="26351842" y="14593279"/>
+            <a:ext cx="6116789" cy="646331"/>
           </a:xfrm>
           <a:prstGeom prst="rect">
             <a:avLst/>
@@ -10211,7 +10287,7 @@
           <p:cNvPr id="39" name="Rectangle 38">
             <a:extLst>
               <a:ext uri="{FF2B5EF4-FFF2-40B4-BE49-F238E27FC236}">
-                <a16:creationId xmlns:a16="http://schemas.microsoft.com/office/drawing/2014/main" xmlns="" id="{CC25D0E6-1318-4D02-B819-70CAD8BBC784}"/>
+                <a16:creationId xmlns:a16="http://schemas.microsoft.com/office/drawing/2014/main" id="{CC25D0E6-1318-4D02-B819-70CAD8BBC784}"/>
               </a:ext>
             </a:extLst>
           </p:cNvPr>
@@ -10220,8 +10296,8 @@
         </p:nvSpPr>
         <p:spPr>
           <a:xfrm>
-            <a:off x="18903861" y="10115691"/>
-            <a:ext cx="7522297" cy="3170099"/>
+            <a:off x="18093090" y="11319305"/>
+            <a:ext cx="8005983" cy="2862322"/>
           </a:xfrm>
           <a:prstGeom prst="rect">
             <a:avLst/>
@@ -10241,7 +10317,7 @@
                 <a:latin typeface="Source Sans Pro" panose="020B0503030403020204" pitchFamily="34" charset="0"/>
                 <a:ea typeface="Source Sans Pro" panose="020B0503030403020204" pitchFamily="34" charset="0"/>
               </a:rPr>
-              <a:t>Using the induced dataset, we investigated how well models could predict semantic attributes given a typeface. We tested two baseline models:</a:t>
+              <a:t>With the best dataset, we investigate how well models can predict semantic attributes given a typeface. We test two baseline models:</a:t>
             </a:r>
             <a:endParaRPr lang="en-US" sz="2000" dirty="0">
               <a:latin typeface="Source Sans Pro" panose="020B0503030403020204" pitchFamily="34" charset="0"/>
@@ -10261,45 +10337,8 @@
                 <a:latin typeface="Source Sans Pro" panose="020B0503030403020204" pitchFamily="34" charset="0"/>
                 <a:ea typeface="Source Sans Pro" panose="020B0503030403020204" pitchFamily="34" charset="0"/>
               </a:rPr>
-              <a:t>1-step </a:t>
+              <a:t>1-step LR:  Linear regression model with rasterized image input of a collection of visually distinct glyphs à la Figure 1 (Figure 5a)</a:t>
             </a:r>
-            <a:r>
-              <a:rPr lang="en-US" sz="2000" dirty="0" smtClean="0">
-                <a:solidFill>
-                  <a:srgbClr val="000000"/>
-                </a:solidFill>
-                <a:latin typeface="Source Sans Pro" panose="020B0503030403020204" pitchFamily="34" charset="0"/>
-                <a:ea typeface="Source Sans Pro" panose="020B0503030403020204" pitchFamily="34" charset="0"/>
-              </a:rPr>
-              <a:t>LR:</a:t>
-            </a:r>
-            <a:r>
-              <a:rPr lang="en-US" sz="2000" dirty="0">
-                <a:solidFill>
-                  <a:srgbClr val="000000"/>
-                </a:solidFill>
-                <a:latin typeface="Source Sans Pro" panose="020B0503030403020204" pitchFamily="34" charset="0"/>
-                <a:ea typeface="Source Sans Pro" panose="020B0503030403020204" pitchFamily="34" charset="0"/>
-              </a:rPr>
-              <a:t>  Linear regression model with rasterized image input of a collection of visually distinct </a:t>
-            </a:r>
-            <a:r>
-              <a:rPr lang="en-US" sz="2000" dirty="0" smtClean="0">
-                <a:solidFill>
-                  <a:srgbClr val="000000"/>
-                </a:solidFill>
-                <a:latin typeface="Source Sans Pro" panose="020B0503030403020204" pitchFamily="34" charset="0"/>
-                <a:ea typeface="Source Sans Pro" panose="020B0503030403020204" pitchFamily="34" charset="0"/>
-              </a:rPr>
-              <a:t>glyphs (Figure 5a)</a:t>
-            </a:r>
-            <a:endParaRPr lang="en-US" sz="2000" dirty="0">
-              <a:solidFill>
-                <a:srgbClr val="000000"/>
-              </a:solidFill>
-              <a:latin typeface="Source Sans Pro" panose="020B0503030403020204" pitchFamily="34" charset="0"/>
-              <a:ea typeface="Source Sans Pro" panose="020B0503030403020204" pitchFamily="34" charset="0"/>
-            </a:endParaRPr>
           </a:p>
           <a:p>
             <a:pPr marL="228600" lvl="2" indent="-228600" fontAlgn="base">
@@ -10314,85 +10353,8 @@
                 <a:latin typeface="Source Sans Pro" panose="020B0503030403020204" pitchFamily="34" charset="0"/>
                 <a:ea typeface="Source Sans Pro" panose="020B0503030403020204" pitchFamily="34" charset="0"/>
               </a:rPr>
-              <a:t>2-step LR </a:t>
+              <a:t>2-step LR (**):  Predict typographic attribute vector from rasterized image input with linear regression; then predict semantic attributes using linear regression (Figure 5b)</a:t>
             </a:r>
-            <a:r>
-              <a:rPr lang="en-US" sz="2000" dirty="0" smtClean="0">
-                <a:solidFill>
-                  <a:srgbClr val="000000"/>
-                </a:solidFill>
-                <a:latin typeface="Source Sans Pro" panose="020B0503030403020204" pitchFamily="34" charset="0"/>
-                <a:ea typeface="Source Sans Pro" panose="020B0503030403020204" pitchFamily="34" charset="0"/>
-              </a:rPr>
-              <a:t>(**):</a:t>
-            </a:r>
-            <a:r>
-              <a:rPr lang="en-US" sz="2000" dirty="0">
-                <a:solidFill>
-                  <a:srgbClr val="000000"/>
-                </a:solidFill>
-                <a:latin typeface="Source Sans Pro" panose="020B0503030403020204" pitchFamily="34" charset="0"/>
-                <a:ea typeface="Source Sans Pro" panose="020B0503030403020204" pitchFamily="34" charset="0"/>
-              </a:rPr>
-              <a:t>  Sequentially predict typographic attribute vector from rasterized image </a:t>
-            </a:r>
-            <a:r>
-              <a:rPr lang="en-US" sz="2000" dirty="0" smtClean="0">
-                <a:solidFill>
-                  <a:srgbClr val="000000"/>
-                </a:solidFill>
-                <a:latin typeface="Source Sans Pro" panose="020B0503030403020204" pitchFamily="34" charset="0"/>
-                <a:ea typeface="Source Sans Pro" panose="020B0503030403020204" pitchFamily="34" charset="0"/>
-              </a:rPr>
-              <a:t>input with </a:t>
-            </a:r>
-            <a:r>
-              <a:rPr lang="en-US" sz="2000" dirty="0">
-                <a:solidFill>
-                  <a:srgbClr val="000000"/>
-                </a:solidFill>
-                <a:latin typeface="Source Sans Pro" panose="020B0503030403020204" pitchFamily="34" charset="0"/>
-                <a:ea typeface="Source Sans Pro" panose="020B0503030403020204" pitchFamily="34" charset="0"/>
-              </a:rPr>
-              <a:t>linear regression, and </a:t>
-            </a:r>
-            <a:r>
-              <a:rPr lang="en-US" sz="2000" dirty="0" smtClean="0">
-                <a:solidFill>
-                  <a:srgbClr val="000000"/>
-                </a:solidFill>
-                <a:latin typeface="Source Sans Pro" panose="020B0503030403020204" pitchFamily="34" charset="0"/>
-                <a:ea typeface="Source Sans Pro" panose="020B0503030403020204" pitchFamily="34" charset="0"/>
-              </a:rPr>
-              <a:t>then predict </a:t>
-            </a:r>
-            <a:r>
-              <a:rPr lang="en-US" sz="2000" dirty="0">
-                <a:solidFill>
-                  <a:srgbClr val="000000"/>
-                </a:solidFill>
-                <a:latin typeface="Source Sans Pro" panose="020B0503030403020204" pitchFamily="34" charset="0"/>
-                <a:ea typeface="Source Sans Pro" panose="020B0503030403020204" pitchFamily="34" charset="0"/>
-              </a:rPr>
-              <a:t>semantic attributes using linear </a:t>
-            </a:r>
-            <a:r>
-              <a:rPr lang="en-US" sz="2000" dirty="0" smtClean="0">
-                <a:solidFill>
-                  <a:srgbClr val="000000"/>
-                </a:solidFill>
-                <a:latin typeface="Source Sans Pro" panose="020B0503030403020204" pitchFamily="34" charset="0"/>
-                <a:ea typeface="Source Sans Pro" panose="020B0503030403020204" pitchFamily="34" charset="0"/>
-              </a:rPr>
-              <a:t>regression (Figure 5b)</a:t>
-            </a:r>
-            <a:endParaRPr lang="en-US" sz="2000" dirty="0">
-              <a:solidFill>
-                <a:srgbClr val="000000"/>
-              </a:solidFill>
-              <a:latin typeface="Source Sans Pro" panose="020B0503030403020204" pitchFamily="34" charset="0"/>
-              <a:ea typeface="Source Sans Pro" panose="020B0503030403020204" pitchFamily="34" charset="0"/>
-            </a:endParaRPr>
           </a:p>
           <a:p>
             <a:pPr marL="0" lvl="2" fontAlgn="base"/>
@@ -10404,225 +10366,623 @@
                 <a:latin typeface="Source Sans Pro" panose="020B0503030403020204" pitchFamily="34" charset="0"/>
                 <a:ea typeface="Source Sans Pro" panose="020B0503030403020204" pitchFamily="34" charset="0"/>
               </a:rPr>
-              <a:t>We also created and tested a </a:t>
+              <a:t>We also test a convolutional neural network (CNN) with two layers, which outperformed these baselines (Figure 5c). See our results in Table 2.</a:t>
             </a:r>
-            <a:r>
-              <a:rPr lang="en-US" sz="2000" dirty="0" smtClean="0">
+          </a:p>
+        </p:txBody>
+      </p:sp>
+      <p:grpSp>
+        <p:nvGrpSpPr>
+          <p:cNvPr id="9" name="Group 8">
+            <a:extLst>
+              <a:ext uri="{FF2B5EF4-FFF2-40B4-BE49-F238E27FC236}">
+                <a16:creationId xmlns:a16="http://schemas.microsoft.com/office/drawing/2014/main" id="{9B6A2F1B-0EFF-4AF4-AF54-EA839B726737}"/>
+              </a:ext>
+            </a:extLst>
+          </p:cNvPr>
+          <p:cNvGrpSpPr/>
+          <p:nvPr/>
+        </p:nvGrpSpPr>
+        <p:grpSpPr>
+          <a:xfrm>
+            <a:off x="17698629" y="14093158"/>
+            <a:ext cx="8001637" cy="5129193"/>
+            <a:chOff x="17975719" y="13902658"/>
+            <a:chExt cx="8001637" cy="5129193"/>
+          </a:xfrm>
+        </p:grpSpPr>
+        <p:pic>
+          <p:nvPicPr>
+            <p:cNvPr id="1032" name="Picture 8">
+              <a:extLst>
+                <a:ext uri="{FF2B5EF4-FFF2-40B4-BE49-F238E27FC236}">
+                  <a16:creationId xmlns:a16="http://schemas.microsoft.com/office/drawing/2014/main" id="{216B6E60-1540-4E35-9F00-242D701ED663}"/>
+                </a:ext>
+              </a:extLst>
+            </p:cNvPr>
+            <p:cNvPicPr>
+              <a:picLocks noChangeAspect="1" noChangeArrowheads="1"/>
+            </p:cNvPicPr>
+            <p:nvPr/>
+          </p:nvPicPr>
+          <p:blipFill>
+            <a:blip r:embed="rId17">
+              <a:clrChange>
+                <a:clrFrom>
+                  <a:srgbClr val="FFFFFF"/>
+                </a:clrFrom>
+                <a:clrTo>
+                  <a:srgbClr val="FFFFFF">
+                    <a:alpha val="0"/>
+                  </a:srgbClr>
+                </a:clrTo>
+              </a:clrChange>
+              <a:extLst>
+                <a:ext uri="{28A0092B-C50C-407E-A947-70E740481C1C}">
+                  <a14:useLocalDpi xmlns:a14="http://schemas.microsoft.com/office/drawing/2010/main" val="0"/>
+                </a:ext>
+              </a:extLst>
+            </a:blip>
+            <a:srcRect/>
+            <a:stretch>
+              <a:fillRect/>
+            </a:stretch>
+          </p:blipFill>
+          <p:spPr bwMode="auto">
+            <a:xfrm>
+              <a:off x="18343266" y="13902658"/>
+              <a:ext cx="1736405" cy="2723772"/>
+            </a:xfrm>
+            <a:prstGeom prst="rect">
+              <a:avLst/>
+            </a:prstGeom>
+            <a:noFill/>
+            <a:extLst>
+              <a:ext uri="{909E8E84-426E-40DD-AFC4-6F175D3DCCD1}">
+                <a14:hiddenFill xmlns:a14="http://schemas.microsoft.com/office/drawing/2010/main">
+                  <a:solidFill>
+                    <a:srgbClr val="FFFFFF"/>
+                  </a:solidFill>
+                </a14:hiddenFill>
+              </a:ext>
+            </a:extLst>
+          </p:spPr>
+        </p:pic>
+        <p:pic>
+          <p:nvPicPr>
+            <p:cNvPr id="1034" name="Picture 10">
+              <a:extLst>
+                <a:ext uri="{FF2B5EF4-FFF2-40B4-BE49-F238E27FC236}">
+                  <a16:creationId xmlns:a16="http://schemas.microsoft.com/office/drawing/2014/main" id="{C96A0A22-39F3-48AF-8D8C-29401537091A}"/>
+                </a:ext>
+              </a:extLst>
+            </p:cNvPr>
+            <p:cNvPicPr>
+              <a:picLocks noChangeAspect="1" noChangeArrowheads="1"/>
+            </p:cNvPicPr>
+            <p:nvPr/>
+          </p:nvPicPr>
+          <p:blipFill>
+            <a:blip r:embed="rId18">
+              <a:clrChange>
+                <a:clrFrom>
+                  <a:srgbClr val="FFFFFF"/>
+                </a:clrFrom>
+                <a:clrTo>
+                  <a:srgbClr val="FFFFFF">
+                    <a:alpha val="0"/>
+                  </a:srgbClr>
+                </a:clrTo>
+              </a:clrChange>
+              <a:extLst>
+                <a:ext uri="{28A0092B-C50C-407E-A947-70E740481C1C}">
+                  <a14:useLocalDpi xmlns:a14="http://schemas.microsoft.com/office/drawing/2010/main" val="0"/>
+                </a:ext>
+              </a:extLst>
+            </a:blip>
+            <a:srcRect/>
+            <a:stretch>
+              <a:fillRect/>
+            </a:stretch>
+          </p:blipFill>
+          <p:spPr bwMode="auto">
+            <a:xfrm>
+              <a:off x="18374348" y="16472255"/>
+              <a:ext cx="1870169" cy="2559596"/>
+            </a:xfrm>
+            <a:prstGeom prst="rect">
+              <a:avLst/>
+            </a:prstGeom>
+            <a:noFill/>
+            <a:extLst>
+              <a:ext uri="{909E8E84-426E-40DD-AFC4-6F175D3DCCD1}">
+                <a14:hiddenFill xmlns:a14="http://schemas.microsoft.com/office/drawing/2010/main">
+                  <a:solidFill>
+                    <a:srgbClr val="FFFFFF"/>
+                  </a:solidFill>
+                </a14:hiddenFill>
+              </a:ext>
+            </a:extLst>
+          </p:spPr>
+        </p:pic>
+        <p:pic>
+          <p:nvPicPr>
+            <p:cNvPr id="1036" name="Picture 12">
+              <a:extLst>
+                <a:ext uri="{FF2B5EF4-FFF2-40B4-BE49-F238E27FC236}">
+                  <a16:creationId xmlns:a16="http://schemas.microsoft.com/office/drawing/2014/main" id="{C5DF3C46-E5A3-4F24-AD1E-B7CEA33A0010}"/>
+                </a:ext>
+              </a:extLst>
+            </p:cNvPr>
+            <p:cNvPicPr>
+              <a:picLocks noChangeAspect="1" noChangeArrowheads="1"/>
+            </p:cNvPicPr>
+            <p:nvPr/>
+          </p:nvPicPr>
+          <p:blipFill>
+            <a:blip r:embed="rId19">
+              <a:clrChange>
+                <a:clrFrom>
+                  <a:srgbClr val="FFFFFF"/>
+                </a:clrFrom>
+                <a:clrTo>
+                  <a:srgbClr val="FFFFFF">
+                    <a:alpha val="0"/>
+                  </a:srgbClr>
+                </a:clrTo>
+              </a:clrChange>
+              <a:extLst>
+                <a:ext uri="{28A0092B-C50C-407E-A947-70E740481C1C}">
+                  <a14:useLocalDpi xmlns:a14="http://schemas.microsoft.com/office/drawing/2010/main" val="0"/>
+                </a:ext>
+              </a:extLst>
+            </a:blip>
+            <a:srcRect/>
+            <a:stretch>
+              <a:fillRect/>
+            </a:stretch>
+          </p:blipFill>
+          <p:spPr bwMode="auto">
+            <a:xfrm>
+              <a:off x="20463197" y="16304524"/>
+              <a:ext cx="5514159" cy="2677548"/>
+            </a:xfrm>
+            <a:prstGeom prst="rect">
+              <a:avLst/>
+            </a:prstGeom>
+            <a:noFill/>
+            <a:extLst>
+              <a:ext uri="{909E8E84-426E-40DD-AFC4-6F175D3DCCD1}">
+                <a14:hiddenFill xmlns:a14="http://schemas.microsoft.com/office/drawing/2010/main">
+                  <a:solidFill>
+                    <a:srgbClr val="FFFFFF"/>
+                  </a:solidFill>
+                </a14:hiddenFill>
+              </a:ext>
+            </a:extLst>
+          </p:spPr>
+        </p:pic>
+        <p:sp>
+          <p:nvSpPr>
+            <p:cNvPr id="68" name="Rectangle 67">
+              <a:extLst>
+                <a:ext uri="{FF2B5EF4-FFF2-40B4-BE49-F238E27FC236}">
+                  <a16:creationId xmlns:a16="http://schemas.microsoft.com/office/drawing/2014/main" id="{B66357D4-B1C1-4FB8-8427-D6270E5C78A3}"/>
+                </a:ext>
+              </a:extLst>
+            </p:cNvPr>
+            <p:cNvSpPr/>
+            <p:nvPr/>
+          </p:nvSpPr>
+          <p:spPr>
+            <a:xfrm>
+              <a:off x="17975719" y="14218755"/>
+              <a:ext cx="3923371" cy="276999"/>
+            </a:xfrm>
+            <a:prstGeom prst="rect">
+              <a:avLst/>
+            </a:prstGeom>
+          </p:spPr>
+          <p:txBody>
+            <a:bodyPr wrap="square">
+              <a:spAutoFit/>
+            </a:bodyPr>
+            <a:lstStyle/>
+            <a:p>
+              <a:pPr algn="ctr"/>
+              <a:r>
+                <a:rPr lang="en-US" baseline="30000" dirty="0">
+                  <a:latin typeface="Source Sans Pro" panose="020B0503030403020204" pitchFamily="34" charset="0"/>
+                  <a:ea typeface="Source Sans Pro" panose="020B0503030403020204" pitchFamily="34" charset="0"/>
+                </a:rPr>
+                <a:t>Figure 5a</a:t>
+              </a:r>
+              <a:endParaRPr lang="en-US" baseline="30000" dirty="0"/>
+            </a:p>
+          </p:txBody>
+        </p:sp>
+        <p:sp>
+          <p:nvSpPr>
+            <p:cNvPr id="47" name="Rectangle 46">
+              <a:extLst>
+                <a:ext uri="{FF2B5EF4-FFF2-40B4-BE49-F238E27FC236}">
+                  <a16:creationId xmlns:a16="http://schemas.microsoft.com/office/drawing/2014/main" id="{B66357D4-B1C1-4FB8-8427-D6270E5C78A3}"/>
+                </a:ext>
+              </a:extLst>
+            </p:cNvPr>
+            <p:cNvSpPr/>
+            <p:nvPr/>
+          </p:nvSpPr>
+          <p:spPr>
+            <a:xfrm>
+              <a:off x="18039938" y="16813886"/>
+              <a:ext cx="3923371" cy="276999"/>
+            </a:xfrm>
+            <a:prstGeom prst="rect">
+              <a:avLst/>
+            </a:prstGeom>
+          </p:spPr>
+          <p:txBody>
+            <a:bodyPr wrap="square">
+              <a:spAutoFit/>
+            </a:bodyPr>
+            <a:lstStyle/>
+            <a:p>
+              <a:pPr algn="ctr"/>
+              <a:r>
+                <a:rPr lang="en-US" baseline="30000" dirty="0">
+                  <a:latin typeface="Source Sans Pro" panose="020B0503030403020204" pitchFamily="34" charset="0"/>
+                  <a:ea typeface="Source Sans Pro" panose="020B0503030403020204" pitchFamily="34" charset="0"/>
+                </a:rPr>
+                <a:t>Figure 5b</a:t>
+              </a:r>
+              <a:endParaRPr lang="en-US" baseline="30000" dirty="0"/>
+            </a:p>
+          </p:txBody>
+        </p:sp>
+        <p:sp>
+          <p:nvSpPr>
+            <p:cNvPr id="49" name="Rectangle 48">
+              <a:extLst>
+                <a:ext uri="{FF2B5EF4-FFF2-40B4-BE49-F238E27FC236}">
+                  <a16:creationId xmlns:a16="http://schemas.microsoft.com/office/drawing/2014/main" id="{B66357D4-B1C1-4FB8-8427-D6270E5C78A3}"/>
+                </a:ext>
+              </a:extLst>
+            </p:cNvPr>
+            <p:cNvSpPr/>
+            <p:nvPr/>
+          </p:nvSpPr>
+          <p:spPr>
+            <a:xfrm>
+              <a:off x="21867057" y="16653466"/>
+              <a:ext cx="3923371" cy="276999"/>
+            </a:xfrm>
+            <a:prstGeom prst="rect">
+              <a:avLst/>
+            </a:prstGeom>
+          </p:spPr>
+          <p:txBody>
+            <a:bodyPr wrap="square">
+              <a:spAutoFit/>
+            </a:bodyPr>
+            <a:lstStyle/>
+            <a:p>
+              <a:pPr algn="ctr"/>
+              <a:r>
+                <a:rPr lang="en-US" baseline="30000" dirty="0">
+                  <a:latin typeface="Source Sans Pro" panose="020B0503030403020204" pitchFamily="34" charset="0"/>
+                  <a:ea typeface="Source Sans Pro" panose="020B0503030403020204" pitchFamily="34" charset="0"/>
+                </a:rPr>
+                <a:t>Figure 5c</a:t>
+              </a:r>
+              <a:endParaRPr lang="en-US" baseline="30000" dirty="0"/>
+            </a:p>
+          </p:txBody>
+        </p:sp>
+      </p:grpSp>
+      <p:grpSp>
+        <p:nvGrpSpPr>
+          <p:cNvPr id="52" name="Group 107">
+            <a:extLst>
+              <a:ext uri="{FF2B5EF4-FFF2-40B4-BE49-F238E27FC236}">
+                <a16:creationId xmlns:a16="http://schemas.microsoft.com/office/drawing/2014/main" id="{EF1508C7-5D6F-4FC4-8218-EDBACCDB1A7A}"/>
+              </a:ext>
+            </a:extLst>
+          </p:cNvPr>
+          <p:cNvGrpSpPr/>
+          <p:nvPr/>
+        </p:nvGrpSpPr>
+        <p:grpSpPr>
+          <a:xfrm>
+            <a:off x="8353144" y="17438955"/>
+            <a:ext cx="9327106" cy="8013236"/>
+            <a:chOff x="7538224" y="2746204"/>
+            <a:chExt cx="7604852" cy="6677695"/>
+          </a:xfrm>
+        </p:grpSpPr>
+        <p:sp>
+          <p:nvSpPr>
+            <p:cNvPr id="53" name="Rectangle 108">
+              <a:extLst>
+                <a:ext uri="{FF2B5EF4-FFF2-40B4-BE49-F238E27FC236}">
+                  <a16:creationId xmlns:a16="http://schemas.microsoft.com/office/drawing/2014/main" id="{B25CEECC-978C-46E6-B5EB-301908C87EFB}"/>
+                </a:ext>
+              </a:extLst>
+            </p:cNvPr>
+            <p:cNvSpPr/>
+            <p:nvPr/>
+          </p:nvSpPr>
+          <p:spPr>
+            <a:xfrm>
+              <a:off x="7538224" y="2746204"/>
+              <a:ext cx="7465399" cy="869799"/>
+            </a:xfrm>
+            <a:prstGeom prst="rect">
+              <a:avLst/>
+            </a:prstGeom>
+            <a:solidFill>
+              <a:srgbClr val="8B1336"/>
+            </a:solidFill>
+            <a:ln>
+              <a:noFill/>
+            </a:ln>
+          </p:spPr>
+          <p:style>
+            <a:lnRef idx="2">
+              <a:schemeClr val="accent1">
+                <a:shade val="50000"/>
+              </a:schemeClr>
+            </a:lnRef>
+            <a:fillRef idx="1">
+              <a:schemeClr val="accent1"/>
+            </a:fillRef>
+            <a:effectRef idx="0">
+              <a:schemeClr val="accent1"/>
+            </a:effectRef>
+            <a:fontRef idx="minor">
+              <a:schemeClr val="lt1"/>
+            </a:fontRef>
+          </p:style>
+          <p:txBody>
+            <a:bodyPr rtlCol="0" anchor="ctr"/>
+            <a:lstStyle/>
+            <a:p>
+              <a:pPr algn="ctr"/>
+              <a:r>
+                <a:rPr lang="en-US" sz="4000" dirty="0">
+                  <a:latin typeface="Source Sans Pro" panose="020B0503030403020204" pitchFamily="34" charset="0"/>
+                  <a:ea typeface="Source Sans Pro" panose="020B0503030403020204" pitchFamily="34" charset="0"/>
+                </a:rPr>
+                <a:t>Final Semantic Attribute Induction Model</a:t>
+              </a:r>
+            </a:p>
+          </p:txBody>
+        </p:sp>
+        <p:sp>
+          <p:nvSpPr>
+            <p:cNvPr id="55" name="Rectangle 109">
+              <a:extLst>
+                <a:ext uri="{FF2B5EF4-FFF2-40B4-BE49-F238E27FC236}">
+                  <a16:creationId xmlns:a16="http://schemas.microsoft.com/office/drawing/2014/main" id="{288C2E94-EBBA-49B5-A6D8-100A6CF324CC}"/>
+                </a:ext>
+              </a:extLst>
+            </p:cNvPr>
+            <p:cNvSpPr/>
+            <p:nvPr/>
+          </p:nvSpPr>
+          <p:spPr>
+            <a:xfrm>
+              <a:off x="7538225" y="3736213"/>
+              <a:ext cx="5943599" cy="5687686"/>
+            </a:xfrm>
+            <a:prstGeom prst="rect">
+              <a:avLst/>
+            </a:prstGeom>
+            <a:noFill/>
+            <a:ln>
+              <a:noFill/>
+            </a:ln>
+          </p:spPr>
+          <p:style>
+            <a:lnRef idx="2">
+              <a:schemeClr val="accent1">
+                <a:shade val="50000"/>
+              </a:schemeClr>
+            </a:lnRef>
+            <a:fillRef idx="1">
+              <a:schemeClr val="accent1"/>
+            </a:fillRef>
+            <a:effectRef idx="0">
+              <a:schemeClr val="accent1"/>
+            </a:effectRef>
+            <a:fontRef idx="minor">
+              <a:schemeClr val="lt1"/>
+            </a:fontRef>
+          </p:style>
+          <p:txBody>
+            <a:bodyPr rtlCol="0" anchor="t"/>
+            <a:lstStyle/>
+            <a:p>
+              <a:endParaRPr lang="en-US" sz="2880">
                 <a:solidFill>
-                  <a:prstClr val="black"/>
+                  <a:schemeClr val="tx1"/>
                 </a:solidFill>
                 <a:latin typeface="Source Sans Pro" panose="020B0503030403020204" pitchFamily="34" charset="0"/>
                 <a:ea typeface="Source Sans Pro" panose="020B0503030403020204" pitchFamily="34" charset="0"/>
-              </a:rPr>
-              <a:t>CNN with </a:t>
-            </a:r>
-            <a:r>
-              <a:rPr lang="en-US" sz="2000" dirty="0">
+              </a:endParaRPr>
+            </a:p>
+          </p:txBody>
+        </p:sp>
+        <p:sp>
+          <p:nvSpPr>
+            <p:cNvPr id="56" name="TextBox 112">
+              <a:extLst>
+                <a:ext uri="{FF2B5EF4-FFF2-40B4-BE49-F238E27FC236}">
+                  <a16:creationId xmlns:a16="http://schemas.microsoft.com/office/drawing/2014/main" id="{53540252-BB97-4C8C-921D-4489E8CE414E}"/>
+                </a:ext>
+              </a:extLst>
+            </p:cNvPr>
+            <p:cNvSpPr txBox="1"/>
+            <p:nvPr/>
+          </p:nvSpPr>
+          <p:spPr>
+            <a:xfrm>
+              <a:off x="10042071" y="4376057"/>
+              <a:ext cx="153942" cy="409354"/>
+            </a:xfrm>
+            <a:prstGeom prst="rect">
+              <a:avLst/>
+            </a:prstGeom>
+            <a:noFill/>
+          </p:spPr>
+          <p:txBody>
+            <a:bodyPr wrap="none" rtlCol="0">
+              <a:spAutoFit/>
+            </a:bodyPr>
+            <a:lstStyle/>
+            <a:p>
+              <a:endParaRPr lang="en-US" sz="2592">
+                <a:latin typeface="Source Sans Pro" panose="020B0503030403020204" pitchFamily="34" charset="0"/>
+                <a:ea typeface="Source Sans Pro" panose="020B0503030403020204" pitchFamily="34" charset="0"/>
+              </a:endParaRPr>
+            </a:p>
+          </p:txBody>
+        </p:sp>
+        <p:sp>
+          <p:nvSpPr>
+            <p:cNvPr id="57" name="Rectangle 113">
+              <a:extLst>
+                <a:ext uri="{FF2B5EF4-FFF2-40B4-BE49-F238E27FC236}">
+                  <a16:creationId xmlns:a16="http://schemas.microsoft.com/office/drawing/2014/main" id="{12E10C52-C961-4475-8280-CAAF9D312B93}"/>
+                </a:ext>
+              </a:extLst>
+            </p:cNvPr>
+            <p:cNvSpPr/>
+            <p:nvPr/>
+          </p:nvSpPr>
+          <p:spPr>
+            <a:xfrm>
+              <a:off x="7538225" y="3741488"/>
+              <a:ext cx="7604851" cy="4277770"/>
+            </a:xfrm>
+            <a:prstGeom prst="rect">
+              <a:avLst/>
+            </a:prstGeom>
+            <a:noFill/>
+            <a:ln>
+              <a:noFill/>
+            </a:ln>
+          </p:spPr>
+          <p:style>
+            <a:lnRef idx="2">
+              <a:schemeClr val="accent1">
+                <a:shade val="50000"/>
+              </a:schemeClr>
+            </a:lnRef>
+            <a:fillRef idx="1">
+              <a:schemeClr val="accent1"/>
+            </a:fillRef>
+            <a:effectRef idx="0">
+              <a:schemeClr val="accent1"/>
+            </a:effectRef>
+            <a:fontRef idx="minor">
+              <a:schemeClr val="lt1"/>
+            </a:fontRef>
+          </p:style>
+          <p:txBody>
+            <a:bodyPr rtlCol="0" anchor="t"/>
+            <a:lstStyle/>
+            <a:p>
+              <a:pPr defTabSz="1097280">
+                <a:defRPr/>
+              </a:pPr>
+              <a:r>
+                <a:rPr lang="en-US" sz="2400" dirty="0">
+                  <a:solidFill>
+                    <a:schemeClr val="tx1"/>
+                  </a:solidFill>
+                  <a:latin typeface="Source Sans Pro" panose="020B0503030403020204" pitchFamily="34" charset="0"/>
+                  <a:ea typeface="Source Sans Pro" panose="020B0503030403020204" pitchFamily="34" charset="0"/>
+                </a:rPr>
+                <a:t>For our final data induction model, to leverage the power of all three data induction models (4-NN, 7-NN, and SVR), we ensemble a </a:t>
+              </a:r>
+              <a:r>
+                <a:rPr lang="en-US" sz="2400" b="1" dirty="0">
+                  <a:solidFill>
+                    <a:schemeClr val="tx1"/>
+                  </a:solidFill>
+                  <a:latin typeface="Source Sans Pro" panose="020B0503030403020204" pitchFamily="34" charset="0"/>
+                  <a:ea typeface="Source Sans Pro" panose="020B0503030403020204" pitchFamily="34" charset="0"/>
+                </a:rPr>
+                <a:t>meta-estimating voting regressor </a:t>
+              </a:r>
+              <a:r>
+                <a:rPr lang="en-US" sz="2400" dirty="0">
+                  <a:solidFill>
+                    <a:schemeClr val="tx1"/>
+                  </a:solidFill>
+                  <a:latin typeface="Source Sans Pro" panose="020B0503030403020204" pitchFamily="34" charset="0"/>
+                  <a:ea typeface="Source Sans Pro" panose="020B0503030403020204" pitchFamily="34" charset="0"/>
+                </a:rPr>
+                <a:t>performs weighted averaging over the individual predictions of these models to form a final prediction.</a:t>
+              </a:r>
+            </a:p>
+            <a:p>
+              <a:pPr defTabSz="1097280">
+                <a:defRPr/>
+              </a:pPr>
+              <a:endParaRPr lang="en-US" sz="900" dirty="0">
                 <a:solidFill>
-                  <a:prstClr val="black"/>
+                  <a:schemeClr val="tx1"/>
                 </a:solidFill>
                 <a:latin typeface="Source Sans Pro" panose="020B0503030403020204" pitchFamily="34" charset="0"/>
                 <a:ea typeface="Source Sans Pro" panose="020B0503030403020204" pitchFamily="34" charset="0"/>
-              </a:rPr>
-              <a:t>two convolutional layers, which outperformed these </a:t>
-            </a:r>
-            <a:r>
-              <a:rPr lang="en-US" sz="2000" dirty="0" smtClean="0">
-                <a:solidFill>
-                  <a:prstClr val="black"/>
-                </a:solidFill>
-                <a:latin typeface="Source Sans Pro" panose="020B0503030403020204" pitchFamily="34" charset="0"/>
-                <a:ea typeface="Source Sans Pro" panose="020B0503030403020204" pitchFamily="34" charset="0"/>
-              </a:rPr>
-              <a:t>baselines (Figure 5c)</a:t>
-            </a:r>
-            <a:endParaRPr lang="en-US" sz="2000" dirty="0">
-              <a:solidFill>
-                <a:prstClr val="black"/>
-              </a:solidFill>
-              <a:latin typeface="Source Sans Pro" panose="020B0503030403020204" pitchFamily="34" charset="0"/>
-              <a:ea typeface="Source Sans Pro" panose="020B0503030403020204" pitchFamily="34" charset="0"/>
-            </a:endParaRPr>
-          </a:p>
-        </p:txBody>
-      </p:sp>
-      <p:pic>
-        <p:nvPicPr>
-          <p:cNvPr id="1032" name="Picture 8">
+              </a:endParaRPr>
+            </a:p>
+            <a:p>
+              <a:pPr defTabSz="1097280">
+                <a:defRPr/>
+              </a:pPr>
+              <a:r>
+                <a:rPr lang="en-US" sz="2400" dirty="0">
+                  <a:solidFill>
+                    <a:schemeClr val="tx1"/>
+                  </a:solidFill>
+                  <a:latin typeface="Source Sans Pro" panose="020B0503030403020204" pitchFamily="34" charset="0"/>
+                  <a:ea typeface="Source Sans Pro" panose="020B0503030403020204" pitchFamily="34" charset="0"/>
+                </a:rPr>
+                <a:t>To measure the quality of these models in inducing each of our resulting datasets for the 1883 semantic font attribute vectors, we use the leave-one-out cross-validation error procedure of [6] for each data induction model </a:t>
+              </a:r>
+              <a:r>
+                <a:rPr lang="en-US" sz="2400" i="1" dirty="0">
+                  <a:solidFill>
+                    <a:schemeClr val="tx1"/>
+                  </a:solidFill>
+                  <a:latin typeface="Source Sans Pro" panose="020B0503030403020204" pitchFamily="34" charset="0"/>
+                  <a:ea typeface="Source Sans Pro" panose="020B0503030403020204" pitchFamily="34" charset="0"/>
+                </a:rPr>
+                <a:t>m</a:t>
+              </a:r>
+              <a:r>
+                <a:rPr lang="en-US" sz="2400" dirty="0">
+                  <a:solidFill>
+                    <a:schemeClr val="tx1"/>
+                  </a:solidFill>
+                  <a:latin typeface="Source Sans Pro" panose="020B0503030403020204" pitchFamily="34" charset="0"/>
+                  <a:ea typeface="Source Sans Pro" panose="020B0503030403020204" pitchFamily="34" charset="0"/>
+                </a:rPr>
+                <a:t>, which is model invariant. See our Results and Discussion.</a:t>
+              </a:r>
+            </a:p>
+          </p:txBody>
+        </p:sp>
+      </p:grpSp>
+      <p:sp>
+        <p:nvSpPr>
+          <p:cNvPr id="6" name="Rectangle 5">
             <a:extLst>
               <a:ext uri="{FF2B5EF4-FFF2-40B4-BE49-F238E27FC236}">
-                <a16:creationId xmlns:a16="http://schemas.microsoft.com/office/drawing/2014/main" xmlns="" id="{216B6E60-1540-4E35-9F00-242D701ED663}"/>
-              </a:ext>
-            </a:extLst>
-          </p:cNvPr>
-          <p:cNvPicPr>
-            <a:picLocks noChangeAspect="1" noChangeArrowheads="1"/>
-          </p:cNvPicPr>
-          <p:nvPr/>
-        </p:nvPicPr>
-        <p:blipFill>
-          <a:blip r:embed="rId17">
-            <a:clrChange>
-              <a:clrFrom>
-                <a:srgbClr val="FFFFFF"/>
-              </a:clrFrom>
-              <a:clrTo>
-                <a:srgbClr val="FFFFFF">
-                  <a:alpha val="0"/>
-                </a:srgbClr>
-              </a:clrTo>
-            </a:clrChange>
-            <a:extLst>
-              <a:ext uri="{28A0092B-C50C-407E-A947-70E740481C1C}">
-                <a14:useLocalDpi xmlns:a14="http://schemas.microsoft.com/office/drawing/2010/main" val="0"/>
-              </a:ext>
-            </a:extLst>
-          </a:blip>
-          <a:srcRect/>
-          <a:stretch>
-            <a:fillRect/>
-          </a:stretch>
-        </p:blipFill>
-        <p:spPr bwMode="auto">
-          <a:xfrm>
-            <a:off x="18993091" y="13868539"/>
-            <a:ext cx="1514338" cy="2375432"/>
-          </a:xfrm>
-          <a:prstGeom prst="rect">
-            <a:avLst/>
-          </a:prstGeom>
-          <a:noFill/>
-          <a:extLst>
-            <a:ext uri="{909E8E84-426E-40DD-AFC4-6F175D3DCCD1}">
-              <a14:hiddenFill xmlns:a14="http://schemas.microsoft.com/office/drawing/2010/main">
-                <a:solidFill>
-                  <a:srgbClr val="FFFFFF"/>
-                </a:solidFill>
-              </a14:hiddenFill>
-            </a:ext>
-          </a:extLst>
-        </p:spPr>
-      </p:pic>
-      <p:pic>
-        <p:nvPicPr>
-          <p:cNvPr id="1034" name="Picture 10">
-            <a:extLst>
-              <a:ext uri="{FF2B5EF4-FFF2-40B4-BE49-F238E27FC236}">
-                <a16:creationId xmlns:a16="http://schemas.microsoft.com/office/drawing/2014/main" xmlns="" id="{C96A0A22-39F3-48AF-8D8C-29401537091A}"/>
-              </a:ext>
-            </a:extLst>
-          </p:cNvPr>
-          <p:cNvPicPr>
-            <a:picLocks noChangeAspect="1" noChangeArrowheads="1"/>
-          </p:cNvPicPr>
-          <p:nvPr/>
-        </p:nvPicPr>
-        <p:blipFill>
-          <a:blip r:embed="rId18">
-            <a:clrChange>
-              <a:clrFrom>
-                <a:srgbClr val="FFFFFF"/>
-              </a:clrFrom>
-              <a:clrTo>
-                <a:srgbClr val="FFFFFF">
-                  <a:alpha val="0"/>
-                </a:srgbClr>
-              </a:clrTo>
-            </a:clrChange>
-            <a:extLst>
-              <a:ext uri="{28A0092B-C50C-407E-A947-70E740481C1C}">
-                <a14:useLocalDpi xmlns:a14="http://schemas.microsoft.com/office/drawing/2010/main" val="0"/>
-              </a:ext>
-            </a:extLst>
-          </a:blip>
-          <a:srcRect/>
-          <a:stretch>
-            <a:fillRect/>
-          </a:stretch>
-        </p:blipFill>
-        <p:spPr bwMode="auto">
-          <a:xfrm>
-            <a:off x="18993091" y="16887023"/>
-            <a:ext cx="1648101" cy="2255664"/>
-          </a:xfrm>
-          <a:prstGeom prst="rect">
-            <a:avLst/>
-          </a:prstGeom>
-          <a:noFill/>
-          <a:extLst>
-            <a:ext uri="{909E8E84-426E-40DD-AFC4-6F175D3DCCD1}">
-              <a14:hiddenFill xmlns:a14="http://schemas.microsoft.com/office/drawing/2010/main">
-                <a:solidFill>
-                  <a:srgbClr val="FFFFFF"/>
-                </a:solidFill>
-              </a14:hiddenFill>
-            </a:ext>
-          </a:extLst>
-        </p:spPr>
-      </p:pic>
-      <p:pic>
-        <p:nvPicPr>
-          <p:cNvPr id="1036" name="Picture 12">
-            <a:extLst>
-              <a:ext uri="{FF2B5EF4-FFF2-40B4-BE49-F238E27FC236}">
-                <a16:creationId xmlns:a16="http://schemas.microsoft.com/office/drawing/2014/main" xmlns="" id="{C5DF3C46-E5A3-4F24-AD1E-B7CEA33A0010}"/>
-              </a:ext>
-            </a:extLst>
-          </p:cNvPr>
-          <p:cNvPicPr>
-            <a:picLocks noChangeAspect="1" noChangeArrowheads="1"/>
-          </p:cNvPicPr>
-          <p:nvPr/>
-        </p:nvPicPr>
-        <p:blipFill>
-          <a:blip r:embed="rId19">
-            <a:clrChange>
-              <a:clrFrom>
-                <a:srgbClr val="FFFFFF"/>
-              </a:clrFrom>
-              <a:clrTo>
-                <a:srgbClr val="FFFFFF">
-                  <a:alpha val="0"/>
-                </a:srgbClr>
-              </a:clrTo>
-            </a:clrChange>
-            <a:extLst>
-              <a:ext uri="{28A0092B-C50C-407E-A947-70E740481C1C}">
-                <a14:useLocalDpi xmlns:a14="http://schemas.microsoft.com/office/drawing/2010/main" val="0"/>
-              </a:ext>
-            </a:extLst>
-          </a:blip>
-          <a:srcRect/>
-          <a:stretch>
-            <a:fillRect/>
-          </a:stretch>
-        </p:blipFill>
-        <p:spPr bwMode="auto">
-          <a:xfrm>
-            <a:off x="21141570" y="17086126"/>
-            <a:ext cx="4132777" cy="2006781"/>
-          </a:xfrm>
-          <a:prstGeom prst="rect">
-            <a:avLst/>
-          </a:prstGeom>
-          <a:noFill/>
-          <a:extLst>
-            <a:ext uri="{909E8E84-426E-40DD-AFC4-6F175D3DCCD1}">
-              <a14:hiddenFill xmlns:a14="http://schemas.microsoft.com/office/drawing/2010/main">
-                <a:solidFill>
-                  <a:srgbClr val="FFFFFF"/>
-                </a:solidFill>
-              </a14:hiddenFill>
-            </a:ext>
-          </a:extLst>
-        </p:spPr>
-      </p:pic>
-      <p:sp>
-        <p:nvSpPr>
-          <p:cNvPr id="68" name="Rectangle 67">
-            <a:extLst>
-              <a:ext uri="{FF2B5EF4-FFF2-40B4-BE49-F238E27FC236}">
-                <a16:creationId xmlns:a16="http://schemas.microsoft.com/office/drawing/2014/main" xmlns="" id="{B66357D4-B1C1-4FB8-8427-D6270E5C78A3}"/>
+                <a16:creationId xmlns:a16="http://schemas.microsoft.com/office/drawing/2014/main" id="{DFFE7955-06E0-46FD-9634-CF7B3EDAB5D3}"/>
               </a:ext>
             </a:extLst>
           </p:cNvPr>
@@ -10631,8 +10991,8 @@
         </p:nvSpPr>
         <p:spPr>
           <a:xfrm>
-            <a:off x="18479677" y="13948591"/>
-            <a:ext cx="3923371" cy="276999"/>
+            <a:off x="18069844" y="7135927"/>
+            <a:ext cx="14329384" cy="2923877"/>
           </a:xfrm>
           <a:prstGeom prst="rect">
             <a:avLst/>
@@ -10644,93 +11004,94 @@
           </a:bodyPr>
           <a:lstStyle/>
           <a:p>
-            <a:pPr algn="ctr"/>
+            <a:pPr lvl="0" defTabSz="1097280">
+              <a:defRPr/>
+            </a:pPr>
             <a:r>
-              <a:rPr lang="en-US" baseline="30000" dirty="0" smtClean="0">
+              <a:rPr lang="en-US" sz="2300" dirty="0">
+                <a:solidFill>
+                  <a:prstClr val="black"/>
+                </a:solidFill>
                 <a:latin typeface="Source Sans Pro" panose="020B0503030403020204" pitchFamily="34" charset="0"/>
                 <a:ea typeface="Source Sans Pro" panose="020B0503030403020204" pitchFamily="34" charset="0"/>
               </a:rPr>
-              <a:t>Figure 5a</a:t>
+              <a:t>For dataset induction, the SVR model outperformed the </a:t>
             </a:r>
-            <a:endParaRPr lang="en-US" baseline="30000" dirty="0"/>
-          </a:p>
-        </p:txBody>
-      </p:sp>
-      <p:sp>
-        <p:nvSpPr>
-          <p:cNvPr id="47" name="Rectangle 46">
-            <a:extLst>
-              <a:ext uri="{FF2B5EF4-FFF2-40B4-BE49-F238E27FC236}">
-                <a16:creationId xmlns:a16="http://schemas.microsoft.com/office/drawing/2014/main" xmlns="" id="{B66357D4-B1C1-4FB8-8427-D6270E5C78A3}"/>
-              </a:ext>
-            </a:extLst>
-          </p:cNvPr>
-          <p:cNvSpPr/>
-          <p:nvPr/>
-        </p:nvSpPr>
-        <p:spPr>
-          <a:xfrm>
-            <a:off x="18436614" y="16924722"/>
-            <a:ext cx="3923371" cy="276999"/>
-          </a:xfrm>
-          <a:prstGeom prst="rect">
-            <a:avLst/>
-          </a:prstGeom>
-        </p:spPr>
-        <p:txBody>
-          <a:bodyPr wrap="square">
-            <a:spAutoFit/>
-          </a:bodyPr>
-          <a:lstStyle/>
-          <a:p>
-            <a:pPr algn="ctr"/>
             <a:r>
-              <a:rPr lang="en-US" baseline="30000" smtClean="0">
+              <a:rPr lang="en-US" sz="2300" i="1" dirty="0">
+                <a:solidFill>
+                  <a:prstClr val="black"/>
+                </a:solidFill>
                 <a:latin typeface="Source Sans Pro" panose="020B0503030403020204" pitchFamily="34" charset="0"/>
                 <a:ea typeface="Source Sans Pro" panose="020B0503030403020204" pitchFamily="34" charset="0"/>
               </a:rPr>
-              <a:t>Figure 5b</a:t>
+              <a:t>k</a:t>
             </a:r>
-            <a:endParaRPr lang="en-US" baseline="30000" dirty="0"/>
-          </a:p>
-        </p:txBody>
-      </p:sp>
-      <p:sp>
-        <p:nvSpPr>
-          <p:cNvPr id="49" name="Rectangle 48">
-            <a:extLst>
-              <a:ext uri="{FF2B5EF4-FFF2-40B4-BE49-F238E27FC236}">
-                <a16:creationId xmlns:a16="http://schemas.microsoft.com/office/drawing/2014/main" xmlns="" id="{B66357D4-B1C1-4FB8-8427-D6270E5C78A3}"/>
-              </a:ext>
-            </a:extLst>
-          </p:cNvPr>
-          <p:cNvSpPr/>
-          <p:nvPr/>
-        </p:nvSpPr>
-        <p:spPr>
-          <a:xfrm>
-            <a:off x="21172080" y="16924722"/>
-            <a:ext cx="3923371" cy="276999"/>
-          </a:xfrm>
-          <a:prstGeom prst="rect">
-            <a:avLst/>
-          </a:prstGeom>
-        </p:spPr>
-        <p:txBody>
-          <a:bodyPr wrap="square">
-            <a:spAutoFit/>
-          </a:bodyPr>
-          <a:lstStyle/>
-          <a:p>
-            <a:pPr algn="ctr"/>
             <a:r>
-              <a:rPr lang="en-US" baseline="30000" dirty="0" smtClean="0">
+              <a:rPr lang="en-US" sz="2300" dirty="0">
+                <a:solidFill>
+                  <a:prstClr val="black"/>
+                </a:solidFill>
                 <a:latin typeface="Source Sans Pro" panose="020B0503030403020204" pitchFamily="34" charset="0"/>
                 <a:ea typeface="Source Sans Pro" panose="020B0503030403020204" pitchFamily="34" charset="0"/>
               </a:rPr>
-              <a:t>Figure 5c</a:t>
+              <a:t>-NN models significantly. We believe this is because the RBF kernel projects the data into a higher-dimensional space to make the regression boundary more linearly characterizable. Moreover, it can exploit both magnitudes of the </a:t>
             </a:r>
-            <a:endParaRPr lang="en-US" baseline="30000" dirty="0"/>
+            <a:r>
+              <a:rPr lang="en-US" sz="2300" dirty="0" err="1">
+                <a:solidFill>
+                  <a:prstClr val="black"/>
+                </a:solidFill>
+                <a:latin typeface="Source Sans Pro" panose="020B0503030403020204" pitchFamily="34" charset="0"/>
+                <a:ea typeface="Source Sans Pro" panose="020B0503030403020204" pitchFamily="34" charset="0"/>
+              </a:rPr>
+              <a:t>FontJoy</a:t>
+            </a:r>
+            <a:r>
+              <a:rPr lang="en-US" sz="2300" dirty="0">
+                <a:solidFill>
+                  <a:prstClr val="black"/>
+                </a:solidFill>
+                <a:latin typeface="Source Sans Pro" panose="020B0503030403020204" pitchFamily="34" charset="0"/>
+                <a:ea typeface="Source Sans Pro" panose="020B0503030403020204" pitchFamily="34" charset="0"/>
+              </a:rPr>
+              <a:t> embeddings as well as implicitly the angular distances between them (eqn. 1); conversely, </a:t>
+            </a:r>
+            <a:r>
+              <a:rPr lang="en-US" sz="2300" i="1" dirty="0">
+                <a:solidFill>
+                  <a:prstClr val="black"/>
+                </a:solidFill>
+                <a:latin typeface="Source Sans Pro" panose="020B0503030403020204" pitchFamily="34" charset="0"/>
+                <a:ea typeface="Source Sans Pro" panose="020B0503030403020204" pitchFamily="34" charset="0"/>
+              </a:rPr>
+              <a:t>k</a:t>
+            </a:r>
+            <a:r>
+              <a:rPr lang="en-US" sz="2300" dirty="0">
+                <a:solidFill>
+                  <a:prstClr val="black"/>
+                </a:solidFill>
+                <a:latin typeface="Source Sans Pro" panose="020B0503030403020204" pitchFamily="34" charset="0"/>
+                <a:ea typeface="Source Sans Pro" panose="020B0503030403020204" pitchFamily="34" charset="0"/>
+              </a:rPr>
+              <a:t>-NN can only leverage cosine distance, limiting its power.</a:t>
+            </a:r>
+          </a:p>
+          <a:p>
+            <a:pPr lvl="0" defTabSz="1097280">
+              <a:defRPr/>
+            </a:pPr>
+            <a:r>
+              <a:rPr lang="en-US" sz="2300" dirty="0">
+                <a:solidFill>
+                  <a:prstClr val="black"/>
+                </a:solidFill>
+                <a:latin typeface="Source Sans Pro" panose="020B0503030403020204" pitchFamily="34" charset="0"/>
+                <a:ea typeface="Source Sans Pro" panose="020B0503030403020204" pitchFamily="34" charset="0"/>
+              </a:rPr>
+              <a:t>For attribute prediction, the CNN outperformed both linear baseline models. We believe this is because while the baselines cannot leverage spatial information since the images are linearized, the convolutional filters can characterize glyphs by learning the relationships between glyph features in a spatial sense, enabling it to “see” edges, curves, and other characteristics.</a:t>
+            </a:r>
           </a:p>
         </p:txBody>
       </p:sp>

--- a/poster.pptx
+++ b/poster.pptx
@@ -121,389 +121,6 @@
 <file path=ppt/changesInfos/changesInfo1.xml><?xml version="1.0" encoding="utf-8"?>
 <pc:chgInfo xmlns:a="http://schemas.openxmlformats.org/drawingml/2006/main" xmlns:r="http://schemas.openxmlformats.org/officeDocument/2006/relationships" xmlns:ac="http://schemas.microsoft.com/office/drawing/2013/main/command" xmlns:pc="http://schemas.microsoft.com/office/powerpoint/2013/main/command">
   <pc:docChgLst>
-    <pc:chgData name="Matthew Gagnon Mistele" userId="6da604e2-7ffc-4883-9f8d-817707fd051c" providerId="ADAL" clId="{E1146FAA-3DA4-CD4A-A152-097CF98AE828}"/>
-    <pc:docChg chg="undo custSel modSld">
-      <pc:chgData name="Matthew Gagnon Mistele" userId="6da604e2-7ffc-4883-9f8d-817707fd051c" providerId="ADAL" clId="{E1146FAA-3DA4-CD4A-A152-097CF98AE828}" dt="2019-06-09T23:11:03.828" v="11981" actId="20577"/>
-      <pc:docMkLst>
-        <pc:docMk/>
-      </pc:docMkLst>
-      <pc:sldChg chg="addSp delSp modSp">
-        <pc:chgData name="Matthew Gagnon Mistele" userId="6da604e2-7ffc-4883-9f8d-817707fd051c" providerId="ADAL" clId="{E1146FAA-3DA4-CD4A-A152-097CF98AE828}" dt="2019-06-09T23:11:03.828" v="11981" actId="20577"/>
-        <pc:sldMkLst>
-          <pc:docMk/>
-          <pc:sldMk cId="3666076598" sldId="256"/>
-        </pc:sldMkLst>
-        <pc:spChg chg="mod">
-          <ac:chgData name="Matthew Gagnon Mistele" userId="6da604e2-7ffc-4883-9f8d-817707fd051c" providerId="ADAL" clId="{E1146FAA-3DA4-CD4A-A152-097CF98AE828}" dt="2019-06-09T21:27:31.223" v="8819" actId="14100"/>
-          <ac:spMkLst>
-            <pc:docMk/>
-            <pc:sldMk cId="3666076598" sldId="256"/>
-            <ac:spMk id="9" creationId="{83A2C0AD-5F9E-42CD-A33A-38402503C90A}"/>
-          </ac:spMkLst>
-        </pc:spChg>
-        <pc:spChg chg="del mod">
-          <ac:chgData name="Matthew Gagnon Mistele" userId="6da604e2-7ffc-4883-9f8d-817707fd051c" providerId="ADAL" clId="{E1146FAA-3DA4-CD4A-A152-097CF98AE828}" dt="2019-06-09T21:33:23.844" v="9496" actId="478"/>
-          <ac:spMkLst>
-            <pc:docMk/>
-            <pc:sldMk cId="3666076598" sldId="256"/>
-            <ac:spMk id="18" creationId="{00000000-0000-0000-0000-000000000000}"/>
-          </ac:spMkLst>
-        </pc:spChg>
-        <pc:spChg chg="mod">
-          <ac:chgData name="Matthew Gagnon Mistele" userId="6da604e2-7ffc-4883-9f8d-817707fd051c" providerId="ADAL" clId="{E1146FAA-3DA4-CD4A-A152-097CF98AE828}" dt="2019-06-09T23:11:03.828" v="11981" actId="20577"/>
-          <ac:spMkLst>
-            <pc:docMk/>
-            <pc:sldMk cId="3666076598" sldId="256"/>
-            <ac:spMk id="22" creationId="{267E0B45-A133-4225-8014-15EAF103E834}"/>
-          </ac:spMkLst>
-        </pc:spChg>
-        <pc:spChg chg="mod">
-          <ac:chgData name="Matthew Gagnon Mistele" userId="6da604e2-7ffc-4883-9f8d-817707fd051c" providerId="ADAL" clId="{E1146FAA-3DA4-CD4A-A152-097CF98AE828}" dt="2019-06-09T22:06:47.018" v="11242" actId="20577"/>
-          <ac:spMkLst>
-            <pc:docMk/>
-            <pc:sldMk cId="3666076598" sldId="256"/>
-            <ac:spMk id="24" creationId="{E707F84B-B40D-40EB-81AA-9DCF8CDAC492}"/>
-          </ac:spMkLst>
-        </pc:spChg>
-        <pc:spChg chg="mod">
-          <ac:chgData name="Matthew Gagnon Mistele" userId="6da604e2-7ffc-4883-9f8d-817707fd051c" providerId="ADAL" clId="{E1146FAA-3DA4-CD4A-A152-097CF98AE828}" dt="2019-06-09T22:08:31.683" v="11268" actId="20577"/>
-          <ac:spMkLst>
-            <pc:docMk/>
-            <pc:sldMk cId="3666076598" sldId="256"/>
-            <ac:spMk id="25" creationId="{9B9B8026-FB28-4FF3-9636-0276856AFBD9}"/>
-          </ac:spMkLst>
-        </pc:spChg>
-        <pc:spChg chg="mod">
-          <ac:chgData name="Matthew Gagnon Mistele" userId="6da604e2-7ffc-4883-9f8d-817707fd051c" providerId="ADAL" clId="{E1146FAA-3DA4-CD4A-A152-097CF98AE828}" dt="2019-06-09T22:07:52.030" v="11258" actId="20577"/>
-          <ac:spMkLst>
-            <pc:docMk/>
-            <pc:sldMk cId="3666076598" sldId="256"/>
-            <ac:spMk id="26" creationId="{8FEADF52-C444-4729-82C9-8A13C2DCDF2E}"/>
-          </ac:spMkLst>
-        </pc:spChg>
-        <pc:spChg chg="mod">
-          <ac:chgData name="Matthew Gagnon Mistele" userId="6da604e2-7ffc-4883-9f8d-817707fd051c" providerId="ADAL" clId="{E1146FAA-3DA4-CD4A-A152-097CF98AE828}" dt="2019-06-09T22:16:04.528" v="11732" actId="20577"/>
-          <ac:spMkLst>
-            <pc:docMk/>
-            <pc:sldMk cId="3666076598" sldId="256"/>
-            <ac:spMk id="27" creationId="{5A0BA04D-C70B-4D2B-B62D-9DE8DF804844}"/>
-          </ac:spMkLst>
-        </pc:spChg>
-        <pc:spChg chg="del mod">
-          <ac:chgData name="Matthew Gagnon Mistele" userId="6da604e2-7ffc-4883-9f8d-817707fd051c" providerId="ADAL" clId="{E1146FAA-3DA4-CD4A-A152-097CF98AE828}" dt="2019-06-09T18:57:56.565" v="5925" actId="478"/>
-          <ac:spMkLst>
-            <pc:docMk/>
-            <pc:sldMk cId="3666076598" sldId="256"/>
-            <ac:spMk id="39" creationId="{00000000-0000-0000-0000-000000000000}"/>
-          </ac:spMkLst>
-        </pc:spChg>
-        <pc:spChg chg="mod">
-          <ac:chgData name="Matthew Gagnon Mistele" userId="6da604e2-7ffc-4883-9f8d-817707fd051c" providerId="ADAL" clId="{E1146FAA-3DA4-CD4A-A152-097CF98AE828}" dt="2019-06-09T22:11:19.520" v="11337" actId="20577"/>
-          <ac:spMkLst>
-            <pc:docMk/>
-            <pc:sldMk cId="3666076598" sldId="256"/>
-            <ac:spMk id="43" creationId="{8415E113-F36F-4BB1-A6E3-BE891F93B0F4}"/>
-          </ac:spMkLst>
-        </pc:spChg>
-        <pc:spChg chg="mod">
-          <ac:chgData name="Matthew Gagnon Mistele" userId="6da604e2-7ffc-4883-9f8d-817707fd051c" providerId="ADAL" clId="{E1146FAA-3DA4-CD4A-A152-097CF98AE828}" dt="2019-06-09T22:11:28.343" v="11366" actId="1035"/>
-          <ac:spMkLst>
-            <pc:docMk/>
-            <pc:sldMk cId="3666076598" sldId="256"/>
-            <ac:spMk id="44" creationId="{00000000-0000-0000-0000-000000000000}"/>
-          </ac:spMkLst>
-        </pc:spChg>
-        <pc:spChg chg="add mod">
-          <ac:chgData name="Matthew Gagnon Mistele" userId="6da604e2-7ffc-4883-9f8d-817707fd051c" providerId="ADAL" clId="{E1146FAA-3DA4-CD4A-A152-097CF98AE828}" dt="2019-06-09T22:18:52.279" v="11786" actId="1076"/>
-          <ac:spMkLst>
-            <pc:docMk/>
-            <pc:sldMk cId="3666076598" sldId="256"/>
-            <ac:spMk id="51" creationId="{3134B060-2954-2D49-9F4A-4E064FD0831B}"/>
-          </ac:spMkLst>
-        </pc:spChg>
-        <pc:spChg chg="add mod">
-          <ac:chgData name="Matthew Gagnon Mistele" userId="6da604e2-7ffc-4883-9f8d-817707fd051c" providerId="ADAL" clId="{E1146FAA-3DA4-CD4A-A152-097CF98AE828}" dt="2019-06-09T22:18:48.383" v="11785" actId="1076"/>
-          <ac:spMkLst>
-            <pc:docMk/>
-            <pc:sldMk cId="3666076598" sldId="256"/>
-            <ac:spMk id="74" creationId="{63B06EB7-FF4A-C54F-9A77-52A7F4AADB67}"/>
-          </ac:spMkLst>
-        </pc:spChg>
-        <pc:spChg chg="add mod">
-          <ac:chgData name="Matthew Gagnon Mistele" userId="6da604e2-7ffc-4883-9f8d-817707fd051c" providerId="ADAL" clId="{E1146FAA-3DA4-CD4A-A152-097CF98AE828}" dt="2019-06-09T22:18:43.141" v="11784" actId="1076"/>
-          <ac:spMkLst>
-            <pc:docMk/>
-            <pc:sldMk cId="3666076598" sldId="256"/>
-            <ac:spMk id="76" creationId="{837DB995-4B55-F24C-BABE-1EB9A31C87B5}"/>
-          </ac:spMkLst>
-        </pc:spChg>
-        <pc:spChg chg="add mod">
-          <ac:chgData name="Matthew Gagnon Mistele" userId="6da604e2-7ffc-4883-9f8d-817707fd051c" providerId="ADAL" clId="{E1146FAA-3DA4-CD4A-A152-097CF98AE828}" dt="2019-06-09T22:18:38.655" v="11783" actId="1035"/>
-          <ac:spMkLst>
-            <pc:docMk/>
-            <pc:sldMk cId="3666076598" sldId="256"/>
-            <ac:spMk id="77" creationId="{C1FE1C1B-E860-1A46-BC5A-2113A8ED8B1B}"/>
-          </ac:spMkLst>
-        </pc:spChg>
-        <pc:spChg chg="add mod">
-          <ac:chgData name="Matthew Gagnon Mistele" userId="6da604e2-7ffc-4883-9f8d-817707fd051c" providerId="ADAL" clId="{E1146FAA-3DA4-CD4A-A152-097CF98AE828}" dt="2019-06-09T22:18:56.643" v="11787" actId="1076"/>
-          <ac:spMkLst>
-            <pc:docMk/>
-            <pc:sldMk cId="3666076598" sldId="256"/>
-            <ac:spMk id="78" creationId="{A48F202D-3954-444D-8567-38BA9FDDC1E1}"/>
-          </ac:spMkLst>
-        </pc:spChg>
-        <pc:spChg chg="add del mod">
-          <ac:chgData name="Matthew Gagnon Mistele" userId="6da604e2-7ffc-4883-9f8d-817707fd051c" providerId="ADAL" clId="{E1146FAA-3DA4-CD4A-A152-097CF98AE828}" dt="2019-06-09T18:37:29.430" v="4215" actId="478"/>
-          <ac:spMkLst>
-            <pc:docMk/>
-            <pc:sldMk cId="3666076598" sldId="256"/>
-            <ac:spMk id="80" creationId="{9A963FF5-8610-B048-8055-F13635ABD282}"/>
-          </ac:spMkLst>
-        </pc:spChg>
-        <pc:spChg chg="add del mod">
-          <ac:chgData name="Matthew Gagnon Mistele" userId="6da604e2-7ffc-4883-9f8d-817707fd051c" providerId="ADAL" clId="{E1146FAA-3DA4-CD4A-A152-097CF98AE828}" dt="2019-06-09T21:26:54.232" v="8816" actId="478"/>
-          <ac:spMkLst>
-            <pc:docMk/>
-            <pc:sldMk cId="3666076598" sldId="256"/>
-            <ac:spMk id="82" creationId="{05BA5FB6-95D3-BC4E-9A15-13ED31974F89}"/>
-          </ac:spMkLst>
-        </pc:spChg>
-        <pc:spChg chg="add del mod">
-          <ac:chgData name="Matthew Gagnon Mistele" userId="6da604e2-7ffc-4883-9f8d-817707fd051c" providerId="ADAL" clId="{E1146FAA-3DA4-CD4A-A152-097CF98AE828}" dt="2019-06-09T22:00:57.345" v="11116"/>
-          <ac:spMkLst>
-            <pc:docMk/>
-            <pc:sldMk cId="3666076598" sldId="256"/>
-            <ac:spMk id="87" creationId="{5AB23E63-C720-DD45-81F7-F63C466C5372}"/>
-          </ac:spMkLst>
-        </pc:spChg>
-        <pc:grpChg chg="mod">
-          <ac:chgData name="Matthew Gagnon Mistele" userId="6da604e2-7ffc-4883-9f8d-817707fd051c" providerId="ADAL" clId="{E1146FAA-3DA4-CD4A-A152-097CF98AE828}" dt="2019-06-09T21:25:52.220" v="8789"/>
-          <ac:grpSpMkLst>
-            <pc:docMk/>
-            <pc:sldMk cId="3666076598" sldId="256"/>
-            <ac:grpSpMk id="3" creationId="{68D35D10-0E33-49D0-B5AA-CA63D57B64A4}"/>
-          </ac:grpSpMkLst>
-        </pc:grpChg>
-        <pc:grpChg chg="mod">
-          <ac:chgData name="Matthew Gagnon Mistele" userId="6da604e2-7ffc-4883-9f8d-817707fd051c" providerId="ADAL" clId="{E1146FAA-3DA4-CD4A-A152-097CF98AE828}" dt="2019-06-09T21:46:10.848" v="9816" actId="1036"/>
-          <ac:grpSpMkLst>
-            <pc:docMk/>
-            <pc:sldMk cId="3666076598" sldId="256"/>
-            <ac:grpSpMk id="33" creationId="{AD9760DD-BFA0-44FC-88B1-554EED6FCB6B}"/>
-          </ac:grpSpMkLst>
-        </pc:grpChg>
-        <pc:grpChg chg="mod">
-          <ac:chgData name="Matthew Gagnon Mistele" userId="6da604e2-7ffc-4883-9f8d-817707fd051c" providerId="ADAL" clId="{E1146FAA-3DA4-CD4A-A152-097CF98AE828}" dt="2019-06-09T23:09:29.845" v="11885" actId="1035"/>
-          <ac:grpSpMkLst>
-            <pc:docMk/>
-            <pc:sldMk cId="3666076598" sldId="256"/>
-            <ac:grpSpMk id="34" creationId="{25FE1606-2EC7-47C9-A2C4-492C4AB65D75}"/>
-          </ac:grpSpMkLst>
-        </pc:grpChg>
-        <pc:grpChg chg="mod">
-          <ac:chgData name="Matthew Gagnon Mistele" userId="6da604e2-7ffc-4883-9f8d-817707fd051c" providerId="ADAL" clId="{E1146FAA-3DA4-CD4A-A152-097CF98AE828}" dt="2019-06-09T23:08:05.847" v="11810" actId="1035"/>
-          <ac:grpSpMkLst>
-            <pc:docMk/>
-            <pc:sldMk cId="3666076598" sldId="256"/>
-            <ac:grpSpMk id="121" creationId="{F797BF32-F15A-4CED-8989-76392D6E545A}"/>
-          </ac:grpSpMkLst>
-        </pc:grpChg>
-        <pc:graphicFrameChg chg="add mod modGraphic">
-          <ac:chgData name="Matthew Gagnon Mistele" userId="6da604e2-7ffc-4883-9f8d-817707fd051c" providerId="ADAL" clId="{E1146FAA-3DA4-CD4A-A152-097CF98AE828}" dt="2019-06-09T21:49:43.906" v="10039" actId="20577"/>
-          <ac:graphicFrameMkLst>
-            <pc:docMk/>
-            <pc:sldMk cId="3666076598" sldId="256"/>
-            <ac:graphicFrameMk id="2" creationId="{B1D7894F-BF6D-8745-AD81-41AF42234477}"/>
-          </ac:graphicFrameMkLst>
-        </pc:graphicFrameChg>
-        <pc:graphicFrameChg chg="add del mod modGraphic">
-          <ac:chgData name="Matthew Gagnon Mistele" userId="6da604e2-7ffc-4883-9f8d-817707fd051c" providerId="ADAL" clId="{E1146FAA-3DA4-CD4A-A152-097CF98AE828}" dt="2019-06-09T18:25:01.546" v="3847" actId="478"/>
-          <ac:graphicFrameMkLst>
-            <pc:docMk/>
-            <pc:sldMk cId="3666076598" sldId="256"/>
-            <ac:graphicFrameMk id="50" creationId="{D2FEDF64-EF85-B246-A645-6804995FCD02}"/>
-          </ac:graphicFrameMkLst>
-        </pc:graphicFrameChg>
-        <pc:picChg chg="add del mod">
-          <ac:chgData name="Matthew Gagnon Mistele" userId="6da604e2-7ffc-4883-9f8d-817707fd051c" providerId="ADAL" clId="{E1146FAA-3DA4-CD4A-A152-097CF98AE828}" dt="2019-06-09T18:22:51.784" v="3720" actId="478"/>
-          <ac:picMkLst>
-            <pc:docMk/>
-            <pc:sldMk cId="3666076598" sldId="256"/>
-            <ac:picMk id="13" creationId="{E6C79106-15A7-134F-AA52-240AAC4CFDFA}"/>
-          </ac:picMkLst>
-        </pc:picChg>
-        <pc:picChg chg="add del mod">
-          <ac:chgData name="Matthew Gagnon Mistele" userId="6da604e2-7ffc-4883-9f8d-817707fd051c" providerId="ADAL" clId="{E1146FAA-3DA4-CD4A-A152-097CF98AE828}" dt="2019-06-09T18:22:54.556" v="3721" actId="478"/>
-          <ac:picMkLst>
-            <pc:docMk/>
-            <pc:sldMk cId="3666076598" sldId="256"/>
-            <ac:picMk id="16" creationId="{7638625B-184C-4248-A35B-BBB53915CCA2}"/>
-          </ac:picMkLst>
-        </pc:picChg>
-        <pc:picChg chg="add mod">
-          <ac:chgData name="Matthew Gagnon Mistele" userId="6da604e2-7ffc-4883-9f8d-817707fd051c" providerId="ADAL" clId="{E1146FAA-3DA4-CD4A-A152-097CF98AE828}" dt="2019-06-09T22:17:53.887" v="11760" actId="1076"/>
-          <ac:picMkLst>
-            <pc:docMk/>
-            <pc:sldMk cId="3666076598" sldId="256"/>
-            <ac:picMk id="19" creationId="{0B788A0C-37C1-8F44-9665-5E3514C24759}"/>
-          </ac:picMkLst>
-        </pc:picChg>
-        <pc:picChg chg="add del mod">
-          <ac:chgData name="Matthew Gagnon Mistele" userId="6da604e2-7ffc-4883-9f8d-817707fd051c" providerId="ADAL" clId="{E1146FAA-3DA4-CD4A-A152-097CF98AE828}" dt="2019-06-09T22:16:55.176" v="11737" actId="478"/>
-          <ac:picMkLst>
-            <pc:docMk/>
-            <pc:sldMk cId="3666076598" sldId="256"/>
-            <ac:picMk id="29" creationId="{B608ACD1-30BD-D545-84D4-CAC250747533}"/>
-          </ac:picMkLst>
-        </pc:picChg>
-        <pc:picChg chg="add del mod">
-          <ac:chgData name="Matthew Gagnon Mistele" userId="6da604e2-7ffc-4883-9f8d-817707fd051c" providerId="ADAL" clId="{E1146FAA-3DA4-CD4A-A152-097CF98AE828}" dt="2019-06-09T22:16:52.418" v="11736" actId="478"/>
-          <ac:picMkLst>
-            <pc:docMk/>
-            <pc:sldMk cId="3666076598" sldId="256"/>
-            <ac:picMk id="36" creationId="{9EEE33B5-2704-0D43-9660-4DE18278DBE2}"/>
-          </ac:picMkLst>
-        </pc:picChg>
-        <pc:picChg chg="add del mod">
-          <ac:chgData name="Matthew Gagnon Mistele" userId="6da604e2-7ffc-4883-9f8d-817707fd051c" providerId="ADAL" clId="{E1146FAA-3DA4-CD4A-A152-097CF98AE828}" dt="2019-06-09T18:24:55.923" v="3845"/>
-          <ac:picMkLst>
-            <pc:docMk/>
-            <pc:sldMk cId="3666076598" sldId="256"/>
-            <ac:picMk id="38" creationId="{EC25F6B4-D292-9949-A9E1-98BC4A0370BC}"/>
-          </ac:picMkLst>
-        </pc:picChg>
-        <pc:picChg chg="add mod">
-          <ac:chgData name="Matthew Gagnon Mistele" userId="6da604e2-7ffc-4883-9f8d-817707fd051c" providerId="ADAL" clId="{E1146FAA-3DA4-CD4A-A152-097CF98AE828}" dt="2019-06-09T22:17:51.658" v="11759" actId="1076"/>
-          <ac:picMkLst>
-            <pc:docMk/>
-            <pc:sldMk cId="3666076598" sldId="256"/>
-            <ac:picMk id="41" creationId="{E714DE9B-E5C5-C34F-B953-BF68AC52B443}"/>
-          </ac:picMkLst>
-        </pc:picChg>
-        <pc:picChg chg="add mod">
-          <ac:chgData name="Matthew Gagnon Mistele" userId="6da604e2-7ffc-4883-9f8d-817707fd051c" providerId="ADAL" clId="{E1146FAA-3DA4-CD4A-A152-097CF98AE828}" dt="2019-06-09T22:18:17.327" v="11773" actId="1037"/>
-          <ac:picMkLst>
-            <pc:docMk/>
-            <pc:sldMk cId="3666076598" sldId="256"/>
-            <ac:picMk id="45" creationId="{D9A833BF-0F12-144C-83C4-54687777FF96}"/>
-          </ac:picMkLst>
-        </pc:picChg>
-        <pc:picChg chg="add mod">
-          <ac:chgData name="Matthew Gagnon Mistele" userId="6da604e2-7ffc-4883-9f8d-817707fd051c" providerId="ADAL" clId="{E1146FAA-3DA4-CD4A-A152-097CF98AE828}" dt="2019-06-09T22:18:26.815" v="11778" actId="1037"/>
-          <ac:picMkLst>
-            <pc:docMk/>
-            <pc:sldMk cId="3666076598" sldId="256"/>
-            <ac:picMk id="47" creationId="{AFFCC4FD-02D5-0347-8B77-14251F272F93}"/>
-          </ac:picMkLst>
-        </pc:picChg>
-        <pc:picChg chg="add del mod">
-          <ac:chgData name="Matthew Gagnon Mistele" userId="6da604e2-7ffc-4883-9f8d-817707fd051c" providerId="ADAL" clId="{E1146FAA-3DA4-CD4A-A152-097CF98AE828}" dt="2019-06-09T18:37:29.430" v="4215" actId="478"/>
-          <ac:picMkLst>
-            <pc:docMk/>
-            <pc:sldMk cId="3666076598" sldId="256"/>
-            <ac:picMk id="49" creationId="{8F767903-0A32-0640-B6AE-AE60608390B7}"/>
-          </ac:picMkLst>
-        </pc:picChg>
-        <pc:picChg chg="add del mod">
-          <ac:chgData name="Matthew Gagnon Mistele" userId="6da604e2-7ffc-4883-9f8d-817707fd051c" providerId="ADAL" clId="{E1146FAA-3DA4-CD4A-A152-097CF98AE828}" dt="2019-06-09T21:36:04.247" v="9554"/>
-          <ac:picMkLst>
-            <pc:docMk/>
-            <pc:sldMk cId="3666076598" sldId="256"/>
-            <ac:picMk id="53" creationId="{E8DB561B-0F71-6E4F-BB67-09F732079DA0}"/>
-          </ac:picMkLst>
-        </pc:picChg>
-        <pc:picChg chg="add mod">
-          <ac:chgData name="Matthew Gagnon Mistele" userId="6da604e2-7ffc-4883-9f8d-817707fd051c" providerId="ADAL" clId="{E1146FAA-3DA4-CD4A-A152-097CF98AE828}" dt="2019-06-09T22:09:34.365" v="11318" actId="1035"/>
-          <ac:picMkLst>
-            <pc:docMk/>
-            <pc:sldMk cId="3666076598" sldId="256"/>
-            <ac:picMk id="55" creationId="{C10F3C0A-CDE0-EE42-8BA0-E6EDCE232CA5}"/>
-          </ac:picMkLst>
-        </pc:picChg>
-        <pc:picChg chg="add del mod">
-          <ac:chgData name="Matthew Gagnon Mistele" userId="6da604e2-7ffc-4883-9f8d-817707fd051c" providerId="ADAL" clId="{E1146FAA-3DA4-CD4A-A152-097CF98AE828}" dt="2019-06-09T22:00:57.345" v="11116"/>
-          <ac:picMkLst>
-            <pc:docMk/>
-            <pc:sldMk cId="3666076598" sldId="256"/>
-            <ac:picMk id="57" creationId="{26F80853-B78E-9C45-8667-C4DDCC3A02D6}"/>
-          </ac:picMkLst>
-        </pc:picChg>
-        <pc:picChg chg="add mod">
-          <ac:chgData name="Matthew Gagnon Mistele" userId="6da604e2-7ffc-4883-9f8d-817707fd051c" providerId="ADAL" clId="{E1146FAA-3DA4-CD4A-A152-097CF98AE828}" dt="2019-06-09T22:18:20.785" v="11777" actId="1038"/>
-          <ac:picMkLst>
-            <pc:docMk/>
-            <pc:sldMk cId="3666076598" sldId="256"/>
-            <ac:picMk id="59" creationId="{49673213-8AFF-9745-845C-70B88A20CCB5}"/>
-          </ac:picMkLst>
-        </pc:picChg>
-        <pc:picChg chg="add mod">
-          <ac:chgData name="Matthew Gagnon Mistele" userId="6da604e2-7ffc-4883-9f8d-817707fd051c" providerId="ADAL" clId="{E1146FAA-3DA4-CD4A-A152-097CF98AE828}" dt="2019-06-09T22:18:19.742" v="11775" actId="1037"/>
-          <ac:picMkLst>
-            <pc:docMk/>
-            <pc:sldMk cId="3666076598" sldId="256"/>
-            <ac:picMk id="61" creationId="{44B1479A-D341-D445-B27E-17DC4EA67C1E}"/>
-          </ac:picMkLst>
-        </pc:picChg>
-        <pc:picChg chg="add mod">
-          <ac:chgData name="Matthew Gagnon Mistele" userId="6da604e2-7ffc-4883-9f8d-817707fd051c" providerId="ADAL" clId="{E1146FAA-3DA4-CD4A-A152-097CF98AE828}" dt="2019-06-09T22:18:08.855" v="11765" actId="14100"/>
-          <ac:picMkLst>
-            <pc:docMk/>
-            <pc:sldMk cId="3666076598" sldId="256"/>
-            <ac:picMk id="72" creationId="{49712E36-FDC0-C64D-B53D-E431D3D46E40}"/>
-          </ac:picMkLst>
-        </pc:picChg>
-        <pc:picChg chg="add del mod">
-          <ac:chgData name="Matthew Gagnon Mistele" userId="6da604e2-7ffc-4883-9f8d-817707fd051c" providerId="ADAL" clId="{E1146FAA-3DA4-CD4A-A152-097CF98AE828}" dt="2019-06-09T21:43:55.112" v="9663" actId="478"/>
-          <ac:picMkLst>
-            <pc:docMk/>
-            <pc:sldMk cId="3666076598" sldId="256"/>
-            <ac:picMk id="84" creationId="{BBFA72FD-07EE-C34F-9926-A702BB882B2D}"/>
-          </ac:picMkLst>
-        </pc:picChg>
-        <pc:picChg chg="mod">
-          <ac:chgData name="Matthew Gagnon Mistele" userId="6da604e2-7ffc-4883-9f8d-817707fd051c" providerId="ADAL" clId="{E1146FAA-3DA4-CD4A-A152-097CF98AE828}" dt="2019-06-09T22:11:24.658" v="11357" actId="1035"/>
-          <ac:picMkLst>
-            <pc:docMk/>
-            <pc:sldMk cId="3666076598" sldId="256"/>
-            <ac:picMk id="126" creationId="{3FE2A811-6808-44D4-8094-62C95EE25575}"/>
-          </ac:picMkLst>
-        </pc:picChg>
-      </pc:sldChg>
-      <pc:sldChg chg="addSp delSp modSp">
-        <pc:chgData name="Matthew Gagnon Mistele" userId="6da604e2-7ffc-4883-9f8d-817707fd051c" providerId="ADAL" clId="{E1146FAA-3DA4-CD4A-A152-097CF98AE828}" dt="2019-06-09T22:01:00.759" v="11118" actId="1037"/>
-        <pc:sldMkLst>
-          <pc:docMk/>
-          <pc:sldMk cId="1552143904" sldId="257"/>
-        </pc:sldMkLst>
-        <pc:spChg chg="add mod">
-          <ac:chgData name="Matthew Gagnon Mistele" userId="6da604e2-7ffc-4883-9f8d-817707fd051c" providerId="ADAL" clId="{E1146FAA-3DA4-CD4A-A152-097CF98AE828}" dt="2019-06-09T22:01:00.759" v="11118" actId="1037"/>
-          <ac:spMkLst>
-            <pc:docMk/>
-            <pc:sldMk cId="1552143904" sldId="257"/>
-            <ac:spMk id="42" creationId="{51DDAB87-142F-284B-8F79-7BA6CC9EB0C2}"/>
-          </ac:spMkLst>
-        </pc:spChg>
-        <pc:picChg chg="add del mod">
-          <ac:chgData name="Matthew Gagnon Mistele" userId="6da604e2-7ffc-4883-9f8d-817707fd051c" providerId="ADAL" clId="{E1146FAA-3DA4-CD4A-A152-097CF98AE828}" dt="2019-06-09T21:37:42.388" v="9660"/>
-          <ac:picMkLst>
-            <pc:docMk/>
-            <pc:sldMk cId="1552143904" sldId="257"/>
-            <ac:picMk id="40" creationId="{F0365BFA-0D14-9144-8050-C2EFADFBED18}"/>
-          </ac:picMkLst>
-        </pc:picChg>
-        <pc:picChg chg="add mod">
-          <ac:chgData name="Matthew Gagnon Mistele" userId="6da604e2-7ffc-4883-9f8d-817707fd051c" providerId="ADAL" clId="{E1146FAA-3DA4-CD4A-A152-097CF98AE828}" dt="2019-06-09T22:01:00.759" v="11118" actId="1037"/>
-          <ac:picMkLst>
-            <pc:docMk/>
-            <pc:sldMk cId="1552143904" sldId="257"/>
-            <ac:picMk id="41" creationId="{0440936B-9A97-964B-83F7-BC9024600ACE}"/>
-          </ac:picMkLst>
-        </pc:picChg>
-      </pc:sldChg>
-    </pc:docChg>
-  </pc:docChgLst>
-  <pc:docChgLst>
     <pc:chgData name="Julia Gong" userId="56d9f604-d530-4517-a0bf-7f0e2638ca76" providerId="ADAL" clId="{CBF6ACB1-B624-435E-9228-64D12A7AC7C0}"/>
     <pc:docChg chg="undo custSel modSld">
       <pc:chgData name="Julia Gong" userId="56d9f604-d530-4517-a0bf-7f0e2638ca76" providerId="ADAL" clId="{CBF6ACB1-B624-435E-9228-64D12A7AC7C0}" dt="2019-12-12T05:50:34.666" v="12955" actId="2711"/>
@@ -1243,6 +860,389 @@
             <ac:spMk id="2" creationId="{00000000-0000-0000-0000-000000000000}"/>
           </ac:spMkLst>
         </pc:spChg>
+      </pc:sldChg>
+    </pc:docChg>
+  </pc:docChgLst>
+  <pc:docChgLst>
+    <pc:chgData name="Matthew Gagnon Mistele" userId="6da604e2-7ffc-4883-9f8d-817707fd051c" providerId="ADAL" clId="{E1146FAA-3DA4-CD4A-A152-097CF98AE828}"/>
+    <pc:docChg chg="undo custSel modSld">
+      <pc:chgData name="Matthew Gagnon Mistele" userId="6da604e2-7ffc-4883-9f8d-817707fd051c" providerId="ADAL" clId="{E1146FAA-3DA4-CD4A-A152-097CF98AE828}" dt="2019-06-09T23:11:03.828" v="11981" actId="20577"/>
+      <pc:docMkLst>
+        <pc:docMk/>
+      </pc:docMkLst>
+      <pc:sldChg chg="addSp delSp modSp">
+        <pc:chgData name="Matthew Gagnon Mistele" userId="6da604e2-7ffc-4883-9f8d-817707fd051c" providerId="ADAL" clId="{E1146FAA-3DA4-CD4A-A152-097CF98AE828}" dt="2019-06-09T23:11:03.828" v="11981" actId="20577"/>
+        <pc:sldMkLst>
+          <pc:docMk/>
+          <pc:sldMk cId="3666076598" sldId="256"/>
+        </pc:sldMkLst>
+        <pc:spChg chg="mod">
+          <ac:chgData name="Matthew Gagnon Mistele" userId="6da604e2-7ffc-4883-9f8d-817707fd051c" providerId="ADAL" clId="{E1146FAA-3DA4-CD4A-A152-097CF98AE828}" dt="2019-06-09T21:27:31.223" v="8819" actId="14100"/>
+          <ac:spMkLst>
+            <pc:docMk/>
+            <pc:sldMk cId="3666076598" sldId="256"/>
+            <ac:spMk id="9" creationId="{83A2C0AD-5F9E-42CD-A33A-38402503C90A}"/>
+          </ac:spMkLst>
+        </pc:spChg>
+        <pc:spChg chg="del mod">
+          <ac:chgData name="Matthew Gagnon Mistele" userId="6da604e2-7ffc-4883-9f8d-817707fd051c" providerId="ADAL" clId="{E1146FAA-3DA4-CD4A-A152-097CF98AE828}" dt="2019-06-09T21:33:23.844" v="9496" actId="478"/>
+          <ac:spMkLst>
+            <pc:docMk/>
+            <pc:sldMk cId="3666076598" sldId="256"/>
+            <ac:spMk id="18" creationId="{00000000-0000-0000-0000-000000000000}"/>
+          </ac:spMkLst>
+        </pc:spChg>
+        <pc:spChg chg="mod">
+          <ac:chgData name="Matthew Gagnon Mistele" userId="6da604e2-7ffc-4883-9f8d-817707fd051c" providerId="ADAL" clId="{E1146FAA-3DA4-CD4A-A152-097CF98AE828}" dt="2019-06-09T23:11:03.828" v="11981" actId="20577"/>
+          <ac:spMkLst>
+            <pc:docMk/>
+            <pc:sldMk cId="3666076598" sldId="256"/>
+            <ac:spMk id="22" creationId="{267E0B45-A133-4225-8014-15EAF103E834}"/>
+          </ac:spMkLst>
+        </pc:spChg>
+        <pc:spChg chg="mod">
+          <ac:chgData name="Matthew Gagnon Mistele" userId="6da604e2-7ffc-4883-9f8d-817707fd051c" providerId="ADAL" clId="{E1146FAA-3DA4-CD4A-A152-097CF98AE828}" dt="2019-06-09T22:06:47.018" v="11242" actId="20577"/>
+          <ac:spMkLst>
+            <pc:docMk/>
+            <pc:sldMk cId="3666076598" sldId="256"/>
+            <ac:spMk id="24" creationId="{E707F84B-B40D-40EB-81AA-9DCF8CDAC492}"/>
+          </ac:spMkLst>
+        </pc:spChg>
+        <pc:spChg chg="mod">
+          <ac:chgData name="Matthew Gagnon Mistele" userId="6da604e2-7ffc-4883-9f8d-817707fd051c" providerId="ADAL" clId="{E1146FAA-3DA4-CD4A-A152-097CF98AE828}" dt="2019-06-09T22:08:31.683" v="11268" actId="20577"/>
+          <ac:spMkLst>
+            <pc:docMk/>
+            <pc:sldMk cId="3666076598" sldId="256"/>
+            <ac:spMk id="25" creationId="{9B9B8026-FB28-4FF3-9636-0276856AFBD9}"/>
+          </ac:spMkLst>
+        </pc:spChg>
+        <pc:spChg chg="mod">
+          <ac:chgData name="Matthew Gagnon Mistele" userId="6da604e2-7ffc-4883-9f8d-817707fd051c" providerId="ADAL" clId="{E1146FAA-3DA4-CD4A-A152-097CF98AE828}" dt="2019-06-09T22:07:52.030" v="11258" actId="20577"/>
+          <ac:spMkLst>
+            <pc:docMk/>
+            <pc:sldMk cId="3666076598" sldId="256"/>
+            <ac:spMk id="26" creationId="{8FEADF52-C444-4729-82C9-8A13C2DCDF2E}"/>
+          </ac:spMkLst>
+        </pc:spChg>
+        <pc:spChg chg="mod">
+          <ac:chgData name="Matthew Gagnon Mistele" userId="6da604e2-7ffc-4883-9f8d-817707fd051c" providerId="ADAL" clId="{E1146FAA-3DA4-CD4A-A152-097CF98AE828}" dt="2019-06-09T22:16:04.528" v="11732" actId="20577"/>
+          <ac:spMkLst>
+            <pc:docMk/>
+            <pc:sldMk cId="3666076598" sldId="256"/>
+            <ac:spMk id="27" creationId="{5A0BA04D-C70B-4D2B-B62D-9DE8DF804844}"/>
+          </ac:spMkLst>
+        </pc:spChg>
+        <pc:spChg chg="del mod">
+          <ac:chgData name="Matthew Gagnon Mistele" userId="6da604e2-7ffc-4883-9f8d-817707fd051c" providerId="ADAL" clId="{E1146FAA-3DA4-CD4A-A152-097CF98AE828}" dt="2019-06-09T18:57:56.565" v="5925" actId="478"/>
+          <ac:spMkLst>
+            <pc:docMk/>
+            <pc:sldMk cId="3666076598" sldId="256"/>
+            <ac:spMk id="39" creationId="{00000000-0000-0000-0000-000000000000}"/>
+          </ac:spMkLst>
+        </pc:spChg>
+        <pc:spChg chg="mod">
+          <ac:chgData name="Matthew Gagnon Mistele" userId="6da604e2-7ffc-4883-9f8d-817707fd051c" providerId="ADAL" clId="{E1146FAA-3DA4-CD4A-A152-097CF98AE828}" dt="2019-06-09T22:11:19.520" v="11337" actId="20577"/>
+          <ac:spMkLst>
+            <pc:docMk/>
+            <pc:sldMk cId="3666076598" sldId="256"/>
+            <ac:spMk id="43" creationId="{8415E113-F36F-4BB1-A6E3-BE891F93B0F4}"/>
+          </ac:spMkLst>
+        </pc:spChg>
+        <pc:spChg chg="mod">
+          <ac:chgData name="Matthew Gagnon Mistele" userId="6da604e2-7ffc-4883-9f8d-817707fd051c" providerId="ADAL" clId="{E1146FAA-3DA4-CD4A-A152-097CF98AE828}" dt="2019-06-09T22:11:28.343" v="11366" actId="1035"/>
+          <ac:spMkLst>
+            <pc:docMk/>
+            <pc:sldMk cId="3666076598" sldId="256"/>
+            <ac:spMk id="44" creationId="{00000000-0000-0000-0000-000000000000}"/>
+          </ac:spMkLst>
+        </pc:spChg>
+        <pc:spChg chg="add mod">
+          <ac:chgData name="Matthew Gagnon Mistele" userId="6da604e2-7ffc-4883-9f8d-817707fd051c" providerId="ADAL" clId="{E1146FAA-3DA4-CD4A-A152-097CF98AE828}" dt="2019-06-09T22:18:52.279" v="11786" actId="1076"/>
+          <ac:spMkLst>
+            <pc:docMk/>
+            <pc:sldMk cId="3666076598" sldId="256"/>
+            <ac:spMk id="51" creationId="{3134B060-2954-2D49-9F4A-4E064FD0831B}"/>
+          </ac:spMkLst>
+        </pc:spChg>
+        <pc:spChg chg="add mod">
+          <ac:chgData name="Matthew Gagnon Mistele" userId="6da604e2-7ffc-4883-9f8d-817707fd051c" providerId="ADAL" clId="{E1146FAA-3DA4-CD4A-A152-097CF98AE828}" dt="2019-06-09T22:18:48.383" v="11785" actId="1076"/>
+          <ac:spMkLst>
+            <pc:docMk/>
+            <pc:sldMk cId="3666076598" sldId="256"/>
+            <ac:spMk id="74" creationId="{63B06EB7-FF4A-C54F-9A77-52A7F4AADB67}"/>
+          </ac:spMkLst>
+        </pc:spChg>
+        <pc:spChg chg="add mod">
+          <ac:chgData name="Matthew Gagnon Mistele" userId="6da604e2-7ffc-4883-9f8d-817707fd051c" providerId="ADAL" clId="{E1146FAA-3DA4-CD4A-A152-097CF98AE828}" dt="2019-06-09T22:18:43.141" v="11784" actId="1076"/>
+          <ac:spMkLst>
+            <pc:docMk/>
+            <pc:sldMk cId="3666076598" sldId="256"/>
+            <ac:spMk id="76" creationId="{837DB995-4B55-F24C-BABE-1EB9A31C87B5}"/>
+          </ac:spMkLst>
+        </pc:spChg>
+        <pc:spChg chg="add mod">
+          <ac:chgData name="Matthew Gagnon Mistele" userId="6da604e2-7ffc-4883-9f8d-817707fd051c" providerId="ADAL" clId="{E1146FAA-3DA4-CD4A-A152-097CF98AE828}" dt="2019-06-09T22:18:38.655" v="11783" actId="1035"/>
+          <ac:spMkLst>
+            <pc:docMk/>
+            <pc:sldMk cId="3666076598" sldId="256"/>
+            <ac:spMk id="77" creationId="{C1FE1C1B-E860-1A46-BC5A-2113A8ED8B1B}"/>
+          </ac:spMkLst>
+        </pc:spChg>
+        <pc:spChg chg="add mod">
+          <ac:chgData name="Matthew Gagnon Mistele" userId="6da604e2-7ffc-4883-9f8d-817707fd051c" providerId="ADAL" clId="{E1146FAA-3DA4-CD4A-A152-097CF98AE828}" dt="2019-06-09T22:18:56.643" v="11787" actId="1076"/>
+          <ac:spMkLst>
+            <pc:docMk/>
+            <pc:sldMk cId="3666076598" sldId="256"/>
+            <ac:spMk id="78" creationId="{A48F202D-3954-444D-8567-38BA9FDDC1E1}"/>
+          </ac:spMkLst>
+        </pc:spChg>
+        <pc:spChg chg="add del mod">
+          <ac:chgData name="Matthew Gagnon Mistele" userId="6da604e2-7ffc-4883-9f8d-817707fd051c" providerId="ADAL" clId="{E1146FAA-3DA4-CD4A-A152-097CF98AE828}" dt="2019-06-09T18:37:29.430" v="4215" actId="478"/>
+          <ac:spMkLst>
+            <pc:docMk/>
+            <pc:sldMk cId="3666076598" sldId="256"/>
+            <ac:spMk id="80" creationId="{9A963FF5-8610-B048-8055-F13635ABD282}"/>
+          </ac:spMkLst>
+        </pc:spChg>
+        <pc:spChg chg="add del mod">
+          <ac:chgData name="Matthew Gagnon Mistele" userId="6da604e2-7ffc-4883-9f8d-817707fd051c" providerId="ADAL" clId="{E1146FAA-3DA4-CD4A-A152-097CF98AE828}" dt="2019-06-09T21:26:54.232" v="8816" actId="478"/>
+          <ac:spMkLst>
+            <pc:docMk/>
+            <pc:sldMk cId="3666076598" sldId="256"/>
+            <ac:spMk id="82" creationId="{05BA5FB6-95D3-BC4E-9A15-13ED31974F89}"/>
+          </ac:spMkLst>
+        </pc:spChg>
+        <pc:spChg chg="add del mod">
+          <ac:chgData name="Matthew Gagnon Mistele" userId="6da604e2-7ffc-4883-9f8d-817707fd051c" providerId="ADAL" clId="{E1146FAA-3DA4-CD4A-A152-097CF98AE828}" dt="2019-06-09T22:00:57.345" v="11116"/>
+          <ac:spMkLst>
+            <pc:docMk/>
+            <pc:sldMk cId="3666076598" sldId="256"/>
+            <ac:spMk id="87" creationId="{5AB23E63-C720-DD45-81F7-F63C466C5372}"/>
+          </ac:spMkLst>
+        </pc:spChg>
+        <pc:grpChg chg="mod">
+          <ac:chgData name="Matthew Gagnon Mistele" userId="6da604e2-7ffc-4883-9f8d-817707fd051c" providerId="ADAL" clId="{E1146FAA-3DA4-CD4A-A152-097CF98AE828}" dt="2019-06-09T21:25:52.220" v="8789"/>
+          <ac:grpSpMkLst>
+            <pc:docMk/>
+            <pc:sldMk cId="3666076598" sldId="256"/>
+            <ac:grpSpMk id="3" creationId="{68D35D10-0E33-49D0-B5AA-CA63D57B64A4}"/>
+          </ac:grpSpMkLst>
+        </pc:grpChg>
+        <pc:grpChg chg="mod">
+          <ac:chgData name="Matthew Gagnon Mistele" userId="6da604e2-7ffc-4883-9f8d-817707fd051c" providerId="ADAL" clId="{E1146FAA-3DA4-CD4A-A152-097CF98AE828}" dt="2019-06-09T21:46:10.848" v="9816" actId="1036"/>
+          <ac:grpSpMkLst>
+            <pc:docMk/>
+            <pc:sldMk cId="3666076598" sldId="256"/>
+            <ac:grpSpMk id="33" creationId="{AD9760DD-BFA0-44FC-88B1-554EED6FCB6B}"/>
+          </ac:grpSpMkLst>
+        </pc:grpChg>
+        <pc:grpChg chg="mod">
+          <ac:chgData name="Matthew Gagnon Mistele" userId="6da604e2-7ffc-4883-9f8d-817707fd051c" providerId="ADAL" clId="{E1146FAA-3DA4-CD4A-A152-097CF98AE828}" dt="2019-06-09T23:09:29.845" v="11885" actId="1035"/>
+          <ac:grpSpMkLst>
+            <pc:docMk/>
+            <pc:sldMk cId="3666076598" sldId="256"/>
+            <ac:grpSpMk id="34" creationId="{25FE1606-2EC7-47C9-A2C4-492C4AB65D75}"/>
+          </ac:grpSpMkLst>
+        </pc:grpChg>
+        <pc:grpChg chg="mod">
+          <ac:chgData name="Matthew Gagnon Mistele" userId="6da604e2-7ffc-4883-9f8d-817707fd051c" providerId="ADAL" clId="{E1146FAA-3DA4-CD4A-A152-097CF98AE828}" dt="2019-06-09T23:08:05.847" v="11810" actId="1035"/>
+          <ac:grpSpMkLst>
+            <pc:docMk/>
+            <pc:sldMk cId="3666076598" sldId="256"/>
+            <ac:grpSpMk id="121" creationId="{F797BF32-F15A-4CED-8989-76392D6E545A}"/>
+          </ac:grpSpMkLst>
+        </pc:grpChg>
+        <pc:graphicFrameChg chg="add mod modGraphic">
+          <ac:chgData name="Matthew Gagnon Mistele" userId="6da604e2-7ffc-4883-9f8d-817707fd051c" providerId="ADAL" clId="{E1146FAA-3DA4-CD4A-A152-097CF98AE828}" dt="2019-06-09T21:49:43.906" v="10039" actId="20577"/>
+          <ac:graphicFrameMkLst>
+            <pc:docMk/>
+            <pc:sldMk cId="3666076598" sldId="256"/>
+            <ac:graphicFrameMk id="2" creationId="{B1D7894F-BF6D-8745-AD81-41AF42234477}"/>
+          </ac:graphicFrameMkLst>
+        </pc:graphicFrameChg>
+        <pc:graphicFrameChg chg="add del mod modGraphic">
+          <ac:chgData name="Matthew Gagnon Mistele" userId="6da604e2-7ffc-4883-9f8d-817707fd051c" providerId="ADAL" clId="{E1146FAA-3DA4-CD4A-A152-097CF98AE828}" dt="2019-06-09T18:25:01.546" v="3847" actId="478"/>
+          <ac:graphicFrameMkLst>
+            <pc:docMk/>
+            <pc:sldMk cId="3666076598" sldId="256"/>
+            <ac:graphicFrameMk id="50" creationId="{D2FEDF64-EF85-B246-A645-6804995FCD02}"/>
+          </ac:graphicFrameMkLst>
+        </pc:graphicFrameChg>
+        <pc:picChg chg="add del mod">
+          <ac:chgData name="Matthew Gagnon Mistele" userId="6da604e2-7ffc-4883-9f8d-817707fd051c" providerId="ADAL" clId="{E1146FAA-3DA4-CD4A-A152-097CF98AE828}" dt="2019-06-09T18:22:51.784" v="3720" actId="478"/>
+          <ac:picMkLst>
+            <pc:docMk/>
+            <pc:sldMk cId="3666076598" sldId="256"/>
+            <ac:picMk id="13" creationId="{E6C79106-15A7-134F-AA52-240AAC4CFDFA}"/>
+          </ac:picMkLst>
+        </pc:picChg>
+        <pc:picChg chg="add del mod">
+          <ac:chgData name="Matthew Gagnon Mistele" userId="6da604e2-7ffc-4883-9f8d-817707fd051c" providerId="ADAL" clId="{E1146FAA-3DA4-CD4A-A152-097CF98AE828}" dt="2019-06-09T18:22:54.556" v="3721" actId="478"/>
+          <ac:picMkLst>
+            <pc:docMk/>
+            <pc:sldMk cId="3666076598" sldId="256"/>
+            <ac:picMk id="16" creationId="{7638625B-184C-4248-A35B-BBB53915CCA2}"/>
+          </ac:picMkLst>
+        </pc:picChg>
+        <pc:picChg chg="add mod">
+          <ac:chgData name="Matthew Gagnon Mistele" userId="6da604e2-7ffc-4883-9f8d-817707fd051c" providerId="ADAL" clId="{E1146FAA-3DA4-CD4A-A152-097CF98AE828}" dt="2019-06-09T22:17:53.887" v="11760" actId="1076"/>
+          <ac:picMkLst>
+            <pc:docMk/>
+            <pc:sldMk cId="3666076598" sldId="256"/>
+            <ac:picMk id="19" creationId="{0B788A0C-37C1-8F44-9665-5E3514C24759}"/>
+          </ac:picMkLst>
+        </pc:picChg>
+        <pc:picChg chg="add del mod">
+          <ac:chgData name="Matthew Gagnon Mistele" userId="6da604e2-7ffc-4883-9f8d-817707fd051c" providerId="ADAL" clId="{E1146FAA-3DA4-CD4A-A152-097CF98AE828}" dt="2019-06-09T22:16:55.176" v="11737" actId="478"/>
+          <ac:picMkLst>
+            <pc:docMk/>
+            <pc:sldMk cId="3666076598" sldId="256"/>
+            <ac:picMk id="29" creationId="{B608ACD1-30BD-D545-84D4-CAC250747533}"/>
+          </ac:picMkLst>
+        </pc:picChg>
+        <pc:picChg chg="add del mod">
+          <ac:chgData name="Matthew Gagnon Mistele" userId="6da604e2-7ffc-4883-9f8d-817707fd051c" providerId="ADAL" clId="{E1146FAA-3DA4-CD4A-A152-097CF98AE828}" dt="2019-06-09T22:16:52.418" v="11736" actId="478"/>
+          <ac:picMkLst>
+            <pc:docMk/>
+            <pc:sldMk cId="3666076598" sldId="256"/>
+            <ac:picMk id="36" creationId="{9EEE33B5-2704-0D43-9660-4DE18278DBE2}"/>
+          </ac:picMkLst>
+        </pc:picChg>
+        <pc:picChg chg="add del mod">
+          <ac:chgData name="Matthew Gagnon Mistele" userId="6da604e2-7ffc-4883-9f8d-817707fd051c" providerId="ADAL" clId="{E1146FAA-3DA4-CD4A-A152-097CF98AE828}" dt="2019-06-09T18:24:55.923" v="3845"/>
+          <ac:picMkLst>
+            <pc:docMk/>
+            <pc:sldMk cId="3666076598" sldId="256"/>
+            <ac:picMk id="38" creationId="{EC25F6B4-D292-9949-A9E1-98BC4A0370BC}"/>
+          </ac:picMkLst>
+        </pc:picChg>
+        <pc:picChg chg="add mod">
+          <ac:chgData name="Matthew Gagnon Mistele" userId="6da604e2-7ffc-4883-9f8d-817707fd051c" providerId="ADAL" clId="{E1146FAA-3DA4-CD4A-A152-097CF98AE828}" dt="2019-06-09T22:17:51.658" v="11759" actId="1076"/>
+          <ac:picMkLst>
+            <pc:docMk/>
+            <pc:sldMk cId="3666076598" sldId="256"/>
+            <ac:picMk id="41" creationId="{E714DE9B-E5C5-C34F-B953-BF68AC52B443}"/>
+          </ac:picMkLst>
+        </pc:picChg>
+        <pc:picChg chg="add mod">
+          <ac:chgData name="Matthew Gagnon Mistele" userId="6da604e2-7ffc-4883-9f8d-817707fd051c" providerId="ADAL" clId="{E1146FAA-3DA4-CD4A-A152-097CF98AE828}" dt="2019-06-09T22:18:17.327" v="11773" actId="1037"/>
+          <ac:picMkLst>
+            <pc:docMk/>
+            <pc:sldMk cId="3666076598" sldId="256"/>
+            <ac:picMk id="45" creationId="{D9A833BF-0F12-144C-83C4-54687777FF96}"/>
+          </ac:picMkLst>
+        </pc:picChg>
+        <pc:picChg chg="add mod">
+          <ac:chgData name="Matthew Gagnon Mistele" userId="6da604e2-7ffc-4883-9f8d-817707fd051c" providerId="ADAL" clId="{E1146FAA-3DA4-CD4A-A152-097CF98AE828}" dt="2019-06-09T22:18:26.815" v="11778" actId="1037"/>
+          <ac:picMkLst>
+            <pc:docMk/>
+            <pc:sldMk cId="3666076598" sldId="256"/>
+            <ac:picMk id="47" creationId="{AFFCC4FD-02D5-0347-8B77-14251F272F93}"/>
+          </ac:picMkLst>
+        </pc:picChg>
+        <pc:picChg chg="add del mod">
+          <ac:chgData name="Matthew Gagnon Mistele" userId="6da604e2-7ffc-4883-9f8d-817707fd051c" providerId="ADAL" clId="{E1146FAA-3DA4-CD4A-A152-097CF98AE828}" dt="2019-06-09T18:37:29.430" v="4215" actId="478"/>
+          <ac:picMkLst>
+            <pc:docMk/>
+            <pc:sldMk cId="3666076598" sldId="256"/>
+            <ac:picMk id="49" creationId="{8F767903-0A32-0640-B6AE-AE60608390B7}"/>
+          </ac:picMkLst>
+        </pc:picChg>
+        <pc:picChg chg="add del mod">
+          <ac:chgData name="Matthew Gagnon Mistele" userId="6da604e2-7ffc-4883-9f8d-817707fd051c" providerId="ADAL" clId="{E1146FAA-3DA4-CD4A-A152-097CF98AE828}" dt="2019-06-09T21:36:04.247" v="9554"/>
+          <ac:picMkLst>
+            <pc:docMk/>
+            <pc:sldMk cId="3666076598" sldId="256"/>
+            <ac:picMk id="53" creationId="{E8DB561B-0F71-6E4F-BB67-09F732079DA0}"/>
+          </ac:picMkLst>
+        </pc:picChg>
+        <pc:picChg chg="add mod">
+          <ac:chgData name="Matthew Gagnon Mistele" userId="6da604e2-7ffc-4883-9f8d-817707fd051c" providerId="ADAL" clId="{E1146FAA-3DA4-CD4A-A152-097CF98AE828}" dt="2019-06-09T22:09:34.365" v="11318" actId="1035"/>
+          <ac:picMkLst>
+            <pc:docMk/>
+            <pc:sldMk cId="3666076598" sldId="256"/>
+            <ac:picMk id="55" creationId="{C10F3C0A-CDE0-EE42-8BA0-E6EDCE232CA5}"/>
+          </ac:picMkLst>
+        </pc:picChg>
+        <pc:picChg chg="add del mod">
+          <ac:chgData name="Matthew Gagnon Mistele" userId="6da604e2-7ffc-4883-9f8d-817707fd051c" providerId="ADAL" clId="{E1146FAA-3DA4-CD4A-A152-097CF98AE828}" dt="2019-06-09T22:00:57.345" v="11116"/>
+          <ac:picMkLst>
+            <pc:docMk/>
+            <pc:sldMk cId="3666076598" sldId="256"/>
+            <ac:picMk id="57" creationId="{26F80853-B78E-9C45-8667-C4DDCC3A02D6}"/>
+          </ac:picMkLst>
+        </pc:picChg>
+        <pc:picChg chg="add mod">
+          <ac:chgData name="Matthew Gagnon Mistele" userId="6da604e2-7ffc-4883-9f8d-817707fd051c" providerId="ADAL" clId="{E1146FAA-3DA4-CD4A-A152-097CF98AE828}" dt="2019-06-09T22:18:20.785" v="11777" actId="1038"/>
+          <ac:picMkLst>
+            <pc:docMk/>
+            <pc:sldMk cId="3666076598" sldId="256"/>
+            <ac:picMk id="59" creationId="{49673213-8AFF-9745-845C-70B88A20CCB5}"/>
+          </ac:picMkLst>
+        </pc:picChg>
+        <pc:picChg chg="add mod">
+          <ac:chgData name="Matthew Gagnon Mistele" userId="6da604e2-7ffc-4883-9f8d-817707fd051c" providerId="ADAL" clId="{E1146FAA-3DA4-CD4A-A152-097CF98AE828}" dt="2019-06-09T22:18:19.742" v="11775" actId="1037"/>
+          <ac:picMkLst>
+            <pc:docMk/>
+            <pc:sldMk cId="3666076598" sldId="256"/>
+            <ac:picMk id="61" creationId="{44B1479A-D341-D445-B27E-17DC4EA67C1E}"/>
+          </ac:picMkLst>
+        </pc:picChg>
+        <pc:picChg chg="add mod">
+          <ac:chgData name="Matthew Gagnon Mistele" userId="6da604e2-7ffc-4883-9f8d-817707fd051c" providerId="ADAL" clId="{E1146FAA-3DA4-CD4A-A152-097CF98AE828}" dt="2019-06-09T22:18:08.855" v="11765" actId="14100"/>
+          <ac:picMkLst>
+            <pc:docMk/>
+            <pc:sldMk cId="3666076598" sldId="256"/>
+            <ac:picMk id="72" creationId="{49712E36-FDC0-C64D-B53D-E431D3D46E40}"/>
+          </ac:picMkLst>
+        </pc:picChg>
+        <pc:picChg chg="add del mod">
+          <ac:chgData name="Matthew Gagnon Mistele" userId="6da604e2-7ffc-4883-9f8d-817707fd051c" providerId="ADAL" clId="{E1146FAA-3DA4-CD4A-A152-097CF98AE828}" dt="2019-06-09T21:43:55.112" v="9663" actId="478"/>
+          <ac:picMkLst>
+            <pc:docMk/>
+            <pc:sldMk cId="3666076598" sldId="256"/>
+            <ac:picMk id="84" creationId="{BBFA72FD-07EE-C34F-9926-A702BB882B2D}"/>
+          </ac:picMkLst>
+        </pc:picChg>
+        <pc:picChg chg="mod">
+          <ac:chgData name="Matthew Gagnon Mistele" userId="6da604e2-7ffc-4883-9f8d-817707fd051c" providerId="ADAL" clId="{E1146FAA-3DA4-CD4A-A152-097CF98AE828}" dt="2019-06-09T22:11:24.658" v="11357" actId="1035"/>
+          <ac:picMkLst>
+            <pc:docMk/>
+            <pc:sldMk cId="3666076598" sldId="256"/>
+            <ac:picMk id="126" creationId="{3FE2A811-6808-44D4-8094-62C95EE25575}"/>
+          </ac:picMkLst>
+        </pc:picChg>
+      </pc:sldChg>
+      <pc:sldChg chg="addSp delSp modSp">
+        <pc:chgData name="Matthew Gagnon Mistele" userId="6da604e2-7ffc-4883-9f8d-817707fd051c" providerId="ADAL" clId="{E1146FAA-3DA4-CD4A-A152-097CF98AE828}" dt="2019-06-09T22:01:00.759" v="11118" actId="1037"/>
+        <pc:sldMkLst>
+          <pc:docMk/>
+          <pc:sldMk cId="1552143904" sldId="257"/>
+        </pc:sldMkLst>
+        <pc:spChg chg="add mod">
+          <ac:chgData name="Matthew Gagnon Mistele" userId="6da604e2-7ffc-4883-9f8d-817707fd051c" providerId="ADAL" clId="{E1146FAA-3DA4-CD4A-A152-097CF98AE828}" dt="2019-06-09T22:01:00.759" v="11118" actId="1037"/>
+          <ac:spMkLst>
+            <pc:docMk/>
+            <pc:sldMk cId="1552143904" sldId="257"/>
+            <ac:spMk id="42" creationId="{51DDAB87-142F-284B-8F79-7BA6CC9EB0C2}"/>
+          </ac:spMkLst>
+        </pc:spChg>
+        <pc:picChg chg="add del mod">
+          <ac:chgData name="Matthew Gagnon Mistele" userId="6da604e2-7ffc-4883-9f8d-817707fd051c" providerId="ADAL" clId="{E1146FAA-3DA4-CD4A-A152-097CF98AE828}" dt="2019-06-09T21:37:42.388" v="9660"/>
+          <ac:picMkLst>
+            <pc:docMk/>
+            <pc:sldMk cId="1552143904" sldId="257"/>
+            <ac:picMk id="40" creationId="{F0365BFA-0D14-9144-8050-C2EFADFBED18}"/>
+          </ac:picMkLst>
+        </pc:picChg>
+        <pc:picChg chg="add mod">
+          <ac:chgData name="Matthew Gagnon Mistele" userId="6da604e2-7ffc-4883-9f8d-817707fd051c" providerId="ADAL" clId="{E1146FAA-3DA4-CD4A-A152-097CF98AE828}" dt="2019-06-09T22:01:00.759" v="11118" actId="1037"/>
+          <ac:picMkLst>
+            <pc:docMk/>
+            <pc:sldMk cId="1552143904" sldId="257"/>
+            <ac:picMk id="41" creationId="{0440936B-9A97-964B-83F7-BC9024600ACE}"/>
+          </ac:picMkLst>
+        </pc:picChg>
       </pc:sldChg>
     </pc:docChg>
   </pc:docChgLst>
@@ -2309,7 +2309,7 @@
           <a:p>
             <a:fld id="{95C0DF1D-8F71-7245-983B-474B2683A1DD}" type="datetimeFigureOut">
               <a:rPr lang="en-US" smtClean="0"/>
-              <a:t>12/11/2019</a:t>
+              <a:t>12/11/19</a:t>
             </a:fld>
             <a:endParaRPr lang="en-US"/>
           </a:p>
@@ -2474,7 +2474,7 @@
           <a:p>
             <a:fld id="{B0E1774D-7209-5145-B9A0-C7A98A00955B}" type="datetimeFigureOut">
               <a:rPr lang="en-US" smtClean="0"/>
-              <a:t>12/11/2019</a:t>
+              <a:t>12/11/19</a:t>
             </a:fld>
             <a:endParaRPr lang="en-US"/>
           </a:p>
@@ -2956,7 +2956,7 @@
           <a:p>
             <a:fld id="{EED1BB8F-3237-49E9-9BDC-A1E92EE84EA3}" type="datetimeFigureOut">
               <a:rPr lang="en-US" smtClean="0"/>
-              <a:t>12/11/2019</a:t>
+              <a:t>12/11/19</a:t>
             </a:fld>
             <a:endParaRPr lang="en-US"/>
           </a:p>
@@ -3126,7 +3126,7 @@
           <a:p>
             <a:fld id="{EED1BB8F-3237-49E9-9BDC-A1E92EE84EA3}" type="datetimeFigureOut">
               <a:rPr lang="en-US" smtClean="0"/>
-              <a:t>12/11/2019</a:t>
+              <a:t>12/11/19</a:t>
             </a:fld>
             <a:endParaRPr lang="en-US"/>
           </a:p>
@@ -3306,7 +3306,7 @@
           <a:p>
             <a:fld id="{EED1BB8F-3237-49E9-9BDC-A1E92EE84EA3}" type="datetimeFigureOut">
               <a:rPr lang="en-US" smtClean="0"/>
-              <a:t>12/11/2019</a:t>
+              <a:t>12/11/19</a:t>
             </a:fld>
             <a:endParaRPr lang="en-US"/>
           </a:p>
@@ -3476,7 +3476,7 @@
           <a:p>
             <a:fld id="{EED1BB8F-3237-49E9-9BDC-A1E92EE84EA3}" type="datetimeFigureOut">
               <a:rPr lang="en-US" smtClean="0"/>
-              <a:t>12/11/2019</a:t>
+              <a:t>12/11/19</a:t>
             </a:fld>
             <a:endParaRPr lang="en-US"/>
           </a:p>
@@ -3720,7 +3720,7 @@
           <a:p>
             <a:fld id="{EED1BB8F-3237-49E9-9BDC-A1E92EE84EA3}" type="datetimeFigureOut">
               <a:rPr lang="en-US" smtClean="0"/>
-              <a:t>12/11/2019</a:t>
+              <a:t>12/11/19</a:t>
             </a:fld>
             <a:endParaRPr lang="en-US"/>
           </a:p>
@@ -3952,7 +3952,7 @@
           <a:p>
             <a:fld id="{EED1BB8F-3237-49E9-9BDC-A1E92EE84EA3}" type="datetimeFigureOut">
               <a:rPr lang="en-US" smtClean="0"/>
-              <a:t>12/11/2019</a:t>
+              <a:t>12/11/19</a:t>
             </a:fld>
             <a:endParaRPr lang="en-US"/>
           </a:p>
@@ -4319,7 +4319,7 @@
           <a:p>
             <a:fld id="{EED1BB8F-3237-49E9-9BDC-A1E92EE84EA3}" type="datetimeFigureOut">
               <a:rPr lang="en-US" smtClean="0"/>
-              <a:t>12/11/2019</a:t>
+              <a:t>12/11/19</a:t>
             </a:fld>
             <a:endParaRPr lang="en-US"/>
           </a:p>
@@ -4437,7 +4437,7 @@
           <a:p>
             <a:fld id="{EED1BB8F-3237-49E9-9BDC-A1E92EE84EA3}" type="datetimeFigureOut">
               <a:rPr lang="en-US" smtClean="0"/>
-              <a:t>12/11/2019</a:t>
+              <a:t>12/11/19</a:t>
             </a:fld>
             <a:endParaRPr lang="en-US"/>
           </a:p>
@@ -4532,7 +4532,7 @@
           <a:p>
             <a:fld id="{EED1BB8F-3237-49E9-9BDC-A1E92EE84EA3}" type="datetimeFigureOut">
               <a:rPr lang="en-US" smtClean="0"/>
-              <a:t>12/11/2019</a:t>
+              <a:t>12/11/19</a:t>
             </a:fld>
             <a:endParaRPr lang="en-US"/>
           </a:p>
@@ -4809,7 +4809,7 @@
           <a:p>
             <a:fld id="{EED1BB8F-3237-49E9-9BDC-A1E92EE84EA3}" type="datetimeFigureOut">
               <a:rPr lang="en-US" smtClean="0"/>
-              <a:t>12/11/2019</a:t>
+              <a:t>12/11/19</a:t>
             </a:fld>
             <a:endParaRPr lang="en-US"/>
           </a:p>
@@ -5066,7 +5066,7 @@
           <a:p>
             <a:fld id="{EED1BB8F-3237-49E9-9BDC-A1E92EE84EA3}" type="datetimeFigureOut">
               <a:rPr lang="en-US" smtClean="0"/>
-              <a:t>12/11/2019</a:t>
+              <a:t>12/11/19</a:t>
             </a:fld>
             <a:endParaRPr lang="en-US"/>
           </a:p>
@@ -5279,7 +5279,7 @@
           <a:p>
             <a:fld id="{EED1BB8F-3237-49E9-9BDC-A1E92EE84EA3}" type="datetimeFigureOut">
               <a:rPr lang="en-US" smtClean="0"/>
-              <a:t>12/11/2019</a:t>
+              <a:t>12/11/19</a:t>
             </a:fld>
             <a:endParaRPr lang="en-US"/>
           </a:p>
@@ -5781,8 +5781,8 @@
                 <a:solidFill>
                   <a:srgbClr val="8B1336"/>
                 </a:solidFill>
-                <a:latin typeface="Courier New" panose="02070309020205020404" pitchFamily="49" charset="0"/>
-                <a:ea typeface="Source Sans Pro" charset="0"/>
+                <a:latin typeface="Source Sans Pro" panose="020B0503030403020204" pitchFamily="34" charset="0"/>
+                <a:ea typeface="Source Sans Pro" panose="020B0503030403020204" pitchFamily="34" charset="0"/>
                 <a:cs typeface="Courier New" panose="02070309020205020404" pitchFamily="49" charset="0"/>
               </a:rPr>
               <a:t>{</a:t>
@@ -5792,8 +5792,8 @@
                 <a:solidFill>
                   <a:srgbClr val="8B1336"/>
                 </a:solidFill>
-                <a:latin typeface="Courier New" panose="02070309020205020404" pitchFamily="49" charset="0"/>
-                <a:ea typeface="Source Sans Pro" charset="0"/>
+                <a:latin typeface="Source Sans Pro" panose="020B0503030403020204" pitchFamily="34" charset="0"/>
+                <a:ea typeface="Source Sans Pro" panose="020B0503030403020204" pitchFamily="34" charset="0"/>
                 <a:cs typeface="Courier New" panose="02070309020205020404" pitchFamily="49" charset="0"/>
               </a:rPr>
               <a:t>smirchan</a:t>
@@ -5803,8 +5803,8 @@
                 <a:solidFill>
                   <a:srgbClr val="8B1336"/>
                 </a:solidFill>
-                <a:latin typeface="Courier New" panose="02070309020205020404" pitchFamily="49" charset="0"/>
-                <a:ea typeface="Source Sans Pro" charset="0"/>
+                <a:latin typeface="Source Sans Pro" panose="020B0503030403020204" pitchFamily="34" charset="0"/>
+                <a:ea typeface="Source Sans Pro" panose="020B0503030403020204" pitchFamily="34" charset="0"/>
                 <a:cs typeface="Courier New" panose="02070309020205020404" pitchFamily="49" charset="0"/>
               </a:rPr>
               <a:t>, </a:t>
@@ -5814,8 +5814,8 @@
                 <a:solidFill>
                   <a:srgbClr val="8B1336"/>
                 </a:solidFill>
-                <a:latin typeface="Courier New" panose="02070309020205020404" pitchFamily="49" charset="0"/>
-                <a:ea typeface="Source Sans Pro" charset="0"/>
+                <a:latin typeface="Source Sans Pro" panose="020B0503030403020204" pitchFamily="34" charset="0"/>
+                <a:ea typeface="Source Sans Pro" panose="020B0503030403020204" pitchFamily="34" charset="0"/>
                 <a:cs typeface="Courier New" panose="02070309020205020404" pitchFamily="49" charset="0"/>
               </a:rPr>
               <a:t>zlucia</a:t>
@@ -5825,8 +5825,8 @@
                 <a:solidFill>
                   <a:srgbClr val="8B1336"/>
                 </a:solidFill>
-                <a:latin typeface="Courier New" panose="02070309020205020404" pitchFamily="49" charset="0"/>
-                <a:ea typeface="Source Sans Pro" charset="0"/>
+                <a:latin typeface="Source Sans Pro" panose="020B0503030403020204" pitchFamily="34" charset="0"/>
+                <a:ea typeface="Source Sans Pro" panose="020B0503030403020204" pitchFamily="34" charset="0"/>
                 <a:cs typeface="Courier New" panose="02070309020205020404" pitchFamily="49" charset="0"/>
               </a:rPr>
               <a:t>, </a:t>
@@ -5836,8 +5836,8 @@
                 <a:solidFill>
                   <a:srgbClr val="8B1336"/>
                 </a:solidFill>
-                <a:latin typeface="Courier New" panose="02070309020205020404" pitchFamily="49" charset="0"/>
-                <a:ea typeface="Source Sans Pro" charset="0"/>
+                <a:latin typeface="Source Sans Pro" panose="020B0503030403020204" pitchFamily="34" charset="0"/>
+                <a:ea typeface="Source Sans Pro" panose="020B0503030403020204" pitchFamily="34" charset="0"/>
                 <a:cs typeface="Courier New" panose="02070309020205020404" pitchFamily="49" charset="0"/>
               </a:rPr>
               <a:t>jxgong</a:t>
@@ -5847,8 +5847,8 @@
                 <a:solidFill>
                   <a:srgbClr val="8B1336"/>
                 </a:solidFill>
-                <a:latin typeface="Courier New" panose="02070309020205020404" pitchFamily="49" charset="0"/>
-                <a:ea typeface="Source Sans Pro" charset="0"/>
+                <a:latin typeface="Source Sans Pro" panose="020B0503030403020204" pitchFamily="34" charset="0"/>
+                <a:ea typeface="Source Sans Pro" panose="020B0503030403020204" pitchFamily="34" charset="0"/>
                 <a:cs typeface="Courier New" panose="02070309020205020404" pitchFamily="49" charset="0"/>
               </a:rPr>
               <a:t>}@stanford.edu</a:t>
@@ -5857,8 +5857,8 @@
               <a:solidFill>
                 <a:srgbClr val="8B1336"/>
               </a:solidFill>
-              <a:latin typeface="Courier New" panose="02070309020205020404" pitchFamily="49" charset="0"/>
-              <a:ea typeface="Source Sans Pro" charset="0"/>
+              <a:latin typeface="Source Sans Pro" panose="020B0503030403020204" pitchFamily="34" charset="0"/>
+              <a:ea typeface="Source Sans Pro" panose="020B0503030403020204" pitchFamily="34" charset="0"/>
               <a:cs typeface="Courier New" panose="02070309020205020404" pitchFamily="49" charset="0"/>
             </a:endParaRPr>
           </a:p>
@@ -7878,8 +7878,8 @@
             </a:p>
           </p:txBody>
         </p:sp>
-        <mc:AlternateContent xmlns:mc="http://schemas.openxmlformats.org/markup-compatibility/2006">
-          <mc:Choice xmlns:a14="http://schemas.microsoft.com/office/drawing/2010/main" Requires="a14">
+        <mc:AlternateContent xmlns:mc="http://schemas.openxmlformats.org/markup-compatibility/2006" xmlns:a14="http://schemas.microsoft.com/office/drawing/2010/main">
+          <mc:Choice Requires="a14">
             <p:sp>
               <p:nvSpPr>
                 <p:cNvPr id="27" name="Rectangle 96">
@@ -8362,7 +8362,7 @@
               </p:txBody>
             </p:sp>
           </mc:Choice>
-          <mc:Fallback>
+          <mc:Fallback xmlns="">
             <p:sp>
               <p:nvSpPr>
                 <p:cNvPr id="27" name="Rectangle 96">
@@ -8999,8 +8999,8 @@
         </p:blipFill>
         <p:spPr bwMode="auto">
           <a:xfrm>
-            <a:off x="1838904" y="14192923"/>
-            <a:ext cx="4324298" cy="2966024"/>
+            <a:off x="2008728" y="14267384"/>
+            <a:ext cx="3990396" cy="2737002"/>
           </a:xfrm>
           <a:prstGeom prst="rect">
             <a:avLst/>
@@ -9490,8 +9490,8 @@
           </a:extLst>
         </p:spPr>
       </p:pic>
-      <mc:AlternateContent xmlns:mc="http://schemas.openxmlformats.org/markup-compatibility/2006">
-        <mc:Choice xmlns:a14="http://schemas.microsoft.com/office/drawing/2010/main" Requires="a14">
+      <mc:AlternateContent xmlns:mc="http://schemas.openxmlformats.org/markup-compatibility/2006" xmlns:a14="http://schemas.microsoft.com/office/drawing/2010/main">
+        <mc:Choice Requires="a14">
           <p:sp>
             <p:nvSpPr>
               <p:cNvPr id="37" name="Rectangle 36">
@@ -9923,7 +9923,7 @@
             </p:txBody>
           </p:sp>
         </mc:Choice>
-        <mc:Fallback>
+        <mc:Fallback xmlns="">
           <p:sp>
             <p:nvSpPr>
               <p:cNvPr id="37" name="Rectangle 36">
@@ -9968,8 +9968,8 @@
           </p:sp>
         </mc:Fallback>
       </mc:AlternateContent>
-      <mc:AlternateContent xmlns:mc="http://schemas.openxmlformats.org/markup-compatibility/2006">
-        <mc:Choice xmlns:a14="http://schemas.microsoft.com/office/drawing/2010/main" Requires="a14">
+      <mc:AlternateContent xmlns:mc="http://schemas.openxmlformats.org/markup-compatibility/2006" xmlns:a14="http://schemas.microsoft.com/office/drawing/2010/main">
+        <mc:Choice Requires="a14">
           <p:sp>
             <p:nvSpPr>
               <p:cNvPr id="54" name="Rectangle 53">
@@ -10031,7 +10031,7 @@
             </p:txBody>
           </p:sp>
         </mc:Choice>
-        <mc:Fallback>
+        <mc:Fallback xmlns="">
           <p:sp>
             <p:nvSpPr>
               <p:cNvPr id="54" name="Rectangle 53">
@@ -10076,63 +10076,6 @@
           </p:sp>
         </mc:Fallback>
       </mc:AlternateContent>
-      <p:pic>
-        <p:nvPicPr>
-          <p:cNvPr id="1028" name="Picture 4">
-            <a:extLst>
-              <a:ext uri="{FF2B5EF4-FFF2-40B4-BE49-F238E27FC236}">
-                <a16:creationId xmlns:a16="http://schemas.microsoft.com/office/drawing/2014/main" id="{A64BF70C-B781-4B57-87F5-31376A0A67D4}"/>
-              </a:ext>
-            </a:extLst>
-          </p:cNvPr>
-          <p:cNvPicPr>
-            <a:picLocks noChangeAspect="1" noChangeArrowheads="1"/>
-          </p:cNvPicPr>
-          <p:nvPr/>
-        </p:nvPicPr>
-        <p:blipFill>
-          <a:blip r:embed="rId15">
-            <a:clrChange>
-              <a:clrFrom>
-                <a:srgbClr val="FFFFFF"/>
-              </a:clrFrom>
-              <a:clrTo>
-                <a:srgbClr val="FFFFFF">
-                  <a:alpha val="0"/>
-                </a:srgbClr>
-              </a:clrTo>
-            </a:clrChange>
-            <a:extLst>
-              <a:ext uri="{28A0092B-C50C-407E-A947-70E740481C1C}">
-                <a14:useLocalDpi xmlns:a14="http://schemas.microsoft.com/office/drawing/2010/main" val="0"/>
-              </a:ext>
-            </a:extLst>
-          </a:blip>
-          <a:srcRect/>
-          <a:stretch>
-            <a:fillRect/>
-          </a:stretch>
-        </p:blipFill>
-        <p:spPr bwMode="auto">
-          <a:xfrm>
-            <a:off x="27503005" y="4004607"/>
-            <a:ext cx="4997947" cy="2175977"/>
-          </a:xfrm>
-          <a:prstGeom prst="rect">
-            <a:avLst/>
-          </a:prstGeom>
-          <a:noFill/>
-          <a:extLst>
-            <a:ext uri="{909E8E84-426E-40DD-AFC4-6F175D3DCCD1}">
-              <a14:hiddenFill xmlns:a14="http://schemas.microsoft.com/office/drawing/2010/main">
-                <a:solidFill>
-                  <a:srgbClr val="FFFFFF"/>
-                </a:solidFill>
-              </a14:hiddenFill>
-            </a:ext>
-          </a:extLst>
-        </p:spPr>
-      </p:pic>
       <p:sp>
         <p:nvSpPr>
           <p:cNvPr id="58" name="Rectangle 57">
@@ -10200,8 +10143,8 @@
           </p:cNvPicPr>
           <p:nvPr/>
         </p:nvPicPr>
-        <p:blipFill>
-          <a:blip r:embed="rId16">
+        <p:blipFill rotWithShape="1">
+          <a:blip r:embed="rId15">
             <a:clrChange>
               <a:clrFrom>
                 <a:srgbClr val="FFFFFF"/>
@@ -10218,15 +10161,13 @@
               </a:ext>
             </a:extLst>
           </a:blip>
-          <a:srcRect/>
-          <a:stretch>
-            <a:fillRect/>
-          </a:stretch>
+          <a:srcRect b="1940"/>
+          <a:stretch/>
         </p:blipFill>
         <p:spPr bwMode="auto">
           <a:xfrm>
             <a:off x="25977356" y="9799052"/>
-            <a:ext cx="6941044" cy="4798318"/>
+            <a:ext cx="6944345" cy="4707476"/>
           </a:xfrm>
           <a:prstGeom prst="rect">
             <a:avLst/>
@@ -10353,7 +10294,7 @@
                 <a:latin typeface="Source Sans Pro" panose="020B0503030403020204" pitchFamily="34" charset="0"/>
                 <a:ea typeface="Source Sans Pro" panose="020B0503030403020204" pitchFamily="34" charset="0"/>
               </a:rPr>
-              <a:t>2-step LR (**):  Predict typographic attribute vector from rasterized image input with linear regression; then predict semantic attributes using linear regression (Figure 5b)</a:t>
+              <a:t>2-step LR:  Predict typographic attribute vector from rasterized image input with linear regression; then predict semantic attributes using linear regression (Figure 5b)</a:t>
             </a:r>
           </a:p>
           <a:p>
@@ -10406,7 +10347,7 @@
             <p:nvPr/>
           </p:nvPicPr>
           <p:blipFill>
-            <a:blip r:embed="rId17">
+            <a:blip r:embed="rId16">
               <a:clrChange>
                 <a:clrFrom>
                   <a:srgbClr val="FFFFFF"/>
@@ -10463,7 +10404,7 @@
             <p:nvPr/>
           </p:nvPicPr>
           <p:blipFill>
-            <a:blip r:embed="rId18">
+            <a:blip r:embed="rId17">
               <a:clrChange>
                 <a:clrFrom>
                   <a:srgbClr val="FFFFFF"/>
@@ -10520,7 +10461,7 @@
             <p:nvPr/>
           </p:nvPicPr>
           <p:blipFill>
-            <a:blip r:embed="rId19">
+            <a:blip r:embed="rId18">
               <a:clrChange>
                 <a:clrFrom>
                   <a:srgbClr val="FFFFFF"/>
@@ -10977,6 +10918,52 @@
           </p:txBody>
         </p:sp>
       </p:grpSp>
+      <p:pic>
+        <p:nvPicPr>
+          <p:cNvPr id="33" name="Picture 32" descr="A picture containing table&#10;&#10;Description automatically generated">
+            <a:extLst>
+              <a:ext uri="{FF2B5EF4-FFF2-40B4-BE49-F238E27FC236}">
+                <a16:creationId xmlns:a16="http://schemas.microsoft.com/office/drawing/2014/main" id="{E11B3AC8-5E16-3940-9795-FACC68E25ABD}"/>
+              </a:ext>
+            </a:extLst>
+          </p:cNvPr>
+          <p:cNvPicPr>
+            <a:picLocks noChangeAspect="1"/>
+          </p:cNvPicPr>
+          <p:nvPr/>
+        </p:nvPicPr>
+        <p:blipFill>
+          <a:blip r:embed="rId19">
+            <a:clrChange>
+              <a:clrFrom>
+                <a:srgbClr val="FFFFFF"/>
+              </a:clrFrom>
+              <a:clrTo>
+                <a:srgbClr val="FFFFFF">
+                  <a:alpha val="0"/>
+                </a:srgbClr>
+              </a:clrTo>
+            </a:clrChange>
+            <a:extLst>
+              <a:ext uri="{28A0092B-C50C-407E-A947-70E740481C1C}">
+                <a14:useLocalDpi xmlns:a14="http://schemas.microsoft.com/office/drawing/2010/main" val="0"/>
+              </a:ext>
+            </a:extLst>
+          </a:blip>
+          <a:stretch>
+            <a:fillRect/>
+          </a:stretch>
+        </p:blipFill>
+        <p:spPr>
+          <a:xfrm>
+            <a:off x="27823683" y="4136536"/>
+            <a:ext cx="4356588" cy="1844961"/>
+          </a:xfrm>
+          <a:prstGeom prst="rect">
+            <a:avLst/>
+          </a:prstGeom>
+        </p:spPr>
+      </p:pic>
       <p:sp>
         <p:nvSpPr>
           <p:cNvPr id="6" name="Rectangle 5">
@@ -11092,6 +11079,92 @@
               </a:rPr>
               <a:t>For attribute prediction, the CNN outperformed both linear baseline models. We believe this is because while the baselines cannot leverage spatial information since the images are linearized, the convolutional filters can characterize glyphs by learning the relationships between glyph features in a spatial sense, enabling it to “see” edges, curves, and other characteristics.</a:t>
             </a:r>
+          </a:p>
+        </p:txBody>
+      </p:sp>
+      <p:pic>
+        <p:nvPicPr>
+          <p:cNvPr id="13" name="Picture 12" descr="A picture containing table&#10;&#10;Description automatically generated">
+            <a:extLst>
+              <a:ext uri="{FF2B5EF4-FFF2-40B4-BE49-F238E27FC236}">
+                <a16:creationId xmlns:a16="http://schemas.microsoft.com/office/drawing/2014/main" id="{F9ECCA72-C888-4F4C-9110-2A5F37D28382}"/>
+              </a:ext>
+            </a:extLst>
+          </p:cNvPr>
+          <p:cNvPicPr>
+            <a:picLocks noChangeAspect="1"/>
+          </p:cNvPicPr>
+          <p:nvPr/>
+        </p:nvPicPr>
+        <p:blipFill>
+          <a:blip r:embed="rId20">
+            <a:clrChange>
+              <a:clrFrom>
+                <a:srgbClr val="FFFFFF"/>
+              </a:clrFrom>
+              <a:clrTo>
+                <a:srgbClr val="FFFFFF">
+                  <a:alpha val="0"/>
+                </a:srgbClr>
+              </a:clrTo>
+            </a:clrChange>
+            <a:alphaModFix/>
+            <a:extLst>
+              <a:ext uri="{28A0092B-C50C-407E-A947-70E740481C1C}">
+                <a14:useLocalDpi xmlns:a14="http://schemas.microsoft.com/office/drawing/2010/main" val="0"/>
+              </a:ext>
+            </a:extLst>
+          </a:blip>
+          <a:stretch>
+            <a:fillRect/>
+          </a:stretch>
+        </p:blipFill>
+        <p:spPr>
+          <a:xfrm>
+            <a:off x="20895210" y="14345950"/>
+            <a:ext cx="4828064" cy="1140987"/>
+          </a:xfrm>
+          <a:prstGeom prst="rect">
+            <a:avLst/>
+          </a:prstGeom>
+        </p:spPr>
+      </p:pic>
+      <p:sp>
+        <p:nvSpPr>
+          <p:cNvPr id="59" name="Rectangle 58">
+            <a:extLst>
+              <a:ext uri="{FF2B5EF4-FFF2-40B4-BE49-F238E27FC236}">
+                <a16:creationId xmlns:a16="http://schemas.microsoft.com/office/drawing/2014/main" id="{0804E88D-6DE9-7540-AC8D-1C03422046C9}"/>
+              </a:ext>
+            </a:extLst>
+          </p:cNvPr>
+          <p:cNvSpPr/>
+          <p:nvPr/>
+        </p:nvSpPr>
+        <p:spPr>
+          <a:xfrm>
+            <a:off x="21245237" y="15585114"/>
+            <a:ext cx="4128009" cy="646331"/>
+          </a:xfrm>
+          <a:prstGeom prst="rect">
+            <a:avLst/>
+          </a:prstGeom>
+        </p:spPr>
+        <p:txBody>
+          <a:bodyPr wrap="square">
+            <a:spAutoFit/>
+          </a:bodyPr>
+          <a:lstStyle/>
+          <a:p>
+            <a:pPr algn="ctr"/>
+            <a:r>
+              <a:rPr lang="en-US" dirty="0">
+                <a:latin typeface="Source Sans Pro" panose="020B0503030403020204" pitchFamily="34" charset="0"/>
+                <a:ea typeface="Source Sans Pro" panose="020B0503030403020204" pitchFamily="34" charset="0"/>
+              </a:rPr>
+              <a:t>Table 2. Results from semantic attribute prediction experiments.</a:t>
+            </a:r>
+            <a:endParaRPr lang="en-US" baseline="30000" dirty="0"/>
           </a:p>
         </p:txBody>
       </p:sp>
